--- a/_presentation/MachineLearning_StockMarketReturns.pptx
+++ b/_presentation/MachineLearning_StockMarketReturns.pptx
@@ -5,22 +5,30 @@
     <p:sldMasterId id="2147483648" r:id="rId1"/>
   </p:sldMasterIdLst>
   <p:notesMasterIdLst>
-    <p:notesMasterId r:id="rId15"/>
+    <p:notesMasterId r:id="rId23"/>
   </p:notesMasterIdLst>
   <p:sldIdLst>
     <p:sldId id="258" r:id="rId2"/>
     <p:sldId id="263" r:id="rId3"/>
-    <p:sldId id="266" r:id="rId4"/>
-    <p:sldId id="267" r:id="rId5"/>
-    <p:sldId id="264" r:id="rId6"/>
+    <p:sldId id="264" r:id="rId4"/>
+    <p:sldId id="275" r:id="rId5"/>
+    <p:sldId id="267" r:id="rId6"/>
     <p:sldId id="274" r:id="rId7"/>
-    <p:sldId id="265" r:id="rId8"/>
-    <p:sldId id="272" r:id="rId9"/>
-    <p:sldId id="273" r:id="rId10"/>
-    <p:sldId id="270" r:id="rId11"/>
+    <p:sldId id="266" r:id="rId8"/>
+    <p:sldId id="265" r:id="rId9"/>
+    <p:sldId id="277" r:id="rId10"/>
+    <p:sldId id="276" r:id="rId11"/>
     <p:sldId id="269" r:id="rId12"/>
-    <p:sldId id="271" r:id="rId13"/>
-    <p:sldId id="268" r:id="rId14"/>
+    <p:sldId id="270" r:id="rId13"/>
+    <p:sldId id="271" r:id="rId14"/>
+    <p:sldId id="268" r:id="rId15"/>
+    <p:sldId id="279" r:id="rId16"/>
+    <p:sldId id="280" r:id="rId17"/>
+    <p:sldId id="278" r:id="rId18"/>
+    <p:sldId id="281" r:id="rId19"/>
+    <p:sldId id="283" r:id="rId20"/>
+    <p:sldId id="282" r:id="rId21"/>
+    <p:sldId id="284" r:id="rId22"/>
   </p:sldIdLst>
   <p:sldSz cx="9144000" cy="6858000" type="screen4x3"/>
   <p:notesSz cx="6858000" cy="9144000"/>
@@ -204,7 +212,7 @@
           <a:p>
             <a:fld id="{74AC502C-C804-4198-99A2-1BC651C18491}" type="datetimeFigureOut">
               <a:rPr lang="de-DE" smtClean="0"/>
-              <a:t>02.12.2018</a:t>
+              <a:t>03.12.2018</a:t>
             </a:fld>
             <a:endParaRPr lang="de-DE"/>
           </a:p>
@@ -3103,7 +3111,6 @@
               <a:rPr lang="de-DE" dirty="0"/>
               <a:t>Machine Learning and Stock Market Returns</a:t>
             </a:r>
-            <a:endParaRPr lang="de-DE" dirty="0"/>
           </a:p>
         </p:txBody>
       </p:sp>
@@ -3180,6 +3187,34 @@
               <a:t>1</a:t>
             </a:fld>
             <a:endParaRPr lang="de-DE"/>
+          </a:p>
+        </p:txBody>
+      </p:sp>
+      <p:sp>
+        <p:nvSpPr>
+          <p:cNvPr id="7" name="Footer Placeholder 4"/>
+          <p:cNvSpPr>
+            <a:spLocks noGrp="1"/>
+          </p:cNvSpPr>
+          <p:nvPr>
+            <p:ph type="ftr" sz="quarter" idx="11"/>
+          </p:nvPr>
+        </p:nvSpPr>
+        <p:spPr>
+          <a:xfrm>
+            <a:off x="684000" y="6134400"/>
+            <a:ext cx="2895600" cy="180000"/>
+          </a:xfrm>
+        </p:spPr>
+        <p:txBody>
+          <a:bodyPr/>
+          <a:lstStyle/>
+          <a:p>
+            <a:r>
+              <a:rPr lang="de-DE" dirty="0" smtClean="0"/>
+              <a:t>Pavel Lesnevski</a:t>
+            </a:r>
+            <a:endParaRPr lang="de-DE" dirty="0"/>
           </a:p>
         </p:txBody>
       </p:sp>
@@ -3230,495 +3265,59 @@
             <p:ph type="title"/>
           </p:nvPr>
         </p:nvSpPr>
+        <p:spPr>
+          <a:xfrm>
+            <a:off x="684000" y="584684"/>
+            <a:ext cx="5940228" cy="1141200"/>
+          </a:xfrm>
+        </p:spPr>
+        <p:txBody>
+          <a:bodyPr/>
+          <a:lstStyle/>
+          <a:p>
+            <a:r>
+              <a:rPr lang="en-US" dirty="0"/>
+              <a:t>Some Machine Learning </a:t>
+            </a:r>
+            <a:r>
+              <a:rPr lang="en-US" dirty="0" smtClean="0"/>
+              <a:t>Methods</a:t>
+            </a:r>
+            <a:endParaRPr lang="en-US" dirty="0"/>
+          </a:p>
+        </p:txBody>
+      </p:sp>
+      <p:sp>
+        <p:nvSpPr>
+          <p:cNvPr id="4" name="Date Placeholder 3"/>
+          <p:cNvSpPr>
+            <a:spLocks noGrp="1"/>
+          </p:cNvSpPr>
+          <p:nvPr>
+            <p:ph type="dt" sz="half" idx="10"/>
+          </p:nvPr>
+        </p:nvSpPr>
         <p:spPr/>
         <p:txBody>
           <a:bodyPr/>
           <a:lstStyle/>
           <a:p>
             <a:r>
-              <a:rPr lang="de-DE" dirty="0"/>
-              <a:t/>
-            </a:r>
-            <a:br>
-              <a:rPr lang="de-DE" dirty="0"/>
-            </a:br>
-            <a:r>
-              <a:rPr lang="de-DE" sz="2000" dirty="0"/>
-              <a:t>Ridge</a:t>
+              <a:rPr lang="de-DE" dirty="0" smtClean="0"/>
+              <a:t>06.12.2018</a:t>
             </a:r>
             <a:endParaRPr lang="de-DE" dirty="0"/>
           </a:p>
         </p:txBody>
       </p:sp>
-      <mc:AlternateContent xmlns:mc="http://schemas.openxmlformats.org/markup-compatibility/2006" xmlns:a14="http://schemas.microsoft.com/office/drawing/2010/main">
-        <mc:Choice Requires="a14">
-          <p:sp>
-            <p:nvSpPr>
-              <p:cNvPr id="3" name="Content Placeholder 2"/>
-              <p:cNvSpPr>
-                <a:spLocks noGrp="1"/>
-              </p:cNvSpPr>
-              <p:nvPr>
-                <p:ph idx="1"/>
-              </p:nvPr>
-            </p:nvSpPr>
-            <p:spPr/>
-            <p:txBody>
-              <a:bodyPr/>
-              <a:lstStyle/>
-              <a:p>
-                <a:pPr marL="0" indent="0">
-                  <a:buNone/>
-                </a:pPr>
-                <a:r>
-                  <a:rPr lang="de-DE" sz="1600" dirty="0"/>
-                  <a:t>Based on </a:t>
-                </a:r>
-                <a:r>
-                  <a:rPr lang="de-DE" sz="1600" i="1" dirty="0"/>
-                  <a:t>Hoerl and Kennard (Technometrics, 1970)</a:t>
-                </a:r>
-                <a:endParaRPr lang="de-DE" dirty="0"/>
-              </a:p>
-              <a:p>
-                <a:pPr marL="0" indent="0">
-                  <a:buNone/>
-                </a:pPr>
-                <a:endParaRPr lang="de-DE" dirty="0"/>
-              </a:p>
-              <a:p>
-                <a:r>
-                  <a:rPr lang="en-US" dirty="0"/>
-                  <a:t>Ridge is an </a:t>
-                </a:r>
-                <a14:m>
-                  <m:oMath xmlns:m="http://schemas.openxmlformats.org/officeDocument/2006/math">
-                    <m:sSub>
-                      <m:sSubPr>
-                        <m:ctrlPr>
-                          <a:rPr lang="en-US" i="1" smtClean="0">
-                            <a:latin typeface="Cambria Math"/>
-                          </a:rPr>
-                        </m:ctrlPr>
-                      </m:sSubPr>
-                      <m:e>
-                        <m:r>
-                          <a:rPr lang="en-US" b="0" i="1" smtClean="0">
-                            <a:latin typeface="Cambria Math" panose="02040503050406030204" pitchFamily="18" charset="0"/>
-                          </a:rPr>
-                          <m:t>𝑙</m:t>
-                        </m:r>
-                      </m:e>
-                      <m:sub>
-                        <m:r>
-                          <a:rPr lang="en-US" b="0" i="1" smtClean="0">
-                            <a:latin typeface="Cambria Math" panose="02040503050406030204" pitchFamily="18" charset="0"/>
-                          </a:rPr>
-                          <m:t>2</m:t>
-                        </m:r>
-                      </m:sub>
-                    </m:sSub>
-                  </m:oMath>
-                </a14:m>
-                <a:r>
-                  <a:rPr lang="en-US" dirty="0"/>
-                  <a:t>-penalized regression method</a:t>
-                </a:r>
-              </a:p>
-              <a:p>
-                <a:r>
-                  <a:rPr lang="en-US" dirty="0"/>
-                  <a:t>Idea:</a:t>
-                </a:r>
-              </a:p>
-              <a:p>
-                <a:pPr lvl="1"/>
-                <a:r>
-                  <a:rPr lang="en-US" dirty="0"/>
-                  <a:t>Biases non-linearly coefficients towards zero</a:t>
-                </a:r>
-              </a:p>
-              <a:p>
-                <a:pPr lvl="1"/>
-                <a:r>
-                  <a:rPr lang="en-US" dirty="0"/>
-                  <a:t>Works well in dense models and with correlated predictors</a:t>
-                </a:r>
-              </a:p>
-              <a:p>
-                <a:pPr marL="0" indent="0">
-                  <a:buNone/>
-                </a:pPr>
-                <a:endParaRPr lang="de-DE" dirty="0"/>
-              </a:p>
-              <a:p>
-                <a:pPr marL="0" indent="0">
-                  <a:buNone/>
-                </a:pPr>
-                <a14:m>
-                  <m:oMathPara xmlns:m="http://schemas.openxmlformats.org/officeDocument/2006/math">
-                    <m:oMathParaPr>
-                      <m:jc m:val="centerGroup"/>
-                    </m:oMathParaPr>
-                    <m:oMath xmlns:m="http://schemas.openxmlformats.org/officeDocument/2006/math">
-                      <m:func>
-                        <m:funcPr>
-                          <m:ctrlPr>
-                            <a:rPr lang="de-DE" sz="1600" i="1">
-                              <a:latin typeface="Cambria Math"/>
-                            </a:rPr>
-                          </m:ctrlPr>
-                        </m:funcPr>
-                        <m:fName>
-                          <m:limLow>
-                            <m:limLowPr>
-                              <m:ctrlPr>
-                                <a:rPr lang="de-DE" sz="1600" i="1">
-                                  <a:latin typeface="Cambria Math"/>
-                                </a:rPr>
-                              </m:ctrlPr>
-                            </m:limLowPr>
-                            <m:e>
-                              <m:r>
-                                <m:rPr>
-                                  <m:sty m:val="p"/>
-                                </m:rPr>
-                                <a:rPr lang="de-DE" sz="1600" i="1">
-                                  <a:latin typeface="Cambria Math" panose="02040503050406030204" pitchFamily="18" charset="0"/>
-                                </a:rPr>
-                                <m:t>min</m:t>
-                              </m:r>
-                            </m:e>
-                            <m:lim>
-                              <m:r>
-                                <a:rPr lang="de-DE" sz="1600" i="1">
-                                  <a:latin typeface="Cambria Math" panose="02040503050406030204" pitchFamily="18" charset="0"/>
-                                </a:rPr>
-                                <m:t>𝑏</m:t>
-                              </m:r>
-                              <m:r>
-                                <a:rPr lang="de-DE" sz="1600" i="1">
-                                  <a:latin typeface="Cambria Math" panose="02040503050406030204" pitchFamily="18" charset="0"/>
-                                </a:rPr>
-                                <m:t>∈</m:t>
-                              </m:r>
-                              <m:sSup>
-                                <m:sSupPr>
-                                  <m:ctrlPr>
-                                    <a:rPr lang="de-DE" sz="1600" i="1" smtClean="0">
-                                      <a:latin typeface="Cambria Math"/>
-                                    </a:rPr>
-                                  </m:ctrlPr>
-                                </m:sSupPr>
-                                <m:e>
-                                  <m:r>
-                                    <a:rPr lang="de-DE" sz="1600" b="0" i="1" smtClean="0">
-                                      <a:latin typeface="Cambria Math" panose="02040503050406030204" pitchFamily="18" charset="0"/>
-                                    </a:rPr>
-                                    <m:t>𝑅</m:t>
-                                  </m:r>
-                                </m:e>
-                                <m:sup>
-                                  <m:r>
-                                    <a:rPr lang="de-DE" sz="1600" b="0" i="1" smtClean="0">
-                                      <a:latin typeface="Cambria Math" panose="02040503050406030204" pitchFamily="18" charset="0"/>
-                                    </a:rPr>
-                                    <m:t>𝑝</m:t>
-                                  </m:r>
-                                </m:sup>
-                              </m:sSup>
-                            </m:lim>
-                          </m:limLow>
-                        </m:fName>
-                        <m:e>
-                          <m:nary>
-                            <m:naryPr>
-                              <m:chr m:val="∑"/>
-                              <m:ctrlPr>
-                                <a:rPr lang="de-DE" sz="1600" i="1" smtClean="0">
-                                  <a:latin typeface="Cambria Math"/>
-                                </a:rPr>
-                              </m:ctrlPr>
-                            </m:naryPr>
-                            <m:sub>
-                              <m:r>
-                                <m:rPr>
-                                  <m:brk m:alnAt="23"/>
-                                </m:rPr>
-                                <a:rPr lang="de-DE" sz="1600" b="0" i="1" smtClean="0">
-                                  <a:latin typeface="Cambria Math" panose="02040503050406030204" pitchFamily="18" charset="0"/>
-                                </a:rPr>
-                                <m:t>𝑖</m:t>
-                              </m:r>
-                              <m:r>
-                                <a:rPr lang="de-DE" sz="1600" b="0" i="1" smtClean="0">
-                                  <a:latin typeface="Cambria Math" panose="02040503050406030204" pitchFamily="18" charset="0"/>
-                                </a:rPr>
-                                <m:t>=1</m:t>
-                              </m:r>
-                            </m:sub>
-                            <m:sup>
-                              <m:r>
-                                <a:rPr lang="de-DE" sz="1600" b="0" i="1" smtClean="0">
-                                  <a:latin typeface="Cambria Math" panose="02040503050406030204" pitchFamily="18" charset="0"/>
-                                </a:rPr>
-                                <m:t>𝑛</m:t>
-                              </m:r>
-                            </m:sup>
-                            <m:e>
-                              <m:sSup>
-                                <m:sSupPr>
-                                  <m:ctrlPr>
-                                    <a:rPr lang="de-DE" sz="1600" i="1" smtClean="0">
-                                      <a:latin typeface="Cambria Math"/>
-                                    </a:rPr>
-                                  </m:ctrlPr>
-                                </m:sSupPr>
-                                <m:e>
-                                  <m:r>
-                                    <a:rPr lang="de-DE" sz="1600" b="0" i="1" smtClean="0">
-                                      <a:latin typeface="Cambria Math" panose="02040503050406030204" pitchFamily="18" charset="0"/>
-                                    </a:rPr>
-                                    <m:t>(</m:t>
-                                  </m:r>
-                                  <m:sSub>
-                                    <m:sSubPr>
-                                      <m:ctrlPr>
-                                        <a:rPr lang="de-DE" sz="1600" b="0" i="1" smtClean="0">
-                                          <a:latin typeface="Cambria Math"/>
-                                        </a:rPr>
-                                      </m:ctrlPr>
-                                    </m:sSubPr>
-                                    <m:e>
-                                      <m:r>
-                                        <a:rPr lang="de-DE" sz="1600" b="0" i="1" smtClean="0">
-                                          <a:latin typeface="Cambria Math" panose="02040503050406030204" pitchFamily="18" charset="0"/>
-                                        </a:rPr>
-                                        <m:t>𝑌</m:t>
-                                      </m:r>
-                                    </m:e>
-                                    <m:sub>
-                                      <m:r>
-                                        <a:rPr lang="de-DE" sz="1600" b="0" i="1" smtClean="0">
-                                          <a:latin typeface="Cambria Math" panose="02040503050406030204" pitchFamily="18" charset="0"/>
-                                        </a:rPr>
-                                        <m:t>𝑖</m:t>
-                                      </m:r>
-                                    </m:sub>
-                                  </m:sSub>
-                                  <m:r>
-                                    <a:rPr lang="de-DE" sz="1600" b="0" i="1" smtClean="0">
-                                      <a:latin typeface="Cambria Math" panose="02040503050406030204" pitchFamily="18" charset="0"/>
-                                    </a:rPr>
-                                    <m:t>−</m:t>
-                                  </m:r>
-                                  <m:sSup>
-                                    <m:sSupPr>
-                                      <m:ctrlPr>
-                                        <a:rPr lang="de-DE" sz="1600" b="0" i="1" smtClean="0">
-                                          <a:latin typeface="Cambria Math"/>
-                                        </a:rPr>
-                                      </m:ctrlPr>
-                                    </m:sSupPr>
-                                    <m:e>
-                                      <m:r>
-                                        <a:rPr lang="de-DE" sz="1600" b="0" i="1" smtClean="0">
-                                          <a:latin typeface="Cambria Math" panose="02040503050406030204" pitchFamily="18" charset="0"/>
-                                        </a:rPr>
-                                        <m:t>𝑏</m:t>
-                                      </m:r>
-                                    </m:e>
-                                    <m:sup>
-                                      <m:r>
-                                        <a:rPr lang="de-DE" sz="1600" b="0" i="1" smtClean="0">
-                                          <a:latin typeface="Cambria Math" panose="02040503050406030204" pitchFamily="18" charset="0"/>
-                                        </a:rPr>
-                                        <m:t>′</m:t>
-                                      </m:r>
-                                    </m:sup>
-                                  </m:sSup>
-                                  <m:sSub>
-                                    <m:sSubPr>
-                                      <m:ctrlPr>
-                                        <a:rPr lang="de-DE" sz="1600" i="1">
-                                          <a:latin typeface="Cambria Math"/>
-                                        </a:rPr>
-                                      </m:ctrlPr>
-                                    </m:sSubPr>
-                                    <m:e>
-                                      <m:r>
-                                        <a:rPr lang="de-DE" sz="1600" i="1">
-                                          <a:latin typeface="Cambria Math" panose="02040503050406030204" pitchFamily="18" charset="0"/>
-                                        </a:rPr>
-                                        <m:t>𝑋</m:t>
-                                      </m:r>
-                                    </m:e>
-                                    <m:sub>
-                                      <m:r>
-                                        <a:rPr lang="de-DE" sz="1600" i="1">
-                                          <a:latin typeface="Cambria Math" panose="02040503050406030204" pitchFamily="18" charset="0"/>
-                                        </a:rPr>
-                                        <m:t>𝑖</m:t>
-                                      </m:r>
-                                    </m:sub>
-                                  </m:sSub>
-                                  <m:r>
-                                    <a:rPr lang="de-DE" sz="1600" b="0" i="1" smtClean="0">
-                                      <a:latin typeface="Cambria Math" panose="02040503050406030204" pitchFamily="18" charset="0"/>
-                                    </a:rPr>
-                                    <m:t>)</m:t>
-                                  </m:r>
-                                </m:e>
-                                <m:sup>
-                                  <m:r>
-                                    <a:rPr lang="de-DE" sz="1600" b="0" i="1" smtClean="0">
-                                      <a:latin typeface="Cambria Math" panose="02040503050406030204" pitchFamily="18" charset="0"/>
-                                    </a:rPr>
-                                    <m:t>2</m:t>
-                                  </m:r>
-                                </m:sup>
-                              </m:sSup>
-                              <m:r>
-                                <a:rPr lang="de-DE" sz="1600" b="0" i="1" smtClean="0">
-                                  <a:latin typeface="Cambria Math" panose="02040503050406030204" pitchFamily="18" charset="0"/>
-                                </a:rPr>
-                                <m:t>+</m:t>
-                              </m:r>
-                              <m:r>
-                                <m:rPr>
-                                  <m:sty m:val="p"/>
-                                </m:rPr>
-                                <a:rPr lang="el-GR" sz="1600" b="0" i="1" smtClean="0">
-                                  <a:latin typeface="Cambria Math" panose="02040503050406030204" pitchFamily="18" charset="0"/>
-                                </a:rPr>
-                                <m:t>λ</m:t>
-                              </m:r>
-                              <m:nary>
-                                <m:naryPr>
-                                  <m:chr m:val="∑"/>
-                                  <m:ctrlPr>
-                                    <a:rPr lang="el-GR" sz="1600" b="0" i="1" smtClean="0">
-                                      <a:latin typeface="Cambria Math"/>
-                                    </a:rPr>
-                                  </m:ctrlPr>
-                                </m:naryPr>
-                                <m:sub>
-                                  <m:r>
-                                    <m:rPr>
-                                      <m:brk m:alnAt="23"/>
-                                    </m:rPr>
-                                    <a:rPr lang="de-DE" sz="1600" b="0" i="1" smtClean="0">
-                                      <a:latin typeface="Cambria Math" panose="02040503050406030204" pitchFamily="18" charset="0"/>
-                                    </a:rPr>
-                                    <m:t>𝑗</m:t>
-                                  </m:r>
-                                  <m:r>
-                                    <a:rPr lang="de-DE" sz="1600" b="0" i="1" smtClean="0">
-                                      <a:latin typeface="Cambria Math" panose="02040503050406030204" pitchFamily="18" charset="0"/>
-                                    </a:rPr>
-                                    <m:t>=1</m:t>
-                                  </m:r>
-                                </m:sub>
-                                <m:sup>
-                                  <m:r>
-                                    <a:rPr lang="de-DE" sz="1600" b="0" i="1" smtClean="0">
-                                      <a:latin typeface="Cambria Math" panose="02040503050406030204" pitchFamily="18" charset="0"/>
-                                    </a:rPr>
-                                    <m:t>𝑝</m:t>
-                                  </m:r>
-                                </m:sup>
-                                <m:e>
-                                  <m:sSubSup>
-                                    <m:sSubSupPr>
-                                      <m:ctrlPr>
-                                        <a:rPr lang="el-GR" sz="1600" b="0" i="1" smtClean="0">
-                                          <a:latin typeface="Cambria Math"/>
-                                        </a:rPr>
-                                      </m:ctrlPr>
-                                    </m:sSubSupPr>
-                                    <m:e>
-                                      <m:r>
-                                        <a:rPr lang="de-DE" sz="1600" b="0" i="1" smtClean="0">
-                                          <a:latin typeface="Cambria Math" panose="02040503050406030204" pitchFamily="18" charset="0"/>
-                                        </a:rPr>
-                                        <m:t>𝑏</m:t>
-                                      </m:r>
-                                    </m:e>
-                                    <m:sub>
-                                      <m:r>
-                                        <a:rPr lang="de-DE" sz="1600" b="0" i="1" smtClean="0">
-                                          <a:latin typeface="Cambria Math" panose="02040503050406030204" pitchFamily="18" charset="0"/>
-                                        </a:rPr>
-                                        <m:t>𝑗</m:t>
-                                      </m:r>
-                                    </m:sub>
-                                    <m:sup>
-                                      <m:r>
-                                        <a:rPr lang="de-DE" sz="1600" b="0" i="1" smtClean="0">
-                                          <a:latin typeface="Cambria Math" panose="02040503050406030204" pitchFamily="18" charset="0"/>
-                                        </a:rPr>
-                                        <m:t>2</m:t>
-                                      </m:r>
-                                    </m:sup>
-                                  </m:sSubSup>
-                                </m:e>
-                              </m:nary>
-                            </m:e>
-                          </m:nary>
-                        </m:e>
-                      </m:func>
-                    </m:oMath>
-                  </m:oMathPara>
-                </a14:m>
-                <a:endParaRPr lang="de-DE" sz="1600" i="1" dirty="0">
-                  <a:latin typeface="Cambria Math" panose="02040503050406030204" pitchFamily="18" charset="0"/>
-                </a:endParaRPr>
-              </a:p>
-            </p:txBody>
-          </p:sp>
-        </mc:Choice>
-        <mc:Fallback xmlns="">
-          <p:sp>
-            <p:nvSpPr>
-              <p:cNvPr id="3" name="Content Placeholder 2"/>
-              <p:cNvSpPr>
-                <a:spLocks noGrp="1" noRot="1" noChangeAspect="1" noMove="1" noResize="1" noEditPoints="1" noAdjustHandles="1" noChangeArrowheads="1" noChangeShapeType="1" noTextEdit="1"/>
-              </p:cNvSpPr>
-              <p:nvPr>
-                <p:ph idx="1"/>
-              </p:nvPr>
-            </p:nvSpPr>
-            <p:spPr>
-              <a:blipFill>
-                <a:blip r:embed="rId2"/>
-                <a:stretch>
-                  <a:fillRect l="-2194" t="-1590"/>
-                </a:stretch>
-              </a:blipFill>
-            </p:spPr>
-            <p:txBody>
-              <a:bodyPr/>
-              <a:lstStyle/>
-              <a:p>
-                <a:r>
-                  <a:rPr lang="de-DE">
-                    <a:noFill/>
-                  </a:rPr>
-                  <a:t> </a:t>
-                </a:r>
-              </a:p>
-            </p:txBody>
-          </p:sp>
-        </mc:Fallback>
-      </mc:AlternateContent>
-      <p:sp>
-        <p:nvSpPr>
-          <p:cNvPr id="4" name="Date Placeholder 3"/>
-          <p:cNvSpPr>
-            <a:spLocks noGrp="1"/>
-          </p:cNvSpPr>
-          <p:nvPr>
-            <p:ph type="dt" sz="half" idx="10"/>
+      <p:sp>
+        <p:nvSpPr>
+          <p:cNvPr id="5" name="Footer Placeholder 4"/>
+          <p:cNvSpPr>
+            <a:spLocks noGrp="1"/>
+          </p:cNvSpPr>
+          <p:nvPr>
+            <p:ph type="ftr" sz="quarter" idx="11"/>
           </p:nvPr>
         </p:nvSpPr>
         <p:spPr/>
@@ -3727,31 +3326,10 @@
           <a:lstStyle/>
           <a:p>
             <a:r>
-              <a:rPr lang="de-DE"/>
-              <a:t>18.10.2018</a:t>
-            </a:r>
-          </a:p>
-        </p:txBody>
-      </p:sp>
-      <p:sp>
-        <p:nvSpPr>
-          <p:cNvPr id="5" name="Footer Placeholder 4"/>
-          <p:cNvSpPr>
-            <a:spLocks noGrp="1"/>
-          </p:cNvSpPr>
-          <p:nvPr>
-            <p:ph type="ftr" sz="quarter" idx="11"/>
-          </p:nvPr>
-        </p:nvSpPr>
-        <p:spPr/>
-        <p:txBody>
-          <a:bodyPr/>
-          <a:lstStyle/>
-          <a:p>
-            <a:r>
-              <a:rPr lang="de-DE"/>
-              <a:t>Peter Severin</a:t>
-            </a:r>
+              <a:rPr lang="de-DE" dirty="0" smtClean="0"/>
+              <a:t>Pavel Lesnevski</a:t>
+            </a:r>
+            <a:endParaRPr lang="de-DE" dirty="0"/>
           </a:p>
         </p:txBody>
       </p:sp>
@@ -3778,23 +3356,162 @@
           </a:p>
         </p:txBody>
       </p:sp>
+      <p:pic>
+        <p:nvPicPr>
+          <p:cNvPr id="1028" name="Picture 4"/>
+          <p:cNvPicPr>
+            <a:picLocks noGrp="1" noChangeAspect="1" noChangeArrowheads="1"/>
+          </p:cNvPicPr>
+          <p:nvPr>
+            <p:ph idx="1"/>
+          </p:nvPr>
+        </p:nvPicPr>
+        <p:blipFill>
+          <a:blip r:embed="rId2" cstate="print">
+            <a:extLst>
+              <a:ext uri="{28A0092B-C50C-407E-A947-70E740481C1C}">
+                <a14:useLocalDpi xmlns:a14="http://schemas.microsoft.com/office/drawing/2010/main" val="0"/>
+              </a:ext>
+            </a:extLst>
+          </a:blip>
+          <a:srcRect/>
+          <a:stretch>
+            <a:fillRect/>
+          </a:stretch>
+        </p:blipFill>
+        <p:spPr bwMode="auto">
+          <a:xfrm>
+            <a:off x="2142011" y="1196752"/>
+            <a:ext cx="5418321" cy="5307330"/>
+          </a:xfrm>
+          <a:prstGeom prst="rect">
+            <a:avLst/>
+          </a:prstGeom>
+          <a:noFill/>
+          <a:ln>
+            <a:noFill/>
+          </a:ln>
+          <a:extLst>
+            <a:ext uri="{909E8E84-426E-40DD-AFC4-6F175D3DCCD1}">
+              <a14:hiddenFill xmlns:a14="http://schemas.microsoft.com/office/drawing/2010/main">
+                <a:solidFill>
+                  <a:schemeClr val="accent1"/>
+                </a:solidFill>
+              </a14:hiddenFill>
+            </a:ext>
+            <a:ext uri="{91240B29-F687-4F45-9708-019B960494DF}">
+              <a14:hiddenLine xmlns:a14="http://schemas.microsoft.com/office/drawing/2010/main" w="9525">
+                <a:solidFill>
+                  <a:schemeClr val="tx1"/>
+                </a:solidFill>
+                <a:miter lim="800000"/>
+                <a:headEnd/>
+                <a:tailEnd/>
+              </a14:hiddenLine>
+            </a:ext>
+          </a:extLst>
+        </p:spPr>
+      </p:pic>
+      <p:sp>
+        <p:nvSpPr>
+          <p:cNvPr id="7" name="Rectangle 6"/>
+          <p:cNvSpPr/>
+          <p:nvPr/>
+        </p:nvSpPr>
+        <p:spPr>
+          <a:xfrm>
+            <a:off x="2123728" y="1628800"/>
+            <a:ext cx="5364596" cy="684076"/>
+          </a:xfrm>
+          <a:prstGeom prst="rect">
+            <a:avLst/>
+          </a:prstGeom>
+          <a:solidFill>
+            <a:srgbClr val="92D050">
+              <a:alpha val="0"/>
+            </a:srgbClr>
+          </a:solidFill>
+          <a:ln>
+            <a:solidFill>
+              <a:srgbClr val="92D050"/>
+            </a:solidFill>
+          </a:ln>
+        </p:spPr>
+        <p:style>
+          <a:lnRef idx="2">
+            <a:schemeClr val="accent1">
+              <a:shade val="50000"/>
+            </a:schemeClr>
+          </a:lnRef>
+          <a:fillRef idx="1">
+            <a:schemeClr val="accent1"/>
+          </a:fillRef>
+          <a:effectRef idx="0">
+            <a:schemeClr val="accent1"/>
+          </a:effectRef>
+          <a:fontRef idx="minor">
+            <a:schemeClr val="lt1"/>
+          </a:fontRef>
+        </p:style>
+        <p:txBody>
+          <a:bodyPr rtlCol="0" anchor="ctr"/>
+          <a:lstStyle/>
+          <a:p>
+            <a:pPr algn="ctr"/>
+            <a:endParaRPr lang="en-US"/>
+          </a:p>
+        </p:txBody>
+      </p:sp>
+      <p:sp>
+        <p:nvSpPr>
+          <p:cNvPr id="10" name="Rectangle 9"/>
+          <p:cNvSpPr/>
+          <p:nvPr/>
+        </p:nvSpPr>
+        <p:spPr>
+          <a:xfrm>
+            <a:off x="2231740" y="6453336"/>
+            <a:ext cx="2648033" cy="276999"/>
+          </a:xfrm>
+          <a:prstGeom prst="rect">
+            <a:avLst/>
+          </a:prstGeom>
+        </p:spPr>
+        <p:txBody>
+          <a:bodyPr wrap="none">
+            <a:spAutoFit/>
+          </a:bodyPr>
+          <a:lstStyle/>
+          <a:p>
+            <a:r>
+              <a:rPr lang="en-US" sz="1200" dirty="0" smtClean="0"/>
+              <a:t>Source: Mullainathan </a:t>
+            </a:r>
+            <a:r>
+              <a:rPr lang="en-US" sz="1200" dirty="0"/>
+              <a:t>and </a:t>
+            </a:r>
+            <a:r>
+              <a:rPr lang="en-US" sz="1200" dirty="0" err="1"/>
+              <a:t>Spiess</a:t>
+            </a:r>
+            <a:r>
+              <a:rPr lang="en-US" sz="1200" dirty="0"/>
+              <a:t> (2017)</a:t>
+            </a:r>
+          </a:p>
+        </p:txBody>
+      </p:sp>
     </p:spTree>
     <p:extLst>
       <p:ext uri="{BB962C8B-B14F-4D97-AF65-F5344CB8AC3E}">
-        <p14:creationId xmlns:p14="http://schemas.microsoft.com/office/powerpoint/2010/main" val="814674113"/>
+        <p14:creationId xmlns:p14="http://schemas.microsoft.com/office/powerpoint/2010/main" val="3571114674"/>
       </p:ext>
     </p:extLst>
   </p:cSld>
   <p:clrMapOvr>
     <a:masterClrMapping/>
   </p:clrMapOvr>
-  <p:timing>
-    <p:tnLst>
-      <p:par>
-        <p:cTn id="1" dur="indefinite" restart="never" nodeType="tmRoot"/>
-      </p:par>
-    </p:tnLst>
-  </p:timing>
 </p:sld>
 </file>
 
@@ -3831,22 +3548,15 @@
           <a:lstStyle/>
           <a:p>
             <a:r>
-              <a:rPr lang="de-DE" dirty="0"/>
-              <a:t/>
-            </a:r>
-            <a:br>
-              <a:rPr lang="de-DE" dirty="0"/>
-            </a:br>
-            <a:r>
-              <a:rPr lang="de-DE" sz="2000" dirty="0"/>
-              <a:t>Lasso (Least absolute shrinkage and selection operator)</a:t>
+              <a:rPr lang="de-DE" dirty="0" smtClean="0"/>
+              <a:t>Lasso</a:t>
             </a:r>
             <a:endParaRPr lang="de-DE" dirty="0"/>
           </a:p>
         </p:txBody>
       </p:sp>
-      <mc:AlternateContent xmlns:mc="http://schemas.openxmlformats.org/markup-compatibility/2006" xmlns:a14="http://schemas.microsoft.com/office/drawing/2010/main">
-        <mc:Choice Requires="a14">
+      <mc:AlternateContent xmlns:mc="http://schemas.openxmlformats.org/markup-compatibility/2006">
+        <mc:Choice xmlns:a14="http://schemas.microsoft.com/office/drawing/2010/main" Requires="a14">
           <p:sp>
             <p:nvSpPr>
               <p:cNvPr id="3" name="Content Placeholder 2"/>
@@ -3862,29 +3572,9 @@
               <a:bodyPr/>
               <a:lstStyle/>
               <a:p>
-                <a:pPr marL="0" indent="0">
-                  <a:buNone/>
-                </a:pPr>
                 <a:r>
-                  <a:rPr lang="de-DE" sz="1600" dirty="0"/>
-                  <a:t>Based on </a:t>
-                </a:r>
-                <a:r>
-                  <a:rPr lang="de-DE" sz="1600" i="1" dirty="0"/>
-                  <a:t>Tibshirani (Journal of the Royal Statistical Society, 1996)</a:t>
-                </a:r>
-                <a:endParaRPr lang="de-DE" dirty="0"/>
-              </a:p>
-              <a:p>
-                <a:pPr marL="0" indent="0">
-                  <a:buNone/>
-                </a:pPr>
-                <a:endParaRPr lang="de-DE" dirty="0"/>
-              </a:p>
-              <a:p>
-                <a:r>
-                  <a:rPr lang="en-US" dirty="0"/>
-                  <a:t>Lasso is an </a:t>
+                  <a:rPr lang="en-US" dirty="0" smtClean="0"/>
+                  <a:t>Lasso – a linear regression method with a  </a:t>
                 </a:r>
                 <a14:m>
                   <m:oMath xmlns:m="http://schemas.openxmlformats.org/officeDocument/2006/math">
@@ -3907,7 +3597,7 @@
                       <m:sub>
                         <m:r>
                           <a:rPr lang="en-US" b="0" i="1" smtClean="0">
-                            <a:latin typeface="Cambria Math" panose="02040503050406030204" pitchFamily="18" charset="0"/>
+                            <a:latin typeface="Cambria Math"/>
                           </a:rPr>
                           <m:t>1</m:t>
                         </m:r>
@@ -3917,34 +3607,13 @@
                 </a14:m>
                 <a:r>
                   <a:rPr lang="en-US" dirty="0"/>
-                  <a:t>-penalized regression method</a:t>
+                  <a:t>-</a:t>
                 </a:r>
-              </a:p>
-              <a:p>
                 <a:r>
                   <a:rPr lang="en-US" dirty="0"/>
-                  <a:t>Idea:</a:t>
+                  <a:t>penalized term</a:t>
                 </a:r>
-              </a:p>
-              <a:p>
-                <a:pPr lvl="1"/>
-                <a:r>
-                  <a:rPr lang="en-US" dirty="0"/>
-                  <a:t>Employs variable selection by reducing coefficients to zero</a:t>
-                </a:r>
-              </a:p>
-              <a:p>
-                <a:pPr lvl="1"/>
-                <a:r>
-                  <a:rPr lang="en-US" dirty="0"/>
-                  <a:t>Works well in approximately sparse models</a:t>
-                </a:r>
-              </a:p>
-              <a:p>
-                <a:pPr marL="0" indent="0">
-                  <a:buNone/>
-                </a:pPr>
-                <a:endParaRPr lang="de-DE" dirty="0"/>
+                <a:endParaRPr lang="en-US" dirty="0" smtClean="0"/>
               </a:p>
               <a:p>
                 <a:pPr marL="0" indent="0">
@@ -3959,16 +3628,67 @@
                       <m:func>
                         <m:funcPr>
                           <m:ctrlPr>
-                            <a:rPr lang="de-DE" sz="1600" i="1">
+                            <a:rPr lang="de-DE" i="1">
                               <a:latin typeface="Cambria Math"/>
                             </a:rPr>
                           </m:ctrlPr>
                         </m:funcPr>
                         <m:fName>
+                          <m:acc>
+                            <m:accPr>
+                              <m:chr m:val="̂"/>
+                              <m:ctrlPr>
+                                <a:rPr lang="de-DE" i="1">
+                                  <a:latin typeface="Cambria Math"/>
+                                  <a:ea typeface="Cambria Math"/>
+                                </a:rPr>
+                              </m:ctrlPr>
+                            </m:accPr>
+                            <m:e>
+                              <m:r>
+                                <a:rPr lang="de-DE" i="1">
+                                  <a:latin typeface="Cambria Math"/>
+                                  <a:ea typeface="Cambria Math"/>
+                                </a:rPr>
+                                <m:t>𝛽</m:t>
+                              </m:r>
+                            </m:e>
+                          </m:acc>
+                          <m:r>
+                            <a:rPr lang="en-US" i="1">
+                              <a:latin typeface="Cambria Math"/>
+                              <a:ea typeface="Cambria Math"/>
+                            </a:rPr>
+                            <m:t>(</m:t>
+                          </m:r>
+                          <m:r>
+                            <m:rPr>
+                              <m:sty m:val="p"/>
+                            </m:rPr>
+                            <a:rPr lang="el-GR" i="1">
+                              <a:latin typeface="Cambria Math" panose="02040503050406030204" pitchFamily="18" charset="0"/>
+                            </a:rPr>
+                            <m:t>λ</m:t>
+                          </m:r>
+                          <m:r>
+                            <a:rPr lang="en-US" i="1">
+                              <a:latin typeface="Cambria Math"/>
+                              <a:ea typeface="Cambria Math"/>
+                            </a:rPr>
+                            <m:t>)</m:t>
+                          </m:r>
+                        </m:fName>
+                        <m:e>
+                          <m:r>
+                            <a:rPr lang="en-US" i="1">
+                              <a:latin typeface="Cambria Math"/>
+                            </a:rPr>
+                            <m:t>=</m:t>
+                          </m:r>
                           <m:limLow>
                             <m:limLowPr>
                               <m:ctrlPr>
-                                <a:rPr lang="de-DE" sz="1600" i="1">
+                                <a:rPr lang="de-DE" i="1">
                                   <a:latin typeface="Cambria Math"/>
                                 </a:rPr>
                               </m:ctrlPr>
@@ -3978,7 +3698,16 @@
                                 <m:rPr>
                                   <m:sty m:val="p"/>
                                 </m:rPr>
-                                <a:rPr lang="de-DE" sz="1600" i="1">
+                                <a:rPr lang="en-US">
+                                  <a:latin typeface="Cambria Math"/>
+                                </a:rPr>
+                                <m:t>arg</m:t>
+                              </m:r>
+                              <m:r>
+                                <m:rPr>
+                                  <m:sty m:val="p"/>
+                                </m:rPr>
+                                <a:rPr lang="de-DE" i="1">
                                   <a:latin typeface="Cambria Math" panose="02040503050406030204" pitchFamily="18" charset="0"/>
                                 </a:rPr>
                                 <m:t>min</m:t>
@@ -3986,13 +3715,13 @@
                             </m:e>
                             <m:lim>
                               <m:r>
-                                <a:rPr lang="de-DE" sz="1600" i="1">
+                                <a:rPr lang="de-DE" i="1">
                                   <a:latin typeface="Cambria Math" panose="02040503050406030204" pitchFamily="18" charset="0"/>
                                 </a:rPr>
                                 <m:t>𝑏</m:t>
                               </m:r>
                               <m:r>
-                                <a:rPr lang="de-DE" sz="1600" i="1">
+                                <a:rPr lang="de-DE" i="1">
                                   <a:latin typeface="Cambria Math" panose="02040503050406030204" pitchFamily="18" charset="0"/>
                                 </a:rPr>
                                 <m:t>∈</m:t>
@@ -4000,14 +3729,14 @@
                               <m:sSup>
                                 <m:sSupPr>
                                   <m:ctrlPr>
-                                    <a:rPr lang="de-DE" sz="1600" i="1">
+                                    <a:rPr lang="de-DE" i="1">
                                       <a:latin typeface="Cambria Math"/>
                                     </a:rPr>
                                   </m:ctrlPr>
                                 </m:sSupPr>
                                 <m:e>
                                   <m:r>
-                                    <a:rPr lang="de-DE" sz="1600" i="1">
+                                    <a:rPr lang="de-DE" i="1">
                                       <a:latin typeface="Cambria Math" panose="02040503050406030204" pitchFamily="18" charset="0"/>
                                     </a:rPr>
                                     <m:t>𝑅</m:t>
@@ -4015,7 +3744,7 @@
                                 </m:e>
                                 <m:sup>
                                   <m:r>
-                                    <a:rPr lang="de-DE" sz="1600" i="1">
+                                    <a:rPr lang="de-DE" i="1">
                                       <a:latin typeface="Cambria Math" panose="02040503050406030204" pitchFamily="18" charset="0"/>
                                     </a:rPr>
                                     <m:t>𝑝</m:t>
@@ -4024,13 +3753,11 @@
                               </m:sSup>
                             </m:lim>
                           </m:limLow>
-                        </m:fName>
-                        <m:e>
                           <m:nary>
                             <m:naryPr>
                               <m:chr m:val="∑"/>
                               <m:ctrlPr>
-                                <a:rPr lang="de-DE" sz="1600" i="1">
+                                <a:rPr lang="de-DE" i="1">
                                   <a:latin typeface="Cambria Math"/>
                                 </a:rPr>
                               </m:ctrlPr>
@@ -4040,13 +3767,13 @@
                                 <m:rPr>
                                   <m:brk m:alnAt="23"/>
                                 </m:rPr>
-                                <a:rPr lang="de-DE" sz="1600" i="1">
+                                <a:rPr lang="de-DE" i="1">
                                   <a:latin typeface="Cambria Math" panose="02040503050406030204" pitchFamily="18" charset="0"/>
                                 </a:rPr>
                                 <m:t>𝑖</m:t>
                               </m:r>
                               <m:r>
-                                <a:rPr lang="de-DE" sz="1600" i="1">
+                                <a:rPr lang="de-DE" i="1">
                                   <a:latin typeface="Cambria Math" panose="02040503050406030204" pitchFamily="18" charset="0"/>
                                 </a:rPr>
                                 <m:t>=1</m:t>
@@ -4054,7 +3781,7 @@
                             </m:sub>
                             <m:sup>
                               <m:r>
-                                <a:rPr lang="de-DE" sz="1600" i="1">
+                                <a:rPr lang="de-DE" i="1">
                                   <a:latin typeface="Cambria Math" panose="02040503050406030204" pitchFamily="18" charset="0"/>
                                 </a:rPr>
                                 <m:t>𝑛</m:t>
@@ -4064,14 +3791,14 @@
                               <m:sSup>
                                 <m:sSupPr>
                                   <m:ctrlPr>
-                                    <a:rPr lang="de-DE" sz="1600" i="1">
+                                    <a:rPr lang="de-DE" i="1">
                                       <a:latin typeface="Cambria Math"/>
                                     </a:rPr>
                                   </m:ctrlPr>
                                 </m:sSupPr>
                                 <m:e>
                                   <m:r>
-                                    <a:rPr lang="de-DE" sz="1600" i="1">
+                                    <a:rPr lang="de-DE" i="1">
                                       <a:latin typeface="Cambria Math" panose="02040503050406030204" pitchFamily="18" charset="0"/>
                                     </a:rPr>
                                     <m:t>(</m:t>
@@ -4079,14 +3806,14 @@
                                   <m:sSub>
                                     <m:sSubPr>
                                       <m:ctrlPr>
-                                        <a:rPr lang="de-DE" sz="1600" i="1">
+                                        <a:rPr lang="de-DE" i="1">
                                           <a:latin typeface="Cambria Math"/>
                                         </a:rPr>
                                       </m:ctrlPr>
                                     </m:sSubPr>
                                     <m:e>
                                       <m:r>
-                                        <a:rPr lang="de-DE" sz="1600" i="1">
+                                        <a:rPr lang="de-DE" i="1">
                                           <a:latin typeface="Cambria Math" panose="02040503050406030204" pitchFamily="18" charset="0"/>
                                         </a:rPr>
                                         <m:t>𝑌</m:t>
@@ -4094,7 +3821,7 @@
                                     </m:e>
                                     <m:sub>
                                       <m:r>
-                                        <a:rPr lang="de-DE" sz="1600" i="1">
+                                        <a:rPr lang="de-DE" i="1">
                                           <a:latin typeface="Cambria Math" panose="02040503050406030204" pitchFamily="18" charset="0"/>
                                         </a:rPr>
                                         <m:t>𝑖</m:t>
@@ -4102,7 +3829,7 @@
                                     </m:sub>
                                   </m:sSub>
                                   <m:r>
-                                    <a:rPr lang="de-DE" sz="1600" b="0" i="1" smtClean="0">
+                                    <a:rPr lang="de-DE" i="1">
                                       <a:latin typeface="Cambria Math" panose="02040503050406030204" pitchFamily="18" charset="0"/>
                                     </a:rPr>
                                     <m:t>−</m:t>
@@ -4110,14 +3837,14 @@
                                   <m:sSup>
                                     <m:sSupPr>
                                       <m:ctrlPr>
-                                        <a:rPr lang="de-DE" sz="1600" i="1">
+                                        <a:rPr lang="de-DE" i="1">
                                           <a:latin typeface="Cambria Math"/>
                                         </a:rPr>
                                       </m:ctrlPr>
                                     </m:sSupPr>
                                     <m:e>
                                       <m:r>
-                                        <a:rPr lang="de-DE" sz="1600" i="1">
+                                        <a:rPr lang="de-DE" i="1">
                                           <a:latin typeface="Cambria Math" panose="02040503050406030204" pitchFamily="18" charset="0"/>
                                         </a:rPr>
                                         <m:t>𝑏</m:t>
@@ -4125,7 +3852,7 @@
                                     </m:e>
                                     <m:sup>
                                       <m:r>
-                                        <a:rPr lang="de-DE" sz="1600" i="1">
+                                        <a:rPr lang="de-DE" i="1">
                                           <a:latin typeface="Cambria Math" panose="02040503050406030204" pitchFamily="18" charset="0"/>
                                         </a:rPr>
                                         <m:t>′</m:t>
@@ -4135,14 +3862,14 @@
                                   <m:sSub>
                                     <m:sSubPr>
                                       <m:ctrlPr>
-                                        <a:rPr lang="de-DE" sz="1600" i="1">
+                                        <a:rPr lang="de-DE" i="1">
                                           <a:latin typeface="Cambria Math"/>
                                         </a:rPr>
                                       </m:ctrlPr>
                                     </m:sSubPr>
                                     <m:e>
                                       <m:r>
-                                        <a:rPr lang="de-DE" sz="1600" i="1">
+                                        <a:rPr lang="de-DE" i="1">
                                           <a:latin typeface="Cambria Math" panose="02040503050406030204" pitchFamily="18" charset="0"/>
                                         </a:rPr>
                                         <m:t>𝑋</m:t>
@@ -4150,7 +3877,7 @@
                                     </m:e>
                                     <m:sub>
                                       <m:r>
-                                        <a:rPr lang="de-DE" sz="1600" i="1">
+                                        <a:rPr lang="de-DE" i="1">
                                           <a:latin typeface="Cambria Math" panose="02040503050406030204" pitchFamily="18" charset="0"/>
                                         </a:rPr>
                                         <m:t>𝑖</m:t>
@@ -4158,7 +3885,7 @@
                                     </m:sub>
                                   </m:sSub>
                                   <m:r>
-                                    <a:rPr lang="de-DE" sz="1600" i="1">
+                                    <a:rPr lang="de-DE" i="1">
                                       <a:latin typeface="Cambria Math" panose="02040503050406030204" pitchFamily="18" charset="0"/>
                                     </a:rPr>
                                     <m:t>)</m:t>
@@ -4166,7 +3893,7 @@
                                 </m:e>
                                 <m:sup>
                                   <m:r>
-                                    <a:rPr lang="de-DE" sz="1600" i="1">
+                                    <a:rPr lang="de-DE" i="1">
                                       <a:latin typeface="Cambria Math" panose="02040503050406030204" pitchFamily="18" charset="0"/>
                                     </a:rPr>
                                     <m:t>2</m:t>
@@ -4174,7 +3901,7 @@
                                 </m:sup>
                               </m:sSup>
                               <m:r>
-                                <a:rPr lang="de-DE" sz="1600" i="1">
+                                <a:rPr lang="de-DE" i="1">
                                   <a:latin typeface="Cambria Math" panose="02040503050406030204" pitchFamily="18" charset="0"/>
                                 </a:rPr>
                                 <m:t>+</m:t>
@@ -4183,7 +3910,7 @@
                                 <m:rPr>
                                   <m:sty m:val="p"/>
                                 </m:rPr>
-                                <a:rPr lang="el-GR" sz="1600" i="1">
+                                <a:rPr lang="el-GR" i="1">
                                   <a:latin typeface="Cambria Math" panose="02040503050406030204" pitchFamily="18" charset="0"/>
                                 </a:rPr>
                                 <m:t>λ</m:t>
@@ -4192,7 +3919,7 @@
                                 <m:naryPr>
                                   <m:chr m:val="∑"/>
                                   <m:ctrlPr>
-                                    <a:rPr lang="el-GR" sz="1600" i="1">
+                                    <a:rPr lang="el-GR" i="1">
                                       <a:latin typeface="Cambria Math"/>
                                     </a:rPr>
                                   </m:ctrlPr>
@@ -4202,13 +3929,13 @@
                                     <m:rPr>
                                       <m:brk m:alnAt="23"/>
                                     </m:rPr>
-                                    <a:rPr lang="de-DE" sz="1600" i="1">
+                                    <a:rPr lang="de-DE" i="1">
                                       <a:latin typeface="Cambria Math" panose="02040503050406030204" pitchFamily="18" charset="0"/>
                                     </a:rPr>
                                     <m:t>𝑗</m:t>
                                   </m:r>
                                   <m:r>
-                                    <a:rPr lang="de-DE" sz="1600" i="1">
+                                    <a:rPr lang="de-DE" i="1">
                                       <a:latin typeface="Cambria Math" panose="02040503050406030204" pitchFamily="18" charset="0"/>
                                     </a:rPr>
                                     <m:t>=1</m:t>
@@ -4216,7 +3943,7 @@
                                 </m:sub>
                                 <m:sup>
                                   <m:r>
-                                    <a:rPr lang="de-DE" sz="1600" i="1">
+                                    <a:rPr lang="de-DE" i="1">
                                       <a:latin typeface="Cambria Math" panose="02040503050406030204" pitchFamily="18" charset="0"/>
                                     </a:rPr>
                                     <m:t>𝑝</m:t>
@@ -4224,7 +3951,7 @@
                                 </m:sup>
                                 <m:e>
                                   <m:r>
-                                    <a:rPr lang="de-DE" sz="1600" b="0" i="1" smtClean="0">
+                                    <a:rPr lang="de-DE" i="1">
                                       <a:latin typeface="Cambria Math" panose="02040503050406030204" pitchFamily="18" charset="0"/>
                                     </a:rPr>
                                     <m:t>|</m:t>
@@ -4232,14 +3959,14 @@
                                   <m:sSub>
                                     <m:sSubPr>
                                       <m:ctrlPr>
-                                        <a:rPr lang="de-DE" sz="1600" i="1" smtClean="0">
+                                        <a:rPr lang="de-DE" i="1">
                                           <a:latin typeface="Cambria Math"/>
                                         </a:rPr>
                                       </m:ctrlPr>
                                     </m:sSubPr>
                                     <m:e>
                                       <m:r>
-                                        <a:rPr lang="de-DE" sz="1600" b="0" i="1" smtClean="0">
+                                        <a:rPr lang="de-DE" i="1">
                                           <a:latin typeface="Cambria Math" panose="02040503050406030204" pitchFamily="18" charset="0"/>
                                         </a:rPr>
                                         <m:t>𝑏</m:t>
@@ -4247,7 +3974,7 @@
                                     </m:e>
                                     <m:sub>
                                       <m:r>
-                                        <a:rPr lang="de-DE" sz="1600" b="0" i="1" smtClean="0">
+                                        <a:rPr lang="de-DE" i="1">
                                           <a:latin typeface="Cambria Math" panose="02040503050406030204" pitchFamily="18" charset="0"/>
                                         </a:rPr>
                                         <m:t>𝑗</m:t>
@@ -4255,7 +3982,7 @@
                                     </m:sub>
                                   </m:sSub>
                                   <m:r>
-                                    <a:rPr lang="de-DE" sz="1600" b="0" i="1" smtClean="0">
+                                    <a:rPr lang="de-DE" i="1">
                                       <a:latin typeface="Cambria Math" panose="02040503050406030204" pitchFamily="18" charset="0"/>
                                     </a:rPr>
                                     <m:t>|</m:t>
@@ -4269,12 +3996,33 @@
                     </m:oMath>
                   </m:oMathPara>
                 </a14:m>
+                <a:endParaRPr lang="en-US" dirty="0"/>
+              </a:p>
+              <a:p>
+                <a:r>
+                  <a:rPr lang="en-US" dirty="0" smtClean="0"/>
+                  <a:t>Explanation:</a:t>
+                </a:r>
+                <a:endParaRPr lang="en-US" dirty="0" smtClean="0"/>
+              </a:p>
+              <a:p>
+                <a:pPr lvl="1"/>
+                <a:r>
+                  <a:rPr lang="en-US" dirty="0" smtClean="0"/>
+                  <a:t>It presses down all of the coeﬃcients to zero, as much as possible and at an equal rate, without sacriﬁcing too much ﬁt, and it ends up setting many of these coeﬃcients to zero.</a:t>
+                </a:r>
+                <a:endParaRPr lang="de-DE" dirty="0" smtClean="0"/>
+              </a:p>
+              <a:p>
+                <a:pPr marL="0" indent="0">
+                  <a:buNone/>
+                </a:pPr>
                 <a:endParaRPr lang="de-DE" dirty="0"/>
               </a:p>
             </p:txBody>
           </p:sp>
         </mc:Choice>
-        <mc:Fallback xmlns="">
+        <mc:Fallback>
           <p:sp>
             <p:nvSpPr>
               <p:cNvPr id="3" name="Content Placeholder 2"/>
@@ -4286,10 +4034,10 @@
               </p:nvPr>
             </p:nvSpPr>
             <p:spPr>
-              <a:blipFill>
+              <a:blipFill rotWithShape="1">
                 <a:blip r:embed="rId2"/>
                 <a:stretch>
-                  <a:fillRect l="-2194" t="-1590"/>
+                  <a:fillRect l="-2194" t="-2385" r="-2273"/>
                 </a:stretch>
               </a:blipFill>
             </p:spPr>
@@ -4298,7 +4046,7 @@
               <a:lstStyle/>
               <a:p>
                 <a:r>
-                  <a:rPr lang="de-DE">
+                  <a:rPr lang="en-US">
                     <a:noFill/>
                   </a:rPr>
                   <a:t> </a:t>
@@ -4310,50 +4058,6 @@
       </mc:AlternateContent>
       <p:sp>
         <p:nvSpPr>
-          <p:cNvPr id="4" name="Date Placeholder 3"/>
-          <p:cNvSpPr>
-            <a:spLocks noGrp="1"/>
-          </p:cNvSpPr>
-          <p:nvPr>
-            <p:ph type="dt" sz="half" idx="10"/>
-          </p:nvPr>
-        </p:nvSpPr>
-        <p:spPr/>
-        <p:txBody>
-          <a:bodyPr/>
-          <a:lstStyle/>
-          <a:p>
-            <a:r>
-              <a:rPr lang="de-DE"/>
-              <a:t>18.10.2018</a:t>
-            </a:r>
-          </a:p>
-        </p:txBody>
-      </p:sp>
-      <p:sp>
-        <p:nvSpPr>
-          <p:cNvPr id="5" name="Footer Placeholder 4"/>
-          <p:cNvSpPr>
-            <a:spLocks noGrp="1"/>
-          </p:cNvSpPr>
-          <p:nvPr>
-            <p:ph type="ftr" sz="quarter" idx="11"/>
-          </p:nvPr>
-        </p:nvSpPr>
-        <p:spPr/>
-        <p:txBody>
-          <a:bodyPr/>
-          <a:lstStyle/>
-          <a:p>
-            <a:r>
-              <a:rPr lang="de-DE"/>
-              <a:t>Peter Severin</a:t>
-            </a:r>
-          </a:p>
-        </p:txBody>
-      </p:sp>
-      <p:sp>
-        <p:nvSpPr>
           <p:cNvPr id="6" name="Slide Number Placeholder 5"/>
           <p:cNvSpPr>
             <a:spLocks noGrp="1"/>
@@ -4372,6 +4076,256 @@
               <a:t>11</a:t>
             </a:fld>
             <a:endParaRPr lang="de-DE"/>
+          </a:p>
+        </p:txBody>
+      </p:sp>
+      <p:sp>
+        <p:nvSpPr>
+          <p:cNvPr id="7" name="Date Placeholder 3"/>
+          <p:cNvSpPr txBox="1">
+            <a:spLocks/>
+          </p:cNvSpPr>
+          <p:nvPr/>
+        </p:nvSpPr>
+        <p:spPr>
+          <a:xfrm>
+            <a:off x="835968" y="6538800"/>
+            <a:ext cx="2133600" cy="180000"/>
+          </a:xfrm>
+          <a:prstGeom prst="rect">
+            <a:avLst/>
+          </a:prstGeom>
+        </p:spPr>
+        <p:txBody>
+          <a:bodyPr vert="horz" lIns="0" tIns="0" rIns="0" bIns="0" rtlCol="0" anchor="t">
+            <a:noAutofit/>
+          </a:bodyPr>
+          <a:lstStyle>
+            <a:defPPr>
+              <a:defRPr lang="de-DE"/>
+            </a:defPPr>
+            <a:lvl1pPr marL="0" algn="l" defTabSz="914400" rtl="0" eaLnBrk="1" latinLnBrk="0" hangingPunct="1">
+              <a:defRPr sz="1200" kern="1200">
+                <a:solidFill>
+                  <a:srgbClr val="003056"/>
+                </a:solidFill>
+                <a:latin typeface="+mn-lt"/>
+                <a:ea typeface="+mn-ea"/>
+                <a:cs typeface="+mn-cs"/>
+              </a:defRPr>
+            </a:lvl1pPr>
+            <a:lvl2pPr marL="457200" algn="l" defTabSz="914400" rtl="0" eaLnBrk="1" latinLnBrk="0" hangingPunct="1">
+              <a:defRPr sz="1800" kern="1200">
+                <a:solidFill>
+                  <a:schemeClr val="tx1"/>
+                </a:solidFill>
+                <a:latin typeface="+mn-lt"/>
+                <a:ea typeface="+mn-ea"/>
+                <a:cs typeface="+mn-cs"/>
+              </a:defRPr>
+            </a:lvl2pPr>
+            <a:lvl3pPr marL="914400" algn="l" defTabSz="914400" rtl="0" eaLnBrk="1" latinLnBrk="0" hangingPunct="1">
+              <a:defRPr sz="1800" kern="1200">
+                <a:solidFill>
+                  <a:schemeClr val="tx1"/>
+                </a:solidFill>
+                <a:latin typeface="+mn-lt"/>
+                <a:ea typeface="+mn-ea"/>
+                <a:cs typeface="+mn-cs"/>
+              </a:defRPr>
+            </a:lvl3pPr>
+            <a:lvl4pPr marL="1371600" algn="l" defTabSz="914400" rtl="0" eaLnBrk="1" latinLnBrk="0" hangingPunct="1">
+              <a:defRPr sz="1800" kern="1200">
+                <a:solidFill>
+                  <a:schemeClr val="tx1"/>
+                </a:solidFill>
+                <a:latin typeface="+mn-lt"/>
+                <a:ea typeface="+mn-ea"/>
+                <a:cs typeface="+mn-cs"/>
+              </a:defRPr>
+            </a:lvl4pPr>
+            <a:lvl5pPr marL="1828800" algn="l" defTabSz="914400" rtl="0" eaLnBrk="1" latinLnBrk="0" hangingPunct="1">
+              <a:defRPr sz="1800" kern="1200">
+                <a:solidFill>
+                  <a:schemeClr val="tx1"/>
+                </a:solidFill>
+                <a:latin typeface="+mn-lt"/>
+                <a:ea typeface="+mn-ea"/>
+                <a:cs typeface="+mn-cs"/>
+              </a:defRPr>
+            </a:lvl5pPr>
+            <a:lvl6pPr marL="2286000" algn="l" defTabSz="914400" rtl="0" eaLnBrk="1" latinLnBrk="0" hangingPunct="1">
+              <a:defRPr sz="1800" kern="1200">
+                <a:solidFill>
+                  <a:schemeClr val="tx1"/>
+                </a:solidFill>
+                <a:latin typeface="+mn-lt"/>
+                <a:ea typeface="+mn-ea"/>
+                <a:cs typeface="+mn-cs"/>
+              </a:defRPr>
+            </a:lvl6pPr>
+            <a:lvl7pPr marL="2743200" algn="l" defTabSz="914400" rtl="0" eaLnBrk="1" latinLnBrk="0" hangingPunct="1">
+              <a:defRPr sz="1800" kern="1200">
+                <a:solidFill>
+                  <a:schemeClr val="tx1"/>
+                </a:solidFill>
+                <a:latin typeface="+mn-lt"/>
+                <a:ea typeface="+mn-ea"/>
+                <a:cs typeface="+mn-cs"/>
+              </a:defRPr>
+            </a:lvl7pPr>
+            <a:lvl8pPr marL="3200400" algn="l" defTabSz="914400" rtl="0" eaLnBrk="1" latinLnBrk="0" hangingPunct="1">
+              <a:defRPr sz="1800" kern="1200">
+                <a:solidFill>
+                  <a:schemeClr val="tx1"/>
+                </a:solidFill>
+                <a:latin typeface="+mn-lt"/>
+                <a:ea typeface="+mn-ea"/>
+                <a:cs typeface="+mn-cs"/>
+              </a:defRPr>
+            </a:lvl8pPr>
+            <a:lvl9pPr marL="3657600" algn="l" defTabSz="914400" rtl="0" eaLnBrk="1" latinLnBrk="0" hangingPunct="1">
+              <a:defRPr sz="1800" kern="1200">
+                <a:solidFill>
+                  <a:schemeClr val="tx1"/>
+                </a:solidFill>
+                <a:latin typeface="+mn-lt"/>
+                <a:ea typeface="+mn-ea"/>
+                <a:cs typeface="+mn-cs"/>
+              </a:defRPr>
+            </a:lvl9pPr>
+          </a:lstStyle>
+          <a:p>
+            <a:r>
+              <a:rPr lang="de-DE" smtClean="0"/>
+              <a:t>06.12.2018</a:t>
+            </a:r>
+            <a:endParaRPr lang="de-DE" dirty="0"/>
+          </a:p>
+        </p:txBody>
+      </p:sp>
+      <p:sp>
+        <p:nvSpPr>
+          <p:cNvPr id="8" name="Footer Placeholder 4"/>
+          <p:cNvSpPr txBox="1">
+            <a:spLocks/>
+          </p:cNvSpPr>
+          <p:nvPr/>
+        </p:nvSpPr>
+        <p:spPr>
+          <a:xfrm>
+            <a:off x="836400" y="6286800"/>
+            <a:ext cx="2895600" cy="180000"/>
+          </a:xfrm>
+          <a:prstGeom prst="rect">
+            <a:avLst/>
+          </a:prstGeom>
+        </p:spPr>
+        <p:txBody>
+          <a:bodyPr vert="horz" lIns="0" tIns="0" rIns="0" bIns="0" rtlCol="0" anchor="t">
+            <a:noAutofit/>
+          </a:bodyPr>
+          <a:lstStyle>
+            <a:defPPr>
+              <a:defRPr lang="de-DE"/>
+            </a:defPPr>
+            <a:lvl1pPr marL="0" algn="l" defTabSz="914400" rtl="0" eaLnBrk="1" latinLnBrk="0" hangingPunct="1">
+              <a:defRPr sz="1200" kern="1200">
+                <a:solidFill>
+                  <a:srgbClr val="003056"/>
+                </a:solidFill>
+                <a:latin typeface="+mn-lt"/>
+                <a:ea typeface="+mn-ea"/>
+                <a:cs typeface="+mn-cs"/>
+              </a:defRPr>
+            </a:lvl1pPr>
+            <a:lvl2pPr marL="457200" algn="l" defTabSz="914400" rtl="0" eaLnBrk="1" latinLnBrk="0" hangingPunct="1">
+              <a:defRPr sz="1800" kern="1200">
+                <a:solidFill>
+                  <a:schemeClr val="tx1"/>
+                </a:solidFill>
+                <a:latin typeface="+mn-lt"/>
+                <a:ea typeface="+mn-ea"/>
+                <a:cs typeface="+mn-cs"/>
+              </a:defRPr>
+            </a:lvl2pPr>
+            <a:lvl3pPr marL="914400" algn="l" defTabSz="914400" rtl="0" eaLnBrk="1" latinLnBrk="0" hangingPunct="1">
+              <a:defRPr sz="1800" kern="1200">
+                <a:solidFill>
+                  <a:schemeClr val="tx1"/>
+                </a:solidFill>
+                <a:latin typeface="+mn-lt"/>
+                <a:ea typeface="+mn-ea"/>
+                <a:cs typeface="+mn-cs"/>
+              </a:defRPr>
+            </a:lvl3pPr>
+            <a:lvl4pPr marL="1371600" algn="l" defTabSz="914400" rtl="0" eaLnBrk="1" latinLnBrk="0" hangingPunct="1">
+              <a:defRPr sz="1800" kern="1200">
+                <a:solidFill>
+                  <a:schemeClr val="tx1"/>
+                </a:solidFill>
+                <a:latin typeface="+mn-lt"/>
+                <a:ea typeface="+mn-ea"/>
+                <a:cs typeface="+mn-cs"/>
+              </a:defRPr>
+            </a:lvl4pPr>
+            <a:lvl5pPr marL="1828800" algn="l" defTabSz="914400" rtl="0" eaLnBrk="1" latinLnBrk="0" hangingPunct="1">
+              <a:defRPr sz="1800" kern="1200">
+                <a:solidFill>
+                  <a:schemeClr val="tx1"/>
+                </a:solidFill>
+                <a:latin typeface="+mn-lt"/>
+                <a:ea typeface="+mn-ea"/>
+                <a:cs typeface="+mn-cs"/>
+              </a:defRPr>
+            </a:lvl5pPr>
+            <a:lvl6pPr marL="2286000" algn="l" defTabSz="914400" rtl="0" eaLnBrk="1" latinLnBrk="0" hangingPunct="1">
+              <a:defRPr sz="1800" kern="1200">
+                <a:solidFill>
+                  <a:schemeClr val="tx1"/>
+                </a:solidFill>
+                <a:latin typeface="+mn-lt"/>
+                <a:ea typeface="+mn-ea"/>
+                <a:cs typeface="+mn-cs"/>
+              </a:defRPr>
+            </a:lvl6pPr>
+            <a:lvl7pPr marL="2743200" algn="l" defTabSz="914400" rtl="0" eaLnBrk="1" latinLnBrk="0" hangingPunct="1">
+              <a:defRPr sz="1800" kern="1200">
+                <a:solidFill>
+                  <a:schemeClr val="tx1"/>
+                </a:solidFill>
+                <a:latin typeface="+mn-lt"/>
+                <a:ea typeface="+mn-ea"/>
+                <a:cs typeface="+mn-cs"/>
+              </a:defRPr>
+            </a:lvl7pPr>
+            <a:lvl8pPr marL="3200400" algn="l" defTabSz="914400" rtl="0" eaLnBrk="1" latinLnBrk="0" hangingPunct="1">
+              <a:defRPr sz="1800" kern="1200">
+                <a:solidFill>
+                  <a:schemeClr val="tx1"/>
+                </a:solidFill>
+                <a:latin typeface="+mn-lt"/>
+                <a:ea typeface="+mn-ea"/>
+                <a:cs typeface="+mn-cs"/>
+              </a:defRPr>
+            </a:lvl8pPr>
+            <a:lvl9pPr marL="3657600" algn="l" defTabSz="914400" rtl="0" eaLnBrk="1" latinLnBrk="0" hangingPunct="1">
+              <a:defRPr sz="1800" kern="1200">
+                <a:solidFill>
+                  <a:schemeClr val="tx1"/>
+                </a:solidFill>
+                <a:latin typeface="+mn-lt"/>
+                <a:ea typeface="+mn-ea"/>
+                <a:cs typeface="+mn-cs"/>
+              </a:defRPr>
+            </a:lvl9pPr>
+          </a:lstStyle>
+          <a:p>
+            <a:r>
+              <a:rPr lang="de-DE" smtClean="0"/>
+              <a:t>Pavel Lesnevski</a:t>
+            </a:r>
+            <a:endParaRPr lang="de-DE" dirty="0"/>
           </a:p>
         </p:txBody>
       </p:sp>
@@ -4428,15 +4382,8 @@
           <a:lstStyle/>
           <a:p>
             <a:r>
-              <a:rPr lang="de-DE" dirty="0"/>
-              <a:t/>
-            </a:r>
-            <a:br>
-              <a:rPr lang="de-DE" dirty="0"/>
-            </a:br>
-            <a:r>
-              <a:rPr lang="de-DE" sz="2000" dirty="0"/>
-              <a:t>Elastic Net</a:t>
+              <a:rPr lang="de-DE" dirty="0" smtClean="0"/>
+              <a:t>Ridge</a:t>
             </a:r>
             <a:endParaRPr lang="de-DE" dirty="0"/>
           </a:p>
@@ -4459,56 +4406,51 @@
               <a:bodyPr/>
               <a:lstStyle/>
               <a:p>
-                <a:pPr marL="0" indent="0">
-                  <a:buNone/>
-                </a:pPr>
                 <a:r>
-                  <a:rPr lang="de-DE" sz="1600" dirty="0"/>
-                  <a:t>Based on </a:t>
+                  <a:rPr lang="en-US" dirty="0" smtClean="0"/>
+                  <a:t>Ridge - a linear regression method with a </a:t>
                 </a:r>
                 <a:r>
-                  <a:rPr lang="de-DE" sz="1600" i="1" dirty="0"/>
-                  <a:t>Zou and Hastie (Journal of the Royal Statistical Society, 2005)</a:t>
+                  <a:rPr lang="en-US" dirty="0" smtClean="0"/>
+                  <a:t> </a:t>
                 </a:r>
-                <a:endParaRPr lang="de-DE" sz="1600" dirty="0"/>
-              </a:p>
-              <a:p>
-                <a:pPr marL="0" indent="0">
-                  <a:buNone/>
-                </a:pPr>
-                <a:endParaRPr lang="de-DE" dirty="0"/>
-              </a:p>
-              <a:p>
+                <a14:m>
+                  <m:oMath xmlns:m="http://schemas.openxmlformats.org/officeDocument/2006/math">
+                    <m:sSub>
+                      <m:sSubPr>
+                        <m:ctrlPr>
+                          <a:rPr lang="en-US" i="1" smtClean="0">
+                            <a:latin typeface="Cambria Math"/>
+                          </a:rPr>
+                        </m:ctrlPr>
+                      </m:sSubPr>
+                      <m:e>
+                        <m:r>
+                          <a:rPr lang="en-US" b="0" i="1" smtClean="0">
+                            <a:latin typeface="Cambria Math" panose="02040503050406030204" pitchFamily="18" charset="0"/>
+                          </a:rPr>
+                          <m:t>𝑙</m:t>
+                        </m:r>
+                      </m:e>
+                      <m:sub>
+                        <m:r>
+                          <a:rPr lang="en-US" b="0" i="1" smtClean="0">
+                            <a:latin typeface="Cambria Math" panose="02040503050406030204" pitchFamily="18" charset="0"/>
+                          </a:rPr>
+                          <m:t>2</m:t>
+                        </m:r>
+                      </m:sub>
+                    </m:sSub>
+                  </m:oMath>
+                </a14:m>
                 <a:r>
                   <a:rPr lang="en-US" dirty="0"/>
-                  <a:t>Combination method of lasso and ridge</a:t>
+                  <a:t>-</a:t>
                 </a:r>
-              </a:p>
-              <a:p>
                 <a:r>
-                  <a:rPr lang="en-US" dirty="0"/>
-                  <a:t>Idea:</a:t>
+                  <a:rPr lang="en-US" dirty="0" smtClean="0"/>
+                  <a:t>penalized term</a:t>
                 </a:r>
-              </a:p>
-              <a:p>
-                <a:pPr lvl="1"/>
-                <a:r>
-                  <a:rPr lang="en-US" dirty="0"/>
-                  <a:t>Perform variable selection and bias remaining coefficients to zero</a:t>
-                </a:r>
-              </a:p>
-              <a:p>
-                <a:pPr lvl="1"/>
-                <a:r>
-                  <a:rPr lang="en-US" dirty="0"/>
-                  <a:t>Works well in models that are neither fully sparse nor dense</a:t>
-                </a:r>
-              </a:p>
-              <a:p>
-                <a:pPr marL="0" indent="0">
-                  <a:buNone/>
-                </a:pPr>
-                <a:endParaRPr lang="en-US" dirty="0"/>
               </a:p>
               <a:p>
                 <a:pPr marL="0" indent="0">
@@ -4523,16 +4465,74 @@
                       <m:func>
                         <m:funcPr>
                           <m:ctrlPr>
-                            <a:rPr lang="de-DE" sz="1600" i="1">
+                            <a:rPr lang="de-DE" i="1">
                               <a:latin typeface="Cambria Math"/>
                             </a:rPr>
                           </m:ctrlPr>
                         </m:funcPr>
                         <m:fName>
+                          <m:acc>
+                            <m:accPr>
+                              <m:chr m:val="̂"/>
+                              <m:ctrlPr>
+                                <a:rPr lang="de-DE" i="1">
+                                  <a:latin typeface="Cambria Math"/>
+                                  <a:ea typeface="Cambria Math"/>
+                                </a:rPr>
+                              </m:ctrlPr>
+                            </m:accPr>
+                            <m:e>
+                              <m:r>
+                                <a:rPr lang="de-DE" i="1">
+                                  <a:latin typeface="Cambria Math"/>
+                                  <a:ea typeface="Cambria Math"/>
+                                </a:rPr>
+                                <m:t>𝛽</m:t>
+                              </m:r>
+                            </m:e>
+                          </m:acc>
+                          <m:d>
+                            <m:dPr>
+                              <m:ctrlPr>
+                                <a:rPr lang="en-US" i="1">
+                                  <a:latin typeface="Cambria Math"/>
+                                  <a:ea typeface="Cambria Math"/>
+                                </a:rPr>
+                              </m:ctrlPr>
+                            </m:dPr>
+                            <m:e>
+                              <m:r>
+                                <m:rPr>
+                                  <m:sty m:val="p"/>
+                                </m:rPr>
+                                <a:rPr lang="el-GR" i="1">
+                                  <a:latin typeface="Cambria Math" panose="02040503050406030204" pitchFamily="18" charset="0"/>
+                                </a:rPr>
+                                <m:t>λ</m:t>
+                              </m:r>
+                            </m:e>
+                          </m:d>
+                          <m:r>
+                            <a:rPr lang="en-US" i="1">
+                              <a:latin typeface="Cambria Math"/>
+                              <a:ea typeface="Cambria Math"/>
+                            </a:rPr>
+                            <m:t>=</m:t>
+                          </m:r>
+                          <m:r>
+                            <m:rPr>
+                              <m:sty m:val="p"/>
+                            </m:rPr>
+                            <a:rPr lang="en-US">
+                              <a:latin typeface="Cambria Math"/>
+                              <a:ea typeface="Cambria Math"/>
+                            </a:rPr>
+                            <m:t>arg</m:t>
+                          </m:r>
                           <m:limLow>
                             <m:limLowPr>
                               <m:ctrlPr>
-                                <a:rPr lang="de-DE" sz="1600" i="1">
+                                <a:rPr lang="de-DE" i="1">
                                   <a:latin typeface="Cambria Math"/>
                                 </a:rPr>
                               </m:ctrlPr>
@@ -4542,7 +4542,7 @@
                                 <m:rPr>
                                   <m:sty m:val="p"/>
                                 </m:rPr>
-                                <a:rPr lang="de-DE" sz="1600" i="1">
+                                <a:rPr lang="de-DE" i="1">
                                   <a:latin typeface="Cambria Math" panose="02040503050406030204" pitchFamily="18" charset="0"/>
                                 </a:rPr>
                                 <m:t>min</m:t>
@@ -4550,13 +4550,13 @@
                             </m:e>
                             <m:lim>
                               <m:r>
-                                <a:rPr lang="de-DE" sz="1600" i="1">
+                                <a:rPr lang="de-DE" i="1">
                                   <a:latin typeface="Cambria Math" panose="02040503050406030204" pitchFamily="18" charset="0"/>
                                 </a:rPr>
                                 <m:t>𝑏</m:t>
                               </m:r>
                               <m:r>
-                                <a:rPr lang="de-DE" sz="1600" i="1">
+                                <a:rPr lang="de-DE" i="1">
                                   <a:latin typeface="Cambria Math" panose="02040503050406030204" pitchFamily="18" charset="0"/>
                                 </a:rPr>
                                 <m:t>∈</m:t>
@@ -4564,14 +4564,14 @@
                               <m:sSup>
                                 <m:sSupPr>
                                   <m:ctrlPr>
-                                    <a:rPr lang="de-DE" sz="1600" i="1">
+                                    <a:rPr lang="de-DE" i="1">
                                       <a:latin typeface="Cambria Math"/>
                                     </a:rPr>
                                   </m:ctrlPr>
                                 </m:sSupPr>
                                 <m:e>
                                   <m:r>
-                                    <a:rPr lang="de-DE" sz="1600" i="1">
+                                    <a:rPr lang="de-DE" i="1">
                                       <a:latin typeface="Cambria Math" panose="02040503050406030204" pitchFamily="18" charset="0"/>
                                     </a:rPr>
                                     <m:t>𝑅</m:t>
@@ -4579,7 +4579,7 @@
                                 </m:e>
                                 <m:sup>
                                   <m:r>
-                                    <a:rPr lang="de-DE" sz="1600" i="1">
+                                    <a:rPr lang="de-DE" i="1">
                                       <a:latin typeface="Cambria Math" panose="02040503050406030204" pitchFamily="18" charset="0"/>
                                     </a:rPr>
                                     <m:t>𝑝</m:t>
@@ -4594,7 +4594,7 @@
                             <m:naryPr>
                               <m:chr m:val="∑"/>
                               <m:ctrlPr>
-                                <a:rPr lang="de-DE" sz="1600" i="1">
+                                <a:rPr lang="de-DE" i="1">
                                   <a:latin typeface="Cambria Math"/>
                                 </a:rPr>
                               </m:ctrlPr>
@@ -4604,13 +4604,13 @@
                                 <m:rPr>
                                   <m:brk m:alnAt="23"/>
                                 </m:rPr>
-                                <a:rPr lang="de-DE" sz="1600" i="1">
+                                <a:rPr lang="de-DE" i="1">
                                   <a:latin typeface="Cambria Math" panose="02040503050406030204" pitchFamily="18" charset="0"/>
                                 </a:rPr>
                                 <m:t>𝑖</m:t>
                               </m:r>
                               <m:r>
-                                <a:rPr lang="de-DE" sz="1600" i="1">
+                                <a:rPr lang="de-DE" i="1">
                                   <a:latin typeface="Cambria Math" panose="02040503050406030204" pitchFamily="18" charset="0"/>
                                 </a:rPr>
                                 <m:t>=1</m:t>
@@ -4618,7 +4618,7 @@
                             </m:sub>
                             <m:sup>
                               <m:r>
-                                <a:rPr lang="de-DE" sz="1600" i="1">
+                                <a:rPr lang="de-DE" i="1">
                                   <a:latin typeface="Cambria Math" panose="02040503050406030204" pitchFamily="18" charset="0"/>
                                 </a:rPr>
                                 <m:t>𝑛</m:t>
@@ -4628,14 +4628,14 @@
                               <m:sSup>
                                 <m:sSupPr>
                                   <m:ctrlPr>
-                                    <a:rPr lang="de-DE" sz="1600" i="1">
+                                    <a:rPr lang="de-DE" i="1">
                                       <a:latin typeface="Cambria Math"/>
                                     </a:rPr>
                                   </m:ctrlPr>
                                 </m:sSupPr>
                                 <m:e>
                                   <m:r>
-                                    <a:rPr lang="de-DE" sz="1600" i="1">
+                                    <a:rPr lang="de-DE" i="1">
                                       <a:latin typeface="Cambria Math" panose="02040503050406030204" pitchFamily="18" charset="0"/>
                                     </a:rPr>
                                     <m:t>(</m:t>
@@ -4643,14 +4643,14 @@
                                   <m:sSub>
                                     <m:sSubPr>
                                       <m:ctrlPr>
-                                        <a:rPr lang="de-DE" sz="1600" i="1">
+                                        <a:rPr lang="de-DE" i="1">
                                           <a:latin typeface="Cambria Math"/>
                                         </a:rPr>
                                       </m:ctrlPr>
                                     </m:sSubPr>
                                     <m:e>
                                       <m:r>
-                                        <a:rPr lang="de-DE" sz="1600" i="1">
+                                        <a:rPr lang="de-DE" i="1">
                                           <a:latin typeface="Cambria Math" panose="02040503050406030204" pitchFamily="18" charset="0"/>
                                         </a:rPr>
                                         <m:t>𝑌</m:t>
@@ -4658,7 +4658,7 @@
                                     </m:e>
                                     <m:sub>
                                       <m:r>
-                                        <a:rPr lang="de-DE" sz="1600" i="1">
+                                        <a:rPr lang="de-DE" i="1">
                                           <a:latin typeface="Cambria Math" panose="02040503050406030204" pitchFamily="18" charset="0"/>
                                         </a:rPr>
                                         <m:t>𝑖</m:t>
@@ -4666,7 +4666,7 @@
                                     </m:sub>
                                   </m:sSub>
                                   <m:r>
-                                    <a:rPr lang="de-DE" sz="1600" i="1">
+                                    <a:rPr lang="de-DE" i="1">
                                       <a:latin typeface="Cambria Math" panose="02040503050406030204" pitchFamily="18" charset="0"/>
                                     </a:rPr>
                                     <m:t>−</m:t>
@@ -4674,14 +4674,14 @@
                                   <m:sSup>
                                     <m:sSupPr>
                                       <m:ctrlPr>
-                                        <a:rPr lang="de-DE" sz="1600" i="1">
+                                        <a:rPr lang="de-DE" i="1">
                                           <a:latin typeface="Cambria Math"/>
                                         </a:rPr>
                                       </m:ctrlPr>
                                     </m:sSupPr>
                                     <m:e>
                                       <m:r>
-                                        <a:rPr lang="de-DE" sz="1600" i="1">
+                                        <a:rPr lang="de-DE" i="1">
                                           <a:latin typeface="Cambria Math" panose="02040503050406030204" pitchFamily="18" charset="0"/>
                                         </a:rPr>
                                         <m:t>𝑏</m:t>
@@ -4689,7 +4689,7 @@
                                     </m:e>
                                     <m:sup>
                                       <m:r>
-                                        <a:rPr lang="de-DE" sz="1600" i="1">
+                                        <a:rPr lang="de-DE" i="1">
                                           <a:latin typeface="Cambria Math" panose="02040503050406030204" pitchFamily="18" charset="0"/>
                                         </a:rPr>
                                         <m:t>′</m:t>
@@ -4699,14 +4699,14 @@
                                   <m:sSub>
                                     <m:sSubPr>
                                       <m:ctrlPr>
-                                        <a:rPr lang="de-DE" sz="1600" i="1">
+                                        <a:rPr lang="de-DE" i="1">
                                           <a:latin typeface="Cambria Math"/>
                                         </a:rPr>
                                       </m:ctrlPr>
                                     </m:sSubPr>
                                     <m:e>
                                       <m:r>
-                                        <a:rPr lang="de-DE" sz="1600" i="1">
+                                        <a:rPr lang="de-DE" i="1">
                                           <a:latin typeface="Cambria Math" panose="02040503050406030204" pitchFamily="18" charset="0"/>
                                         </a:rPr>
                                         <m:t>𝑋</m:t>
@@ -4714,7 +4714,7 @@
                                     </m:e>
                                     <m:sub>
                                       <m:r>
-                                        <a:rPr lang="de-DE" sz="1600" i="1">
+                                        <a:rPr lang="de-DE" i="1">
                                           <a:latin typeface="Cambria Math" panose="02040503050406030204" pitchFamily="18" charset="0"/>
                                         </a:rPr>
                                         <m:t>𝑖</m:t>
@@ -4722,7 +4722,7 @@
                                     </m:sub>
                                   </m:sSub>
                                   <m:r>
-                                    <a:rPr lang="de-DE" sz="1600" i="1">
+                                    <a:rPr lang="de-DE" i="1">
                                       <a:latin typeface="Cambria Math" panose="02040503050406030204" pitchFamily="18" charset="0"/>
                                     </a:rPr>
                                     <m:t>)</m:t>
@@ -4730,7 +4730,7 @@
                                 </m:e>
                                 <m:sup>
                                   <m:r>
-                                    <a:rPr lang="de-DE" sz="1600" i="1">
+                                    <a:rPr lang="de-DE" i="1">
                                       <a:latin typeface="Cambria Math" panose="02040503050406030204" pitchFamily="18" charset="0"/>
                                     </a:rPr>
                                     <m:t>2</m:t>
@@ -4738,44 +4738,25 @@
                                 </m:sup>
                               </m:sSup>
                               <m:r>
-                                <a:rPr lang="de-DE" sz="1600" i="1">
+                                <a:rPr lang="de-DE" i="1">
                                   <a:latin typeface="Cambria Math" panose="02040503050406030204" pitchFamily="18" charset="0"/>
                                 </a:rPr>
                                 <m:t>+</m:t>
                               </m:r>
-                              <m:sSub>
-                                <m:sSubPr>
-                                  <m:ctrlPr>
-                                    <a:rPr lang="de-DE" sz="1600" i="1" smtClean="0">
-                                      <a:latin typeface="Cambria Math"/>
-                                    </a:rPr>
-                                  </m:ctrlPr>
-                                </m:sSubPr>
-                                <m:e>
-                                  <m:r>
-                                    <m:rPr>
-                                      <m:sty m:val="p"/>
-                                    </m:rPr>
-                                    <a:rPr lang="el-GR" sz="1600" i="1">
-                                      <a:latin typeface="Cambria Math" panose="02040503050406030204" pitchFamily="18" charset="0"/>
-                                    </a:rPr>
-                                    <m:t>λ</m:t>
-                                  </m:r>
-                                </m:e>
-                                <m:sub>
-                                  <m:r>
-                                    <a:rPr lang="de-DE" sz="1600" b="0" i="1" smtClean="0">
-                                      <a:latin typeface="Cambria Math" panose="02040503050406030204" pitchFamily="18" charset="0"/>
-                                    </a:rPr>
-                                    <m:t>1</m:t>
-                                  </m:r>
-                                </m:sub>
-                              </m:sSub>
+                              <m:r>
+                                <m:rPr>
+                                  <m:sty m:val="p"/>
+                                </m:rPr>
+                                <a:rPr lang="el-GR" i="1">
+                                  <a:latin typeface="Cambria Math" panose="02040503050406030204" pitchFamily="18" charset="0"/>
+                                </a:rPr>
+                                <m:t>λ</m:t>
+                              </m:r>
                               <m:nary>
                                 <m:naryPr>
                                   <m:chr m:val="∑"/>
                                   <m:ctrlPr>
-                                    <a:rPr lang="el-GR" sz="1600" i="1">
+                                    <a:rPr lang="el-GR" i="1">
                                       <a:latin typeface="Cambria Math"/>
                                     </a:rPr>
                                   </m:ctrlPr>
@@ -4785,13 +4766,13 @@
                                     <m:rPr>
                                       <m:brk m:alnAt="23"/>
                                     </m:rPr>
-                                    <a:rPr lang="de-DE" sz="1600" i="1">
+                                    <a:rPr lang="de-DE" i="1">
                                       <a:latin typeface="Cambria Math" panose="02040503050406030204" pitchFamily="18" charset="0"/>
                                     </a:rPr>
                                     <m:t>𝑗</m:t>
                                   </m:r>
                                   <m:r>
-                                    <a:rPr lang="de-DE" sz="1600" i="1">
+                                    <a:rPr lang="de-DE" i="1">
                                       <a:latin typeface="Cambria Math" panose="02040503050406030204" pitchFamily="18" charset="0"/>
                                     </a:rPr>
                                     <m:t>=1</m:t>
@@ -4799,115 +4780,7 @@
                                 </m:sub>
                                 <m:sup>
                                   <m:r>
-                                    <a:rPr lang="de-DE" sz="1600" i="1">
-                                      <a:latin typeface="Cambria Math" panose="02040503050406030204" pitchFamily="18" charset="0"/>
-                                    </a:rPr>
-                                    <m:t>𝑝</m:t>
-                                  </m:r>
-                                </m:sup>
-                                <m:e>
-                                  <m:r>
-                                    <a:rPr lang="de-DE" sz="1600" i="1">
-                                      <a:latin typeface="Cambria Math" panose="02040503050406030204" pitchFamily="18" charset="0"/>
-                                    </a:rPr>
-                                    <m:t>|</m:t>
-                                  </m:r>
-                                  <m:sSub>
-                                    <m:sSubPr>
-                                      <m:ctrlPr>
-                                        <a:rPr lang="de-DE" sz="1600" i="1">
-                                          <a:latin typeface="Cambria Math"/>
-                                        </a:rPr>
-                                      </m:ctrlPr>
-                                    </m:sSubPr>
-                                    <m:e>
-                                      <m:r>
-                                        <a:rPr lang="de-DE" sz="1600" i="1">
-                                          <a:latin typeface="Cambria Math" panose="02040503050406030204" pitchFamily="18" charset="0"/>
-                                        </a:rPr>
-                                        <m:t>𝑏</m:t>
-                                      </m:r>
-                                    </m:e>
-                                    <m:sub>
-                                      <m:r>
-                                        <a:rPr lang="de-DE" sz="1600" i="1">
-                                          <a:latin typeface="Cambria Math" panose="02040503050406030204" pitchFamily="18" charset="0"/>
-                                        </a:rPr>
-                                        <m:t>𝑗</m:t>
-                                      </m:r>
-                                    </m:sub>
-                                  </m:sSub>
-                                  <m:r>
-                                    <a:rPr lang="de-DE" sz="1600" i="1">
-                                      <a:latin typeface="Cambria Math" panose="02040503050406030204" pitchFamily="18" charset="0"/>
-                                    </a:rPr>
-                                    <m:t>|</m:t>
-                                  </m:r>
-                                </m:e>
-                              </m:nary>
-                              <m:r>
-                                <a:rPr lang="de-DE" sz="1600" b="0" i="1" smtClean="0">
-                                  <a:latin typeface="Cambria Math" panose="02040503050406030204" pitchFamily="18" charset="0"/>
-                                </a:rPr>
-                                <m:t>+</m:t>
-                              </m:r>
-                              <m:sSub>
-                                <m:sSubPr>
-                                  <m:ctrlPr>
-                                    <a:rPr lang="de-DE" sz="1600" b="0" i="1" smtClean="0">
-                                      <a:latin typeface="Cambria Math"/>
-                                    </a:rPr>
-                                  </m:ctrlPr>
-                                </m:sSubPr>
-                                <m:e>
-                                  <m:r>
-                                    <m:rPr>
-                                      <m:sty m:val="p"/>
-                                    </m:rPr>
-                                    <a:rPr lang="el-GR" sz="1600" i="1">
-                                      <a:latin typeface="Cambria Math" panose="02040503050406030204" pitchFamily="18" charset="0"/>
-                                    </a:rPr>
-                                    <m:t>λ</m:t>
-                                  </m:r>
-                                </m:e>
-                                <m:sub>
-                                  <m:r>
-                                    <a:rPr lang="de-DE" sz="1600" b="0" i="1" smtClean="0">
-                                      <a:latin typeface="Cambria Math" panose="02040503050406030204" pitchFamily="18" charset="0"/>
-                                    </a:rPr>
-                                    <m:t>2</m:t>
-                                  </m:r>
-                                </m:sub>
-                              </m:sSub>
-                              <m:nary>
-                                <m:naryPr>
-                                  <m:chr m:val="∑"/>
-                                  <m:ctrlPr>
-                                    <a:rPr lang="el-GR" sz="1600" i="1">
-                                      <a:latin typeface="Cambria Math"/>
-                                    </a:rPr>
-                                  </m:ctrlPr>
-                                </m:naryPr>
-                                <m:sub>
-                                  <m:r>
-                                    <m:rPr>
-                                      <m:brk m:alnAt="23"/>
-                                    </m:rPr>
-                                    <a:rPr lang="de-DE" sz="1600" i="1">
-                                      <a:latin typeface="Cambria Math" panose="02040503050406030204" pitchFamily="18" charset="0"/>
-                                    </a:rPr>
-                                    <m:t>𝑗</m:t>
-                                  </m:r>
-                                  <m:r>
-                                    <a:rPr lang="de-DE" sz="1600" i="1">
-                                      <a:latin typeface="Cambria Math" panose="02040503050406030204" pitchFamily="18" charset="0"/>
-                                    </a:rPr>
-                                    <m:t>=1</m:t>
-                                  </m:r>
-                                </m:sub>
-                                <m:sup>
-                                  <m:r>
-                                    <a:rPr lang="de-DE" sz="1600" i="1">
+                                    <a:rPr lang="de-DE" i="1">
                                       <a:latin typeface="Cambria Math" panose="02040503050406030204" pitchFamily="18" charset="0"/>
                                     </a:rPr>
                                     <m:t>𝑝</m:t>
@@ -4917,14 +4790,14 @@
                                   <m:sSubSup>
                                     <m:sSubSupPr>
                                       <m:ctrlPr>
-                                        <a:rPr lang="el-GR" sz="1600" i="1">
+                                        <a:rPr lang="el-GR" i="1">
                                           <a:latin typeface="Cambria Math"/>
                                         </a:rPr>
                                       </m:ctrlPr>
                                     </m:sSubSupPr>
                                     <m:e>
                                       <m:r>
-                                        <a:rPr lang="de-DE" sz="1600" i="1">
+                                        <a:rPr lang="de-DE" i="1">
                                           <a:latin typeface="Cambria Math" panose="02040503050406030204" pitchFamily="18" charset="0"/>
                                         </a:rPr>
                                         <m:t>𝑏</m:t>
@@ -4932,7 +4805,7 @@
                                     </m:e>
                                     <m:sub>
                                       <m:r>
-                                        <a:rPr lang="de-DE" sz="1600" i="1">
+                                        <a:rPr lang="de-DE" i="1">
                                           <a:latin typeface="Cambria Math" panose="02040503050406030204" pitchFamily="18" charset="0"/>
                                         </a:rPr>
                                         <m:t>𝑗</m:t>
@@ -4940,7 +4813,7 @@
                                     </m:sub>
                                     <m:sup>
                                       <m:r>
-                                        <a:rPr lang="de-DE" sz="1600" i="1">
+                                        <a:rPr lang="de-DE" i="1">
                                           <a:latin typeface="Cambria Math" panose="02040503050406030204" pitchFamily="18" charset="0"/>
                                         </a:rPr>
                                         <m:t>2</m:t>
@@ -4956,6 +4829,60 @@
                     </m:oMath>
                   </m:oMathPara>
                 </a14:m>
+                <a:endParaRPr lang="en-US" dirty="0"/>
+              </a:p>
+              <a:p>
+                <a:r>
+                  <a:rPr lang="en-US" dirty="0" smtClean="0"/>
+                  <a:t>Explanation:</a:t>
+                </a:r>
+                <a:endParaRPr lang="en-US" dirty="0"/>
+              </a:p>
+              <a:p>
+                <a:pPr lvl="1"/>
+                <a:r>
+                  <a:rPr lang="en-US" dirty="0"/>
+                  <a:t>Ridge penalizes or presses down large values of </a:t>
+                </a:r>
+                <a:r>
+                  <a:rPr lang="en-US" dirty="0" smtClean="0"/>
+                  <a:t>coeﬃcients much </a:t>
+                </a:r>
+                <a:r>
+                  <a:rPr lang="en-US" dirty="0"/>
+                  <a:t>more aggressively than Lasso, and it penalizes </a:t>
+                </a:r>
+                <a:r>
+                  <a:rPr lang="en-US" dirty="0" smtClean="0"/>
+                  <a:t>small values </a:t>
+                </a:r>
+                <a:r>
+                  <a:rPr lang="en-US" dirty="0"/>
+                  <a:t>much less aggressively than </a:t>
+                </a:r>
+                <a:r>
+                  <a:rPr lang="en-US" dirty="0" smtClean="0"/>
+                  <a:t>Lasso</a:t>
+                </a:r>
+              </a:p>
+              <a:p>
+                <a:pPr lvl="1"/>
+                <a:r>
+                  <a:rPr lang="en-US" dirty="0"/>
+                  <a:t>Unlike Lasso, Ridge does not do variable selection (</a:t>
+                </a:r>
+                <a:r>
+                  <a:rPr lang="en-US" dirty="0" smtClean="0"/>
+                  <a:t>set coeﬃcients </a:t>
+                </a:r>
+                <a:r>
+                  <a:rPr lang="en-US" dirty="0"/>
+                  <a:t>to zero</a:t>
+                </a:r>
+                <a:r>
+                  <a:rPr lang="en-US" dirty="0" smtClean="0"/>
+                  <a:t>)</a:t>
+                </a:r>
                 <a:endParaRPr lang="de-DE" dirty="0"/>
               </a:p>
             </p:txBody>
@@ -4976,7 +4903,7 @@
               <a:blipFill rotWithShape="1">
                 <a:blip r:embed="rId2"/>
                 <a:stretch>
-                  <a:fillRect l="-2194" t="-1590"/>
+                  <a:fillRect l="-2194" t="-2385" r="-1724"/>
                 </a:stretch>
               </a:blipFill>
             </p:spPr>
@@ -4997,50 +4924,6 @@
       </mc:AlternateContent>
       <p:sp>
         <p:nvSpPr>
-          <p:cNvPr id="4" name="Date Placeholder 3"/>
-          <p:cNvSpPr>
-            <a:spLocks noGrp="1"/>
-          </p:cNvSpPr>
-          <p:nvPr>
-            <p:ph type="dt" sz="half" idx="10"/>
-          </p:nvPr>
-        </p:nvSpPr>
-        <p:spPr/>
-        <p:txBody>
-          <a:bodyPr/>
-          <a:lstStyle/>
-          <a:p>
-            <a:r>
-              <a:rPr lang="de-DE"/>
-              <a:t>18.10.2018</a:t>
-            </a:r>
-          </a:p>
-        </p:txBody>
-      </p:sp>
-      <p:sp>
-        <p:nvSpPr>
-          <p:cNvPr id="5" name="Footer Placeholder 4"/>
-          <p:cNvSpPr>
-            <a:spLocks noGrp="1"/>
-          </p:cNvSpPr>
-          <p:nvPr>
-            <p:ph type="ftr" sz="quarter" idx="11"/>
-          </p:nvPr>
-        </p:nvSpPr>
-        <p:spPr/>
-        <p:txBody>
-          <a:bodyPr/>
-          <a:lstStyle/>
-          <a:p>
-            <a:r>
-              <a:rPr lang="de-DE"/>
-              <a:t>Peter Severin</a:t>
-            </a:r>
-          </a:p>
-        </p:txBody>
-      </p:sp>
-      <p:sp>
-        <p:nvSpPr>
           <p:cNvPr id="6" name="Slide Number Placeholder 5"/>
           <p:cNvSpPr>
             <a:spLocks noGrp="1"/>
@@ -5062,10 +4945,66 @@
           </a:p>
         </p:txBody>
       </p:sp>
+      <p:sp>
+        <p:nvSpPr>
+          <p:cNvPr id="9" name="Date Placeholder 3"/>
+          <p:cNvSpPr>
+            <a:spLocks noGrp="1"/>
+          </p:cNvSpPr>
+          <p:nvPr>
+            <p:ph type="dt" sz="half" idx="10"/>
+          </p:nvPr>
+        </p:nvSpPr>
+        <p:spPr>
+          <a:xfrm>
+            <a:off x="683568" y="6386400"/>
+            <a:ext cx="2133600" cy="180000"/>
+          </a:xfrm>
+        </p:spPr>
+        <p:txBody>
+          <a:bodyPr/>
+          <a:lstStyle/>
+          <a:p>
+            <a:r>
+              <a:rPr lang="de-DE" dirty="0" smtClean="0"/>
+              <a:t>06.12.2018</a:t>
+            </a:r>
+            <a:endParaRPr lang="de-DE" dirty="0"/>
+          </a:p>
+        </p:txBody>
+      </p:sp>
+      <p:sp>
+        <p:nvSpPr>
+          <p:cNvPr id="10" name="Footer Placeholder 4"/>
+          <p:cNvSpPr>
+            <a:spLocks noGrp="1"/>
+          </p:cNvSpPr>
+          <p:nvPr>
+            <p:ph type="ftr" sz="quarter" idx="11"/>
+          </p:nvPr>
+        </p:nvSpPr>
+        <p:spPr>
+          <a:xfrm>
+            <a:off x="684000" y="6134400"/>
+            <a:ext cx="2895600" cy="180000"/>
+          </a:xfrm>
+        </p:spPr>
+        <p:txBody>
+          <a:bodyPr/>
+          <a:lstStyle/>
+          <a:p>
+            <a:r>
+              <a:rPr lang="de-DE" dirty="0" smtClean="0"/>
+              <a:t>Pavel Lesnevski</a:t>
+            </a:r>
+            <a:endParaRPr lang="de-DE" dirty="0"/>
+          </a:p>
+        </p:txBody>
+      </p:sp>
     </p:spTree>
     <p:extLst>
       <p:ext uri="{BB962C8B-B14F-4D97-AF65-F5344CB8AC3E}">
-        <p14:creationId xmlns:p14="http://schemas.microsoft.com/office/powerpoint/2010/main" val="1122886243"/>
+        <p14:creationId xmlns:p14="http://schemas.microsoft.com/office/powerpoint/2010/main" val="814674113"/>
       </p:ext>
     </p:extLst>
   </p:cSld>
@@ -5109,80 +5048,637 @@
             <p:ph type="title"/>
           </p:nvPr>
         </p:nvSpPr>
-        <p:spPr/>
-        <p:txBody>
-          <a:bodyPr/>
-          <a:lstStyle/>
-          <a:p>
-            <a:endParaRPr lang="en-US"/>
-          </a:p>
-        </p:txBody>
-      </p:sp>
-      <p:sp>
-        <p:nvSpPr>
-          <p:cNvPr id="3" name="Content Placeholder 2"/>
-          <p:cNvSpPr>
-            <a:spLocks noGrp="1"/>
-          </p:cNvSpPr>
-          <p:nvPr>
-            <p:ph idx="1"/>
-          </p:nvPr>
-        </p:nvSpPr>
-        <p:spPr/>
-        <p:txBody>
-          <a:bodyPr/>
-          <a:lstStyle/>
-          <a:p>
-            <a:endParaRPr lang="en-US"/>
-          </a:p>
-        </p:txBody>
-      </p:sp>
-      <p:sp>
-        <p:nvSpPr>
-          <p:cNvPr id="4" name="Date Placeholder 3"/>
-          <p:cNvSpPr>
-            <a:spLocks noGrp="1"/>
-          </p:cNvSpPr>
-          <p:nvPr>
-            <p:ph type="dt" sz="half" idx="10"/>
-          </p:nvPr>
-        </p:nvSpPr>
-        <p:spPr/>
-        <p:txBody>
-          <a:bodyPr/>
-          <a:lstStyle/>
-          <a:p>
-            <a:r>
-              <a:rPr lang="de-DE" smtClean="0"/>
-              <a:t>06.12.2018</a:t>
-            </a:r>
-            <a:endParaRPr lang="de-DE" dirty="0"/>
-          </a:p>
-        </p:txBody>
-      </p:sp>
-      <p:sp>
-        <p:nvSpPr>
-          <p:cNvPr id="5" name="Footer Placeholder 4"/>
-          <p:cNvSpPr>
-            <a:spLocks noGrp="1"/>
-          </p:cNvSpPr>
-          <p:nvPr>
-            <p:ph type="ftr" sz="quarter" idx="11"/>
-          </p:nvPr>
-        </p:nvSpPr>
-        <p:spPr/>
-        <p:txBody>
-          <a:bodyPr/>
-          <a:lstStyle/>
-          <a:p>
-            <a:r>
-              <a:rPr lang="de-DE" smtClean="0"/>
-              <a:t>Pavel Lesnevski</a:t>
-            </a:r>
-            <a:endParaRPr lang="de-DE" dirty="0"/>
-          </a:p>
-        </p:txBody>
-      </p:sp>
+        <p:spPr>
+          <a:xfrm>
+            <a:off x="684000" y="584684"/>
+            <a:ext cx="5479200" cy="1141200"/>
+          </a:xfrm>
+        </p:spPr>
+        <p:txBody>
+          <a:bodyPr/>
+          <a:lstStyle/>
+          <a:p>
+            <a:r>
+              <a:rPr lang="de-DE" dirty="0" smtClean="0"/>
+              <a:t>Elastic </a:t>
+            </a:r>
+            <a:r>
+              <a:rPr lang="de-DE" dirty="0"/>
+              <a:t>Net</a:t>
+            </a:r>
+          </a:p>
+        </p:txBody>
+      </p:sp>
+      <mc:AlternateContent xmlns:mc="http://schemas.openxmlformats.org/markup-compatibility/2006">
+        <mc:Choice xmlns:a14="http://schemas.microsoft.com/office/drawing/2010/main" Requires="a14">
+          <p:sp>
+            <p:nvSpPr>
+              <p:cNvPr id="3" name="Content Placeholder 2"/>
+              <p:cNvSpPr>
+                <a:spLocks noGrp="1"/>
+              </p:cNvSpPr>
+              <p:nvPr>
+                <p:ph idx="1"/>
+              </p:nvPr>
+            </p:nvSpPr>
+            <p:spPr/>
+            <p:txBody>
+              <a:bodyPr/>
+              <a:lstStyle/>
+              <a:p>
+                <a:r>
+                  <a:rPr lang="en-US" dirty="0"/>
+                  <a:t>Combination of Lasso and </a:t>
+                </a:r>
+                <a:r>
+                  <a:rPr lang="en-US" dirty="0" smtClean="0"/>
+                  <a:t>Ridge penalty terms:</a:t>
+                </a:r>
+              </a:p>
+              <a:p>
+                <a:pPr marL="0" indent="0">
+                  <a:buNone/>
+                </a:pPr>
+                <a14:m>
+                  <m:oMathPara xmlns:m="http://schemas.openxmlformats.org/officeDocument/2006/math">
+                    <m:oMathParaPr>
+                      <m:jc m:val="centerGroup"/>
+                    </m:oMathParaPr>
+                    <m:oMath xmlns:m="http://schemas.openxmlformats.org/officeDocument/2006/math">
+                      <m:acc>
+                        <m:accPr>
+                          <m:chr m:val="̂"/>
+                          <m:ctrlPr>
+                            <a:rPr lang="de-DE" i="1">
+                              <a:latin typeface="Cambria Math"/>
+                              <a:ea typeface="Cambria Math"/>
+                            </a:rPr>
+                          </m:ctrlPr>
+                        </m:accPr>
+                        <m:e>
+                          <m:r>
+                            <a:rPr lang="de-DE" i="1">
+                              <a:latin typeface="Cambria Math"/>
+                              <a:ea typeface="Cambria Math"/>
+                            </a:rPr>
+                            <m:t>𝛽</m:t>
+                          </m:r>
+                        </m:e>
+                      </m:acc>
+                      <m:d>
+                        <m:dPr>
+                          <m:ctrlPr>
+                            <a:rPr lang="en-US" i="1">
+                              <a:latin typeface="Cambria Math"/>
+                              <a:ea typeface="Cambria Math"/>
+                            </a:rPr>
+                          </m:ctrlPr>
+                        </m:dPr>
+                        <m:e>
+                          <m:r>
+                            <m:rPr>
+                              <m:sty m:val="p"/>
+                            </m:rPr>
+                            <a:rPr lang="el-GR" i="1">
+                              <a:latin typeface="Cambria Math" panose="02040503050406030204" pitchFamily="18" charset="0"/>
+                            </a:rPr>
+                            <m:t>λ</m:t>
+                          </m:r>
+                        </m:e>
+                      </m:d>
+                      <m:r>
+                        <a:rPr lang="en-US" i="1">
+                          <a:latin typeface="Cambria Math"/>
+                          <a:ea typeface="Cambria Math"/>
+                        </a:rPr>
+                        <m:t>=</m:t>
+                      </m:r>
+                      <m:func>
+                        <m:funcPr>
+                          <m:ctrlPr>
+                            <a:rPr lang="de-DE" i="1">
+                              <a:latin typeface="Cambria Math"/>
+                            </a:rPr>
+                          </m:ctrlPr>
+                        </m:funcPr>
+                        <m:fName>
+                          <m:r>
+                            <m:rPr>
+                              <m:sty m:val="p"/>
+                            </m:rPr>
+                            <a:rPr lang="en-US">
+                              <a:latin typeface="Cambria Math"/>
+                              <a:ea typeface="Cambria Math"/>
+                            </a:rPr>
+                            <m:t>arg</m:t>
+                          </m:r>
+                          <m:limLow>
+                            <m:limLowPr>
+                              <m:ctrlPr>
+                                <a:rPr lang="de-DE" i="1">
+                                  <a:latin typeface="Cambria Math"/>
+                                </a:rPr>
+                              </m:ctrlPr>
+                            </m:limLowPr>
+                            <m:e>
+                              <m:r>
+                                <m:rPr>
+                                  <m:sty m:val="p"/>
+                                </m:rPr>
+                                <a:rPr lang="de-DE" i="1">
+                                  <a:latin typeface="Cambria Math" panose="02040503050406030204" pitchFamily="18" charset="0"/>
+                                </a:rPr>
+                                <m:t>min</m:t>
+                              </m:r>
+                            </m:e>
+                            <m:lim>
+                              <m:r>
+                                <a:rPr lang="de-DE" i="1">
+                                  <a:latin typeface="Cambria Math" panose="02040503050406030204" pitchFamily="18" charset="0"/>
+                                </a:rPr>
+                                <m:t>𝑏</m:t>
+                              </m:r>
+                              <m:r>
+                                <a:rPr lang="de-DE" i="1">
+                                  <a:latin typeface="Cambria Math" panose="02040503050406030204" pitchFamily="18" charset="0"/>
+                                </a:rPr>
+                                <m:t>∈</m:t>
+                              </m:r>
+                              <m:sSup>
+                                <m:sSupPr>
+                                  <m:ctrlPr>
+                                    <a:rPr lang="de-DE" i="1">
+                                      <a:latin typeface="Cambria Math"/>
+                                    </a:rPr>
+                                  </m:ctrlPr>
+                                </m:sSupPr>
+                                <m:e>
+                                  <m:r>
+                                    <a:rPr lang="de-DE" i="1">
+                                      <a:latin typeface="Cambria Math" panose="02040503050406030204" pitchFamily="18" charset="0"/>
+                                    </a:rPr>
+                                    <m:t>𝑅</m:t>
+                                  </m:r>
+                                </m:e>
+                                <m:sup>
+                                  <m:r>
+                                    <a:rPr lang="de-DE" i="1">
+                                      <a:latin typeface="Cambria Math" panose="02040503050406030204" pitchFamily="18" charset="0"/>
+                                    </a:rPr>
+                                    <m:t>𝑝</m:t>
+                                  </m:r>
+                                </m:sup>
+                              </m:sSup>
+                            </m:lim>
+                          </m:limLow>
+                        </m:fName>
+                        <m:e>
+                          <m:nary>
+                            <m:naryPr>
+                              <m:chr m:val="∑"/>
+                              <m:ctrlPr>
+                                <a:rPr lang="de-DE" i="1">
+                                  <a:latin typeface="Cambria Math"/>
+                                </a:rPr>
+                              </m:ctrlPr>
+                            </m:naryPr>
+                            <m:sub>
+                              <m:r>
+                                <m:rPr>
+                                  <m:brk m:alnAt="23"/>
+                                </m:rPr>
+                                <a:rPr lang="de-DE" i="1">
+                                  <a:latin typeface="Cambria Math" panose="02040503050406030204" pitchFamily="18" charset="0"/>
+                                </a:rPr>
+                                <m:t>𝑖</m:t>
+                              </m:r>
+                              <m:r>
+                                <a:rPr lang="de-DE" i="1">
+                                  <a:latin typeface="Cambria Math" panose="02040503050406030204" pitchFamily="18" charset="0"/>
+                                </a:rPr>
+                                <m:t>=1</m:t>
+                              </m:r>
+                            </m:sub>
+                            <m:sup>
+                              <m:r>
+                                <a:rPr lang="de-DE" i="1">
+                                  <a:latin typeface="Cambria Math" panose="02040503050406030204" pitchFamily="18" charset="0"/>
+                                </a:rPr>
+                                <m:t>𝑛</m:t>
+                              </m:r>
+                            </m:sup>
+                            <m:e>
+                              <m:sSup>
+                                <m:sSupPr>
+                                  <m:ctrlPr>
+                                    <a:rPr lang="de-DE" i="1">
+                                      <a:latin typeface="Cambria Math"/>
+                                    </a:rPr>
+                                  </m:ctrlPr>
+                                </m:sSupPr>
+                                <m:e>
+                                  <m:r>
+                                    <a:rPr lang="de-DE" i="1">
+                                      <a:latin typeface="Cambria Math" panose="02040503050406030204" pitchFamily="18" charset="0"/>
+                                    </a:rPr>
+                                    <m:t>(</m:t>
+                                  </m:r>
+                                  <m:sSub>
+                                    <m:sSubPr>
+                                      <m:ctrlPr>
+                                        <a:rPr lang="de-DE" i="1">
+                                          <a:latin typeface="Cambria Math"/>
+                                        </a:rPr>
+                                      </m:ctrlPr>
+                                    </m:sSubPr>
+                                    <m:e>
+                                      <m:r>
+                                        <a:rPr lang="de-DE" i="1">
+                                          <a:latin typeface="Cambria Math" panose="02040503050406030204" pitchFamily="18" charset="0"/>
+                                        </a:rPr>
+                                        <m:t>𝑌</m:t>
+                                      </m:r>
+                                    </m:e>
+                                    <m:sub>
+                                      <m:r>
+                                        <a:rPr lang="de-DE" i="1">
+                                          <a:latin typeface="Cambria Math" panose="02040503050406030204" pitchFamily="18" charset="0"/>
+                                        </a:rPr>
+                                        <m:t>𝑖</m:t>
+                                      </m:r>
+                                    </m:sub>
+                                  </m:sSub>
+                                  <m:r>
+                                    <a:rPr lang="de-DE" i="1">
+                                      <a:latin typeface="Cambria Math" panose="02040503050406030204" pitchFamily="18" charset="0"/>
+                                    </a:rPr>
+                                    <m:t>−</m:t>
+                                  </m:r>
+                                  <m:sSup>
+                                    <m:sSupPr>
+                                      <m:ctrlPr>
+                                        <a:rPr lang="de-DE" i="1">
+                                          <a:latin typeface="Cambria Math"/>
+                                        </a:rPr>
+                                      </m:ctrlPr>
+                                    </m:sSupPr>
+                                    <m:e>
+                                      <m:r>
+                                        <a:rPr lang="de-DE" i="1">
+                                          <a:latin typeface="Cambria Math" panose="02040503050406030204" pitchFamily="18" charset="0"/>
+                                        </a:rPr>
+                                        <m:t>𝑏</m:t>
+                                      </m:r>
+                                    </m:e>
+                                    <m:sup>
+                                      <m:r>
+                                        <a:rPr lang="de-DE" i="1">
+                                          <a:latin typeface="Cambria Math" panose="02040503050406030204" pitchFamily="18" charset="0"/>
+                                        </a:rPr>
+                                        <m:t>′</m:t>
+                                      </m:r>
+                                    </m:sup>
+                                  </m:sSup>
+                                  <m:sSub>
+                                    <m:sSubPr>
+                                      <m:ctrlPr>
+                                        <a:rPr lang="de-DE" i="1">
+                                          <a:latin typeface="Cambria Math"/>
+                                        </a:rPr>
+                                      </m:ctrlPr>
+                                    </m:sSubPr>
+                                    <m:e>
+                                      <m:r>
+                                        <a:rPr lang="de-DE" i="1">
+                                          <a:latin typeface="Cambria Math" panose="02040503050406030204" pitchFamily="18" charset="0"/>
+                                        </a:rPr>
+                                        <m:t>𝑋</m:t>
+                                      </m:r>
+                                    </m:e>
+                                    <m:sub>
+                                      <m:r>
+                                        <a:rPr lang="de-DE" i="1">
+                                          <a:latin typeface="Cambria Math" panose="02040503050406030204" pitchFamily="18" charset="0"/>
+                                        </a:rPr>
+                                        <m:t>𝑖</m:t>
+                                      </m:r>
+                                    </m:sub>
+                                  </m:sSub>
+                                  <m:r>
+                                    <a:rPr lang="de-DE" i="1">
+                                      <a:latin typeface="Cambria Math" panose="02040503050406030204" pitchFamily="18" charset="0"/>
+                                    </a:rPr>
+                                    <m:t>)</m:t>
+                                  </m:r>
+                                </m:e>
+                                <m:sup>
+                                  <m:r>
+                                    <a:rPr lang="de-DE" i="1">
+                                      <a:latin typeface="Cambria Math" panose="02040503050406030204" pitchFamily="18" charset="0"/>
+                                    </a:rPr>
+                                    <m:t>2</m:t>
+                                  </m:r>
+                                </m:sup>
+                              </m:sSup>
+                              <m:r>
+                                <a:rPr lang="de-DE" i="1">
+                                  <a:latin typeface="Cambria Math" panose="02040503050406030204" pitchFamily="18" charset="0"/>
+                                </a:rPr>
+                                <m:t>+</m:t>
+                              </m:r>
+                              <m:sSub>
+                                <m:sSubPr>
+                                  <m:ctrlPr>
+                                    <a:rPr lang="de-DE" i="1">
+                                      <a:latin typeface="Cambria Math"/>
+                                    </a:rPr>
+                                  </m:ctrlPr>
+                                </m:sSubPr>
+                                <m:e>
+                                  <m:r>
+                                    <m:rPr>
+                                      <m:sty m:val="p"/>
+                                    </m:rPr>
+                                    <a:rPr lang="el-GR" i="1">
+                                      <a:latin typeface="Cambria Math" panose="02040503050406030204" pitchFamily="18" charset="0"/>
+                                    </a:rPr>
+                                    <m:t>λ</m:t>
+                                  </m:r>
+                                </m:e>
+                                <m:sub>
+                                  <m:r>
+                                    <a:rPr lang="de-DE" i="1">
+                                      <a:latin typeface="Cambria Math" panose="02040503050406030204" pitchFamily="18" charset="0"/>
+                                    </a:rPr>
+                                    <m:t>1</m:t>
+                                  </m:r>
+                                </m:sub>
+                              </m:sSub>
+                              <m:nary>
+                                <m:naryPr>
+                                  <m:chr m:val="∑"/>
+                                  <m:ctrlPr>
+                                    <a:rPr lang="el-GR" i="1">
+                                      <a:latin typeface="Cambria Math"/>
+                                    </a:rPr>
+                                  </m:ctrlPr>
+                                </m:naryPr>
+                                <m:sub>
+                                  <m:r>
+                                    <m:rPr>
+                                      <m:brk m:alnAt="23"/>
+                                    </m:rPr>
+                                    <a:rPr lang="de-DE" i="1">
+                                      <a:latin typeface="Cambria Math" panose="02040503050406030204" pitchFamily="18" charset="0"/>
+                                    </a:rPr>
+                                    <m:t>𝑗</m:t>
+                                  </m:r>
+                                  <m:r>
+                                    <a:rPr lang="de-DE" i="1">
+                                      <a:latin typeface="Cambria Math" panose="02040503050406030204" pitchFamily="18" charset="0"/>
+                                    </a:rPr>
+                                    <m:t>=1</m:t>
+                                  </m:r>
+                                </m:sub>
+                                <m:sup>
+                                  <m:r>
+                                    <a:rPr lang="de-DE" i="1">
+                                      <a:latin typeface="Cambria Math" panose="02040503050406030204" pitchFamily="18" charset="0"/>
+                                    </a:rPr>
+                                    <m:t>𝑝</m:t>
+                                  </m:r>
+                                </m:sup>
+                                <m:e>
+                                  <m:r>
+                                    <a:rPr lang="de-DE" i="1">
+                                      <a:latin typeface="Cambria Math" panose="02040503050406030204" pitchFamily="18" charset="0"/>
+                                    </a:rPr>
+                                    <m:t>|</m:t>
+                                  </m:r>
+                                  <m:sSub>
+                                    <m:sSubPr>
+                                      <m:ctrlPr>
+                                        <a:rPr lang="de-DE" i="1">
+                                          <a:latin typeface="Cambria Math"/>
+                                        </a:rPr>
+                                      </m:ctrlPr>
+                                    </m:sSubPr>
+                                    <m:e>
+                                      <m:r>
+                                        <a:rPr lang="de-DE" i="1">
+                                          <a:latin typeface="Cambria Math" panose="02040503050406030204" pitchFamily="18" charset="0"/>
+                                        </a:rPr>
+                                        <m:t>𝑏</m:t>
+                                      </m:r>
+                                    </m:e>
+                                    <m:sub>
+                                      <m:r>
+                                        <a:rPr lang="de-DE" i="1">
+                                          <a:latin typeface="Cambria Math" panose="02040503050406030204" pitchFamily="18" charset="0"/>
+                                        </a:rPr>
+                                        <m:t>𝑗</m:t>
+                                      </m:r>
+                                    </m:sub>
+                                  </m:sSub>
+                                  <m:r>
+                                    <a:rPr lang="de-DE" i="1">
+                                      <a:latin typeface="Cambria Math" panose="02040503050406030204" pitchFamily="18" charset="0"/>
+                                    </a:rPr>
+                                    <m:t>|</m:t>
+                                  </m:r>
+                                </m:e>
+                              </m:nary>
+                              <m:r>
+                                <a:rPr lang="de-DE" i="1">
+                                  <a:latin typeface="Cambria Math" panose="02040503050406030204" pitchFamily="18" charset="0"/>
+                                </a:rPr>
+                                <m:t>+</m:t>
+                              </m:r>
+                              <m:sSub>
+                                <m:sSubPr>
+                                  <m:ctrlPr>
+                                    <a:rPr lang="de-DE" i="1">
+                                      <a:latin typeface="Cambria Math"/>
+                                    </a:rPr>
+                                  </m:ctrlPr>
+                                </m:sSubPr>
+                                <m:e>
+                                  <m:r>
+                                    <m:rPr>
+                                      <m:sty m:val="p"/>
+                                    </m:rPr>
+                                    <a:rPr lang="el-GR" i="1">
+                                      <a:latin typeface="Cambria Math" panose="02040503050406030204" pitchFamily="18" charset="0"/>
+                                    </a:rPr>
+                                    <m:t>λ</m:t>
+                                  </m:r>
+                                </m:e>
+                                <m:sub>
+                                  <m:r>
+                                    <a:rPr lang="de-DE" i="1">
+                                      <a:latin typeface="Cambria Math" panose="02040503050406030204" pitchFamily="18" charset="0"/>
+                                    </a:rPr>
+                                    <m:t>2</m:t>
+                                  </m:r>
+                                </m:sub>
+                              </m:sSub>
+                              <m:nary>
+                                <m:naryPr>
+                                  <m:chr m:val="∑"/>
+                                  <m:ctrlPr>
+                                    <a:rPr lang="el-GR" i="1">
+                                      <a:latin typeface="Cambria Math"/>
+                                    </a:rPr>
+                                  </m:ctrlPr>
+                                </m:naryPr>
+                                <m:sub>
+                                  <m:r>
+                                    <m:rPr>
+                                      <m:brk m:alnAt="23"/>
+                                    </m:rPr>
+                                    <a:rPr lang="de-DE" i="1">
+                                      <a:latin typeface="Cambria Math" panose="02040503050406030204" pitchFamily="18" charset="0"/>
+                                    </a:rPr>
+                                    <m:t>𝑗</m:t>
+                                  </m:r>
+                                  <m:r>
+                                    <a:rPr lang="de-DE" i="1">
+                                      <a:latin typeface="Cambria Math" panose="02040503050406030204" pitchFamily="18" charset="0"/>
+                                    </a:rPr>
+                                    <m:t>=1</m:t>
+                                  </m:r>
+                                </m:sub>
+                                <m:sup>
+                                  <m:r>
+                                    <a:rPr lang="de-DE" i="1">
+                                      <a:latin typeface="Cambria Math" panose="02040503050406030204" pitchFamily="18" charset="0"/>
+                                    </a:rPr>
+                                    <m:t>𝑝</m:t>
+                                  </m:r>
+                                </m:sup>
+                                <m:e>
+                                  <m:sSubSup>
+                                    <m:sSubSupPr>
+                                      <m:ctrlPr>
+                                        <a:rPr lang="el-GR" i="1">
+                                          <a:latin typeface="Cambria Math"/>
+                                        </a:rPr>
+                                      </m:ctrlPr>
+                                    </m:sSubSupPr>
+                                    <m:e>
+                                      <m:r>
+                                        <a:rPr lang="de-DE" i="1">
+                                          <a:latin typeface="Cambria Math" panose="02040503050406030204" pitchFamily="18" charset="0"/>
+                                        </a:rPr>
+                                        <m:t>𝑏</m:t>
+                                      </m:r>
+                                    </m:e>
+                                    <m:sub>
+                                      <m:r>
+                                        <a:rPr lang="de-DE" i="1">
+                                          <a:latin typeface="Cambria Math" panose="02040503050406030204" pitchFamily="18" charset="0"/>
+                                        </a:rPr>
+                                        <m:t>𝑗</m:t>
+                                      </m:r>
+                                    </m:sub>
+                                    <m:sup>
+                                      <m:r>
+                                        <a:rPr lang="de-DE" i="1">
+                                          <a:latin typeface="Cambria Math" panose="02040503050406030204" pitchFamily="18" charset="0"/>
+                                        </a:rPr>
+                                        <m:t>2</m:t>
+                                      </m:r>
+                                    </m:sup>
+                                  </m:sSubSup>
+                                </m:e>
+                              </m:nary>
+                            </m:e>
+                          </m:nary>
+                        </m:e>
+                      </m:func>
+                    </m:oMath>
+                  </m:oMathPara>
+                </a14:m>
+                <a:endParaRPr lang="en-US" dirty="0"/>
+              </a:p>
+              <a:p>
+                <a:r>
+                  <a:rPr lang="en-US" dirty="0" smtClean="0"/>
+                  <a:t>Explanation:</a:t>
+                </a:r>
+                <a:endParaRPr lang="en-US" dirty="0"/>
+              </a:p>
+              <a:p>
+                <a:pPr lvl="1"/>
+                <a:r>
+                  <a:rPr lang="en-US" dirty="0"/>
+                  <a:t>Perform variable </a:t>
+                </a:r>
+                <a:r>
+                  <a:rPr lang="en-US" dirty="0" smtClean="0"/>
+                  <a:t>selection as Lasso </a:t>
+                </a:r>
+                <a:r>
+                  <a:rPr lang="en-US" dirty="0"/>
+                  <a:t>and </a:t>
+                </a:r>
+                <a:r>
+                  <a:rPr lang="en-US" dirty="0" smtClean="0"/>
+                  <a:t>shrinks </a:t>
+                </a:r>
+                <a:r>
+                  <a:rPr lang="en-US" dirty="0"/>
+                  <a:t>remaining coefficients to </a:t>
+                </a:r>
+                <a:r>
+                  <a:rPr lang="en-US" dirty="0" smtClean="0"/>
+                  <a:t>zero as Ridge</a:t>
+                </a:r>
+                <a:endParaRPr lang="en-US" dirty="0"/>
+              </a:p>
+              <a:p>
+                <a:pPr marL="0" indent="0">
+                  <a:buNone/>
+                </a:pPr>
+                <a:endParaRPr lang="de-DE" dirty="0"/>
+              </a:p>
+            </p:txBody>
+          </p:sp>
+        </mc:Choice>
+        <mc:Fallback>
+          <p:sp>
+            <p:nvSpPr>
+              <p:cNvPr id="3" name="Content Placeholder 2"/>
+              <p:cNvSpPr>
+                <a:spLocks noGrp="1" noRot="1" noChangeAspect="1" noMove="1" noResize="1" noEditPoints="1" noAdjustHandles="1" noChangeArrowheads="1" noChangeShapeType="1" noTextEdit="1"/>
+              </p:cNvSpPr>
+              <p:nvPr>
+                <p:ph idx="1"/>
+              </p:nvPr>
+            </p:nvSpPr>
+            <p:spPr>
+              <a:blipFill rotWithShape="1">
+                <a:blip r:embed="rId2"/>
+                <a:stretch>
+                  <a:fillRect l="-2194" t="-2385"/>
+                </a:stretch>
+              </a:blipFill>
+            </p:spPr>
+            <p:txBody>
+              <a:bodyPr/>
+              <a:lstStyle/>
+              <a:p>
+                <a:r>
+                  <a:rPr lang="en-US">
+                    <a:noFill/>
+                  </a:rPr>
+                  <a:t> </a:t>
+                </a:r>
+              </a:p>
+            </p:txBody>
+          </p:sp>
+        </mc:Fallback>
+      </mc:AlternateContent>
       <p:sp>
         <p:nvSpPr>
           <p:cNvPr id="6" name="Slide Number Placeholder 5"/>
@@ -5203,6 +5699,881 @@
               <a:t>13</a:t>
             </a:fld>
             <a:endParaRPr lang="de-DE"/>
+          </a:p>
+        </p:txBody>
+      </p:sp>
+      <p:sp>
+        <p:nvSpPr>
+          <p:cNvPr id="7" name="Date Placeholder 3"/>
+          <p:cNvSpPr txBox="1">
+            <a:spLocks/>
+          </p:cNvSpPr>
+          <p:nvPr/>
+        </p:nvSpPr>
+        <p:spPr>
+          <a:xfrm>
+            <a:off x="835968" y="6538800"/>
+            <a:ext cx="2133600" cy="180000"/>
+          </a:xfrm>
+          <a:prstGeom prst="rect">
+            <a:avLst/>
+          </a:prstGeom>
+        </p:spPr>
+        <p:txBody>
+          <a:bodyPr vert="horz" lIns="0" tIns="0" rIns="0" bIns="0" rtlCol="0" anchor="t">
+            <a:noAutofit/>
+          </a:bodyPr>
+          <a:lstStyle>
+            <a:defPPr>
+              <a:defRPr lang="de-DE"/>
+            </a:defPPr>
+            <a:lvl1pPr marL="0" algn="l" defTabSz="914400" rtl="0" eaLnBrk="1" latinLnBrk="0" hangingPunct="1">
+              <a:defRPr sz="1200" kern="1200">
+                <a:solidFill>
+                  <a:srgbClr val="003056"/>
+                </a:solidFill>
+                <a:latin typeface="+mn-lt"/>
+                <a:ea typeface="+mn-ea"/>
+                <a:cs typeface="+mn-cs"/>
+              </a:defRPr>
+            </a:lvl1pPr>
+            <a:lvl2pPr marL="457200" algn="l" defTabSz="914400" rtl="0" eaLnBrk="1" latinLnBrk="0" hangingPunct="1">
+              <a:defRPr sz="1800" kern="1200">
+                <a:solidFill>
+                  <a:schemeClr val="tx1"/>
+                </a:solidFill>
+                <a:latin typeface="+mn-lt"/>
+                <a:ea typeface="+mn-ea"/>
+                <a:cs typeface="+mn-cs"/>
+              </a:defRPr>
+            </a:lvl2pPr>
+            <a:lvl3pPr marL="914400" algn="l" defTabSz="914400" rtl="0" eaLnBrk="1" latinLnBrk="0" hangingPunct="1">
+              <a:defRPr sz="1800" kern="1200">
+                <a:solidFill>
+                  <a:schemeClr val="tx1"/>
+                </a:solidFill>
+                <a:latin typeface="+mn-lt"/>
+                <a:ea typeface="+mn-ea"/>
+                <a:cs typeface="+mn-cs"/>
+              </a:defRPr>
+            </a:lvl3pPr>
+            <a:lvl4pPr marL="1371600" algn="l" defTabSz="914400" rtl="0" eaLnBrk="1" latinLnBrk="0" hangingPunct="1">
+              <a:defRPr sz="1800" kern="1200">
+                <a:solidFill>
+                  <a:schemeClr val="tx1"/>
+                </a:solidFill>
+                <a:latin typeface="+mn-lt"/>
+                <a:ea typeface="+mn-ea"/>
+                <a:cs typeface="+mn-cs"/>
+              </a:defRPr>
+            </a:lvl4pPr>
+            <a:lvl5pPr marL="1828800" algn="l" defTabSz="914400" rtl="0" eaLnBrk="1" latinLnBrk="0" hangingPunct="1">
+              <a:defRPr sz="1800" kern="1200">
+                <a:solidFill>
+                  <a:schemeClr val="tx1"/>
+                </a:solidFill>
+                <a:latin typeface="+mn-lt"/>
+                <a:ea typeface="+mn-ea"/>
+                <a:cs typeface="+mn-cs"/>
+              </a:defRPr>
+            </a:lvl5pPr>
+            <a:lvl6pPr marL="2286000" algn="l" defTabSz="914400" rtl="0" eaLnBrk="1" latinLnBrk="0" hangingPunct="1">
+              <a:defRPr sz="1800" kern="1200">
+                <a:solidFill>
+                  <a:schemeClr val="tx1"/>
+                </a:solidFill>
+                <a:latin typeface="+mn-lt"/>
+                <a:ea typeface="+mn-ea"/>
+                <a:cs typeface="+mn-cs"/>
+              </a:defRPr>
+            </a:lvl6pPr>
+            <a:lvl7pPr marL="2743200" algn="l" defTabSz="914400" rtl="0" eaLnBrk="1" latinLnBrk="0" hangingPunct="1">
+              <a:defRPr sz="1800" kern="1200">
+                <a:solidFill>
+                  <a:schemeClr val="tx1"/>
+                </a:solidFill>
+                <a:latin typeface="+mn-lt"/>
+                <a:ea typeface="+mn-ea"/>
+                <a:cs typeface="+mn-cs"/>
+              </a:defRPr>
+            </a:lvl7pPr>
+            <a:lvl8pPr marL="3200400" algn="l" defTabSz="914400" rtl="0" eaLnBrk="1" latinLnBrk="0" hangingPunct="1">
+              <a:defRPr sz="1800" kern="1200">
+                <a:solidFill>
+                  <a:schemeClr val="tx1"/>
+                </a:solidFill>
+                <a:latin typeface="+mn-lt"/>
+                <a:ea typeface="+mn-ea"/>
+                <a:cs typeface="+mn-cs"/>
+              </a:defRPr>
+            </a:lvl8pPr>
+            <a:lvl9pPr marL="3657600" algn="l" defTabSz="914400" rtl="0" eaLnBrk="1" latinLnBrk="0" hangingPunct="1">
+              <a:defRPr sz="1800" kern="1200">
+                <a:solidFill>
+                  <a:schemeClr val="tx1"/>
+                </a:solidFill>
+                <a:latin typeface="+mn-lt"/>
+                <a:ea typeface="+mn-ea"/>
+                <a:cs typeface="+mn-cs"/>
+              </a:defRPr>
+            </a:lvl9pPr>
+          </a:lstStyle>
+          <a:p>
+            <a:r>
+              <a:rPr lang="de-DE" dirty="0" smtClean="0"/>
+              <a:t>06.12.2018</a:t>
+            </a:r>
+            <a:endParaRPr lang="de-DE" dirty="0"/>
+          </a:p>
+        </p:txBody>
+      </p:sp>
+      <p:sp>
+        <p:nvSpPr>
+          <p:cNvPr id="8" name="Footer Placeholder 4"/>
+          <p:cNvSpPr txBox="1">
+            <a:spLocks/>
+          </p:cNvSpPr>
+          <p:nvPr/>
+        </p:nvSpPr>
+        <p:spPr>
+          <a:xfrm>
+            <a:off x="836400" y="6286800"/>
+            <a:ext cx="2895600" cy="180000"/>
+          </a:xfrm>
+          <a:prstGeom prst="rect">
+            <a:avLst/>
+          </a:prstGeom>
+        </p:spPr>
+        <p:txBody>
+          <a:bodyPr vert="horz" lIns="0" tIns="0" rIns="0" bIns="0" rtlCol="0" anchor="t">
+            <a:noAutofit/>
+          </a:bodyPr>
+          <a:lstStyle>
+            <a:defPPr>
+              <a:defRPr lang="de-DE"/>
+            </a:defPPr>
+            <a:lvl1pPr marL="0" algn="l" defTabSz="914400" rtl="0" eaLnBrk="1" latinLnBrk="0" hangingPunct="1">
+              <a:defRPr sz="1200" kern="1200">
+                <a:solidFill>
+                  <a:srgbClr val="003056"/>
+                </a:solidFill>
+                <a:latin typeface="+mn-lt"/>
+                <a:ea typeface="+mn-ea"/>
+                <a:cs typeface="+mn-cs"/>
+              </a:defRPr>
+            </a:lvl1pPr>
+            <a:lvl2pPr marL="457200" algn="l" defTabSz="914400" rtl="0" eaLnBrk="1" latinLnBrk="0" hangingPunct="1">
+              <a:defRPr sz="1800" kern="1200">
+                <a:solidFill>
+                  <a:schemeClr val="tx1"/>
+                </a:solidFill>
+                <a:latin typeface="+mn-lt"/>
+                <a:ea typeface="+mn-ea"/>
+                <a:cs typeface="+mn-cs"/>
+              </a:defRPr>
+            </a:lvl2pPr>
+            <a:lvl3pPr marL="914400" algn="l" defTabSz="914400" rtl="0" eaLnBrk="1" latinLnBrk="0" hangingPunct="1">
+              <a:defRPr sz="1800" kern="1200">
+                <a:solidFill>
+                  <a:schemeClr val="tx1"/>
+                </a:solidFill>
+                <a:latin typeface="+mn-lt"/>
+                <a:ea typeface="+mn-ea"/>
+                <a:cs typeface="+mn-cs"/>
+              </a:defRPr>
+            </a:lvl3pPr>
+            <a:lvl4pPr marL="1371600" algn="l" defTabSz="914400" rtl="0" eaLnBrk="1" latinLnBrk="0" hangingPunct="1">
+              <a:defRPr sz="1800" kern="1200">
+                <a:solidFill>
+                  <a:schemeClr val="tx1"/>
+                </a:solidFill>
+                <a:latin typeface="+mn-lt"/>
+                <a:ea typeface="+mn-ea"/>
+                <a:cs typeface="+mn-cs"/>
+              </a:defRPr>
+            </a:lvl4pPr>
+            <a:lvl5pPr marL="1828800" algn="l" defTabSz="914400" rtl="0" eaLnBrk="1" latinLnBrk="0" hangingPunct="1">
+              <a:defRPr sz="1800" kern="1200">
+                <a:solidFill>
+                  <a:schemeClr val="tx1"/>
+                </a:solidFill>
+                <a:latin typeface="+mn-lt"/>
+                <a:ea typeface="+mn-ea"/>
+                <a:cs typeface="+mn-cs"/>
+              </a:defRPr>
+            </a:lvl5pPr>
+            <a:lvl6pPr marL="2286000" algn="l" defTabSz="914400" rtl="0" eaLnBrk="1" latinLnBrk="0" hangingPunct="1">
+              <a:defRPr sz="1800" kern="1200">
+                <a:solidFill>
+                  <a:schemeClr val="tx1"/>
+                </a:solidFill>
+                <a:latin typeface="+mn-lt"/>
+                <a:ea typeface="+mn-ea"/>
+                <a:cs typeface="+mn-cs"/>
+              </a:defRPr>
+            </a:lvl6pPr>
+            <a:lvl7pPr marL="2743200" algn="l" defTabSz="914400" rtl="0" eaLnBrk="1" latinLnBrk="0" hangingPunct="1">
+              <a:defRPr sz="1800" kern="1200">
+                <a:solidFill>
+                  <a:schemeClr val="tx1"/>
+                </a:solidFill>
+                <a:latin typeface="+mn-lt"/>
+                <a:ea typeface="+mn-ea"/>
+                <a:cs typeface="+mn-cs"/>
+              </a:defRPr>
+            </a:lvl7pPr>
+            <a:lvl8pPr marL="3200400" algn="l" defTabSz="914400" rtl="0" eaLnBrk="1" latinLnBrk="0" hangingPunct="1">
+              <a:defRPr sz="1800" kern="1200">
+                <a:solidFill>
+                  <a:schemeClr val="tx1"/>
+                </a:solidFill>
+                <a:latin typeface="+mn-lt"/>
+                <a:ea typeface="+mn-ea"/>
+                <a:cs typeface="+mn-cs"/>
+              </a:defRPr>
+            </a:lvl8pPr>
+            <a:lvl9pPr marL="3657600" algn="l" defTabSz="914400" rtl="0" eaLnBrk="1" latinLnBrk="0" hangingPunct="1">
+              <a:defRPr sz="1800" kern="1200">
+                <a:solidFill>
+                  <a:schemeClr val="tx1"/>
+                </a:solidFill>
+                <a:latin typeface="+mn-lt"/>
+                <a:ea typeface="+mn-ea"/>
+                <a:cs typeface="+mn-cs"/>
+              </a:defRPr>
+            </a:lvl9pPr>
+          </a:lstStyle>
+          <a:p>
+            <a:r>
+              <a:rPr lang="de-DE" dirty="0" smtClean="0"/>
+              <a:t>Pavel Lesnvski</a:t>
+            </a:r>
+            <a:endParaRPr lang="de-DE" dirty="0"/>
+          </a:p>
+        </p:txBody>
+      </p:sp>
+    </p:spTree>
+    <p:extLst>
+      <p:ext uri="{BB962C8B-B14F-4D97-AF65-F5344CB8AC3E}">
+        <p14:creationId xmlns:p14="http://schemas.microsoft.com/office/powerpoint/2010/main" val="1122886243"/>
+      </p:ext>
+    </p:extLst>
+  </p:cSld>
+  <p:clrMapOvr>
+    <a:masterClrMapping/>
+  </p:clrMapOvr>
+  <p:timing>
+    <p:tnLst>
+      <p:par>
+        <p:cTn id="1" dur="indefinite" restart="never" nodeType="tmRoot"/>
+      </p:par>
+    </p:tnLst>
+  </p:timing>
+</p:sld>
+</file>
+
+<file path=ppt/slides/slide14.xml><?xml version="1.0" encoding="utf-8"?>
+<p:sld xmlns:a="http://schemas.openxmlformats.org/drawingml/2006/main" xmlns:r="http://schemas.openxmlformats.org/officeDocument/2006/relationships" xmlns:p="http://schemas.openxmlformats.org/presentationml/2006/main">
+  <p:cSld>
+    <p:spTree>
+      <p:nvGrpSpPr>
+        <p:cNvPr id="1" name=""/>
+        <p:cNvGrpSpPr/>
+        <p:nvPr/>
+      </p:nvGrpSpPr>
+      <p:grpSpPr>
+        <a:xfrm>
+          <a:off x="0" y="0"/>
+          <a:ext cx="0" cy="0"/>
+          <a:chOff x="0" y="0"/>
+          <a:chExt cx="0" cy="0"/>
+        </a:xfrm>
+      </p:grpSpPr>
+      <p:sp>
+        <p:nvSpPr>
+          <p:cNvPr id="2" name="Title 1"/>
+          <p:cNvSpPr>
+            <a:spLocks noGrp="1"/>
+          </p:cNvSpPr>
+          <p:nvPr>
+            <p:ph type="title"/>
+          </p:nvPr>
+        </p:nvSpPr>
+        <p:spPr>
+          <a:xfrm>
+            <a:off x="684000" y="260648"/>
+            <a:ext cx="5479200" cy="1141200"/>
+          </a:xfrm>
+        </p:spPr>
+        <p:txBody>
+          <a:bodyPr/>
+          <a:lstStyle/>
+          <a:p>
+            <a:r>
+              <a:rPr lang="en-US" dirty="0" smtClean="0"/>
+              <a:t>10-Fold Cross-Validation</a:t>
+            </a:r>
+            <a:endParaRPr lang="en-US" dirty="0"/>
+          </a:p>
+        </p:txBody>
+      </p:sp>
+      <p:sp>
+        <p:nvSpPr>
+          <p:cNvPr id="4" name="Date Placeholder 3"/>
+          <p:cNvSpPr>
+            <a:spLocks noGrp="1"/>
+          </p:cNvSpPr>
+          <p:nvPr>
+            <p:ph type="dt" sz="half" idx="10"/>
+          </p:nvPr>
+        </p:nvSpPr>
+        <p:spPr/>
+        <p:txBody>
+          <a:bodyPr/>
+          <a:lstStyle/>
+          <a:p>
+            <a:r>
+              <a:rPr lang="de-DE" smtClean="0"/>
+              <a:t>06.12.2018</a:t>
+            </a:r>
+            <a:endParaRPr lang="de-DE" dirty="0"/>
+          </a:p>
+        </p:txBody>
+      </p:sp>
+      <p:sp>
+        <p:nvSpPr>
+          <p:cNvPr id="5" name="Footer Placeholder 4"/>
+          <p:cNvSpPr>
+            <a:spLocks noGrp="1"/>
+          </p:cNvSpPr>
+          <p:nvPr>
+            <p:ph type="ftr" sz="quarter" idx="11"/>
+          </p:nvPr>
+        </p:nvSpPr>
+        <p:spPr/>
+        <p:txBody>
+          <a:bodyPr/>
+          <a:lstStyle/>
+          <a:p>
+            <a:r>
+              <a:rPr lang="de-DE" smtClean="0"/>
+              <a:t>Pavel Lesnevski</a:t>
+            </a:r>
+            <a:endParaRPr lang="de-DE" dirty="0"/>
+          </a:p>
+        </p:txBody>
+      </p:sp>
+      <p:sp>
+        <p:nvSpPr>
+          <p:cNvPr id="6" name="Slide Number Placeholder 5"/>
+          <p:cNvSpPr>
+            <a:spLocks noGrp="1"/>
+          </p:cNvSpPr>
+          <p:nvPr>
+            <p:ph type="sldNum" sz="quarter" idx="12"/>
+          </p:nvPr>
+        </p:nvSpPr>
+        <p:spPr/>
+        <p:txBody>
+          <a:bodyPr/>
+          <a:lstStyle/>
+          <a:p>
+            <a:fld id="{FC0CC166-4E39-43B8-AB91-BDD1C4C9E224}" type="slidenum">
+              <a:rPr lang="de-DE" smtClean="0"/>
+              <a:t>14</a:t>
+            </a:fld>
+            <a:endParaRPr lang="de-DE"/>
+          </a:p>
+        </p:txBody>
+      </p:sp>
+      <p:pic>
+        <p:nvPicPr>
+          <p:cNvPr id="2051" name="Picture 3" descr="C:\Users\plesnevs\Desktop\k-fold_cross_validation.png"/>
+          <p:cNvPicPr>
+            <a:picLocks noChangeAspect="1" noChangeArrowheads="1"/>
+          </p:cNvPicPr>
+          <p:nvPr/>
+        </p:nvPicPr>
+        <p:blipFill>
+          <a:blip r:embed="rId2">
+            <a:extLst>
+              <a:ext uri="{28A0092B-C50C-407E-A947-70E740481C1C}">
+                <a14:useLocalDpi xmlns:a14="http://schemas.microsoft.com/office/drawing/2010/main" val="0"/>
+              </a:ext>
+            </a:extLst>
+          </a:blip>
+          <a:srcRect/>
+          <a:stretch>
+            <a:fillRect/>
+          </a:stretch>
+        </p:blipFill>
+        <p:spPr bwMode="auto">
+          <a:xfrm>
+            <a:off x="327844" y="3681028"/>
+            <a:ext cx="5256584" cy="2969699"/>
+          </a:xfrm>
+          <a:prstGeom prst="rect">
+            <a:avLst/>
+          </a:prstGeom>
+          <a:noFill/>
+          <a:extLst>
+            <a:ext uri="{909E8E84-426E-40DD-AFC4-6F175D3DCCD1}">
+              <a14:hiddenFill xmlns:a14="http://schemas.microsoft.com/office/drawing/2010/main">
+                <a:solidFill>
+                  <a:srgbClr val="FFFFFF"/>
+                </a:solidFill>
+              </a14:hiddenFill>
+            </a:ext>
+          </a:extLst>
+        </p:spPr>
+      </p:pic>
+      <p:pic>
+        <p:nvPicPr>
+          <p:cNvPr id="2054" name="Picture 6"/>
+          <p:cNvPicPr>
+            <a:picLocks noChangeAspect="1" noChangeArrowheads="1"/>
+          </p:cNvPicPr>
+          <p:nvPr/>
+        </p:nvPicPr>
+        <p:blipFill>
+          <a:blip r:embed="rId3">
+            <a:extLst>
+              <a:ext uri="{28A0092B-C50C-407E-A947-70E740481C1C}">
+                <a14:useLocalDpi xmlns:a14="http://schemas.microsoft.com/office/drawing/2010/main" val="0"/>
+              </a:ext>
+            </a:extLst>
+          </a:blip>
+          <a:srcRect/>
+          <a:stretch>
+            <a:fillRect/>
+          </a:stretch>
+        </p:blipFill>
+        <p:spPr bwMode="auto">
+          <a:xfrm>
+            <a:off x="1011920" y="892958"/>
+            <a:ext cx="4874362" cy="2716062"/>
+          </a:xfrm>
+          <a:prstGeom prst="rect">
+            <a:avLst/>
+          </a:prstGeom>
+          <a:noFill/>
+          <a:ln>
+            <a:noFill/>
+          </a:ln>
+          <a:extLst>
+            <a:ext uri="{909E8E84-426E-40DD-AFC4-6F175D3DCCD1}">
+              <a14:hiddenFill xmlns:a14="http://schemas.microsoft.com/office/drawing/2010/main">
+                <a:solidFill>
+                  <a:schemeClr val="accent1"/>
+                </a:solidFill>
+              </a14:hiddenFill>
+            </a:ext>
+            <a:ext uri="{91240B29-F687-4F45-9708-019B960494DF}">
+              <a14:hiddenLine xmlns:a14="http://schemas.microsoft.com/office/drawing/2010/main" w="9525">
+                <a:solidFill>
+                  <a:schemeClr val="tx1"/>
+                </a:solidFill>
+                <a:miter lim="800000"/>
+                <a:headEnd/>
+                <a:tailEnd/>
+              </a14:hiddenLine>
+            </a:ext>
+          </a:extLst>
+        </p:spPr>
+      </p:pic>
+      <p:sp>
+        <p:nvSpPr>
+          <p:cNvPr id="7" name="Right Arrow 6"/>
+          <p:cNvSpPr/>
+          <p:nvPr/>
+        </p:nvSpPr>
+        <p:spPr>
+          <a:xfrm>
+            <a:off x="5712629" y="5298560"/>
+            <a:ext cx="162018" cy="252028"/>
+          </a:xfrm>
+          <a:prstGeom prst="rightArrow">
+            <a:avLst/>
+          </a:prstGeom>
+        </p:spPr>
+        <p:style>
+          <a:lnRef idx="2">
+            <a:schemeClr val="accent1">
+              <a:shade val="50000"/>
+            </a:schemeClr>
+          </a:lnRef>
+          <a:fillRef idx="1">
+            <a:schemeClr val="accent1"/>
+          </a:fillRef>
+          <a:effectRef idx="0">
+            <a:schemeClr val="accent1"/>
+          </a:effectRef>
+          <a:fontRef idx="minor">
+            <a:schemeClr val="lt1"/>
+          </a:fontRef>
+        </p:style>
+        <p:txBody>
+          <a:bodyPr rtlCol="0" anchor="ctr"/>
+          <a:lstStyle/>
+          <a:p>
+            <a:pPr algn="ctr"/>
+            <a:endParaRPr lang="en-US"/>
+          </a:p>
+        </p:txBody>
+      </p:sp>
+      <mc:AlternateContent xmlns:mc="http://schemas.openxmlformats.org/markup-compatibility/2006">
+        <mc:Choice xmlns:a14="http://schemas.microsoft.com/office/drawing/2010/main" Requires="a14">
+          <p:sp>
+            <p:nvSpPr>
+              <p:cNvPr id="8" name="TextBox 7"/>
+              <p:cNvSpPr txBox="1"/>
+              <p:nvPr/>
+            </p:nvSpPr>
+            <p:spPr>
+              <a:xfrm>
+                <a:off x="6048164" y="4771498"/>
+                <a:ext cx="3024336" cy="1316194"/>
+              </a:xfrm>
+              <a:prstGeom prst="rect">
+                <a:avLst/>
+              </a:prstGeom>
+              <a:noFill/>
+            </p:spPr>
+            <p:txBody>
+              <a:bodyPr wrap="square" rtlCol="0">
+                <a:spAutoFit/>
+              </a:bodyPr>
+              <a:lstStyle/>
+              <a:p>
+                <a:r>
+                  <a:rPr lang="en-US" dirty="0" smtClean="0"/>
+                  <a:t>Model </a:t>
+                </a:r>
+                <a:r>
+                  <a:rPr lang="en-US" dirty="0"/>
+                  <a:t>parameters </a:t>
+                </a:r>
+                <a:r>
+                  <a:rPr lang="en-US" dirty="0" smtClean="0"/>
+                  <a:t> are chosen that minimize :</a:t>
+                </a:r>
+              </a:p>
+              <a:p>
+                <a14:m>
+                  <m:oMath xmlns:m="http://schemas.openxmlformats.org/officeDocument/2006/math">
+                    <m:r>
+                      <a:rPr lang="en-US" b="0" i="1" smtClean="0">
+                        <a:latin typeface="Cambria Math"/>
+                      </a:rPr>
+                      <m:t>𝐶𝑉𝑀𝑆𝐸</m:t>
+                    </m:r>
+                    <m:r>
+                      <a:rPr lang="en-US" b="0" i="1" smtClean="0">
+                        <a:latin typeface="Cambria Math"/>
+                      </a:rPr>
+                      <m:t>(</m:t>
+                    </m:r>
+                    <m:r>
+                      <m:rPr>
+                        <m:sty m:val="p"/>
+                      </m:rPr>
+                      <a:rPr lang="el-GR" i="1">
+                        <a:latin typeface="Cambria Math" panose="02040503050406030204" pitchFamily="18" charset="0"/>
+                      </a:rPr>
+                      <m:t>λ</m:t>
+                    </m:r>
+                    <m:r>
+                      <a:rPr lang="en-US" b="0" i="1" smtClean="0">
+                        <a:latin typeface="Cambria Math"/>
+                      </a:rPr>
+                      <m:t>)</m:t>
+                    </m:r>
+                  </m:oMath>
+                </a14:m>
+                <a:r>
+                  <a:rPr lang="en-US" dirty="0" smtClean="0"/>
+                  <a:t>=</a:t>
+                </a:r>
+                <a14:m>
+                  <m:oMath xmlns:m="http://schemas.openxmlformats.org/officeDocument/2006/math">
+                    <m:f>
+                      <m:fPr>
+                        <m:ctrlPr>
+                          <a:rPr lang="en-US" i="1" dirty="0" smtClean="0">
+                            <a:latin typeface="Cambria Math"/>
+                          </a:rPr>
+                        </m:ctrlPr>
+                      </m:fPr>
+                      <m:num>
+                        <m:r>
+                          <a:rPr lang="en-US" b="0" i="1" dirty="0" smtClean="0">
+                            <a:latin typeface="Cambria Math"/>
+                          </a:rPr>
+                          <m:t>1</m:t>
+                        </m:r>
+                      </m:num>
+                      <m:den>
+                        <m:r>
+                          <a:rPr lang="en-US" b="0" i="1" dirty="0" smtClean="0">
+                            <a:latin typeface="Cambria Math"/>
+                          </a:rPr>
+                          <m:t>10</m:t>
+                        </m:r>
+                      </m:den>
+                    </m:f>
+                    <m:nary>
+                      <m:naryPr>
+                        <m:chr m:val="∑"/>
+                        <m:ctrlPr>
+                          <a:rPr lang="en-US" i="1" dirty="0" smtClean="0">
+                            <a:latin typeface="Cambria Math"/>
+                          </a:rPr>
+                        </m:ctrlPr>
+                      </m:naryPr>
+                      <m:sub>
+                        <m:r>
+                          <m:rPr>
+                            <m:brk m:alnAt="23"/>
+                          </m:rPr>
+                          <a:rPr lang="en-US" b="0" i="1" dirty="0" smtClean="0">
+                            <a:latin typeface="Cambria Math"/>
+                          </a:rPr>
+                          <m:t>𝑖</m:t>
+                        </m:r>
+                        <m:r>
+                          <a:rPr lang="en-US" b="0" i="1" dirty="0" smtClean="0">
+                            <a:latin typeface="Cambria Math"/>
+                          </a:rPr>
+                          <m:t>=1</m:t>
+                        </m:r>
+                      </m:sub>
+                      <m:sup>
+                        <m:r>
+                          <a:rPr lang="en-US" b="0" i="1" dirty="0" smtClean="0">
+                            <a:latin typeface="Cambria Math"/>
+                          </a:rPr>
+                          <m:t>10</m:t>
+                        </m:r>
+                      </m:sup>
+                      <m:e>
+                        <m:sSub>
+                          <m:sSubPr>
+                            <m:ctrlPr>
+                              <a:rPr lang="en-US" b="0" i="1" dirty="0" smtClean="0">
+                                <a:latin typeface="Cambria Math"/>
+                              </a:rPr>
+                            </m:ctrlPr>
+                          </m:sSubPr>
+                          <m:e>
+                            <m:r>
+                              <a:rPr lang="en-US" i="1" dirty="0">
+                                <a:latin typeface="Cambria Math"/>
+                              </a:rPr>
+                              <m:t>𝑀𝑆𝐸</m:t>
+                            </m:r>
+                          </m:e>
+                          <m:sub>
+                            <m:r>
+                              <a:rPr lang="en-US" b="0" i="1" dirty="0" smtClean="0">
+                                <a:latin typeface="Cambria Math"/>
+                              </a:rPr>
+                              <m:t>𝑖</m:t>
+                            </m:r>
+                          </m:sub>
+                        </m:sSub>
+                        <m:r>
+                          <a:rPr lang="en-US" b="0" i="1" dirty="0" smtClean="0">
+                            <a:latin typeface="Cambria Math"/>
+                          </a:rPr>
+                          <m:t>(</m:t>
+                        </m:r>
+                        <m:r>
+                          <m:rPr>
+                            <m:sty m:val="p"/>
+                          </m:rPr>
+                          <a:rPr lang="el-GR" i="1">
+                            <a:latin typeface="Cambria Math" panose="02040503050406030204" pitchFamily="18" charset="0"/>
+                          </a:rPr>
+                          <m:t>λ</m:t>
+                        </m:r>
+                        <m:r>
+                          <a:rPr lang="en-US" b="0" i="1" dirty="0" smtClean="0">
+                            <a:latin typeface="Cambria Math"/>
+                          </a:rPr>
+                          <m:t>)</m:t>
+                        </m:r>
+                      </m:e>
+                    </m:nary>
+                  </m:oMath>
+                </a14:m>
+                <a:endParaRPr lang="en-US" dirty="0" smtClean="0"/>
+              </a:p>
+              <a:p>
+                <a:r>
+                  <a:rPr lang="en-US" dirty="0" smtClean="0"/>
+                  <a:t> </a:t>
+                </a:r>
+                <a:endParaRPr lang="en-US" dirty="0"/>
+              </a:p>
+            </p:txBody>
+          </p:sp>
+        </mc:Choice>
+        <mc:Fallback>
+          <p:sp>
+            <p:nvSpPr>
+              <p:cNvPr id="8" name="TextBox 7"/>
+              <p:cNvSpPr txBox="1">
+                <a:spLocks noRot="1" noChangeAspect="1" noMove="1" noResize="1" noEditPoints="1" noAdjustHandles="1" noChangeArrowheads="1" noChangeShapeType="1" noTextEdit="1"/>
+              </p:cNvSpPr>
+              <p:nvPr/>
+            </p:nvSpPr>
+            <p:spPr>
+              <a:xfrm>
+                <a:off x="6048164" y="4771498"/>
+                <a:ext cx="3024336" cy="1316194"/>
+              </a:xfrm>
+              <a:prstGeom prst="rect">
+                <a:avLst/>
+              </a:prstGeom>
+              <a:blipFill rotWithShape="1">
+                <a:blip r:embed="rId4"/>
+                <a:stretch>
+                  <a:fillRect l="-1613" t="-2315" r="-3226" b="-26389"/>
+                </a:stretch>
+              </a:blipFill>
+            </p:spPr>
+            <p:txBody>
+              <a:bodyPr/>
+              <a:lstStyle/>
+              <a:p>
+                <a:r>
+                  <a:rPr lang="en-US">
+                    <a:noFill/>
+                  </a:rPr>
+                  <a:t> </a:t>
+                </a:r>
+              </a:p>
+            </p:txBody>
+          </p:sp>
+        </mc:Fallback>
+      </mc:AlternateContent>
+      <p:sp>
+        <p:nvSpPr>
+          <p:cNvPr id="10" name="TextBox 9"/>
+          <p:cNvSpPr txBox="1"/>
+          <p:nvPr/>
+        </p:nvSpPr>
+        <p:spPr>
+          <a:xfrm>
+            <a:off x="5979247" y="1268760"/>
+            <a:ext cx="3093253" cy="2031325"/>
+          </a:xfrm>
+          <a:prstGeom prst="rect">
+            <a:avLst/>
+          </a:prstGeom>
+          <a:noFill/>
+        </p:spPr>
+        <p:txBody>
+          <a:bodyPr wrap="square" rtlCol="0">
+            <a:spAutoFit/>
+          </a:bodyPr>
+          <a:lstStyle/>
+          <a:p>
+            <a:pPr marL="285750" indent="-285750">
+              <a:buFont typeface="Arial" panose="020B0604020202020204" pitchFamily="34" charset="0"/>
+              <a:buChar char="•"/>
+            </a:pPr>
+            <a:r>
+              <a:rPr lang="en-US" dirty="0"/>
+              <a:t>414 months </a:t>
+            </a:r>
+            <a:r>
+              <a:rPr lang="en-US" dirty="0" smtClean="0"/>
+              <a:t>for training</a:t>
+            </a:r>
+          </a:p>
+          <a:p>
+            <a:pPr marL="285750" indent="-285750">
+              <a:buFont typeface="Arial" panose="020B0604020202020204" pitchFamily="34" charset="0"/>
+              <a:buChar char="•"/>
+            </a:pPr>
+            <a:r>
+              <a:rPr lang="en-US" dirty="0" smtClean="0"/>
+              <a:t>Use the estimated model to predict future returns</a:t>
+            </a:r>
+          </a:p>
+          <a:p>
+            <a:pPr marL="285750" indent="-285750">
+              <a:buFont typeface="Arial" panose="020B0604020202020204" pitchFamily="34" charset="0"/>
+              <a:buChar char="•"/>
+            </a:pPr>
+            <a:r>
+              <a:rPr lang="en-US" dirty="0" smtClean="0"/>
+              <a:t>30 </a:t>
+            </a:r>
+            <a:r>
+              <a:rPr lang="en-US" dirty="0"/>
+              <a:t>months </a:t>
+            </a:r>
+            <a:r>
+              <a:rPr lang="en-US" dirty="0" smtClean="0"/>
+              <a:t>for testing</a:t>
+            </a:r>
+          </a:p>
+          <a:p>
+            <a:pPr marL="285750" indent="-285750">
+              <a:buFont typeface="Arial" panose="020B0604020202020204" pitchFamily="34" charset="0"/>
+              <a:buChar char="•"/>
+            </a:pPr>
+            <a:r>
+              <a:rPr lang="en-US" dirty="0" smtClean="0"/>
+              <a:t>MSE on the test set as a measure of prediction accuracy</a:t>
+            </a:r>
+            <a:endParaRPr lang="en-US" dirty="0"/>
+          </a:p>
+        </p:txBody>
+      </p:sp>
+      <p:sp>
+        <p:nvSpPr>
+          <p:cNvPr id="11" name="Rectangle 10"/>
+          <p:cNvSpPr/>
+          <p:nvPr/>
+        </p:nvSpPr>
+        <p:spPr>
+          <a:xfrm>
+            <a:off x="3461711" y="4077072"/>
+            <a:ext cx="819425" cy="360040"/>
+          </a:xfrm>
+          <a:prstGeom prst="rect">
+            <a:avLst/>
+          </a:prstGeom>
+        </p:spPr>
+        <p:style>
+          <a:lnRef idx="2">
+            <a:schemeClr val="accent1">
+              <a:shade val="50000"/>
+            </a:schemeClr>
+          </a:lnRef>
+          <a:fillRef idx="1">
+            <a:schemeClr val="accent1"/>
+          </a:fillRef>
+          <a:effectRef idx="0">
+            <a:schemeClr val="accent1"/>
+          </a:effectRef>
+          <a:fontRef idx="minor">
+            <a:schemeClr val="lt1"/>
+          </a:fontRef>
+        </p:style>
+        <p:txBody>
+          <a:bodyPr rtlCol="0" anchor="ctr"/>
+          <a:lstStyle/>
+          <a:p>
+            <a:pPr algn="ctr"/>
+            <a:r>
+              <a:rPr lang="en-US" sz="1000" dirty="0" smtClean="0"/>
+              <a:t>Validation</a:t>
+            </a:r>
+            <a:endParaRPr lang="en-US" sz="1000" dirty="0"/>
           </a:p>
         </p:txBody>
       </p:sp>
@@ -5226,6 +6597,711 @@
 </p:sld>
 </file>
 
+<file path=ppt/slides/slide15.xml><?xml version="1.0" encoding="utf-8"?>
+<p:sld xmlns:a="http://schemas.openxmlformats.org/drawingml/2006/main" xmlns:r="http://schemas.openxmlformats.org/officeDocument/2006/relationships" xmlns:p="http://schemas.openxmlformats.org/presentationml/2006/main">
+  <p:cSld>
+    <p:spTree>
+      <p:nvGrpSpPr>
+        <p:cNvPr id="1" name=""/>
+        <p:cNvGrpSpPr/>
+        <p:nvPr/>
+      </p:nvGrpSpPr>
+      <p:grpSpPr>
+        <a:xfrm>
+          <a:off x="0" y="0"/>
+          <a:ext cx="0" cy="0"/>
+          <a:chOff x="0" y="0"/>
+          <a:chExt cx="0" cy="0"/>
+        </a:xfrm>
+      </p:grpSpPr>
+      <p:sp>
+        <p:nvSpPr>
+          <p:cNvPr id="2" name="Title 1"/>
+          <p:cNvSpPr>
+            <a:spLocks noGrp="1"/>
+          </p:cNvSpPr>
+          <p:nvPr>
+            <p:ph type="title"/>
+          </p:nvPr>
+        </p:nvSpPr>
+        <p:spPr/>
+        <p:txBody>
+          <a:bodyPr/>
+          <a:lstStyle/>
+          <a:p>
+            <a:r>
+              <a:rPr lang="en-US" dirty="0" smtClean="0"/>
+              <a:t>Path for Lasso and Elastic Net</a:t>
+            </a:r>
+            <a:endParaRPr lang="en-US" dirty="0"/>
+          </a:p>
+        </p:txBody>
+      </p:sp>
+      <p:sp>
+        <p:nvSpPr>
+          <p:cNvPr id="3" name="Content Placeholder 2"/>
+          <p:cNvSpPr>
+            <a:spLocks noGrp="1"/>
+          </p:cNvSpPr>
+          <p:nvPr>
+            <p:ph idx="1"/>
+          </p:nvPr>
+        </p:nvSpPr>
+        <p:spPr/>
+        <p:txBody>
+          <a:bodyPr/>
+          <a:lstStyle/>
+          <a:p>
+            <a:endParaRPr lang="en-US" dirty="0"/>
+          </a:p>
+        </p:txBody>
+      </p:sp>
+      <p:sp>
+        <p:nvSpPr>
+          <p:cNvPr id="4" name="Date Placeholder 3"/>
+          <p:cNvSpPr>
+            <a:spLocks noGrp="1"/>
+          </p:cNvSpPr>
+          <p:nvPr>
+            <p:ph type="dt" sz="half" idx="10"/>
+          </p:nvPr>
+        </p:nvSpPr>
+        <p:spPr/>
+        <p:txBody>
+          <a:bodyPr/>
+          <a:lstStyle/>
+          <a:p>
+            <a:r>
+              <a:rPr lang="de-DE" smtClean="0"/>
+              <a:t>06.12.2018</a:t>
+            </a:r>
+            <a:endParaRPr lang="de-DE" dirty="0"/>
+          </a:p>
+        </p:txBody>
+      </p:sp>
+      <p:sp>
+        <p:nvSpPr>
+          <p:cNvPr id="5" name="Footer Placeholder 4"/>
+          <p:cNvSpPr>
+            <a:spLocks noGrp="1"/>
+          </p:cNvSpPr>
+          <p:nvPr>
+            <p:ph type="ftr" sz="quarter" idx="11"/>
+          </p:nvPr>
+        </p:nvSpPr>
+        <p:spPr/>
+        <p:txBody>
+          <a:bodyPr/>
+          <a:lstStyle/>
+          <a:p>
+            <a:r>
+              <a:rPr lang="de-DE" smtClean="0"/>
+              <a:t>Pavel Lesnevski</a:t>
+            </a:r>
+            <a:endParaRPr lang="de-DE" dirty="0"/>
+          </a:p>
+        </p:txBody>
+      </p:sp>
+      <p:sp>
+        <p:nvSpPr>
+          <p:cNvPr id="6" name="Slide Number Placeholder 5"/>
+          <p:cNvSpPr>
+            <a:spLocks noGrp="1"/>
+          </p:cNvSpPr>
+          <p:nvPr>
+            <p:ph type="sldNum" sz="quarter" idx="12"/>
+          </p:nvPr>
+        </p:nvSpPr>
+        <p:spPr/>
+        <p:txBody>
+          <a:bodyPr/>
+          <a:lstStyle/>
+          <a:p>
+            <a:fld id="{FC0CC166-4E39-43B8-AB91-BDD1C4C9E224}" type="slidenum">
+              <a:rPr lang="de-DE" smtClean="0"/>
+              <a:t>15</a:t>
+            </a:fld>
+            <a:endParaRPr lang="de-DE"/>
+          </a:p>
+        </p:txBody>
+      </p:sp>
+    </p:spTree>
+    <p:extLst>
+      <p:ext uri="{BB962C8B-B14F-4D97-AF65-F5344CB8AC3E}">
+        <p14:creationId xmlns:p14="http://schemas.microsoft.com/office/powerpoint/2010/main" val="3735206880"/>
+      </p:ext>
+    </p:extLst>
+  </p:cSld>
+  <p:clrMapOvr>
+    <a:masterClrMapping/>
+  </p:clrMapOvr>
+</p:sld>
+</file>
+
+<file path=ppt/slides/slide16.xml><?xml version="1.0" encoding="utf-8"?>
+<p:sld xmlns:a="http://schemas.openxmlformats.org/drawingml/2006/main" xmlns:r="http://schemas.openxmlformats.org/officeDocument/2006/relationships" xmlns:p="http://schemas.openxmlformats.org/presentationml/2006/main">
+  <p:cSld>
+    <p:spTree>
+      <p:nvGrpSpPr>
+        <p:cNvPr id="1" name=""/>
+        <p:cNvGrpSpPr/>
+        <p:nvPr/>
+      </p:nvGrpSpPr>
+      <p:grpSpPr>
+        <a:xfrm>
+          <a:off x="0" y="0"/>
+          <a:ext cx="0" cy="0"/>
+          <a:chOff x="0" y="0"/>
+          <a:chExt cx="0" cy="0"/>
+        </a:xfrm>
+      </p:grpSpPr>
+      <p:sp>
+        <p:nvSpPr>
+          <p:cNvPr id="2" name="Title 1"/>
+          <p:cNvSpPr>
+            <a:spLocks noGrp="1"/>
+          </p:cNvSpPr>
+          <p:nvPr>
+            <p:ph type="title"/>
+          </p:nvPr>
+        </p:nvSpPr>
+        <p:spPr/>
+        <p:txBody>
+          <a:bodyPr/>
+          <a:lstStyle/>
+          <a:p>
+            <a:r>
+              <a:rPr lang="en-US" dirty="0" smtClean="0"/>
+              <a:t>Estimated Coefficients</a:t>
+            </a:r>
+            <a:endParaRPr lang="en-US" dirty="0"/>
+          </a:p>
+        </p:txBody>
+      </p:sp>
+      <p:sp>
+        <p:nvSpPr>
+          <p:cNvPr id="3" name="Content Placeholder 2"/>
+          <p:cNvSpPr>
+            <a:spLocks noGrp="1"/>
+          </p:cNvSpPr>
+          <p:nvPr>
+            <p:ph idx="1"/>
+          </p:nvPr>
+        </p:nvSpPr>
+        <p:spPr/>
+        <p:txBody>
+          <a:bodyPr/>
+          <a:lstStyle/>
+          <a:p>
+            <a:endParaRPr lang="en-US"/>
+          </a:p>
+        </p:txBody>
+      </p:sp>
+      <p:sp>
+        <p:nvSpPr>
+          <p:cNvPr id="4" name="Date Placeholder 3"/>
+          <p:cNvSpPr>
+            <a:spLocks noGrp="1"/>
+          </p:cNvSpPr>
+          <p:nvPr>
+            <p:ph type="dt" sz="half" idx="10"/>
+          </p:nvPr>
+        </p:nvSpPr>
+        <p:spPr/>
+        <p:txBody>
+          <a:bodyPr/>
+          <a:lstStyle/>
+          <a:p>
+            <a:r>
+              <a:rPr lang="de-DE" smtClean="0"/>
+              <a:t>06.12.2018</a:t>
+            </a:r>
+            <a:endParaRPr lang="de-DE" dirty="0"/>
+          </a:p>
+        </p:txBody>
+      </p:sp>
+      <p:sp>
+        <p:nvSpPr>
+          <p:cNvPr id="5" name="Footer Placeholder 4"/>
+          <p:cNvSpPr>
+            <a:spLocks noGrp="1"/>
+          </p:cNvSpPr>
+          <p:nvPr>
+            <p:ph type="ftr" sz="quarter" idx="11"/>
+          </p:nvPr>
+        </p:nvSpPr>
+        <p:spPr/>
+        <p:txBody>
+          <a:bodyPr/>
+          <a:lstStyle/>
+          <a:p>
+            <a:r>
+              <a:rPr lang="de-DE" smtClean="0"/>
+              <a:t>Pavel Lesnevski</a:t>
+            </a:r>
+            <a:endParaRPr lang="de-DE" dirty="0"/>
+          </a:p>
+        </p:txBody>
+      </p:sp>
+      <p:sp>
+        <p:nvSpPr>
+          <p:cNvPr id="6" name="Slide Number Placeholder 5"/>
+          <p:cNvSpPr>
+            <a:spLocks noGrp="1"/>
+          </p:cNvSpPr>
+          <p:nvPr>
+            <p:ph type="sldNum" sz="quarter" idx="12"/>
+          </p:nvPr>
+        </p:nvSpPr>
+        <p:spPr/>
+        <p:txBody>
+          <a:bodyPr/>
+          <a:lstStyle/>
+          <a:p>
+            <a:fld id="{FC0CC166-4E39-43B8-AB91-BDD1C4C9E224}" type="slidenum">
+              <a:rPr lang="de-DE" smtClean="0"/>
+              <a:t>16</a:t>
+            </a:fld>
+            <a:endParaRPr lang="de-DE"/>
+          </a:p>
+        </p:txBody>
+      </p:sp>
+    </p:spTree>
+    <p:extLst>
+      <p:ext uri="{BB962C8B-B14F-4D97-AF65-F5344CB8AC3E}">
+        <p14:creationId xmlns:p14="http://schemas.microsoft.com/office/powerpoint/2010/main" val="1871466672"/>
+      </p:ext>
+    </p:extLst>
+  </p:cSld>
+  <p:clrMapOvr>
+    <a:masterClrMapping/>
+  </p:clrMapOvr>
+</p:sld>
+</file>
+
+<file path=ppt/slides/slide17.xml><?xml version="1.0" encoding="utf-8"?>
+<p:sld xmlns:a="http://schemas.openxmlformats.org/drawingml/2006/main" xmlns:r="http://schemas.openxmlformats.org/officeDocument/2006/relationships" xmlns:p="http://schemas.openxmlformats.org/presentationml/2006/main">
+  <p:cSld>
+    <p:spTree>
+      <p:nvGrpSpPr>
+        <p:cNvPr id="1" name=""/>
+        <p:cNvGrpSpPr/>
+        <p:nvPr/>
+      </p:nvGrpSpPr>
+      <p:grpSpPr>
+        <a:xfrm>
+          <a:off x="0" y="0"/>
+          <a:ext cx="0" cy="0"/>
+          <a:chOff x="0" y="0"/>
+          <a:chExt cx="0" cy="0"/>
+        </a:xfrm>
+      </p:grpSpPr>
+      <p:sp>
+        <p:nvSpPr>
+          <p:cNvPr id="2" name="Title 1"/>
+          <p:cNvSpPr>
+            <a:spLocks noGrp="1"/>
+          </p:cNvSpPr>
+          <p:nvPr>
+            <p:ph type="title"/>
+          </p:nvPr>
+        </p:nvSpPr>
+        <p:spPr/>
+        <p:txBody>
+          <a:bodyPr/>
+          <a:lstStyle/>
+          <a:p>
+            <a:r>
+              <a:rPr lang="en-US" dirty="0" smtClean="0"/>
+              <a:t>CV-MSE and Predict MSE</a:t>
+            </a:r>
+            <a:endParaRPr lang="en-US" dirty="0"/>
+          </a:p>
+        </p:txBody>
+      </p:sp>
+      <p:sp>
+        <p:nvSpPr>
+          <p:cNvPr id="3" name="Content Placeholder 2"/>
+          <p:cNvSpPr>
+            <a:spLocks noGrp="1"/>
+          </p:cNvSpPr>
+          <p:nvPr>
+            <p:ph idx="1"/>
+          </p:nvPr>
+        </p:nvSpPr>
+        <p:spPr/>
+        <p:txBody>
+          <a:bodyPr/>
+          <a:lstStyle/>
+          <a:p>
+            <a:endParaRPr lang="en-US"/>
+          </a:p>
+        </p:txBody>
+      </p:sp>
+      <p:sp>
+        <p:nvSpPr>
+          <p:cNvPr id="4" name="Date Placeholder 3"/>
+          <p:cNvSpPr>
+            <a:spLocks noGrp="1"/>
+          </p:cNvSpPr>
+          <p:nvPr>
+            <p:ph type="dt" sz="half" idx="10"/>
+          </p:nvPr>
+        </p:nvSpPr>
+        <p:spPr/>
+        <p:txBody>
+          <a:bodyPr/>
+          <a:lstStyle/>
+          <a:p>
+            <a:r>
+              <a:rPr lang="de-DE" smtClean="0"/>
+              <a:t>06.12.2018</a:t>
+            </a:r>
+            <a:endParaRPr lang="de-DE" dirty="0"/>
+          </a:p>
+        </p:txBody>
+      </p:sp>
+      <p:sp>
+        <p:nvSpPr>
+          <p:cNvPr id="5" name="Footer Placeholder 4"/>
+          <p:cNvSpPr>
+            <a:spLocks noGrp="1"/>
+          </p:cNvSpPr>
+          <p:nvPr>
+            <p:ph type="ftr" sz="quarter" idx="11"/>
+          </p:nvPr>
+        </p:nvSpPr>
+        <p:spPr/>
+        <p:txBody>
+          <a:bodyPr/>
+          <a:lstStyle/>
+          <a:p>
+            <a:r>
+              <a:rPr lang="de-DE" smtClean="0"/>
+              <a:t>Pavel Lesnevski</a:t>
+            </a:r>
+            <a:endParaRPr lang="de-DE" dirty="0"/>
+          </a:p>
+        </p:txBody>
+      </p:sp>
+      <p:sp>
+        <p:nvSpPr>
+          <p:cNvPr id="6" name="Slide Number Placeholder 5"/>
+          <p:cNvSpPr>
+            <a:spLocks noGrp="1"/>
+          </p:cNvSpPr>
+          <p:nvPr>
+            <p:ph type="sldNum" sz="quarter" idx="12"/>
+          </p:nvPr>
+        </p:nvSpPr>
+        <p:spPr/>
+        <p:txBody>
+          <a:bodyPr/>
+          <a:lstStyle/>
+          <a:p>
+            <a:fld id="{FC0CC166-4E39-43B8-AB91-BDD1C4C9E224}" type="slidenum">
+              <a:rPr lang="de-DE" smtClean="0"/>
+              <a:t>17</a:t>
+            </a:fld>
+            <a:endParaRPr lang="de-DE"/>
+          </a:p>
+        </p:txBody>
+      </p:sp>
+    </p:spTree>
+    <p:extLst>
+      <p:ext uri="{BB962C8B-B14F-4D97-AF65-F5344CB8AC3E}">
+        <p14:creationId xmlns:p14="http://schemas.microsoft.com/office/powerpoint/2010/main" val="1184520778"/>
+      </p:ext>
+    </p:extLst>
+  </p:cSld>
+  <p:clrMapOvr>
+    <a:masterClrMapping/>
+  </p:clrMapOvr>
+</p:sld>
+</file>
+
+<file path=ppt/slides/slide18.xml><?xml version="1.0" encoding="utf-8"?>
+<p:sld xmlns:a="http://schemas.openxmlformats.org/drawingml/2006/main" xmlns:r="http://schemas.openxmlformats.org/officeDocument/2006/relationships" xmlns:p="http://schemas.openxmlformats.org/presentationml/2006/main">
+  <p:cSld>
+    <p:spTree>
+      <p:nvGrpSpPr>
+        <p:cNvPr id="1" name=""/>
+        <p:cNvGrpSpPr/>
+        <p:nvPr/>
+      </p:nvGrpSpPr>
+      <p:grpSpPr>
+        <a:xfrm>
+          <a:off x="0" y="0"/>
+          <a:ext cx="0" cy="0"/>
+          <a:chOff x="0" y="0"/>
+          <a:chExt cx="0" cy="0"/>
+        </a:xfrm>
+      </p:grpSpPr>
+      <p:sp>
+        <p:nvSpPr>
+          <p:cNvPr id="2" name="Title 1"/>
+          <p:cNvSpPr>
+            <a:spLocks noGrp="1"/>
+          </p:cNvSpPr>
+          <p:nvPr>
+            <p:ph type="title"/>
+          </p:nvPr>
+        </p:nvSpPr>
+        <p:spPr/>
+        <p:txBody>
+          <a:bodyPr/>
+          <a:lstStyle/>
+          <a:p>
+            <a:r>
+              <a:rPr lang="en-US" dirty="0" smtClean="0"/>
+              <a:t>Results for interactions and squared terms</a:t>
+            </a:r>
+            <a:endParaRPr lang="en-US" dirty="0"/>
+          </a:p>
+        </p:txBody>
+      </p:sp>
+      <p:sp>
+        <p:nvSpPr>
+          <p:cNvPr id="3" name="Content Placeholder 2"/>
+          <p:cNvSpPr>
+            <a:spLocks noGrp="1"/>
+          </p:cNvSpPr>
+          <p:nvPr>
+            <p:ph idx="1"/>
+          </p:nvPr>
+        </p:nvSpPr>
+        <p:spPr/>
+        <p:txBody>
+          <a:bodyPr/>
+          <a:lstStyle/>
+          <a:p>
+            <a:endParaRPr lang="en-US"/>
+          </a:p>
+        </p:txBody>
+      </p:sp>
+      <p:sp>
+        <p:nvSpPr>
+          <p:cNvPr id="4" name="Date Placeholder 3"/>
+          <p:cNvSpPr>
+            <a:spLocks noGrp="1"/>
+          </p:cNvSpPr>
+          <p:nvPr>
+            <p:ph type="dt" sz="half" idx="10"/>
+          </p:nvPr>
+        </p:nvSpPr>
+        <p:spPr/>
+        <p:txBody>
+          <a:bodyPr/>
+          <a:lstStyle/>
+          <a:p>
+            <a:r>
+              <a:rPr lang="de-DE" smtClean="0"/>
+              <a:t>06.12.2018</a:t>
+            </a:r>
+            <a:endParaRPr lang="de-DE" dirty="0"/>
+          </a:p>
+        </p:txBody>
+      </p:sp>
+      <p:sp>
+        <p:nvSpPr>
+          <p:cNvPr id="5" name="Footer Placeholder 4"/>
+          <p:cNvSpPr>
+            <a:spLocks noGrp="1"/>
+          </p:cNvSpPr>
+          <p:nvPr>
+            <p:ph type="ftr" sz="quarter" idx="11"/>
+          </p:nvPr>
+        </p:nvSpPr>
+        <p:spPr/>
+        <p:txBody>
+          <a:bodyPr/>
+          <a:lstStyle/>
+          <a:p>
+            <a:r>
+              <a:rPr lang="de-DE" smtClean="0"/>
+              <a:t>Pavel Lesnevski</a:t>
+            </a:r>
+            <a:endParaRPr lang="de-DE" dirty="0"/>
+          </a:p>
+        </p:txBody>
+      </p:sp>
+      <p:sp>
+        <p:nvSpPr>
+          <p:cNvPr id="6" name="Slide Number Placeholder 5"/>
+          <p:cNvSpPr>
+            <a:spLocks noGrp="1"/>
+          </p:cNvSpPr>
+          <p:nvPr>
+            <p:ph type="sldNum" sz="quarter" idx="12"/>
+          </p:nvPr>
+        </p:nvSpPr>
+        <p:spPr/>
+        <p:txBody>
+          <a:bodyPr/>
+          <a:lstStyle/>
+          <a:p>
+            <a:fld id="{FC0CC166-4E39-43B8-AB91-BDD1C4C9E224}" type="slidenum">
+              <a:rPr lang="de-DE" smtClean="0"/>
+              <a:t>18</a:t>
+            </a:fld>
+            <a:endParaRPr lang="de-DE"/>
+          </a:p>
+        </p:txBody>
+      </p:sp>
+    </p:spTree>
+    <p:extLst>
+      <p:ext uri="{BB962C8B-B14F-4D97-AF65-F5344CB8AC3E}">
+        <p14:creationId xmlns:p14="http://schemas.microsoft.com/office/powerpoint/2010/main" val="4107849548"/>
+      </p:ext>
+    </p:extLst>
+  </p:cSld>
+  <p:clrMapOvr>
+    <a:masterClrMapping/>
+  </p:clrMapOvr>
+</p:sld>
+</file>
+
+<file path=ppt/slides/slide19.xml><?xml version="1.0" encoding="utf-8"?>
+<p:sld xmlns:a="http://schemas.openxmlformats.org/drawingml/2006/main" xmlns:r="http://schemas.openxmlformats.org/officeDocument/2006/relationships" xmlns:p="http://schemas.openxmlformats.org/presentationml/2006/main">
+  <p:cSld>
+    <p:spTree>
+      <p:nvGrpSpPr>
+        <p:cNvPr id="1" name=""/>
+        <p:cNvGrpSpPr/>
+        <p:nvPr/>
+      </p:nvGrpSpPr>
+      <p:grpSpPr>
+        <a:xfrm>
+          <a:off x="0" y="0"/>
+          <a:ext cx="0" cy="0"/>
+          <a:chOff x="0" y="0"/>
+          <a:chExt cx="0" cy="0"/>
+        </a:xfrm>
+      </p:grpSpPr>
+      <p:sp>
+        <p:nvSpPr>
+          <p:cNvPr id="2" name="Title 1"/>
+          <p:cNvSpPr>
+            <a:spLocks noGrp="1"/>
+          </p:cNvSpPr>
+          <p:nvPr>
+            <p:ph type="title"/>
+          </p:nvPr>
+        </p:nvSpPr>
+        <p:spPr/>
+        <p:txBody>
+          <a:bodyPr/>
+          <a:lstStyle/>
+          <a:p>
+            <a:r>
+              <a:rPr lang="en-US" dirty="0" smtClean="0"/>
+              <a:t>Caveats</a:t>
+            </a:r>
+            <a:endParaRPr lang="en-US" dirty="0"/>
+          </a:p>
+        </p:txBody>
+      </p:sp>
+      <p:sp>
+        <p:nvSpPr>
+          <p:cNvPr id="3" name="Content Placeholder 2"/>
+          <p:cNvSpPr>
+            <a:spLocks noGrp="1"/>
+          </p:cNvSpPr>
+          <p:nvPr>
+            <p:ph idx="1"/>
+          </p:nvPr>
+        </p:nvSpPr>
+        <p:spPr/>
+        <p:txBody>
+          <a:bodyPr/>
+          <a:lstStyle/>
+          <a:p>
+            <a:endParaRPr lang="en-US"/>
+          </a:p>
+        </p:txBody>
+      </p:sp>
+      <p:sp>
+        <p:nvSpPr>
+          <p:cNvPr id="4" name="Date Placeholder 3"/>
+          <p:cNvSpPr>
+            <a:spLocks noGrp="1"/>
+          </p:cNvSpPr>
+          <p:nvPr>
+            <p:ph type="dt" sz="half" idx="10"/>
+          </p:nvPr>
+        </p:nvSpPr>
+        <p:spPr/>
+        <p:txBody>
+          <a:bodyPr/>
+          <a:lstStyle/>
+          <a:p>
+            <a:r>
+              <a:rPr lang="de-DE" smtClean="0"/>
+              <a:t>06.12.2018</a:t>
+            </a:r>
+            <a:endParaRPr lang="de-DE" dirty="0"/>
+          </a:p>
+        </p:txBody>
+      </p:sp>
+      <p:sp>
+        <p:nvSpPr>
+          <p:cNvPr id="5" name="Footer Placeholder 4"/>
+          <p:cNvSpPr>
+            <a:spLocks noGrp="1"/>
+          </p:cNvSpPr>
+          <p:nvPr>
+            <p:ph type="ftr" sz="quarter" idx="11"/>
+          </p:nvPr>
+        </p:nvSpPr>
+        <p:spPr/>
+        <p:txBody>
+          <a:bodyPr/>
+          <a:lstStyle/>
+          <a:p>
+            <a:r>
+              <a:rPr lang="de-DE" smtClean="0"/>
+              <a:t>Pavel Lesnevski</a:t>
+            </a:r>
+            <a:endParaRPr lang="de-DE" dirty="0"/>
+          </a:p>
+        </p:txBody>
+      </p:sp>
+      <p:sp>
+        <p:nvSpPr>
+          <p:cNvPr id="6" name="Slide Number Placeholder 5"/>
+          <p:cNvSpPr>
+            <a:spLocks noGrp="1"/>
+          </p:cNvSpPr>
+          <p:nvPr>
+            <p:ph type="sldNum" sz="quarter" idx="12"/>
+          </p:nvPr>
+        </p:nvSpPr>
+        <p:spPr/>
+        <p:txBody>
+          <a:bodyPr/>
+          <a:lstStyle/>
+          <a:p>
+            <a:fld id="{FC0CC166-4E39-43B8-AB91-BDD1C4C9E224}" type="slidenum">
+              <a:rPr lang="de-DE" smtClean="0"/>
+              <a:t>19</a:t>
+            </a:fld>
+            <a:endParaRPr lang="de-DE"/>
+          </a:p>
+        </p:txBody>
+      </p:sp>
+    </p:spTree>
+    <p:extLst>
+      <p:ext uri="{BB962C8B-B14F-4D97-AF65-F5344CB8AC3E}">
+        <p14:creationId xmlns:p14="http://schemas.microsoft.com/office/powerpoint/2010/main" val="2136253266"/>
+      </p:ext>
+    </p:extLst>
+  </p:cSld>
+  <p:clrMapOvr>
+    <a:masterClrMapping/>
+  </p:clrMapOvr>
+</p:sld>
+</file>
+
 <file path=ppt/slides/slide2.xml><?xml version="1.0" encoding="utf-8"?>
 <p:sld xmlns:a="http://schemas.openxmlformats.org/drawingml/2006/main" xmlns:r="http://schemas.openxmlformats.org/officeDocument/2006/relationships" xmlns:p="http://schemas.openxmlformats.org/presentationml/2006/main">
   <p:cSld>
@@ -5301,8 +7377,12 @@
           <a:lstStyle/>
           <a:p>
             <a:r>
-              <a:rPr lang="de-DE" smtClean="0"/>
-              <a:t>Pavel Lesnevski</a:t>
+              <a:rPr lang="de-DE" dirty="0" smtClean="0"/>
+              <a:t>Pavel </a:t>
+            </a:r>
+            <a:r>
+              <a:rPr lang="de-DE" dirty="0" smtClean="0"/>
+              <a:t>Lesnevski</a:t>
             </a:r>
             <a:endParaRPr lang="de-DE" dirty="0"/>
           </a:p>
@@ -5355,8 +7435,8 @@
         </p:blipFill>
         <p:spPr>
           <a:xfrm>
-            <a:off x="726541" y="1880827"/>
-            <a:ext cx="7769895" cy="4079195"/>
+            <a:off x="899592" y="1971680"/>
+            <a:ext cx="7164796" cy="3761518"/>
           </a:xfrm>
         </p:spPr>
       </p:pic>
@@ -5380,6 +7460,288 @@
 </p:sld>
 </file>
 
+<file path=ppt/slides/slide20.xml><?xml version="1.0" encoding="utf-8"?>
+<p:sld xmlns:a="http://schemas.openxmlformats.org/drawingml/2006/main" xmlns:r="http://schemas.openxmlformats.org/officeDocument/2006/relationships" xmlns:p="http://schemas.openxmlformats.org/presentationml/2006/main">
+  <p:cSld>
+    <p:spTree>
+      <p:nvGrpSpPr>
+        <p:cNvPr id="1" name=""/>
+        <p:cNvGrpSpPr/>
+        <p:nvPr/>
+      </p:nvGrpSpPr>
+      <p:grpSpPr>
+        <a:xfrm>
+          <a:off x="0" y="0"/>
+          <a:ext cx="0" cy="0"/>
+          <a:chOff x="0" y="0"/>
+          <a:chExt cx="0" cy="0"/>
+        </a:xfrm>
+      </p:grpSpPr>
+      <p:sp>
+        <p:nvSpPr>
+          <p:cNvPr id="2" name="Title 1"/>
+          <p:cNvSpPr>
+            <a:spLocks noGrp="1"/>
+          </p:cNvSpPr>
+          <p:nvPr>
+            <p:ph type="title"/>
+          </p:nvPr>
+        </p:nvSpPr>
+        <p:spPr/>
+        <p:txBody>
+          <a:bodyPr/>
+          <a:lstStyle/>
+          <a:p>
+            <a:r>
+              <a:rPr lang="en-US" dirty="0" smtClean="0"/>
+              <a:t>Future Research</a:t>
+            </a:r>
+            <a:endParaRPr lang="en-US" dirty="0"/>
+          </a:p>
+        </p:txBody>
+      </p:sp>
+      <p:sp>
+        <p:nvSpPr>
+          <p:cNvPr id="3" name="Content Placeholder 2"/>
+          <p:cNvSpPr>
+            <a:spLocks noGrp="1"/>
+          </p:cNvSpPr>
+          <p:nvPr>
+            <p:ph idx="1"/>
+          </p:nvPr>
+        </p:nvSpPr>
+        <p:spPr/>
+        <p:txBody>
+          <a:bodyPr/>
+          <a:lstStyle/>
+          <a:p>
+            <a:endParaRPr lang="en-US"/>
+          </a:p>
+        </p:txBody>
+      </p:sp>
+      <p:sp>
+        <p:nvSpPr>
+          <p:cNvPr id="4" name="Date Placeholder 3"/>
+          <p:cNvSpPr>
+            <a:spLocks noGrp="1"/>
+          </p:cNvSpPr>
+          <p:nvPr>
+            <p:ph type="dt" sz="half" idx="10"/>
+          </p:nvPr>
+        </p:nvSpPr>
+        <p:spPr/>
+        <p:txBody>
+          <a:bodyPr/>
+          <a:lstStyle/>
+          <a:p>
+            <a:r>
+              <a:rPr lang="de-DE" smtClean="0"/>
+              <a:t>06.12.2018</a:t>
+            </a:r>
+            <a:endParaRPr lang="de-DE" dirty="0"/>
+          </a:p>
+        </p:txBody>
+      </p:sp>
+      <p:sp>
+        <p:nvSpPr>
+          <p:cNvPr id="5" name="Footer Placeholder 4"/>
+          <p:cNvSpPr>
+            <a:spLocks noGrp="1"/>
+          </p:cNvSpPr>
+          <p:nvPr>
+            <p:ph type="ftr" sz="quarter" idx="11"/>
+          </p:nvPr>
+        </p:nvSpPr>
+        <p:spPr/>
+        <p:txBody>
+          <a:bodyPr/>
+          <a:lstStyle/>
+          <a:p>
+            <a:r>
+              <a:rPr lang="de-DE" smtClean="0"/>
+              <a:t>Pavel Lesnevski</a:t>
+            </a:r>
+            <a:endParaRPr lang="de-DE" dirty="0"/>
+          </a:p>
+        </p:txBody>
+      </p:sp>
+      <p:sp>
+        <p:nvSpPr>
+          <p:cNvPr id="6" name="Slide Number Placeholder 5"/>
+          <p:cNvSpPr>
+            <a:spLocks noGrp="1"/>
+          </p:cNvSpPr>
+          <p:nvPr>
+            <p:ph type="sldNum" sz="quarter" idx="12"/>
+          </p:nvPr>
+        </p:nvSpPr>
+        <p:spPr/>
+        <p:txBody>
+          <a:bodyPr/>
+          <a:lstStyle/>
+          <a:p>
+            <a:fld id="{FC0CC166-4E39-43B8-AB91-BDD1C4C9E224}" type="slidenum">
+              <a:rPr lang="de-DE" smtClean="0"/>
+              <a:t>20</a:t>
+            </a:fld>
+            <a:endParaRPr lang="de-DE"/>
+          </a:p>
+        </p:txBody>
+      </p:sp>
+    </p:spTree>
+    <p:extLst>
+      <p:ext uri="{BB962C8B-B14F-4D97-AF65-F5344CB8AC3E}">
+        <p14:creationId xmlns:p14="http://schemas.microsoft.com/office/powerpoint/2010/main" val="65644964"/>
+      </p:ext>
+    </p:extLst>
+  </p:cSld>
+  <p:clrMapOvr>
+    <a:masterClrMapping/>
+  </p:clrMapOvr>
+</p:sld>
+</file>
+
+<file path=ppt/slides/slide21.xml><?xml version="1.0" encoding="utf-8"?>
+<p:sld xmlns:a="http://schemas.openxmlformats.org/drawingml/2006/main" xmlns:r="http://schemas.openxmlformats.org/officeDocument/2006/relationships" xmlns:p="http://schemas.openxmlformats.org/presentationml/2006/main">
+  <p:cSld>
+    <p:spTree>
+      <p:nvGrpSpPr>
+        <p:cNvPr id="1" name=""/>
+        <p:cNvGrpSpPr/>
+        <p:nvPr/>
+      </p:nvGrpSpPr>
+      <p:grpSpPr>
+        <a:xfrm>
+          <a:off x="0" y="0"/>
+          <a:ext cx="0" cy="0"/>
+          <a:chOff x="0" y="0"/>
+          <a:chExt cx="0" cy="0"/>
+        </a:xfrm>
+      </p:grpSpPr>
+      <p:sp>
+        <p:nvSpPr>
+          <p:cNvPr id="2" name="Title 1"/>
+          <p:cNvSpPr>
+            <a:spLocks noGrp="1"/>
+          </p:cNvSpPr>
+          <p:nvPr>
+            <p:ph type="title"/>
+          </p:nvPr>
+        </p:nvSpPr>
+        <p:spPr/>
+        <p:txBody>
+          <a:bodyPr/>
+          <a:lstStyle/>
+          <a:p>
+            <a:r>
+              <a:rPr lang="en-US" dirty="0" smtClean="0"/>
+              <a:t>Conclusion</a:t>
+            </a:r>
+            <a:endParaRPr lang="en-US" dirty="0"/>
+          </a:p>
+        </p:txBody>
+      </p:sp>
+      <p:sp>
+        <p:nvSpPr>
+          <p:cNvPr id="3" name="Content Placeholder 2"/>
+          <p:cNvSpPr>
+            <a:spLocks noGrp="1"/>
+          </p:cNvSpPr>
+          <p:nvPr>
+            <p:ph idx="1"/>
+          </p:nvPr>
+        </p:nvSpPr>
+        <p:spPr/>
+        <p:txBody>
+          <a:bodyPr/>
+          <a:lstStyle/>
+          <a:p>
+            <a:endParaRPr lang="en-US"/>
+          </a:p>
+        </p:txBody>
+      </p:sp>
+      <p:sp>
+        <p:nvSpPr>
+          <p:cNvPr id="4" name="Date Placeholder 3"/>
+          <p:cNvSpPr>
+            <a:spLocks noGrp="1"/>
+          </p:cNvSpPr>
+          <p:nvPr>
+            <p:ph type="dt" sz="half" idx="10"/>
+          </p:nvPr>
+        </p:nvSpPr>
+        <p:spPr/>
+        <p:txBody>
+          <a:bodyPr/>
+          <a:lstStyle/>
+          <a:p>
+            <a:r>
+              <a:rPr lang="de-DE" smtClean="0"/>
+              <a:t>06.12.2018</a:t>
+            </a:r>
+            <a:endParaRPr lang="de-DE" dirty="0"/>
+          </a:p>
+        </p:txBody>
+      </p:sp>
+      <p:sp>
+        <p:nvSpPr>
+          <p:cNvPr id="5" name="Footer Placeholder 4"/>
+          <p:cNvSpPr>
+            <a:spLocks noGrp="1"/>
+          </p:cNvSpPr>
+          <p:nvPr>
+            <p:ph type="ftr" sz="quarter" idx="11"/>
+          </p:nvPr>
+        </p:nvSpPr>
+        <p:spPr/>
+        <p:txBody>
+          <a:bodyPr/>
+          <a:lstStyle/>
+          <a:p>
+            <a:r>
+              <a:rPr lang="de-DE" smtClean="0"/>
+              <a:t>Pavel Lesnevski</a:t>
+            </a:r>
+            <a:endParaRPr lang="de-DE" dirty="0"/>
+          </a:p>
+        </p:txBody>
+      </p:sp>
+      <p:sp>
+        <p:nvSpPr>
+          <p:cNvPr id="6" name="Slide Number Placeholder 5"/>
+          <p:cNvSpPr>
+            <a:spLocks noGrp="1"/>
+          </p:cNvSpPr>
+          <p:nvPr>
+            <p:ph type="sldNum" sz="quarter" idx="12"/>
+          </p:nvPr>
+        </p:nvSpPr>
+        <p:spPr/>
+        <p:txBody>
+          <a:bodyPr/>
+          <a:lstStyle/>
+          <a:p>
+            <a:fld id="{FC0CC166-4E39-43B8-AB91-BDD1C4C9E224}" type="slidenum">
+              <a:rPr lang="de-DE" smtClean="0"/>
+              <a:t>21</a:t>
+            </a:fld>
+            <a:endParaRPr lang="de-DE"/>
+          </a:p>
+        </p:txBody>
+      </p:sp>
+    </p:spTree>
+    <p:extLst>
+      <p:ext uri="{BB962C8B-B14F-4D97-AF65-F5344CB8AC3E}">
+        <p14:creationId xmlns:p14="http://schemas.microsoft.com/office/powerpoint/2010/main" val="3737813540"/>
+      </p:ext>
+    </p:extLst>
+  </p:cSld>
+  <p:clrMapOvr>
+    <a:masterClrMapping/>
+  </p:clrMapOvr>
+</p:sld>
+</file>
+
 <file path=ppt/slides/slide3.xml><?xml version="1.0" encoding="utf-8"?>
 <p:sld xmlns:a="http://schemas.openxmlformats.org/drawingml/2006/main" xmlns:r="http://schemas.openxmlformats.org/officeDocument/2006/relationships" xmlns:p="http://schemas.openxmlformats.org/presentationml/2006/main">
   <p:cSld>
@@ -5407,27 +7769,163 @@
             <p:ph type="title"/>
           </p:nvPr>
         </p:nvSpPr>
+        <p:spPr>
+          <a:xfrm>
+            <a:off x="684000" y="584684"/>
+            <a:ext cx="6012236" cy="1141200"/>
+          </a:xfrm>
+        </p:spPr>
+        <p:txBody>
+          <a:bodyPr/>
+          <a:lstStyle/>
+          <a:p>
+            <a:r>
+              <a:rPr lang="en-US" dirty="0" smtClean="0"/>
+              <a:t>Explanatory vs Predictive Modelling </a:t>
+            </a:r>
+            <a:endParaRPr lang="en-US" dirty="0"/>
+          </a:p>
+        </p:txBody>
+      </p:sp>
+      <p:sp>
+        <p:nvSpPr>
+          <p:cNvPr id="3" name="Content Placeholder 2"/>
+          <p:cNvSpPr>
+            <a:spLocks noGrp="1"/>
+          </p:cNvSpPr>
+          <p:nvPr>
+            <p:ph idx="1"/>
+          </p:nvPr>
+        </p:nvSpPr>
         <p:spPr/>
         <p:txBody>
           <a:bodyPr/>
           <a:lstStyle/>
           <a:p>
             <a:r>
+              <a:rPr lang="en-US" dirty="0" err="1"/>
+              <a:t>Breiman</a:t>
+            </a:r>
+            <a:r>
+              <a:rPr lang="en-US" dirty="0"/>
+              <a:t>, Leo, 2001, Statistical Modeling: The Two </a:t>
+            </a:r>
+            <a:r>
               <a:rPr lang="en-US" dirty="0" smtClean="0"/>
-              <a:t>ML Methods in Finance</a:t>
-            </a:r>
-            <a:endParaRPr lang="en-US" dirty="0"/>
-          </a:p>
-        </p:txBody>
-      </p:sp>
-      <p:sp>
-        <p:nvSpPr>
-          <p:cNvPr id="3" name="Content Placeholder 2"/>
-          <p:cNvSpPr>
-            <a:spLocks noGrp="1"/>
-          </p:cNvSpPr>
-          <p:nvPr>
-            <p:ph idx="1"/>
+              <a:t>Cultures, </a:t>
+            </a:r>
+            <a:r>
+              <a:rPr lang="en-US" i="1" dirty="0"/>
+              <a:t>Statistical Science</a:t>
+            </a:r>
+            <a:r>
+              <a:rPr lang="en-US" dirty="0"/>
+              <a:t> 16, </a:t>
+            </a:r>
+            <a:r>
+              <a:rPr lang="en-US" dirty="0" smtClean="0"/>
+              <a:t>199–231.</a:t>
+            </a:r>
+          </a:p>
+          <a:p>
+            <a:r>
+              <a:rPr lang="en-US" dirty="0" err="1"/>
+              <a:t>Shmueli</a:t>
+            </a:r>
+            <a:r>
+              <a:rPr lang="en-US" dirty="0"/>
+              <a:t>, </a:t>
+            </a:r>
+            <a:r>
+              <a:rPr lang="en-US" dirty="0" err="1"/>
+              <a:t>Galit</a:t>
+            </a:r>
+            <a:r>
+              <a:rPr lang="en-US" dirty="0"/>
+              <a:t>, 2010, To Explain or to Predict?, </a:t>
+            </a:r>
+            <a:r>
+              <a:rPr lang="en-US" i="1" dirty="0"/>
+              <a:t>Statistical Science</a:t>
+            </a:r>
+            <a:r>
+              <a:rPr lang="en-US" dirty="0"/>
+              <a:t> 25, </a:t>
+            </a:r>
+            <a:r>
+              <a:rPr lang="en-US" dirty="0" smtClean="0"/>
+              <a:t>289–310.</a:t>
+            </a:r>
+          </a:p>
+          <a:p>
+            <a:r>
+              <a:rPr lang="en-US" dirty="0"/>
+              <a:t>Kleinberg, Jon, Jens Ludwig, </a:t>
+            </a:r>
+            <a:r>
+              <a:rPr lang="en-US" dirty="0" err="1"/>
+              <a:t>Sendhil</a:t>
+            </a:r>
+            <a:r>
+              <a:rPr lang="en-US" dirty="0"/>
+              <a:t> Mullainathan, and </a:t>
+            </a:r>
+            <a:r>
+              <a:rPr lang="en-US" dirty="0" err="1"/>
+              <a:t>Ziad</a:t>
+            </a:r>
+            <a:r>
+              <a:rPr lang="en-US" dirty="0"/>
+              <a:t> Obermeyer, 2015, Prediction Policy Problems, </a:t>
+            </a:r>
+            <a:r>
+              <a:rPr lang="en-US" i="1" dirty="0"/>
+              <a:t>American Economic Review</a:t>
+            </a:r>
+            <a:r>
+              <a:rPr lang="en-US" dirty="0"/>
+              <a:t> 105, 491–495</a:t>
+            </a:r>
+            <a:r>
+              <a:rPr lang="en-US" dirty="0" smtClean="0"/>
+              <a:t>.</a:t>
+            </a:r>
+          </a:p>
+          <a:p>
+            <a:r>
+              <a:rPr lang="en-US" dirty="0"/>
+              <a:t>Mullainathan, </a:t>
+            </a:r>
+            <a:r>
+              <a:rPr lang="en-US" dirty="0" err="1"/>
+              <a:t>Sendhil</a:t>
+            </a:r>
+            <a:r>
+              <a:rPr lang="en-US" dirty="0"/>
+              <a:t>, and Jann </a:t>
+            </a:r>
+            <a:r>
+              <a:rPr lang="en-US" dirty="0" err="1"/>
+              <a:t>Spiess</a:t>
+            </a:r>
+            <a:r>
+              <a:rPr lang="en-US" dirty="0"/>
+              <a:t>, 2017, Machine Learning: An Applied Econometric Approach, 31, 87–106.</a:t>
+            </a:r>
+          </a:p>
+          <a:p>
+            <a:endParaRPr lang="en-US" dirty="0" smtClean="0"/>
+          </a:p>
+        </p:txBody>
+      </p:sp>
+      <p:sp>
+        <p:nvSpPr>
+          <p:cNvPr id="4" name="Date Placeholder 3"/>
+          <p:cNvSpPr>
+            <a:spLocks noGrp="1"/>
+          </p:cNvSpPr>
+          <p:nvPr>
+            <p:ph type="dt" sz="half" idx="10"/>
           </p:nvPr>
         </p:nvSpPr>
         <p:spPr/>
@@ -5436,267 +7934,7 @@
           <a:lstStyle/>
           <a:p>
             <a:r>
-              <a:rPr lang="de-DE" sz="1400" dirty="0"/>
-              <a:t>Chinco, A., Clark-Joseph, A. D., and M. </a:t>
-            </a:r>
-            <a:r>
-              <a:rPr lang="de-DE" sz="1400" dirty="0" smtClean="0"/>
-              <a:t>Ye.„Sparse </a:t>
-            </a:r>
-            <a:r>
-              <a:rPr lang="de-DE" sz="1400" dirty="0"/>
-              <a:t>Signals in the Cross-Section of Returns“. </a:t>
-            </a:r>
-            <a:r>
-              <a:rPr lang="de-DE" sz="1400" i="1" dirty="0"/>
-              <a:t>Journal of Finance</a:t>
-            </a:r>
-            <a:r>
-              <a:rPr lang="de-DE" sz="1400" dirty="0"/>
-              <a:t> (forthcoming</a:t>
-            </a:r>
-            <a:r>
-              <a:rPr lang="de-DE" sz="1400" dirty="0" smtClean="0"/>
-              <a:t>)</a:t>
-            </a:r>
-          </a:p>
-          <a:p>
-            <a:r>
-              <a:rPr lang="en-US" sz="1400" dirty="0"/>
-              <a:t>Feng, </a:t>
-            </a:r>
-            <a:r>
-              <a:rPr lang="en-US" sz="1400" dirty="0" err="1"/>
-              <a:t>Guanhao</a:t>
-            </a:r>
-            <a:r>
-              <a:rPr lang="en-US" sz="1400" dirty="0"/>
-              <a:t>, and Stefano </a:t>
-            </a:r>
-            <a:r>
-              <a:rPr lang="en-US" sz="1400" dirty="0" err="1"/>
-              <a:t>Giglio</a:t>
-            </a:r>
-            <a:r>
-              <a:rPr lang="en-US" sz="1400" dirty="0"/>
-              <a:t>, 2017, Taming the Factor Zoo, </a:t>
-            </a:r>
-            <a:r>
-              <a:rPr lang="en-US" sz="1400" i="1" dirty="0"/>
-              <a:t>SSRN Electronic Journal</a:t>
-            </a:r>
-            <a:r>
-              <a:rPr lang="en-US" sz="1400" dirty="0"/>
-              <a:t>, 1–69</a:t>
-            </a:r>
-            <a:r>
-              <a:rPr lang="en-US" sz="1400" dirty="0" smtClean="0"/>
-              <a:t>. (Under Revision)</a:t>
-            </a:r>
-          </a:p>
-          <a:p>
-            <a:r>
-              <a:rPr lang="en-US" sz="1400" dirty="0" err="1" smtClean="0"/>
-              <a:t>Freyberger</a:t>
-            </a:r>
-            <a:r>
-              <a:rPr lang="en-US" sz="1400" dirty="0"/>
-              <a:t>, Joachim, Andreas </a:t>
-            </a:r>
-            <a:r>
-              <a:rPr lang="en-US" sz="1400" dirty="0" err="1"/>
-              <a:t>Neuhierl</a:t>
-            </a:r>
-            <a:r>
-              <a:rPr lang="en-US" sz="1400" dirty="0"/>
-              <a:t>, and Michael Weber, </a:t>
-            </a:r>
-            <a:r>
-              <a:rPr lang="en-US" sz="1400" dirty="0" smtClean="0"/>
-              <a:t>2017</a:t>
-            </a:r>
-            <a:r>
-              <a:rPr lang="en-US" sz="1400" dirty="0"/>
-              <a:t>, Dissecting Characteristics </a:t>
-            </a:r>
-            <a:r>
-              <a:rPr lang="en-US" sz="1400" dirty="0" err="1" smtClean="0"/>
-              <a:t>Nonparametrically</a:t>
-            </a:r>
-            <a:r>
-              <a:rPr lang="en-US" sz="1400" dirty="0" smtClean="0"/>
-              <a:t>. </a:t>
-            </a:r>
-            <a:r>
-              <a:rPr lang="en-US" sz="1400" i="1" dirty="0" smtClean="0"/>
-              <a:t>RFS</a:t>
-            </a:r>
-            <a:r>
-              <a:rPr lang="en-US" sz="1400" dirty="0" smtClean="0"/>
-              <a:t> (R&amp;R)</a:t>
-            </a:r>
-          </a:p>
-          <a:p>
-            <a:r>
-              <a:rPr lang="en-US" sz="1400" dirty="0" err="1"/>
-              <a:t>Gu</a:t>
-            </a:r>
-            <a:r>
-              <a:rPr lang="en-US" sz="1400" dirty="0"/>
-              <a:t>, </a:t>
-            </a:r>
-            <a:r>
-              <a:rPr lang="en-US" sz="1400" dirty="0" err="1"/>
-              <a:t>Shihao</a:t>
-            </a:r>
-            <a:r>
-              <a:rPr lang="en-US" sz="1400" dirty="0"/>
-              <a:t>, Bryan T. Kelly, and </a:t>
-            </a:r>
-            <a:r>
-              <a:rPr lang="en-US" sz="1400" dirty="0" err="1"/>
-              <a:t>Dacheng</a:t>
-            </a:r>
-            <a:r>
-              <a:rPr lang="en-US" sz="1400" dirty="0"/>
-              <a:t> </a:t>
-            </a:r>
-            <a:r>
-              <a:rPr lang="en-US" sz="1400" dirty="0" err="1"/>
-              <a:t>Xiu</a:t>
-            </a:r>
-            <a:r>
-              <a:rPr lang="en-US" sz="1400" dirty="0"/>
-              <a:t>, 2018, Empirical Asset Pricing via Machine Learning, </a:t>
-            </a:r>
-            <a:r>
-              <a:rPr lang="en-US" sz="1400" i="1" dirty="0" err="1"/>
-              <a:t>Ssrn</a:t>
-            </a:r>
-            <a:r>
-              <a:rPr lang="en-US" sz="1400" dirty="0"/>
-              <a:t>. </a:t>
-            </a:r>
-            <a:endParaRPr lang="en-US" sz="1400" dirty="0" smtClean="0"/>
-          </a:p>
-          <a:p>
-            <a:r>
-              <a:rPr lang="en-US" sz="1400" dirty="0" err="1" smtClean="0"/>
-              <a:t>Brogaard</a:t>
-            </a:r>
-            <a:r>
-              <a:rPr lang="en-US" sz="1400" dirty="0"/>
-              <a:t>, Jonathan, and </a:t>
-            </a:r>
-            <a:r>
-              <a:rPr lang="en-US" sz="1400" dirty="0" err="1"/>
-              <a:t>Abalfazl</a:t>
-            </a:r>
-            <a:r>
-              <a:rPr lang="en-US" sz="1400" dirty="0"/>
-              <a:t> </a:t>
-            </a:r>
-            <a:r>
-              <a:rPr lang="en-US" sz="1400" dirty="0" err="1"/>
-              <a:t>Zareei</a:t>
-            </a:r>
-            <a:r>
-              <a:rPr lang="en-US" sz="1400" dirty="0"/>
-              <a:t>, 2018, Machine Learning and the Stock Market, </a:t>
-            </a:r>
-            <a:r>
-              <a:rPr lang="en-US" sz="1400" i="1" dirty="0"/>
-              <a:t>SSRN Electronic Journal</a:t>
-            </a:r>
-            <a:r>
-              <a:rPr lang="en-US" sz="1400" dirty="0"/>
-              <a:t>, 1–57. </a:t>
-            </a:r>
-            <a:endParaRPr lang="en-US" sz="1400" dirty="0" smtClean="0"/>
-          </a:p>
-          <a:p>
-            <a:r>
-              <a:rPr lang="en-US" sz="1400" dirty="0" err="1" smtClean="0"/>
-              <a:t>Kozak</a:t>
-            </a:r>
-            <a:r>
-              <a:rPr lang="en-US" sz="1400" dirty="0"/>
-              <a:t>, </a:t>
-            </a:r>
-            <a:r>
-              <a:rPr lang="en-US" sz="1400" dirty="0" err="1"/>
-              <a:t>Serhiy</a:t>
-            </a:r>
-            <a:r>
-              <a:rPr lang="en-US" sz="1400" dirty="0"/>
-              <a:t>, Stefan Nagel, and </a:t>
-            </a:r>
-            <a:r>
-              <a:rPr lang="en-US" sz="1400" dirty="0" err="1"/>
-              <a:t>Shrihari</a:t>
-            </a:r>
-            <a:r>
-              <a:rPr lang="en-US" sz="1400" dirty="0"/>
-              <a:t> Santosh, 2017, Shrinking the Cross Section, </a:t>
-            </a:r>
-            <a:r>
-              <a:rPr lang="en-US" sz="1400" i="1" dirty="0" err="1"/>
-              <a:t>Ssrn</a:t>
-            </a:r>
-            <a:r>
-              <a:rPr lang="en-US" sz="1400" dirty="0"/>
-              <a:t>, 1–69</a:t>
-            </a:r>
-            <a:r>
-              <a:rPr lang="en-US" sz="1400" dirty="0" smtClean="0"/>
-              <a:t>.</a:t>
-            </a:r>
-          </a:p>
-          <a:p>
-            <a:r>
-              <a:rPr lang="en-US" sz="1400" dirty="0" err="1" smtClean="0"/>
-              <a:t>Chinco</a:t>
-            </a:r>
-            <a:r>
-              <a:rPr lang="en-US" sz="1400" dirty="0"/>
-              <a:t>, Alex, Andreas </a:t>
-            </a:r>
-            <a:r>
-              <a:rPr lang="en-US" sz="1400" dirty="0" err="1"/>
-              <a:t>Neuhierl</a:t>
-            </a:r>
-            <a:r>
-              <a:rPr lang="en-US" sz="1400" dirty="0"/>
-              <a:t>, and Michael Weber, 2018, Estimating the Anomaly </a:t>
-            </a:r>
-            <a:r>
-              <a:rPr lang="en-US" sz="1400" dirty="0" err="1"/>
-              <a:t>Baserate</a:t>
-            </a:r>
-            <a:r>
-              <a:rPr lang="en-US" sz="1400" dirty="0"/>
-              <a:t>, , 1–30.</a:t>
-            </a:r>
-          </a:p>
-        </p:txBody>
-      </p:sp>
-      <p:sp>
-        <p:nvSpPr>
-          <p:cNvPr id="4" name="Date Placeholder 3"/>
-          <p:cNvSpPr>
-            <a:spLocks noGrp="1"/>
-          </p:cNvSpPr>
-          <p:nvPr>
-            <p:ph type="dt" sz="half" idx="10"/>
-          </p:nvPr>
-        </p:nvSpPr>
-        <p:spPr/>
-        <p:txBody>
-          <a:bodyPr/>
-          <a:lstStyle/>
-          <a:p>
-            <a:r>
-              <a:rPr lang="de-DE" dirty="0" smtClean="0"/>
+              <a:rPr lang="de-DE" smtClean="0"/>
               <a:t>06.12.2018</a:t>
             </a:r>
             <a:endParaRPr lang="de-DE" dirty="0"/>
@@ -5752,7 +7990,7 @@
     </p:spTree>
     <p:extLst>
       <p:ext uri="{BB962C8B-B14F-4D97-AF65-F5344CB8AC3E}">
-        <p14:creationId xmlns:p14="http://schemas.microsoft.com/office/powerpoint/2010/main" val="685082800"/>
+        <p14:creationId xmlns:p14="http://schemas.microsoft.com/office/powerpoint/2010/main" val="3827084771"/>
       </p:ext>
     </p:extLst>
   </p:cSld>
@@ -5803,7 +8041,7 @@
           <a:p>
             <a:r>
               <a:rPr lang="en-US" dirty="0" smtClean="0"/>
-              <a:t>ML Methods for Inference</a:t>
+              <a:t>Different Modelling Cultures</a:t>
             </a:r>
             <a:endParaRPr lang="en-US" dirty="0"/>
           </a:p>
@@ -5825,62 +8063,36 @@
           <a:lstStyle/>
           <a:p>
             <a:r>
-              <a:rPr lang="de-DE" sz="1400" dirty="0"/>
-              <a:t>Belloni, A., Chen, D., Chernozhukov, V., and C. Hansen (2012). „Sparse Models and Methods for Optimal Instruments with Application to Eminent Domain“. </a:t>
-            </a:r>
-            <a:r>
-              <a:rPr lang="de-DE" sz="1400" i="1" dirty="0"/>
-              <a:t>Econometrica </a:t>
-            </a:r>
-            <a:r>
-              <a:rPr lang="de-DE" sz="1400" dirty="0"/>
-              <a:t>80(6), 2269-2429</a:t>
-            </a:r>
-          </a:p>
-          <a:p>
-            <a:r>
-              <a:rPr lang="de-DE" sz="1400" dirty="0"/>
-              <a:t>Belloni, A., Chernozhukov, V., Fernandez-Val, I., and C. Hansen (2017). „Program Evaluation and Causal Inference with High-Dimensional Data“. </a:t>
-            </a:r>
-            <a:r>
-              <a:rPr lang="de-DE" sz="1400" i="1" dirty="0"/>
-              <a:t>Econometrica</a:t>
-            </a:r>
-            <a:r>
-              <a:rPr lang="de-DE" sz="1400" dirty="0"/>
-              <a:t> 85(1), 233-298</a:t>
-            </a:r>
-          </a:p>
-          <a:p>
-            <a:r>
-              <a:rPr lang="de-DE" sz="1400" dirty="0"/>
-              <a:t>Belloni, A., Chernozhukov, V., and C. Hansen (2014). „Inference on Treatment Effects after Selection among High-Dimensional Controls“. </a:t>
-            </a:r>
-            <a:r>
-              <a:rPr lang="de-DE" sz="1400" i="1" dirty="0"/>
-              <a:t>Review of Economic Studies</a:t>
-            </a:r>
-            <a:r>
-              <a:rPr lang="de-DE" sz="1400" dirty="0"/>
-              <a:t> 81, 608-650</a:t>
-            </a:r>
-          </a:p>
-          <a:p>
-            <a:r>
-              <a:rPr lang="de-DE" sz="1400" dirty="0"/>
-              <a:t>Chernozhukov, V., Chetverikov, D., Demirer, M., Duflo, E., Hansen, C., Newey, W., and J. Robins (2018). „Double/Debiased Machine Learning for Treatment and Structural Parameters“. </a:t>
-            </a:r>
-            <a:r>
-              <a:rPr lang="de-DE" sz="1400" i="1" dirty="0"/>
-              <a:t>Econometrics Journal </a:t>
-            </a:r>
-            <a:r>
-              <a:rPr lang="de-DE" sz="1400" dirty="0"/>
-              <a:t>21, 1-68</a:t>
-            </a:r>
-          </a:p>
-          <a:p>
-            <a:endParaRPr lang="en-US" sz="1400" dirty="0"/>
+              <a:rPr lang="en-US" dirty="0" smtClean="0"/>
+              <a:t>Process:</a:t>
+            </a:r>
+          </a:p>
+          <a:p>
+            <a:endParaRPr lang="en-US" dirty="0"/>
+          </a:p>
+          <a:p>
+            <a:r>
+              <a:rPr lang="en-US" dirty="0" smtClean="0"/>
+              <a:t>Explanatory Modelling:</a:t>
+            </a:r>
+          </a:p>
+          <a:p>
+            <a:endParaRPr lang="en-US" dirty="0"/>
+          </a:p>
+          <a:p>
+            <a:endParaRPr lang="en-US" dirty="0" smtClean="0"/>
+          </a:p>
+          <a:p>
+            <a:r>
+              <a:rPr lang="en-US" dirty="0" smtClean="0"/>
+              <a:t>Predictive Modelling:</a:t>
+            </a:r>
+          </a:p>
+          <a:p>
+            <a:endParaRPr lang="en-US" dirty="0"/>
+          </a:p>
+          <a:p>
+            <a:endParaRPr lang="en-US" dirty="0"/>
           </a:p>
         </p:txBody>
       </p:sp>
@@ -5953,23 +8165,178 @@
           </a:p>
         </p:txBody>
       </p:sp>
+      <p:pic>
+        <p:nvPicPr>
+          <p:cNvPr id="1027" name="Picture 3"/>
+          <p:cNvPicPr>
+            <a:picLocks noChangeAspect="1" noChangeArrowheads="1"/>
+          </p:cNvPicPr>
+          <p:nvPr/>
+        </p:nvPicPr>
+        <p:blipFill>
+          <a:blip r:embed="rId2" cstate="print">
+            <a:extLst>
+              <a:ext uri="{28A0092B-C50C-407E-A947-70E740481C1C}">
+                <a14:useLocalDpi xmlns:a14="http://schemas.microsoft.com/office/drawing/2010/main" val="0"/>
+              </a:ext>
+            </a:extLst>
+          </a:blip>
+          <a:srcRect/>
+          <a:stretch>
+            <a:fillRect/>
+          </a:stretch>
+        </p:blipFill>
+        <p:spPr bwMode="auto">
+          <a:xfrm>
+            <a:off x="4645403" y="1988840"/>
+            <a:ext cx="2368775" cy="501797"/>
+          </a:xfrm>
+          <a:prstGeom prst="rect">
+            <a:avLst/>
+          </a:prstGeom>
+          <a:noFill/>
+          <a:ln>
+            <a:noFill/>
+          </a:ln>
+          <a:extLst>
+            <a:ext uri="{909E8E84-426E-40DD-AFC4-6F175D3DCCD1}">
+              <a14:hiddenFill xmlns:a14="http://schemas.microsoft.com/office/drawing/2010/main">
+                <a:solidFill>
+                  <a:schemeClr val="accent1"/>
+                </a:solidFill>
+              </a14:hiddenFill>
+            </a:ext>
+            <a:ext uri="{91240B29-F687-4F45-9708-019B960494DF}">
+              <a14:hiddenLine xmlns:a14="http://schemas.microsoft.com/office/drawing/2010/main" w="9525">
+                <a:solidFill>
+                  <a:schemeClr val="tx1"/>
+                </a:solidFill>
+                <a:miter lim="800000"/>
+                <a:headEnd/>
+                <a:tailEnd/>
+              </a14:hiddenLine>
+            </a:ext>
+          </a:extLst>
+        </p:spPr>
+      </p:pic>
+      <p:pic>
+        <p:nvPicPr>
+          <p:cNvPr id="1029" name="Picture 5"/>
+          <p:cNvPicPr>
+            <a:picLocks noChangeAspect="1" noChangeArrowheads="1"/>
+          </p:cNvPicPr>
+          <p:nvPr/>
+        </p:nvPicPr>
+        <p:blipFill>
+          <a:blip r:embed="rId3" cstate="print">
+            <a:extLst>
+              <a:ext uri="{28A0092B-C50C-407E-A947-70E740481C1C}">
+                <a14:useLocalDpi xmlns:a14="http://schemas.microsoft.com/office/drawing/2010/main" val="0"/>
+              </a:ext>
+            </a:extLst>
+          </a:blip>
+          <a:srcRect/>
+          <a:stretch>
+            <a:fillRect/>
+          </a:stretch>
+        </p:blipFill>
+        <p:spPr bwMode="auto">
+          <a:xfrm>
+            <a:off x="4209764" y="4329100"/>
+            <a:ext cx="3455057" cy="1260140"/>
+          </a:xfrm>
+          <a:prstGeom prst="rect">
+            <a:avLst/>
+          </a:prstGeom>
+          <a:noFill/>
+          <a:ln>
+            <a:noFill/>
+          </a:ln>
+          <a:extLst>
+            <a:ext uri="{909E8E84-426E-40DD-AFC4-6F175D3DCCD1}">
+              <a14:hiddenFill xmlns:a14="http://schemas.microsoft.com/office/drawing/2010/main">
+                <a:solidFill>
+                  <a:schemeClr val="accent1"/>
+                </a:solidFill>
+              </a14:hiddenFill>
+            </a:ext>
+            <a:ext uri="{91240B29-F687-4F45-9708-019B960494DF}">
+              <a14:hiddenLine xmlns:a14="http://schemas.microsoft.com/office/drawing/2010/main" w="9525">
+                <a:solidFill>
+                  <a:schemeClr val="tx1"/>
+                </a:solidFill>
+                <a:miter lim="800000"/>
+                <a:headEnd/>
+                <a:tailEnd/>
+              </a14:hiddenLine>
+            </a:ext>
+          </a:extLst>
+        </p:spPr>
+      </p:pic>
+      <p:pic>
+        <p:nvPicPr>
+          <p:cNvPr id="1031" name="Picture 7"/>
+          <p:cNvPicPr>
+            <a:picLocks noChangeAspect="1" noChangeArrowheads="1"/>
+          </p:cNvPicPr>
+          <p:nvPr/>
+        </p:nvPicPr>
+        <p:blipFill>
+          <a:blip r:embed="rId4" cstate="print">
+            <a:extLst>
+              <a:ext uri="{28A0092B-C50C-407E-A947-70E740481C1C}">
+                <a14:useLocalDpi xmlns:a14="http://schemas.microsoft.com/office/drawing/2010/main" val="0"/>
+              </a:ext>
+            </a:extLst>
+          </a:blip>
+          <a:srcRect/>
+          <a:stretch>
+            <a:fillRect/>
+          </a:stretch>
+        </p:blipFill>
+        <p:spPr bwMode="auto">
+          <a:xfrm>
+            <a:off x="3994761" y="2924944"/>
+            <a:ext cx="3670060" cy="972108"/>
+          </a:xfrm>
+          <a:prstGeom prst="rect">
+            <a:avLst/>
+          </a:prstGeom>
+          <a:noFill/>
+          <a:ln>
+            <a:noFill/>
+          </a:ln>
+          <a:extLst>
+            <a:ext uri="{909E8E84-426E-40DD-AFC4-6F175D3DCCD1}">
+              <a14:hiddenFill xmlns:a14="http://schemas.microsoft.com/office/drawing/2010/main">
+                <a:solidFill>
+                  <a:schemeClr val="accent1"/>
+                </a:solidFill>
+              </a14:hiddenFill>
+            </a:ext>
+            <a:ext uri="{91240B29-F687-4F45-9708-019B960494DF}">
+              <a14:hiddenLine xmlns:a14="http://schemas.microsoft.com/office/drawing/2010/main" w="9525">
+                <a:solidFill>
+                  <a:schemeClr val="tx1"/>
+                </a:solidFill>
+                <a:miter lim="800000"/>
+                <a:headEnd/>
+                <a:tailEnd/>
+              </a14:hiddenLine>
+            </a:ext>
+          </a:extLst>
+        </p:spPr>
+      </p:pic>
     </p:spTree>
     <p:extLst>
       <p:ext uri="{BB962C8B-B14F-4D97-AF65-F5344CB8AC3E}">
-        <p14:creationId xmlns:p14="http://schemas.microsoft.com/office/powerpoint/2010/main" val="581473745"/>
+        <p14:creationId xmlns:p14="http://schemas.microsoft.com/office/powerpoint/2010/main" val="1196318630"/>
       </p:ext>
     </p:extLst>
   </p:cSld>
   <p:clrMapOvr>
     <a:masterClrMapping/>
   </p:clrMapOvr>
-  <p:timing>
-    <p:tnLst>
-      <p:par>
-        <p:cTn id="1" dur="indefinite" restart="never" nodeType="tmRoot"/>
-      </p:par>
-    </p:tnLst>
-  </p:timing>
 </p:sld>
 </file>
 
@@ -6007,7 +8374,11 @@
           <a:p>
             <a:r>
               <a:rPr lang="en-US" dirty="0" smtClean="0"/>
-              <a:t>Prediction vs. Inference</a:t>
+              <a:t>ML Methods for </a:t>
+            </a:r>
+            <a:r>
+              <a:rPr lang="en-US" dirty="0" smtClean="0"/>
+              <a:t>Explanatory Modelling (Inference)</a:t>
             </a:r>
             <a:endParaRPr lang="en-US" dirty="0"/>
           </a:p>
@@ -6029,90 +8400,64 @@
           <a:lstStyle/>
           <a:p>
             <a:r>
-              <a:rPr lang="en-US" dirty="0" err="1"/>
-              <a:t>Breiman</a:t>
-            </a:r>
-            <a:r>
-              <a:rPr lang="en-US" dirty="0"/>
-              <a:t>, Leo, 2001, Statistical Modeling: The Two </a:t>
-            </a:r>
-            <a:r>
-              <a:rPr lang="en-US" dirty="0" smtClean="0"/>
-              <a:t>Cultures, </a:t>
-            </a:r>
-            <a:r>
-              <a:rPr lang="en-US" i="1" dirty="0"/>
-              <a:t>Statistical Science</a:t>
-            </a:r>
-            <a:r>
-              <a:rPr lang="en-US" dirty="0"/>
-              <a:t> 16, </a:t>
-            </a:r>
-            <a:r>
-              <a:rPr lang="en-US" dirty="0" smtClean="0"/>
-              <a:t>199–231.</a:t>
-            </a:r>
-          </a:p>
-          <a:p>
-            <a:r>
-              <a:rPr lang="en-US" dirty="0" err="1"/>
-              <a:t>Shmueli</a:t>
-            </a:r>
-            <a:r>
-              <a:rPr lang="en-US" dirty="0"/>
-              <a:t>, </a:t>
-            </a:r>
-            <a:r>
-              <a:rPr lang="en-US" dirty="0" err="1"/>
-              <a:t>Galit</a:t>
-            </a:r>
-            <a:r>
-              <a:rPr lang="en-US" dirty="0"/>
-              <a:t>, 2010, To Explain or to Predict?, </a:t>
-            </a:r>
-            <a:r>
-              <a:rPr lang="en-US" i="1" dirty="0"/>
-              <a:t>Statistical Science</a:t>
-            </a:r>
-            <a:r>
-              <a:rPr lang="en-US" dirty="0"/>
-              <a:t> 25, </a:t>
-            </a:r>
-            <a:r>
-              <a:rPr lang="en-US" dirty="0" smtClean="0"/>
-              <a:t>289–310.</a:t>
-            </a:r>
-          </a:p>
-          <a:p>
-            <a:r>
-              <a:rPr lang="en-US" dirty="0"/>
-              <a:t>Kleinberg, Jon, Jens Ludwig, </a:t>
-            </a:r>
-            <a:r>
-              <a:rPr lang="en-US" dirty="0" err="1"/>
-              <a:t>Sendhil</a:t>
-            </a:r>
-            <a:r>
-              <a:rPr lang="en-US" dirty="0"/>
-              <a:t> Mullainathan, and </a:t>
-            </a:r>
-            <a:r>
-              <a:rPr lang="en-US" dirty="0" err="1"/>
-              <a:t>Ziad</a:t>
-            </a:r>
-            <a:r>
-              <a:rPr lang="en-US" dirty="0"/>
-              <a:t> Obermeyer, 2015, Prediction Policy Problems, </a:t>
-            </a:r>
-            <a:r>
-              <a:rPr lang="en-US" i="1" dirty="0"/>
-              <a:t>American Economic Review</a:t>
-            </a:r>
-            <a:r>
-              <a:rPr lang="en-US" dirty="0"/>
-              <a:t> 105, 491–495.</a:t>
-            </a:r>
-            <a:endParaRPr lang="en-US" dirty="0" smtClean="0"/>
+              <a:rPr lang="de-DE" sz="1400" dirty="0"/>
+              <a:t>Belloni, A., Chen, D., Chernozhukov, V., and C. Hansen (2012). „Sparse Models and Methods for Optimal Instruments with Application to Eminent Domain“. </a:t>
+            </a:r>
+            <a:r>
+              <a:rPr lang="de-DE" sz="1400" i="1" dirty="0"/>
+              <a:t>Econometrica </a:t>
+            </a:r>
+            <a:r>
+              <a:rPr lang="de-DE" sz="1400" dirty="0"/>
+              <a:t>80(6), 2269-2429</a:t>
+            </a:r>
+          </a:p>
+          <a:p>
+            <a:r>
+              <a:rPr lang="de-DE" sz="1400" dirty="0"/>
+              <a:t>Belloni, A., Chernozhukov, V., Fernandez-Val, I., and C. Hansen (2017). „Program Evaluation and Causal Inference with High-Dimensional Data“. </a:t>
+            </a:r>
+            <a:r>
+              <a:rPr lang="de-DE" sz="1400" i="1" dirty="0"/>
+              <a:t>Econometrica</a:t>
+            </a:r>
+            <a:r>
+              <a:rPr lang="de-DE" sz="1400" dirty="0"/>
+              <a:t> 85(1), 233-298</a:t>
+            </a:r>
+          </a:p>
+          <a:p>
+            <a:r>
+              <a:rPr lang="de-DE" sz="1400" dirty="0"/>
+              <a:t>Belloni, A., Chernozhukov, V., and C. Hansen (2014). „Inference on Treatment Effects after Selection among High-Dimensional Controls“. </a:t>
+            </a:r>
+            <a:r>
+              <a:rPr lang="de-DE" sz="1400" i="1" dirty="0"/>
+              <a:t>Review of Economic Studies</a:t>
+            </a:r>
+            <a:r>
+              <a:rPr lang="de-DE" sz="1400" dirty="0"/>
+              <a:t> 81, 608-650</a:t>
+            </a:r>
+          </a:p>
+          <a:p>
+            <a:r>
+              <a:rPr lang="de-DE" sz="1400" dirty="0"/>
+              <a:t>Chernozhukov, V., Chetverikov, D., Demirer, M., Duflo, E., Hansen, C., Newey, W., and J. Robins (2018). „Double/Debiased Machine Learning for Treatment and Structural Parameters“. </a:t>
+            </a:r>
+            <a:r>
+              <a:rPr lang="de-DE" sz="1400" i="1" dirty="0"/>
+              <a:t>Econometrics Journal </a:t>
+            </a:r>
+            <a:r>
+              <a:rPr lang="de-DE" sz="1400" dirty="0"/>
+              <a:t>21, </a:t>
+            </a:r>
+            <a:r>
+              <a:rPr lang="de-DE" sz="1400" dirty="0" smtClean="0"/>
+              <a:t>1-68</a:t>
+            </a:r>
+            <a:endParaRPr lang="de-DE" sz="1400" dirty="0"/>
           </a:p>
         </p:txBody>
       </p:sp>
@@ -6188,7 +8533,7 @@
     </p:spTree>
     <p:extLst>
       <p:ext uri="{BB962C8B-B14F-4D97-AF65-F5344CB8AC3E}">
-        <p14:creationId xmlns:p14="http://schemas.microsoft.com/office/powerpoint/2010/main" val="3827084771"/>
+        <p14:creationId xmlns:p14="http://schemas.microsoft.com/office/powerpoint/2010/main" val="581473745"/>
       </p:ext>
     </p:extLst>
   </p:cSld>
@@ -6259,8 +8604,8 @@
             </p:nvSpPr>
             <p:spPr>
               <a:xfrm>
-                <a:off x="684000" y="1982490"/>
-                <a:ext cx="8028460" cy="3834000"/>
+                <a:off x="684000" y="1304764"/>
+                <a:ext cx="8028460" cy="4511726"/>
               </a:xfrm>
             </p:spPr>
             <p:txBody>
@@ -7053,8 +9398,8 @@
             </p:nvSpPr>
             <p:spPr>
               <a:xfrm>
-                <a:off x="684000" y="1982490"/>
-                <a:ext cx="8028460" cy="3834000"/>
+                <a:off x="684000" y="1304764"/>
+                <a:ext cx="8028460" cy="4511726"/>
               </a:xfrm>
               <a:blipFill rotWithShape="1">
                 <a:blip r:embed="rId2"/>
@@ -7201,7 +9546,7 @@
           <a:p>
             <a:r>
               <a:rPr lang="en-US" dirty="0" smtClean="0"/>
-              <a:t>Predicting Equity Premium</a:t>
+              <a:t>ML Methods in Finance</a:t>
             </a:r>
             <a:endParaRPr lang="en-US" dirty="0"/>
           </a:p>
@@ -7223,108 +9568,313 @@
           <a:lstStyle/>
           <a:p>
             <a:r>
-              <a:rPr lang="en-US" sz="1400" dirty="0" err="1"/>
+              <a:rPr lang="de-DE" sz="1400" dirty="0" smtClean="0"/>
+              <a:t>Cross-Sectional </a:t>
+            </a:r>
+            <a:r>
+              <a:rPr lang="de-DE" sz="1400" dirty="0" smtClean="0"/>
+              <a:t>Asset Pricing:</a:t>
+            </a:r>
+          </a:p>
+          <a:p>
+            <a:pPr lvl="1"/>
+            <a:r>
+              <a:rPr lang="en-US" sz="1200" dirty="0" err="1"/>
+              <a:t>Chinco</a:t>
+            </a:r>
+            <a:r>
+              <a:rPr lang="en-US" sz="1200" dirty="0"/>
+              <a:t>, A., Clark-Joseph, A. D., and M. </a:t>
+            </a:r>
+            <a:r>
+              <a:rPr lang="en-US" sz="1200" dirty="0" err="1"/>
+              <a:t>Ye.„Sparse</a:t>
+            </a:r>
+            <a:r>
+              <a:rPr lang="en-US" sz="1200" dirty="0"/>
+              <a:t> Signals in the Cross-Section of Returns“. </a:t>
+            </a:r>
+            <a:r>
+              <a:rPr lang="en-US" sz="1200" i="1" dirty="0"/>
+              <a:t>Journal of Finance</a:t>
+            </a:r>
+            <a:r>
+              <a:rPr lang="en-US" sz="1200" dirty="0"/>
+              <a:t> (forthcoming</a:t>
+            </a:r>
+            <a:r>
+              <a:rPr lang="en-US" sz="1200" dirty="0" smtClean="0"/>
+              <a:t>)</a:t>
+            </a:r>
+          </a:p>
+          <a:p>
+            <a:pPr lvl="1"/>
+            <a:r>
+              <a:rPr lang="en-US" sz="1200" dirty="0" err="1"/>
+              <a:t>Freyberger</a:t>
+            </a:r>
+            <a:r>
+              <a:rPr lang="en-US" sz="1200" dirty="0"/>
+              <a:t>, Joachim, Andreas </a:t>
+            </a:r>
+            <a:r>
+              <a:rPr lang="en-US" sz="1200" dirty="0" err="1"/>
+              <a:t>Neuhierl</a:t>
+            </a:r>
+            <a:r>
+              <a:rPr lang="en-US" sz="1200" dirty="0"/>
+              <a:t>, and Michael Weber, 2017, Dissecting Characteristics </a:t>
+            </a:r>
+            <a:r>
+              <a:rPr lang="en-US" sz="1200" dirty="0" err="1"/>
+              <a:t>Nonparametrically</a:t>
+            </a:r>
+            <a:r>
+              <a:rPr lang="en-US" sz="1200" dirty="0"/>
+              <a:t>. (R&amp;R Review of Financial Studies)</a:t>
+            </a:r>
+            <a:endParaRPr lang="en-US" sz="1200" dirty="0" smtClean="0"/>
+          </a:p>
+          <a:p>
+            <a:pPr lvl="1"/>
+            <a:r>
+              <a:rPr lang="en-US" sz="1200" dirty="0"/>
+              <a:t>Moritz, Benjamin, and Tom Zimmermann, 2016, Tree-Based Conditional Portfolio Sorts: The Relation between Past and Future Stock Returns, </a:t>
+            </a:r>
+            <a:r>
+              <a:rPr lang="en-US" sz="1200" i="1" dirty="0" err="1"/>
+              <a:t>Ssrn</a:t>
+            </a:r>
+            <a:r>
+              <a:rPr lang="en-US" sz="1200" dirty="0"/>
+              <a:t>.(R&amp;R Review of Financial Studies</a:t>
+            </a:r>
+            <a:r>
+              <a:rPr lang="en-US" sz="1200" dirty="0" smtClean="0"/>
+              <a:t>)</a:t>
+            </a:r>
+            <a:endParaRPr lang="en-US" sz="1200" dirty="0"/>
+          </a:p>
+          <a:p>
+            <a:pPr lvl="1"/>
+            <a:r>
+              <a:rPr lang="en-US" sz="1200" dirty="0" smtClean="0"/>
+              <a:t>Feng</a:t>
+            </a:r>
+            <a:r>
+              <a:rPr lang="en-US" sz="1200" dirty="0"/>
+              <a:t>, </a:t>
+            </a:r>
+            <a:r>
+              <a:rPr lang="en-US" sz="1200" dirty="0" err="1"/>
+              <a:t>Guanhao</a:t>
+            </a:r>
+            <a:r>
+              <a:rPr lang="en-US" sz="1200" dirty="0"/>
+              <a:t>, and Stefano </a:t>
+            </a:r>
+            <a:r>
+              <a:rPr lang="en-US" sz="1200" dirty="0" err="1"/>
+              <a:t>Giglio</a:t>
+            </a:r>
+            <a:r>
+              <a:rPr lang="en-US" sz="1200" dirty="0"/>
+              <a:t>, 2017, Taming the Factor Zoo, </a:t>
+            </a:r>
+            <a:r>
+              <a:rPr lang="en-US" sz="1200" i="1" dirty="0"/>
+              <a:t>SSRN Electronic Journal</a:t>
+            </a:r>
+            <a:r>
+              <a:rPr lang="en-US" sz="1200" dirty="0"/>
+              <a:t>, 1–69. (Under Revision)</a:t>
+            </a:r>
+          </a:p>
+          <a:p>
+            <a:pPr lvl="1"/>
+            <a:r>
+              <a:rPr lang="en-US" sz="1200" dirty="0" err="1" smtClean="0"/>
+              <a:t>Brogaard</a:t>
+            </a:r>
+            <a:r>
+              <a:rPr lang="en-US" sz="1200" dirty="0"/>
+              <a:t>, Jonathan, and </a:t>
+            </a:r>
+            <a:r>
+              <a:rPr lang="en-US" sz="1200" dirty="0" err="1"/>
+              <a:t>Abalfazl</a:t>
+            </a:r>
+            <a:r>
+              <a:rPr lang="en-US" sz="1200" dirty="0"/>
+              <a:t> </a:t>
+            </a:r>
+            <a:r>
+              <a:rPr lang="en-US" sz="1200" dirty="0" err="1"/>
+              <a:t>Zareei</a:t>
+            </a:r>
+            <a:r>
+              <a:rPr lang="en-US" sz="1200" dirty="0"/>
+              <a:t>, 2018, Machine Learning and the Stock Market, </a:t>
+            </a:r>
+            <a:r>
+              <a:rPr lang="en-US" sz="1200" i="1" dirty="0"/>
+              <a:t>SSRN Electronic Journal</a:t>
+            </a:r>
+            <a:r>
+              <a:rPr lang="en-US" sz="1200" dirty="0"/>
+              <a:t>, 1–57. </a:t>
+            </a:r>
+          </a:p>
+          <a:p>
+            <a:pPr lvl="1"/>
+            <a:r>
+              <a:rPr lang="en-US" sz="1200" dirty="0" err="1"/>
+              <a:t>Chinco</a:t>
+            </a:r>
+            <a:r>
+              <a:rPr lang="en-US" sz="1200" dirty="0"/>
+              <a:t>, Alex, Andreas </a:t>
+            </a:r>
+            <a:r>
+              <a:rPr lang="en-US" sz="1200" dirty="0" err="1"/>
+              <a:t>Neuhierl</a:t>
+            </a:r>
+            <a:r>
+              <a:rPr lang="en-US" sz="1200" dirty="0"/>
+              <a:t>, and Michael Weber, 2018, Estimating the Anomaly </a:t>
+            </a:r>
+            <a:r>
+              <a:rPr lang="en-US" sz="1200" dirty="0" err="1"/>
+              <a:t>Baserate</a:t>
+            </a:r>
+            <a:r>
+              <a:rPr lang="en-US" sz="1200" dirty="0"/>
+              <a:t>, , 1–30.</a:t>
+            </a:r>
+          </a:p>
+          <a:p>
+            <a:pPr lvl="1"/>
+            <a:r>
+              <a:rPr lang="en-US" sz="1200" dirty="0" err="1"/>
+              <a:t>Gu</a:t>
+            </a:r>
+            <a:r>
+              <a:rPr lang="en-US" sz="1200" dirty="0"/>
+              <a:t>, </a:t>
+            </a:r>
+            <a:r>
+              <a:rPr lang="en-US" sz="1200" dirty="0" err="1"/>
+              <a:t>Shihao</a:t>
+            </a:r>
+            <a:r>
+              <a:rPr lang="en-US" sz="1200" dirty="0"/>
+              <a:t>, Bryan T. Kelly, and </a:t>
+            </a:r>
+            <a:r>
+              <a:rPr lang="en-US" sz="1200" dirty="0" err="1"/>
+              <a:t>Dacheng</a:t>
+            </a:r>
+            <a:r>
+              <a:rPr lang="en-US" sz="1200" dirty="0"/>
+              <a:t> </a:t>
+            </a:r>
+            <a:r>
+              <a:rPr lang="en-US" sz="1200" dirty="0" err="1"/>
+              <a:t>Xiu</a:t>
+            </a:r>
+            <a:r>
+              <a:rPr lang="en-US" sz="1200" dirty="0"/>
+              <a:t>, 2018, Empirical Asset Pricing via Machine Learning, </a:t>
+            </a:r>
+            <a:r>
+              <a:rPr lang="en-US" sz="1200" i="1" dirty="0" err="1"/>
+              <a:t>Ssrn</a:t>
+            </a:r>
+            <a:r>
+              <a:rPr lang="en-US" sz="1200" dirty="0"/>
+              <a:t>. </a:t>
+            </a:r>
+          </a:p>
+          <a:p>
+            <a:pPr lvl="1"/>
+            <a:r>
+              <a:rPr lang="en-US" sz="1200" dirty="0" err="1"/>
+              <a:t>Kozak</a:t>
+            </a:r>
+            <a:r>
+              <a:rPr lang="en-US" sz="1200" dirty="0"/>
+              <a:t>, </a:t>
+            </a:r>
+            <a:r>
+              <a:rPr lang="en-US" sz="1200" dirty="0" err="1"/>
+              <a:t>Serhiy</a:t>
+            </a:r>
+            <a:r>
+              <a:rPr lang="en-US" sz="1200" dirty="0"/>
+              <a:t>, Stefan Nagel, and </a:t>
+            </a:r>
+            <a:r>
+              <a:rPr lang="en-US" sz="1200" dirty="0" err="1"/>
+              <a:t>Shrihari</a:t>
+            </a:r>
+            <a:r>
+              <a:rPr lang="en-US" sz="1200" dirty="0"/>
+              <a:t> Santosh, 2017, Shrinking the Cross Section, </a:t>
+            </a:r>
+            <a:r>
+              <a:rPr lang="en-US" sz="1200" i="1" dirty="0" err="1"/>
+              <a:t>Ssrn</a:t>
+            </a:r>
+            <a:r>
+              <a:rPr lang="en-US" sz="1200" dirty="0"/>
+              <a:t>, 1–69</a:t>
+            </a:r>
+            <a:r>
+              <a:rPr lang="en-US" sz="1200" dirty="0" smtClean="0"/>
+              <a:t>.</a:t>
+            </a:r>
+          </a:p>
+          <a:p>
+            <a:pPr lvl="1"/>
+            <a:r>
+              <a:rPr lang="en-US" sz="1200" dirty="0"/>
+              <a:t>Han, </a:t>
+            </a:r>
+            <a:r>
+              <a:rPr lang="en-US" sz="1200" dirty="0" err="1"/>
+              <a:t>Yufeng</a:t>
+            </a:r>
+            <a:r>
+              <a:rPr lang="en-US" sz="1200" dirty="0"/>
+              <a:t>, Ai He, David E </a:t>
+            </a:r>
+            <a:r>
+              <a:rPr lang="en-US" sz="1200" dirty="0" err="1"/>
               <a:t>Rapach</a:t>
             </a:r>
             <a:r>
-              <a:rPr lang="en-US" sz="1400" dirty="0"/>
-              <a:t>, David, and </a:t>
-            </a:r>
-            <a:r>
-              <a:rPr lang="en-US" sz="1400" dirty="0" err="1"/>
+              <a:rPr lang="en-US" sz="1200" dirty="0"/>
+              <a:t>, and </a:t>
+            </a:r>
+            <a:r>
+              <a:rPr lang="en-US" sz="1200" dirty="0" err="1"/>
               <a:t>Guofu</a:t>
             </a:r>
             <a:r>
-              <a:rPr lang="en-US" sz="1400" dirty="0"/>
-              <a:t> Zhou, 2013, </a:t>
-            </a:r>
-            <a:r>
-              <a:rPr lang="en-US" sz="1400" i="1" dirty="0"/>
-              <a:t>Forecasting Stock Returns</a:t>
-            </a:r>
-            <a:r>
-              <a:rPr lang="en-US" sz="1400" dirty="0"/>
-              <a:t> </a:t>
-            </a:r>
-            <a:r>
-              <a:rPr lang="en-US" sz="1400" i="1" dirty="0"/>
-              <a:t>Handbook of Economic Forecasting</a:t>
-            </a:r>
-            <a:r>
-              <a:rPr lang="en-US" sz="1400" dirty="0"/>
-              <a:t>. Vol. 2 (Elsevier B.V</a:t>
-            </a:r>
-            <a:r>
-              <a:rPr lang="en-US" sz="1400" dirty="0" smtClean="0"/>
-              <a:t>.).</a:t>
-            </a:r>
-          </a:p>
-          <a:p>
-            <a:r>
-              <a:rPr lang="en-US" sz="1400" dirty="0" err="1" smtClean="0"/>
-              <a:t>Rapach</a:t>
-            </a:r>
-            <a:r>
-              <a:rPr lang="en-US" sz="1400" dirty="0"/>
-              <a:t>, David E., Jack K. Strauss, and </a:t>
-            </a:r>
-            <a:r>
-              <a:rPr lang="en-US" sz="1400" dirty="0" err="1"/>
-              <a:t>Guofu</a:t>
-            </a:r>
-            <a:r>
-              <a:rPr lang="en-US" sz="1400" dirty="0"/>
-              <a:t> Zhou, 2010, Out-of-sample equity premium prediction: Combination forecasts and links to the real economy, </a:t>
-            </a:r>
-            <a:r>
-              <a:rPr lang="en-US" sz="1400" i="1" dirty="0"/>
-              <a:t>Review of Financial Studies</a:t>
-            </a:r>
-            <a:r>
-              <a:rPr lang="en-US" sz="1400" dirty="0"/>
-              <a:t> 23, 821–862.</a:t>
-            </a:r>
-          </a:p>
-          <a:p>
-            <a:r>
-              <a:rPr lang="en-US" sz="1400" dirty="0" smtClean="0"/>
-              <a:t>Neely</a:t>
-            </a:r>
-            <a:r>
-              <a:rPr lang="en-US" sz="1400" dirty="0"/>
-              <a:t>, Christopher J., David E. </a:t>
-            </a:r>
-            <a:r>
-              <a:rPr lang="en-US" sz="1400" dirty="0" err="1"/>
-              <a:t>Rapach</a:t>
-            </a:r>
-            <a:r>
-              <a:rPr lang="en-US" sz="1400" dirty="0"/>
-              <a:t>, Jun </a:t>
-            </a:r>
-            <a:r>
-              <a:rPr lang="en-US" sz="1400" dirty="0" err="1"/>
-              <a:t>Tu</a:t>
-            </a:r>
-            <a:r>
-              <a:rPr lang="en-US" sz="1400" dirty="0"/>
-              <a:t>, and </a:t>
-            </a:r>
-            <a:r>
-              <a:rPr lang="en-US" sz="1400" dirty="0" err="1"/>
-              <a:t>Guofu</a:t>
-            </a:r>
-            <a:r>
-              <a:rPr lang="en-US" sz="1400" dirty="0"/>
-              <a:t> Zhou, 2014, Forecasting the Equity Risk Premium: The Role of Technical Indicators, </a:t>
-            </a:r>
-            <a:r>
-              <a:rPr lang="en-US" sz="1400" i="1" dirty="0"/>
-              <a:t>Management Science</a:t>
-            </a:r>
-            <a:r>
-              <a:rPr lang="en-US" sz="1400" dirty="0"/>
-              <a:t> 60, 1772–1791.</a:t>
+              <a:rPr lang="en-US" sz="1200" dirty="0"/>
+              <a:t> Zhou, 2018, What Firm Characteristics Drive US Stock Returns?, </a:t>
+            </a:r>
+            <a:r>
+              <a:rPr lang="en-US" sz="1200" i="1" dirty="0"/>
+              <a:t>Baruch </a:t>
+            </a:r>
+            <a:r>
+              <a:rPr lang="en-US" sz="1200" i="1" dirty="0" smtClean="0"/>
+              <a:t>CUNY</a:t>
+            </a:r>
+            <a:r>
+              <a:rPr lang="en-US" sz="1200" dirty="0" smtClean="0"/>
+              <a:t>.</a:t>
             </a:r>
           </a:p>
         </p:txBody>
@@ -7345,7 +9895,7 @@
           <a:lstStyle/>
           <a:p>
             <a:r>
-              <a:rPr lang="de-DE" smtClean="0"/>
+              <a:rPr lang="de-DE" dirty="0" smtClean="0"/>
               <a:t>06.12.2018</a:t>
             </a:r>
             <a:endParaRPr lang="de-DE" dirty="0"/>
@@ -7368,7 +9918,7 @@
           <a:lstStyle/>
           <a:p>
             <a:r>
-              <a:rPr lang="de-DE" smtClean="0"/>
+              <a:rPr lang="de-DE" dirty="0" smtClean="0"/>
               <a:t>Pavel Lesnevski</a:t>
             </a:r>
             <a:endParaRPr lang="de-DE" dirty="0"/>
@@ -7401,7 +9951,7 @@
     </p:spTree>
     <p:extLst>
       <p:ext uri="{BB962C8B-B14F-4D97-AF65-F5344CB8AC3E}">
-        <p14:creationId xmlns:p14="http://schemas.microsoft.com/office/powerpoint/2010/main" val="2191044208"/>
+        <p14:creationId xmlns:p14="http://schemas.microsoft.com/office/powerpoint/2010/main" val="685082800"/>
       </p:ext>
     </p:extLst>
   </p:cSld>
@@ -7451,15 +10001,363 @@
           <a:lstStyle/>
           <a:p>
             <a:r>
-              <a:rPr lang="de-DE" dirty="0"/>
-              <a:t>Methods</a:t>
-            </a:r>
-            <a:br>
-              <a:rPr lang="de-DE" dirty="0"/>
-            </a:br>
-            <a:r>
-              <a:rPr lang="de-DE" sz="2000" dirty="0"/>
-              <a:t>Outline</a:t>
+              <a:rPr lang="en-US" dirty="0" smtClean="0"/>
+              <a:t>Predicting Equity Premium</a:t>
+            </a:r>
+            <a:endParaRPr lang="en-US" dirty="0"/>
+          </a:p>
+        </p:txBody>
+      </p:sp>
+      <p:sp>
+        <p:nvSpPr>
+          <p:cNvPr id="3" name="Content Placeholder 2"/>
+          <p:cNvSpPr>
+            <a:spLocks noGrp="1"/>
+          </p:cNvSpPr>
+          <p:nvPr>
+            <p:ph idx="1"/>
+          </p:nvPr>
+        </p:nvSpPr>
+        <p:spPr>
+          <a:xfrm>
+            <a:off x="575556" y="1088740"/>
+            <a:ext cx="7776000" cy="4824536"/>
+          </a:xfrm>
+        </p:spPr>
+        <p:txBody>
+          <a:bodyPr/>
+          <a:lstStyle/>
+          <a:p>
+            <a:r>
+              <a:rPr lang="en-US" sz="1600" dirty="0"/>
+              <a:t>Welch, Ivo, and Amit Goyal, 2008, A Comprehensive Look at The Empirical Performance of Equity Premium Prediction, </a:t>
+            </a:r>
+            <a:r>
+              <a:rPr lang="en-US" sz="1600" i="1" dirty="0"/>
+              <a:t>Review of Financial Studies</a:t>
+            </a:r>
+            <a:r>
+              <a:rPr lang="en-US" sz="1600" dirty="0"/>
+              <a:t> 21, 1455–1508</a:t>
+            </a:r>
+            <a:r>
+              <a:rPr lang="en-US" sz="1600" dirty="0" smtClean="0"/>
+              <a:t>.</a:t>
+            </a:r>
+          </a:p>
+          <a:p>
+            <a:pPr lvl="1"/>
+            <a:r>
+              <a:rPr lang="en-US" sz="1400" dirty="0" smtClean="0"/>
+              <a:t>None </a:t>
+            </a:r>
+            <a:r>
+              <a:rPr lang="en-US" sz="1400" dirty="0"/>
+              <a:t>of </a:t>
+            </a:r>
+            <a:r>
+              <a:rPr lang="en-US" sz="1400" dirty="0" err="1" smtClean="0"/>
+              <a:t>exhisiting</a:t>
+            </a:r>
+            <a:r>
+              <a:rPr lang="en-US" sz="1400" dirty="0" smtClean="0"/>
+              <a:t> predictors </a:t>
+            </a:r>
+            <a:r>
+              <a:rPr lang="en-US" sz="1400" dirty="0"/>
+              <a:t>are able to outperform the simple historical average </a:t>
+            </a:r>
+            <a:r>
+              <a:rPr lang="en-US" sz="1400" dirty="0" smtClean="0"/>
+              <a:t>benchmark</a:t>
+            </a:r>
+          </a:p>
+          <a:p>
+            <a:r>
+              <a:rPr lang="en-US" sz="1600" i="1" dirty="0" err="1"/>
+              <a:t>Rapach</a:t>
+            </a:r>
+            <a:r>
+              <a:rPr lang="en-US" sz="1600" i="1" dirty="0"/>
+              <a:t>, David E., Jack K. Strauss, and </a:t>
+            </a:r>
+            <a:r>
+              <a:rPr lang="en-US" sz="1600" i="1" dirty="0" err="1"/>
+              <a:t>Guofu</a:t>
+            </a:r>
+            <a:r>
+              <a:rPr lang="en-US" sz="1600" i="1" dirty="0"/>
+              <a:t> Zhou, 2010, Out-of-sample equity premium prediction: Combination forecasts and links to the real economy, Review of Financial Studies 23, 821–862</a:t>
+            </a:r>
+            <a:r>
+              <a:rPr lang="en-US" sz="1600" i="1" dirty="0" smtClean="0"/>
+              <a:t>.</a:t>
+            </a:r>
+          </a:p>
+          <a:p>
+            <a:pPr lvl="1"/>
+            <a:r>
+              <a:rPr lang="en-US" sz="1400" dirty="0"/>
+              <a:t>M</a:t>
+            </a:r>
+            <a:r>
+              <a:rPr lang="en-US" sz="1400" dirty="0" smtClean="0"/>
+              <a:t>odels </a:t>
+            </a:r>
+            <a:r>
+              <a:rPr lang="en-US" sz="1400" dirty="0"/>
+              <a:t>combining many individual variables together yield superior predictive performance and outperform the benchmark</a:t>
+            </a:r>
+            <a:r>
+              <a:rPr lang="en-US" sz="1400" dirty="0" smtClean="0"/>
+              <a:t>.</a:t>
+            </a:r>
+            <a:endParaRPr lang="en-US" sz="1400" i="1" dirty="0"/>
+          </a:p>
+          <a:p>
+            <a:r>
+              <a:rPr lang="en-US" sz="1600" dirty="0" smtClean="0"/>
+              <a:t>Neely</a:t>
+            </a:r>
+            <a:r>
+              <a:rPr lang="en-US" sz="1600" dirty="0"/>
+              <a:t>, Christopher J., David E. </a:t>
+            </a:r>
+            <a:r>
+              <a:rPr lang="en-US" sz="1600" dirty="0" err="1"/>
+              <a:t>Rapach</a:t>
+            </a:r>
+            <a:r>
+              <a:rPr lang="en-US" sz="1600" dirty="0"/>
+              <a:t>, Jun </a:t>
+            </a:r>
+            <a:r>
+              <a:rPr lang="en-US" sz="1600" dirty="0" err="1"/>
+              <a:t>Tu</a:t>
+            </a:r>
+            <a:r>
+              <a:rPr lang="en-US" sz="1600" dirty="0"/>
+              <a:t>, and </a:t>
+            </a:r>
+            <a:r>
+              <a:rPr lang="en-US" sz="1600" dirty="0" err="1"/>
+              <a:t>Guofu</a:t>
+            </a:r>
+            <a:r>
+              <a:rPr lang="en-US" sz="1600" dirty="0"/>
+              <a:t> Zhou, 2014, Forecasting the Equity Risk Premium: The Role of Technical Indicators, </a:t>
+            </a:r>
+            <a:r>
+              <a:rPr lang="en-US" sz="1600" i="1" dirty="0"/>
+              <a:t>Management Science</a:t>
+            </a:r>
+            <a:r>
+              <a:rPr lang="en-US" sz="1600" dirty="0"/>
+              <a:t> 60, 1772–1791</a:t>
+            </a:r>
+            <a:r>
+              <a:rPr lang="en-US" sz="1600" dirty="0" smtClean="0"/>
+              <a:t>.</a:t>
+            </a:r>
+          </a:p>
+          <a:p>
+            <a:pPr lvl="1"/>
+            <a:r>
+              <a:rPr lang="en-US" sz="1400" dirty="0"/>
+              <a:t>T</a:t>
+            </a:r>
+            <a:r>
+              <a:rPr lang="en-US" sz="1400" dirty="0" smtClean="0"/>
+              <a:t>echnical </a:t>
+            </a:r>
+            <a:r>
+              <a:rPr lang="en-US" sz="1400" dirty="0"/>
+              <a:t>indicators contain complementary information to macroeconomic </a:t>
+            </a:r>
+            <a:r>
+              <a:rPr lang="en-US" sz="1400" dirty="0" smtClean="0"/>
+              <a:t>variables</a:t>
+            </a:r>
+            <a:endParaRPr lang="en-US" sz="1400" dirty="0"/>
+          </a:p>
+          <a:p>
+            <a:r>
+              <a:rPr lang="en-US" sz="1600" dirty="0"/>
+              <a:t>Numerous papers </a:t>
+            </a:r>
+            <a:r>
+              <a:rPr lang="en-US" sz="1600" dirty="0" smtClean="0"/>
+              <a:t>with new predictors</a:t>
+            </a:r>
+            <a:r>
+              <a:rPr lang="en-US" sz="1600" dirty="0"/>
+              <a:t> </a:t>
+            </a:r>
+            <a:r>
+              <a:rPr lang="en-US" sz="1600" dirty="0" smtClean="0"/>
+              <a:t>[Kelly </a:t>
+            </a:r>
+            <a:r>
+              <a:rPr lang="en-US" sz="1600" dirty="0"/>
+              <a:t>and Jiang (2014), </a:t>
+            </a:r>
+            <a:r>
+              <a:rPr lang="en-US" sz="1600" dirty="0" err="1"/>
+              <a:t>Møller</a:t>
+            </a:r>
+            <a:r>
+              <a:rPr lang="en-US" sz="1600" dirty="0"/>
+              <a:t> and </a:t>
+            </a:r>
+            <a:r>
+              <a:rPr lang="en-US" sz="1600" dirty="0" err="1"/>
+              <a:t>Rangvid</a:t>
+            </a:r>
+            <a:r>
+              <a:rPr lang="en-US" sz="1600" dirty="0"/>
+              <a:t> (2015), </a:t>
+            </a:r>
+            <a:r>
+              <a:rPr lang="en-US" sz="1600" dirty="0" smtClean="0"/>
+              <a:t>Huang </a:t>
+            </a:r>
+            <a:r>
+              <a:rPr lang="en-US" sz="1600" dirty="0"/>
+              <a:t>and </a:t>
+            </a:r>
+            <a:r>
+              <a:rPr lang="en-US" sz="1600" dirty="0" err="1"/>
+              <a:t>Kilic</a:t>
+            </a:r>
+            <a:r>
+              <a:rPr lang="en-US" sz="1600" dirty="0"/>
+              <a:t> (2016),</a:t>
+            </a:r>
+            <a:r>
+              <a:rPr lang="en-US" sz="1600" dirty="0" err="1"/>
+              <a:t>Rapach</a:t>
+            </a:r>
+            <a:r>
+              <a:rPr lang="en-US" sz="1600" dirty="0"/>
+              <a:t>, </a:t>
+            </a:r>
+            <a:r>
+              <a:rPr lang="en-US" sz="1600" dirty="0" err="1"/>
+              <a:t>Ringgenberg</a:t>
+            </a:r>
+            <a:r>
+              <a:rPr lang="en-US" sz="1600" dirty="0"/>
+              <a:t>, and Zhou (2016</a:t>
+            </a:r>
+            <a:r>
+              <a:rPr lang="en-US" sz="1600" dirty="0" smtClean="0"/>
+              <a:t>), </a:t>
+            </a:r>
+            <a:r>
+              <a:rPr lang="en-US" sz="1600" dirty="0" err="1"/>
+              <a:t>Atanasov</a:t>
+            </a:r>
+            <a:r>
+              <a:rPr lang="en-US" sz="1600" dirty="0"/>
+              <a:t> (2018</a:t>
+            </a:r>
+            <a:r>
+              <a:rPr lang="en-US" sz="1600" dirty="0" smtClean="0"/>
+              <a:t>),</a:t>
+            </a:r>
+            <a:r>
+              <a:rPr lang="en-US" sz="1600" i="1" dirty="0" smtClean="0"/>
+              <a:t>]</a:t>
+            </a:r>
+            <a:endParaRPr lang="en-US" sz="1600" i="1" dirty="0"/>
+          </a:p>
+          <a:p>
+            <a:pPr>
+              <a:buFont typeface="Wingdings"/>
+              <a:buChar char="à"/>
+            </a:pPr>
+            <a:r>
+              <a:rPr lang="en-US" sz="1600" dirty="0" smtClean="0">
+                <a:sym typeface="Wingdings" panose="05000000000000000000" pitchFamily="2" charset="2"/>
+              </a:rPr>
+              <a:t>Use ML methods for predicting equity premium</a:t>
+            </a:r>
+          </a:p>
+          <a:p>
+            <a:r>
+              <a:rPr lang="en-US" sz="1600" dirty="0" smtClean="0">
+                <a:sym typeface="Wingdings" panose="05000000000000000000" pitchFamily="2" charset="2"/>
+              </a:rPr>
+              <a:t>Start with simple analysis:</a:t>
+            </a:r>
+          </a:p>
+          <a:p>
+            <a:pPr lvl="1"/>
+            <a:r>
+              <a:rPr lang="en-US" sz="1200" dirty="0" smtClean="0">
+                <a:sym typeface="Wingdings" panose="05000000000000000000" pitchFamily="2" charset="2"/>
+              </a:rPr>
+              <a:t>Start with </a:t>
+            </a:r>
+            <a:r>
+              <a:rPr lang="en-US" sz="1200" dirty="0"/>
+              <a:t>Neely et al. (2014</a:t>
+            </a:r>
+            <a:r>
+              <a:rPr lang="en-US" sz="1200" dirty="0" smtClean="0"/>
+              <a:t>) + add variables</a:t>
+            </a:r>
+          </a:p>
+          <a:p>
+            <a:pPr lvl="1"/>
+            <a:r>
+              <a:rPr lang="en-US" sz="1200" dirty="0" smtClean="0">
+                <a:sym typeface="Wingdings" panose="05000000000000000000" pitchFamily="2" charset="2"/>
+              </a:rPr>
+              <a:t>Compare </a:t>
+            </a:r>
+            <a:r>
+              <a:rPr lang="en-US" sz="1200" dirty="0">
+                <a:sym typeface="Wingdings" panose="05000000000000000000" pitchFamily="2" charset="2"/>
+              </a:rPr>
+              <a:t>ML methods </a:t>
+            </a:r>
+            <a:r>
+              <a:rPr lang="en-US" sz="1200" dirty="0" smtClean="0">
+                <a:sym typeface="Wingdings" panose="05000000000000000000" pitchFamily="2" charset="2"/>
+              </a:rPr>
+              <a:t> to the PCA method employed in the paper</a:t>
+            </a:r>
+          </a:p>
+          <a:p>
+            <a:pPr lvl="1"/>
+            <a:r>
+              <a:rPr lang="en-US" sz="1200" dirty="0" smtClean="0">
+                <a:sym typeface="Wingdings" panose="05000000000000000000" pitchFamily="2" charset="2"/>
+              </a:rPr>
+              <a:t>Can ML methods  improve prediction accuracy of market returns?</a:t>
+            </a:r>
+          </a:p>
+        </p:txBody>
+      </p:sp>
+      <p:sp>
+        <p:nvSpPr>
+          <p:cNvPr id="4" name="Date Placeholder 3"/>
+          <p:cNvSpPr>
+            <a:spLocks noGrp="1"/>
+          </p:cNvSpPr>
+          <p:nvPr>
+            <p:ph type="dt" sz="half" idx="10"/>
+          </p:nvPr>
+        </p:nvSpPr>
+        <p:spPr/>
+        <p:txBody>
+          <a:bodyPr/>
+          <a:lstStyle/>
+          <a:p>
+            <a:r>
+              <a:rPr lang="de-DE" smtClean="0"/>
+              <a:t>06.12.2018</a:t>
             </a:r>
             <a:endParaRPr lang="de-DE" dirty="0"/>
           </a:p>
@@ -7467,12 +10365,12 @@
       </p:sp>
       <p:sp>
         <p:nvSpPr>
-          <p:cNvPr id="3" name="Content Placeholder 2"/>
-          <p:cNvSpPr>
-            <a:spLocks noGrp="1"/>
-          </p:cNvSpPr>
-          <p:nvPr>
-            <p:ph idx="1"/>
+          <p:cNvPr id="5" name="Footer Placeholder 4"/>
+          <p:cNvSpPr>
+            <a:spLocks noGrp="1"/>
+          </p:cNvSpPr>
+          <p:nvPr>
+            <p:ph type="ftr" sz="quarter" idx="11"/>
           </p:nvPr>
         </p:nvSpPr>
         <p:spPr/>
@@ -7481,156 +10379,10 @@
           <a:lstStyle/>
           <a:p>
             <a:r>
-              <a:rPr lang="en-US" dirty="0"/>
-              <a:t>Parametric Predictors</a:t>
-            </a:r>
-          </a:p>
-          <a:p>
-            <a:pPr lvl="1"/>
-            <a:r>
-              <a:rPr lang="en-US" dirty="0">
-                <a:solidFill>
-                  <a:schemeClr val="bg1">
-                    <a:lumMod val="65000"/>
-                  </a:schemeClr>
-                </a:solidFill>
-              </a:rPr>
-              <a:t>Subset </a:t>
-            </a:r>
-            <a:r>
-              <a:rPr lang="en-US" dirty="0" smtClean="0">
-                <a:solidFill>
-                  <a:schemeClr val="bg1">
-                    <a:lumMod val="65000"/>
-                  </a:schemeClr>
-                </a:solidFill>
-              </a:rPr>
-              <a:t>Selection via AIC/BIC</a:t>
-            </a:r>
-            <a:endParaRPr lang="en-US" dirty="0">
-              <a:solidFill>
-                <a:schemeClr val="bg1">
-                  <a:lumMod val="65000"/>
-                </a:schemeClr>
-              </a:solidFill>
-            </a:endParaRPr>
-          </a:p>
-          <a:p>
-            <a:pPr lvl="1"/>
-            <a:r>
-              <a:rPr lang="en-US" dirty="0"/>
-              <a:t>Lasso</a:t>
-            </a:r>
-          </a:p>
-          <a:p>
-            <a:pPr lvl="1"/>
-            <a:r>
-              <a:rPr lang="en-US" dirty="0"/>
-              <a:t>Ridge</a:t>
-            </a:r>
-          </a:p>
-          <a:p>
-            <a:pPr lvl="1"/>
-            <a:r>
-              <a:rPr lang="en-US" dirty="0"/>
-              <a:t>Elastic Net</a:t>
-            </a:r>
-          </a:p>
-          <a:p>
-            <a:r>
-              <a:rPr lang="en-US" dirty="0"/>
-              <a:t>Nonparametric Predictors</a:t>
-            </a:r>
-          </a:p>
-          <a:p>
-            <a:pPr lvl="1"/>
-            <a:r>
-              <a:rPr lang="en-US" dirty="0"/>
-              <a:t>Regression Trees</a:t>
-            </a:r>
-          </a:p>
-          <a:p>
-            <a:pPr lvl="1"/>
-            <a:r>
-              <a:rPr lang="en-US" dirty="0"/>
-              <a:t>Random Forest</a:t>
-            </a:r>
-          </a:p>
-          <a:p>
-            <a:pPr lvl="1"/>
-            <a:r>
-              <a:rPr lang="en-US" dirty="0">
-                <a:solidFill>
-                  <a:schemeClr val="bg1">
-                    <a:lumMod val="65000"/>
-                  </a:schemeClr>
-                </a:solidFill>
-              </a:rPr>
-              <a:t>Nearest Neighbors</a:t>
-            </a:r>
-          </a:p>
-          <a:p>
-            <a:pPr lvl="1"/>
-            <a:r>
-              <a:rPr lang="en-US" dirty="0">
-                <a:solidFill>
-                  <a:schemeClr val="bg1">
-                    <a:lumMod val="65000"/>
-                  </a:schemeClr>
-                </a:solidFill>
-              </a:rPr>
-              <a:t>Kernel Regression</a:t>
-            </a:r>
-          </a:p>
-          <a:p>
-            <a:pPr marL="0" indent="0">
-              <a:buNone/>
-            </a:pPr>
+              <a:rPr lang="de-DE" smtClean="0"/>
+              <a:t>Pavel Lesnevski</a:t>
+            </a:r>
             <a:endParaRPr lang="de-DE" dirty="0"/>
-          </a:p>
-        </p:txBody>
-      </p:sp>
-      <p:sp>
-        <p:nvSpPr>
-          <p:cNvPr id="4" name="Date Placeholder 3"/>
-          <p:cNvSpPr>
-            <a:spLocks noGrp="1"/>
-          </p:cNvSpPr>
-          <p:nvPr>
-            <p:ph type="dt" sz="half" idx="10"/>
-          </p:nvPr>
-        </p:nvSpPr>
-        <p:spPr/>
-        <p:txBody>
-          <a:bodyPr/>
-          <a:lstStyle/>
-          <a:p>
-            <a:r>
-              <a:rPr lang="de-DE"/>
-              <a:t>18.10.2018</a:t>
-            </a:r>
-          </a:p>
-        </p:txBody>
-      </p:sp>
-      <p:sp>
-        <p:nvSpPr>
-          <p:cNvPr id="5" name="Footer Placeholder 4"/>
-          <p:cNvSpPr>
-            <a:spLocks noGrp="1"/>
-          </p:cNvSpPr>
-          <p:nvPr>
-            <p:ph type="ftr" sz="quarter" idx="11"/>
-          </p:nvPr>
-        </p:nvSpPr>
-        <p:spPr/>
-        <p:txBody>
-          <a:bodyPr/>
-          <a:lstStyle/>
-          <a:p>
-            <a:r>
-              <a:rPr lang="de-DE"/>
-              <a:t>Peter Severin</a:t>
-            </a:r>
           </a:p>
         </p:txBody>
       </p:sp>
@@ -7660,7 +10412,7 @@
     </p:spTree>
     <p:extLst>
       <p:ext uri="{BB962C8B-B14F-4D97-AF65-F5344CB8AC3E}">
-        <p14:creationId xmlns:p14="http://schemas.microsoft.com/office/powerpoint/2010/main" val="1569365663"/>
+        <p14:creationId xmlns:p14="http://schemas.microsoft.com/office/powerpoint/2010/main" val="2191044208"/>
       </p:ext>
     </p:extLst>
   </p:cSld>
@@ -7709,18 +10461,257 @@
           <a:bodyPr/>
           <a:lstStyle/>
           <a:p>
-            <a:endParaRPr lang="de-DE"/>
-          </a:p>
-        </p:txBody>
-      </p:sp>
-      <p:sp>
-        <p:nvSpPr>
-          <p:cNvPr id="3" name="Content Placeholder 2"/>
-          <p:cNvSpPr>
-            <a:spLocks noGrp="1"/>
-          </p:cNvSpPr>
-          <p:nvPr>
-            <p:ph idx="1"/>
+            <a:r>
+              <a:rPr lang="en-US" dirty="0" smtClean="0"/>
+              <a:t>High Dimensional Setting</a:t>
+            </a:r>
+            <a:endParaRPr lang="en-US" dirty="0"/>
+          </a:p>
+        </p:txBody>
+      </p:sp>
+      <mc:AlternateContent xmlns:mc="http://schemas.openxmlformats.org/markup-compatibility/2006">
+        <mc:Choice xmlns:a14="http://schemas.microsoft.com/office/drawing/2010/main" Requires="a14">
+          <p:sp>
+            <p:nvSpPr>
+              <p:cNvPr id="3" name="Content Placeholder 2"/>
+              <p:cNvSpPr>
+                <a:spLocks noGrp="1"/>
+              </p:cNvSpPr>
+              <p:nvPr>
+                <p:ph idx="1"/>
+              </p:nvPr>
+            </p:nvSpPr>
+            <p:spPr>
+              <a:xfrm>
+                <a:off x="684000" y="1232756"/>
+                <a:ext cx="7776000" cy="4583734"/>
+              </a:xfrm>
+            </p:spPr>
+            <p:txBody>
+              <a:bodyPr/>
+              <a:lstStyle/>
+              <a:p>
+                <a:r>
+                  <a:rPr lang="en-US" dirty="0" smtClean="0"/>
+                  <a:t>14 Macro Variables + 14 Technical Indicators + Aggregate Short Interest + </a:t>
+                </a:r>
+                <a:r>
+                  <a:rPr lang="en-US" dirty="0"/>
+                  <a:t>Recession Dummy </a:t>
+                </a:r>
+                <a:r>
+                  <a:rPr lang="en-US" dirty="0" smtClean="0"/>
+                  <a:t>+ Sentiment </a:t>
+                </a:r>
+                <a:r>
+                  <a:rPr lang="en-US" dirty="0" smtClean="0">
+                    <a:sym typeface="Wingdings" panose="05000000000000000000" pitchFamily="2" charset="2"/>
+                  </a:rPr>
+                  <a:t> </a:t>
+                </a:r>
+                <a14:m>
+                  <m:oMath xmlns:m="http://schemas.openxmlformats.org/officeDocument/2006/math">
+                    <m:r>
+                      <a:rPr lang="en-US" i="1" dirty="0" smtClean="0">
+                        <a:latin typeface="Cambria Math"/>
+                        <a:sym typeface="Wingdings" panose="05000000000000000000" pitchFamily="2" charset="2"/>
+                      </a:rPr>
+                      <m:t>𝑝</m:t>
+                    </m:r>
+                    <m:r>
+                      <a:rPr lang="en-US" i="1" dirty="0" smtClean="0">
+                        <a:latin typeface="Cambria Math"/>
+                        <a:sym typeface="Wingdings" panose="05000000000000000000" pitchFamily="2" charset="2"/>
+                      </a:rPr>
+                      <m:t> = 31</m:t>
+                    </m:r>
+                  </m:oMath>
+                </a14:m>
+                <a:endParaRPr lang="en-US" dirty="0" smtClean="0"/>
+              </a:p>
+              <a:p>
+                <a:pPr lvl="1"/>
+                <a:r>
+                  <a:rPr lang="en-US" dirty="0" smtClean="0"/>
+                  <a:t>With squared terms </a:t>
+                </a:r>
+                <a14:m>
+                  <m:oMath xmlns:m="http://schemas.openxmlformats.org/officeDocument/2006/math">
+                    <m:r>
+                      <a:rPr lang="en-US" i="1" dirty="0" smtClean="0">
+                        <a:latin typeface="Cambria Math"/>
+                      </a:rPr>
+                      <m:t>𝑝</m:t>
+                    </m:r>
+                    <m:r>
+                      <a:rPr lang="en-US" i="1" dirty="0" smtClean="0">
+                        <a:latin typeface="Cambria Math"/>
+                      </a:rPr>
+                      <m:t> = 62 </m:t>
+                    </m:r>
+                  </m:oMath>
+                </a14:m>
+                <a:r>
+                  <a:rPr lang="en-US" dirty="0" smtClean="0"/>
+                  <a:t>and with interaction terms </a:t>
+                </a:r>
+                <a14:m>
+                  <m:oMath xmlns:m="http://schemas.openxmlformats.org/officeDocument/2006/math">
+                    <m:r>
+                      <a:rPr lang="en-US" i="1" dirty="0" smtClean="0">
+                        <a:latin typeface="Cambria Math"/>
+                      </a:rPr>
+                      <m:t>𝑝</m:t>
+                    </m:r>
+                    <m:r>
+                      <a:rPr lang="en-US" i="1" dirty="0" smtClean="0">
+                        <a:latin typeface="Cambria Math"/>
+                      </a:rPr>
+                      <m:t> =527</m:t>
+                    </m:r>
+                  </m:oMath>
+                </a14:m>
+                <a:endParaRPr lang="en-US" dirty="0" smtClean="0"/>
+              </a:p>
+              <a:p>
+                <a:r>
+                  <a:rPr lang="en-US" dirty="0" smtClean="0"/>
+                  <a:t> 1974 – 2010 </a:t>
+                </a:r>
+                <a:r>
+                  <a:rPr lang="en-US" dirty="0" smtClean="0">
+                    <a:sym typeface="Wingdings" panose="05000000000000000000" pitchFamily="2" charset="2"/>
+                  </a:rPr>
+                  <a:t></a:t>
+                </a:r>
+                <a:r>
+                  <a:rPr lang="en-US" dirty="0" smtClean="0"/>
+                  <a:t> </a:t>
+                </a:r>
+                <a14:m>
+                  <m:oMath xmlns:m="http://schemas.openxmlformats.org/officeDocument/2006/math">
+                    <m:r>
+                      <a:rPr lang="en-US" i="1" dirty="0" smtClean="0">
+                        <a:latin typeface="Cambria Math"/>
+                      </a:rPr>
+                      <m:t>𝑛</m:t>
+                    </m:r>
+                    <m:r>
+                      <a:rPr lang="en-US" i="1" dirty="0" smtClean="0">
+                        <a:latin typeface="Cambria Math"/>
+                      </a:rPr>
+                      <m:t> = 444 </m:t>
+                    </m:r>
+                  </m:oMath>
+                </a14:m>
+                <a:r>
+                  <a:rPr lang="en-US" dirty="0" smtClean="0"/>
+                  <a:t>months</a:t>
+                </a:r>
+              </a:p>
+              <a:p>
+                <a:r>
+                  <a:rPr lang="en-US" dirty="0" smtClean="0"/>
+                  <a:t>Thus, small sample size relative to the number of predictors (</a:t>
+                </a:r>
+                <a14:m>
+                  <m:oMath xmlns:m="http://schemas.openxmlformats.org/officeDocument/2006/math">
+                    <m:r>
+                      <a:rPr lang="en-US" b="0" i="1" smtClean="0">
+                        <a:latin typeface="Cambria Math"/>
+                      </a:rPr>
+                      <m:t>𝑝</m:t>
+                    </m:r>
+                    <m:r>
+                      <a:rPr lang="en-US" b="0" i="1" smtClean="0">
+                        <a:latin typeface="Cambria Math"/>
+                        <a:ea typeface="Cambria Math"/>
+                      </a:rPr>
+                      <m:t>≈</m:t>
+                    </m:r>
+                    <m:r>
+                      <a:rPr lang="en-US" b="0" i="1" smtClean="0">
+                        <a:latin typeface="Cambria Math"/>
+                        <a:ea typeface="Cambria Math"/>
+                      </a:rPr>
+                      <m:t>𝑛</m:t>
+                    </m:r>
+                  </m:oMath>
+                </a14:m>
+                <a:r>
+                  <a:rPr lang="en-US" dirty="0" smtClean="0"/>
+                  <a:t>) </a:t>
+                </a:r>
+              </a:p>
+              <a:p>
+                <a:r>
+                  <a:rPr lang="en-US" dirty="0" smtClean="0"/>
+                  <a:t> In this setting, OLS is expected to </a:t>
+                </a:r>
+                <a:r>
+                  <a:rPr lang="en-US" dirty="0"/>
+                  <a:t>provide a </a:t>
+                </a:r>
+                <a:r>
+                  <a:rPr lang="en-US" dirty="0" smtClean="0"/>
+                  <a:t>poor/noisy estimate  </a:t>
+                </a:r>
+              </a:p>
+              <a:p>
+                <a:endParaRPr lang="en-US" dirty="0" smtClean="0"/>
+              </a:p>
+              <a:p>
+                <a:endParaRPr lang="en-US" dirty="0"/>
+              </a:p>
+            </p:txBody>
+          </p:sp>
+        </mc:Choice>
+        <mc:Fallback>
+          <p:sp>
+            <p:nvSpPr>
+              <p:cNvPr id="3" name="Content Placeholder 2"/>
+              <p:cNvSpPr>
+                <a:spLocks noGrp="1" noRot="1" noChangeAspect="1" noMove="1" noResize="1" noEditPoints="1" noAdjustHandles="1" noChangeArrowheads="1" noChangeShapeType="1" noTextEdit="1"/>
+              </p:cNvSpPr>
+              <p:nvPr>
+                <p:ph idx="1"/>
+              </p:nvPr>
+            </p:nvSpPr>
+            <p:spPr>
+              <a:xfrm>
+                <a:off x="684000" y="1232756"/>
+                <a:ext cx="7776000" cy="4583734"/>
+              </a:xfrm>
+              <a:blipFill rotWithShape="1">
+                <a:blip r:embed="rId2"/>
+                <a:stretch>
+                  <a:fillRect l="-2194" t="-1995" r="-2351"/>
+                </a:stretch>
+              </a:blipFill>
+            </p:spPr>
+            <p:txBody>
+              <a:bodyPr/>
+              <a:lstStyle/>
+              <a:p>
+                <a:r>
+                  <a:rPr lang="en-US">
+                    <a:noFill/>
+                  </a:rPr>
+                  <a:t> </a:t>
+                </a:r>
+              </a:p>
+            </p:txBody>
+          </p:sp>
+        </mc:Fallback>
+      </mc:AlternateContent>
+      <p:sp>
+        <p:nvSpPr>
+          <p:cNvPr id="4" name="Date Placeholder 3"/>
+          <p:cNvSpPr>
+            <a:spLocks noGrp="1"/>
+          </p:cNvSpPr>
+          <p:nvPr>
+            <p:ph type="dt" sz="half" idx="10"/>
           </p:nvPr>
         </p:nvSpPr>
         <p:spPr/>
@@ -7729,67 +10720,21 @@
           <a:lstStyle/>
           <a:p>
             <a:r>
-              <a:rPr lang="en-US" dirty="0"/>
-              <a:t>Mixed Predictors</a:t>
-            </a:r>
-          </a:p>
-          <a:p>
-            <a:pPr lvl="1"/>
-            <a:r>
-              <a:rPr lang="en-US" dirty="0"/>
-              <a:t>Neural Nets</a:t>
-            </a:r>
-          </a:p>
-          <a:p>
-            <a:pPr lvl="1"/>
-            <a:r>
-              <a:rPr lang="en-US" dirty="0">
-                <a:solidFill>
-                  <a:schemeClr val="bg1">
-                    <a:lumMod val="65000"/>
-                  </a:schemeClr>
-                </a:solidFill>
-              </a:rPr>
-              <a:t>Splines</a:t>
-            </a:r>
-          </a:p>
-          <a:p>
-            <a:r>
-              <a:rPr lang="en-US" dirty="0"/>
-              <a:t>Combined Predictors</a:t>
-            </a:r>
-          </a:p>
-          <a:p>
-            <a:pPr lvl="1"/>
-            <a:r>
-              <a:rPr lang="en-US" dirty="0"/>
-              <a:t>Bagging</a:t>
-            </a:r>
-          </a:p>
-          <a:p>
-            <a:pPr lvl="1"/>
-            <a:r>
-              <a:rPr lang="en-US" dirty="0"/>
-              <a:t>Boosting</a:t>
-            </a:r>
-          </a:p>
-          <a:p>
-            <a:pPr lvl="1"/>
-            <a:r>
-              <a:rPr lang="en-US" dirty="0"/>
-              <a:t>Ensemble</a:t>
-            </a:r>
-          </a:p>
-        </p:txBody>
-      </p:sp>
-      <p:sp>
-        <p:nvSpPr>
-          <p:cNvPr id="4" name="Date Placeholder 3"/>
-          <p:cNvSpPr>
-            <a:spLocks noGrp="1"/>
-          </p:cNvSpPr>
-          <p:nvPr>
-            <p:ph type="dt" sz="half" idx="10"/>
+              <a:rPr lang="de-DE" smtClean="0"/>
+              <a:t>06.12.2018</a:t>
+            </a:r>
+            <a:endParaRPr lang="de-DE" dirty="0"/>
+          </a:p>
+        </p:txBody>
+      </p:sp>
+      <p:sp>
+        <p:nvSpPr>
+          <p:cNvPr id="5" name="Footer Placeholder 4"/>
+          <p:cNvSpPr>
+            <a:spLocks noGrp="1"/>
+          </p:cNvSpPr>
+          <p:nvPr>
+            <p:ph type="ftr" sz="quarter" idx="11"/>
           </p:nvPr>
         </p:nvSpPr>
         <p:spPr/>
@@ -7798,31 +10743,10 @@
           <a:lstStyle/>
           <a:p>
             <a:r>
-              <a:rPr lang="de-DE"/>
-              <a:t>18.10.2018</a:t>
-            </a:r>
-          </a:p>
-        </p:txBody>
-      </p:sp>
-      <p:sp>
-        <p:nvSpPr>
-          <p:cNvPr id="5" name="Footer Placeholder 4"/>
-          <p:cNvSpPr>
-            <a:spLocks noGrp="1"/>
-          </p:cNvSpPr>
-          <p:nvPr>
-            <p:ph type="ftr" sz="quarter" idx="11"/>
-          </p:nvPr>
-        </p:nvSpPr>
-        <p:spPr/>
-        <p:txBody>
-          <a:bodyPr/>
-          <a:lstStyle/>
-          <a:p>
-            <a:r>
-              <a:rPr lang="de-DE"/>
-              <a:t>Peter Severin</a:t>
-            </a:r>
+              <a:rPr lang="de-DE" smtClean="0"/>
+              <a:t>Pavel Lesnevski</a:t>
+            </a:r>
+            <a:endParaRPr lang="de-DE" dirty="0"/>
           </a:p>
         </p:txBody>
       </p:sp>
@@ -7852,20 +10776,13 @@
     </p:spTree>
     <p:extLst>
       <p:ext uri="{BB962C8B-B14F-4D97-AF65-F5344CB8AC3E}">
-        <p14:creationId xmlns:p14="http://schemas.microsoft.com/office/powerpoint/2010/main" val="2033429702"/>
+        <p14:creationId xmlns:p14="http://schemas.microsoft.com/office/powerpoint/2010/main" val="1637410066"/>
       </p:ext>
     </p:extLst>
   </p:cSld>
   <p:clrMapOvr>
     <a:masterClrMapping/>
   </p:clrMapOvr>
-  <p:timing>
-    <p:tnLst>
-      <p:par>
-        <p:cTn id="1" dur="indefinite" restart="never" nodeType="tmRoot"/>
-      </p:par>
-    </p:tnLst>
-  </p:timing>
 </p:sld>
 </file>
 

--- a/_presentation/MachineLearning_StockMarketReturns.pptx
+++ b/_presentation/MachineLearning_StockMarketReturns.pptx
@@ -5,7 +5,7 @@
     <p:sldMasterId id="2147483648" r:id="rId1"/>
   </p:sldMasterIdLst>
   <p:notesMasterIdLst>
-    <p:notesMasterId r:id="rId23"/>
+    <p:notesMasterId r:id="rId25"/>
   </p:notesMasterIdLst>
   <p:sldIdLst>
     <p:sldId id="258" r:id="rId2"/>
@@ -22,13 +22,15 @@
     <p:sldId id="270" r:id="rId13"/>
     <p:sldId id="271" r:id="rId14"/>
     <p:sldId id="268" r:id="rId15"/>
-    <p:sldId id="279" r:id="rId16"/>
-    <p:sldId id="280" r:id="rId17"/>
-    <p:sldId id="278" r:id="rId18"/>
-    <p:sldId id="281" r:id="rId19"/>
-    <p:sldId id="283" r:id="rId20"/>
-    <p:sldId id="282" r:id="rId21"/>
-    <p:sldId id="284" r:id="rId22"/>
+    <p:sldId id="285" r:id="rId16"/>
+    <p:sldId id="279" r:id="rId17"/>
+    <p:sldId id="280" r:id="rId18"/>
+    <p:sldId id="278" r:id="rId19"/>
+    <p:sldId id="286" r:id="rId20"/>
+    <p:sldId id="281" r:id="rId21"/>
+    <p:sldId id="283" r:id="rId22"/>
+    <p:sldId id="282" r:id="rId23"/>
+    <p:sldId id="284" r:id="rId24"/>
   </p:sldIdLst>
   <p:sldSz cx="9144000" cy="6858000" type="screen4x3"/>
   <p:notesSz cx="6858000" cy="9144000"/>
@@ -127,6 +129,22 @@
       </a:defRPr>
     </a:lvl9pPr>
   </p:defaultTextStyle>
+  <p:extLst>
+    <p:ext uri="{EFAFB233-063F-42B5-8137-9DF3F51BA10A}">
+      <p15:sldGuideLst xmlns:p15="http://schemas.microsoft.com/office/powerpoint/2012/main">
+        <p15:guide id="1" orient="horz" pos="2160">
+          <p15:clr>
+            <a:srgbClr val="A4A3A4"/>
+          </p15:clr>
+        </p15:guide>
+        <p15:guide id="2" pos="2880">
+          <p15:clr>
+            <a:srgbClr val="A4A3A4"/>
+          </p15:clr>
+        </p15:guide>
+      </p15:sldGuideLst>
+    </p:ext>
+  </p:extLst>
 </p:presentation>
 </file>
 
@@ -212,7 +230,7 @@
           <a:p>
             <a:fld id="{74AC502C-C804-4198-99A2-1BC651C18491}" type="datetimeFigureOut">
               <a:rPr lang="de-DE" smtClean="0"/>
-              <a:t>03.12.2018</a:t>
+              <a:t>04.12.2018</a:t>
             </a:fld>
             <a:endParaRPr lang="de-DE"/>
           </a:p>
@@ -3512,6 +3530,13 @@
   <p:clrMapOvr>
     <a:masterClrMapping/>
   </p:clrMapOvr>
+  <p:timing>
+    <p:tnLst>
+      <p:par>
+        <p:cTn id="1" dur="indefinite" restart="never" nodeType="tmRoot"/>
+      </p:par>
+    </p:tnLst>
+  </p:timing>
 </p:sld>
 </file>
 
@@ -3555,8 +3580,8 @@
           </a:p>
         </p:txBody>
       </p:sp>
-      <mc:AlternateContent xmlns:mc="http://schemas.openxmlformats.org/markup-compatibility/2006">
-        <mc:Choice xmlns:a14="http://schemas.microsoft.com/office/drawing/2010/main" Requires="a14">
+      <mc:AlternateContent xmlns:mc="http://schemas.openxmlformats.org/markup-compatibility/2006" xmlns:a14="http://schemas.microsoft.com/office/drawing/2010/main">
+        <mc:Choice Requires="a14">
           <p:sp>
             <p:nvSpPr>
               <p:cNvPr id="3" name="Content Placeholder 2"/>
@@ -3582,7 +3607,7 @@
                       <m:sSubPr>
                         <m:ctrlPr>
                           <a:rPr lang="en-US" i="1">
-                            <a:latin typeface="Cambria Math"/>
+                            <a:latin typeface="Cambria Math" panose="02040503050406030204" pitchFamily="18" charset="0"/>
                           </a:rPr>
                         </m:ctrlPr>
                       </m:sSubPr>
@@ -3607,11 +3632,7 @@
                 </a14:m>
                 <a:r>
                   <a:rPr lang="en-US" dirty="0"/>
-                  <a:t>-</a:t>
-                </a:r>
-                <a:r>
-                  <a:rPr lang="en-US" dirty="0"/>
-                  <a:t>penalized term</a:t>
+                  <a:t>-penalized term</a:t>
                 </a:r>
                 <a:endParaRPr lang="en-US" dirty="0" smtClean="0"/>
               </a:p>
@@ -3629,7 +3650,7 @@
                         <m:funcPr>
                           <m:ctrlPr>
                             <a:rPr lang="de-DE" i="1">
-                              <a:latin typeface="Cambria Math"/>
+                              <a:latin typeface="Cambria Math" panose="02040503050406030204" pitchFamily="18" charset="0"/>
                             </a:rPr>
                           </m:ctrlPr>
                         </m:funcPr>
@@ -3639,7 +3660,7 @@
                               <m:chr m:val="̂"/>
                               <m:ctrlPr>
                                 <a:rPr lang="de-DE" i="1">
-                                  <a:latin typeface="Cambria Math"/>
+                                  <a:latin typeface="Cambria Math" panose="02040503050406030204" pitchFamily="18" charset="0"/>
                                   <a:ea typeface="Cambria Math"/>
                                 </a:rPr>
                               </m:ctrlPr>
@@ -3689,7 +3710,7 @@
                             <m:limLowPr>
                               <m:ctrlPr>
                                 <a:rPr lang="de-DE" i="1">
-                                  <a:latin typeface="Cambria Math"/>
+                                  <a:latin typeface="Cambria Math" panose="02040503050406030204" pitchFamily="18" charset="0"/>
                                 </a:rPr>
                               </m:ctrlPr>
                             </m:limLowPr>
@@ -3730,7 +3751,7 @@
                                 <m:sSupPr>
                                   <m:ctrlPr>
                                     <a:rPr lang="de-DE" i="1">
-                                      <a:latin typeface="Cambria Math"/>
+                                      <a:latin typeface="Cambria Math" panose="02040503050406030204" pitchFamily="18" charset="0"/>
                                     </a:rPr>
                                   </m:ctrlPr>
                                 </m:sSupPr>
@@ -3758,7 +3779,7 @@
                               <m:chr m:val="∑"/>
                               <m:ctrlPr>
                                 <a:rPr lang="de-DE" i="1">
-                                  <a:latin typeface="Cambria Math"/>
+                                  <a:latin typeface="Cambria Math" panose="02040503050406030204" pitchFamily="18" charset="0"/>
                                 </a:rPr>
                               </m:ctrlPr>
                             </m:naryPr>
@@ -3792,7 +3813,7 @@
                                 <m:sSupPr>
                                   <m:ctrlPr>
                                     <a:rPr lang="de-DE" i="1">
-                                      <a:latin typeface="Cambria Math"/>
+                                      <a:latin typeface="Cambria Math" panose="02040503050406030204" pitchFamily="18" charset="0"/>
                                     </a:rPr>
                                   </m:ctrlPr>
                                 </m:sSupPr>
@@ -3807,7 +3828,7 @@
                                     <m:sSubPr>
                                       <m:ctrlPr>
                                         <a:rPr lang="de-DE" i="1">
-                                          <a:latin typeface="Cambria Math"/>
+                                          <a:latin typeface="Cambria Math" panose="02040503050406030204" pitchFamily="18" charset="0"/>
                                         </a:rPr>
                                       </m:ctrlPr>
                                     </m:sSubPr>
@@ -3838,7 +3859,7 @@
                                     <m:sSupPr>
                                       <m:ctrlPr>
                                         <a:rPr lang="de-DE" i="1">
-                                          <a:latin typeface="Cambria Math"/>
+                                          <a:latin typeface="Cambria Math" panose="02040503050406030204" pitchFamily="18" charset="0"/>
                                         </a:rPr>
                                       </m:ctrlPr>
                                     </m:sSupPr>
@@ -3863,7 +3884,7 @@
                                     <m:sSubPr>
                                       <m:ctrlPr>
                                         <a:rPr lang="de-DE" i="1">
-                                          <a:latin typeface="Cambria Math"/>
+                                          <a:latin typeface="Cambria Math" panose="02040503050406030204" pitchFamily="18" charset="0"/>
                                         </a:rPr>
                                       </m:ctrlPr>
                                     </m:sSubPr>
@@ -3920,7 +3941,7 @@
                                   <m:chr m:val="∑"/>
                                   <m:ctrlPr>
                                     <a:rPr lang="el-GR" i="1">
-                                      <a:latin typeface="Cambria Math"/>
+                                      <a:latin typeface="Cambria Math" panose="02040503050406030204" pitchFamily="18" charset="0"/>
                                     </a:rPr>
                                   </m:ctrlPr>
                                 </m:naryPr>
@@ -3960,7 +3981,7 @@
                                     <m:sSubPr>
                                       <m:ctrlPr>
                                         <a:rPr lang="de-DE" i="1">
-                                          <a:latin typeface="Cambria Math"/>
+                                          <a:latin typeface="Cambria Math" panose="02040503050406030204" pitchFamily="18" charset="0"/>
                                         </a:rPr>
                                       </m:ctrlPr>
                                     </m:sSubPr>
@@ -4003,7 +4024,6 @@
                   <a:rPr lang="en-US" dirty="0" smtClean="0"/>
                   <a:t>Explanation:</a:t>
                 </a:r>
-                <a:endParaRPr lang="en-US" dirty="0" smtClean="0"/>
               </a:p>
               <a:p>
                 <a:pPr lvl="1"/>
@@ -4022,7 +4042,7 @@
             </p:txBody>
           </p:sp>
         </mc:Choice>
-        <mc:Fallback>
+        <mc:Fallback xmlns="">
           <p:sp>
             <p:nvSpPr>
               <p:cNvPr id="3" name="Content Placeholder 2"/>
@@ -4408,11 +4428,7 @@
               <a:p>
                 <a:r>
                   <a:rPr lang="en-US" dirty="0" smtClean="0"/>
-                  <a:t>Ridge - a linear regression method with a </a:t>
-                </a:r>
-                <a:r>
-                  <a:rPr lang="en-US" dirty="0" smtClean="0"/>
-                  <a:t> </a:t>
+                  <a:t>Ridge - a linear regression method with a  </a:t>
                 </a:r>
                 <a14:m>
                   <m:oMath xmlns:m="http://schemas.openxmlformats.org/officeDocument/2006/math">
@@ -4420,7 +4436,7 @@
                       <m:sSubPr>
                         <m:ctrlPr>
                           <a:rPr lang="en-US" i="1" smtClean="0">
-                            <a:latin typeface="Cambria Math"/>
+                            <a:latin typeface="Cambria Math" panose="02040503050406030204" pitchFamily="18" charset="0"/>
                           </a:rPr>
                         </m:ctrlPr>
                       </m:sSubPr>
@@ -4466,7 +4482,7 @@
                         <m:funcPr>
                           <m:ctrlPr>
                             <a:rPr lang="de-DE" i="1">
-                              <a:latin typeface="Cambria Math"/>
+                              <a:latin typeface="Cambria Math" panose="02040503050406030204" pitchFamily="18" charset="0"/>
                             </a:rPr>
                           </m:ctrlPr>
                         </m:funcPr>
@@ -4476,7 +4492,7 @@
                               <m:chr m:val="̂"/>
                               <m:ctrlPr>
                                 <a:rPr lang="de-DE" i="1">
-                                  <a:latin typeface="Cambria Math"/>
+                                  <a:latin typeface="Cambria Math" panose="02040503050406030204" pitchFamily="18" charset="0"/>
                                   <a:ea typeface="Cambria Math"/>
                                 </a:rPr>
                               </m:ctrlPr>
@@ -4495,7 +4511,7 @@
                             <m:dPr>
                               <m:ctrlPr>
                                 <a:rPr lang="en-US" i="1">
-                                  <a:latin typeface="Cambria Math"/>
+                                  <a:latin typeface="Cambria Math" panose="02040503050406030204" pitchFamily="18" charset="0"/>
                                   <a:ea typeface="Cambria Math"/>
                                 </a:rPr>
                               </m:ctrlPr>
@@ -4533,7 +4549,7 @@
                             <m:limLowPr>
                               <m:ctrlPr>
                                 <a:rPr lang="de-DE" i="1">
-                                  <a:latin typeface="Cambria Math"/>
+                                  <a:latin typeface="Cambria Math" panose="02040503050406030204" pitchFamily="18" charset="0"/>
                                 </a:rPr>
                               </m:ctrlPr>
                             </m:limLowPr>
@@ -4565,7 +4581,7 @@
                                 <m:sSupPr>
                                   <m:ctrlPr>
                                     <a:rPr lang="de-DE" i="1">
-                                      <a:latin typeface="Cambria Math"/>
+                                      <a:latin typeface="Cambria Math" panose="02040503050406030204" pitchFamily="18" charset="0"/>
                                     </a:rPr>
                                   </m:ctrlPr>
                                 </m:sSupPr>
@@ -4595,7 +4611,7 @@
                               <m:chr m:val="∑"/>
                               <m:ctrlPr>
                                 <a:rPr lang="de-DE" i="1">
-                                  <a:latin typeface="Cambria Math"/>
+                                  <a:latin typeface="Cambria Math" panose="02040503050406030204" pitchFamily="18" charset="0"/>
                                 </a:rPr>
                               </m:ctrlPr>
                             </m:naryPr>
@@ -4629,7 +4645,7 @@
                                 <m:sSupPr>
                                   <m:ctrlPr>
                                     <a:rPr lang="de-DE" i="1">
-                                      <a:latin typeface="Cambria Math"/>
+                                      <a:latin typeface="Cambria Math" panose="02040503050406030204" pitchFamily="18" charset="0"/>
                                     </a:rPr>
                                   </m:ctrlPr>
                                 </m:sSupPr>
@@ -4644,7 +4660,7 @@
                                     <m:sSubPr>
                                       <m:ctrlPr>
                                         <a:rPr lang="de-DE" i="1">
-                                          <a:latin typeface="Cambria Math"/>
+                                          <a:latin typeface="Cambria Math" panose="02040503050406030204" pitchFamily="18" charset="0"/>
                                         </a:rPr>
                                       </m:ctrlPr>
                                     </m:sSubPr>
@@ -4675,7 +4691,7 @@
                                     <m:sSupPr>
                                       <m:ctrlPr>
                                         <a:rPr lang="de-DE" i="1">
-                                          <a:latin typeface="Cambria Math"/>
+                                          <a:latin typeface="Cambria Math" panose="02040503050406030204" pitchFamily="18" charset="0"/>
                                         </a:rPr>
                                       </m:ctrlPr>
                                     </m:sSupPr>
@@ -4700,7 +4716,7 @@
                                     <m:sSubPr>
                                       <m:ctrlPr>
                                         <a:rPr lang="de-DE" i="1">
-                                          <a:latin typeface="Cambria Math"/>
+                                          <a:latin typeface="Cambria Math" panose="02040503050406030204" pitchFamily="18" charset="0"/>
                                         </a:rPr>
                                       </m:ctrlPr>
                                     </m:sSubPr>
@@ -4757,7 +4773,7 @@
                                   <m:chr m:val="∑"/>
                                   <m:ctrlPr>
                                     <a:rPr lang="el-GR" i="1">
-                                      <a:latin typeface="Cambria Math"/>
+                                      <a:latin typeface="Cambria Math" panose="02040503050406030204" pitchFamily="18" charset="0"/>
                                     </a:rPr>
                                   </m:ctrlPr>
                                 </m:naryPr>
@@ -4791,7 +4807,7 @@
                                     <m:sSubSupPr>
                                       <m:ctrlPr>
                                         <a:rPr lang="el-GR" i="1">
-                                          <a:latin typeface="Cambria Math"/>
+                                          <a:latin typeface="Cambria Math" panose="02040503050406030204" pitchFamily="18" charset="0"/>
                                         </a:rPr>
                                       </m:ctrlPr>
                                     </m:sSubSupPr>
@@ -4869,19 +4885,23 @@
                 <a:pPr lvl="1"/>
                 <a:r>
                   <a:rPr lang="en-US" dirty="0"/>
-                  <a:t>Unlike Lasso, Ridge does not do variable selection (</a:t>
+                  <a:t>Unlike Lasso, Ridge does not </a:t>
                 </a:r>
                 <a:r>
                   <a:rPr lang="en-US" dirty="0" smtClean="0"/>
-                  <a:t>set coeﬃcients </a:t>
+                  <a:t>set </a:t>
+                </a:r>
+                <a:r>
+                  <a:rPr lang="en-US" dirty="0" smtClean="0"/>
+                  <a:t>coeﬃcients </a:t>
                 </a:r>
                 <a:r>
                   <a:rPr lang="en-US" dirty="0"/>
-                  <a:t>to zero</a:t>
+                  <a:t>to </a:t>
                 </a:r>
                 <a:r>
                   <a:rPr lang="en-US" dirty="0" smtClean="0"/>
-                  <a:t>)</a:t>
+                  <a:t>zero</a:t>
                 </a:r>
                 <a:endParaRPr lang="de-DE" dirty="0"/>
               </a:p>
@@ -4900,7 +4920,7 @@
               </p:nvPr>
             </p:nvSpPr>
             <p:spPr>
-              <a:blipFill rotWithShape="1">
+              <a:blipFill>
                 <a:blip r:embed="rId2"/>
                 <a:stretch>
                   <a:fillRect l="-2194" t="-2385" r="-1724"/>
@@ -5069,8 +5089,8 @@
           </a:p>
         </p:txBody>
       </p:sp>
-      <mc:AlternateContent xmlns:mc="http://schemas.openxmlformats.org/markup-compatibility/2006">
-        <mc:Choice xmlns:a14="http://schemas.microsoft.com/office/drawing/2010/main" Requires="a14">
+      <mc:AlternateContent xmlns:mc="http://schemas.openxmlformats.org/markup-compatibility/2006" xmlns:a14="http://schemas.microsoft.com/office/drawing/2010/main">
+        <mc:Choice Requires="a14">
           <p:sp>
             <p:nvSpPr>
               <p:cNvPr id="3" name="Content Placeholder 2"/>
@@ -5110,7 +5130,7 @@
                           <m:chr m:val="̂"/>
                           <m:ctrlPr>
                             <a:rPr lang="de-DE" i="1">
-                              <a:latin typeface="Cambria Math"/>
+                              <a:latin typeface="Cambria Math" panose="02040503050406030204" pitchFamily="18" charset="0"/>
                               <a:ea typeface="Cambria Math"/>
                             </a:rPr>
                           </m:ctrlPr>
@@ -5129,7 +5149,7 @@
                         <m:dPr>
                           <m:ctrlPr>
                             <a:rPr lang="en-US" i="1">
-                              <a:latin typeface="Cambria Math"/>
+                              <a:latin typeface="Cambria Math" panose="02040503050406030204" pitchFamily="18" charset="0"/>
                               <a:ea typeface="Cambria Math"/>
                             </a:rPr>
                           </m:ctrlPr>
@@ -5157,7 +5177,7 @@
                         <m:funcPr>
                           <m:ctrlPr>
                             <a:rPr lang="de-DE" i="1">
-                              <a:latin typeface="Cambria Math"/>
+                              <a:latin typeface="Cambria Math" panose="02040503050406030204" pitchFamily="18" charset="0"/>
                             </a:rPr>
                           </m:ctrlPr>
                         </m:funcPr>
@@ -5176,7 +5196,7 @@
                             <m:limLowPr>
                               <m:ctrlPr>
                                 <a:rPr lang="de-DE" i="1">
-                                  <a:latin typeface="Cambria Math"/>
+                                  <a:latin typeface="Cambria Math" panose="02040503050406030204" pitchFamily="18" charset="0"/>
                                 </a:rPr>
                               </m:ctrlPr>
                             </m:limLowPr>
@@ -5208,7 +5228,7 @@
                                 <m:sSupPr>
                                   <m:ctrlPr>
                                     <a:rPr lang="de-DE" i="1">
-                                      <a:latin typeface="Cambria Math"/>
+                                      <a:latin typeface="Cambria Math" panose="02040503050406030204" pitchFamily="18" charset="0"/>
                                     </a:rPr>
                                   </m:ctrlPr>
                                 </m:sSupPr>
@@ -5238,7 +5258,7 @@
                               <m:chr m:val="∑"/>
                               <m:ctrlPr>
                                 <a:rPr lang="de-DE" i="1">
-                                  <a:latin typeface="Cambria Math"/>
+                                  <a:latin typeface="Cambria Math" panose="02040503050406030204" pitchFamily="18" charset="0"/>
                                 </a:rPr>
                               </m:ctrlPr>
                             </m:naryPr>
@@ -5272,7 +5292,7 @@
                                 <m:sSupPr>
                                   <m:ctrlPr>
                                     <a:rPr lang="de-DE" i="1">
-                                      <a:latin typeface="Cambria Math"/>
+                                      <a:latin typeface="Cambria Math" panose="02040503050406030204" pitchFamily="18" charset="0"/>
                                     </a:rPr>
                                   </m:ctrlPr>
                                 </m:sSupPr>
@@ -5287,7 +5307,7 @@
                                     <m:sSubPr>
                                       <m:ctrlPr>
                                         <a:rPr lang="de-DE" i="1">
-                                          <a:latin typeface="Cambria Math"/>
+                                          <a:latin typeface="Cambria Math" panose="02040503050406030204" pitchFamily="18" charset="0"/>
                                         </a:rPr>
                                       </m:ctrlPr>
                                     </m:sSubPr>
@@ -5318,7 +5338,7 @@
                                     <m:sSupPr>
                                       <m:ctrlPr>
                                         <a:rPr lang="de-DE" i="1">
-                                          <a:latin typeface="Cambria Math"/>
+                                          <a:latin typeface="Cambria Math" panose="02040503050406030204" pitchFamily="18" charset="0"/>
                                         </a:rPr>
                                       </m:ctrlPr>
                                     </m:sSupPr>
@@ -5343,7 +5363,7 @@
                                     <m:sSubPr>
                                       <m:ctrlPr>
                                         <a:rPr lang="de-DE" i="1">
-                                          <a:latin typeface="Cambria Math"/>
+                                          <a:latin typeface="Cambria Math" panose="02040503050406030204" pitchFamily="18" charset="0"/>
                                         </a:rPr>
                                       </m:ctrlPr>
                                     </m:sSubPr>
@@ -5390,7 +5410,7 @@
                                 <m:sSubPr>
                                   <m:ctrlPr>
                                     <a:rPr lang="de-DE" i="1">
-                                      <a:latin typeface="Cambria Math"/>
+                                      <a:latin typeface="Cambria Math" panose="02040503050406030204" pitchFamily="18" charset="0"/>
                                     </a:rPr>
                                   </m:ctrlPr>
                                 </m:sSubPr>
@@ -5419,7 +5439,7 @@
                                   <m:chr m:val="∑"/>
                                   <m:ctrlPr>
                                     <a:rPr lang="el-GR" i="1">
-                                      <a:latin typeface="Cambria Math"/>
+                                      <a:latin typeface="Cambria Math" panose="02040503050406030204" pitchFamily="18" charset="0"/>
                                     </a:rPr>
                                   </m:ctrlPr>
                                 </m:naryPr>
@@ -5459,7 +5479,7 @@
                                     <m:sSubPr>
                                       <m:ctrlPr>
                                         <a:rPr lang="de-DE" i="1">
-                                          <a:latin typeface="Cambria Math"/>
+                                          <a:latin typeface="Cambria Math" panose="02040503050406030204" pitchFamily="18" charset="0"/>
                                         </a:rPr>
                                       </m:ctrlPr>
                                     </m:sSubPr>
@@ -5498,7 +5518,7 @@
                                 <m:sSubPr>
                                   <m:ctrlPr>
                                     <a:rPr lang="de-DE" i="1">
-                                      <a:latin typeface="Cambria Math"/>
+                                      <a:latin typeface="Cambria Math" panose="02040503050406030204" pitchFamily="18" charset="0"/>
                                     </a:rPr>
                                   </m:ctrlPr>
                                 </m:sSubPr>
@@ -5527,7 +5547,7 @@
                                   <m:chr m:val="∑"/>
                                   <m:ctrlPr>
                                     <a:rPr lang="el-GR" i="1">
-                                      <a:latin typeface="Cambria Math"/>
+                                      <a:latin typeface="Cambria Math" panose="02040503050406030204" pitchFamily="18" charset="0"/>
                                     </a:rPr>
                                   </m:ctrlPr>
                                 </m:naryPr>
@@ -5561,7 +5581,7 @@
                                     <m:sSubSupPr>
                                       <m:ctrlPr>
                                         <a:rPr lang="el-GR" i="1">
-                                          <a:latin typeface="Cambria Math"/>
+                                          <a:latin typeface="Cambria Math" panose="02040503050406030204" pitchFamily="18" charset="0"/>
                                         </a:rPr>
                                       </m:ctrlPr>
                                     </m:sSubSupPr>
@@ -5645,7 +5665,7 @@
             </p:txBody>
           </p:sp>
         </mc:Choice>
-        <mc:Fallback>
+        <mc:Fallback xmlns="">
           <p:sp>
             <p:nvSpPr>
               <p:cNvPr id="3" name="Content Placeholder 2"/>
@@ -6232,7 +6252,7 @@
             <p:spPr>
               <a:xfrm>
                 <a:off x="6048164" y="4771498"/>
-                <a:ext cx="3024336" cy="1316194"/>
+                <a:ext cx="3168352" cy="1316194"/>
               </a:xfrm>
               <a:prstGeom prst="rect">
                 <a:avLst/>
@@ -6247,15 +6267,36 @@
               <a:p>
                 <a:r>
                   <a:rPr lang="en-US" dirty="0" smtClean="0"/>
-                  <a:t>Model </a:t>
+                  <a:t>Model parameters</a:t>
                 </a:r>
                 <a:r>
-                  <a:rPr lang="en-US" dirty="0"/>
-                  <a:t>parameters </a:t>
+                  <a:rPr lang="en-DE" dirty="0" smtClean="0"/>
+                  <a:t> (</a:t>
+                </a:r>
+                <a14:m>
+                  <m:oMath xmlns:m="http://schemas.openxmlformats.org/officeDocument/2006/math">
+                    <m:r>
+                      <m:rPr>
+                        <m:sty m:val="p"/>
+                      </m:rPr>
+                      <a:rPr lang="el-GR" i="1">
+                        <a:latin typeface="Cambria Math" panose="02040503050406030204" pitchFamily="18" charset="0"/>
+                      </a:rPr>
+                      <m:t>λ</m:t>
+                    </m:r>
+                  </m:oMath>
+                </a14:m>
+                <a:r>
+                  <a:rPr lang="en-DE" dirty="0" smtClean="0"/>
+                  <a:t>)</a:t>
                 </a:r>
                 <a:r>
                   <a:rPr lang="en-US" dirty="0" smtClean="0"/>
-                  <a:t> are chosen that minimize :</a:t>
+                  <a:t>  </a:t>
+                </a:r>
+                <a:r>
+                  <a:rPr lang="en-US" dirty="0" smtClean="0"/>
+                  <a:t>are chosen that minimize :</a:t>
                 </a:r>
               </a:p>
               <a:p>
@@ -6300,7 +6341,7 @@
                       <m:fPr>
                         <m:ctrlPr>
                           <a:rPr lang="en-US" i="1" dirty="0" smtClean="0">
-                            <a:latin typeface="Cambria Math"/>
+                            <a:latin typeface="Cambria Math" panose="02040503050406030204" pitchFamily="18" charset="0"/>
                           </a:rPr>
                         </m:ctrlPr>
                       </m:fPr>
@@ -6326,7 +6367,7 @@
                         <m:chr m:val="∑"/>
                         <m:ctrlPr>
                           <a:rPr lang="en-US" i="1" dirty="0" smtClean="0">
-                            <a:latin typeface="Cambria Math"/>
+                            <a:latin typeface="Cambria Math" panose="02040503050406030204" pitchFamily="18" charset="0"/>
                           </a:rPr>
                         </m:ctrlPr>
                       </m:naryPr>
@@ -6360,7 +6401,7 @@
                           <m:sSubPr>
                             <m:ctrlPr>
                               <a:rPr lang="en-US" b="0" i="1" dirty="0" smtClean="0">
-                                <a:latin typeface="Cambria Math"/>
+                                <a:latin typeface="Cambria Math" panose="02040503050406030204" pitchFamily="18" charset="0"/>
                               </a:rPr>
                             </m:ctrlPr>
                           </m:sSubPr>
@@ -6430,15 +6471,15 @@
             <p:spPr>
               <a:xfrm>
                 <a:off x="6048164" y="4771498"/>
-                <a:ext cx="3024336" cy="1316194"/>
+                <a:ext cx="3168352" cy="1316194"/>
               </a:xfrm>
               <a:prstGeom prst="rect">
                 <a:avLst/>
               </a:prstGeom>
-              <a:blipFill rotWithShape="1">
+              <a:blipFill>
                 <a:blip r:embed="rId4"/>
                 <a:stretch>
-                  <a:fillRect l="-1613" t="-2315" r="-3226" b="-26389"/>
+                  <a:fillRect l="-1538" t="-2778" b="-26389"/>
                 </a:stretch>
               </a:blipFill>
             </p:spPr>
@@ -6630,28 +6671,9 @@
           <a:lstStyle/>
           <a:p>
             <a:r>
-              <a:rPr lang="en-US" dirty="0" smtClean="0"/>
-              <a:t>Path for Lasso and Elastic Net</a:t>
-            </a:r>
-            <a:endParaRPr lang="en-US" dirty="0"/>
-          </a:p>
-        </p:txBody>
-      </p:sp>
-      <p:sp>
-        <p:nvSpPr>
-          <p:cNvPr id="3" name="Content Placeholder 2"/>
-          <p:cNvSpPr>
-            <a:spLocks noGrp="1"/>
-          </p:cNvSpPr>
-          <p:nvPr>
-            <p:ph idx="1"/>
-          </p:nvPr>
-        </p:nvSpPr>
-        <p:spPr/>
-        <p:txBody>
-          <a:bodyPr/>
-          <a:lstStyle/>
-          <a:p>
+              <a:rPr lang="en-DE" dirty="0" smtClean="0"/>
+              <a:t>Cross-Validation Result for Lasso</a:t>
+            </a:r>
             <a:endParaRPr lang="en-US" dirty="0"/>
           </a:p>
         </p:txBody>
@@ -6725,16 +6747,51 @@
           </a:p>
         </p:txBody>
       </p:sp>
+      <p:pic>
+        <p:nvPicPr>
+          <p:cNvPr id="12" name="Content Placeholder 11"/>
+          <p:cNvPicPr>
+            <a:picLocks noGrp="1" noChangeAspect="1"/>
+          </p:cNvPicPr>
+          <p:nvPr>
+            <p:ph idx="1"/>
+          </p:nvPr>
+        </p:nvPicPr>
+        <p:blipFill rotWithShape="1">
+          <a:blip r:embed="rId2">
+            <a:extLst>
+              <a:ext uri="{28A0092B-C50C-407E-A947-70E740481C1C}">
+                <a14:useLocalDpi xmlns:a14="http://schemas.microsoft.com/office/drawing/2010/main" val="0"/>
+              </a:ext>
+            </a:extLst>
+          </a:blip>
+          <a:srcRect l="8679" t="8610" r="7427" b="6869"/>
+          <a:stretch/>
+        </p:blipFill>
+        <p:spPr>
+          <a:xfrm>
+            <a:off x="143508" y="1100457"/>
+            <a:ext cx="8568952" cy="5755265"/>
+          </a:xfrm>
+        </p:spPr>
+      </p:pic>
     </p:spTree>
     <p:extLst>
       <p:ext uri="{BB962C8B-B14F-4D97-AF65-F5344CB8AC3E}">
-        <p14:creationId xmlns:p14="http://schemas.microsoft.com/office/powerpoint/2010/main" val="3735206880"/>
+        <p14:creationId xmlns:p14="http://schemas.microsoft.com/office/powerpoint/2010/main" val="2701015610"/>
       </p:ext>
     </p:extLst>
   </p:cSld>
   <p:clrMapOvr>
     <a:masterClrMapping/>
   </p:clrMapOvr>
+  <p:timing>
+    <p:tnLst>
+      <p:par>
+        <p:cTn id="1" dur="indefinite" restart="never" nodeType="tmRoot"/>
+      </p:par>
+    </p:tnLst>
+  </p:timing>
 </p:sld>
 </file>
 
@@ -6772,77 +6829,48 @@
           <a:p>
             <a:r>
               <a:rPr lang="en-US" dirty="0" smtClean="0"/>
-              <a:t>Estimated Coefficients</a:t>
+              <a:t>Path for </a:t>
+            </a:r>
+            <a:r>
+              <a:rPr lang="en-US" dirty="0" smtClean="0"/>
+              <a:t>Lass</a:t>
+            </a:r>
+            <a:r>
+              <a:rPr lang="en-DE" dirty="0" smtClean="0"/>
+              <a:t>o</a:t>
             </a:r>
             <a:endParaRPr lang="en-US" dirty="0"/>
           </a:p>
         </p:txBody>
       </p:sp>
-      <p:sp>
-        <p:nvSpPr>
-          <p:cNvPr id="3" name="Content Placeholder 2"/>
-          <p:cNvSpPr>
-            <a:spLocks noGrp="1"/>
-          </p:cNvSpPr>
+      <p:pic>
+        <p:nvPicPr>
+          <p:cNvPr id="8" name="Content Placeholder 7"/>
+          <p:cNvPicPr>
+            <a:picLocks noGrp="1" noChangeAspect="1"/>
+          </p:cNvPicPr>
           <p:nvPr>
             <p:ph idx="1"/>
           </p:nvPr>
-        </p:nvSpPr>
-        <p:spPr/>
-        <p:txBody>
-          <a:bodyPr/>
-          <a:lstStyle/>
-          <a:p>
-            <a:endParaRPr lang="en-US"/>
-          </a:p>
-        </p:txBody>
-      </p:sp>
-      <p:sp>
-        <p:nvSpPr>
-          <p:cNvPr id="4" name="Date Placeholder 3"/>
-          <p:cNvSpPr>
-            <a:spLocks noGrp="1"/>
-          </p:cNvSpPr>
-          <p:nvPr>
-            <p:ph type="dt" sz="half" idx="10"/>
-          </p:nvPr>
-        </p:nvSpPr>
-        <p:spPr/>
-        <p:txBody>
-          <a:bodyPr/>
-          <a:lstStyle/>
-          <a:p>
-            <a:r>
-              <a:rPr lang="de-DE" smtClean="0"/>
-              <a:t>06.12.2018</a:t>
-            </a:r>
-            <a:endParaRPr lang="de-DE" dirty="0"/>
-          </a:p>
-        </p:txBody>
-      </p:sp>
-      <p:sp>
-        <p:nvSpPr>
-          <p:cNvPr id="5" name="Footer Placeholder 4"/>
-          <p:cNvSpPr>
-            <a:spLocks noGrp="1"/>
-          </p:cNvSpPr>
-          <p:nvPr>
-            <p:ph type="ftr" sz="quarter" idx="11"/>
-          </p:nvPr>
-        </p:nvSpPr>
-        <p:spPr/>
-        <p:txBody>
-          <a:bodyPr/>
-          <a:lstStyle/>
-          <a:p>
-            <a:r>
-              <a:rPr lang="de-DE" smtClean="0"/>
-              <a:t>Pavel Lesnevski</a:t>
-            </a:r>
-            <a:endParaRPr lang="de-DE" dirty="0"/>
-          </a:p>
-        </p:txBody>
-      </p:sp>
+        </p:nvPicPr>
+        <p:blipFill rotWithShape="1">
+          <a:blip r:embed="rId2">
+            <a:extLst>
+              <a:ext uri="{28A0092B-C50C-407E-A947-70E740481C1C}">
+                <a14:useLocalDpi xmlns:a14="http://schemas.microsoft.com/office/drawing/2010/main" val="0"/>
+              </a:ext>
+            </a:extLst>
+          </a:blip>
+          <a:srcRect l="8053" t="8610" r="8053" b="6869"/>
+          <a:stretch/>
+        </p:blipFill>
+        <p:spPr>
+          <a:xfrm>
+            <a:off x="323528" y="1079606"/>
+            <a:ext cx="8496943" cy="5706900"/>
+          </a:xfrm>
+        </p:spPr>
+      </p:pic>
       <p:sp>
         <p:nvSpPr>
           <p:cNvPr id="6" name="Slide Number Placeholder 5"/>
@@ -6869,13 +6897,20 @@
     </p:spTree>
     <p:extLst>
       <p:ext uri="{BB962C8B-B14F-4D97-AF65-F5344CB8AC3E}">
-        <p14:creationId xmlns:p14="http://schemas.microsoft.com/office/powerpoint/2010/main" val="1871466672"/>
+        <p14:creationId xmlns:p14="http://schemas.microsoft.com/office/powerpoint/2010/main" val="3735206880"/>
       </p:ext>
     </p:extLst>
   </p:cSld>
   <p:clrMapOvr>
     <a:masterClrMapping/>
   </p:clrMapOvr>
+  <p:timing>
+    <p:tnLst>
+      <p:par>
+        <p:cTn id="1" dur="indefinite" restart="never" nodeType="tmRoot"/>
+      </p:par>
+    </p:tnLst>
+  </p:timing>
 </p:sld>
 </file>
 
@@ -6896,94 +6931,96 @@
           <a:chExt cx="0" cy="0"/>
         </a:xfrm>
       </p:grpSpPr>
-      <p:sp>
-        <p:nvSpPr>
-          <p:cNvPr id="2" name="Title 1"/>
-          <p:cNvSpPr>
-            <a:spLocks noGrp="1"/>
-          </p:cNvSpPr>
-          <p:nvPr>
-            <p:ph type="title"/>
-          </p:nvPr>
-        </p:nvSpPr>
-        <p:spPr/>
-        <p:txBody>
-          <a:bodyPr/>
-          <a:lstStyle/>
-          <a:p>
-            <a:r>
-              <a:rPr lang="en-US" dirty="0" smtClean="0"/>
-              <a:t>CV-MSE and Predict MSE</a:t>
-            </a:r>
-            <a:endParaRPr lang="en-US" dirty="0"/>
-          </a:p>
-        </p:txBody>
-      </p:sp>
-      <p:sp>
-        <p:nvSpPr>
-          <p:cNvPr id="3" name="Content Placeholder 2"/>
-          <p:cNvSpPr>
-            <a:spLocks noGrp="1"/>
-          </p:cNvSpPr>
-          <p:nvPr>
-            <p:ph idx="1"/>
-          </p:nvPr>
-        </p:nvSpPr>
-        <p:spPr/>
-        <p:txBody>
-          <a:bodyPr/>
-          <a:lstStyle/>
-          <a:p>
-            <a:endParaRPr lang="en-US"/>
-          </a:p>
-        </p:txBody>
-      </p:sp>
-      <p:sp>
-        <p:nvSpPr>
-          <p:cNvPr id="4" name="Date Placeholder 3"/>
-          <p:cNvSpPr>
-            <a:spLocks noGrp="1"/>
-          </p:cNvSpPr>
-          <p:nvPr>
-            <p:ph type="dt" sz="half" idx="10"/>
-          </p:nvPr>
-        </p:nvSpPr>
-        <p:spPr/>
-        <p:txBody>
-          <a:bodyPr/>
-          <a:lstStyle/>
-          <a:p>
-            <a:r>
-              <a:rPr lang="de-DE" smtClean="0"/>
-              <a:t>06.12.2018</a:t>
-            </a:r>
-            <a:endParaRPr lang="de-DE" dirty="0"/>
-          </a:p>
-        </p:txBody>
-      </p:sp>
-      <p:sp>
-        <p:nvSpPr>
-          <p:cNvPr id="5" name="Footer Placeholder 4"/>
-          <p:cNvSpPr>
-            <a:spLocks noGrp="1"/>
-          </p:cNvSpPr>
-          <p:nvPr>
-            <p:ph type="ftr" sz="quarter" idx="11"/>
-          </p:nvPr>
-        </p:nvSpPr>
-        <p:spPr/>
-        <p:txBody>
-          <a:bodyPr/>
-          <a:lstStyle/>
-          <a:p>
-            <a:r>
-              <a:rPr lang="de-DE" smtClean="0"/>
-              <a:t>Pavel Lesnevski</a:t>
-            </a:r>
-            <a:endParaRPr lang="de-DE" dirty="0"/>
-          </a:p>
-        </p:txBody>
-      </p:sp>
+      <mc:AlternateContent xmlns:mc="http://schemas.openxmlformats.org/markup-compatibility/2006">
+        <mc:Choice xmlns:a14="http://schemas.microsoft.com/office/drawing/2010/main" Requires="a14">
+          <p:sp>
+            <p:nvSpPr>
+              <p:cNvPr id="2" name="Title 1"/>
+              <p:cNvSpPr>
+                <a:spLocks noGrp="1"/>
+              </p:cNvSpPr>
+              <p:nvPr>
+                <p:ph type="title"/>
+              </p:nvPr>
+            </p:nvSpPr>
+            <p:spPr>
+              <a:xfrm>
+                <a:off x="684000" y="584684"/>
+                <a:ext cx="5868220" cy="1141200"/>
+              </a:xfrm>
+            </p:spPr>
+            <p:txBody>
+              <a:bodyPr/>
+              <a:lstStyle/>
+              <a:p>
+                <a:r>
+                  <a:rPr lang="en-US" dirty="0" smtClean="0"/>
+                  <a:t>Estimated </a:t>
+                </a:r>
+                <a:r>
+                  <a:rPr lang="en-US" dirty="0" smtClean="0"/>
+                  <a:t>Coefficients</a:t>
+                </a:r>
+                <a:r>
+                  <a:rPr lang="en-DE" dirty="0" smtClean="0"/>
+                  <a:t> for optimal </a:t>
+                </a:r>
+                <a14:m>
+                  <m:oMath xmlns:m="http://schemas.openxmlformats.org/officeDocument/2006/math">
+                    <m:r>
+                      <m:rPr>
+                        <m:sty m:val="p"/>
+                      </m:rPr>
+                      <a:rPr lang="el-GR" i="1">
+                        <a:latin typeface="Cambria Math" panose="02040503050406030204" pitchFamily="18" charset="0"/>
+                      </a:rPr>
+                      <m:t>λ</m:t>
+                    </m:r>
+                  </m:oMath>
+                </a14:m>
+                <a:endParaRPr lang="en-US" dirty="0"/>
+              </a:p>
+            </p:txBody>
+          </p:sp>
+        </mc:Choice>
+        <mc:Fallback>
+          <p:sp>
+            <p:nvSpPr>
+              <p:cNvPr id="2" name="Title 1"/>
+              <p:cNvSpPr>
+                <a:spLocks noGrp="1" noRot="1" noChangeAspect="1" noMove="1" noResize="1" noEditPoints="1" noAdjustHandles="1" noChangeArrowheads="1" noChangeShapeType="1" noTextEdit="1"/>
+              </p:cNvSpPr>
+              <p:nvPr>
+                <p:ph type="title"/>
+              </p:nvPr>
+            </p:nvSpPr>
+            <p:spPr>
+              <a:xfrm>
+                <a:off x="684000" y="584684"/>
+                <a:ext cx="5868220" cy="1141200"/>
+              </a:xfrm>
+              <a:blipFill>
+                <a:blip r:embed="rId2"/>
+                <a:stretch>
+                  <a:fillRect l="-3946" t="-10695"/>
+                </a:stretch>
+              </a:blipFill>
+            </p:spPr>
+            <p:txBody>
+              <a:bodyPr/>
+              <a:lstStyle/>
+              <a:p>
+                <a:r>
+                  <a:rPr lang="en-US">
+                    <a:noFill/>
+                  </a:rPr>
+                  <a:t> </a:t>
+                </a:r>
+              </a:p>
+            </p:txBody>
+          </p:sp>
+        </mc:Fallback>
+      </mc:AlternateContent>
       <p:sp>
         <p:nvSpPr>
           <p:cNvPr id="6" name="Slide Number Placeholder 5"/>
@@ -7007,16 +7044,51 @@
           </a:p>
         </p:txBody>
       </p:sp>
+      <p:pic>
+        <p:nvPicPr>
+          <p:cNvPr id="9" name="Content Placeholder 8"/>
+          <p:cNvPicPr>
+            <a:picLocks noGrp="1" noChangeAspect="1"/>
+          </p:cNvPicPr>
+          <p:nvPr>
+            <p:ph idx="1"/>
+          </p:nvPr>
+        </p:nvPicPr>
+        <p:blipFill rotWithShape="1">
+          <a:blip r:embed="rId3">
+            <a:extLst>
+              <a:ext uri="{28A0092B-C50C-407E-A947-70E740481C1C}">
+                <a14:useLocalDpi xmlns:a14="http://schemas.microsoft.com/office/drawing/2010/main" val="0"/>
+              </a:ext>
+            </a:extLst>
+          </a:blip>
+          <a:srcRect l="8053" t="7672" r="8053" b="3113"/>
+          <a:stretch/>
+        </p:blipFill>
+        <p:spPr>
+          <a:xfrm>
+            <a:off x="684000" y="1052736"/>
+            <a:ext cx="8028892" cy="5692123"/>
+          </a:xfrm>
+        </p:spPr>
+      </p:pic>
     </p:spTree>
     <p:extLst>
       <p:ext uri="{BB962C8B-B14F-4D97-AF65-F5344CB8AC3E}">
-        <p14:creationId xmlns:p14="http://schemas.microsoft.com/office/powerpoint/2010/main" val="1184520778"/>
+        <p14:creationId xmlns:p14="http://schemas.microsoft.com/office/powerpoint/2010/main" val="1871466672"/>
       </p:ext>
     </p:extLst>
   </p:cSld>
   <p:clrMapOvr>
     <a:masterClrMapping/>
   </p:clrMapOvr>
+  <p:timing>
+    <p:tnLst>
+      <p:par>
+        <p:cTn id="1" dur="indefinite" restart="never" nodeType="tmRoot"/>
+      </p:par>
+    </p:tnLst>
+  </p:timing>
 </p:sld>
 </file>
 
@@ -7053,29 +7125,10 @@
           <a:lstStyle/>
           <a:p>
             <a:r>
-              <a:rPr lang="en-US" dirty="0" smtClean="0"/>
-              <a:t>Results for interactions and squared terms</a:t>
+              <a:rPr lang="en-DE" dirty="0" smtClean="0"/>
+              <a:t>Cross-Validation MSE</a:t>
             </a:r>
             <a:endParaRPr lang="en-US" dirty="0"/>
-          </a:p>
-        </p:txBody>
-      </p:sp>
-      <p:sp>
-        <p:nvSpPr>
-          <p:cNvPr id="3" name="Content Placeholder 2"/>
-          <p:cNvSpPr>
-            <a:spLocks noGrp="1"/>
-          </p:cNvSpPr>
-          <p:nvPr>
-            <p:ph idx="1"/>
-          </p:nvPr>
-        </p:nvSpPr>
-        <p:spPr/>
-        <p:txBody>
-          <a:bodyPr/>
-          <a:lstStyle/>
-          <a:p>
-            <a:endParaRPr lang="en-US"/>
           </a:p>
         </p:txBody>
       </p:sp>
@@ -7148,16 +7201,1651 @@
           </a:p>
         </p:txBody>
       </p:sp>
+      <p:graphicFrame>
+        <p:nvGraphicFramePr>
+          <p:cNvPr id="22" name="Content Placeholder 21"/>
+          <p:cNvGraphicFramePr>
+            <a:graphicFrameLocks noGrp="1"/>
+          </p:cNvGraphicFramePr>
+          <p:nvPr>
+            <p:ph idx="1"/>
+            <p:extLst>
+              <p:ext uri="{D42A27DB-BD31-4B8C-83A1-F6EECF244321}">
+                <p14:modId xmlns:p14="http://schemas.microsoft.com/office/powerpoint/2010/main" val="3424898350"/>
+              </p:ext>
+            </p:extLst>
+          </p:nvPr>
+        </p:nvGraphicFramePr>
+        <p:xfrm>
+          <a:off x="683571" y="1481977"/>
+          <a:ext cx="8064892" cy="1543050"/>
+        </p:xfrm>
+        <a:graphic>
+          <a:graphicData uri="http://schemas.openxmlformats.org/drawingml/2006/table">
+            <a:tbl>
+              <a:tblPr/>
+              <a:tblGrid>
+                <a:gridCol w="1913704">
+                  <a:extLst>
+                    <a:ext uri="{9D8B030D-6E8A-4147-A177-3AD203B41FA5}">
+                      <a16:colId xmlns:a16="http://schemas.microsoft.com/office/drawing/2014/main" val="3775047998"/>
+                    </a:ext>
+                  </a:extLst>
+                </a:gridCol>
+                <a:gridCol w="1025198">
+                  <a:extLst>
+                    <a:ext uri="{9D8B030D-6E8A-4147-A177-3AD203B41FA5}">
+                      <a16:colId xmlns:a16="http://schemas.microsoft.com/office/drawing/2014/main" val="3030313444"/>
+                    </a:ext>
+                  </a:extLst>
+                </a:gridCol>
+                <a:gridCol w="1025198">
+                  <a:extLst>
+                    <a:ext uri="{9D8B030D-6E8A-4147-A177-3AD203B41FA5}">
+                      <a16:colId xmlns:a16="http://schemas.microsoft.com/office/drawing/2014/main" val="1875216255"/>
+                    </a:ext>
+                  </a:extLst>
+                </a:gridCol>
+                <a:gridCol w="1025198">
+                  <a:extLst>
+                    <a:ext uri="{9D8B030D-6E8A-4147-A177-3AD203B41FA5}">
+                      <a16:colId xmlns:a16="http://schemas.microsoft.com/office/drawing/2014/main" val="1337544573"/>
+                    </a:ext>
+                  </a:extLst>
+                </a:gridCol>
+                <a:gridCol w="1025198">
+                  <a:extLst>
+                    <a:ext uri="{9D8B030D-6E8A-4147-A177-3AD203B41FA5}">
+                      <a16:colId xmlns:a16="http://schemas.microsoft.com/office/drawing/2014/main" val="1927138739"/>
+                    </a:ext>
+                  </a:extLst>
+                </a:gridCol>
+                <a:gridCol w="1025198">
+                  <a:extLst>
+                    <a:ext uri="{9D8B030D-6E8A-4147-A177-3AD203B41FA5}">
+                      <a16:colId xmlns:a16="http://schemas.microsoft.com/office/drawing/2014/main" val="3812975210"/>
+                    </a:ext>
+                  </a:extLst>
+                </a:gridCol>
+                <a:gridCol w="1025198">
+                  <a:extLst>
+                    <a:ext uri="{9D8B030D-6E8A-4147-A177-3AD203B41FA5}">
+                      <a16:colId xmlns:a16="http://schemas.microsoft.com/office/drawing/2014/main" val="2488201003"/>
+                    </a:ext>
+                  </a:extLst>
+                </a:gridCol>
+              </a:tblGrid>
+              <a:tr h="200025">
+                <a:tc>
+                  <a:txBody>
+                    <a:bodyPr/>
+                    <a:lstStyle/>
+                    <a:p>
+                      <a:pPr algn="l" fontAlgn="b"/>
+                      <a:r>
+                        <a:rPr lang="en-DE" sz="1100" b="0" i="0" u="none" strike="noStrike">
+                          <a:solidFill>
+                            <a:srgbClr val="000000"/>
+                          </a:solidFill>
+                          <a:effectLst/>
+                          <a:latin typeface="Calibri" panose="020F0502020204030204" pitchFamily="34" charset="0"/>
+                        </a:rPr>
+                        <a:t> </a:t>
+                      </a:r>
+                    </a:p>
+                  </a:txBody>
+                  <a:tcPr marL="9525" marR="9525" marT="9525" marB="0" anchor="b">
+                    <a:lnL>
+                      <a:noFill/>
+                    </a:lnL>
+                    <a:lnR>
+                      <a:noFill/>
+                    </a:lnR>
+                    <a:lnT>
+                      <a:noFill/>
+                    </a:lnT>
+                    <a:lnB w="12700" cap="flat" cmpd="sng" algn="ctr">
+                      <a:solidFill>
+                        <a:srgbClr val="000000"/>
+                      </a:solidFill>
+                      <a:prstDash val="solid"/>
+                      <a:round/>
+                      <a:headEnd type="none" w="med" len="med"/>
+                      <a:tailEnd type="none" w="med" len="med"/>
+                    </a:lnB>
+                  </a:tcPr>
+                </a:tc>
+                <a:tc>
+                  <a:txBody>
+                    <a:bodyPr/>
+                    <a:lstStyle/>
+                    <a:p>
+                      <a:pPr algn="l" fontAlgn="b"/>
+                      <a:r>
+                        <a:rPr lang="en-DE" sz="1100" b="0" i="0" u="none" strike="noStrike">
+                          <a:solidFill>
+                            <a:srgbClr val="000000"/>
+                          </a:solidFill>
+                          <a:effectLst/>
+                          <a:latin typeface="Calibri" panose="020F0502020204030204" pitchFamily="34" charset="0"/>
+                        </a:rPr>
+                        <a:t> </a:t>
+                      </a:r>
+                    </a:p>
+                  </a:txBody>
+                  <a:tcPr marL="9525" marR="9525" marT="9525" marB="0" anchor="b">
+                    <a:lnL>
+                      <a:noFill/>
+                    </a:lnL>
+                    <a:lnR>
+                      <a:noFill/>
+                    </a:lnR>
+                    <a:lnT>
+                      <a:noFill/>
+                    </a:lnT>
+                    <a:lnB w="12700" cap="flat" cmpd="sng" algn="ctr">
+                      <a:solidFill>
+                        <a:srgbClr val="000000"/>
+                      </a:solidFill>
+                      <a:prstDash val="solid"/>
+                      <a:round/>
+                      <a:headEnd type="none" w="med" len="med"/>
+                      <a:tailEnd type="none" w="med" len="med"/>
+                    </a:lnB>
+                  </a:tcPr>
+                </a:tc>
+                <a:tc>
+                  <a:txBody>
+                    <a:bodyPr/>
+                    <a:lstStyle/>
+                    <a:p>
+                      <a:pPr algn="l" fontAlgn="b"/>
+                      <a:r>
+                        <a:rPr lang="en-DE" sz="1100" b="0" i="0" u="none" strike="noStrike" dirty="0">
+                          <a:solidFill>
+                            <a:srgbClr val="000000"/>
+                          </a:solidFill>
+                          <a:effectLst/>
+                          <a:latin typeface="Calibri" panose="020F0502020204030204" pitchFamily="34" charset="0"/>
+                        </a:rPr>
+                        <a:t> </a:t>
+                      </a:r>
+                    </a:p>
+                  </a:txBody>
+                  <a:tcPr marL="9525" marR="9525" marT="9525" marB="0" anchor="b">
+                    <a:lnL>
+                      <a:noFill/>
+                    </a:lnL>
+                    <a:lnR>
+                      <a:noFill/>
+                    </a:lnR>
+                    <a:lnT>
+                      <a:noFill/>
+                    </a:lnT>
+                    <a:lnB w="12700" cap="flat" cmpd="sng" algn="ctr">
+                      <a:solidFill>
+                        <a:srgbClr val="000000"/>
+                      </a:solidFill>
+                      <a:prstDash val="solid"/>
+                      <a:round/>
+                      <a:headEnd type="none" w="med" len="med"/>
+                      <a:tailEnd type="none" w="med" len="med"/>
+                    </a:lnB>
+                  </a:tcPr>
+                </a:tc>
+                <a:tc>
+                  <a:txBody>
+                    <a:bodyPr/>
+                    <a:lstStyle/>
+                    <a:p>
+                      <a:pPr algn="l" fontAlgn="b"/>
+                      <a:r>
+                        <a:rPr lang="en-DE" sz="1100" b="0" i="0" u="none" strike="noStrike">
+                          <a:solidFill>
+                            <a:srgbClr val="000000"/>
+                          </a:solidFill>
+                          <a:effectLst/>
+                          <a:latin typeface="Calibri" panose="020F0502020204030204" pitchFamily="34" charset="0"/>
+                        </a:rPr>
+                        <a:t> </a:t>
+                      </a:r>
+                    </a:p>
+                  </a:txBody>
+                  <a:tcPr marL="9525" marR="9525" marT="9525" marB="0" anchor="b">
+                    <a:lnL>
+                      <a:noFill/>
+                    </a:lnL>
+                    <a:lnR>
+                      <a:noFill/>
+                    </a:lnR>
+                    <a:lnT>
+                      <a:noFill/>
+                    </a:lnT>
+                    <a:lnB w="12700" cap="flat" cmpd="sng" algn="ctr">
+                      <a:solidFill>
+                        <a:srgbClr val="000000"/>
+                      </a:solidFill>
+                      <a:prstDash val="solid"/>
+                      <a:round/>
+                      <a:headEnd type="none" w="med" len="med"/>
+                      <a:tailEnd type="none" w="med" len="med"/>
+                    </a:lnB>
+                  </a:tcPr>
+                </a:tc>
+                <a:tc>
+                  <a:txBody>
+                    <a:bodyPr/>
+                    <a:lstStyle/>
+                    <a:p>
+                      <a:pPr algn="l" fontAlgn="b"/>
+                      <a:r>
+                        <a:rPr lang="en-DE" sz="1100" b="0" i="0" u="none" strike="noStrike">
+                          <a:solidFill>
+                            <a:srgbClr val="000000"/>
+                          </a:solidFill>
+                          <a:effectLst/>
+                          <a:latin typeface="Calibri" panose="020F0502020204030204" pitchFamily="34" charset="0"/>
+                        </a:rPr>
+                        <a:t> </a:t>
+                      </a:r>
+                    </a:p>
+                  </a:txBody>
+                  <a:tcPr marL="9525" marR="9525" marT="9525" marB="0" anchor="b">
+                    <a:lnL>
+                      <a:noFill/>
+                    </a:lnL>
+                    <a:lnR>
+                      <a:noFill/>
+                    </a:lnR>
+                    <a:lnT>
+                      <a:noFill/>
+                    </a:lnT>
+                    <a:lnB w="12700" cap="flat" cmpd="sng" algn="ctr">
+                      <a:solidFill>
+                        <a:srgbClr val="000000"/>
+                      </a:solidFill>
+                      <a:prstDash val="solid"/>
+                      <a:round/>
+                      <a:headEnd type="none" w="med" len="med"/>
+                      <a:tailEnd type="none" w="med" len="med"/>
+                    </a:lnB>
+                  </a:tcPr>
+                </a:tc>
+                <a:tc>
+                  <a:txBody>
+                    <a:bodyPr/>
+                    <a:lstStyle/>
+                    <a:p>
+                      <a:pPr algn="l" fontAlgn="b"/>
+                      <a:r>
+                        <a:rPr lang="en-DE" sz="1100" b="0" i="0" u="none" strike="noStrike">
+                          <a:solidFill>
+                            <a:srgbClr val="000000"/>
+                          </a:solidFill>
+                          <a:effectLst/>
+                          <a:latin typeface="Calibri" panose="020F0502020204030204" pitchFamily="34" charset="0"/>
+                        </a:rPr>
+                        <a:t> </a:t>
+                      </a:r>
+                    </a:p>
+                  </a:txBody>
+                  <a:tcPr marL="9525" marR="9525" marT="9525" marB="0" anchor="b">
+                    <a:lnL>
+                      <a:noFill/>
+                    </a:lnL>
+                    <a:lnR>
+                      <a:noFill/>
+                    </a:lnR>
+                    <a:lnT>
+                      <a:noFill/>
+                    </a:lnT>
+                    <a:lnB w="12700" cap="flat" cmpd="sng" algn="ctr">
+                      <a:solidFill>
+                        <a:srgbClr val="000000"/>
+                      </a:solidFill>
+                      <a:prstDash val="solid"/>
+                      <a:round/>
+                      <a:headEnd type="none" w="med" len="med"/>
+                      <a:tailEnd type="none" w="med" len="med"/>
+                    </a:lnB>
+                  </a:tcPr>
+                </a:tc>
+                <a:tc>
+                  <a:txBody>
+                    <a:bodyPr/>
+                    <a:lstStyle/>
+                    <a:p>
+                      <a:pPr algn="l" fontAlgn="b"/>
+                      <a:r>
+                        <a:rPr lang="en-DE" sz="1100" b="0" i="0" u="none" strike="noStrike">
+                          <a:solidFill>
+                            <a:srgbClr val="000000"/>
+                          </a:solidFill>
+                          <a:effectLst/>
+                          <a:latin typeface="Calibri" panose="020F0502020204030204" pitchFamily="34" charset="0"/>
+                        </a:rPr>
+                        <a:t> </a:t>
+                      </a:r>
+                    </a:p>
+                  </a:txBody>
+                  <a:tcPr marL="9525" marR="9525" marT="9525" marB="0" anchor="b">
+                    <a:lnL>
+                      <a:noFill/>
+                    </a:lnL>
+                    <a:lnR>
+                      <a:noFill/>
+                    </a:lnR>
+                    <a:lnT>
+                      <a:noFill/>
+                    </a:lnT>
+                    <a:lnB w="12700" cap="flat" cmpd="sng" algn="ctr">
+                      <a:solidFill>
+                        <a:srgbClr val="000000"/>
+                      </a:solidFill>
+                      <a:prstDash val="solid"/>
+                      <a:round/>
+                      <a:headEnd type="none" w="med" len="med"/>
+                      <a:tailEnd type="none" w="med" len="med"/>
+                    </a:lnB>
+                  </a:tcPr>
+                </a:tc>
+                <a:extLst>
+                  <a:ext uri="{0D108BD9-81ED-4DB2-BD59-A6C34878D82A}">
+                    <a16:rowId xmlns:a16="http://schemas.microsoft.com/office/drawing/2014/main" val="4102326010"/>
+                  </a:ext>
+                </a:extLst>
+              </a:tr>
+              <a:tr h="333375">
+                <a:tc gridSpan="7">
+                  <a:txBody>
+                    <a:bodyPr/>
+                    <a:lstStyle/>
+                    <a:p>
+                      <a:pPr algn="ctr" fontAlgn="b"/>
+                      <a:r>
+                        <a:rPr lang="en-US" sz="2000" b="0" i="0" u="none" strike="noStrike" dirty="0">
+                          <a:solidFill>
+                            <a:srgbClr val="000000"/>
+                          </a:solidFill>
+                          <a:effectLst/>
+                          <a:latin typeface="Calibri" panose="020F0502020204030204" pitchFamily="34" charset="0"/>
+                        </a:rPr>
+                        <a:t>Train and Validation Mean Squared Errors</a:t>
+                      </a:r>
+                    </a:p>
+                  </a:txBody>
+                  <a:tcPr marL="9525" marR="9525" marT="9525" marB="0" anchor="b">
+                    <a:lnL>
+                      <a:noFill/>
+                    </a:lnL>
+                    <a:lnR>
+                      <a:noFill/>
+                    </a:lnR>
+                    <a:lnT w="12700" cap="flat" cmpd="sng" algn="ctr">
+                      <a:solidFill>
+                        <a:srgbClr val="000000"/>
+                      </a:solidFill>
+                      <a:prstDash val="solid"/>
+                      <a:round/>
+                      <a:headEnd type="none" w="med" len="med"/>
+                      <a:tailEnd type="none" w="med" len="med"/>
+                    </a:lnT>
+                    <a:lnB w="6350" cap="flat" cmpd="sng" algn="ctr">
+                      <a:solidFill>
+                        <a:srgbClr val="000000"/>
+                      </a:solidFill>
+                      <a:prstDash val="solid"/>
+                      <a:round/>
+                      <a:headEnd type="none" w="med" len="med"/>
+                      <a:tailEnd type="none" w="med" len="med"/>
+                    </a:lnB>
+                  </a:tcPr>
+                </a:tc>
+                <a:tc hMerge="1">
+                  <a:txBody>
+                    <a:bodyPr/>
+                    <a:lstStyle/>
+                    <a:p>
+                      <a:endParaRPr lang="en-US"/>
+                    </a:p>
+                  </a:txBody>
+                  <a:tcPr/>
+                </a:tc>
+                <a:tc hMerge="1">
+                  <a:txBody>
+                    <a:bodyPr/>
+                    <a:lstStyle/>
+                    <a:p>
+                      <a:endParaRPr lang="en-US"/>
+                    </a:p>
+                  </a:txBody>
+                  <a:tcPr/>
+                </a:tc>
+                <a:tc hMerge="1">
+                  <a:txBody>
+                    <a:bodyPr/>
+                    <a:lstStyle/>
+                    <a:p>
+                      <a:endParaRPr lang="en-US"/>
+                    </a:p>
+                  </a:txBody>
+                  <a:tcPr/>
+                </a:tc>
+                <a:tc hMerge="1">
+                  <a:txBody>
+                    <a:bodyPr/>
+                    <a:lstStyle/>
+                    <a:p>
+                      <a:endParaRPr lang="en-US"/>
+                    </a:p>
+                  </a:txBody>
+                  <a:tcPr/>
+                </a:tc>
+                <a:tc hMerge="1">
+                  <a:txBody>
+                    <a:bodyPr/>
+                    <a:lstStyle/>
+                    <a:p>
+                      <a:endParaRPr lang="en-US"/>
+                    </a:p>
+                  </a:txBody>
+                  <a:tcPr/>
+                </a:tc>
+                <a:tc hMerge="1">
+                  <a:txBody>
+                    <a:bodyPr/>
+                    <a:lstStyle/>
+                    <a:p>
+                      <a:endParaRPr lang="en-US"/>
+                    </a:p>
+                  </a:txBody>
+                  <a:tcPr/>
+                </a:tc>
+                <a:extLst>
+                  <a:ext uri="{0D108BD9-81ED-4DB2-BD59-A6C34878D82A}">
+                    <a16:rowId xmlns:a16="http://schemas.microsoft.com/office/drawing/2014/main" val="2221686618"/>
+                  </a:ext>
+                </a:extLst>
+              </a:tr>
+              <a:tr h="333375">
+                <a:tc>
+                  <a:txBody>
+                    <a:bodyPr/>
+                    <a:lstStyle/>
+                    <a:p>
+                      <a:pPr algn="l" fontAlgn="b"/>
+                      <a:r>
+                        <a:rPr lang="en-US" sz="2000" b="0" i="0" u="none" strike="noStrike">
+                          <a:solidFill>
+                            <a:srgbClr val="000000"/>
+                          </a:solidFill>
+                          <a:effectLst/>
+                          <a:latin typeface="Calibri" panose="020F0502020204030204" pitchFamily="34" charset="0"/>
+                        </a:rPr>
+                        <a:t>Model</a:t>
+                      </a:r>
+                    </a:p>
+                  </a:txBody>
+                  <a:tcPr marL="9525" marR="9525" marT="9525" marB="0" anchor="b">
+                    <a:lnL>
+                      <a:noFill/>
+                    </a:lnL>
+                    <a:lnR w="6350" cap="flat" cmpd="sng" algn="ctr">
+                      <a:solidFill>
+                        <a:srgbClr val="000000"/>
+                      </a:solidFill>
+                      <a:prstDash val="solid"/>
+                      <a:round/>
+                      <a:headEnd type="none" w="med" len="med"/>
+                      <a:tailEnd type="none" w="med" len="med"/>
+                    </a:lnR>
+                    <a:lnT w="6350" cap="flat" cmpd="sng" algn="ctr">
+                      <a:solidFill>
+                        <a:srgbClr val="000000"/>
+                      </a:solidFill>
+                      <a:prstDash val="solid"/>
+                      <a:round/>
+                      <a:headEnd type="none" w="med" len="med"/>
+                      <a:tailEnd type="none" w="med" len="med"/>
+                    </a:lnT>
+                    <a:lnB w="6350" cap="flat" cmpd="sng" algn="ctr">
+                      <a:solidFill>
+                        <a:srgbClr val="000000"/>
+                      </a:solidFill>
+                      <a:prstDash val="solid"/>
+                      <a:round/>
+                      <a:headEnd type="none" w="med" len="med"/>
+                      <a:tailEnd type="none" w="med" len="med"/>
+                    </a:lnB>
+                  </a:tcPr>
+                </a:tc>
+                <a:tc>
+                  <a:txBody>
+                    <a:bodyPr/>
+                    <a:lstStyle/>
+                    <a:p>
+                      <a:pPr algn="ctr" fontAlgn="ctr"/>
+                      <a:r>
+                        <a:rPr lang="en-US" sz="2000" b="0" i="0" u="none" strike="noStrike" dirty="0" err="1">
+                          <a:solidFill>
+                            <a:srgbClr val="000000"/>
+                          </a:solidFill>
+                          <a:effectLst/>
+                          <a:latin typeface="Calibri" panose="020F0502020204030204" pitchFamily="34" charset="0"/>
+                        </a:rPr>
+                        <a:t>Const</a:t>
+                      </a:r>
+                      <a:endParaRPr lang="en-US" sz="2000" b="0" i="0" u="none" strike="noStrike" dirty="0">
+                        <a:solidFill>
+                          <a:srgbClr val="000000"/>
+                        </a:solidFill>
+                        <a:effectLst/>
+                        <a:latin typeface="Calibri" panose="020F0502020204030204" pitchFamily="34" charset="0"/>
+                      </a:endParaRPr>
+                    </a:p>
+                  </a:txBody>
+                  <a:tcPr marL="9525" marR="9525" marT="9525" marB="0" anchor="ctr">
+                    <a:lnL w="6350" cap="flat" cmpd="sng" algn="ctr">
+                      <a:solidFill>
+                        <a:srgbClr val="000000"/>
+                      </a:solidFill>
+                      <a:prstDash val="solid"/>
+                      <a:round/>
+                      <a:headEnd type="none" w="med" len="med"/>
+                      <a:tailEnd type="none" w="med" len="med"/>
+                    </a:lnL>
+                    <a:lnR>
+                      <a:noFill/>
+                    </a:lnR>
+                    <a:lnT w="6350" cap="flat" cmpd="sng" algn="ctr">
+                      <a:solidFill>
+                        <a:srgbClr val="000000"/>
+                      </a:solidFill>
+                      <a:prstDash val="solid"/>
+                      <a:round/>
+                      <a:headEnd type="none" w="med" len="med"/>
+                      <a:tailEnd type="none" w="med" len="med"/>
+                    </a:lnT>
+                    <a:lnB w="6350" cap="flat" cmpd="sng" algn="ctr">
+                      <a:solidFill>
+                        <a:srgbClr val="000000"/>
+                      </a:solidFill>
+                      <a:prstDash val="solid"/>
+                      <a:round/>
+                      <a:headEnd type="none" w="med" len="med"/>
+                      <a:tailEnd type="none" w="med" len="med"/>
+                    </a:lnB>
+                  </a:tcPr>
+                </a:tc>
+                <a:tc>
+                  <a:txBody>
+                    <a:bodyPr/>
+                    <a:lstStyle/>
+                    <a:p>
+                      <a:pPr algn="ctr" fontAlgn="ctr"/>
+                      <a:r>
+                        <a:rPr lang="en-US" sz="2000" b="0" i="0" u="none" strike="noStrike">
+                          <a:solidFill>
+                            <a:srgbClr val="000000"/>
+                          </a:solidFill>
+                          <a:effectLst/>
+                          <a:latin typeface="Calibri" panose="020F0502020204030204" pitchFamily="34" charset="0"/>
+                        </a:rPr>
+                        <a:t>PCA</a:t>
+                      </a:r>
+                    </a:p>
+                  </a:txBody>
+                  <a:tcPr marL="9525" marR="9525" marT="9525" marB="0" anchor="ctr">
+                    <a:lnL>
+                      <a:noFill/>
+                    </a:lnL>
+                    <a:lnR>
+                      <a:noFill/>
+                    </a:lnR>
+                    <a:lnT w="6350" cap="flat" cmpd="sng" algn="ctr">
+                      <a:solidFill>
+                        <a:srgbClr val="000000"/>
+                      </a:solidFill>
+                      <a:prstDash val="solid"/>
+                      <a:round/>
+                      <a:headEnd type="none" w="med" len="med"/>
+                      <a:tailEnd type="none" w="med" len="med"/>
+                    </a:lnT>
+                    <a:lnB w="6350" cap="flat" cmpd="sng" algn="ctr">
+                      <a:solidFill>
+                        <a:srgbClr val="000000"/>
+                      </a:solidFill>
+                      <a:prstDash val="solid"/>
+                      <a:round/>
+                      <a:headEnd type="none" w="med" len="med"/>
+                      <a:tailEnd type="none" w="med" len="med"/>
+                    </a:lnB>
+                  </a:tcPr>
+                </a:tc>
+                <a:tc>
+                  <a:txBody>
+                    <a:bodyPr/>
+                    <a:lstStyle/>
+                    <a:p>
+                      <a:pPr algn="ctr" fontAlgn="ctr"/>
+                      <a:r>
+                        <a:rPr lang="en-US" sz="2000" b="0" i="0" u="none" strike="noStrike">
+                          <a:solidFill>
+                            <a:srgbClr val="000000"/>
+                          </a:solidFill>
+                          <a:effectLst/>
+                          <a:latin typeface="Calibri" panose="020F0502020204030204" pitchFamily="34" charset="0"/>
+                        </a:rPr>
+                        <a:t>OLS</a:t>
+                      </a:r>
+                    </a:p>
+                  </a:txBody>
+                  <a:tcPr marL="9525" marR="9525" marT="9525" marB="0" anchor="ctr">
+                    <a:lnL>
+                      <a:noFill/>
+                    </a:lnL>
+                    <a:lnR>
+                      <a:noFill/>
+                    </a:lnR>
+                    <a:lnT w="6350" cap="flat" cmpd="sng" algn="ctr">
+                      <a:solidFill>
+                        <a:srgbClr val="000000"/>
+                      </a:solidFill>
+                      <a:prstDash val="solid"/>
+                      <a:round/>
+                      <a:headEnd type="none" w="med" len="med"/>
+                      <a:tailEnd type="none" w="med" len="med"/>
+                    </a:lnT>
+                    <a:lnB w="6350" cap="flat" cmpd="sng" algn="ctr">
+                      <a:solidFill>
+                        <a:srgbClr val="000000"/>
+                      </a:solidFill>
+                      <a:prstDash val="solid"/>
+                      <a:round/>
+                      <a:headEnd type="none" w="med" len="med"/>
+                      <a:tailEnd type="none" w="med" len="med"/>
+                    </a:lnB>
+                  </a:tcPr>
+                </a:tc>
+                <a:tc>
+                  <a:txBody>
+                    <a:bodyPr/>
+                    <a:lstStyle/>
+                    <a:p>
+                      <a:pPr algn="ctr" fontAlgn="ctr"/>
+                      <a:r>
+                        <a:rPr lang="en-US" sz="2000" b="0" i="0" u="none" strike="noStrike">
+                          <a:solidFill>
+                            <a:srgbClr val="000000"/>
+                          </a:solidFill>
+                          <a:effectLst/>
+                          <a:latin typeface="Calibri" panose="020F0502020204030204" pitchFamily="34" charset="0"/>
+                        </a:rPr>
+                        <a:t>Ridge</a:t>
+                      </a:r>
+                    </a:p>
+                  </a:txBody>
+                  <a:tcPr marL="9525" marR="9525" marT="9525" marB="0" anchor="ctr">
+                    <a:lnL>
+                      <a:noFill/>
+                    </a:lnL>
+                    <a:lnR>
+                      <a:noFill/>
+                    </a:lnR>
+                    <a:lnT w="6350" cap="flat" cmpd="sng" algn="ctr">
+                      <a:solidFill>
+                        <a:srgbClr val="000000"/>
+                      </a:solidFill>
+                      <a:prstDash val="solid"/>
+                      <a:round/>
+                      <a:headEnd type="none" w="med" len="med"/>
+                      <a:tailEnd type="none" w="med" len="med"/>
+                    </a:lnT>
+                    <a:lnB w="6350" cap="flat" cmpd="sng" algn="ctr">
+                      <a:solidFill>
+                        <a:srgbClr val="000000"/>
+                      </a:solidFill>
+                      <a:prstDash val="solid"/>
+                      <a:round/>
+                      <a:headEnd type="none" w="med" len="med"/>
+                      <a:tailEnd type="none" w="med" len="med"/>
+                    </a:lnB>
+                  </a:tcPr>
+                </a:tc>
+                <a:tc>
+                  <a:txBody>
+                    <a:bodyPr/>
+                    <a:lstStyle/>
+                    <a:p>
+                      <a:pPr algn="ctr" fontAlgn="ctr"/>
+                      <a:r>
+                        <a:rPr lang="en-US" sz="2000" b="0" i="0" u="none" strike="noStrike">
+                          <a:solidFill>
+                            <a:srgbClr val="000000"/>
+                          </a:solidFill>
+                          <a:effectLst/>
+                          <a:latin typeface="Calibri" panose="020F0502020204030204" pitchFamily="34" charset="0"/>
+                        </a:rPr>
+                        <a:t>Lasso</a:t>
+                      </a:r>
+                    </a:p>
+                  </a:txBody>
+                  <a:tcPr marL="9525" marR="9525" marT="9525" marB="0" anchor="ctr">
+                    <a:lnL>
+                      <a:noFill/>
+                    </a:lnL>
+                    <a:lnR>
+                      <a:noFill/>
+                    </a:lnR>
+                    <a:lnT w="6350" cap="flat" cmpd="sng" algn="ctr">
+                      <a:solidFill>
+                        <a:srgbClr val="000000"/>
+                      </a:solidFill>
+                      <a:prstDash val="solid"/>
+                      <a:round/>
+                      <a:headEnd type="none" w="med" len="med"/>
+                      <a:tailEnd type="none" w="med" len="med"/>
+                    </a:lnT>
+                    <a:lnB w="6350" cap="flat" cmpd="sng" algn="ctr">
+                      <a:solidFill>
+                        <a:srgbClr val="000000"/>
+                      </a:solidFill>
+                      <a:prstDash val="solid"/>
+                      <a:round/>
+                      <a:headEnd type="none" w="med" len="med"/>
+                      <a:tailEnd type="none" w="med" len="med"/>
+                    </a:lnB>
+                  </a:tcPr>
+                </a:tc>
+                <a:tc>
+                  <a:txBody>
+                    <a:bodyPr/>
+                    <a:lstStyle/>
+                    <a:p>
+                      <a:pPr algn="ctr" fontAlgn="ctr"/>
+                      <a:r>
+                        <a:rPr lang="en-US" sz="2000" b="0" i="0" u="none" strike="noStrike">
+                          <a:solidFill>
+                            <a:srgbClr val="000000"/>
+                          </a:solidFill>
+                          <a:effectLst/>
+                          <a:latin typeface="Calibri" panose="020F0502020204030204" pitchFamily="34" charset="0"/>
+                        </a:rPr>
+                        <a:t>Enet</a:t>
+                      </a:r>
+                    </a:p>
+                  </a:txBody>
+                  <a:tcPr marL="9525" marR="9525" marT="9525" marB="0" anchor="ctr">
+                    <a:lnL>
+                      <a:noFill/>
+                    </a:lnL>
+                    <a:lnR>
+                      <a:noFill/>
+                    </a:lnR>
+                    <a:lnT w="6350" cap="flat" cmpd="sng" algn="ctr">
+                      <a:solidFill>
+                        <a:srgbClr val="000000"/>
+                      </a:solidFill>
+                      <a:prstDash val="solid"/>
+                      <a:round/>
+                      <a:headEnd type="none" w="med" len="med"/>
+                      <a:tailEnd type="none" w="med" len="med"/>
+                    </a:lnT>
+                    <a:lnB w="6350" cap="flat" cmpd="sng" algn="ctr">
+                      <a:solidFill>
+                        <a:srgbClr val="000000"/>
+                      </a:solidFill>
+                      <a:prstDash val="solid"/>
+                      <a:round/>
+                      <a:headEnd type="none" w="med" len="med"/>
+                      <a:tailEnd type="none" w="med" len="med"/>
+                    </a:lnB>
+                  </a:tcPr>
+                </a:tc>
+                <a:extLst>
+                  <a:ext uri="{0D108BD9-81ED-4DB2-BD59-A6C34878D82A}">
+                    <a16:rowId xmlns:a16="http://schemas.microsoft.com/office/drawing/2014/main" val="1321397725"/>
+                  </a:ext>
+                </a:extLst>
+              </a:tr>
+              <a:tr h="333375">
+                <a:tc>
+                  <a:txBody>
+                    <a:bodyPr/>
+                    <a:lstStyle/>
+                    <a:p>
+                      <a:pPr algn="l" fontAlgn="b"/>
+                      <a:r>
+                        <a:rPr lang="en-DE" sz="2000" b="0" i="0" u="none" strike="noStrike" dirty="0" smtClean="0">
+                          <a:solidFill>
+                            <a:srgbClr val="000000"/>
+                          </a:solidFill>
+                          <a:effectLst/>
+                          <a:latin typeface="Calibri" panose="020F0502020204030204" pitchFamily="34" charset="0"/>
+                        </a:rPr>
+                        <a:t>Avg. </a:t>
+                      </a:r>
+                      <a:r>
+                        <a:rPr lang="en-US" sz="2000" b="0" i="0" u="none" strike="noStrike" dirty="0" smtClean="0">
+                          <a:solidFill>
+                            <a:srgbClr val="000000"/>
+                          </a:solidFill>
+                          <a:effectLst/>
+                          <a:latin typeface="Calibri" panose="020F0502020204030204" pitchFamily="34" charset="0"/>
+                        </a:rPr>
+                        <a:t>Train </a:t>
+                      </a:r>
+                      <a:r>
+                        <a:rPr lang="en-US" sz="2000" b="0" i="0" u="none" strike="noStrike" dirty="0">
+                          <a:solidFill>
+                            <a:srgbClr val="000000"/>
+                          </a:solidFill>
+                          <a:effectLst/>
+                          <a:latin typeface="Calibri" panose="020F0502020204030204" pitchFamily="34" charset="0"/>
+                        </a:rPr>
+                        <a:t>MSE</a:t>
+                      </a:r>
+                    </a:p>
+                  </a:txBody>
+                  <a:tcPr marL="9525" marR="9525" marT="9525" marB="0" anchor="b">
+                    <a:lnL>
+                      <a:noFill/>
+                    </a:lnL>
+                    <a:lnR w="6350" cap="flat" cmpd="sng" algn="ctr">
+                      <a:solidFill>
+                        <a:srgbClr val="000000"/>
+                      </a:solidFill>
+                      <a:prstDash val="solid"/>
+                      <a:round/>
+                      <a:headEnd type="none" w="med" len="med"/>
+                      <a:tailEnd type="none" w="med" len="med"/>
+                    </a:lnR>
+                    <a:lnT w="6350" cap="flat" cmpd="sng" algn="ctr">
+                      <a:solidFill>
+                        <a:srgbClr val="000000"/>
+                      </a:solidFill>
+                      <a:prstDash val="solid"/>
+                      <a:round/>
+                      <a:headEnd type="none" w="med" len="med"/>
+                      <a:tailEnd type="none" w="med" len="med"/>
+                    </a:lnT>
+                    <a:lnB>
+                      <a:noFill/>
+                    </a:lnB>
+                  </a:tcPr>
+                </a:tc>
+                <a:tc>
+                  <a:txBody>
+                    <a:bodyPr/>
+                    <a:lstStyle/>
+                    <a:p>
+                      <a:pPr algn="ctr" fontAlgn="ctr"/>
+                      <a:r>
+                        <a:rPr lang="en-DE" sz="2000" b="0" i="0" u="none" strike="noStrike">
+                          <a:solidFill>
+                            <a:srgbClr val="000000"/>
+                          </a:solidFill>
+                          <a:effectLst/>
+                          <a:latin typeface="Calibri" panose="020F0502020204030204" pitchFamily="34" charset="0"/>
+                        </a:rPr>
+                        <a:t>19.396</a:t>
+                      </a:r>
+                    </a:p>
+                  </a:txBody>
+                  <a:tcPr marL="9525" marR="9525" marT="9525" marB="0" anchor="ctr">
+                    <a:lnL w="6350" cap="flat" cmpd="sng" algn="ctr">
+                      <a:solidFill>
+                        <a:srgbClr val="000000"/>
+                      </a:solidFill>
+                      <a:prstDash val="solid"/>
+                      <a:round/>
+                      <a:headEnd type="none" w="med" len="med"/>
+                      <a:tailEnd type="none" w="med" len="med"/>
+                    </a:lnL>
+                    <a:lnR>
+                      <a:noFill/>
+                    </a:lnR>
+                    <a:lnT w="6350" cap="flat" cmpd="sng" algn="ctr">
+                      <a:solidFill>
+                        <a:srgbClr val="000000"/>
+                      </a:solidFill>
+                      <a:prstDash val="solid"/>
+                      <a:round/>
+                      <a:headEnd type="none" w="med" len="med"/>
+                      <a:tailEnd type="none" w="med" len="med"/>
+                    </a:lnT>
+                    <a:lnB>
+                      <a:noFill/>
+                    </a:lnB>
+                  </a:tcPr>
+                </a:tc>
+                <a:tc>
+                  <a:txBody>
+                    <a:bodyPr/>
+                    <a:lstStyle/>
+                    <a:p>
+                      <a:pPr algn="ctr" fontAlgn="ctr"/>
+                      <a:r>
+                        <a:rPr lang="en-DE" sz="2000" b="0" i="0" u="none" strike="noStrike">
+                          <a:solidFill>
+                            <a:srgbClr val="000000"/>
+                          </a:solidFill>
+                          <a:effectLst/>
+                          <a:latin typeface="Calibri" panose="020F0502020204030204" pitchFamily="34" charset="0"/>
+                        </a:rPr>
+                        <a:t>19.131</a:t>
+                      </a:r>
+                    </a:p>
+                  </a:txBody>
+                  <a:tcPr marL="9525" marR="9525" marT="9525" marB="0" anchor="ctr">
+                    <a:lnL>
+                      <a:noFill/>
+                    </a:lnL>
+                    <a:lnR>
+                      <a:noFill/>
+                    </a:lnR>
+                    <a:lnT w="6350" cap="flat" cmpd="sng" algn="ctr">
+                      <a:solidFill>
+                        <a:srgbClr val="000000"/>
+                      </a:solidFill>
+                      <a:prstDash val="solid"/>
+                      <a:round/>
+                      <a:headEnd type="none" w="med" len="med"/>
+                      <a:tailEnd type="none" w="med" len="med"/>
+                    </a:lnT>
+                    <a:lnB>
+                      <a:noFill/>
+                    </a:lnB>
+                  </a:tcPr>
+                </a:tc>
+                <a:tc>
+                  <a:txBody>
+                    <a:bodyPr/>
+                    <a:lstStyle/>
+                    <a:p>
+                      <a:pPr algn="ctr" fontAlgn="ctr"/>
+                      <a:r>
+                        <a:rPr lang="en-DE" sz="2000" b="0" i="0" u="none" strike="noStrike">
+                          <a:solidFill>
+                            <a:srgbClr val="000000"/>
+                          </a:solidFill>
+                          <a:effectLst/>
+                          <a:latin typeface="Calibri" panose="020F0502020204030204" pitchFamily="34" charset="0"/>
+                        </a:rPr>
+                        <a:t>16.659</a:t>
+                      </a:r>
+                    </a:p>
+                  </a:txBody>
+                  <a:tcPr marL="9525" marR="9525" marT="9525" marB="0" anchor="ctr">
+                    <a:lnL>
+                      <a:noFill/>
+                    </a:lnL>
+                    <a:lnR>
+                      <a:noFill/>
+                    </a:lnR>
+                    <a:lnT w="6350" cap="flat" cmpd="sng" algn="ctr">
+                      <a:solidFill>
+                        <a:srgbClr val="000000"/>
+                      </a:solidFill>
+                      <a:prstDash val="solid"/>
+                      <a:round/>
+                      <a:headEnd type="none" w="med" len="med"/>
+                      <a:tailEnd type="none" w="med" len="med"/>
+                    </a:lnT>
+                    <a:lnB>
+                      <a:noFill/>
+                    </a:lnB>
+                  </a:tcPr>
+                </a:tc>
+                <a:tc>
+                  <a:txBody>
+                    <a:bodyPr/>
+                    <a:lstStyle/>
+                    <a:p>
+                      <a:pPr algn="ctr" fontAlgn="ctr"/>
+                      <a:r>
+                        <a:rPr lang="en-DE" sz="2000" b="0" i="0" u="none" strike="noStrike">
+                          <a:solidFill>
+                            <a:srgbClr val="000000"/>
+                          </a:solidFill>
+                          <a:effectLst/>
+                          <a:latin typeface="Calibri" panose="020F0502020204030204" pitchFamily="34" charset="0"/>
+                        </a:rPr>
+                        <a:t>16.729</a:t>
+                      </a:r>
+                    </a:p>
+                  </a:txBody>
+                  <a:tcPr marL="9525" marR="9525" marT="9525" marB="0" anchor="ctr">
+                    <a:lnL>
+                      <a:noFill/>
+                    </a:lnL>
+                    <a:lnR>
+                      <a:noFill/>
+                    </a:lnR>
+                    <a:lnT w="6350" cap="flat" cmpd="sng" algn="ctr">
+                      <a:solidFill>
+                        <a:srgbClr val="000000"/>
+                      </a:solidFill>
+                      <a:prstDash val="solid"/>
+                      <a:round/>
+                      <a:headEnd type="none" w="med" len="med"/>
+                      <a:tailEnd type="none" w="med" len="med"/>
+                    </a:lnT>
+                    <a:lnB>
+                      <a:noFill/>
+                    </a:lnB>
+                  </a:tcPr>
+                </a:tc>
+                <a:tc>
+                  <a:txBody>
+                    <a:bodyPr/>
+                    <a:lstStyle/>
+                    <a:p>
+                      <a:pPr algn="ctr" fontAlgn="ctr"/>
+                      <a:r>
+                        <a:rPr lang="en-DE" sz="2000" b="0" i="0" u="none" strike="noStrike">
+                          <a:solidFill>
+                            <a:srgbClr val="000000"/>
+                          </a:solidFill>
+                          <a:effectLst/>
+                          <a:latin typeface="Calibri" panose="020F0502020204030204" pitchFamily="34" charset="0"/>
+                        </a:rPr>
+                        <a:t>18.340</a:t>
+                      </a:r>
+                    </a:p>
+                  </a:txBody>
+                  <a:tcPr marL="9525" marR="9525" marT="9525" marB="0" anchor="ctr">
+                    <a:lnL>
+                      <a:noFill/>
+                    </a:lnL>
+                    <a:lnR>
+                      <a:noFill/>
+                    </a:lnR>
+                    <a:lnT w="6350" cap="flat" cmpd="sng" algn="ctr">
+                      <a:solidFill>
+                        <a:srgbClr val="000000"/>
+                      </a:solidFill>
+                      <a:prstDash val="solid"/>
+                      <a:round/>
+                      <a:headEnd type="none" w="med" len="med"/>
+                      <a:tailEnd type="none" w="med" len="med"/>
+                    </a:lnT>
+                    <a:lnB>
+                      <a:noFill/>
+                    </a:lnB>
+                  </a:tcPr>
+                </a:tc>
+                <a:tc>
+                  <a:txBody>
+                    <a:bodyPr/>
+                    <a:lstStyle/>
+                    <a:p>
+                      <a:pPr algn="ctr" fontAlgn="ctr"/>
+                      <a:r>
+                        <a:rPr lang="en-DE" sz="2000" b="0" i="0" u="none" strike="noStrike">
+                          <a:solidFill>
+                            <a:srgbClr val="000000"/>
+                          </a:solidFill>
+                          <a:effectLst/>
+                          <a:latin typeface="Calibri" panose="020F0502020204030204" pitchFamily="34" charset="0"/>
+                        </a:rPr>
+                        <a:t>18.325</a:t>
+                      </a:r>
+                    </a:p>
+                  </a:txBody>
+                  <a:tcPr marL="9525" marR="9525" marT="9525" marB="0" anchor="ctr">
+                    <a:lnL>
+                      <a:noFill/>
+                    </a:lnL>
+                    <a:lnR>
+                      <a:noFill/>
+                    </a:lnR>
+                    <a:lnT w="6350" cap="flat" cmpd="sng" algn="ctr">
+                      <a:solidFill>
+                        <a:srgbClr val="000000"/>
+                      </a:solidFill>
+                      <a:prstDash val="solid"/>
+                      <a:round/>
+                      <a:headEnd type="none" w="med" len="med"/>
+                      <a:tailEnd type="none" w="med" len="med"/>
+                    </a:lnT>
+                    <a:lnB>
+                      <a:noFill/>
+                    </a:lnB>
+                  </a:tcPr>
+                </a:tc>
+                <a:extLst>
+                  <a:ext uri="{0D108BD9-81ED-4DB2-BD59-A6C34878D82A}">
+                    <a16:rowId xmlns:a16="http://schemas.microsoft.com/office/drawing/2014/main" val="3252847149"/>
+                  </a:ext>
+                </a:extLst>
+              </a:tr>
+              <a:tr h="342900">
+                <a:tc>
+                  <a:txBody>
+                    <a:bodyPr/>
+                    <a:lstStyle/>
+                    <a:p>
+                      <a:pPr algn="l" fontAlgn="b"/>
+                      <a:r>
+                        <a:rPr lang="en-DE" sz="2000" b="0" i="0" u="none" strike="noStrike" dirty="0" smtClean="0">
+                          <a:solidFill>
+                            <a:srgbClr val="000000"/>
+                          </a:solidFill>
+                          <a:effectLst/>
+                          <a:latin typeface="Calibri" panose="020F0502020204030204" pitchFamily="34" charset="0"/>
+                        </a:rPr>
+                        <a:t>Avg. </a:t>
+                      </a:r>
+                      <a:r>
+                        <a:rPr lang="en-US" sz="2000" b="0" i="0" u="none" strike="noStrike" dirty="0" smtClean="0">
+                          <a:solidFill>
+                            <a:srgbClr val="000000"/>
+                          </a:solidFill>
+                          <a:effectLst/>
+                          <a:latin typeface="Calibri" panose="020F0502020204030204" pitchFamily="34" charset="0"/>
+                        </a:rPr>
+                        <a:t>Validate </a:t>
+                      </a:r>
+                      <a:r>
+                        <a:rPr lang="en-US" sz="2000" b="0" i="0" u="none" strike="noStrike" dirty="0">
+                          <a:solidFill>
+                            <a:srgbClr val="000000"/>
+                          </a:solidFill>
+                          <a:effectLst/>
+                          <a:latin typeface="Calibri" panose="020F0502020204030204" pitchFamily="34" charset="0"/>
+                        </a:rPr>
+                        <a:t>MSE</a:t>
+                      </a:r>
+                    </a:p>
+                  </a:txBody>
+                  <a:tcPr marL="9525" marR="9525" marT="9525" marB="0" anchor="b">
+                    <a:lnL>
+                      <a:noFill/>
+                    </a:lnL>
+                    <a:lnR w="6350" cap="flat" cmpd="sng" algn="ctr">
+                      <a:solidFill>
+                        <a:srgbClr val="000000"/>
+                      </a:solidFill>
+                      <a:prstDash val="solid"/>
+                      <a:round/>
+                      <a:headEnd type="none" w="med" len="med"/>
+                      <a:tailEnd type="none" w="med" len="med"/>
+                    </a:lnR>
+                    <a:lnT>
+                      <a:noFill/>
+                    </a:lnT>
+                    <a:lnB w="12700" cap="flat" cmpd="sng" algn="ctr">
+                      <a:solidFill>
+                        <a:srgbClr val="000000"/>
+                      </a:solidFill>
+                      <a:prstDash val="solid"/>
+                      <a:round/>
+                      <a:headEnd type="none" w="med" len="med"/>
+                      <a:tailEnd type="none" w="med" len="med"/>
+                    </a:lnB>
+                  </a:tcPr>
+                </a:tc>
+                <a:tc>
+                  <a:txBody>
+                    <a:bodyPr/>
+                    <a:lstStyle/>
+                    <a:p>
+                      <a:pPr algn="ctr" fontAlgn="ctr"/>
+                      <a:r>
+                        <a:rPr lang="en-DE" sz="2000" b="0" i="0" u="none" strike="noStrike">
+                          <a:solidFill>
+                            <a:srgbClr val="000000"/>
+                          </a:solidFill>
+                          <a:effectLst/>
+                          <a:latin typeface="Calibri" panose="020F0502020204030204" pitchFamily="34" charset="0"/>
+                        </a:rPr>
+                        <a:t>19.428</a:t>
+                      </a:r>
+                    </a:p>
+                  </a:txBody>
+                  <a:tcPr marL="9525" marR="9525" marT="9525" marB="0" anchor="ctr">
+                    <a:lnL w="6350" cap="flat" cmpd="sng" algn="ctr">
+                      <a:solidFill>
+                        <a:srgbClr val="000000"/>
+                      </a:solidFill>
+                      <a:prstDash val="solid"/>
+                      <a:round/>
+                      <a:headEnd type="none" w="med" len="med"/>
+                      <a:tailEnd type="none" w="med" len="med"/>
+                    </a:lnL>
+                    <a:lnR>
+                      <a:noFill/>
+                    </a:lnR>
+                    <a:lnT>
+                      <a:noFill/>
+                    </a:lnT>
+                    <a:lnB w="12700" cap="flat" cmpd="sng" algn="ctr">
+                      <a:solidFill>
+                        <a:srgbClr val="000000"/>
+                      </a:solidFill>
+                      <a:prstDash val="solid"/>
+                      <a:round/>
+                      <a:headEnd type="none" w="med" len="med"/>
+                      <a:tailEnd type="none" w="med" len="med"/>
+                    </a:lnB>
+                  </a:tcPr>
+                </a:tc>
+                <a:tc>
+                  <a:txBody>
+                    <a:bodyPr/>
+                    <a:lstStyle/>
+                    <a:p>
+                      <a:pPr algn="ctr" fontAlgn="ctr"/>
+                      <a:r>
+                        <a:rPr lang="en-DE" sz="2000" b="0" i="0" u="none" strike="noStrike">
+                          <a:solidFill>
+                            <a:srgbClr val="000000"/>
+                          </a:solidFill>
+                          <a:effectLst/>
+                          <a:latin typeface="Calibri" panose="020F0502020204030204" pitchFamily="34" charset="0"/>
+                        </a:rPr>
+                        <a:t>19.479</a:t>
+                      </a:r>
+                    </a:p>
+                  </a:txBody>
+                  <a:tcPr marL="9525" marR="9525" marT="9525" marB="0" anchor="ctr">
+                    <a:lnL>
+                      <a:noFill/>
+                    </a:lnL>
+                    <a:lnR>
+                      <a:noFill/>
+                    </a:lnR>
+                    <a:lnT>
+                      <a:noFill/>
+                    </a:lnT>
+                    <a:lnB w="12700" cap="flat" cmpd="sng" algn="ctr">
+                      <a:solidFill>
+                        <a:srgbClr val="000000"/>
+                      </a:solidFill>
+                      <a:prstDash val="solid"/>
+                      <a:round/>
+                      <a:headEnd type="none" w="med" len="med"/>
+                      <a:tailEnd type="none" w="med" len="med"/>
+                    </a:lnB>
+                  </a:tcPr>
+                </a:tc>
+                <a:tc>
+                  <a:txBody>
+                    <a:bodyPr/>
+                    <a:lstStyle/>
+                    <a:p>
+                      <a:pPr algn="ctr" fontAlgn="ctr"/>
+                      <a:r>
+                        <a:rPr lang="en-DE" sz="2000" b="0" i="0" u="none" strike="noStrike">
+                          <a:solidFill>
+                            <a:srgbClr val="000000"/>
+                          </a:solidFill>
+                          <a:effectLst/>
+                          <a:latin typeface="Calibri" panose="020F0502020204030204" pitchFamily="34" charset="0"/>
+                        </a:rPr>
+                        <a:t>21.022</a:t>
+                      </a:r>
+                    </a:p>
+                  </a:txBody>
+                  <a:tcPr marL="9525" marR="9525" marT="9525" marB="0" anchor="ctr">
+                    <a:lnL>
+                      <a:noFill/>
+                    </a:lnL>
+                    <a:lnR>
+                      <a:noFill/>
+                    </a:lnR>
+                    <a:lnT>
+                      <a:noFill/>
+                    </a:lnT>
+                    <a:lnB w="12700" cap="flat" cmpd="sng" algn="ctr">
+                      <a:solidFill>
+                        <a:srgbClr val="000000"/>
+                      </a:solidFill>
+                      <a:prstDash val="solid"/>
+                      <a:round/>
+                      <a:headEnd type="none" w="med" len="med"/>
+                      <a:tailEnd type="none" w="med" len="med"/>
+                    </a:lnB>
+                  </a:tcPr>
+                </a:tc>
+                <a:tc>
+                  <a:txBody>
+                    <a:bodyPr/>
+                    <a:lstStyle/>
+                    <a:p>
+                      <a:pPr algn="ctr" fontAlgn="ctr"/>
+                      <a:r>
+                        <a:rPr lang="en-DE" sz="2000" b="0" i="0" u="none" strike="noStrike">
+                          <a:solidFill>
+                            <a:srgbClr val="000000"/>
+                          </a:solidFill>
+                          <a:effectLst/>
+                          <a:latin typeface="Calibri" panose="020F0502020204030204" pitchFamily="34" charset="0"/>
+                        </a:rPr>
+                        <a:t>20.720</a:t>
+                      </a:r>
+                    </a:p>
+                  </a:txBody>
+                  <a:tcPr marL="9525" marR="9525" marT="9525" marB="0" anchor="ctr">
+                    <a:lnL>
+                      <a:noFill/>
+                    </a:lnL>
+                    <a:lnR>
+                      <a:noFill/>
+                    </a:lnR>
+                    <a:lnT>
+                      <a:noFill/>
+                    </a:lnT>
+                    <a:lnB w="12700" cap="flat" cmpd="sng" algn="ctr">
+                      <a:solidFill>
+                        <a:srgbClr val="000000"/>
+                      </a:solidFill>
+                      <a:prstDash val="solid"/>
+                      <a:round/>
+                      <a:headEnd type="none" w="med" len="med"/>
+                      <a:tailEnd type="none" w="med" len="med"/>
+                    </a:lnB>
+                  </a:tcPr>
+                </a:tc>
+                <a:tc>
+                  <a:txBody>
+                    <a:bodyPr/>
+                    <a:lstStyle/>
+                    <a:p>
+                      <a:pPr algn="ctr" fontAlgn="ctr"/>
+                      <a:r>
+                        <a:rPr lang="en-DE" sz="2000" b="0" i="0" u="none" strike="noStrike">
+                          <a:solidFill>
+                            <a:srgbClr val="000000"/>
+                          </a:solidFill>
+                          <a:effectLst/>
+                          <a:latin typeface="Calibri" panose="020F0502020204030204" pitchFamily="34" charset="0"/>
+                        </a:rPr>
+                        <a:t>19.382</a:t>
+                      </a:r>
+                    </a:p>
+                  </a:txBody>
+                  <a:tcPr marL="9525" marR="9525" marT="9525" marB="0" anchor="ctr">
+                    <a:lnL>
+                      <a:noFill/>
+                    </a:lnL>
+                    <a:lnR>
+                      <a:noFill/>
+                    </a:lnR>
+                    <a:lnT>
+                      <a:noFill/>
+                    </a:lnT>
+                    <a:lnB w="12700" cap="flat" cmpd="sng" algn="ctr">
+                      <a:solidFill>
+                        <a:srgbClr val="000000"/>
+                      </a:solidFill>
+                      <a:prstDash val="solid"/>
+                      <a:round/>
+                      <a:headEnd type="none" w="med" len="med"/>
+                      <a:tailEnd type="none" w="med" len="med"/>
+                    </a:lnB>
+                  </a:tcPr>
+                </a:tc>
+                <a:tc>
+                  <a:txBody>
+                    <a:bodyPr/>
+                    <a:lstStyle/>
+                    <a:p>
+                      <a:pPr algn="ctr" fontAlgn="ctr"/>
+                      <a:r>
+                        <a:rPr lang="en-DE" sz="2000" b="0" i="0" u="none" strike="noStrike" dirty="0">
+                          <a:solidFill>
+                            <a:srgbClr val="000000"/>
+                          </a:solidFill>
+                          <a:effectLst/>
+                          <a:latin typeface="Calibri" panose="020F0502020204030204" pitchFamily="34" charset="0"/>
+                        </a:rPr>
+                        <a:t>19.382</a:t>
+                      </a:r>
+                    </a:p>
+                  </a:txBody>
+                  <a:tcPr marL="9525" marR="9525" marT="9525" marB="0" anchor="ctr">
+                    <a:lnL>
+                      <a:noFill/>
+                    </a:lnL>
+                    <a:lnR>
+                      <a:noFill/>
+                    </a:lnR>
+                    <a:lnT>
+                      <a:noFill/>
+                    </a:lnT>
+                    <a:lnB w="12700" cap="flat" cmpd="sng" algn="ctr">
+                      <a:solidFill>
+                        <a:srgbClr val="000000"/>
+                      </a:solidFill>
+                      <a:prstDash val="solid"/>
+                      <a:round/>
+                      <a:headEnd type="none" w="med" len="med"/>
+                      <a:tailEnd type="none" w="med" len="med"/>
+                    </a:lnB>
+                  </a:tcPr>
+                </a:tc>
+                <a:extLst>
+                  <a:ext uri="{0D108BD9-81ED-4DB2-BD59-A6C34878D82A}">
+                    <a16:rowId xmlns:a16="http://schemas.microsoft.com/office/drawing/2014/main" val="46636203"/>
+                  </a:ext>
+                </a:extLst>
+              </a:tr>
+            </a:tbl>
+          </a:graphicData>
+        </a:graphic>
+      </p:graphicFrame>
+      <p:sp>
+        <p:nvSpPr>
+          <p:cNvPr id="23" name="Content Placeholder 2"/>
+          <p:cNvSpPr txBox="1">
+            <a:spLocks/>
+          </p:cNvSpPr>
+          <p:nvPr/>
+        </p:nvSpPr>
+        <p:spPr>
+          <a:xfrm>
+            <a:off x="684000" y="3212976"/>
+            <a:ext cx="7776000" cy="2849424"/>
+          </a:xfrm>
+          <a:prstGeom prst="rect">
+            <a:avLst/>
+          </a:prstGeom>
+        </p:spPr>
+        <p:txBody>
+          <a:bodyPr vert="horz" lIns="0" tIns="0" rIns="0" bIns="0" rtlCol="0" anchor="t">
+            <a:noAutofit/>
+          </a:bodyPr>
+          <a:lstStyle>
+            <a:lvl1pPr marL="342900" indent="-342900" algn="l" defTabSz="914400" rtl="0" eaLnBrk="1" latinLnBrk="0" hangingPunct="1">
+              <a:spcBef>
+                <a:spcPct val="20000"/>
+              </a:spcBef>
+              <a:buFont typeface="Arial" panose="020B0604020202020204" pitchFamily="34" charset="0"/>
+              <a:buChar char="•"/>
+              <a:defRPr sz="2400" kern="1200">
+                <a:solidFill>
+                  <a:srgbClr val="003056"/>
+                </a:solidFill>
+                <a:latin typeface="+mn-lt"/>
+                <a:ea typeface="+mn-ea"/>
+                <a:cs typeface="+mn-cs"/>
+              </a:defRPr>
+            </a:lvl1pPr>
+            <a:lvl2pPr marL="742950" indent="-285750" algn="l" defTabSz="914400" rtl="0" eaLnBrk="1" latinLnBrk="0" hangingPunct="1">
+              <a:spcBef>
+                <a:spcPct val="20000"/>
+              </a:spcBef>
+              <a:buFont typeface="Arial" panose="020B0604020202020204" pitchFamily="34" charset="0"/>
+              <a:buChar char="–"/>
+              <a:defRPr sz="2000" kern="1200">
+                <a:solidFill>
+                  <a:srgbClr val="003056"/>
+                </a:solidFill>
+                <a:latin typeface="+mn-lt"/>
+                <a:ea typeface="+mn-ea"/>
+                <a:cs typeface="+mn-cs"/>
+              </a:defRPr>
+            </a:lvl2pPr>
+            <a:lvl3pPr marL="1143000" indent="-228600" algn="l" defTabSz="914400" rtl="0" eaLnBrk="1" latinLnBrk="0" hangingPunct="1">
+              <a:spcBef>
+                <a:spcPct val="20000"/>
+              </a:spcBef>
+              <a:buFont typeface="Arial" panose="020B0604020202020204" pitchFamily="34" charset="0"/>
+              <a:buChar char="•"/>
+              <a:defRPr sz="1800" kern="1200">
+                <a:solidFill>
+                  <a:srgbClr val="003056"/>
+                </a:solidFill>
+                <a:latin typeface="+mn-lt"/>
+                <a:ea typeface="+mn-ea"/>
+                <a:cs typeface="+mn-cs"/>
+              </a:defRPr>
+            </a:lvl3pPr>
+            <a:lvl4pPr marL="1600200" indent="-228600" algn="l" defTabSz="914400" rtl="0" eaLnBrk="1" latinLnBrk="0" hangingPunct="1">
+              <a:spcBef>
+                <a:spcPct val="20000"/>
+              </a:spcBef>
+              <a:buFont typeface="Arial" panose="020B0604020202020204" pitchFamily="34" charset="0"/>
+              <a:buChar char="–"/>
+              <a:defRPr sz="1600" kern="1200">
+                <a:solidFill>
+                  <a:srgbClr val="003056"/>
+                </a:solidFill>
+                <a:latin typeface="+mn-lt"/>
+                <a:ea typeface="+mn-ea"/>
+                <a:cs typeface="+mn-cs"/>
+              </a:defRPr>
+            </a:lvl4pPr>
+            <a:lvl5pPr marL="2057400" indent="-228600" algn="l" defTabSz="914400" rtl="0" eaLnBrk="1" latinLnBrk="0" hangingPunct="1">
+              <a:spcBef>
+                <a:spcPct val="20000"/>
+              </a:spcBef>
+              <a:buFont typeface="Arial" panose="020B0604020202020204" pitchFamily="34" charset="0"/>
+              <a:buChar char="»"/>
+              <a:defRPr sz="1600" kern="1200">
+                <a:solidFill>
+                  <a:srgbClr val="003056"/>
+                </a:solidFill>
+                <a:latin typeface="+mn-lt"/>
+                <a:ea typeface="+mn-ea"/>
+                <a:cs typeface="+mn-cs"/>
+              </a:defRPr>
+            </a:lvl5pPr>
+            <a:lvl6pPr marL="2514600" indent="-228600" algn="l" defTabSz="914400" rtl="0" eaLnBrk="1" latinLnBrk="0" hangingPunct="1">
+              <a:spcBef>
+                <a:spcPct val="20000"/>
+              </a:spcBef>
+              <a:buFont typeface="Arial" panose="020B0604020202020204" pitchFamily="34" charset="0"/>
+              <a:buChar char="•"/>
+              <a:defRPr sz="2000" kern="1200">
+                <a:solidFill>
+                  <a:schemeClr val="tx1"/>
+                </a:solidFill>
+                <a:latin typeface="+mn-lt"/>
+                <a:ea typeface="+mn-ea"/>
+                <a:cs typeface="+mn-cs"/>
+              </a:defRPr>
+            </a:lvl6pPr>
+            <a:lvl7pPr marL="2971800" indent="-228600" algn="l" defTabSz="914400" rtl="0" eaLnBrk="1" latinLnBrk="0" hangingPunct="1">
+              <a:spcBef>
+                <a:spcPct val="20000"/>
+              </a:spcBef>
+              <a:buFont typeface="Arial" panose="020B0604020202020204" pitchFamily="34" charset="0"/>
+              <a:buChar char="•"/>
+              <a:defRPr sz="2000" kern="1200">
+                <a:solidFill>
+                  <a:schemeClr val="tx1"/>
+                </a:solidFill>
+                <a:latin typeface="+mn-lt"/>
+                <a:ea typeface="+mn-ea"/>
+                <a:cs typeface="+mn-cs"/>
+              </a:defRPr>
+            </a:lvl7pPr>
+            <a:lvl8pPr marL="3429000" indent="-228600" algn="l" defTabSz="914400" rtl="0" eaLnBrk="1" latinLnBrk="0" hangingPunct="1">
+              <a:spcBef>
+                <a:spcPct val="20000"/>
+              </a:spcBef>
+              <a:buFont typeface="Arial" panose="020B0604020202020204" pitchFamily="34" charset="0"/>
+              <a:buChar char="•"/>
+              <a:defRPr sz="2000" kern="1200">
+                <a:solidFill>
+                  <a:schemeClr val="tx1"/>
+                </a:solidFill>
+                <a:latin typeface="+mn-lt"/>
+                <a:ea typeface="+mn-ea"/>
+                <a:cs typeface="+mn-cs"/>
+              </a:defRPr>
+            </a:lvl8pPr>
+            <a:lvl9pPr marL="3886200" indent="-228600" algn="l" defTabSz="914400" rtl="0" eaLnBrk="1" latinLnBrk="0" hangingPunct="1">
+              <a:spcBef>
+                <a:spcPct val="20000"/>
+              </a:spcBef>
+              <a:buFont typeface="Arial" panose="020B0604020202020204" pitchFamily="34" charset="0"/>
+              <a:buChar char="•"/>
+              <a:defRPr sz="2000" kern="1200">
+                <a:solidFill>
+                  <a:schemeClr val="tx1"/>
+                </a:solidFill>
+                <a:latin typeface="+mn-lt"/>
+                <a:ea typeface="+mn-ea"/>
+                <a:cs typeface="+mn-cs"/>
+              </a:defRPr>
+            </a:lvl9pPr>
+          </a:lstStyle>
+          <a:p>
+            <a:r>
+              <a:rPr lang="en-DE" sz="2000" dirty="0" smtClean="0"/>
+              <a:t>Constant model (simple historical average ) and a model with Principal Components  as regressors show similar performance  in the train and validation samples</a:t>
+            </a:r>
+          </a:p>
+          <a:p>
+            <a:r>
+              <a:rPr lang="en-DE" sz="2000" dirty="0" smtClean="0"/>
+              <a:t>OLS performs well in the train sample but has high MSE in the validation sample (overfitting)</a:t>
+            </a:r>
+          </a:p>
+          <a:p>
+            <a:r>
+              <a:rPr lang="en-DE" sz="2000" dirty="0" smtClean="0"/>
+              <a:t>Ridge improves slightly this pattern</a:t>
+            </a:r>
+          </a:p>
+          <a:p>
+            <a:r>
+              <a:rPr lang="en-DE" sz="2000" dirty="0" smtClean="0"/>
+              <a:t>Lasso and Enet </a:t>
+            </a:r>
+            <a:r>
+              <a:rPr lang="en-DE" sz="2000" dirty="0"/>
+              <a:t>signifcantly</a:t>
+            </a:r>
+            <a:r>
+              <a:rPr lang="en-DE" sz="2000" dirty="0" smtClean="0"/>
+              <a:t> improve performance in the validation sample</a:t>
+            </a:r>
+            <a:endParaRPr lang="en-US" sz="2000" dirty="0"/>
+          </a:p>
+        </p:txBody>
+      </p:sp>
     </p:spTree>
     <p:extLst>
       <p:ext uri="{BB962C8B-B14F-4D97-AF65-F5344CB8AC3E}">
-        <p14:creationId xmlns:p14="http://schemas.microsoft.com/office/powerpoint/2010/main" val="4107849548"/>
+        <p14:creationId xmlns:p14="http://schemas.microsoft.com/office/powerpoint/2010/main" val="1184520778"/>
       </p:ext>
     </p:extLst>
   </p:cSld>
   <p:clrMapOvr>
     <a:masterClrMapping/>
   </p:clrMapOvr>
+  <p:timing>
+    <p:tnLst>
+      <p:par>
+        <p:cTn id="1" dur="indefinite" restart="never" nodeType="tmRoot"/>
+      </p:par>
+    </p:tnLst>
+  </p:timing>
 </p:sld>
 </file>
 
@@ -7194,32 +8882,1039 @@
           <a:lstStyle/>
           <a:p>
             <a:r>
-              <a:rPr lang="en-US" dirty="0" smtClean="0"/>
-              <a:t>Caveats</a:t>
+              <a:rPr lang="en-DE" dirty="0" smtClean="0"/>
+              <a:t>Prediction MSE</a:t>
             </a:r>
             <a:endParaRPr lang="en-US" dirty="0"/>
           </a:p>
         </p:txBody>
       </p:sp>
-      <p:sp>
-        <p:nvSpPr>
-          <p:cNvPr id="3" name="Content Placeholder 2"/>
-          <p:cNvSpPr>
-            <a:spLocks noGrp="1"/>
-          </p:cNvSpPr>
+      <p:graphicFrame>
+        <p:nvGraphicFramePr>
+          <p:cNvPr id="7" name="Content Placeholder 6"/>
+          <p:cNvGraphicFramePr>
+            <a:graphicFrameLocks noGrp="1"/>
+          </p:cNvGraphicFramePr>
           <p:nvPr>
             <p:ph idx="1"/>
+            <p:extLst>
+              <p:ext uri="{D42A27DB-BD31-4B8C-83A1-F6EECF244321}">
+                <p14:modId xmlns:p14="http://schemas.microsoft.com/office/powerpoint/2010/main" val="300077445"/>
+              </p:ext>
+            </p:extLst>
           </p:nvPr>
-        </p:nvSpPr>
-        <p:spPr/>
-        <p:txBody>
-          <a:bodyPr/>
-          <a:lstStyle/>
-          <a:p>
-            <a:endParaRPr lang="en-US"/>
-          </a:p>
-        </p:txBody>
-      </p:sp>
+        </p:nvGraphicFramePr>
+        <p:xfrm>
+          <a:off x="908248" y="1148544"/>
+          <a:ext cx="7696200" cy="876300"/>
+        </p:xfrm>
+        <a:graphic>
+          <a:graphicData uri="http://schemas.openxmlformats.org/drawingml/2006/table">
+            <a:tbl>
+              <a:tblPr/>
+              <a:tblGrid>
+                <a:gridCol w="1981200">
+                  <a:extLst>
+                    <a:ext uri="{9D8B030D-6E8A-4147-A177-3AD203B41FA5}">
+                      <a16:colId xmlns:a16="http://schemas.microsoft.com/office/drawing/2014/main" val="3514439321"/>
+                    </a:ext>
+                  </a:extLst>
+                </a:gridCol>
+                <a:gridCol w="952500">
+                  <a:extLst>
+                    <a:ext uri="{9D8B030D-6E8A-4147-A177-3AD203B41FA5}">
+                      <a16:colId xmlns:a16="http://schemas.microsoft.com/office/drawing/2014/main" val="146923457"/>
+                    </a:ext>
+                  </a:extLst>
+                </a:gridCol>
+                <a:gridCol w="952500">
+                  <a:extLst>
+                    <a:ext uri="{9D8B030D-6E8A-4147-A177-3AD203B41FA5}">
+                      <a16:colId xmlns:a16="http://schemas.microsoft.com/office/drawing/2014/main" val="474674774"/>
+                    </a:ext>
+                  </a:extLst>
+                </a:gridCol>
+                <a:gridCol w="952500">
+                  <a:extLst>
+                    <a:ext uri="{9D8B030D-6E8A-4147-A177-3AD203B41FA5}">
+                      <a16:colId xmlns:a16="http://schemas.microsoft.com/office/drawing/2014/main" val="1630497799"/>
+                    </a:ext>
+                  </a:extLst>
+                </a:gridCol>
+                <a:gridCol w="952500">
+                  <a:extLst>
+                    <a:ext uri="{9D8B030D-6E8A-4147-A177-3AD203B41FA5}">
+                      <a16:colId xmlns:a16="http://schemas.microsoft.com/office/drawing/2014/main" val="11798766"/>
+                    </a:ext>
+                  </a:extLst>
+                </a:gridCol>
+                <a:gridCol w="952500">
+                  <a:extLst>
+                    <a:ext uri="{9D8B030D-6E8A-4147-A177-3AD203B41FA5}">
+                      <a16:colId xmlns:a16="http://schemas.microsoft.com/office/drawing/2014/main" val="2026449190"/>
+                    </a:ext>
+                  </a:extLst>
+                </a:gridCol>
+                <a:gridCol w="952500">
+                  <a:extLst>
+                    <a:ext uri="{9D8B030D-6E8A-4147-A177-3AD203B41FA5}">
+                      <a16:colId xmlns:a16="http://schemas.microsoft.com/office/drawing/2014/main" val="3167480087"/>
+                    </a:ext>
+                  </a:extLst>
+                </a:gridCol>
+              </a:tblGrid>
+              <a:tr h="200025">
+                <a:tc>
+                  <a:txBody>
+                    <a:bodyPr/>
+                    <a:lstStyle/>
+                    <a:p>
+                      <a:pPr algn="l" fontAlgn="b"/>
+                      <a:r>
+                        <a:rPr lang="en-DE" sz="1100" b="0" i="0" u="none" strike="noStrike" dirty="0">
+                          <a:solidFill>
+                            <a:srgbClr val="000000"/>
+                          </a:solidFill>
+                          <a:effectLst/>
+                          <a:latin typeface="Calibri" panose="020F0502020204030204" pitchFamily="34" charset="0"/>
+                        </a:rPr>
+                        <a:t> </a:t>
+                      </a:r>
+                    </a:p>
+                  </a:txBody>
+                  <a:tcPr marL="9525" marR="9525" marT="9525" marB="0" anchor="b">
+                    <a:lnL>
+                      <a:noFill/>
+                    </a:lnL>
+                    <a:lnR>
+                      <a:noFill/>
+                    </a:lnR>
+                    <a:lnT>
+                      <a:noFill/>
+                    </a:lnT>
+                    <a:lnB w="12700" cap="flat" cmpd="sng" algn="ctr">
+                      <a:solidFill>
+                        <a:srgbClr val="000000"/>
+                      </a:solidFill>
+                      <a:prstDash val="solid"/>
+                      <a:round/>
+                      <a:headEnd type="none" w="med" len="med"/>
+                      <a:tailEnd type="none" w="med" len="med"/>
+                    </a:lnB>
+                  </a:tcPr>
+                </a:tc>
+                <a:tc>
+                  <a:txBody>
+                    <a:bodyPr/>
+                    <a:lstStyle/>
+                    <a:p>
+                      <a:pPr algn="l" fontAlgn="b"/>
+                      <a:r>
+                        <a:rPr lang="en-DE" sz="1100" b="0" i="0" u="none" strike="noStrike">
+                          <a:solidFill>
+                            <a:srgbClr val="000000"/>
+                          </a:solidFill>
+                          <a:effectLst/>
+                          <a:latin typeface="Calibri" panose="020F0502020204030204" pitchFamily="34" charset="0"/>
+                        </a:rPr>
+                        <a:t> </a:t>
+                      </a:r>
+                    </a:p>
+                  </a:txBody>
+                  <a:tcPr marL="9525" marR="9525" marT="9525" marB="0" anchor="b">
+                    <a:lnL>
+                      <a:noFill/>
+                    </a:lnL>
+                    <a:lnR>
+                      <a:noFill/>
+                    </a:lnR>
+                    <a:lnT>
+                      <a:noFill/>
+                    </a:lnT>
+                    <a:lnB w="12700" cap="flat" cmpd="sng" algn="ctr">
+                      <a:solidFill>
+                        <a:srgbClr val="000000"/>
+                      </a:solidFill>
+                      <a:prstDash val="solid"/>
+                      <a:round/>
+                      <a:headEnd type="none" w="med" len="med"/>
+                      <a:tailEnd type="none" w="med" len="med"/>
+                    </a:lnB>
+                  </a:tcPr>
+                </a:tc>
+                <a:tc>
+                  <a:txBody>
+                    <a:bodyPr/>
+                    <a:lstStyle/>
+                    <a:p>
+                      <a:pPr algn="l" fontAlgn="b"/>
+                      <a:r>
+                        <a:rPr lang="en-DE" sz="1100" b="0" i="0" u="none" strike="noStrike">
+                          <a:solidFill>
+                            <a:srgbClr val="000000"/>
+                          </a:solidFill>
+                          <a:effectLst/>
+                          <a:latin typeface="Calibri" panose="020F0502020204030204" pitchFamily="34" charset="0"/>
+                        </a:rPr>
+                        <a:t> </a:t>
+                      </a:r>
+                    </a:p>
+                  </a:txBody>
+                  <a:tcPr marL="9525" marR="9525" marT="9525" marB="0" anchor="b">
+                    <a:lnL>
+                      <a:noFill/>
+                    </a:lnL>
+                    <a:lnR>
+                      <a:noFill/>
+                    </a:lnR>
+                    <a:lnT>
+                      <a:noFill/>
+                    </a:lnT>
+                    <a:lnB w="12700" cap="flat" cmpd="sng" algn="ctr">
+                      <a:solidFill>
+                        <a:srgbClr val="000000"/>
+                      </a:solidFill>
+                      <a:prstDash val="solid"/>
+                      <a:round/>
+                      <a:headEnd type="none" w="med" len="med"/>
+                      <a:tailEnd type="none" w="med" len="med"/>
+                    </a:lnB>
+                  </a:tcPr>
+                </a:tc>
+                <a:tc>
+                  <a:txBody>
+                    <a:bodyPr/>
+                    <a:lstStyle/>
+                    <a:p>
+                      <a:pPr algn="l" fontAlgn="b"/>
+                      <a:r>
+                        <a:rPr lang="en-DE" sz="1100" b="0" i="0" u="none" strike="noStrike">
+                          <a:solidFill>
+                            <a:srgbClr val="000000"/>
+                          </a:solidFill>
+                          <a:effectLst/>
+                          <a:latin typeface="Calibri" panose="020F0502020204030204" pitchFamily="34" charset="0"/>
+                        </a:rPr>
+                        <a:t> </a:t>
+                      </a:r>
+                    </a:p>
+                  </a:txBody>
+                  <a:tcPr marL="9525" marR="9525" marT="9525" marB="0" anchor="b">
+                    <a:lnL>
+                      <a:noFill/>
+                    </a:lnL>
+                    <a:lnR>
+                      <a:noFill/>
+                    </a:lnR>
+                    <a:lnT>
+                      <a:noFill/>
+                    </a:lnT>
+                    <a:lnB w="12700" cap="flat" cmpd="sng" algn="ctr">
+                      <a:solidFill>
+                        <a:srgbClr val="000000"/>
+                      </a:solidFill>
+                      <a:prstDash val="solid"/>
+                      <a:round/>
+                      <a:headEnd type="none" w="med" len="med"/>
+                      <a:tailEnd type="none" w="med" len="med"/>
+                    </a:lnB>
+                  </a:tcPr>
+                </a:tc>
+                <a:tc>
+                  <a:txBody>
+                    <a:bodyPr/>
+                    <a:lstStyle/>
+                    <a:p>
+                      <a:pPr algn="l" fontAlgn="b"/>
+                      <a:r>
+                        <a:rPr lang="en-DE" sz="1100" b="0" i="0" u="none" strike="noStrike">
+                          <a:solidFill>
+                            <a:srgbClr val="000000"/>
+                          </a:solidFill>
+                          <a:effectLst/>
+                          <a:latin typeface="Calibri" panose="020F0502020204030204" pitchFamily="34" charset="0"/>
+                        </a:rPr>
+                        <a:t> </a:t>
+                      </a:r>
+                    </a:p>
+                  </a:txBody>
+                  <a:tcPr marL="9525" marR="9525" marT="9525" marB="0" anchor="b">
+                    <a:lnL>
+                      <a:noFill/>
+                    </a:lnL>
+                    <a:lnR>
+                      <a:noFill/>
+                    </a:lnR>
+                    <a:lnT>
+                      <a:noFill/>
+                    </a:lnT>
+                    <a:lnB w="12700" cap="flat" cmpd="sng" algn="ctr">
+                      <a:solidFill>
+                        <a:srgbClr val="000000"/>
+                      </a:solidFill>
+                      <a:prstDash val="solid"/>
+                      <a:round/>
+                      <a:headEnd type="none" w="med" len="med"/>
+                      <a:tailEnd type="none" w="med" len="med"/>
+                    </a:lnB>
+                  </a:tcPr>
+                </a:tc>
+                <a:tc>
+                  <a:txBody>
+                    <a:bodyPr/>
+                    <a:lstStyle/>
+                    <a:p>
+                      <a:pPr algn="l" fontAlgn="b"/>
+                      <a:r>
+                        <a:rPr lang="en-DE" sz="1100" b="0" i="0" u="none" strike="noStrike">
+                          <a:solidFill>
+                            <a:srgbClr val="000000"/>
+                          </a:solidFill>
+                          <a:effectLst/>
+                          <a:latin typeface="Calibri" panose="020F0502020204030204" pitchFamily="34" charset="0"/>
+                        </a:rPr>
+                        <a:t> </a:t>
+                      </a:r>
+                    </a:p>
+                  </a:txBody>
+                  <a:tcPr marL="9525" marR="9525" marT="9525" marB="0" anchor="b">
+                    <a:lnL>
+                      <a:noFill/>
+                    </a:lnL>
+                    <a:lnR>
+                      <a:noFill/>
+                    </a:lnR>
+                    <a:lnT>
+                      <a:noFill/>
+                    </a:lnT>
+                    <a:lnB w="12700" cap="flat" cmpd="sng" algn="ctr">
+                      <a:solidFill>
+                        <a:srgbClr val="000000"/>
+                      </a:solidFill>
+                      <a:prstDash val="solid"/>
+                      <a:round/>
+                      <a:headEnd type="none" w="med" len="med"/>
+                      <a:tailEnd type="none" w="med" len="med"/>
+                    </a:lnB>
+                  </a:tcPr>
+                </a:tc>
+                <a:tc>
+                  <a:txBody>
+                    <a:bodyPr/>
+                    <a:lstStyle/>
+                    <a:p>
+                      <a:pPr algn="l" fontAlgn="b"/>
+                      <a:r>
+                        <a:rPr lang="en-DE" sz="1100" b="0" i="0" u="none" strike="noStrike">
+                          <a:solidFill>
+                            <a:srgbClr val="000000"/>
+                          </a:solidFill>
+                          <a:effectLst/>
+                          <a:latin typeface="Calibri" panose="020F0502020204030204" pitchFamily="34" charset="0"/>
+                        </a:rPr>
+                        <a:t> </a:t>
+                      </a:r>
+                    </a:p>
+                  </a:txBody>
+                  <a:tcPr marL="9525" marR="9525" marT="9525" marB="0" anchor="b">
+                    <a:lnL>
+                      <a:noFill/>
+                    </a:lnL>
+                    <a:lnR>
+                      <a:noFill/>
+                    </a:lnR>
+                    <a:lnT>
+                      <a:noFill/>
+                    </a:lnT>
+                    <a:lnB w="12700" cap="flat" cmpd="sng" algn="ctr">
+                      <a:solidFill>
+                        <a:srgbClr val="000000"/>
+                      </a:solidFill>
+                      <a:prstDash val="solid"/>
+                      <a:round/>
+                      <a:headEnd type="none" w="med" len="med"/>
+                      <a:tailEnd type="none" w="med" len="med"/>
+                    </a:lnB>
+                  </a:tcPr>
+                </a:tc>
+                <a:extLst>
+                  <a:ext uri="{0D108BD9-81ED-4DB2-BD59-A6C34878D82A}">
+                    <a16:rowId xmlns:a16="http://schemas.microsoft.com/office/drawing/2014/main" val="3637229970"/>
+                  </a:ext>
+                </a:extLst>
+              </a:tr>
+              <a:tr h="333375">
+                <a:tc>
+                  <a:txBody>
+                    <a:bodyPr/>
+                    <a:lstStyle/>
+                    <a:p>
+                      <a:pPr algn="l" fontAlgn="b"/>
+                      <a:r>
+                        <a:rPr lang="en-US" sz="2000" b="0" i="0" u="none" strike="noStrike">
+                          <a:solidFill>
+                            <a:srgbClr val="000000"/>
+                          </a:solidFill>
+                          <a:effectLst/>
+                          <a:latin typeface="Calibri" panose="020F0502020204030204" pitchFamily="34" charset="0"/>
+                        </a:rPr>
+                        <a:t>Model</a:t>
+                      </a:r>
+                    </a:p>
+                  </a:txBody>
+                  <a:tcPr marL="9525" marR="9525" marT="9525" marB="0" anchor="b">
+                    <a:lnL>
+                      <a:noFill/>
+                    </a:lnL>
+                    <a:lnR w="6350" cap="flat" cmpd="sng" algn="ctr">
+                      <a:solidFill>
+                        <a:srgbClr val="000000"/>
+                      </a:solidFill>
+                      <a:prstDash val="solid"/>
+                      <a:round/>
+                      <a:headEnd type="none" w="med" len="med"/>
+                      <a:tailEnd type="none" w="med" len="med"/>
+                    </a:lnR>
+                    <a:lnT w="12700" cap="flat" cmpd="sng" algn="ctr">
+                      <a:solidFill>
+                        <a:srgbClr val="000000"/>
+                      </a:solidFill>
+                      <a:prstDash val="solid"/>
+                      <a:round/>
+                      <a:headEnd type="none" w="med" len="med"/>
+                      <a:tailEnd type="none" w="med" len="med"/>
+                    </a:lnT>
+                    <a:lnB w="6350" cap="flat" cmpd="sng" algn="ctr">
+                      <a:solidFill>
+                        <a:srgbClr val="000000"/>
+                      </a:solidFill>
+                      <a:prstDash val="solid"/>
+                      <a:round/>
+                      <a:headEnd type="none" w="med" len="med"/>
+                      <a:tailEnd type="none" w="med" len="med"/>
+                    </a:lnB>
+                  </a:tcPr>
+                </a:tc>
+                <a:tc>
+                  <a:txBody>
+                    <a:bodyPr/>
+                    <a:lstStyle/>
+                    <a:p>
+                      <a:pPr algn="ctr" fontAlgn="ctr"/>
+                      <a:r>
+                        <a:rPr lang="en-US" sz="2000" b="0" i="0" u="none" strike="noStrike">
+                          <a:solidFill>
+                            <a:srgbClr val="000000"/>
+                          </a:solidFill>
+                          <a:effectLst/>
+                          <a:latin typeface="Calibri" panose="020F0502020204030204" pitchFamily="34" charset="0"/>
+                        </a:rPr>
+                        <a:t>Const</a:t>
+                      </a:r>
+                    </a:p>
+                  </a:txBody>
+                  <a:tcPr marL="9525" marR="9525" marT="9525" marB="0" anchor="ctr">
+                    <a:lnL w="6350" cap="flat" cmpd="sng" algn="ctr">
+                      <a:solidFill>
+                        <a:srgbClr val="000000"/>
+                      </a:solidFill>
+                      <a:prstDash val="solid"/>
+                      <a:round/>
+                      <a:headEnd type="none" w="med" len="med"/>
+                      <a:tailEnd type="none" w="med" len="med"/>
+                    </a:lnL>
+                    <a:lnR>
+                      <a:noFill/>
+                    </a:lnR>
+                    <a:lnT w="12700" cap="flat" cmpd="sng" algn="ctr">
+                      <a:solidFill>
+                        <a:srgbClr val="000000"/>
+                      </a:solidFill>
+                      <a:prstDash val="solid"/>
+                      <a:round/>
+                      <a:headEnd type="none" w="med" len="med"/>
+                      <a:tailEnd type="none" w="med" len="med"/>
+                    </a:lnT>
+                    <a:lnB w="6350" cap="flat" cmpd="sng" algn="ctr">
+                      <a:solidFill>
+                        <a:srgbClr val="000000"/>
+                      </a:solidFill>
+                      <a:prstDash val="solid"/>
+                      <a:round/>
+                      <a:headEnd type="none" w="med" len="med"/>
+                      <a:tailEnd type="none" w="med" len="med"/>
+                    </a:lnB>
+                  </a:tcPr>
+                </a:tc>
+                <a:tc>
+                  <a:txBody>
+                    <a:bodyPr/>
+                    <a:lstStyle/>
+                    <a:p>
+                      <a:pPr algn="ctr" fontAlgn="ctr"/>
+                      <a:r>
+                        <a:rPr lang="en-US" sz="2000" b="0" i="0" u="none" strike="noStrike" dirty="0">
+                          <a:solidFill>
+                            <a:srgbClr val="000000"/>
+                          </a:solidFill>
+                          <a:effectLst/>
+                          <a:latin typeface="Calibri" panose="020F0502020204030204" pitchFamily="34" charset="0"/>
+                        </a:rPr>
+                        <a:t>PCA</a:t>
+                      </a:r>
+                    </a:p>
+                  </a:txBody>
+                  <a:tcPr marL="9525" marR="9525" marT="9525" marB="0" anchor="ctr">
+                    <a:lnL>
+                      <a:noFill/>
+                    </a:lnL>
+                    <a:lnR>
+                      <a:noFill/>
+                    </a:lnR>
+                    <a:lnT w="12700" cap="flat" cmpd="sng" algn="ctr">
+                      <a:solidFill>
+                        <a:srgbClr val="000000"/>
+                      </a:solidFill>
+                      <a:prstDash val="solid"/>
+                      <a:round/>
+                      <a:headEnd type="none" w="med" len="med"/>
+                      <a:tailEnd type="none" w="med" len="med"/>
+                    </a:lnT>
+                    <a:lnB w="6350" cap="flat" cmpd="sng" algn="ctr">
+                      <a:solidFill>
+                        <a:srgbClr val="000000"/>
+                      </a:solidFill>
+                      <a:prstDash val="solid"/>
+                      <a:round/>
+                      <a:headEnd type="none" w="med" len="med"/>
+                      <a:tailEnd type="none" w="med" len="med"/>
+                    </a:lnB>
+                  </a:tcPr>
+                </a:tc>
+                <a:tc>
+                  <a:txBody>
+                    <a:bodyPr/>
+                    <a:lstStyle/>
+                    <a:p>
+                      <a:pPr algn="ctr" fontAlgn="ctr"/>
+                      <a:r>
+                        <a:rPr lang="en-US" sz="2000" b="0" i="0" u="none" strike="noStrike">
+                          <a:solidFill>
+                            <a:srgbClr val="000000"/>
+                          </a:solidFill>
+                          <a:effectLst/>
+                          <a:latin typeface="Calibri" panose="020F0502020204030204" pitchFamily="34" charset="0"/>
+                        </a:rPr>
+                        <a:t>OLS</a:t>
+                      </a:r>
+                    </a:p>
+                  </a:txBody>
+                  <a:tcPr marL="9525" marR="9525" marT="9525" marB="0" anchor="ctr">
+                    <a:lnL>
+                      <a:noFill/>
+                    </a:lnL>
+                    <a:lnR>
+                      <a:noFill/>
+                    </a:lnR>
+                    <a:lnT w="12700" cap="flat" cmpd="sng" algn="ctr">
+                      <a:solidFill>
+                        <a:srgbClr val="000000"/>
+                      </a:solidFill>
+                      <a:prstDash val="solid"/>
+                      <a:round/>
+                      <a:headEnd type="none" w="med" len="med"/>
+                      <a:tailEnd type="none" w="med" len="med"/>
+                    </a:lnT>
+                    <a:lnB w="6350" cap="flat" cmpd="sng" algn="ctr">
+                      <a:solidFill>
+                        <a:srgbClr val="000000"/>
+                      </a:solidFill>
+                      <a:prstDash val="solid"/>
+                      <a:round/>
+                      <a:headEnd type="none" w="med" len="med"/>
+                      <a:tailEnd type="none" w="med" len="med"/>
+                    </a:lnB>
+                  </a:tcPr>
+                </a:tc>
+                <a:tc>
+                  <a:txBody>
+                    <a:bodyPr/>
+                    <a:lstStyle/>
+                    <a:p>
+                      <a:pPr algn="ctr" fontAlgn="ctr"/>
+                      <a:r>
+                        <a:rPr lang="en-US" sz="2000" b="0" i="0" u="none" strike="noStrike">
+                          <a:solidFill>
+                            <a:srgbClr val="000000"/>
+                          </a:solidFill>
+                          <a:effectLst/>
+                          <a:latin typeface="Calibri" panose="020F0502020204030204" pitchFamily="34" charset="0"/>
+                        </a:rPr>
+                        <a:t>Ridge</a:t>
+                      </a:r>
+                    </a:p>
+                  </a:txBody>
+                  <a:tcPr marL="9525" marR="9525" marT="9525" marB="0" anchor="ctr">
+                    <a:lnL>
+                      <a:noFill/>
+                    </a:lnL>
+                    <a:lnR>
+                      <a:noFill/>
+                    </a:lnR>
+                    <a:lnT w="12700" cap="flat" cmpd="sng" algn="ctr">
+                      <a:solidFill>
+                        <a:srgbClr val="000000"/>
+                      </a:solidFill>
+                      <a:prstDash val="solid"/>
+                      <a:round/>
+                      <a:headEnd type="none" w="med" len="med"/>
+                      <a:tailEnd type="none" w="med" len="med"/>
+                    </a:lnT>
+                    <a:lnB w="6350" cap="flat" cmpd="sng" algn="ctr">
+                      <a:solidFill>
+                        <a:srgbClr val="000000"/>
+                      </a:solidFill>
+                      <a:prstDash val="solid"/>
+                      <a:round/>
+                      <a:headEnd type="none" w="med" len="med"/>
+                      <a:tailEnd type="none" w="med" len="med"/>
+                    </a:lnB>
+                  </a:tcPr>
+                </a:tc>
+                <a:tc>
+                  <a:txBody>
+                    <a:bodyPr/>
+                    <a:lstStyle/>
+                    <a:p>
+                      <a:pPr algn="ctr" fontAlgn="ctr"/>
+                      <a:r>
+                        <a:rPr lang="en-US" sz="2000" b="0" i="0" u="none" strike="noStrike">
+                          <a:solidFill>
+                            <a:srgbClr val="000000"/>
+                          </a:solidFill>
+                          <a:effectLst/>
+                          <a:latin typeface="Calibri" panose="020F0502020204030204" pitchFamily="34" charset="0"/>
+                        </a:rPr>
+                        <a:t>Lasso</a:t>
+                      </a:r>
+                    </a:p>
+                  </a:txBody>
+                  <a:tcPr marL="9525" marR="9525" marT="9525" marB="0" anchor="ctr">
+                    <a:lnL>
+                      <a:noFill/>
+                    </a:lnL>
+                    <a:lnR>
+                      <a:noFill/>
+                    </a:lnR>
+                    <a:lnT w="12700" cap="flat" cmpd="sng" algn="ctr">
+                      <a:solidFill>
+                        <a:srgbClr val="000000"/>
+                      </a:solidFill>
+                      <a:prstDash val="solid"/>
+                      <a:round/>
+                      <a:headEnd type="none" w="med" len="med"/>
+                      <a:tailEnd type="none" w="med" len="med"/>
+                    </a:lnT>
+                    <a:lnB w="6350" cap="flat" cmpd="sng" algn="ctr">
+                      <a:solidFill>
+                        <a:srgbClr val="000000"/>
+                      </a:solidFill>
+                      <a:prstDash val="solid"/>
+                      <a:round/>
+                      <a:headEnd type="none" w="med" len="med"/>
+                      <a:tailEnd type="none" w="med" len="med"/>
+                    </a:lnB>
+                  </a:tcPr>
+                </a:tc>
+                <a:tc>
+                  <a:txBody>
+                    <a:bodyPr/>
+                    <a:lstStyle/>
+                    <a:p>
+                      <a:pPr algn="ctr" fontAlgn="ctr"/>
+                      <a:r>
+                        <a:rPr lang="en-US" sz="2000" b="0" i="0" u="none" strike="noStrike">
+                          <a:solidFill>
+                            <a:srgbClr val="000000"/>
+                          </a:solidFill>
+                          <a:effectLst/>
+                          <a:latin typeface="Calibri" panose="020F0502020204030204" pitchFamily="34" charset="0"/>
+                        </a:rPr>
+                        <a:t>Enet</a:t>
+                      </a:r>
+                    </a:p>
+                  </a:txBody>
+                  <a:tcPr marL="9525" marR="9525" marT="9525" marB="0" anchor="ctr">
+                    <a:lnL>
+                      <a:noFill/>
+                    </a:lnL>
+                    <a:lnR>
+                      <a:noFill/>
+                    </a:lnR>
+                    <a:lnT w="12700" cap="flat" cmpd="sng" algn="ctr">
+                      <a:solidFill>
+                        <a:srgbClr val="000000"/>
+                      </a:solidFill>
+                      <a:prstDash val="solid"/>
+                      <a:round/>
+                      <a:headEnd type="none" w="med" len="med"/>
+                      <a:tailEnd type="none" w="med" len="med"/>
+                    </a:lnT>
+                    <a:lnB w="6350" cap="flat" cmpd="sng" algn="ctr">
+                      <a:solidFill>
+                        <a:srgbClr val="000000"/>
+                      </a:solidFill>
+                      <a:prstDash val="solid"/>
+                      <a:round/>
+                      <a:headEnd type="none" w="med" len="med"/>
+                      <a:tailEnd type="none" w="med" len="med"/>
+                    </a:lnB>
+                  </a:tcPr>
+                </a:tc>
+                <a:extLst>
+                  <a:ext uri="{0D108BD9-81ED-4DB2-BD59-A6C34878D82A}">
+                    <a16:rowId xmlns:a16="http://schemas.microsoft.com/office/drawing/2014/main" val="2716465177"/>
+                  </a:ext>
+                </a:extLst>
+              </a:tr>
+              <a:tr h="342900">
+                <a:tc>
+                  <a:txBody>
+                    <a:bodyPr/>
+                    <a:lstStyle/>
+                    <a:p>
+                      <a:pPr algn="l" fontAlgn="b"/>
+                      <a:r>
+                        <a:rPr lang="en-US" sz="2000" b="0" i="0" u="none" strike="noStrike">
+                          <a:solidFill>
+                            <a:srgbClr val="000000"/>
+                          </a:solidFill>
+                          <a:effectLst/>
+                          <a:latin typeface="Calibri" panose="020F0502020204030204" pitchFamily="34" charset="0"/>
+                        </a:rPr>
+                        <a:t>PMSE</a:t>
+                      </a:r>
+                    </a:p>
+                  </a:txBody>
+                  <a:tcPr marL="9525" marR="9525" marT="9525" marB="0" anchor="b">
+                    <a:lnL>
+                      <a:noFill/>
+                    </a:lnL>
+                    <a:lnR w="6350" cap="flat" cmpd="sng" algn="ctr">
+                      <a:solidFill>
+                        <a:srgbClr val="000000"/>
+                      </a:solidFill>
+                      <a:prstDash val="solid"/>
+                      <a:round/>
+                      <a:headEnd type="none" w="med" len="med"/>
+                      <a:tailEnd type="none" w="med" len="med"/>
+                    </a:lnR>
+                    <a:lnT w="6350" cap="flat" cmpd="sng" algn="ctr">
+                      <a:solidFill>
+                        <a:srgbClr val="000000"/>
+                      </a:solidFill>
+                      <a:prstDash val="solid"/>
+                      <a:round/>
+                      <a:headEnd type="none" w="med" len="med"/>
+                      <a:tailEnd type="none" w="med" len="med"/>
+                    </a:lnT>
+                    <a:lnB w="12700" cap="flat" cmpd="sng" algn="ctr">
+                      <a:solidFill>
+                        <a:srgbClr val="000000"/>
+                      </a:solidFill>
+                      <a:prstDash val="solid"/>
+                      <a:round/>
+                      <a:headEnd type="none" w="med" len="med"/>
+                      <a:tailEnd type="none" w="med" len="med"/>
+                    </a:lnB>
+                  </a:tcPr>
+                </a:tc>
+                <a:tc>
+                  <a:txBody>
+                    <a:bodyPr/>
+                    <a:lstStyle/>
+                    <a:p>
+                      <a:pPr algn="ctr" fontAlgn="ctr"/>
+                      <a:r>
+                        <a:rPr lang="en-DE" sz="2000" b="0" i="0" u="none" strike="noStrike">
+                          <a:solidFill>
+                            <a:srgbClr val="000000"/>
+                          </a:solidFill>
+                          <a:effectLst/>
+                          <a:latin typeface="Calibri" panose="020F0502020204030204" pitchFamily="34" charset="0"/>
+                        </a:rPr>
+                        <a:t>44.540</a:t>
+                      </a:r>
+                    </a:p>
+                  </a:txBody>
+                  <a:tcPr marL="9525" marR="9525" marT="9525" marB="0" anchor="ctr">
+                    <a:lnL w="6350" cap="flat" cmpd="sng" algn="ctr">
+                      <a:solidFill>
+                        <a:srgbClr val="000000"/>
+                      </a:solidFill>
+                      <a:prstDash val="solid"/>
+                      <a:round/>
+                      <a:headEnd type="none" w="med" len="med"/>
+                      <a:tailEnd type="none" w="med" len="med"/>
+                    </a:lnL>
+                    <a:lnR>
+                      <a:noFill/>
+                    </a:lnR>
+                    <a:lnT w="6350" cap="flat" cmpd="sng" algn="ctr">
+                      <a:solidFill>
+                        <a:srgbClr val="000000"/>
+                      </a:solidFill>
+                      <a:prstDash val="solid"/>
+                      <a:round/>
+                      <a:headEnd type="none" w="med" len="med"/>
+                      <a:tailEnd type="none" w="med" len="med"/>
+                    </a:lnT>
+                    <a:lnB w="12700" cap="flat" cmpd="sng" algn="ctr">
+                      <a:solidFill>
+                        <a:srgbClr val="000000"/>
+                      </a:solidFill>
+                      <a:prstDash val="solid"/>
+                      <a:round/>
+                      <a:headEnd type="none" w="med" len="med"/>
+                      <a:tailEnd type="none" w="med" len="med"/>
+                    </a:lnB>
+                  </a:tcPr>
+                </a:tc>
+                <a:tc>
+                  <a:txBody>
+                    <a:bodyPr/>
+                    <a:lstStyle/>
+                    <a:p>
+                      <a:pPr algn="ctr" fontAlgn="ctr"/>
+                      <a:r>
+                        <a:rPr lang="en-DE" sz="2000" b="0" i="0" u="none" strike="noStrike">
+                          <a:solidFill>
+                            <a:srgbClr val="000000"/>
+                          </a:solidFill>
+                          <a:effectLst/>
+                          <a:latin typeface="Calibri" panose="020F0502020204030204" pitchFamily="34" charset="0"/>
+                        </a:rPr>
+                        <a:t>42.191</a:t>
+                      </a:r>
+                    </a:p>
+                  </a:txBody>
+                  <a:tcPr marL="9525" marR="9525" marT="9525" marB="0" anchor="ctr">
+                    <a:lnL>
+                      <a:noFill/>
+                    </a:lnL>
+                    <a:lnR>
+                      <a:noFill/>
+                    </a:lnR>
+                    <a:lnT w="6350" cap="flat" cmpd="sng" algn="ctr">
+                      <a:solidFill>
+                        <a:srgbClr val="000000"/>
+                      </a:solidFill>
+                      <a:prstDash val="solid"/>
+                      <a:round/>
+                      <a:headEnd type="none" w="med" len="med"/>
+                      <a:tailEnd type="none" w="med" len="med"/>
+                    </a:lnT>
+                    <a:lnB w="12700" cap="flat" cmpd="sng" algn="ctr">
+                      <a:solidFill>
+                        <a:srgbClr val="000000"/>
+                      </a:solidFill>
+                      <a:prstDash val="solid"/>
+                      <a:round/>
+                      <a:headEnd type="none" w="med" len="med"/>
+                      <a:tailEnd type="none" w="med" len="med"/>
+                    </a:lnB>
+                  </a:tcPr>
+                </a:tc>
+                <a:tc>
+                  <a:txBody>
+                    <a:bodyPr/>
+                    <a:lstStyle/>
+                    <a:p>
+                      <a:pPr algn="ctr" fontAlgn="ctr"/>
+                      <a:r>
+                        <a:rPr lang="en-DE" sz="2000" b="0" i="0" u="none" strike="noStrike">
+                          <a:solidFill>
+                            <a:srgbClr val="000000"/>
+                          </a:solidFill>
+                          <a:effectLst/>
+                          <a:latin typeface="Calibri" panose="020F0502020204030204" pitchFamily="34" charset="0"/>
+                        </a:rPr>
+                        <a:t>57.024</a:t>
+                      </a:r>
+                    </a:p>
+                  </a:txBody>
+                  <a:tcPr marL="9525" marR="9525" marT="9525" marB="0" anchor="ctr">
+                    <a:lnL>
+                      <a:noFill/>
+                    </a:lnL>
+                    <a:lnR>
+                      <a:noFill/>
+                    </a:lnR>
+                    <a:lnT w="6350" cap="flat" cmpd="sng" algn="ctr">
+                      <a:solidFill>
+                        <a:srgbClr val="000000"/>
+                      </a:solidFill>
+                      <a:prstDash val="solid"/>
+                      <a:round/>
+                      <a:headEnd type="none" w="med" len="med"/>
+                      <a:tailEnd type="none" w="med" len="med"/>
+                    </a:lnT>
+                    <a:lnB w="12700" cap="flat" cmpd="sng" algn="ctr">
+                      <a:solidFill>
+                        <a:srgbClr val="000000"/>
+                      </a:solidFill>
+                      <a:prstDash val="solid"/>
+                      <a:round/>
+                      <a:headEnd type="none" w="med" len="med"/>
+                      <a:tailEnd type="none" w="med" len="med"/>
+                    </a:lnB>
+                  </a:tcPr>
+                </a:tc>
+                <a:tc>
+                  <a:txBody>
+                    <a:bodyPr/>
+                    <a:lstStyle/>
+                    <a:p>
+                      <a:pPr algn="ctr" fontAlgn="ctr"/>
+                      <a:r>
+                        <a:rPr lang="en-DE" sz="2000" b="0" i="0" u="none" strike="noStrike">
+                          <a:solidFill>
+                            <a:srgbClr val="000000"/>
+                          </a:solidFill>
+                          <a:effectLst/>
+                          <a:latin typeface="Calibri" panose="020F0502020204030204" pitchFamily="34" charset="0"/>
+                        </a:rPr>
+                        <a:t>43.017</a:t>
+                      </a:r>
+                    </a:p>
+                  </a:txBody>
+                  <a:tcPr marL="9525" marR="9525" marT="9525" marB="0" anchor="ctr">
+                    <a:lnL>
+                      <a:noFill/>
+                    </a:lnL>
+                    <a:lnR>
+                      <a:noFill/>
+                    </a:lnR>
+                    <a:lnT w="6350" cap="flat" cmpd="sng" algn="ctr">
+                      <a:solidFill>
+                        <a:srgbClr val="000000"/>
+                      </a:solidFill>
+                      <a:prstDash val="solid"/>
+                      <a:round/>
+                      <a:headEnd type="none" w="med" len="med"/>
+                      <a:tailEnd type="none" w="med" len="med"/>
+                    </a:lnT>
+                    <a:lnB w="12700" cap="flat" cmpd="sng" algn="ctr">
+                      <a:solidFill>
+                        <a:srgbClr val="000000"/>
+                      </a:solidFill>
+                      <a:prstDash val="solid"/>
+                      <a:round/>
+                      <a:headEnd type="none" w="med" len="med"/>
+                      <a:tailEnd type="none" w="med" len="med"/>
+                    </a:lnB>
+                  </a:tcPr>
+                </a:tc>
+                <a:tc>
+                  <a:txBody>
+                    <a:bodyPr/>
+                    <a:lstStyle/>
+                    <a:p>
+                      <a:pPr algn="ctr" fontAlgn="ctr"/>
+                      <a:r>
+                        <a:rPr lang="en-DE" sz="2000" b="0" i="0" u="none" strike="noStrike">
+                          <a:solidFill>
+                            <a:srgbClr val="000000"/>
+                          </a:solidFill>
+                          <a:effectLst/>
+                          <a:latin typeface="Calibri" panose="020F0502020204030204" pitchFamily="34" charset="0"/>
+                        </a:rPr>
+                        <a:t>41.794</a:t>
+                      </a:r>
+                    </a:p>
+                  </a:txBody>
+                  <a:tcPr marL="9525" marR="9525" marT="9525" marB="0" anchor="ctr">
+                    <a:lnL>
+                      <a:noFill/>
+                    </a:lnL>
+                    <a:lnR>
+                      <a:noFill/>
+                    </a:lnR>
+                    <a:lnT w="6350" cap="flat" cmpd="sng" algn="ctr">
+                      <a:solidFill>
+                        <a:srgbClr val="000000"/>
+                      </a:solidFill>
+                      <a:prstDash val="solid"/>
+                      <a:round/>
+                      <a:headEnd type="none" w="med" len="med"/>
+                      <a:tailEnd type="none" w="med" len="med"/>
+                    </a:lnT>
+                    <a:lnB w="12700" cap="flat" cmpd="sng" algn="ctr">
+                      <a:solidFill>
+                        <a:srgbClr val="000000"/>
+                      </a:solidFill>
+                      <a:prstDash val="solid"/>
+                      <a:round/>
+                      <a:headEnd type="none" w="med" len="med"/>
+                      <a:tailEnd type="none" w="med" len="med"/>
+                    </a:lnB>
+                  </a:tcPr>
+                </a:tc>
+                <a:tc>
+                  <a:txBody>
+                    <a:bodyPr/>
+                    <a:lstStyle/>
+                    <a:p>
+                      <a:pPr algn="ctr" fontAlgn="ctr"/>
+                      <a:r>
+                        <a:rPr lang="en-DE" sz="2000" b="0" i="0" u="none" strike="noStrike" dirty="0">
+                          <a:solidFill>
+                            <a:srgbClr val="000000"/>
+                          </a:solidFill>
+                          <a:effectLst/>
+                          <a:latin typeface="Calibri" panose="020F0502020204030204" pitchFamily="34" charset="0"/>
+                        </a:rPr>
+                        <a:t>41.918</a:t>
+                      </a:r>
+                    </a:p>
+                  </a:txBody>
+                  <a:tcPr marL="9525" marR="9525" marT="9525" marB="0" anchor="ctr">
+                    <a:lnL>
+                      <a:noFill/>
+                    </a:lnL>
+                    <a:lnR>
+                      <a:noFill/>
+                    </a:lnR>
+                    <a:lnT w="6350" cap="flat" cmpd="sng" algn="ctr">
+                      <a:solidFill>
+                        <a:srgbClr val="000000"/>
+                      </a:solidFill>
+                      <a:prstDash val="solid"/>
+                      <a:round/>
+                      <a:headEnd type="none" w="med" len="med"/>
+                      <a:tailEnd type="none" w="med" len="med"/>
+                    </a:lnT>
+                    <a:lnB w="12700" cap="flat" cmpd="sng" algn="ctr">
+                      <a:solidFill>
+                        <a:srgbClr val="000000"/>
+                      </a:solidFill>
+                      <a:prstDash val="solid"/>
+                      <a:round/>
+                      <a:headEnd type="none" w="med" len="med"/>
+                      <a:tailEnd type="none" w="med" len="med"/>
+                    </a:lnB>
+                  </a:tcPr>
+                </a:tc>
+                <a:extLst>
+                  <a:ext uri="{0D108BD9-81ED-4DB2-BD59-A6C34878D82A}">
+                    <a16:rowId xmlns:a16="http://schemas.microsoft.com/office/drawing/2014/main" val="1543885453"/>
+                  </a:ext>
+                </a:extLst>
+              </a:tr>
+            </a:tbl>
+          </a:graphicData>
+        </a:graphic>
+      </p:graphicFrame>
       <p:sp>
         <p:nvSpPr>
           <p:cNvPr id="4" name="Date Placeholder 3"/>
@@ -7289,16 +9984,52 @@
           </a:p>
         </p:txBody>
       </p:sp>
+      <p:pic>
+        <p:nvPicPr>
+          <p:cNvPr id="8" name="Picture 7"/>
+          <p:cNvPicPr>
+            <a:picLocks noChangeAspect="1"/>
+          </p:cNvPicPr>
+          <p:nvPr/>
+        </p:nvPicPr>
+        <p:blipFill rotWithShape="1">
+          <a:blip r:embed="rId2">
+            <a:extLst>
+              <a:ext uri="{28A0092B-C50C-407E-A947-70E740481C1C}">
+                <a14:useLocalDpi xmlns:a14="http://schemas.microsoft.com/office/drawing/2010/main" val="0"/>
+              </a:ext>
+            </a:extLst>
+          </a:blip>
+          <a:srcRect l="8268" t="7088" r="9045" b="1563"/>
+          <a:stretch/>
+        </p:blipFill>
+        <p:spPr>
+          <a:xfrm>
+            <a:off x="503548" y="2076290"/>
+            <a:ext cx="8212564" cy="4536464"/>
+          </a:xfrm>
+          <a:prstGeom prst="rect">
+            <a:avLst/>
+          </a:prstGeom>
+        </p:spPr>
+      </p:pic>
     </p:spTree>
     <p:extLst>
       <p:ext uri="{BB962C8B-B14F-4D97-AF65-F5344CB8AC3E}">
-        <p14:creationId xmlns:p14="http://schemas.microsoft.com/office/powerpoint/2010/main" val="2136253266"/>
+        <p14:creationId xmlns:p14="http://schemas.microsoft.com/office/powerpoint/2010/main" val="3927005681"/>
       </p:ext>
     </p:extLst>
   </p:cSld>
   <p:clrMapOvr>
     <a:masterClrMapping/>
   </p:clrMapOvr>
+  <p:timing>
+    <p:tnLst>
+      <p:par>
+        <p:cTn id="1" dur="indefinite" restart="never" nodeType="tmRoot"/>
+      </p:par>
+    </p:tnLst>
+  </p:timing>
 </p:sld>
 </file>
 
@@ -7378,11 +10109,7 @@
           <a:p>
             <a:r>
               <a:rPr lang="de-DE" dirty="0" smtClean="0"/>
-              <a:t>Pavel </a:t>
-            </a:r>
-            <a:r>
-              <a:rPr lang="de-DE" dirty="0" smtClean="0"/>
-              <a:t>Lesnevski</a:t>
+              <a:t>Pavel Lesnevski</a:t>
             </a:r>
             <a:endParaRPr lang="de-DE" dirty="0"/>
           </a:p>
@@ -7487,35 +10214,21 @@
             <p:ph type="title"/>
           </p:nvPr>
         </p:nvSpPr>
-        <p:spPr/>
+        <p:spPr>
+          <a:xfrm>
+            <a:off x="684000" y="584684"/>
+            <a:ext cx="5904224" cy="1141200"/>
+          </a:xfrm>
+        </p:spPr>
         <p:txBody>
           <a:bodyPr/>
           <a:lstStyle/>
           <a:p>
             <a:r>
-              <a:rPr lang="en-US" dirty="0" smtClean="0"/>
-              <a:t>Future Research</a:t>
+              <a:rPr lang="en-DE" dirty="0" smtClean="0"/>
+              <a:t>Adding Square and Interaction Terms</a:t>
             </a:r>
             <a:endParaRPr lang="en-US" dirty="0"/>
-          </a:p>
-        </p:txBody>
-      </p:sp>
-      <p:sp>
-        <p:nvSpPr>
-          <p:cNvPr id="3" name="Content Placeholder 2"/>
-          <p:cNvSpPr>
-            <a:spLocks noGrp="1"/>
-          </p:cNvSpPr>
-          <p:nvPr>
-            <p:ph idx="1"/>
-          </p:nvPr>
-        </p:nvSpPr>
-        <p:spPr/>
-        <p:txBody>
-          <a:bodyPr/>
-          <a:lstStyle/>
-          <a:p>
-            <a:endParaRPr lang="en-US"/>
           </a:p>
         </p:txBody>
       </p:sp>
@@ -7588,16 +10301,3377 @@
           </a:p>
         </p:txBody>
       </p:sp>
+      <p:graphicFrame>
+        <p:nvGraphicFramePr>
+          <p:cNvPr id="9" name="Content Placeholder 6"/>
+          <p:cNvGraphicFramePr>
+            <a:graphicFrameLocks/>
+          </p:cNvGraphicFramePr>
+          <p:nvPr>
+            <p:extLst>
+              <p:ext uri="{D42A27DB-BD31-4B8C-83A1-F6EECF244321}">
+                <p14:modId xmlns:p14="http://schemas.microsoft.com/office/powerpoint/2010/main" val="1332578333"/>
+              </p:ext>
+            </p:extLst>
+          </p:nvPr>
+        </p:nvGraphicFramePr>
+        <p:xfrm>
+          <a:off x="699360" y="1088740"/>
+          <a:ext cx="7776434" cy="876300"/>
+        </p:xfrm>
+        <a:graphic>
+          <a:graphicData uri="http://schemas.openxmlformats.org/drawingml/2006/table">
+            <a:tbl>
+              <a:tblPr/>
+              <a:tblGrid>
+                <a:gridCol w="2001854">
+                  <a:extLst>
+                    <a:ext uri="{9D8B030D-6E8A-4147-A177-3AD203B41FA5}">
+                      <a16:colId xmlns:a16="http://schemas.microsoft.com/office/drawing/2014/main" val="3514439321"/>
+                    </a:ext>
+                  </a:extLst>
+                </a:gridCol>
+                <a:gridCol w="962430">
+                  <a:extLst>
+                    <a:ext uri="{9D8B030D-6E8A-4147-A177-3AD203B41FA5}">
+                      <a16:colId xmlns:a16="http://schemas.microsoft.com/office/drawing/2014/main" val="146923457"/>
+                    </a:ext>
+                  </a:extLst>
+                </a:gridCol>
+                <a:gridCol w="962430">
+                  <a:extLst>
+                    <a:ext uri="{9D8B030D-6E8A-4147-A177-3AD203B41FA5}">
+                      <a16:colId xmlns:a16="http://schemas.microsoft.com/office/drawing/2014/main" val="474674774"/>
+                    </a:ext>
+                  </a:extLst>
+                </a:gridCol>
+                <a:gridCol w="962430">
+                  <a:extLst>
+                    <a:ext uri="{9D8B030D-6E8A-4147-A177-3AD203B41FA5}">
+                      <a16:colId xmlns:a16="http://schemas.microsoft.com/office/drawing/2014/main" val="1630497799"/>
+                    </a:ext>
+                  </a:extLst>
+                </a:gridCol>
+                <a:gridCol w="962430">
+                  <a:extLst>
+                    <a:ext uri="{9D8B030D-6E8A-4147-A177-3AD203B41FA5}">
+                      <a16:colId xmlns:a16="http://schemas.microsoft.com/office/drawing/2014/main" val="11798766"/>
+                    </a:ext>
+                  </a:extLst>
+                </a:gridCol>
+                <a:gridCol w="962430">
+                  <a:extLst>
+                    <a:ext uri="{9D8B030D-6E8A-4147-A177-3AD203B41FA5}">
+                      <a16:colId xmlns:a16="http://schemas.microsoft.com/office/drawing/2014/main" val="2026449190"/>
+                    </a:ext>
+                  </a:extLst>
+                </a:gridCol>
+                <a:gridCol w="962430">
+                  <a:extLst>
+                    <a:ext uri="{9D8B030D-6E8A-4147-A177-3AD203B41FA5}">
+                      <a16:colId xmlns:a16="http://schemas.microsoft.com/office/drawing/2014/main" val="3167480087"/>
+                    </a:ext>
+                  </a:extLst>
+                </a:gridCol>
+              </a:tblGrid>
+              <a:tr h="200025">
+                <a:tc>
+                  <a:txBody>
+                    <a:bodyPr/>
+                    <a:lstStyle/>
+                    <a:p>
+                      <a:pPr algn="l" fontAlgn="b"/>
+                      <a:r>
+                        <a:rPr lang="en-DE" sz="1100" b="0" i="0" u="none" strike="noStrike" dirty="0">
+                          <a:solidFill>
+                            <a:srgbClr val="000000"/>
+                          </a:solidFill>
+                          <a:effectLst/>
+                          <a:latin typeface="Calibri" panose="020F0502020204030204" pitchFamily="34" charset="0"/>
+                        </a:rPr>
+                        <a:t> </a:t>
+                      </a:r>
+                    </a:p>
+                  </a:txBody>
+                  <a:tcPr marL="9525" marR="9525" marT="9525" marB="0" anchor="b">
+                    <a:lnL>
+                      <a:noFill/>
+                    </a:lnL>
+                    <a:lnR>
+                      <a:noFill/>
+                    </a:lnR>
+                    <a:lnT>
+                      <a:noFill/>
+                    </a:lnT>
+                    <a:lnB w="12700" cap="flat" cmpd="sng" algn="ctr">
+                      <a:solidFill>
+                        <a:srgbClr val="000000"/>
+                      </a:solidFill>
+                      <a:prstDash val="solid"/>
+                      <a:round/>
+                      <a:headEnd type="none" w="med" len="med"/>
+                      <a:tailEnd type="none" w="med" len="med"/>
+                    </a:lnB>
+                  </a:tcPr>
+                </a:tc>
+                <a:tc>
+                  <a:txBody>
+                    <a:bodyPr/>
+                    <a:lstStyle/>
+                    <a:p>
+                      <a:pPr algn="l" fontAlgn="b"/>
+                      <a:r>
+                        <a:rPr lang="en-DE" sz="1100" b="0" i="0" u="none" strike="noStrike">
+                          <a:solidFill>
+                            <a:srgbClr val="000000"/>
+                          </a:solidFill>
+                          <a:effectLst/>
+                          <a:latin typeface="Calibri" panose="020F0502020204030204" pitchFamily="34" charset="0"/>
+                        </a:rPr>
+                        <a:t> </a:t>
+                      </a:r>
+                    </a:p>
+                  </a:txBody>
+                  <a:tcPr marL="9525" marR="9525" marT="9525" marB="0" anchor="b">
+                    <a:lnL>
+                      <a:noFill/>
+                    </a:lnL>
+                    <a:lnR>
+                      <a:noFill/>
+                    </a:lnR>
+                    <a:lnT>
+                      <a:noFill/>
+                    </a:lnT>
+                    <a:lnB w="12700" cap="flat" cmpd="sng" algn="ctr">
+                      <a:solidFill>
+                        <a:srgbClr val="000000"/>
+                      </a:solidFill>
+                      <a:prstDash val="solid"/>
+                      <a:round/>
+                      <a:headEnd type="none" w="med" len="med"/>
+                      <a:tailEnd type="none" w="med" len="med"/>
+                    </a:lnB>
+                  </a:tcPr>
+                </a:tc>
+                <a:tc>
+                  <a:txBody>
+                    <a:bodyPr/>
+                    <a:lstStyle/>
+                    <a:p>
+                      <a:pPr algn="l" fontAlgn="b"/>
+                      <a:r>
+                        <a:rPr lang="en-DE" sz="1100" b="0" i="0" u="none" strike="noStrike" dirty="0">
+                          <a:solidFill>
+                            <a:srgbClr val="000000"/>
+                          </a:solidFill>
+                          <a:effectLst/>
+                          <a:latin typeface="Calibri" panose="020F0502020204030204" pitchFamily="34" charset="0"/>
+                        </a:rPr>
+                        <a:t> </a:t>
+                      </a:r>
+                    </a:p>
+                  </a:txBody>
+                  <a:tcPr marL="9525" marR="9525" marT="9525" marB="0" anchor="b">
+                    <a:lnL>
+                      <a:noFill/>
+                    </a:lnL>
+                    <a:lnR>
+                      <a:noFill/>
+                    </a:lnR>
+                    <a:lnT>
+                      <a:noFill/>
+                    </a:lnT>
+                    <a:lnB w="12700" cap="flat" cmpd="sng" algn="ctr">
+                      <a:solidFill>
+                        <a:srgbClr val="000000"/>
+                      </a:solidFill>
+                      <a:prstDash val="solid"/>
+                      <a:round/>
+                      <a:headEnd type="none" w="med" len="med"/>
+                      <a:tailEnd type="none" w="med" len="med"/>
+                    </a:lnB>
+                  </a:tcPr>
+                </a:tc>
+                <a:tc>
+                  <a:txBody>
+                    <a:bodyPr/>
+                    <a:lstStyle/>
+                    <a:p>
+                      <a:pPr algn="l" fontAlgn="b"/>
+                      <a:r>
+                        <a:rPr lang="en-DE" sz="1100" b="0" i="0" u="none" strike="noStrike">
+                          <a:solidFill>
+                            <a:srgbClr val="000000"/>
+                          </a:solidFill>
+                          <a:effectLst/>
+                          <a:latin typeface="Calibri" panose="020F0502020204030204" pitchFamily="34" charset="0"/>
+                        </a:rPr>
+                        <a:t> </a:t>
+                      </a:r>
+                    </a:p>
+                  </a:txBody>
+                  <a:tcPr marL="9525" marR="9525" marT="9525" marB="0" anchor="b">
+                    <a:lnL>
+                      <a:noFill/>
+                    </a:lnL>
+                    <a:lnR>
+                      <a:noFill/>
+                    </a:lnR>
+                    <a:lnT>
+                      <a:noFill/>
+                    </a:lnT>
+                    <a:lnB w="12700" cap="flat" cmpd="sng" algn="ctr">
+                      <a:solidFill>
+                        <a:srgbClr val="000000"/>
+                      </a:solidFill>
+                      <a:prstDash val="solid"/>
+                      <a:round/>
+                      <a:headEnd type="none" w="med" len="med"/>
+                      <a:tailEnd type="none" w="med" len="med"/>
+                    </a:lnB>
+                  </a:tcPr>
+                </a:tc>
+                <a:tc>
+                  <a:txBody>
+                    <a:bodyPr/>
+                    <a:lstStyle/>
+                    <a:p>
+                      <a:pPr algn="l" fontAlgn="b"/>
+                      <a:r>
+                        <a:rPr lang="en-DE" sz="1100" b="0" i="0" u="none" strike="noStrike">
+                          <a:solidFill>
+                            <a:srgbClr val="000000"/>
+                          </a:solidFill>
+                          <a:effectLst/>
+                          <a:latin typeface="Calibri" panose="020F0502020204030204" pitchFamily="34" charset="0"/>
+                        </a:rPr>
+                        <a:t> </a:t>
+                      </a:r>
+                    </a:p>
+                  </a:txBody>
+                  <a:tcPr marL="9525" marR="9525" marT="9525" marB="0" anchor="b">
+                    <a:lnL>
+                      <a:noFill/>
+                    </a:lnL>
+                    <a:lnR>
+                      <a:noFill/>
+                    </a:lnR>
+                    <a:lnT>
+                      <a:noFill/>
+                    </a:lnT>
+                    <a:lnB w="12700" cap="flat" cmpd="sng" algn="ctr">
+                      <a:solidFill>
+                        <a:srgbClr val="000000"/>
+                      </a:solidFill>
+                      <a:prstDash val="solid"/>
+                      <a:round/>
+                      <a:headEnd type="none" w="med" len="med"/>
+                      <a:tailEnd type="none" w="med" len="med"/>
+                    </a:lnB>
+                  </a:tcPr>
+                </a:tc>
+                <a:tc>
+                  <a:txBody>
+                    <a:bodyPr/>
+                    <a:lstStyle/>
+                    <a:p>
+                      <a:pPr algn="l" fontAlgn="b"/>
+                      <a:r>
+                        <a:rPr lang="en-DE" sz="1100" b="0" i="0" u="none" strike="noStrike">
+                          <a:solidFill>
+                            <a:srgbClr val="000000"/>
+                          </a:solidFill>
+                          <a:effectLst/>
+                          <a:latin typeface="Calibri" panose="020F0502020204030204" pitchFamily="34" charset="0"/>
+                        </a:rPr>
+                        <a:t> </a:t>
+                      </a:r>
+                    </a:p>
+                  </a:txBody>
+                  <a:tcPr marL="9525" marR="9525" marT="9525" marB="0" anchor="b">
+                    <a:lnL>
+                      <a:noFill/>
+                    </a:lnL>
+                    <a:lnR>
+                      <a:noFill/>
+                    </a:lnR>
+                    <a:lnT>
+                      <a:noFill/>
+                    </a:lnT>
+                    <a:lnB w="12700" cap="flat" cmpd="sng" algn="ctr">
+                      <a:solidFill>
+                        <a:srgbClr val="000000"/>
+                      </a:solidFill>
+                      <a:prstDash val="solid"/>
+                      <a:round/>
+                      <a:headEnd type="none" w="med" len="med"/>
+                      <a:tailEnd type="none" w="med" len="med"/>
+                    </a:lnB>
+                  </a:tcPr>
+                </a:tc>
+                <a:tc>
+                  <a:txBody>
+                    <a:bodyPr/>
+                    <a:lstStyle/>
+                    <a:p>
+                      <a:pPr algn="l" fontAlgn="b"/>
+                      <a:r>
+                        <a:rPr lang="en-DE" sz="1100" b="0" i="0" u="none" strike="noStrike">
+                          <a:solidFill>
+                            <a:srgbClr val="000000"/>
+                          </a:solidFill>
+                          <a:effectLst/>
+                          <a:latin typeface="Calibri" panose="020F0502020204030204" pitchFamily="34" charset="0"/>
+                        </a:rPr>
+                        <a:t> </a:t>
+                      </a:r>
+                    </a:p>
+                  </a:txBody>
+                  <a:tcPr marL="9525" marR="9525" marT="9525" marB="0" anchor="b">
+                    <a:lnL>
+                      <a:noFill/>
+                    </a:lnL>
+                    <a:lnR>
+                      <a:noFill/>
+                    </a:lnR>
+                    <a:lnT>
+                      <a:noFill/>
+                    </a:lnT>
+                    <a:lnB w="12700" cap="flat" cmpd="sng" algn="ctr">
+                      <a:solidFill>
+                        <a:srgbClr val="000000"/>
+                      </a:solidFill>
+                      <a:prstDash val="solid"/>
+                      <a:round/>
+                      <a:headEnd type="none" w="med" len="med"/>
+                      <a:tailEnd type="none" w="med" len="med"/>
+                    </a:lnB>
+                  </a:tcPr>
+                </a:tc>
+                <a:extLst>
+                  <a:ext uri="{0D108BD9-81ED-4DB2-BD59-A6C34878D82A}">
+                    <a16:rowId xmlns:a16="http://schemas.microsoft.com/office/drawing/2014/main" val="3637229970"/>
+                  </a:ext>
+                </a:extLst>
+              </a:tr>
+              <a:tr h="333375">
+                <a:tc>
+                  <a:txBody>
+                    <a:bodyPr/>
+                    <a:lstStyle/>
+                    <a:p>
+                      <a:pPr algn="l" fontAlgn="b"/>
+                      <a:r>
+                        <a:rPr lang="en-US" sz="2000" b="0" i="0" u="none" strike="noStrike">
+                          <a:solidFill>
+                            <a:srgbClr val="000000"/>
+                          </a:solidFill>
+                          <a:effectLst/>
+                          <a:latin typeface="Calibri" panose="020F0502020204030204" pitchFamily="34" charset="0"/>
+                        </a:rPr>
+                        <a:t>Model</a:t>
+                      </a:r>
+                    </a:p>
+                  </a:txBody>
+                  <a:tcPr marL="9525" marR="9525" marT="9525" marB="0" anchor="b">
+                    <a:lnL>
+                      <a:noFill/>
+                    </a:lnL>
+                    <a:lnR w="6350" cap="flat" cmpd="sng" algn="ctr">
+                      <a:solidFill>
+                        <a:srgbClr val="000000"/>
+                      </a:solidFill>
+                      <a:prstDash val="solid"/>
+                      <a:round/>
+                      <a:headEnd type="none" w="med" len="med"/>
+                      <a:tailEnd type="none" w="med" len="med"/>
+                    </a:lnR>
+                    <a:lnT w="12700" cap="flat" cmpd="sng" algn="ctr">
+                      <a:solidFill>
+                        <a:srgbClr val="000000"/>
+                      </a:solidFill>
+                      <a:prstDash val="solid"/>
+                      <a:round/>
+                      <a:headEnd type="none" w="med" len="med"/>
+                      <a:tailEnd type="none" w="med" len="med"/>
+                    </a:lnT>
+                    <a:lnB w="6350" cap="flat" cmpd="sng" algn="ctr">
+                      <a:solidFill>
+                        <a:srgbClr val="000000"/>
+                      </a:solidFill>
+                      <a:prstDash val="solid"/>
+                      <a:round/>
+                      <a:headEnd type="none" w="med" len="med"/>
+                      <a:tailEnd type="none" w="med" len="med"/>
+                    </a:lnB>
+                  </a:tcPr>
+                </a:tc>
+                <a:tc>
+                  <a:txBody>
+                    <a:bodyPr/>
+                    <a:lstStyle/>
+                    <a:p>
+                      <a:pPr algn="ctr" fontAlgn="ctr"/>
+                      <a:r>
+                        <a:rPr lang="en-US" sz="2000" b="0" i="0" u="none" strike="noStrike">
+                          <a:solidFill>
+                            <a:srgbClr val="000000"/>
+                          </a:solidFill>
+                          <a:effectLst/>
+                          <a:latin typeface="Calibri" panose="020F0502020204030204" pitchFamily="34" charset="0"/>
+                        </a:rPr>
+                        <a:t>Const</a:t>
+                      </a:r>
+                    </a:p>
+                  </a:txBody>
+                  <a:tcPr marL="9525" marR="9525" marT="9525" marB="0" anchor="ctr">
+                    <a:lnL w="6350" cap="flat" cmpd="sng" algn="ctr">
+                      <a:solidFill>
+                        <a:srgbClr val="000000"/>
+                      </a:solidFill>
+                      <a:prstDash val="solid"/>
+                      <a:round/>
+                      <a:headEnd type="none" w="med" len="med"/>
+                      <a:tailEnd type="none" w="med" len="med"/>
+                    </a:lnL>
+                    <a:lnR>
+                      <a:noFill/>
+                    </a:lnR>
+                    <a:lnT w="12700" cap="flat" cmpd="sng" algn="ctr">
+                      <a:solidFill>
+                        <a:srgbClr val="000000"/>
+                      </a:solidFill>
+                      <a:prstDash val="solid"/>
+                      <a:round/>
+                      <a:headEnd type="none" w="med" len="med"/>
+                      <a:tailEnd type="none" w="med" len="med"/>
+                    </a:lnT>
+                    <a:lnB w="6350" cap="flat" cmpd="sng" algn="ctr">
+                      <a:solidFill>
+                        <a:srgbClr val="000000"/>
+                      </a:solidFill>
+                      <a:prstDash val="solid"/>
+                      <a:round/>
+                      <a:headEnd type="none" w="med" len="med"/>
+                      <a:tailEnd type="none" w="med" len="med"/>
+                    </a:lnB>
+                  </a:tcPr>
+                </a:tc>
+                <a:tc>
+                  <a:txBody>
+                    <a:bodyPr/>
+                    <a:lstStyle/>
+                    <a:p>
+                      <a:pPr algn="ctr" fontAlgn="ctr"/>
+                      <a:r>
+                        <a:rPr lang="en-US" sz="2000" b="0" i="0" u="none" strike="noStrike" dirty="0">
+                          <a:solidFill>
+                            <a:srgbClr val="000000"/>
+                          </a:solidFill>
+                          <a:effectLst/>
+                          <a:latin typeface="Calibri" panose="020F0502020204030204" pitchFamily="34" charset="0"/>
+                        </a:rPr>
+                        <a:t>PCA</a:t>
+                      </a:r>
+                    </a:p>
+                  </a:txBody>
+                  <a:tcPr marL="9525" marR="9525" marT="9525" marB="0" anchor="ctr">
+                    <a:lnL>
+                      <a:noFill/>
+                    </a:lnL>
+                    <a:lnR>
+                      <a:noFill/>
+                    </a:lnR>
+                    <a:lnT w="12700" cap="flat" cmpd="sng" algn="ctr">
+                      <a:solidFill>
+                        <a:srgbClr val="000000"/>
+                      </a:solidFill>
+                      <a:prstDash val="solid"/>
+                      <a:round/>
+                      <a:headEnd type="none" w="med" len="med"/>
+                      <a:tailEnd type="none" w="med" len="med"/>
+                    </a:lnT>
+                    <a:lnB w="6350" cap="flat" cmpd="sng" algn="ctr">
+                      <a:solidFill>
+                        <a:srgbClr val="000000"/>
+                      </a:solidFill>
+                      <a:prstDash val="solid"/>
+                      <a:round/>
+                      <a:headEnd type="none" w="med" len="med"/>
+                      <a:tailEnd type="none" w="med" len="med"/>
+                    </a:lnB>
+                  </a:tcPr>
+                </a:tc>
+                <a:tc>
+                  <a:txBody>
+                    <a:bodyPr/>
+                    <a:lstStyle/>
+                    <a:p>
+                      <a:pPr algn="ctr" fontAlgn="ctr"/>
+                      <a:r>
+                        <a:rPr lang="en-US" sz="2000" b="0" i="0" u="none" strike="noStrike">
+                          <a:solidFill>
+                            <a:srgbClr val="000000"/>
+                          </a:solidFill>
+                          <a:effectLst/>
+                          <a:latin typeface="Calibri" panose="020F0502020204030204" pitchFamily="34" charset="0"/>
+                        </a:rPr>
+                        <a:t>OLS</a:t>
+                      </a:r>
+                    </a:p>
+                  </a:txBody>
+                  <a:tcPr marL="9525" marR="9525" marT="9525" marB="0" anchor="ctr">
+                    <a:lnL>
+                      <a:noFill/>
+                    </a:lnL>
+                    <a:lnR>
+                      <a:noFill/>
+                    </a:lnR>
+                    <a:lnT w="12700" cap="flat" cmpd="sng" algn="ctr">
+                      <a:solidFill>
+                        <a:srgbClr val="000000"/>
+                      </a:solidFill>
+                      <a:prstDash val="solid"/>
+                      <a:round/>
+                      <a:headEnd type="none" w="med" len="med"/>
+                      <a:tailEnd type="none" w="med" len="med"/>
+                    </a:lnT>
+                    <a:lnB w="6350" cap="flat" cmpd="sng" algn="ctr">
+                      <a:solidFill>
+                        <a:srgbClr val="000000"/>
+                      </a:solidFill>
+                      <a:prstDash val="solid"/>
+                      <a:round/>
+                      <a:headEnd type="none" w="med" len="med"/>
+                      <a:tailEnd type="none" w="med" len="med"/>
+                    </a:lnB>
+                  </a:tcPr>
+                </a:tc>
+                <a:tc>
+                  <a:txBody>
+                    <a:bodyPr/>
+                    <a:lstStyle/>
+                    <a:p>
+                      <a:pPr algn="ctr" fontAlgn="ctr"/>
+                      <a:r>
+                        <a:rPr lang="en-US" sz="2000" b="0" i="0" u="none" strike="noStrike">
+                          <a:solidFill>
+                            <a:srgbClr val="000000"/>
+                          </a:solidFill>
+                          <a:effectLst/>
+                          <a:latin typeface="Calibri" panose="020F0502020204030204" pitchFamily="34" charset="0"/>
+                        </a:rPr>
+                        <a:t>Ridge</a:t>
+                      </a:r>
+                    </a:p>
+                  </a:txBody>
+                  <a:tcPr marL="9525" marR="9525" marT="9525" marB="0" anchor="ctr">
+                    <a:lnL>
+                      <a:noFill/>
+                    </a:lnL>
+                    <a:lnR>
+                      <a:noFill/>
+                    </a:lnR>
+                    <a:lnT w="12700" cap="flat" cmpd="sng" algn="ctr">
+                      <a:solidFill>
+                        <a:srgbClr val="000000"/>
+                      </a:solidFill>
+                      <a:prstDash val="solid"/>
+                      <a:round/>
+                      <a:headEnd type="none" w="med" len="med"/>
+                      <a:tailEnd type="none" w="med" len="med"/>
+                    </a:lnT>
+                    <a:lnB w="6350" cap="flat" cmpd="sng" algn="ctr">
+                      <a:solidFill>
+                        <a:srgbClr val="000000"/>
+                      </a:solidFill>
+                      <a:prstDash val="solid"/>
+                      <a:round/>
+                      <a:headEnd type="none" w="med" len="med"/>
+                      <a:tailEnd type="none" w="med" len="med"/>
+                    </a:lnB>
+                  </a:tcPr>
+                </a:tc>
+                <a:tc>
+                  <a:txBody>
+                    <a:bodyPr/>
+                    <a:lstStyle/>
+                    <a:p>
+                      <a:pPr algn="ctr" fontAlgn="ctr"/>
+                      <a:r>
+                        <a:rPr lang="en-US" sz="2000" b="0" i="0" u="none" strike="noStrike">
+                          <a:solidFill>
+                            <a:srgbClr val="000000"/>
+                          </a:solidFill>
+                          <a:effectLst/>
+                          <a:latin typeface="Calibri" panose="020F0502020204030204" pitchFamily="34" charset="0"/>
+                        </a:rPr>
+                        <a:t>Lasso</a:t>
+                      </a:r>
+                    </a:p>
+                  </a:txBody>
+                  <a:tcPr marL="9525" marR="9525" marT="9525" marB="0" anchor="ctr">
+                    <a:lnL>
+                      <a:noFill/>
+                    </a:lnL>
+                    <a:lnR>
+                      <a:noFill/>
+                    </a:lnR>
+                    <a:lnT w="12700" cap="flat" cmpd="sng" algn="ctr">
+                      <a:solidFill>
+                        <a:srgbClr val="000000"/>
+                      </a:solidFill>
+                      <a:prstDash val="solid"/>
+                      <a:round/>
+                      <a:headEnd type="none" w="med" len="med"/>
+                      <a:tailEnd type="none" w="med" len="med"/>
+                    </a:lnT>
+                    <a:lnB w="6350" cap="flat" cmpd="sng" algn="ctr">
+                      <a:solidFill>
+                        <a:srgbClr val="000000"/>
+                      </a:solidFill>
+                      <a:prstDash val="solid"/>
+                      <a:round/>
+                      <a:headEnd type="none" w="med" len="med"/>
+                      <a:tailEnd type="none" w="med" len="med"/>
+                    </a:lnB>
+                  </a:tcPr>
+                </a:tc>
+                <a:tc>
+                  <a:txBody>
+                    <a:bodyPr/>
+                    <a:lstStyle/>
+                    <a:p>
+                      <a:pPr algn="ctr" fontAlgn="ctr"/>
+                      <a:r>
+                        <a:rPr lang="en-US" sz="2000" b="0" i="0" u="none" strike="noStrike">
+                          <a:solidFill>
+                            <a:srgbClr val="000000"/>
+                          </a:solidFill>
+                          <a:effectLst/>
+                          <a:latin typeface="Calibri" panose="020F0502020204030204" pitchFamily="34" charset="0"/>
+                        </a:rPr>
+                        <a:t>Enet</a:t>
+                      </a:r>
+                    </a:p>
+                  </a:txBody>
+                  <a:tcPr marL="9525" marR="9525" marT="9525" marB="0" anchor="ctr">
+                    <a:lnL>
+                      <a:noFill/>
+                    </a:lnL>
+                    <a:lnR>
+                      <a:noFill/>
+                    </a:lnR>
+                    <a:lnT w="12700" cap="flat" cmpd="sng" algn="ctr">
+                      <a:solidFill>
+                        <a:srgbClr val="000000"/>
+                      </a:solidFill>
+                      <a:prstDash val="solid"/>
+                      <a:round/>
+                      <a:headEnd type="none" w="med" len="med"/>
+                      <a:tailEnd type="none" w="med" len="med"/>
+                    </a:lnT>
+                    <a:lnB w="6350" cap="flat" cmpd="sng" algn="ctr">
+                      <a:solidFill>
+                        <a:srgbClr val="000000"/>
+                      </a:solidFill>
+                      <a:prstDash val="solid"/>
+                      <a:round/>
+                      <a:headEnd type="none" w="med" len="med"/>
+                      <a:tailEnd type="none" w="med" len="med"/>
+                    </a:lnB>
+                  </a:tcPr>
+                </a:tc>
+                <a:extLst>
+                  <a:ext uri="{0D108BD9-81ED-4DB2-BD59-A6C34878D82A}">
+                    <a16:rowId xmlns:a16="http://schemas.microsoft.com/office/drawing/2014/main" val="2716465177"/>
+                  </a:ext>
+                </a:extLst>
+              </a:tr>
+              <a:tr h="342900">
+                <a:tc>
+                  <a:txBody>
+                    <a:bodyPr/>
+                    <a:lstStyle/>
+                    <a:p>
+                      <a:pPr algn="l" fontAlgn="b"/>
+                      <a:r>
+                        <a:rPr lang="en-US" sz="2000" b="0" i="0" u="none" strike="noStrike">
+                          <a:solidFill>
+                            <a:srgbClr val="000000"/>
+                          </a:solidFill>
+                          <a:effectLst/>
+                          <a:latin typeface="Calibri" panose="020F0502020204030204" pitchFamily="34" charset="0"/>
+                        </a:rPr>
+                        <a:t>PMSE</a:t>
+                      </a:r>
+                    </a:p>
+                  </a:txBody>
+                  <a:tcPr marL="9525" marR="9525" marT="9525" marB="0" anchor="b">
+                    <a:lnL>
+                      <a:noFill/>
+                    </a:lnL>
+                    <a:lnR w="6350" cap="flat" cmpd="sng" algn="ctr">
+                      <a:solidFill>
+                        <a:srgbClr val="000000"/>
+                      </a:solidFill>
+                      <a:prstDash val="solid"/>
+                      <a:round/>
+                      <a:headEnd type="none" w="med" len="med"/>
+                      <a:tailEnd type="none" w="med" len="med"/>
+                    </a:lnR>
+                    <a:lnT w="6350" cap="flat" cmpd="sng" algn="ctr">
+                      <a:solidFill>
+                        <a:srgbClr val="000000"/>
+                      </a:solidFill>
+                      <a:prstDash val="solid"/>
+                      <a:round/>
+                      <a:headEnd type="none" w="med" len="med"/>
+                      <a:tailEnd type="none" w="med" len="med"/>
+                    </a:lnT>
+                    <a:lnB w="12700" cap="flat" cmpd="sng" algn="ctr">
+                      <a:solidFill>
+                        <a:srgbClr val="000000"/>
+                      </a:solidFill>
+                      <a:prstDash val="solid"/>
+                      <a:round/>
+                      <a:headEnd type="none" w="med" len="med"/>
+                      <a:tailEnd type="none" w="med" len="med"/>
+                    </a:lnB>
+                  </a:tcPr>
+                </a:tc>
+                <a:tc>
+                  <a:txBody>
+                    <a:bodyPr/>
+                    <a:lstStyle/>
+                    <a:p>
+                      <a:pPr algn="ctr" fontAlgn="ctr"/>
+                      <a:r>
+                        <a:rPr lang="en-DE" sz="2000" b="0" i="0" u="none" strike="noStrike">
+                          <a:solidFill>
+                            <a:srgbClr val="000000"/>
+                          </a:solidFill>
+                          <a:effectLst/>
+                          <a:latin typeface="Calibri" panose="020F0502020204030204" pitchFamily="34" charset="0"/>
+                        </a:rPr>
+                        <a:t>44.540</a:t>
+                      </a:r>
+                    </a:p>
+                  </a:txBody>
+                  <a:tcPr marL="9525" marR="9525" marT="9525" marB="0" anchor="ctr">
+                    <a:lnL w="6350" cap="flat" cmpd="sng" algn="ctr">
+                      <a:solidFill>
+                        <a:srgbClr val="000000"/>
+                      </a:solidFill>
+                      <a:prstDash val="solid"/>
+                      <a:round/>
+                      <a:headEnd type="none" w="med" len="med"/>
+                      <a:tailEnd type="none" w="med" len="med"/>
+                    </a:lnL>
+                    <a:lnR>
+                      <a:noFill/>
+                    </a:lnR>
+                    <a:lnT w="6350" cap="flat" cmpd="sng" algn="ctr">
+                      <a:solidFill>
+                        <a:srgbClr val="000000"/>
+                      </a:solidFill>
+                      <a:prstDash val="solid"/>
+                      <a:round/>
+                      <a:headEnd type="none" w="med" len="med"/>
+                      <a:tailEnd type="none" w="med" len="med"/>
+                    </a:lnT>
+                    <a:lnB w="12700" cap="flat" cmpd="sng" algn="ctr">
+                      <a:solidFill>
+                        <a:srgbClr val="000000"/>
+                      </a:solidFill>
+                      <a:prstDash val="solid"/>
+                      <a:round/>
+                      <a:headEnd type="none" w="med" len="med"/>
+                      <a:tailEnd type="none" w="med" len="med"/>
+                    </a:lnB>
+                  </a:tcPr>
+                </a:tc>
+                <a:tc>
+                  <a:txBody>
+                    <a:bodyPr/>
+                    <a:lstStyle/>
+                    <a:p>
+                      <a:pPr algn="ctr" fontAlgn="ctr"/>
+                      <a:r>
+                        <a:rPr lang="en-DE" sz="2000" b="0" i="0" u="none" strike="noStrike">
+                          <a:solidFill>
+                            <a:srgbClr val="000000"/>
+                          </a:solidFill>
+                          <a:effectLst/>
+                          <a:latin typeface="Calibri" panose="020F0502020204030204" pitchFamily="34" charset="0"/>
+                        </a:rPr>
+                        <a:t>42.191</a:t>
+                      </a:r>
+                    </a:p>
+                  </a:txBody>
+                  <a:tcPr marL="9525" marR="9525" marT="9525" marB="0" anchor="ctr">
+                    <a:lnL>
+                      <a:noFill/>
+                    </a:lnL>
+                    <a:lnR>
+                      <a:noFill/>
+                    </a:lnR>
+                    <a:lnT w="6350" cap="flat" cmpd="sng" algn="ctr">
+                      <a:solidFill>
+                        <a:srgbClr val="000000"/>
+                      </a:solidFill>
+                      <a:prstDash val="solid"/>
+                      <a:round/>
+                      <a:headEnd type="none" w="med" len="med"/>
+                      <a:tailEnd type="none" w="med" len="med"/>
+                    </a:lnT>
+                    <a:lnB w="12700" cap="flat" cmpd="sng" algn="ctr">
+                      <a:solidFill>
+                        <a:srgbClr val="000000"/>
+                      </a:solidFill>
+                      <a:prstDash val="solid"/>
+                      <a:round/>
+                      <a:headEnd type="none" w="med" len="med"/>
+                      <a:tailEnd type="none" w="med" len="med"/>
+                    </a:lnB>
+                  </a:tcPr>
+                </a:tc>
+                <a:tc>
+                  <a:txBody>
+                    <a:bodyPr/>
+                    <a:lstStyle/>
+                    <a:p>
+                      <a:pPr algn="ctr" fontAlgn="ctr"/>
+                      <a:r>
+                        <a:rPr lang="en-DE" sz="2000" b="0" i="0" u="none" strike="noStrike">
+                          <a:solidFill>
+                            <a:srgbClr val="000000"/>
+                          </a:solidFill>
+                          <a:effectLst/>
+                          <a:latin typeface="Calibri" panose="020F0502020204030204" pitchFamily="34" charset="0"/>
+                        </a:rPr>
+                        <a:t>57.024</a:t>
+                      </a:r>
+                    </a:p>
+                  </a:txBody>
+                  <a:tcPr marL="9525" marR="9525" marT="9525" marB="0" anchor="ctr">
+                    <a:lnL>
+                      <a:noFill/>
+                    </a:lnL>
+                    <a:lnR>
+                      <a:noFill/>
+                    </a:lnR>
+                    <a:lnT w="6350" cap="flat" cmpd="sng" algn="ctr">
+                      <a:solidFill>
+                        <a:srgbClr val="000000"/>
+                      </a:solidFill>
+                      <a:prstDash val="solid"/>
+                      <a:round/>
+                      <a:headEnd type="none" w="med" len="med"/>
+                      <a:tailEnd type="none" w="med" len="med"/>
+                    </a:lnT>
+                    <a:lnB w="12700" cap="flat" cmpd="sng" algn="ctr">
+                      <a:solidFill>
+                        <a:srgbClr val="000000"/>
+                      </a:solidFill>
+                      <a:prstDash val="solid"/>
+                      <a:round/>
+                      <a:headEnd type="none" w="med" len="med"/>
+                      <a:tailEnd type="none" w="med" len="med"/>
+                    </a:lnB>
+                  </a:tcPr>
+                </a:tc>
+                <a:tc>
+                  <a:txBody>
+                    <a:bodyPr/>
+                    <a:lstStyle/>
+                    <a:p>
+                      <a:pPr algn="ctr" fontAlgn="ctr"/>
+                      <a:r>
+                        <a:rPr lang="en-DE" sz="2000" b="0" i="0" u="none" strike="noStrike">
+                          <a:solidFill>
+                            <a:srgbClr val="000000"/>
+                          </a:solidFill>
+                          <a:effectLst/>
+                          <a:latin typeface="Calibri" panose="020F0502020204030204" pitchFamily="34" charset="0"/>
+                        </a:rPr>
+                        <a:t>43.017</a:t>
+                      </a:r>
+                    </a:p>
+                  </a:txBody>
+                  <a:tcPr marL="9525" marR="9525" marT="9525" marB="0" anchor="ctr">
+                    <a:lnL>
+                      <a:noFill/>
+                    </a:lnL>
+                    <a:lnR>
+                      <a:noFill/>
+                    </a:lnR>
+                    <a:lnT w="6350" cap="flat" cmpd="sng" algn="ctr">
+                      <a:solidFill>
+                        <a:srgbClr val="000000"/>
+                      </a:solidFill>
+                      <a:prstDash val="solid"/>
+                      <a:round/>
+                      <a:headEnd type="none" w="med" len="med"/>
+                      <a:tailEnd type="none" w="med" len="med"/>
+                    </a:lnT>
+                    <a:lnB w="12700" cap="flat" cmpd="sng" algn="ctr">
+                      <a:solidFill>
+                        <a:srgbClr val="000000"/>
+                      </a:solidFill>
+                      <a:prstDash val="solid"/>
+                      <a:round/>
+                      <a:headEnd type="none" w="med" len="med"/>
+                      <a:tailEnd type="none" w="med" len="med"/>
+                    </a:lnB>
+                  </a:tcPr>
+                </a:tc>
+                <a:tc>
+                  <a:txBody>
+                    <a:bodyPr/>
+                    <a:lstStyle/>
+                    <a:p>
+                      <a:pPr algn="ctr" fontAlgn="ctr"/>
+                      <a:r>
+                        <a:rPr lang="en-DE" sz="2000" b="0" i="0" u="none" strike="noStrike">
+                          <a:solidFill>
+                            <a:srgbClr val="000000"/>
+                          </a:solidFill>
+                          <a:effectLst/>
+                          <a:latin typeface="Calibri" panose="020F0502020204030204" pitchFamily="34" charset="0"/>
+                        </a:rPr>
+                        <a:t>41.794</a:t>
+                      </a:r>
+                    </a:p>
+                  </a:txBody>
+                  <a:tcPr marL="9525" marR="9525" marT="9525" marB="0" anchor="ctr">
+                    <a:lnL>
+                      <a:noFill/>
+                    </a:lnL>
+                    <a:lnR>
+                      <a:noFill/>
+                    </a:lnR>
+                    <a:lnT w="6350" cap="flat" cmpd="sng" algn="ctr">
+                      <a:solidFill>
+                        <a:srgbClr val="000000"/>
+                      </a:solidFill>
+                      <a:prstDash val="solid"/>
+                      <a:round/>
+                      <a:headEnd type="none" w="med" len="med"/>
+                      <a:tailEnd type="none" w="med" len="med"/>
+                    </a:lnT>
+                    <a:lnB w="12700" cap="flat" cmpd="sng" algn="ctr">
+                      <a:solidFill>
+                        <a:srgbClr val="000000"/>
+                      </a:solidFill>
+                      <a:prstDash val="solid"/>
+                      <a:round/>
+                      <a:headEnd type="none" w="med" len="med"/>
+                      <a:tailEnd type="none" w="med" len="med"/>
+                    </a:lnB>
+                  </a:tcPr>
+                </a:tc>
+                <a:tc>
+                  <a:txBody>
+                    <a:bodyPr/>
+                    <a:lstStyle/>
+                    <a:p>
+                      <a:pPr algn="ctr" fontAlgn="ctr"/>
+                      <a:r>
+                        <a:rPr lang="en-DE" sz="2000" b="0" i="0" u="none" strike="noStrike" dirty="0">
+                          <a:solidFill>
+                            <a:srgbClr val="000000"/>
+                          </a:solidFill>
+                          <a:effectLst/>
+                          <a:latin typeface="Calibri" panose="020F0502020204030204" pitchFamily="34" charset="0"/>
+                        </a:rPr>
+                        <a:t>41.918</a:t>
+                      </a:r>
+                    </a:p>
+                  </a:txBody>
+                  <a:tcPr marL="9525" marR="9525" marT="9525" marB="0" anchor="ctr">
+                    <a:lnL>
+                      <a:noFill/>
+                    </a:lnL>
+                    <a:lnR>
+                      <a:noFill/>
+                    </a:lnR>
+                    <a:lnT w="6350" cap="flat" cmpd="sng" algn="ctr">
+                      <a:solidFill>
+                        <a:srgbClr val="000000"/>
+                      </a:solidFill>
+                      <a:prstDash val="solid"/>
+                      <a:round/>
+                      <a:headEnd type="none" w="med" len="med"/>
+                      <a:tailEnd type="none" w="med" len="med"/>
+                    </a:lnT>
+                    <a:lnB w="12700" cap="flat" cmpd="sng" algn="ctr">
+                      <a:solidFill>
+                        <a:srgbClr val="000000"/>
+                      </a:solidFill>
+                      <a:prstDash val="solid"/>
+                      <a:round/>
+                      <a:headEnd type="none" w="med" len="med"/>
+                      <a:tailEnd type="none" w="med" len="med"/>
+                    </a:lnB>
+                  </a:tcPr>
+                </a:tc>
+                <a:extLst>
+                  <a:ext uri="{0D108BD9-81ED-4DB2-BD59-A6C34878D82A}">
+                    <a16:rowId xmlns:a16="http://schemas.microsoft.com/office/drawing/2014/main" val="1543885453"/>
+                  </a:ext>
+                </a:extLst>
+              </a:tr>
+            </a:tbl>
+          </a:graphicData>
+        </a:graphic>
+      </p:graphicFrame>
+      <p:graphicFrame>
+        <p:nvGraphicFramePr>
+          <p:cNvPr id="15" name="Table 14"/>
+          <p:cNvGraphicFramePr>
+            <a:graphicFrameLocks noGrp="1"/>
+          </p:cNvGraphicFramePr>
+          <p:nvPr>
+            <p:extLst>
+              <p:ext uri="{D42A27DB-BD31-4B8C-83A1-F6EECF244321}">
+                <p14:modId xmlns:p14="http://schemas.microsoft.com/office/powerpoint/2010/main" val="2105525311"/>
+              </p:ext>
+            </p:extLst>
+          </p:nvPr>
+        </p:nvGraphicFramePr>
+        <p:xfrm>
+          <a:off x="688626" y="2024727"/>
+          <a:ext cx="7696200" cy="1352550"/>
+        </p:xfrm>
+        <a:graphic>
+          <a:graphicData uri="http://schemas.openxmlformats.org/drawingml/2006/table">
+            <a:tbl>
+              <a:tblPr/>
+              <a:tblGrid>
+                <a:gridCol w="1981200">
+                  <a:extLst>
+                    <a:ext uri="{9D8B030D-6E8A-4147-A177-3AD203B41FA5}">
+                      <a16:colId xmlns:a16="http://schemas.microsoft.com/office/drawing/2014/main" val="1055164481"/>
+                    </a:ext>
+                  </a:extLst>
+                </a:gridCol>
+                <a:gridCol w="952500">
+                  <a:extLst>
+                    <a:ext uri="{9D8B030D-6E8A-4147-A177-3AD203B41FA5}">
+                      <a16:colId xmlns:a16="http://schemas.microsoft.com/office/drawing/2014/main" val="612376597"/>
+                    </a:ext>
+                  </a:extLst>
+                </a:gridCol>
+                <a:gridCol w="952500">
+                  <a:extLst>
+                    <a:ext uri="{9D8B030D-6E8A-4147-A177-3AD203B41FA5}">
+                      <a16:colId xmlns:a16="http://schemas.microsoft.com/office/drawing/2014/main" val="3125992544"/>
+                    </a:ext>
+                  </a:extLst>
+                </a:gridCol>
+                <a:gridCol w="952500">
+                  <a:extLst>
+                    <a:ext uri="{9D8B030D-6E8A-4147-A177-3AD203B41FA5}">
+                      <a16:colId xmlns:a16="http://schemas.microsoft.com/office/drawing/2014/main" val="2505601747"/>
+                    </a:ext>
+                  </a:extLst>
+                </a:gridCol>
+                <a:gridCol w="952500">
+                  <a:extLst>
+                    <a:ext uri="{9D8B030D-6E8A-4147-A177-3AD203B41FA5}">
+                      <a16:colId xmlns:a16="http://schemas.microsoft.com/office/drawing/2014/main" val="3755075900"/>
+                    </a:ext>
+                  </a:extLst>
+                </a:gridCol>
+                <a:gridCol w="952500">
+                  <a:extLst>
+                    <a:ext uri="{9D8B030D-6E8A-4147-A177-3AD203B41FA5}">
+                      <a16:colId xmlns:a16="http://schemas.microsoft.com/office/drawing/2014/main" val="1348196479"/>
+                    </a:ext>
+                  </a:extLst>
+                </a:gridCol>
+                <a:gridCol w="952500">
+                  <a:extLst>
+                    <a:ext uri="{9D8B030D-6E8A-4147-A177-3AD203B41FA5}">
+                      <a16:colId xmlns:a16="http://schemas.microsoft.com/office/drawing/2014/main" val="1140523136"/>
+                    </a:ext>
+                  </a:extLst>
+                </a:gridCol>
+              </a:tblGrid>
+              <a:tr h="342900">
+                <a:tc>
+                  <a:txBody>
+                    <a:bodyPr/>
+                    <a:lstStyle/>
+                    <a:p>
+                      <a:pPr algn="l" fontAlgn="ctr"/>
+                      <a:r>
+                        <a:rPr lang="en-DE" sz="2000" b="0" i="0" u="none" strike="noStrike">
+                          <a:solidFill>
+                            <a:srgbClr val="000000"/>
+                          </a:solidFill>
+                          <a:effectLst/>
+                          <a:latin typeface="Calibri" panose="020F0502020204030204" pitchFamily="34" charset="0"/>
+                        </a:rPr>
+                        <a:t> </a:t>
+                      </a:r>
+                    </a:p>
+                  </a:txBody>
+                  <a:tcPr marL="9525" marR="9525" marT="9525" marB="0" anchor="ctr">
+                    <a:lnL>
+                      <a:noFill/>
+                    </a:lnL>
+                    <a:lnR>
+                      <a:noFill/>
+                    </a:lnR>
+                    <a:lnT>
+                      <a:noFill/>
+                    </a:lnT>
+                    <a:lnB w="12700" cap="flat" cmpd="sng" algn="ctr">
+                      <a:solidFill>
+                        <a:srgbClr val="000000"/>
+                      </a:solidFill>
+                      <a:prstDash val="solid"/>
+                      <a:round/>
+                      <a:headEnd type="none" w="med" len="med"/>
+                      <a:tailEnd type="none" w="med" len="med"/>
+                    </a:lnB>
+                  </a:tcPr>
+                </a:tc>
+                <a:tc>
+                  <a:txBody>
+                    <a:bodyPr/>
+                    <a:lstStyle/>
+                    <a:p>
+                      <a:pPr algn="l" fontAlgn="ctr"/>
+                      <a:r>
+                        <a:rPr lang="en-DE" sz="2000" b="0" i="0" u="none" strike="noStrike">
+                          <a:solidFill>
+                            <a:srgbClr val="000000"/>
+                          </a:solidFill>
+                          <a:effectLst/>
+                          <a:latin typeface="Calibri" panose="020F0502020204030204" pitchFamily="34" charset="0"/>
+                        </a:rPr>
+                        <a:t> </a:t>
+                      </a:r>
+                    </a:p>
+                  </a:txBody>
+                  <a:tcPr marL="9525" marR="9525" marT="9525" marB="0" anchor="ctr">
+                    <a:lnL>
+                      <a:noFill/>
+                    </a:lnL>
+                    <a:lnR>
+                      <a:noFill/>
+                    </a:lnR>
+                    <a:lnT>
+                      <a:noFill/>
+                    </a:lnT>
+                    <a:lnB w="12700" cap="flat" cmpd="sng" algn="ctr">
+                      <a:solidFill>
+                        <a:srgbClr val="000000"/>
+                      </a:solidFill>
+                      <a:prstDash val="solid"/>
+                      <a:round/>
+                      <a:headEnd type="none" w="med" len="med"/>
+                      <a:tailEnd type="none" w="med" len="med"/>
+                    </a:lnB>
+                  </a:tcPr>
+                </a:tc>
+                <a:tc>
+                  <a:txBody>
+                    <a:bodyPr/>
+                    <a:lstStyle/>
+                    <a:p>
+                      <a:pPr algn="l" fontAlgn="ctr"/>
+                      <a:r>
+                        <a:rPr lang="en-DE" sz="2000" b="0" i="0" u="none" strike="noStrike">
+                          <a:solidFill>
+                            <a:srgbClr val="000000"/>
+                          </a:solidFill>
+                          <a:effectLst/>
+                          <a:latin typeface="Calibri" panose="020F0502020204030204" pitchFamily="34" charset="0"/>
+                        </a:rPr>
+                        <a:t> </a:t>
+                      </a:r>
+                    </a:p>
+                  </a:txBody>
+                  <a:tcPr marL="9525" marR="9525" marT="9525" marB="0" anchor="ctr">
+                    <a:lnL>
+                      <a:noFill/>
+                    </a:lnL>
+                    <a:lnR>
+                      <a:noFill/>
+                    </a:lnR>
+                    <a:lnT>
+                      <a:noFill/>
+                    </a:lnT>
+                    <a:lnB w="12700" cap="flat" cmpd="sng" algn="ctr">
+                      <a:solidFill>
+                        <a:srgbClr val="000000"/>
+                      </a:solidFill>
+                      <a:prstDash val="solid"/>
+                      <a:round/>
+                      <a:headEnd type="none" w="med" len="med"/>
+                      <a:tailEnd type="none" w="med" len="med"/>
+                    </a:lnB>
+                  </a:tcPr>
+                </a:tc>
+                <a:tc>
+                  <a:txBody>
+                    <a:bodyPr/>
+                    <a:lstStyle/>
+                    <a:p>
+                      <a:pPr algn="l" fontAlgn="ctr"/>
+                      <a:r>
+                        <a:rPr lang="en-DE" sz="2000" b="0" i="0" u="none" strike="noStrike" dirty="0">
+                          <a:solidFill>
+                            <a:srgbClr val="000000"/>
+                          </a:solidFill>
+                          <a:effectLst/>
+                          <a:latin typeface="Calibri" panose="020F0502020204030204" pitchFamily="34" charset="0"/>
+                        </a:rPr>
+                        <a:t> </a:t>
+                      </a:r>
+                    </a:p>
+                  </a:txBody>
+                  <a:tcPr marL="9525" marR="9525" marT="9525" marB="0" anchor="ctr">
+                    <a:lnL>
+                      <a:noFill/>
+                    </a:lnL>
+                    <a:lnR>
+                      <a:noFill/>
+                    </a:lnR>
+                    <a:lnT>
+                      <a:noFill/>
+                    </a:lnT>
+                    <a:lnB w="12700" cap="flat" cmpd="sng" algn="ctr">
+                      <a:solidFill>
+                        <a:srgbClr val="000000"/>
+                      </a:solidFill>
+                      <a:prstDash val="solid"/>
+                      <a:round/>
+                      <a:headEnd type="none" w="med" len="med"/>
+                      <a:tailEnd type="none" w="med" len="med"/>
+                    </a:lnB>
+                  </a:tcPr>
+                </a:tc>
+                <a:tc>
+                  <a:txBody>
+                    <a:bodyPr/>
+                    <a:lstStyle/>
+                    <a:p>
+                      <a:pPr algn="l" fontAlgn="ctr"/>
+                      <a:r>
+                        <a:rPr lang="en-DE" sz="2000" b="0" i="0" u="none" strike="noStrike">
+                          <a:solidFill>
+                            <a:srgbClr val="000000"/>
+                          </a:solidFill>
+                          <a:effectLst/>
+                          <a:latin typeface="Calibri" panose="020F0502020204030204" pitchFamily="34" charset="0"/>
+                        </a:rPr>
+                        <a:t> </a:t>
+                      </a:r>
+                    </a:p>
+                  </a:txBody>
+                  <a:tcPr marL="9525" marR="9525" marT="9525" marB="0" anchor="ctr">
+                    <a:lnL>
+                      <a:noFill/>
+                    </a:lnL>
+                    <a:lnR>
+                      <a:noFill/>
+                    </a:lnR>
+                    <a:lnT>
+                      <a:noFill/>
+                    </a:lnT>
+                    <a:lnB w="12700" cap="flat" cmpd="sng" algn="ctr">
+                      <a:solidFill>
+                        <a:srgbClr val="000000"/>
+                      </a:solidFill>
+                      <a:prstDash val="solid"/>
+                      <a:round/>
+                      <a:headEnd type="none" w="med" len="med"/>
+                      <a:tailEnd type="none" w="med" len="med"/>
+                    </a:lnB>
+                  </a:tcPr>
+                </a:tc>
+                <a:tc>
+                  <a:txBody>
+                    <a:bodyPr/>
+                    <a:lstStyle/>
+                    <a:p>
+                      <a:pPr algn="l" fontAlgn="ctr"/>
+                      <a:r>
+                        <a:rPr lang="en-DE" sz="2000" b="0" i="0" u="none" strike="noStrike">
+                          <a:solidFill>
+                            <a:srgbClr val="000000"/>
+                          </a:solidFill>
+                          <a:effectLst/>
+                          <a:latin typeface="Calibri" panose="020F0502020204030204" pitchFamily="34" charset="0"/>
+                        </a:rPr>
+                        <a:t> </a:t>
+                      </a:r>
+                    </a:p>
+                  </a:txBody>
+                  <a:tcPr marL="9525" marR="9525" marT="9525" marB="0" anchor="ctr">
+                    <a:lnL>
+                      <a:noFill/>
+                    </a:lnL>
+                    <a:lnR>
+                      <a:noFill/>
+                    </a:lnR>
+                    <a:lnT>
+                      <a:noFill/>
+                    </a:lnT>
+                    <a:lnB w="12700" cap="flat" cmpd="sng" algn="ctr">
+                      <a:solidFill>
+                        <a:srgbClr val="000000"/>
+                      </a:solidFill>
+                      <a:prstDash val="solid"/>
+                      <a:round/>
+                      <a:headEnd type="none" w="med" len="med"/>
+                      <a:tailEnd type="none" w="med" len="med"/>
+                    </a:lnB>
+                  </a:tcPr>
+                </a:tc>
+                <a:tc>
+                  <a:txBody>
+                    <a:bodyPr/>
+                    <a:lstStyle/>
+                    <a:p>
+                      <a:pPr algn="l" fontAlgn="ctr"/>
+                      <a:r>
+                        <a:rPr lang="en-DE" sz="2000" b="0" i="0" u="none" strike="noStrike">
+                          <a:solidFill>
+                            <a:srgbClr val="000000"/>
+                          </a:solidFill>
+                          <a:effectLst/>
+                          <a:latin typeface="Calibri" panose="020F0502020204030204" pitchFamily="34" charset="0"/>
+                        </a:rPr>
+                        <a:t> </a:t>
+                      </a:r>
+                    </a:p>
+                  </a:txBody>
+                  <a:tcPr marL="9525" marR="9525" marT="9525" marB="0" anchor="ctr">
+                    <a:lnL>
+                      <a:noFill/>
+                    </a:lnL>
+                    <a:lnR>
+                      <a:noFill/>
+                    </a:lnR>
+                    <a:lnT>
+                      <a:noFill/>
+                    </a:lnT>
+                    <a:lnB w="12700" cap="flat" cmpd="sng" algn="ctr">
+                      <a:solidFill>
+                        <a:srgbClr val="000000"/>
+                      </a:solidFill>
+                      <a:prstDash val="solid"/>
+                      <a:round/>
+                      <a:headEnd type="none" w="med" len="med"/>
+                      <a:tailEnd type="none" w="med" len="med"/>
+                    </a:lnB>
+                  </a:tcPr>
+                </a:tc>
+                <a:extLst>
+                  <a:ext uri="{0D108BD9-81ED-4DB2-BD59-A6C34878D82A}">
+                    <a16:rowId xmlns:a16="http://schemas.microsoft.com/office/drawing/2014/main" val="85136503"/>
+                  </a:ext>
+                </a:extLst>
+              </a:tr>
+              <a:tr h="333375">
+                <a:tc gridSpan="7">
+                  <a:txBody>
+                    <a:bodyPr/>
+                    <a:lstStyle/>
+                    <a:p>
+                      <a:pPr algn="ctr" fontAlgn="ctr"/>
+                      <a:r>
+                        <a:rPr lang="en-US" sz="2000" b="0" i="0" u="none" strike="noStrike" dirty="0">
+                          <a:solidFill>
+                            <a:srgbClr val="000000"/>
+                          </a:solidFill>
+                          <a:effectLst/>
+                          <a:latin typeface="Calibri" panose="020F0502020204030204" pitchFamily="34" charset="0"/>
+                        </a:rPr>
+                        <a:t>With Interaction </a:t>
+                      </a:r>
+                      <a:r>
+                        <a:rPr lang="en-US" sz="2000" b="0" i="0" u="none" strike="noStrike" dirty="0" smtClean="0">
+                          <a:solidFill>
+                            <a:srgbClr val="000000"/>
+                          </a:solidFill>
+                          <a:effectLst/>
+                          <a:latin typeface="Calibri" panose="020F0502020204030204" pitchFamily="34" charset="0"/>
+                        </a:rPr>
+                        <a:t>Terms</a:t>
+                      </a:r>
+                      <a:r>
+                        <a:rPr lang="en-DE" sz="2000" b="0" i="0" u="none" strike="noStrike" dirty="0" smtClean="0">
+                          <a:solidFill>
+                            <a:srgbClr val="000000"/>
+                          </a:solidFill>
+                          <a:effectLst/>
+                          <a:latin typeface="Calibri" panose="020F0502020204030204" pitchFamily="34" charset="0"/>
+                        </a:rPr>
+                        <a:t> (p = 496)</a:t>
+                      </a:r>
+                      <a:endParaRPr lang="en-US" sz="2000" b="0" i="0" u="none" strike="noStrike" dirty="0">
+                        <a:solidFill>
+                          <a:srgbClr val="000000"/>
+                        </a:solidFill>
+                        <a:effectLst/>
+                        <a:latin typeface="Calibri" panose="020F0502020204030204" pitchFamily="34" charset="0"/>
+                      </a:endParaRPr>
+                    </a:p>
+                  </a:txBody>
+                  <a:tcPr marL="9525" marR="9525" marT="9525" marB="0" anchor="ctr">
+                    <a:lnL>
+                      <a:noFill/>
+                    </a:lnL>
+                    <a:lnR>
+                      <a:noFill/>
+                    </a:lnR>
+                    <a:lnT w="12700" cap="flat" cmpd="sng" algn="ctr">
+                      <a:solidFill>
+                        <a:srgbClr val="000000"/>
+                      </a:solidFill>
+                      <a:prstDash val="solid"/>
+                      <a:round/>
+                      <a:headEnd type="none" w="med" len="med"/>
+                      <a:tailEnd type="none" w="med" len="med"/>
+                    </a:lnT>
+                    <a:lnB w="6350" cap="flat" cmpd="sng" algn="ctr">
+                      <a:solidFill>
+                        <a:srgbClr val="000000"/>
+                      </a:solidFill>
+                      <a:prstDash val="solid"/>
+                      <a:round/>
+                      <a:headEnd type="none" w="med" len="med"/>
+                      <a:tailEnd type="none" w="med" len="med"/>
+                    </a:lnB>
+                  </a:tcPr>
+                </a:tc>
+                <a:tc hMerge="1">
+                  <a:txBody>
+                    <a:bodyPr/>
+                    <a:lstStyle/>
+                    <a:p>
+                      <a:endParaRPr lang="en-US"/>
+                    </a:p>
+                  </a:txBody>
+                  <a:tcPr/>
+                </a:tc>
+                <a:tc hMerge="1">
+                  <a:txBody>
+                    <a:bodyPr/>
+                    <a:lstStyle/>
+                    <a:p>
+                      <a:endParaRPr lang="en-US"/>
+                    </a:p>
+                  </a:txBody>
+                  <a:tcPr/>
+                </a:tc>
+                <a:tc hMerge="1">
+                  <a:txBody>
+                    <a:bodyPr/>
+                    <a:lstStyle/>
+                    <a:p>
+                      <a:endParaRPr lang="en-US"/>
+                    </a:p>
+                  </a:txBody>
+                  <a:tcPr/>
+                </a:tc>
+                <a:tc hMerge="1">
+                  <a:txBody>
+                    <a:bodyPr/>
+                    <a:lstStyle/>
+                    <a:p>
+                      <a:endParaRPr lang="en-US"/>
+                    </a:p>
+                  </a:txBody>
+                  <a:tcPr/>
+                </a:tc>
+                <a:tc hMerge="1">
+                  <a:txBody>
+                    <a:bodyPr/>
+                    <a:lstStyle/>
+                    <a:p>
+                      <a:endParaRPr lang="en-US"/>
+                    </a:p>
+                  </a:txBody>
+                  <a:tcPr/>
+                </a:tc>
+                <a:tc hMerge="1">
+                  <a:txBody>
+                    <a:bodyPr/>
+                    <a:lstStyle/>
+                    <a:p>
+                      <a:endParaRPr lang="en-US"/>
+                    </a:p>
+                  </a:txBody>
+                  <a:tcPr/>
+                </a:tc>
+                <a:extLst>
+                  <a:ext uri="{0D108BD9-81ED-4DB2-BD59-A6C34878D82A}">
+                    <a16:rowId xmlns:a16="http://schemas.microsoft.com/office/drawing/2014/main" val="1833427745"/>
+                  </a:ext>
+                </a:extLst>
+              </a:tr>
+              <a:tr h="333375">
+                <a:tc>
+                  <a:txBody>
+                    <a:bodyPr/>
+                    <a:lstStyle/>
+                    <a:p>
+                      <a:pPr algn="l" fontAlgn="b"/>
+                      <a:r>
+                        <a:rPr lang="en-US" sz="2000" b="0" i="0" u="none" strike="noStrike">
+                          <a:solidFill>
+                            <a:srgbClr val="000000"/>
+                          </a:solidFill>
+                          <a:effectLst/>
+                          <a:latin typeface="Calibri" panose="020F0502020204030204" pitchFamily="34" charset="0"/>
+                        </a:rPr>
+                        <a:t>Model</a:t>
+                      </a:r>
+                    </a:p>
+                  </a:txBody>
+                  <a:tcPr marL="9525" marR="9525" marT="9525" marB="0" anchor="b">
+                    <a:lnL>
+                      <a:noFill/>
+                    </a:lnL>
+                    <a:lnR w="6350" cap="flat" cmpd="sng" algn="ctr">
+                      <a:solidFill>
+                        <a:srgbClr val="000000"/>
+                      </a:solidFill>
+                      <a:prstDash val="solid"/>
+                      <a:round/>
+                      <a:headEnd type="none" w="med" len="med"/>
+                      <a:tailEnd type="none" w="med" len="med"/>
+                    </a:lnR>
+                    <a:lnT w="6350" cap="flat" cmpd="sng" algn="ctr">
+                      <a:solidFill>
+                        <a:srgbClr val="000000"/>
+                      </a:solidFill>
+                      <a:prstDash val="solid"/>
+                      <a:round/>
+                      <a:headEnd type="none" w="med" len="med"/>
+                      <a:tailEnd type="none" w="med" len="med"/>
+                    </a:lnT>
+                    <a:lnB w="6350" cap="flat" cmpd="sng" algn="ctr">
+                      <a:solidFill>
+                        <a:srgbClr val="000000"/>
+                      </a:solidFill>
+                      <a:prstDash val="solid"/>
+                      <a:round/>
+                      <a:headEnd type="none" w="med" len="med"/>
+                      <a:tailEnd type="none" w="med" len="med"/>
+                    </a:lnB>
+                  </a:tcPr>
+                </a:tc>
+                <a:tc>
+                  <a:txBody>
+                    <a:bodyPr/>
+                    <a:lstStyle/>
+                    <a:p>
+                      <a:pPr algn="ctr" fontAlgn="ctr"/>
+                      <a:r>
+                        <a:rPr lang="en-US" sz="2000" b="0" i="0" u="none" strike="noStrike">
+                          <a:solidFill>
+                            <a:srgbClr val="000000"/>
+                          </a:solidFill>
+                          <a:effectLst/>
+                          <a:latin typeface="Calibri" panose="020F0502020204030204" pitchFamily="34" charset="0"/>
+                        </a:rPr>
+                        <a:t>Const</a:t>
+                      </a:r>
+                    </a:p>
+                  </a:txBody>
+                  <a:tcPr marL="9525" marR="9525" marT="9525" marB="0" anchor="ctr">
+                    <a:lnL w="6350" cap="flat" cmpd="sng" algn="ctr">
+                      <a:solidFill>
+                        <a:srgbClr val="000000"/>
+                      </a:solidFill>
+                      <a:prstDash val="solid"/>
+                      <a:round/>
+                      <a:headEnd type="none" w="med" len="med"/>
+                      <a:tailEnd type="none" w="med" len="med"/>
+                    </a:lnL>
+                    <a:lnR>
+                      <a:noFill/>
+                    </a:lnR>
+                    <a:lnT w="6350" cap="flat" cmpd="sng" algn="ctr">
+                      <a:solidFill>
+                        <a:srgbClr val="000000"/>
+                      </a:solidFill>
+                      <a:prstDash val="solid"/>
+                      <a:round/>
+                      <a:headEnd type="none" w="med" len="med"/>
+                      <a:tailEnd type="none" w="med" len="med"/>
+                    </a:lnT>
+                    <a:lnB w="6350" cap="flat" cmpd="sng" algn="ctr">
+                      <a:solidFill>
+                        <a:srgbClr val="000000"/>
+                      </a:solidFill>
+                      <a:prstDash val="solid"/>
+                      <a:round/>
+                      <a:headEnd type="none" w="med" len="med"/>
+                      <a:tailEnd type="none" w="med" len="med"/>
+                    </a:lnB>
+                  </a:tcPr>
+                </a:tc>
+                <a:tc>
+                  <a:txBody>
+                    <a:bodyPr/>
+                    <a:lstStyle/>
+                    <a:p>
+                      <a:pPr algn="ctr" fontAlgn="ctr"/>
+                      <a:r>
+                        <a:rPr lang="en-US" sz="2000" b="0" i="0" u="none" strike="noStrike">
+                          <a:solidFill>
+                            <a:srgbClr val="000000"/>
+                          </a:solidFill>
+                          <a:effectLst/>
+                          <a:latin typeface="Calibri" panose="020F0502020204030204" pitchFamily="34" charset="0"/>
+                        </a:rPr>
+                        <a:t>PCA</a:t>
+                      </a:r>
+                    </a:p>
+                  </a:txBody>
+                  <a:tcPr marL="9525" marR="9525" marT="9525" marB="0" anchor="ctr">
+                    <a:lnL>
+                      <a:noFill/>
+                    </a:lnL>
+                    <a:lnR>
+                      <a:noFill/>
+                    </a:lnR>
+                    <a:lnT w="6350" cap="flat" cmpd="sng" algn="ctr">
+                      <a:solidFill>
+                        <a:srgbClr val="000000"/>
+                      </a:solidFill>
+                      <a:prstDash val="solid"/>
+                      <a:round/>
+                      <a:headEnd type="none" w="med" len="med"/>
+                      <a:tailEnd type="none" w="med" len="med"/>
+                    </a:lnT>
+                    <a:lnB w="6350" cap="flat" cmpd="sng" algn="ctr">
+                      <a:solidFill>
+                        <a:srgbClr val="000000"/>
+                      </a:solidFill>
+                      <a:prstDash val="solid"/>
+                      <a:round/>
+                      <a:headEnd type="none" w="med" len="med"/>
+                      <a:tailEnd type="none" w="med" len="med"/>
+                    </a:lnB>
+                  </a:tcPr>
+                </a:tc>
+                <a:tc>
+                  <a:txBody>
+                    <a:bodyPr/>
+                    <a:lstStyle/>
+                    <a:p>
+                      <a:pPr algn="ctr" fontAlgn="ctr"/>
+                      <a:r>
+                        <a:rPr lang="en-US" sz="2000" b="0" i="0" u="none" strike="noStrike">
+                          <a:solidFill>
+                            <a:srgbClr val="000000"/>
+                          </a:solidFill>
+                          <a:effectLst/>
+                          <a:latin typeface="Calibri" panose="020F0502020204030204" pitchFamily="34" charset="0"/>
+                        </a:rPr>
+                        <a:t>OLS</a:t>
+                      </a:r>
+                    </a:p>
+                  </a:txBody>
+                  <a:tcPr marL="9525" marR="9525" marT="9525" marB="0" anchor="ctr">
+                    <a:lnL>
+                      <a:noFill/>
+                    </a:lnL>
+                    <a:lnR>
+                      <a:noFill/>
+                    </a:lnR>
+                    <a:lnT w="6350" cap="flat" cmpd="sng" algn="ctr">
+                      <a:solidFill>
+                        <a:srgbClr val="000000"/>
+                      </a:solidFill>
+                      <a:prstDash val="solid"/>
+                      <a:round/>
+                      <a:headEnd type="none" w="med" len="med"/>
+                      <a:tailEnd type="none" w="med" len="med"/>
+                    </a:lnT>
+                    <a:lnB w="6350" cap="flat" cmpd="sng" algn="ctr">
+                      <a:solidFill>
+                        <a:srgbClr val="000000"/>
+                      </a:solidFill>
+                      <a:prstDash val="solid"/>
+                      <a:round/>
+                      <a:headEnd type="none" w="med" len="med"/>
+                      <a:tailEnd type="none" w="med" len="med"/>
+                    </a:lnB>
+                  </a:tcPr>
+                </a:tc>
+                <a:tc>
+                  <a:txBody>
+                    <a:bodyPr/>
+                    <a:lstStyle/>
+                    <a:p>
+                      <a:pPr algn="ctr" fontAlgn="ctr"/>
+                      <a:r>
+                        <a:rPr lang="en-US" sz="2000" b="0" i="0" u="none" strike="noStrike">
+                          <a:solidFill>
+                            <a:srgbClr val="000000"/>
+                          </a:solidFill>
+                          <a:effectLst/>
+                          <a:latin typeface="Calibri" panose="020F0502020204030204" pitchFamily="34" charset="0"/>
+                        </a:rPr>
+                        <a:t>Ridge</a:t>
+                      </a:r>
+                    </a:p>
+                  </a:txBody>
+                  <a:tcPr marL="9525" marR="9525" marT="9525" marB="0" anchor="ctr">
+                    <a:lnL>
+                      <a:noFill/>
+                    </a:lnL>
+                    <a:lnR>
+                      <a:noFill/>
+                    </a:lnR>
+                    <a:lnT w="6350" cap="flat" cmpd="sng" algn="ctr">
+                      <a:solidFill>
+                        <a:srgbClr val="000000"/>
+                      </a:solidFill>
+                      <a:prstDash val="solid"/>
+                      <a:round/>
+                      <a:headEnd type="none" w="med" len="med"/>
+                      <a:tailEnd type="none" w="med" len="med"/>
+                    </a:lnT>
+                    <a:lnB w="6350" cap="flat" cmpd="sng" algn="ctr">
+                      <a:solidFill>
+                        <a:srgbClr val="000000"/>
+                      </a:solidFill>
+                      <a:prstDash val="solid"/>
+                      <a:round/>
+                      <a:headEnd type="none" w="med" len="med"/>
+                      <a:tailEnd type="none" w="med" len="med"/>
+                    </a:lnB>
+                  </a:tcPr>
+                </a:tc>
+                <a:tc>
+                  <a:txBody>
+                    <a:bodyPr/>
+                    <a:lstStyle/>
+                    <a:p>
+                      <a:pPr algn="ctr" fontAlgn="ctr"/>
+                      <a:r>
+                        <a:rPr lang="en-US" sz="2000" b="0" i="0" u="none" strike="noStrike">
+                          <a:solidFill>
+                            <a:srgbClr val="000000"/>
+                          </a:solidFill>
+                          <a:effectLst/>
+                          <a:latin typeface="Calibri" panose="020F0502020204030204" pitchFamily="34" charset="0"/>
+                        </a:rPr>
+                        <a:t>Lasso</a:t>
+                      </a:r>
+                    </a:p>
+                  </a:txBody>
+                  <a:tcPr marL="9525" marR="9525" marT="9525" marB="0" anchor="ctr">
+                    <a:lnL>
+                      <a:noFill/>
+                    </a:lnL>
+                    <a:lnR>
+                      <a:noFill/>
+                    </a:lnR>
+                    <a:lnT w="6350" cap="flat" cmpd="sng" algn="ctr">
+                      <a:solidFill>
+                        <a:srgbClr val="000000"/>
+                      </a:solidFill>
+                      <a:prstDash val="solid"/>
+                      <a:round/>
+                      <a:headEnd type="none" w="med" len="med"/>
+                      <a:tailEnd type="none" w="med" len="med"/>
+                    </a:lnT>
+                    <a:lnB w="6350" cap="flat" cmpd="sng" algn="ctr">
+                      <a:solidFill>
+                        <a:srgbClr val="000000"/>
+                      </a:solidFill>
+                      <a:prstDash val="solid"/>
+                      <a:round/>
+                      <a:headEnd type="none" w="med" len="med"/>
+                      <a:tailEnd type="none" w="med" len="med"/>
+                    </a:lnB>
+                  </a:tcPr>
+                </a:tc>
+                <a:tc>
+                  <a:txBody>
+                    <a:bodyPr/>
+                    <a:lstStyle/>
+                    <a:p>
+                      <a:pPr algn="ctr" fontAlgn="ctr"/>
+                      <a:r>
+                        <a:rPr lang="en-US" sz="2000" b="0" i="0" u="none" strike="noStrike">
+                          <a:solidFill>
+                            <a:srgbClr val="000000"/>
+                          </a:solidFill>
+                          <a:effectLst/>
+                          <a:latin typeface="Calibri" panose="020F0502020204030204" pitchFamily="34" charset="0"/>
+                        </a:rPr>
+                        <a:t>Enet</a:t>
+                      </a:r>
+                    </a:p>
+                  </a:txBody>
+                  <a:tcPr marL="9525" marR="9525" marT="9525" marB="0" anchor="ctr">
+                    <a:lnL>
+                      <a:noFill/>
+                    </a:lnL>
+                    <a:lnR>
+                      <a:noFill/>
+                    </a:lnR>
+                    <a:lnT w="6350" cap="flat" cmpd="sng" algn="ctr">
+                      <a:solidFill>
+                        <a:srgbClr val="000000"/>
+                      </a:solidFill>
+                      <a:prstDash val="solid"/>
+                      <a:round/>
+                      <a:headEnd type="none" w="med" len="med"/>
+                      <a:tailEnd type="none" w="med" len="med"/>
+                    </a:lnT>
+                    <a:lnB w="6350" cap="flat" cmpd="sng" algn="ctr">
+                      <a:solidFill>
+                        <a:srgbClr val="000000"/>
+                      </a:solidFill>
+                      <a:prstDash val="solid"/>
+                      <a:round/>
+                      <a:headEnd type="none" w="med" len="med"/>
+                      <a:tailEnd type="none" w="med" len="med"/>
+                    </a:lnB>
+                  </a:tcPr>
+                </a:tc>
+                <a:extLst>
+                  <a:ext uri="{0D108BD9-81ED-4DB2-BD59-A6C34878D82A}">
+                    <a16:rowId xmlns:a16="http://schemas.microsoft.com/office/drawing/2014/main" val="1809421555"/>
+                  </a:ext>
+                </a:extLst>
+              </a:tr>
+              <a:tr h="342900">
+                <a:tc>
+                  <a:txBody>
+                    <a:bodyPr/>
+                    <a:lstStyle/>
+                    <a:p>
+                      <a:pPr algn="l" fontAlgn="b"/>
+                      <a:r>
+                        <a:rPr lang="en-US" sz="2000" b="0" i="0" u="none" strike="noStrike">
+                          <a:solidFill>
+                            <a:srgbClr val="000000"/>
+                          </a:solidFill>
+                          <a:effectLst/>
+                          <a:latin typeface="Calibri" panose="020F0502020204030204" pitchFamily="34" charset="0"/>
+                        </a:rPr>
+                        <a:t>PMSE</a:t>
+                      </a:r>
+                    </a:p>
+                  </a:txBody>
+                  <a:tcPr marL="9525" marR="9525" marT="9525" marB="0" anchor="b">
+                    <a:lnL>
+                      <a:noFill/>
+                    </a:lnL>
+                    <a:lnR w="6350" cap="flat" cmpd="sng" algn="ctr">
+                      <a:solidFill>
+                        <a:srgbClr val="000000"/>
+                      </a:solidFill>
+                      <a:prstDash val="solid"/>
+                      <a:round/>
+                      <a:headEnd type="none" w="med" len="med"/>
+                      <a:tailEnd type="none" w="med" len="med"/>
+                    </a:lnR>
+                    <a:lnT w="6350" cap="flat" cmpd="sng" algn="ctr">
+                      <a:solidFill>
+                        <a:srgbClr val="000000"/>
+                      </a:solidFill>
+                      <a:prstDash val="solid"/>
+                      <a:round/>
+                      <a:headEnd type="none" w="med" len="med"/>
+                      <a:tailEnd type="none" w="med" len="med"/>
+                    </a:lnT>
+                    <a:lnB w="12700" cap="flat" cmpd="sng" algn="ctr">
+                      <a:solidFill>
+                        <a:srgbClr val="000000"/>
+                      </a:solidFill>
+                      <a:prstDash val="solid"/>
+                      <a:round/>
+                      <a:headEnd type="none" w="med" len="med"/>
+                      <a:tailEnd type="none" w="med" len="med"/>
+                    </a:lnB>
+                  </a:tcPr>
+                </a:tc>
+                <a:tc>
+                  <a:txBody>
+                    <a:bodyPr/>
+                    <a:lstStyle/>
+                    <a:p>
+                      <a:pPr algn="ctr" fontAlgn="ctr"/>
+                      <a:r>
+                        <a:rPr lang="en-DE" sz="2000" b="0" i="0" u="none" strike="noStrike">
+                          <a:solidFill>
+                            <a:srgbClr val="000000"/>
+                          </a:solidFill>
+                          <a:effectLst/>
+                          <a:latin typeface="Calibri" panose="020F0502020204030204" pitchFamily="34" charset="0"/>
+                        </a:rPr>
+                        <a:t>-</a:t>
+                      </a:r>
+                    </a:p>
+                  </a:txBody>
+                  <a:tcPr marL="9525" marR="9525" marT="9525" marB="0" anchor="ctr">
+                    <a:lnL w="6350" cap="flat" cmpd="sng" algn="ctr">
+                      <a:solidFill>
+                        <a:srgbClr val="000000"/>
+                      </a:solidFill>
+                      <a:prstDash val="solid"/>
+                      <a:round/>
+                      <a:headEnd type="none" w="med" len="med"/>
+                      <a:tailEnd type="none" w="med" len="med"/>
+                    </a:lnL>
+                    <a:lnR>
+                      <a:noFill/>
+                    </a:lnR>
+                    <a:lnT w="6350" cap="flat" cmpd="sng" algn="ctr">
+                      <a:solidFill>
+                        <a:srgbClr val="000000"/>
+                      </a:solidFill>
+                      <a:prstDash val="solid"/>
+                      <a:round/>
+                      <a:headEnd type="none" w="med" len="med"/>
+                      <a:tailEnd type="none" w="med" len="med"/>
+                    </a:lnT>
+                    <a:lnB w="12700" cap="flat" cmpd="sng" algn="ctr">
+                      <a:solidFill>
+                        <a:srgbClr val="000000"/>
+                      </a:solidFill>
+                      <a:prstDash val="solid"/>
+                      <a:round/>
+                      <a:headEnd type="none" w="med" len="med"/>
+                      <a:tailEnd type="none" w="med" len="med"/>
+                    </a:lnB>
+                  </a:tcPr>
+                </a:tc>
+                <a:tc>
+                  <a:txBody>
+                    <a:bodyPr/>
+                    <a:lstStyle/>
+                    <a:p>
+                      <a:pPr algn="ctr" fontAlgn="ctr"/>
+                      <a:r>
+                        <a:rPr lang="en-DE" sz="2000" b="0" i="0" u="none" strike="noStrike">
+                          <a:solidFill>
+                            <a:srgbClr val="000000"/>
+                          </a:solidFill>
+                          <a:effectLst/>
+                          <a:latin typeface="Calibri" panose="020F0502020204030204" pitchFamily="34" charset="0"/>
+                        </a:rPr>
+                        <a:t>-</a:t>
+                      </a:r>
+                    </a:p>
+                  </a:txBody>
+                  <a:tcPr marL="9525" marR="9525" marT="9525" marB="0" anchor="ctr">
+                    <a:lnL>
+                      <a:noFill/>
+                    </a:lnL>
+                    <a:lnR>
+                      <a:noFill/>
+                    </a:lnR>
+                    <a:lnT w="6350" cap="flat" cmpd="sng" algn="ctr">
+                      <a:solidFill>
+                        <a:srgbClr val="000000"/>
+                      </a:solidFill>
+                      <a:prstDash val="solid"/>
+                      <a:round/>
+                      <a:headEnd type="none" w="med" len="med"/>
+                      <a:tailEnd type="none" w="med" len="med"/>
+                    </a:lnT>
+                    <a:lnB w="12700" cap="flat" cmpd="sng" algn="ctr">
+                      <a:solidFill>
+                        <a:srgbClr val="000000"/>
+                      </a:solidFill>
+                      <a:prstDash val="solid"/>
+                      <a:round/>
+                      <a:headEnd type="none" w="med" len="med"/>
+                      <a:tailEnd type="none" w="med" len="med"/>
+                    </a:lnB>
+                  </a:tcPr>
+                </a:tc>
+                <a:tc>
+                  <a:txBody>
+                    <a:bodyPr/>
+                    <a:lstStyle/>
+                    <a:p>
+                      <a:pPr algn="ctr" fontAlgn="ctr"/>
+                      <a:r>
+                        <a:rPr lang="en-DE" sz="2000" b="0" i="0" u="none" strike="noStrike">
+                          <a:solidFill>
+                            <a:srgbClr val="000000"/>
+                          </a:solidFill>
+                          <a:effectLst/>
+                          <a:latin typeface="Calibri" panose="020F0502020204030204" pitchFamily="34" charset="0"/>
+                        </a:rPr>
+                        <a:t>-</a:t>
+                      </a:r>
+                    </a:p>
+                  </a:txBody>
+                  <a:tcPr marL="9525" marR="9525" marT="9525" marB="0" anchor="ctr">
+                    <a:lnL>
+                      <a:noFill/>
+                    </a:lnL>
+                    <a:lnR>
+                      <a:noFill/>
+                    </a:lnR>
+                    <a:lnT w="6350" cap="flat" cmpd="sng" algn="ctr">
+                      <a:solidFill>
+                        <a:srgbClr val="000000"/>
+                      </a:solidFill>
+                      <a:prstDash val="solid"/>
+                      <a:round/>
+                      <a:headEnd type="none" w="med" len="med"/>
+                      <a:tailEnd type="none" w="med" len="med"/>
+                    </a:lnT>
+                    <a:lnB w="12700" cap="flat" cmpd="sng" algn="ctr">
+                      <a:solidFill>
+                        <a:srgbClr val="000000"/>
+                      </a:solidFill>
+                      <a:prstDash val="solid"/>
+                      <a:round/>
+                      <a:headEnd type="none" w="med" len="med"/>
+                      <a:tailEnd type="none" w="med" len="med"/>
+                    </a:lnB>
+                  </a:tcPr>
+                </a:tc>
+                <a:tc>
+                  <a:txBody>
+                    <a:bodyPr/>
+                    <a:lstStyle/>
+                    <a:p>
+                      <a:pPr algn="ctr" fontAlgn="ctr"/>
+                      <a:r>
+                        <a:rPr lang="en-DE" sz="2000" b="0" i="0" u="none" strike="noStrike">
+                          <a:solidFill>
+                            <a:srgbClr val="000000"/>
+                          </a:solidFill>
+                          <a:effectLst/>
+                          <a:latin typeface="Calibri" panose="020F0502020204030204" pitchFamily="34" charset="0"/>
+                        </a:rPr>
+                        <a:t>41.138</a:t>
+                      </a:r>
+                    </a:p>
+                  </a:txBody>
+                  <a:tcPr marL="9525" marR="9525" marT="9525" marB="0" anchor="ctr">
+                    <a:lnL>
+                      <a:noFill/>
+                    </a:lnL>
+                    <a:lnR>
+                      <a:noFill/>
+                    </a:lnR>
+                    <a:lnT w="6350" cap="flat" cmpd="sng" algn="ctr">
+                      <a:solidFill>
+                        <a:srgbClr val="000000"/>
+                      </a:solidFill>
+                      <a:prstDash val="solid"/>
+                      <a:round/>
+                      <a:headEnd type="none" w="med" len="med"/>
+                      <a:tailEnd type="none" w="med" len="med"/>
+                    </a:lnT>
+                    <a:lnB w="12700" cap="flat" cmpd="sng" algn="ctr">
+                      <a:solidFill>
+                        <a:srgbClr val="000000"/>
+                      </a:solidFill>
+                      <a:prstDash val="solid"/>
+                      <a:round/>
+                      <a:headEnd type="none" w="med" len="med"/>
+                      <a:tailEnd type="none" w="med" len="med"/>
+                    </a:lnB>
+                  </a:tcPr>
+                </a:tc>
+                <a:tc>
+                  <a:txBody>
+                    <a:bodyPr/>
+                    <a:lstStyle/>
+                    <a:p>
+                      <a:pPr algn="ctr" fontAlgn="ctr"/>
+                      <a:r>
+                        <a:rPr lang="en-DE" sz="2000" b="0" i="0" u="none" strike="noStrike">
+                          <a:solidFill>
+                            <a:srgbClr val="000000"/>
+                          </a:solidFill>
+                          <a:effectLst/>
+                          <a:latin typeface="Calibri" panose="020F0502020204030204" pitchFamily="34" charset="0"/>
+                        </a:rPr>
+                        <a:t>41.825</a:t>
+                      </a:r>
+                    </a:p>
+                  </a:txBody>
+                  <a:tcPr marL="9525" marR="9525" marT="9525" marB="0" anchor="ctr">
+                    <a:lnL>
+                      <a:noFill/>
+                    </a:lnL>
+                    <a:lnR>
+                      <a:noFill/>
+                    </a:lnR>
+                    <a:lnT w="6350" cap="flat" cmpd="sng" algn="ctr">
+                      <a:solidFill>
+                        <a:srgbClr val="000000"/>
+                      </a:solidFill>
+                      <a:prstDash val="solid"/>
+                      <a:round/>
+                      <a:headEnd type="none" w="med" len="med"/>
+                      <a:tailEnd type="none" w="med" len="med"/>
+                    </a:lnT>
+                    <a:lnB w="12700" cap="flat" cmpd="sng" algn="ctr">
+                      <a:solidFill>
+                        <a:srgbClr val="000000"/>
+                      </a:solidFill>
+                      <a:prstDash val="solid"/>
+                      <a:round/>
+                      <a:headEnd type="none" w="med" len="med"/>
+                      <a:tailEnd type="none" w="med" len="med"/>
+                    </a:lnB>
+                  </a:tcPr>
+                </a:tc>
+                <a:tc>
+                  <a:txBody>
+                    <a:bodyPr/>
+                    <a:lstStyle/>
+                    <a:p>
+                      <a:pPr algn="ctr" fontAlgn="ctr"/>
+                      <a:r>
+                        <a:rPr lang="en-DE" sz="2000" b="0" i="0" u="none" strike="noStrike" dirty="0">
+                          <a:solidFill>
+                            <a:srgbClr val="000000"/>
+                          </a:solidFill>
+                          <a:effectLst/>
+                          <a:latin typeface="Calibri" panose="020F0502020204030204" pitchFamily="34" charset="0"/>
+                        </a:rPr>
+                        <a:t>40.776</a:t>
+                      </a:r>
+                    </a:p>
+                  </a:txBody>
+                  <a:tcPr marL="9525" marR="9525" marT="9525" marB="0" anchor="ctr">
+                    <a:lnL>
+                      <a:noFill/>
+                    </a:lnL>
+                    <a:lnR>
+                      <a:noFill/>
+                    </a:lnR>
+                    <a:lnT w="6350" cap="flat" cmpd="sng" algn="ctr">
+                      <a:solidFill>
+                        <a:srgbClr val="000000"/>
+                      </a:solidFill>
+                      <a:prstDash val="solid"/>
+                      <a:round/>
+                      <a:headEnd type="none" w="med" len="med"/>
+                      <a:tailEnd type="none" w="med" len="med"/>
+                    </a:lnT>
+                    <a:lnB w="12700" cap="flat" cmpd="sng" algn="ctr">
+                      <a:solidFill>
+                        <a:srgbClr val="000000"/>
+                      </a:solidFill>
+                      <a:prstDash val="solid"/>
+                      <a:round/>
+                      <a:headEnd type="none" w="med" len="med"/>
+                      <a:tailEnd type="none" w="med" len="med"/>
+                    </a:lnB>
+                  </a:tcPr>
+                </a:tc>
+                <a:extLst>
+                  <a:ext uri="{0D108BD9-81ED-4DB2-BD59-A6C34878D82A}">
+                    <a16:rowId xmlns:a16="http://schemas.microsoft.com/office/drawing/2014/main" val="649101359"/>
+                  </a:ext>
+                </a:extLst>
+              </a:tr>
+            </a:tbl>
+          </a:graphicData>
+        </a:graphic>
+      </p:graphicFrame>
+      <p:graphicFrame>
+        <p:nvGraphicFramePr>
+          <p:cNvPr id="17" name="Table 16"/>
+          <p:cNvGraphicFramePr>
+            <a:graphicFrameLocks noGrp="1"/>
+          </p:cNvGraphicFramePr>
+          <p:nvPr>
+            <p:extLst>
+              <p:ext uri="{D42A27DB-BD31-4B8C-83A1-F6EECF244321}">
+                <p14:modId xmlns:p14="http://schemas.microsoft.com/office/powerpoint/2010/main" val="2855443134"/>
+              </p:ext>
+            </p:extLst>
+          </p:nvPr>
+        </p:nvGraphicFramePr>
+        <p:xfrm>
+          <a:off x="691520" y="3444363"/>
+          <a:ext cx="7696200" cy="1209675"/>
+        </p:xfrm>
+        <a:graphic>
+          <a:graphicData uri="http://schemas.openxmlformats.org/drawingml/2006/table">
+            <a:tbl>
+              <a:tblPr/>
+              <a:tblGrid>
+                <a:gridCol w="1981200">
+                  <a:extLst>
+                    <a:ext uri="{9D8B030D-6E8A-4147-A177-3AD203B41FA5}">
+                      <a16:colId xmlns:a16="http://schemas.microsoft.com/office/drawing/2014/main" val="3219154802"/>
+                    </a:ext>
+                  </a:extLst>
+                </a:gridCol>
+                <a:gridCol w="952500">
+                  <a:extLst>
+                    <a:ext uri="{9D8B030D-6E8A-4147-A177-3AD203B41FA5}">
+                      <a16:colId xmlns:a16="http://schemas.microsoft.com/office/drawing/2014/main" val="3940307627"/>
+                    </a:ext>
+                  </a:extLst>
+                </a:gridCol>
+                <a:gridCol w="952500">
+                  <a:extLst>
+                    <a:ext uri="{9D8B030D-6E8A-4147-A177-3AD203B41FA5}">
+                      <a16:colId xmlns:a16="http://schemas.microsoft.com/office/drawing/2014/main" val="569932491"/>
+                    </a:ext>
+                  </a:extLst>
+                </a:gridCol>
+                <a:gridCol w="952500">
+                  <a:extLst>
+                    <a:ext uri="{9D8B030D-6E8A-4147-A177-3AD203B41FA5}">
+                      <a16:colId xmlns:a16="http://schemas.microsoft.com/office/drawing/2014/main" val="1891617626"/>
+                    </a:ext>
+                  </a:extLst>
+                </a:gridCol>
+                <a:gridCol w="952500">
+                  <a:extLst>
+                    <a:ext uri="{9D8B030D-6E8A-4147-A177-3AD203B41FA5}">
+                      <a16:colId xmlns:a16="http://schemas.microsoft.com/office/drawing/2014/main" val="1063450293"/>
+                    </a:ext>
+                  </a:extLst>
+                </a:gridCol>
+                <a:gridCol w="952500">
+                  <a:extLst>
+                    <a:ext uri="{9D8B030D-6E8A-4147-A177-3AD203B41FA5}">
+                      <a16:colId xmlns:a16="http://schemas.microsoft.com/office/drawing/2014/main" val="2427209741"/>
+                    </a:ext>
+                  </a:extLst>
+                </a:gridCol>
+                <a:gridCol w="952500">
+                  <a:extLst>
+                    <a:ext uri="{9D8B030D-6E8A-4147-A177-3AD203B41FA5}">
+                      <a16:colId xmlns:a16="http://schemas.microsoft.com/office/drawing/2014/main" val="3378013292"/>
+                    </a:ext>
+                  </a:extLst>
+                </a:gridCol>
+              </a:tblGrid>
+              <a:tr h="200025">
+                <a:tc>
+                  <a:txBody>
+                    <a:bodyPr/>
+                    <a:lstStyle/>
+                    <a:p>
+                      <a:pPr algn="l" fontAlgn="b"/>
+                      <a:r>
+                        <a:rPr lang="en-DE" sz="1100" b="0" i="0" u="none" strike="noStrike">
+                          <a:solidFill>
+                            <a:srgbClr val="000000"/>
+                          </a:solidFill>
+                          <a:effectLst/>
+                          <a:latin typeface="Calibri" panose="020F0502020204030204" pitchFamily="34" charset="0"/>
+                        </a:rPr>
+                        <a:t> </a:t>
+                      </a:r>
+                    </a:p>
+                  </a:txBody>
+                  <a:tcPr marL="9525" marR="9525" marT="9525" marB="0" anchor="b">
+                    <a:lnL>
+                      <a:noFill/>
+                    </a:lnL>
+                    <a:lnR>
+                      <a:noFill/>
+                    </a:lnR>
+                    <a:lnT>
+                      <a:noFill/>
+                    </a:lnT>
+                    <a:lnB w="12700" cap="flat" cmpd="sng" algn="ctr">
+                      <a:solidFill>
+                        <a:srgbClr val="000000"/>
+                      </a:solidFill>
+                      <a:prstDash val="solid"/>
+                      <a:round/>
+                      <a:headEnd type="none" w="med" len="med"/>
+                      <a:tailEnd type="none" w="med" len="med"/>
+                    </a:lnB>
+                  </a:tcPr>
+                </a:tc>
+                <a:tc>
+                  <a:txBody>
+                    <a:bodyPr/>
+                    <a:lstStyle/>
+                    <a:p>
+                      <a:pPr algn="l" fontAlgn="b"/>
+                      <a:r>
+                        <a:rPr lang="en-DE" sz="1100" b="0" i="0" u="none" strike="noStrike">
+                          <a:solidFill>
+                            <a:srgbClr val="000000"/>
+                          </a:solidFill>
+                          <a:effectLst/>
+                          <a:latin typeface="Calibri" panose="020F0502020204030204" pitchFamily="34" charset="0"/>
+                        </a:rPr>
+                        <a:t> </a:t>
+                      </a:r>
+                    </a:p>
+                  </a:txBody>
+                  <a:tcPr marL="9525" marR="9525" marT="9525" marB="0" anchor="b">
+                    <a:lnL>
+                      <a:noFill/>
+                    </a:lnL>
+                    <a:lnR>
+                      <a:noFill/>
+                    </a:lnR>
+                    <a:lnT>
+                      <a:noFill/>
+                    </a:lnT>
+                    <a:lnB w="12700" cap="flat" cmpd="sng" algn="ctr">
+                      <a:solidFill>
+                        <a:srgbClr val="000000"/>
+                      </a:solidFill>
+                      <a:prstDash val="solid"/>
+                      <a:round/>
+                      <a:headEnd type="none" w="med" len="med"/>
+                      <a:tailEnd type="none" w="med" len="med"/>
+                    </a:lnB>
+                  </a:tcPr>
+                </a:tc>
+                <a:tc>
+                  <a:txBody>
+                    <a:bodyPr/>
+                    <a:lstStyle/>
+                    <a:p>
+                      <a:pPr algn="l" fontAlgn="b"/>
+                      <a:r>
+                        <a:rPr lang="en-DE" sz="1100" b="0" i="0" u="none" strike="noStrike">
+                          <a:solidFill>
+                            <a:srgbClr val="000000"/>
+                          </a:solidFill>
+                          <a:effectLst/>
+                          <a:latin typeface="Calibri" panose="020F0502020204030204" pitchFamily="34" charset="0"/>
+                        </a:rPr>
+                        <a:t> </a:t>
+                      </a:r>
+                    </a:p>
+                  </a:txBody>
+                  <a:tcPr marL="9525" marR="9525" marT="9525" marB="0" anchor="b">
+                    <a:lnL>
+                      <a:noFill/>
+                    </a:lnL>
+                    <a:lnR>
+                      <a:noFill/>
+                    </a:lnR>
+                    <a:lnT>
+                      <a:noFill/>
+                    </a:lnT>
+                    <a:lnB w="12700" cap="flat" cmpd="sng" algn="ctr">
+                      <a:solidFill>
+                        <a:srgbClr val="000000"/>
+                      </a:solidFill>
+                      <a:prstDash val="solid"/>
+                      <a:round/>
+                      <a:headEnd type="none" w="med" len="med"/>
+                      <a:tailEnd type="none" w="med" len="med"/>
+                    </a:lnB>
+                  </a:tcPr>
+                </a:tc>
+                <a:tc>
+                  <a:txBody>
+                    <a:bodyPr/>
+                    <a:lstStyle/>
+                    <a:p>
+                      <a:pPr algn="l" fontAlgn="b"/>
+                      <a:r>
+                        <a:rPr lang="en-DE" sz="1100" b="0" i="0" u="none" strike="noStrike">
+                          <a:solidFill>
+                            <a:srgbClr val="000000"/>
+                          </a:solidFill>
+                          <a:effectLst/>
+                          <a:latin typeface="Calibri" panose="020F0502020204030204" pitchFamily="34" charset="0"/>
+                        </a:rPr>
+                        <a:t> </a:t>
+                      </a:r>
+                    </a:p>
+                  </a:txBody>
+                  <a:tcPr marL="9525" marR="9525" marT="9525" marB="0" anchor="b">
+                    <a:lnL>
+                      <a:noFill/>
+                    </a:lnL>
+                    <a:lnR>
+                      <a:noFill/>
+                    </a:lnR>
+                    <a:lnT>
+                      <a:noFill/>
+                    </a:lnT>
+                    <a:lnB w="12700" cap="flat" cmpd="sng" algn="ctr">
+                      <a:solidFill>
+                        <a:srgbClr val="000000"/>
+                      </a:solidFill>
+                      <a:prstDash val="solid"/>
+                      <a:round/>
+                      <a:headEnd type="none" w="med" len="med"/>
+                      <a:tailEnd type="none" w="med" len="med"/>
+                    </a:lnB>
+                  </a:tcPr>
+                </a:tc>
+                <a:tc>
+                  <a:txBody>
+                    <a:bodyPr/>
+                    <a:lstStyle/>
+                    <a:p>
+                      <a:pPr algn="l" fontAlgn="b"/>
+                      <a:r>
+                        <a:rPr lang="en-DE" sz="1100" b="0" i="0" u="none" strike="noStrike" dirty="0">
+                          <a:solidFill>
+                            <a:srgbClr val="000000"/>
+                          </a:solidFill>
+                          <a:effectLst/>
+                          <a:latin typeface="Calibri" panose="020F0502020204030204" pitchFamily="34" charset="0"/>
+                        </a:rPr>
+                        <a:t> </a:t>
+                      </a:r>
+                    </a:p>
+                  </a:txBody>
+                  <a:tcPr marL="9525" marR="9525" marT="9525" marB="0" anchor="b">
+                    <a:lnL>
+                      <a:noFill/>
+                    </a:lnL>
+                    <a:lnR>
+                      <a:noFill/>
+                    </a:lnR>
+                    <a:lnT>
+                      <a:noFill/>
+                    </a:lnT>
+                    <a:lnB w="12700" cap="flat" cmpd="sng" algn="ctr">
+                      <a:solidFill>
+                        <a:srgbClr val="000000"/>
+                      </a:solidFill>
+                      <a:prstDash val="solid"/>
+                      <a:round/>
+                      <a:headEnd type="none" w="med" len="med"/>
+                      <a:tailEnd type="none" w="med" len="med"/>
+                    </a:lnB>
+                  </a:tcPr>
+                </a:tc>
+                <a:tc>
+                  <a:txBody>
+                    <a:bodyPr/>
+                    <a:lstStyle/>
+                    <a:p>
+                      <a:pPr algn="l" fontAlgn="b"/>
+                      <a:r>
+                        <a:rPr lang="en-DE" sz="1100" b="0" i="0" u="none" strike="noStrike">
+                          <a:solidFill>
+                            <a:srgbClr val="000000"/>
+                          </a:solidFill>
+                          <a:effectLst/>
+                          <a:latin typeface="Calibri" panose="020F0502020204030204" pitchFamily="34" charset="0"/>
+                        </a:rPr>
+                        <a:t> </a:t>
+                      </a:r>
+                    </a:p>
+                  </a:txBody>
+                  <a:tcPr marL="9525" marR="9525" marT="9525" marB="0" anchor="b">
+                    <a:lnL>
+                      <a:noFill/>
+                    </a:lnL>
+                    <a:lnR>
+                      <a:noFill/>
+                    </a:lnR>
+                    <a:lnT>
+                      <a:noFill/>
+                    </a:lnT>
+                    <a:lnB w="12700" cap="flat" cmpd="sng" algn="ctr">
+                      <a:solidFill>
+                        <a:srgbClr val="000000"/>
+                      </a:solidFill>
+                      <a:prstDash val="solid"/>
+                      <a:round/>
+                      <a:headEnd type="none" w="med" len="med"/>
+                      <a:tailEnd type="none" w="med" len="med"/>
+                    </a:lnB>
+                  </a:tcPr>
+                </a:tc>
+                <a:tc>
+                  <a:txBody>
+                    <a:bodyPr/>
+                    <a:lstStyle/>
+                    <a:p>
+                      <a:pPr algn="l" fontAlgn="b"/>
+                      <a:r>
+                        <a:rPr lang="en-DE" sz="1100" b="0" i="0" u="none" strike="noStrike">
+                          <a:solidFill>
+                            <a:srgbClr val="000000"/>
+                          </a:solidFill>
+                          <a:effectLst/>
+                          <a:latin typeface="Calibri" panose="020F0502020204030204" pitchFamily="34" charset="0"/>
+                        </a:rPr>
+                        <a:t> </a:t>
+                      </a:r>
+                    </a:p>
+                  </a:txBody>
+                  <a:tcPr marL="9525" marR="9525" marT="9525" marB="0" anchor="b">
+                    <a:lnL>
+                      <a:noFill/>
+                    </a:lnL>
+                    <a:lnR>
+                      <a:noFill/>
+                    </a:lnR>
+                    <a:lnT>
+                      <a:noFill/>
+                    </a:lnT>
+                    <a:lnB w="12700" cap="flat" cmpd="sng" algn="ctr">
+                      <a:solidFill>
+                        <a:srgbClr val="000000"/>
+                      </a:solidFill>
+                      <a:prstDash val="solid"/>
+                      <a:round/>
+                      <a:headEnd type="none" w="med" len="med"/>
+                      <a:tailEnd type="none" w="med" len="med"/>
+                    </a:lnB>
+                  </a:tcPr>
+                </a:tc>
+                <a:extLst>
+                  <a:ext uri="{0D108BD9-81ED-4DB2-BD59-A6C34878D82A}">
+                    <a16:rowId xmlns:a16="http://schemas.microsoft.com/office/drawing/2014/main" val="671274937"/>
+                  </a:ext>
+                </a:extLst>
+              </a:tr>
+              <a:tr h="333375">
+                <a:tc gridSpan="7">
+                  <a:txBody>
+                    <a:bodyPr/>
+                    <a:lstStyle/>
+                    <a:p>
+                      <a:pPr algn="ctr" fontAlgn="ctr"/>
+                      <a:r>
+                        <a:rPr lang="en-US" sz="2000" b="0" i="0" u="none" strike="noStrike">
+                          <a:solidFill>
+                            <a:srgbClr val="000000"/>
+                          </a:solidFill>
+                          <a:effectLst/>
+                          <a:latin typeface="Calibri" panose="020F0502020204030204" pitchFamily="34" charset="0"/>
+                        </a:rPr>
+                        <a:t>With Interaction and Square Terms (p = 527)</a:t>
+                      </a:r>
+                    </a:p>
+                  </a:txBody>
+                  <a:tcPr marL="9525" marR="9525" marT="9525" marB="0" anchor="ctr">
+                    <a:lnL>
+                      <a:noFill/>
+                    </a:lnL>
+                    <a:lnR>
+                      <a:noFill/>
+                    </a:lnR>
+                    <a:lnT w="12700" cap="flat" cmpd="sng" algn="ctr">
+                      <a:solidFill>
+                        <a:srgbClr val="000000"/>
+                      </a:solidFill>
+                      <a:prstDash val="solid"/>
+                      <a:round/>
+                      <a:headEnd type="none" w="med" len="med"/>
+                      <a:tailEnd type="none" w="med" len="med"/>
+                    </a:lnT>
+                    <a:lnB w="6350" cap="flat" cmpd="sng" algn="ctr">
+                      <a:solidFill>
+                        <a:srgbClr val="000000"/>
+                      </a:solidFill>
+                      <a:prstDash val="solid"/>
+                      <a:round/>
+                      <a:headEnd type="none" w="med" len="med"/>
+                      <a:tailEnd type="none" w="med" len="med"/>
+                    </a:lnB>
+                  </a:tcPr>
+                </a:tc>
+                <a:tc hMerge="1">
+                  <a:txBody>
+                    <a:bodyPr/>
+                    <a:lstStyle/>
+                    <a:p>
+                      <a:endParaRPr lang="en-US"/>
+                    </a:p>
+                  </a:txBody>
+                  <a:tcPr/>
+                </a:tc>
+                <a:tc hMerge="1">
+                  <a:txBody>
+                    <a:bodyPr/>
+                    <a:lstStyle/>
+                    <a:p>
+                      <a:endParaRPr lang="en-US"/>
+                    </a:p>
+                  </a:txBody>
+                  <a:tcPr/>
+                </a:tc>
+                <a:tc hMerge="1">
+                  <a:txBody>
+                    <a:bodyPr/>
+                    <a:lstStyle/>
+                    <a:p>
+                      <a:endParaRPr lang="en-US"/>
+                    </a:p>
+                  </a:txBody>
+                  <a:tcPr/>
+                </a:tc>
+                <a:tc hMerge="1">
+                  <a:txBody>
+                    <a:bodyPr/>
+                    <a:lstStyle/>
+                    <a:p>
+                      <a:endParaRPr lang="en-US"/>
+                    </a:p>
+                  </a:txBody>
+                  <a:tcPr/>
+                </a:tc>
+                <a:tc hMerge="1">
+                  <a:txBody>
+                    <a:bodyPr/>
+                    <a:lstStyle/>
+                    <a:p>
+                      <a:endParaRPr lang="en-US"/>
+                    </a:p>
+                  </a:txBody>
+                  <a:tcPr/>
+                </a:tc>
+                <a:tc hMerge="1">
+                  <a:txBody>
+                    <a:bodyPr/>
+                    <a:lstStyle/>
+                    <a:p>
+                      <a:endParaRPr lang="en-US"/>
+                    </a:p>
+                  </a:txBody>
+                  <a:tcPr/>
+                </a:tc>
+                <a:extLst>
+                  <a:ext uri="{0D108BD9-81ED-4DB2-BD59-A6C34878D82A}">
+                    <a16:rowId xmlns:a16="http://schemas.microsoft.com/office/drawing/2014/main" val="767279140"/>
+                  </a:ext>
+                </a:extLst>
+              </a:tr>
+              <a:tr h="333375">
+                <a:tc>
+                  <a:txBody>
+                    <a:bodyPr/>
+                    <a:lstStyle/>
+                    <a:p>
+                      <a:pPr algn="l" fontAlgn="b"/>
+                      <a:r>
+                        <a:rPr lang="en-US" sz="2000" b="0" i="0" u="none" strike="noStrike">
+                          <a:solidFill>
+                            <a:srgbClr val="000000"/>
+                          </a:solidFill>
+                          <a:effectLst/>
+                          <a:latin typeface="Calibri" panose="020F0502020204030204" pitchFamily="34" charset="0"/>
+                        </a:rPr>
+                        <a:t>Model</a:t>
+                      </a:r>
+                    </a:p>
+                  </a:txBody>
+                  <a:tcPr marL="9525" marR="9525" marT="9525" marB="0" anchor="b">
+                    <a:lnL>
+                      <a:noFill/>
+                    </a:lnL>
+                    <a:lnR w="6350" cap="flat" cmpd="sng" algn="ctr">
+                      <a:solidFill>
+                        <a:srgbClr val="000000"/>
+                      </a:solidFill>
+                      <a:prstDash val="solid"/>
+                      <a:round/>
+                      <a:headEnd type="none" w="med" len="med"/>
+                      <a:tailEnd type="none" w="med" len="med"/>
+                    </a:lnR>
+                    <a:lnT w="6350" cap="flat" cmpd="sng" algn="ctr">
+                      <a:solidFill>
+                        <a:srgbClr val="000000"/>
+                      </a:solidFill>
+                      <a:prstDash val="solid"/>
+                      <a:round/>
+                      <a:headEnd type="none" w="med" len="med"/>
+                      <a:tailEnd type="none" w="med" len="med"/>
+                    </a:lnT>
+                    <a:lnB w="6350" cap="flat" cmpd="sng" algn="ctr">
+                      <a:solidFill>
+                        <a:srgbClr val="000000"/>
+                      </a:solidFill>
+                      <a:prstDash val="solid"/>
+                      <a:round/>
+                      <a:headEnd type="none" w="med" len="med"/>
+                      <a:tailEnd type="none" w="med" len="med"/>
+                    </a:lnB>
+                  </a:tcPr>
+                </a:tc>
+                <a:tc>
+                  <a:txBody>
+                    <a:bodyPr/>
+                    <a:lstStyle/>
+                    <a:p>
+                      <a:pPr algn="ctr" fontAlgn="ctr"/>
+                      <a:r>
+                        <a:rPr lang="en-US" sz="2000" b="0" i="0" u="none" strike="noStrike">
+                          <a:solidFill>
+                            <a:srgbClr val="000000"/>
+                          </a:solidFill>
+                          <a:effectLst/>
+                          <a:latin typeface="Calibri" panose="020F0502020204030204" pitchFamily="34" charset="0"/>
+                        </a:rPr>
+                        <a:t>Const</a:t>
+                      </a:r>
+                    </a:p>
+                  </a:txBody>
+                  <a:tcPr marL="9525" marR="9525" marT="9525" marB="0" anchor="ctr">
+                    <a:lnL w="6350" cap="flat" cmpd="sng" algn="ctr">
+                      <a:solidFill>
+                        <a:srgbClr val="000000"/>
+                      </a:solidFill>
+                      <a:prstDash val="solid"/>
+                      <a:round/>
+                      <a:headEnd type="none" w="med" len="med"/>
+                      <a:tailEnd type="none" w="med" len="med"/>
+                    </a:lnL>
+                    <a:lnR>
+                      <a:noFill/>
+                    </a:lnR>
+                    <a:lnT w="6350" cap="flat" cmpd="sng" algn="ctr">
+                      <a:solidFill>
+                        <a:srgbClr val="000000"/>
+                      </a:solidFill>
+                      <a:prstDash val="solid"/>
+                      <a:round/>
+                      <a:headEnd type="none" w="med" len="med"/>
+                      <a:tailEnd type="none" w="med" len="med"/>
+                    </a:lnT>
+                    <a:lnB w="6350" cap="flat" cmpd="sng" algn="ctr">
+                      <a:solidFill>
+                        <a:srgbClr val="000000"/>
+                      </a:solidFill>
+                      <a:prstDash val="solid"/>
+                      <a:round/>
+                      <a:headEnd type="none" w="med" len="med"/>
+                      <a:tailEnd type="none" w="med" len="med"/>
+                    </a:lnB>
+                  </a:tcPr>
+                </a:tc>
+                <a:tc>
+                  <a:txBody>
+                    <a:bodyPr/>
+                    <a:lstStyle/>
+                    <a:p>
+                      <a:pPr algn="ctr" fontAlgn="ctr"/>
+                      <a:r>
+                        <a:rPr lang="en-US" sz="2000" b="0" i="0" u="none" strike="noStrike">
+                          <a:solidFill>
+                            <a:srgbClr val="000000"/>
+                          </a:solidFill>
+                          <a:effectLst/>
+                          <a:latin typeface="Calibri" panose="020F0502020204030204" pitchFamily="34" charset="0"/>
+                        </a:rPr>
+                        <a:t>PCA</a:t>
+                      </a:r>
+                    </a:p>
+                  </a:txBody>
+                  <a:tcPr marL="9525" marR="9525" marT="9525" marB="0" anchor="ctr">
+                    <a:lnL>
+                      <a:noFill/>
+                    </a:lnL>
+                    <a:lnR>
+                      <a:noFill/>
+                    </a:lnR>
+                    <a:lnT w="6350" cap="flat" cmpd="sng" algn="ctr">
+                      <a:solidFill>
+                        <a:srgbClr val="000000"/>
+                      </a:solidFill>
+                      <a:prstDash val="solid"/>
+                      <a:round/>
+                      <a:headEnd type="none" w="med" len="med"/>
+                      <a:tailEnd type="none" w="med" len="med"/>
+                    </a:lnT>
+                    <a:lnB w="6350" cap="flat" cmpd="sng" algn="ctr">
+                      <a:solidFill>
+                        <a:srgbClr val="000000"/>
+                      </a:solidFill>
+                      <a:prstDash val="solid"/>
+                      <a:round/>
+                      <a:headEnd type="none" w="med" len="med"/>
+                      <a:tailEnd type="none" w="med" len="med"/>
+                    </a:lnB>
+                  </a:tcPr>
+                </a:tc>
+                <a:tc>
+                  <a:txBody>
+                    <a:bodyPr/>
+                    <a:lstStyle/>
+                    <a:p>
+                      <a:pPr algn="ctr" fontAlgn="ctr"/>
+                      <a:r>
+                        <a:rPr lang="en-US" sz="2000" b="0" i="0" u="none" strike="noStrike">
+                          <a:solidFill>
+                            <a:srgbClr val="000000"/>
+                          </a:solidFill>
+                          <a:effectLst/>
+                          <a:latin typeface="Calibri" panose="020F0502020204030204" pitchFamily="34" charset="0"/>
+                        </a:rPr>
+                        <a:t>OLS</a:t>
+                      </a:r>
+                    </a:p>
+                  </a:txBody>
+                  <a:tcPr marL="9525" marR="9525" marT="9525" marB="0" anchor="ctr">
+                    <a:lnL>
+                      <a:noFill/>
+                    </a:lnL>
+                    <a:lnR>
+                      <a:noFill/>
+                    </a:lnR>
+                    <a:lnT w="6350" cap="flat" cmpd="sng" algn="ctr">
+                      <a:solidFill>
+                        <a:srgbClr val="000000"/>
+                      </a:solidFill>
+                      <a:prstDash val="solid"/>
+                      <a:round/>
+                      <a:headEnd type="none" w="med" len="med"/>
+                      <a:tailEnd type="none" w="med" len="med"/>
+                    </a:lnT>
+                    <a:lnB w="6350" cap="flat" cmpd="sng" algn="ctr">
+                      <a:solidFill>
+                        <a:srgbClr val="000000"/>
+                      </a:solidFill>
+                      <a:prstDash val="solid"/>
+                      <a:round/>
+                      <a:headEnd type="none" w="med" len="med"/>
+                      <a:tailEnd type="none" w="med" len="med"/>
+                    </a:lnB>
+                  </a:tcPr>
+                </a:tc>
+                <a:tc>
+                  <a:txBody>
+                    <a:bodyPr/>
+                    <a:lstStyle/>
+                    <a:p>
+                      <a:pPr algn="ctr" fontAlgn="ctr"/>
+                      <a:r>
+                        <a:rPr lang="en-US" sz="2000" b="0" i="0" u="none" strike="noStrike">
+                          <a:solidFill>
+                            <a:srgbClr val="000000"/>
+                          </a:solidFill>
+                          <a:effectLst/>
+                          <a:latin typeface="Calibri" panose="020F0502020204030204" pitchFamily="34" charset="0"/>
+                        </a:rPr>
+                        <a:t>Ridge</a:t>
+                      </a:r>
+                    </a:p>
+                  </a:txBody>
+                  <a:tcPr marL="9525" marR="9525" marT="9525" marB="0" anchor="ctr">
+                    <a:lnL>
+                      <a:noFill/>
+                    </a:lnL>
+                    <a:lnR>
+                      <a:noFill/>
+                    </a:lnR>
+                    <a:lnT w="6350" cap="flat" cmpd="sng" algn="ctr">
+                      <a:solidFill>
+                        <a:srgbClr val="000000"/>
+                      </a:solidFill>
+                      <a:prstDash val="solid"/>
+                      <a:round/>
+                      <a:headEnd type="none" w="med" len="med"/>
+                      <a:tailEnd type="none" w="med" len="med"/>
+                    </a:lnT>
+                    <a:lnB w="6350" cap="flat" cmpd="sng" algn="ctr">
+                      <a:solidFill>
+                        <a:srgbClr val="000000"/>
+                      </a:solidFill>
+                      <a:prstDash val="solid"/>
+                      <a:round/>
+                      <a:headEnd type="none" w="med" len="med"/>
+                      <a:tailEnd type="none" w="med" len="med"/>
+                    </a:lnB>
+                  </a:tcPr>
+                </a:tc>
+                <a:tc>
+                  <a:txBody>
+                    <a:bodyPr/>
+                    <a:lstStyle/>
+                    <a:p>
+                      <a:pPr algn="ctr" fontAlgn="ctr"/>
+                      <a:r>
+                        <a:rPr lang="en-US" sz="2000" b="0" i="0" u="none" strike="noStrike">
+                          <a:solidFill>
+                            <a:srgbClr val="000000"/>
+                          </a:solidFill>
+                          <a:effectLst/>
+                          <a:latin typeface="Calibri" panose="020F0502020204030204" pitchFamily="34" charset="0"/>
+                        </a:rPr>
+                        <a:t>Lasso</a:t>
+                      </a:r>
+                    </a:p>
+                  </a:txBody>
+                  <a:tcPr marL="9525" marR="9525" marT="9525" marB="0" anchor="ctr">
+                    <a:lnL>
+                      <a:noFill/>
+                    </a:lnL>
+                    <a:lnR>
+                      <a:noFill/>
+                    </a:lnR>
+                    <a:lnT w="6350" cap="flat" cmpd="sng" algn="ctr">
+                      <a:solidFill>
+                        <a:srgbClr val="000000"/>
+                      </a:solidFill>
+                      <a:prstDash val="solid"/>
+                      <a:round/>
+                      <a:headEnd type="none" w="med" len="med"/>
+                      <a:tailEnd type="none" w="med" len="med"/>
+                    </a:lnT>
+                    <a:lnB w="6350" cap="flat" cmpd="sng" algn="ctr">
+                      <a:solidFill>
+                        <a:srgbClr val="000000"/>
+                      </a:solidFill>
+                      <a:prstDash val="solid"/>
+                      <a:round/>
+                      <a:headEnd type="none" w="med" len="med"/>
+                      <a:tailEnd type="none" w="med" len="med"/>
+                    </a:lnB>
+                  </a:tcPr>
+                </a:tc>
+                <a:tc>
+                  <a:txBody>
+                    <a:bodyPr/>
+                    <a:lstStyle/>
+                    <a:p>
+                      <a:pPr algn="ctr" fontAlgn="ctr"/>
+                      <a:r>
+                        <a:rPr lang="en-US" sz="2000" b="0" i="0" u="none" strike="noStrike">
+                          <a:solidFill>
+                            <a:srgbClr val="000000"/>
+                          </a:solidFill>
+                          <a:effectLst/>
+                          <a:latin typeface="Calibri" panose="020F0502020204030204" pitchFamily="34" charset="0"/>
+                        </a:rPr>
+                        <a:t>Enet</a:t>
+                      </a:r>
+                    </a:p>
+                  </a:txBody>
+                  <a:tcPr marL="9525" marR="9525" marT="9525" marB="0" anchor="ctr">
+                    <a:lnL>
+                      <a:noFill/>
+                    </a:lnL>
+                    <a:lnR>
+                      <a:noFill/>
+                    </a:lnR>
+                    <a:lnT w="6350" cap="flat" cmpd="sng" algn="ctr">
+                      <a:solidFill>
+                        <a:srgbClr val="000000"/>
+                      </a:solidFill>
+                      <a:prstDash val="solid"/>
+                      <a:round/>
+                      <a:headEnd type="none" w="med" len="med"/>
+                      <a:tailEnd type="none" w="med" len="med"/>
+                    </a:lnT>
+                    <a:lnB w="6350" cap="flat" cmpd="sng" algn="ctr">
+                      <a:solidFill>
+                        <a:srgbClr val="000000"/>
+                      </a:solidFill>
+                      <a:prstDash val="solid"/>
+                      <a:round/>
+                      <a:headEnd type="none" w="med" len="med"/>
+                      <a:tailEnd type="none" w="med" len="med"/>
+                    </a:lnB>
+                  </a:tcPr>
+                </a:tc>
+                <a:extLst>
+                  <a:ext uri="{0D108BD9-81ED-4DB2-BD59-A6C34878D82A}">
+                    <a16:rowId xmlns:a16="http://schemas.microsoft.com/office/drawing/2014/main" val="3425570780"/>
+                  </a:ext>
+                </a:extLst>
+              </a:tr>
+              <a:tr h="342900">
+                <a:tc>
+                  <a:txBody>
+                    <a:bodyPr/>
+                    <a:lstStyle/>
+                    <a:p>
+                      <a:pPr algn="l" fontAlgn="b"/>
+                      <a:r>
+                        <a:rPr lang="en-US" sz="2000" b="0" i="0" u="none" strike="noStrike">
+                          <a:solidFill>
+                            <a:srgbClr val="000000"/>
+                          </a:solidFill>
+                          <a:effectLst/>
+                          <a:latin typeface="Calibri" panose="020F0502020204030204" pitchFamily="34" charset="0"/>
+                        </a:rPr>
+                        <a:t>PMSE</a:t>
+                      </a:r>
+                    </a:p>
+                  </a:txBody>
+                  <a:tcPr marL="9525" marR="9525" marT="9525" marB="0" anchor="b">
+                    <a:lnL>
+                      <a:noFill/>
+                    </a:lnL>
+                    <a:lnR w="6350" cap="flat" cmpd="sng" algn="ctr">
+                      <a:solidFill>
+                        <a:srgbClr val="000000"/>
+                      </a:solidFill>
+                      <a:prstDash val="solid"/>
+                      <a:round/>
+                      <a:headEnd type="none" w="med" len="med"/>
+                      <a:tailEnd type="none" w="med" len="med"/>
+                    </a:lnR>
+                    <a:lnT w="6350" cap="flat" cmpd="sng" algn="ctr">
+                      <a:solidFill>
+                        <a:srgbClr val="000000"/>
+                      </a:solidFill>
+                      <a:prstDash val="solid"/>
+                      <a:round/>
+                      <a:headEnd type="none" w="med" len="med"/>
+                      <a:tailEnd type="none" w="med" len="med"/>
+                    </a:lnT>
+                    <a:lnB w="12700" cap="flat" cmpd="sng" algn="ctr">
+                      <a:solidFill>
+                        <a:srgbClr val="000000"/>
+                      </a:solidFill>
+                      <a:prstDash val="solid"/>
+                      <a:round/>
+                      <a:headEnd type="none" w="med" len="med"/>
+                      <a:tailEnd type="none" w="med" len="med"/>
+                    </a:lnB>
+                  </a:tcPr>
+                </a:tc>
+                <a:tc>
+                  <a:txBody>
+                    <a:bodyPr/>
+                    <a:lstStyle/>
+                    <a:p>
+                      <a:pPr algn="ctr" fontAlgn="ctr"/>
+                      <a:r>
+                        <a:rPr lang="en-DE" sz="2000" b="0" i="0" u="none" strike="noStrike">
+                          <a:solidFill>
+                            <a:srgbClr val="000000"/>
+                          </a:solidFill>
+                          <a:effectLst/>
+                          <a:latin typeface="Calibri" panose="020F0502020204030204" pitchFamily="34" charset="0"/>
+                        </a:rPr>
+                        <a:t>-</a:t>
+                      </a:r>
+                    </a:p>
+                  </a:txBody>
+                  <a:tcPr marL="9525" marR="9525" marT="9525" marB="0" anchor="ctr">
+                    <a:lnL w="6350" cap="flat" cmpd="sng" algn="ctr">
+                      <a:solidFill>
+                        <a:srgbClr val="000000"/>
+                      </a:solidFill>
+                      <a:prstDash val="solid"/>
+                      <a:round/>
+                      <a:headEnd type="none" w="med" len="med"/>
+                      <a:tailEnd type="none" w="med" len="med"/>
+                    </a:lnL>
+                    <a:lnR>
+                      <a:noFill/>
+                    </a:lnR>
+                    <a:lnT w="6350" cap="flat" cmpd="sng" algn="ctr">
+                      <a:solidFill>
+                        <a:srgbClr val="000000"/>
+                      </a:solidFill>
+                      <a:prstDash val="solid"/>
+                      <a:round/>
+                      <a:headEnd type="none" w="med" len="med"/>
+                      <a:tailEnd type="none" w="med" len="med"/>
+                    </a:lnT>
+                    <a:lnB w="12700" cap="flat" cmpd="sng" algn="ctr">
+                      <a:solidFill>
+                        <a:srgbClr val="000000"/>
+                      </a:solidFill>
+                      <a:prstDash val="solid"/>
+                      <a:round/>
+                      <a:headEnd type="none" w="med" len="med"/>
+                      <a:tailEnd type="none" w="med" len="med"/>
+                    </a:lnB>
+                  </a:tcPr>
+                </a:tc>
+                <a:tc>
+                  <a:txBody>
+                    <a:bodyPr/>
+                    <a:lstStyle/>
+                    <a:p>
+                      <a:pPr algn="ctr" fontAlgn="ctr"/>
+                      <a:r>
+                        <a:rPr lang="en-DE" sz="2000" b="0" i="0" u="none" strike="noStrike">
+                          <a:solidFill>
+                            <a:srgbClr val="000000"/>
+                          </a:solidFill>
+                          <a:effectLst/>
+                          <a:latin typeface="Calibri" panose="020F0502020204030204" pitchFamily="34" charset="0"/>
+                        </a:rPr>
+                        <a:t>-</a:t>
+                      </a:r>
+                    </a:p>
+                  </a:txBody>
+                  <a:tcPr marL="9525" marR="9525" marT="9525" marB="0" anchor="ctr">
+                    <a:lnL>
+                      <a:noFill/>
+                    </a:lnL>
+                    <a:lnR>
+                      <a:noFill/>
+                    </a:lnR>
+                    <a:lnT w="6350" cap="flat" cmpd="sng" algn="ctr">
+                      <a:solidFill>
+                        <a:srgbClr val="000000"/>
+                      </a:solidFill>
+                      <a:prstDash val="solid"/>
+                      <a:round/>
+                      <a:headEnd type="none" w="med" len="med"/>
+                      <a:tailEnd type="none" w="med" len="med"/>
+                    </a:lnT>
+                    <a:lnB w="12700" cap="flat" cmpd="sng" algn="ctr">
+                      <a:solidFill>
+                        <a:srgbClr val="000000"/>
+                      </a:solidFill>
+                      <a:prstDash val="solid"/>
+                      <a:round/>
+                      <a:headEnd type="none" w="med" len="med"/>
+                      <a:tailEnd type="none" w="med" len="med"/>
+                    </a:lnB>
+                  </a:tcPr>
+                </a:tc>
+                <a:tc>
+                  <a:txBody>
+                    <a:bodyPr/>
+                    <a:lstStyle/>
+                    <a:p>
+                      <a:pPr algn="ctr" fontAlgn="ctr"/>
+                      <a:r>
+                        <a:rPr lang="en-DE" sz="2000" b="0" i="0" u="none" strike="noStrike">
+                          <a:solidFill>
+                            <a:srgbClr val="000000"/>
+                          </a:solidFill>
+                          <a:effectLst/>
+                          <a:latin typeface="Calibri" panose="020F0502020204030204" pitchFamily="34" charset="0"/>
+                        </a:rPr>
+                        <a:t>-</a:t>
+                      </a:r>
+                    </a:p>
+                  </a:txBody>
+                  <a:tcPr marL="9525" marR="9525" marT="9525" marB="0" anchor="ctr">
+                    <a:lnL>
+                      <a:noFill/>
+                    </a:lnL>
+                    <a:lnR>
+                      <a:noFill/>
+                    </a:lnR>
+                    <a:lnT w="6350" cap="flat" cmpd="sng" algn="ctr">
+                      <a:solidFill>
+                        <a:srgbClr val="000000"/>
+                      </a:solidFill>
+                      <a:prstDash val="solid"/>
+                      <a:round/>
+                      <a:headEnd type="none" w="med" len="med"/>
+                      <a:tailEnd type="none" w="med" len="med"/>
+                    </a:lnT>
+                    <a:lnB w="12700" cap="flat" cmpd="sng" algn="ctr">
+                      <a:solidFill>
+                        <a:srgbClr val="000000"/>
+                      </a:solidFill>
+                      <a:prstDash val="solid"/>
+                      <a:round/>
+                      <a:headEnd type="none" w="med" len="med"/>
+                      <a:tailEnd type="none" w="med" len="med"/>
+                    </a:lnB>
+                  </a:tcPr>
+                </a:tc>
+                <a:tc>
+                  <a:txBody>
+                    <a:bodyPr/>
+                    <a:lstStyle/>
+                    <a:p>
+                      <a:pPr algn="ctr" fontAlgn="ctr"/>
+                      <a:r>
+                        <a:rPr lang="en-DE" sz="2000" b="0" i="0" u="none" strike="noStrike">
+                          <a:solidFill>
+                            <a:srgbClr val="000000"/>
+                          </a:solidFill>
+                          <a:effectLst/>
+                          <a:latin typeface="Calibri" panose="020F0502020204030204" pitchFamily="34" charset="0"/>
+                        </a:rPr>
+                        <a:t>41.471</a:t>
+                      </a:r>
+                    </a:p>
+                  </a:txBody>
+                  <a:tcPr marL="9525" marR="9525" marT="9525" marB="0" anchor="ctr">
+                    <a:lnL>
+                      <a:noFill/>
+                    </a:lnL>
+                    <a:lnR>
+                      <a:noFill/>
+                    </a:lnR>
+                    <a:lnT w="6350" cap="flat" cmpd="sng" algn="ctr">
+                      <a:solidFill>
+                        <a:srgbClr val="000000"/>
+                      </a:solidFill>
+                      <a:prstDash val="solid"/>
+                      <a:round/>
+                      <a:headEnd type="none" w="med" len="med"/>
+                      <a:tailEnd type="none" w="med" len="med"/>
+                    </a:lnT>
+                    <a:lnB w="12700" cap="flat" cmpd="sng" algn="ctr">
+                      <a:solidFill>
+                        <a:srgbClr val="000000"/>
+                      </a:solidFill>
+                      <a:prstDash val="solid"/>
+                      <a:round/>
+                      <a:headEnd type="none" w="med" len="med"/>
+                      <a:tailEnd type="none" w="med" len="med"/>
+                    </a:lnB>
+                  </a:tcPr>
+                </a:tc>
+                <a:tc>
+                  <a:txBody>
+                    <a:bodyPr/>
+                    <a:lstStyle/>
+                    <a:p>
+                      <a:pPr algn="ctr" fontAlgn="ctr"/>
+                      <a:r>
+                        <a:rPr lang="en-DE" sz="2000" b="0" i="0" u="none" strike="noStrike">
+                          <a:solidFill>
+                            <a:srgbClr val="000000"/>
+                          </a:solidFill>
+                          <a:effectLst/>
+                          <a:latin typeface="Calibri" panose="020F0502020204030204" pitchFamily="34" charset="0"/>
+                        </a:rPr>
+                        <a:t>42.305</a:t>
+                      </a:r>
+                    </a:p>
+                  </a:txBody>
+                  <a:tcPr marL="9525" marR="9525" marT="9525" marB="0" anchor="ctr">
+                    <a:lnL>
+                      <a:noFill/>
+                    </a:lnL>
+                    <a:lnR>
+                      <a:noFill/>
+                    </a:lnR>
+                    <a:lnT w="6350" cap="flat" cmpd="sng" algn="ctr">
+                      <a:solidFill>
+                        <a:srgbClr val="000000"/>
+                      </a:solidFill>
+                      <a:prstDash val="solid"/>
+                      <a:round/>
+                      <a:headEnd type="none" w="med" len="med"/>
+                      <a:tailEnd type="none" w="med" len="med"/>
+                    </a:lnT>
+                    <a:lnB w="12700" cap="flat" cmpd="sng" algn="ctr">
+                      <a:solidFill>
+                        <a:srgbClr val="000000"/>
+                      </a:solidFill>
+                      <a:prstDash val="solid"/>
+                      <a:round/>
+                      <a:headEnd type="none" w="med" len="med"/>
+                      <a:tailEnd type="none" w="med" len="med"/>
+                    </a:lnB>
+                  </a:tcPr>
+                </a:tc>
+                <a:tc>
+                  <a:txBody>
+                    <a:bodyPr/>
+                    <a:lstStyle/>
+                    <a:p>
+                      <a:pPr algn="ctr" fontAlgn="ctr"/>
+                      <a:r>
+                        <a:rPr lang="en-DE" sz="2000" b="0" i="0" u="none" strike="noStrike" dirty="0">
+                          <a:solidFill>
+                            <a:srgbClr val="000000"/>
+                          </a:solidFill>
+                          <a:effectLst/>
+                          <a:latin typeface="Calibri" panose="020F0502020204030204" pitchFamily="34" charset="0"/>
+                        </a:rPr>
+                        <a:t>39.616</a:t>
+                      </a:r>
+                    </a:p>
+                  </a:txBody>
+                  <a:tcPr marL="9525" marR="9525" marT="9525" marB="0" anchor="ctr">
+                    <a:lnL>
+                      <a:noFill/>
+                    </a:lnL>
+                    <a:lnR>
+                      <a:noFill/>
+                    </a:lnR>
+                    <a:lnT w="6350" cap="flat" cmpd="sng" algn="ctr">
+                      <a:solidFill>
+                        <a:srgbClr val="000000"/>
+                      </a:solidFill>
+                      <a:prstDash val="solid"/>
+                      <a:round/>
+                      <a:headEnd type="none" w="med" len="med"/>
+                      <a:tailEnd type="none" w="med" len="med"/>
+                    </a:lnT>
+                    <a:lnB w="12700" cap="flat" cmpd="sng" algn="ctr">
+                      <a:solidFill>
+                        <a:srgbClr val="000000"/>
+                      </a:solidFill>
+                      <a:prstDash val="solid"/>
+                      <a:round/>
+                      <a:headEnd type="none" w="med" len="med"/>
+                      <a:tailEnd type="none" w="med" len="med"/>
+                    </a:lnB>
+                  </a:tcPr>
+                </a:tc>
+                <a:extLst>
+                  <a:ext uri="{0D108BD9-81ED-4DB2-BD59-A6C34878D82A}">
+                    <a16:rowId xmlns:a16="http://schemas.microsoft.com/office/drawing/2014/main" val="656935554"/>
+                  </a:ext>
+                </a:extLst>
+              </a:tr>
+            </a:tbl>
+          </a:graphicData>
+        </a:graphic>
+      </p:graphicFrame>
+      <p:sp>
+        <p:nvSpPr>
+          <p:cNvPr id="18" name="Content Placeholder 2"/>
+          <p:cNvSpPr>
+            <a:spLocks noGrp="1"/>
+          </p:cNvSpPr>
+          <p:nvPr>
+            <p:ph idx="1"/>
+          </p:nvPr>
+        </p:nvSpPr>
+        <p:spPr>
+          <a:xfrm>
+            <a:off x="683568" y="4862779"/>
+            <a:ext cx="7776000" cy="639766"/>
+          </a:xfrm>
+        </p:spPr>
+        <p:txBody>
+          <a:bodyPr/>
+          <a:lstStyle/>
+          <a:p>
+            <a:r>
+              <a:rPr lang="en-DE" dirty="0" smtClean="0"/>
+              <a:t>Elastic Net performs well in this high-dimensional case</a:t>
+            </a:r>
+            <a:endParaRPr lang="en-US" dirty="0"/>
+          </a:p>
+        </p:txBody>
+      </p:sp>
     </p:spTree>
     <p:extLst>
       <p:ext uri="{BB962C8B-B14F-4D97-AF65-F5344CB8AC3E}">
-        <p14:creationId xmlns:p14="http://schemas.microsoft.com/office/powerpoint/2010/main" val="65644964"/>
+        <p14:creationId xmlns:p14="http://schemas.microsoft.com/office/powerpoint/2010/main" val="4107849548"/>
       </p:ext>
     </p:extLst>
   </p:cSld>
   <p:clrMapOvr>
     <a:masterClrMapping/>
   </p:clrMapOvr>
+  <p:timing>
+    <p:tnLst>
+      <p:par>
+        <p:cTn id="1" dur="indefinite" restart="never" nodeType="tmRoot"/>
+      </p:par>
+    </p:tnLst>
+  </p:timing>
 </p:sld>
 </file>
 
@@ -7635,6 +13709,506 @@
           <a:p>
             <a:r>
               <a:rPr lang="en-US" dirty="0" smtClean="0"/>
+              <a:t>Caveats</a:t>
+            </a:r>
+            <a:endParaRPr lang="en-US" dirty="0"/>
+          </a:p>
+        </p:txBody>
+      </p:sp>
+      <p:sp>
+        <p:nvSpPr>
+          <p:cNvPr id="3" name="Content Placeholder 2"/>
+          <p:cNvSpPr>
+            <a:spLocks noGrp="1"/>
+          </p:cNvSpPr>
+          <p:nvPr>
+            <p:ph idx="1"/>
+          </p:nvPr>
+        </p:nvSpPr>
+        <p:spPr>
+          <a:xfrm>
+            <a:off x="684000" y="1196752"/>
+            <a:ext cx="7776000" cy="4619738"/>
+          </a:xfrm>
+        </p:spPr>
+        <p:txBody>
+          <a:bodyPr/>
+          <a:lstStyle/>
+          <a:p>
+            <a:r>
+              <a:rPr lang="en-DE" dirty="0" smtClean="0"/>
+              <a:t>Test period contains financial crisis. Results could be sensitive to the sample period. Ideally:</a:t>
+            </a:r>
+          </a:p>
+          <a:p>
+            <a:endParaRPr lang="en-DE" dirty="0"/>
+          </a:p>
+          <a:p>
+            <a:endParaRPr lang="en-DE" dirty="0" smtClean="0"/>
+          </a:p>
+          <a:p>
+            <a:endParaRPr lang="en-DE" dirty="0"/>
+          </a:p>
+          <a:p>
+            <a:endParaRPr lang="en-DE" dirty="0" smtClean="0"/>
+          </a:p>
+          <a:p>
+            <a:endParaRPr lang="en-DE" dirty="0" smtClean="0"/>
+          </a:p>
+          <a:p>
+            <a:endParaRPr lang="en-DE" dirty="0"/>
+          </a:p>
+          <a:p>
+            <a:r>
+              <a:rPr lang="en-DE" dirty="0" smtClean="0"/>
+              <a:t>Number of PCA components could be optimized</a:t>
+            </a:r>
+          </a:p>
+          <a:p>
+            <a:r>
+              <a:rPr lang="en-DE" dirty="0" smtClean="0"/>
+              <a:t>More literature review</a:t>
+            </a:r>
+          </a:p>
+          <a:p>
+            <a:endParaRPr lang="en-DE" dirty="0"/>
+          </a:p>
+          <a:p>
+            <a:endParaRPr lang="en-DE" dirty="0" smtClean="0"/>
+          </a:p>
+          <a:p>
+            <a:endParaRPr lang="en-DE" dirty="0"/>
+          </a:p>
+          <a:p>
+            <a:pPr marL="0" indent="0">
+              <a:buNone/>
+            </a:pPr>
+            <a:endParaRPr lang="en-DE" dirty="0" smtClean="0"/>
+          </a:p>
+        </p:txBody>
+      </p:sp>
+      <p:sp>
+        <p:nvSpPr>
+          <p:cNvPr id="4" name="Date Placeholder 3"/>
+          <p:cNvSpPr>
+            <a:spLocks noGrp="1"/>
+          </p:cNvSpPr>
+          <p:nvPr>
+            <p:ph type="dt" sz="half" idx="10"/>
+          </p:nvPr>
+        </p:nvSpPr>
+        <p:spPr/>
+        <p:txBody>
+          <a:bodyPr/>
+          <a:lstStyle/>
+          <a:p>
+            <a:r>
+              <a:rPr lang="de-DE" smtClean="0"/>
+              <a:t>06.12.2018</a:t>
+            </a:r>
+            <a:endParaRPr lang="de-DE" dirty="0"/>
+          </a:p>
+        </p:txBody>
+      </p:sp>
+      <p:sp>
+        <p:nvSpPr>
+          <p:cNvPr id="5" name="Footer Placeholder 4"/>
+          <p:cNvSpPr>
+            <a:spLocks noGrp="1"/>
+          </p:cNvSpPr>
+          <p:nvPr>
+            <p:ph type="ftr" sz="quarter" idx="11"/>
+          </p:nvPr>
+        </p:nvSpPr>
+        <p:spPr/>
+        <p:txBody>
+          <a:bodyPr/>
+          <a:lstStyle/>
+          <a:p>
+            <a:r>
+              <a:rPr lang="de-DE" smtClean="0"/>
+              <a:t>Pavel Lesnevski</a:t>
+            </a:r>
+            <a:endParaRPr lang="de-DE" dirty="0"/>
+          </a:p>
+        </p:txBody>
+      </p:sp>
+      <p:sp>
+        <p:nvSpPr>
+          <p:cNvPr id="6" name="Slide Number Placeholder 5"/>
+          <p:cNvSpPr>
+            <a:spLocks noGrp="1"/>
+          </p:cNvSpPr>
+          <p:nvPr>
+            <p:ph type="sldNum" sz="quarter" idx="12"/>
+          </p:nvPr>
+        </p:nvSpPr>
+        <p:spPr/>
+        <p:txBody>
+          <a:bodyPr/>
+          <a:lstStyle/>
+          <a:p>
+            <a:fld id="{FC0CC166-4E39-43B8-AB91-BDD1C4C9E224}" type="slidenum">
+              <a:rPr lang="de-DE" smtClean="0"/>
+              <a:t>21</a:t>
+            </a:fld>
+            <a:endParaRPr lang="de-DE"/>
+          </a:p>
+        </p:txBody>
+      </p:sp>
+      <p:pic>
+        <p:nvPicPr>
+          <p:cNvPr id="7" name="Picture 6"/>
+          <p:cNvPicPr>
+            <a:picLocks noChangeAspect="1"/>
+          </p:cNvPicPr>
+          <p:nvPr/>
+        </p:nvPicPr>
+        <p:blipFill rotWithShape="1">
+          <a:blip r:embed="rId2">
+            <a:extLst>
+              <a:ext uri="{28A0092B-C50C-407E-A947-70E740481C1C}">
+                <a14:useLocalDpi xmlns:a14="http://schemas.microsoft.com/office/drawing/2010/main" val="0"/>
+              </a:ext>
+            </a:extLst>
+          </a:blip>
+          <a:srcRect t="7725"/>
+          <a:stretch/>
+        </p:blipFill>
+        <p:spPr>
+          <a:xfrm>
+            <a:off x="1043608" y="2043794"/>
+            <a:ext cx="3390833" cy="2363754"/>
+          </a:xfrm>
+          <a:prstGeom prst="rect">
+            <a:avLst/>
+          </a:prstGeom>
+        </p:spPr>
+      </p:pic>
+      <p:sp>
+        <p:nvSpPr>
+          <p:cNvPr id="8" name="Rectangle 7"/>
+          <p:cNvSpPr/>
+          <p:nvPr/>
+        </p:nvSpPr>
+        <p:spPr>
+          <a:xfrm>
+            <a:off x="5209172" y="4038216"/>
+            <a:ext cx="2555508" cy="369332"/>
+          </a:xfrm>
+          <a:prstGeom prst="rect">
+            <a:avLst/>
+          </a:prstGeom>
+        </p:spPr>
+        <p:txBody>
+          <a:bodyPr wrap="none">
+            <a:spAutoFit/>
+          </a:bodyPr>
+          <a:lstStyle/>
+          <a:p>
+            <a:r>
+              <a:rPr lang="en-US" dirty="0"/>
+              <a:t>(Varma and </a:t>
+            </a:r>
+            <a:r>
+              <a:rPr lang="en-US" dirty="0" smtClean="0"/>
+              <a:t>Simon</a:t>
+            </a:r>
+            <a:r>
+              <a:rPr lang="en-DE" dirty="0" smtClean="0"/>
+              <a:t>,</a:t>
+            </a:r>
+            <a:r>
+              <a:rPr lang="en-US" dirty="0" smtClean="0"/>
+              <a:t> </a:t>
+            </a:r>
+            <a:r>
+              <a:rPr lang="en-US" dirty="0"/>
+              <a:t>2006)</a:t>
+            </a:r>
+          </a:p>
+        </p:txBody>
+      </p:sp>
+    </p:spTree>
+    <p:extLst>
+      <p:ext uri="{BB962C8B-B14F-4D97-AF65-F5344CB8AC3E}">
+        <p14:creationId xmlns:p14="http://schemas.microsoft.com/office/powerpoint/2010/main" val="2136253266"/>
+      </p:ext>
+    </p:extLst>
+  </p:cSld>
+  <p:clrMapOvr>
+    <a:masterClrMapping/>
+  </p:clrMapOvr>
+  <p:timing>
+    <p:tnLst>
+      <p:par>
+        <p:cTn id="1" dur="indefinite" restart="never" nodeType="tmRoot"/>
+      </p:par>
+    </p:tnLst>
+  </p:timing>
+</p:sld>
+</file>
+
+<file path=ppt/slides/slide22.xml><?xml version="1.0" encoding="utf-8"?>
+<p:sld xmlns:a="http://schemas.openxmlformats.org/drawingml/2006/main" xmlns:r="http://schemas.openxmlformats.org/officeDocument/2006/relationships" xmlns:p="http://schemas.openxmlformats.org/presentationml/2006/main">
+  <p:cSld>
+    <p:spTree>
+      <p:nvGrpSpPr>
+        <p:cNvPr id="1" name=""/>
+        <p:cNvGrpSpPr/>
+        <p:nvPr/>
+      </p:nvGrpSpPr>
+      <p:grpSpPr>
+        <a:xfrm>
+          <a:off x="0" y="0"/>
+          <a:ext cx="0" cy="0"/>
+          <a:chOff x="0" y="0"/>
+          <a:chExt cx="0" cy="0"/>
+        </a:xfrm>
+      </p:grpSpPr>
+      <p:sp>
+        <p:nvSpPr>
+          <p:cNvPr id="2" name="Title 1"/>
+          <p:cNvSpPr>
+            <a:spLocks noGrp="1"/>
+          </p:cNvSpPr>
+          <p:nvPr>
+            <p:ph type="title"/>
+          </p:nvPr>
+        </p:nvSpPr>
+        <p:spPr/>
+        <p:txBody>
+          <a:bodyPr/>
+          <a:lstStyle/>
+          <a:p>
+            <a:r>
+              <a:rPr lang="en-US" dirty="0" smtClean="0"/>
+              <a:t>Future Research</a:t>
+            </a:r>
+            <a:endParaRPr lang="en-US" dirty="0"/>
+          </a:p>
+        </p:txBody>
+      </p:sp>
+      <p:sp>
+        <p:nvSpPr>
+          <p:cNvPr id="3" name="Content Placeholder 2"/>
+          <p:cNvSpPr>
+            <a:spLocks noGrp="1"/>
+          </p:cNvSpPr>
+          <p:nvPr>
+            <p:ph idx="1"/>
+          </p:nvPr>
+        </p:nvSpPr>
+        <p:spPr>
+          <a:xfrm>
+            <a:off x="684000" y="1340768"/>
+            <a:ext cx="7776000" cy="4475722"/>
+          </a:xfrm>
+        </p:spPr>
+        <p:txBody>
+          <a:bodyPr/>
+          <a:lstStyle/>
+          <a:p>
+            <a:r>
+              <a:rPr lang="en-US" dirty="0" smtClean="0"/>
+              <a:t>T</a:t>
+            </a:r>
+            <a:r>
+              <a:rPr lang="en-DE" dirty="0" smtClean="0"/>
+              <a:t>ests following the financial literature </a:t>
+            </a:r>
+            <a:r>
+              <a:rPr lang="en-US" dirty="0"/>
+              <a:t>(Welch and </a:t>
+            </a:r>
+            <a:r>
+              <a:rPr lang="en-US" dirty="0" err="1"/>
+              <a:t>Goyal</a:t>
+            </a:r>
+            <a:r>
+              <a:rPr lang="en-US" dirty="0"/>
+              <a:t>, 2008)</a:t>
+            </a:r>
+          </a:p>
+          <a:p>
+            <a:r>
+              <a:rPr lang="en-DE" dirty="0" smtClean="0"/>
+              <a:t>Compare to other methods, such as simple weighted average of predictions</a:t>
+            </a:r>
+          </a:p>
+          <a:p>
+            <a:r>
+              <a:rPr lang="en-DE" dirty="0" smtClean="0"/>
+              <a:t>More variables and other data frequency</a:t>
+            </a:r>
+          </a:p>
+          <a:p>
+            <a:r>
+              <a:rPr lang="en-DE" dirty="0" smtClean="0"/>
+              <a:t>Advanced ML methods, such as Random Forests and Recurrent Neural Networks</a:t>
+            </a:r>
+          </a:p>
+          <a:p>
+            <a:r>
+              <a:rPr lang="en-DE" dirty="0" smtClean="0"/>
+              <a:t>International evidence </a:t>
+            </a:r>
+            <a:endParaRPr lang="en-US" dirty="0"/>
+          </a:p>
+          <a:p>
+            <a:r>
+              <a:rPr lang="en-DE" dirty="0" smtClean="0"/>
+              <a:t>Inference could be done via double machine learning </a:t>
+            </a:r>
+            <a:r>
+              <a:rPr lang="en-US" dirty="0" smtClean="0"/>
+              <a:t>(</a:t>
+            </a:r>
+            <a:r>
+              <a:rPr lang="en-US" dirty="0" err="1"/>
+              <a:t>Chernozhukov</a:t>
+            </a:r>
+            <a:r>
+              <a:rPr lang="en-US" dirty="0"/>
+              <a:t> </a:t>
+            </a:r>
+            <a:r>
+              <a:rPr lang="en-US" i="1" dirty="0"/>
+              <a:t>et al.</a:t>
+            </a:r>
+            <a:r>
+              <a:rPr lang="en-US" dirty="0"/>
+              <a:t>, 2018)</a:t>
+            </a:r>
+          </a:p>
+          <a:p>
+            <a:endParaRPr lang="en-US" dirty="0"/>
+          </a:p>
+        </p:txBody>
+      </p:sp>
+      <p:sp>
+        <p:nvSpPr>
+          <p:cNvPr id="4" name="Date Placeholder 3"/>
+          <p:cNvSpPr>
+            <a:spLocks noGrp="1"/>
+          </p:cNvSpPr>
+          <p:nvPr>
+            <p:ph type="dt" sz="half" idx="10"/>
+          </p:nvPr>
+        </p:nvSpPr>
+        <p:spPr/>
+        <p:txBody>
+          <a:bodyPr/>
+          <a:lstStyle/>
+          <a:p>
+            <a:r>
+              <a:rPr lang="de-DE" smtClean="0"/>
+              <a:t>06.12.2018</a:t>
+            </a:r>
+            <a:endParaRPr lang="de-DE" dirty="0"/>
+          </a:p>
+        </p:txBody>
+      </p:sp>
+      <p:sp>
+        <p:nvSpPr>
+          <p:cNvPr id="5" name="Footer Placeholder 4"/>
+          <p:cNvSpPr>
+            <a:spLocks noGrp="1"/>
+          </p:cNvSpPr>
+          <p:nvPr>
+            <p:ph type="ftr" sz="quarter" idx="11"/>
+          </p:nvPr>
+        </p:nvSpPr>
+        <p:spPr/>
+        <p:txBody>
+          <a:bodyPr/>
+          <a:lstStyle/>
+          <a:p>
+            <a:r>
+              <a:rPr lang="de-DE" smtClean="0"/>
+              <a:t>Pavel Lesnevski</a:t>
+            </a:r>
+            <a:endParaRPr lang="de-DE" dirty="0"/>
+          </a:p>
+        </p:txBody>
+      </p:sp>
+      <p:sp>
+        <p:nvSpPr>
+          <p:cNvPr id="6" name="Slide Number Placeholder 5"/>
+          <p:cNvSpPr>
+            <a:spLocks noGrp="1"/>
+          </p:cNvSpPr>
+          <p:nvPr>
+            <p:ph type="sldNum" sz="quarter" idx="12"/>
+          </p:nvPr>
+        </p:nvSpPr>
+        <p:spPr/>
+        <p:txBody>
+          <a:bodyPr/>
+          <a:lstStyle/>
+          <a:p>
+            <a:fld id="{FC0CC166-4E39-43B8-AB91-BDD1C4C9E224}" type="slidenum">
+              <a:rPr lang="de-DE" smtClean="0"/>
+              <a:t>22</a:t>
+            </a:fld>
+            <a:endParaRPr lang="de-DE"/>
+          </a:p>
+        </p:txBody>
+      </p:sp>
+    </p:spTree>
+    <p:extLst>
+      <p:ext uri="{BB962C8B-B14F-4D97-AF65-F5344CB8AC3E}">
+        <p14:creationId xmlns:p14="http://schemas.microsoft.com/office/powerpoint/2010/main" val="65644964"/>
+      </p:ext>
+    </p:extLst>
+  </p:cSld>
+  <p:clrMapOvr>
+    <a:masterClrMapping/>
+  </p:clrMapOvr>
+  <p:timing>
+    <p:tnLst>
+      <p:par>
+        <p:cTn id="1" dur="indefinite" restart="never" nodeType="tmRoot"/>
+      </p:par>
+    </p:tnLst>
+  </p:timing>
+</p:sld>
+</file>
+
+<file path=ppt/slides/slide23.xml><?xml version="1.0" encoding="utf-8"?>
+<p:sld xmlns:a="http://schemas.openxmlformats.org/drawingml/2006/main" xmlns:r="http://schemas.openxmlformats.org/officeDocument/2006/relationships" xmlns:p="http://schemas.openxmlformats.org/presentationml/2006/main">
+  <p:cSld>
+    <p:spTree>
+      <p:nvGrpSpPr>
+        <p:cNvPr id="1" name=""/>
+        <p:cNvGrpSpPr/>
+        <p:nvPr/>
+      </p:nvGrpSpPr>
+      <p:grpSpPr>
+        <a:xfrm>
+          <a:off x="0" y="0"/>
+          <a:ext cx="0" cy="0"/>
+          <a:chOff x="0" y="0"/>
+          <a:chExt cx="0" cy="0"/>
+        </a:xfrm>
+      </p:grpSpPr>
+      <p:sp>
+        <p:nvSpPr>
+          <p:cNvPr id="2" name="Title 1"/>
+          <p:cNvSpPr>
+            <a:spLocks noGrp="1"/>
+          </p:cNvSpPr>
+          <p:nvPr>
+            <p:ph type="title"/>
+          </p:nvPr>
+        </p:nvSpPr>
+        <p:spPr/>
+        <p:txBody>
+          <a:bodyPr/>
+          <a:lstStyle/>
+          <a:p>
+            <a:r>
+              <a:rPr lang="en-US" dirty="0" smtClean="0"/>
               <a:t>Conclusion</a:t>
             </a:r>
             <a:endParaRPr lang="en-US" dirty="0"/>
@@ -7656,7 +14230,39 @@
           <a:bodyPr/>
           <a:lstStyle/>
           <a:p>
-            <a:endParaRPr lang="en-US"/>
+            <a:r>
+              <a:rPr lang="en-DE" dirty="0"/>
+              <a:t>M</a:t>
+            </a:r>
+            <a:r>
+              <a:rPr lang="en-DE" dirty="0" smtClean="0"/>
+              <a:t>achine </a:t>
+            </a:r>
+            <a:r>
+              <a:rPr lang="en-DE" dirty="0"/>
+              <a:t>l</a:t>
+            </a:r>
+            <a:r>
+              <a:rPr lang="en-DE" dirty="0" smtClean="0"/>
+              <a:t>earning technics have potential to improve the prediction of equity returns</a:t>
+            </a:r>
+          </a:p>
+          <a:p>
+            <a:r>
+              <a:rPr lang="en-DE" dirty="0" smtClean="0"/>
+              <a:t>Among parametric </a:t>
+            </a:r>
+            <a:r>
+              <a:rPr lang="en-DE" dirty="0"/>
+              <a:t>linear</a:t>
+            </a:r>
+            <a:r>
+              <a:rPr lang="en-DE" dirty="0" smtClean="0"/>
+              <a:t> methods Elastic Net showed the best performance</a:t>
+            </a:r>
+          </a:p>
+          <a:p>
+            <a:endParaRPr lang="en-US" dirty="0"/>
           </a:p>
         </p:txBody>
       </p:sp>
@@ -7723,7 +14329,7 @@
           <a:p>
             <a:fld id="{FC0CC166-4E39-43B8-AB91-BDD1C4C9E224}" type="slidenum">
               <a:rPr lang="de-DE" smtClean="0"/>
-              <a:t>21</a:t>
+              <a:t>23</a:t>
             </a:fld>
             <a:endParaRPr lang="de-DE"/>
           </a:p>
@@ -7781,7 +14387,11 @@
           <a:p>
             <a:r>
               <a:rPr lang="en-US" dirty="0" smtClean="0"/>
-              <a:t>Explanatory vs Predictive Modelling </a:t>
+              <a:t>Explanatory vs Predictive </a:t>
+            </a:r>
+            <a:r>
+              <a:rPr lang="en-US" dirty="0" smtClean="0"/>
+              <a:t>Modeling </a:t>
             </a:r>
             <a:endParaRPr lang="en-US" dirty="0"/>
           </a:p>
@@ -8041,7 +14651,15 @@
           <a:p>
             <a:r>
               <a:rPr lang="en-US" dirty="0" smtClean="0"/>
-              <a:t>Different Modelling Cultures</a:t>
+              <a:t>Different </a:t>
+            </a:r>
+            <a:r>
+              <a:rPr lang="en-US" dirty="0" smtClean="0"/>
+              <a:t>Modeling </a:t>
+            </a:r>
+            <a:r>
+              <a:rPr lang="en-US" dirty="0" smtClean="0"/>
+              <a:t>Cultures</a:t>
             </a:r>
             <a:endParaRPr lang="en-US" dirty="0"/>
           </a:p>
@@ -8073,7 +14691,15 @@
           <a:p>
             <a:r>
               <a:rPr lang="en-US" dirty="0" smtClean="0"/>
-              <a:t>Explanatory Modelling:</a:t>
+              <a:t>Explanatory </a:t>
+            </a:r>
+            <a:r>
+              <a:rPr lang="en-US" dirty="0" smtClean="0"/>
+              <a:t>Modeling</a:t>
+            </a:r>
+            <a:r>
+              <a:rPr lang="en-US" dirty="0" smtClean="0"/>
+              <a:t>:</a:t>
             </a:r>
           </a:p>
           <a:p>
@@ -8085,7 +14711,15 @@
           <a:p>
             <a:r>
               <a:rPr lang="en-US" dirty="0" smtClean="0"/>
-              <a:t>Predictive Modelling:</a:t>
+              <a:t>Predictive </a:t>
+            </a:r>
+            <a:r>
+              <a:rPr lang="en-US" dirty="0" smtClean="0"/>
+              <a:t>Modeling</a:t>
+            </a:r>
+            <a:r>
+              <a:rPr lang="en-US" dirty="0" smtClean="0"/>
+              <a:t>:</a:t>
             </a:r>
           </a:p>
           <a:p>
@@ -8337,6 +14971,13 @@
   <p:clrMapOvr>
     <a:masterClrMapping/>
   </p:clrMapOvr>
+  <p:timing>
+    <p:tnLst>
+      <p:par>
+        <p:cTn id="1" dur="indefinite" restart="never" nodeType="tmRoot"/>
+      </p:par>
+    </p:tnLst>
+  </p:timing>
 </p:sld>
 </file>
 
@@ -8374,11 +15015,15 @@
           <a:p>
             <a:r>
               <a:rPr lang="en-US" dirty="0" smtClean="0"/>
-              <a:t>ML Methods for </a:t>
+              <a:t>ML Methods for Explanatory </a:t>
             </a:r>
             <a:r>
               <a:rPr lang="en-US" dirty="0" smtClean="0"/>
-              <a:t>Explanatory Modelling (Inference)</a:t>
+              <a:t>Modeling </a:t>
+            </a:r>
+            <a:r>
+              <a:rPr lang="en-US" dirty="0" smtClean="0"/>
+              <a:t>(Inference)</a:t>
             </a:r>
             <a:endParaRPr lang="en-US" dirty="0"/>
           </a:p>
@@ -8590,8 +15235,8 @@
           </a:p>
         </p:txBody>
       </p:sp>
-      <mc:AlternateContent xmlns:mc="http://schemas.openxmlformats.org/markup-compatibility/2006">
-        <mc:Choice xmlns:a14="http://schemas.microsoft.com/office/drawing/2010/main" Requires="a14">
+      <mc:AlternateContent xmlns:mc="http://schemas.openxmlformats.org/markup-compatibility/2006" xmlns:a14="http://schemas.microsoft.com/office/drawing/2010/main">
+        <mc:Choice Requires="a14">
           <p:sp>
             <p:nvSpPr>
               <p:cNvPr id="3" name="Content Placeholder 2"/>
@@ -8624,7 +15269,7 @@
                       <m:dPr>
                         <m:ctrlPr>
                           <a:rPr lang="en-US" b="0" i="1" smtClean="0">
-                            <a:latin typeface="Cambria Math"/>
+                            <a:latin typeface="Cambria Math" panose="02040503050406030204" pitchFamily="18" charset="0"/>
                           </a:rPr>
                         </m:ctrlPr>
                       </m:dPr>
@@ -8655,7 +15300,7 @@
                         <m:endChr m:val="]"/>
                         <m:ctrlPr>
                           <a:rPr lang="en-US" b="0" i="1" smtClean="0">
-                            <a:latin typeface="Cambria Math"/>
+                            <a:latin typeface="Cambria Math" panose="02040503050406030204" pitchFamily="18" charset="0"/>
                           </a:rPr>
                         </m:ctrlPr>
                       </m:dPr>
@@ -8664,7 +15309,7 @@
                           <m:sSupPr>
                             <m:ctrlPr>
                               <a:rPr lang="en-US" b="0" i="1" smtClean="0">
-                                <a:latin typeface="Cambria Math"/>
+                                <a:latin typeface="Cambria Math" panose="02040503050406030204" pitchFamily="18" charset="0"/>
                               </a:rPr>
                             </m:ctrlPr>
                           </m:sSupPr>
@@ -8673,7 +15318,7 @@
                               <m:dPr>
                                 <m:ctrlPr>
                                   <a:rPr lang="en-US" i="1">
-                                    <a:latin typeface="Cambria Math"/>
+                                    <a:latin typeface="Cambria Math" panose="02040503050406030204" pitchFamily="18" charset="0"/>
                                   </a:rPr>
                                 </m:ctrlPr>
                               </m:dPr>
@@ -8695,7 +15340,7 @@
                                     <m:chr m:val="̂"/>
                                     <m:ctrlPr>
                                       <a:rPr lang="en-US" i="1">
-                                        <a:latin typeface="Cambria Math"/>
+                                        <a:latin typeface="Cambria Math" panose="02040503050406030204" pitchFamily="18" charset="0"/>
                                       </a:rPr>
                                     </m:ctrlPr>
                                   </m:accPr>
@@ -8712,7 +15357,7 @@
                                   <m:dPr>
                                     <m:ctrlPr>
                                       <a:rPr lang="en-US" i="1">
-                                        <a:latin typeface="Cambria Math"/>
+                                        <a:latin typeface="Cambria Math" panose="02040503050406030204" pitchFamily="18" charset="0"/>
                                       </a:rPr>
                                     </m:ctrlPr>
                                   </m:dPr>
@@ -8770,7 +15415,7 @@
                       <m:limLowPr>
                         <m:ctrlPr>
                           <a:rPr lang="en-US" i="1" smtClean="0">
-                            <a:latin typeface="Cambria Math"/>
+                            <a:latin typeface="Cambria Math" panose="02040503050406030204" pitchFamily="18" charset="0"/>
                           </a:rPr>
                         </m:ctrlPr>
                       </m:limLowPr>
@@ -8780,7 +15425,7 @@
                             <m:chr m:val="⏟"/>
                             <m:ctrlPr>
                               <a:rPr lang="en-US" i="1" smtClean="0">
-                                <a:latin typeface="Cambria Math"/>
+                                <a:latin typeface="Cambria Math" panose="02040503050406030204" pitchFamily="18" charset="0"/>
                               </a:rPr>
                             </m:ctrlPr>
                           </m:groupChrPr>
@@ -8797,7 +15442,7 @@
                                 <m:endChr m:val="]"/>
                                 <m:ctrlPr>
                                   <a:rPr lang="en-US" i="1">
-                                    <a:latin typeface="Cambria Math"/>
+                                    <a:latin typeface="Cambria Math" panose="02040503050406030204" pitchFamily="18" charset="0"/>
                                   </a:rPr>
                                 </m:ctrlPr>
                               </m:dPr>
@@ -8806,7 +15451,7 @@
                                   <m:sSupPr>
                                     <m:ctrlPr>
                                       <a:rPr lang="en-US" i="1">
-                                        <a:latin typeface="Cambria Math"/>
+                                        <a:latin typeface="Cambria Math" panose="02040503050406030204" pitchFamily="18" charset="0"/>
                                       </a:rPr>
                                     </m:ctrlPr>
                                   </m:sSupPr>
@@ -8815,7 +15460,7 @@
                                       <m:dPr>
                                         <m:ctrlPr>
                                           <a:rPr lang="en-US" i="1">
-                                            <a:latin typeface="Cambria Math"/>
+                                            <a:latin typeface="Cambria Math" panose="02040503050406030204" pitchFamily="18" charset="0"/>
                                           </a:rPr>
                                         </m:ctrlPr>
                                       </m:dPr>
@@ -8842,7 +15487,7 @@
                                           <m:dPr>
                                             <m:ctrlPr>
                                               <a:rPr lang="en-US" i="1">
-                                                <a:latin typeface="Cambria Math"/>
+                                                <a:latin typeface="Cambria Math" panose="02040503050406030204" pitchFamily="18" charset="0"/>
                                               </a:rPr>
                                             </m:ctrlPr>
                                           </m:dPr>
@@ -8883,7 +15528,7 @@
                           <m:dPr>
                             <m:ctrlPr>
                               <a:rPr lang="en-US" i="1">
-                                <a:latin typeface="Cambria Math"/>
+                                <a:latin typeface="Cambria Math" panose="02040503050406030204" pitchFamily="18" charset="0"/>
                               </a:rPr>
                             </m:ctrlPr>
                           </m:dPr>
@@ -8908,7 +15553,7 @@
                       <m:limLowPr>
                         <m:ctrlPr>
                           <a:rPr lang="en-US" b="0" i="1" dirty="0" smtClean="0">
-                            <a:latin typeface="Cambria Math"/>
+                            <a:latin typeface="Cambria Math" panose="02040503050406030204" pitchFamily="18" charset="0"/>
                           </a:rPr>
                         </m:ctrlPr>
                       </m:limLowPr>
@@ -8918,7 +15563,7 @@
                             <m:chr m:val="⏟"/>
                             <m:ctrlPr>
                               <a:rPr lang="en-US" i="1" dirty="0" smtClean="0">
-                                <a:latin typeface="Cambria Math"/>
+                                <a:latin typeface="Cambria Math" panose="02040503050406030204" pitchFamily="18" charset="0"/>
                               </a:rPr>
                             </m:ctrlPr>
                           </m:groupChrPr>
@@ -8927,7 +15572,7 @@
                               <m:sSupPr>
                                 <m:ctrlPr>
                                   <a:rPr lang="en-US" i="1">
-                                    <a:latin typeface="Cambria Math"/>
+                                    <a:latin typeface="Cambria Math" panose="02040503050406030204" pitchFamily="18" charset="0"/>
                                   </a:rPr>
                                 </m:ctrlPr>
                               </m:sSupPr>
@@ -8950,7 +15595,7 @@
                                     <m:endChr m:val="]"/>
                                     <m:ctrlPr>
                                       <a:rPr lang="en-US" i="1">
-                                        <a:latin typeface="Cambria Math"/>
+                                        <a:latin typeface="Cambria Math" panose="02040503050406030204" pitchFamily="18" charset="0"/>
                                       </a:rPr>
                                     </m:ctrlPr>
                                   </m:dPr>
@@ -8960,7 +15605,7 @@
                                         <m:chr m:val="̂"/>
                                         <m:ctrlPr>
                                           <a:rPr lang="en-US" i="1">
-                                            <a:latin typeface="Cambria Math"/>
+                                            <a:latin typeface="Cambria Math" panose="02040503050406030204" pitchFamily="18" charset="0"/>
                                           </a:rPr>
                                         </m:ctrlPr>
                                       </m:accPr>
@@ -8977,7 +15622,7 @@
                                       <m:dPr>
                                         <m:ctrlPr>
                                           <a:rPr lang="en-US" i="1">
-                                            <a:latin typeface="Cambria Math"/>
+                                            <a:latin typeface="Cambria Math" panose="02040503050406030204" pitchFamily="18" charset="0"/>
                                           </a:rPr>
                                         </m:ctrlPr>
                                       </m:dPr>
@@ -9008,7 +15653,7 @@
                                   <m:dPr>
                                     <m:ctrlPr>
                                       <a:rPr lang="en-US" i="1">
-                                        <a:latin typeface="Cambria Math"/>
+                                        <a:latin typeface="Cambria Math" panose="02040503050406030204" pitchFamily="18" charset="0"/>
                                       </a:rPr>
                                     </m:ctrlPr>
                                   </m:dPr>
@@ -9045,7 +15690,7 @@
                           <m:sSupPr>
                             <m:ctrlPr>
                               <a:rPr lang="en-US" i="1">
-                                <a:latin typeface="Cambria Math"/>
+                                <a:latin typeface="Cambria Math" panose="02040503050406030204" pitchFamily="18" charset="0"/>
                               </a:rPr>
                             </m:ctrlPr>
                           </m:sSupPr>
@@ -9081,7 +15726,7 @@
                       <m:limLowPr>
                         <m:ctrlPr>
                           <a:rPr lang="en-US" i="1" smtClean="0">
-                            <a:latin typeface="Cambria Math"/>
+                            <a:latin typeface="Cambria Math" panose="02040503050406030204" pitchFamily="18" charset="0"/>
                           </a:rPr>
                         </m:ctrlPr>
                       </m:limLowPr>
@@ -9091,7 +15736,7 @@
                             <m:chr m:val="⏟"/>
                             <m:ctrlPr>
                               <a:rPr lang="en-US" i="1" smtClean="0">
-                                <a:latin typeface="Cambria Math"/>
+                                <a:latin typeface="Cambria Math" panose="02040503050406030204" pitchFamily="18" charset="0"/>
                               </a:rPr>
                             </m:ctrlPr>
                           </m:groupChrPr>
@@ -9100,7 +15745,7 @@
                               <m:sSupPr>
                                 <m:ctrlPr>
                                   <a:rPr lang="en-US" i="1" dirty="0">
-                                    <a:latin typeface="Cambria Math"/>
+                                    <a:latin typeface="Cambria Math" panose="02040503050406030204" pitchFamily="18" charset="0"/>
                                   </a:rPr>
                                 </m:ctrlPr>
                               </m:sSupPr>
@@ -9128,7 +15773,7 @@
                                     <m:chr m:val="̂"/>
                                     <m:ctrlPr>
                                       <a:rPr lang="en-US" i="1">
-                                        <a:latin typeface="Cambria Math"/>
+                                        <a:latin typeface="Cambria Math" panose="02040503050406030204" pitchFamily="18" charset="0"/>
                                       </a:rPr>
                                     </m:ctrlPr>
                                   </m:accPr>
@@ -9145,7 +15790,7 @@
                                   <m:dPr>
                                     <m:ctrlPr>
                                       <a:rPr lang="en-US" i="1">
-                                        <a:latin typeface="Cambria Math"/>
+                                        <a:latin typeface="Cambria Math" panose="02040503050406030204" pitchFamily="18" charset="0"/>
                                       </a:rPr>
                                     </m:ctrlPr>
                                   </m:dPr>
@@ -9179,7 +15824,7 @@
                                     <m:endChr m:val="]"/>
                                     <m:ctrlPr>
                                       <a:rPr lang="en-US" i="1">
-                                        <a:latin typeface="Cambria Math"/>
+                                        <a:latin typeface="Cambria Math" panose="02040503050406030204" pitchFamily="18" charset="0"/>
                                       </a:rPr>
                                     </m:ctrlPr>
                                   </m:dPr>
@@ -9189,7 +15834,7 @@
                                         <m:chr m:val="̂"/>
                                         <m:ctrlPr>
                                           <a:rPr lang="en-US" i="1">
-                                            <a:latin typeface="Cambria Math"/>
+                                            <a:latin typeface="Cambria Math" panose="02040503050406030204" pitchFamily="18" charset="0"/>
                                           </a:rPr>
                                         </m:ctrlPr>
                                       </m:accPr>
@@ -9206,7 +15851,7 @@
                                       <m:dPr>
                                         <m:ctrlPr>
                                           <a:rPr lang="en-US" i="1">
-                                            <a:latin typeface="Cambria Math"/>
+                                            <a:latin typeface="Cambria Math" panose="02040503050406030204" pitchFamily="18" charset="0"/>
                                           </a:rPr>
                                         </m:ctrlPr>
                                       </m:dPr>
@@ -9261,7 +15906,7 @@
                             <m:chr m:val="̂"/>
                             <m:ctrlPr>
                               <a:rPr lang="en-US" i="1">
-                                <a:latin typeface="Cambria Math"/>
+                                <a:latin typeface="Cambria Math" panose="02040503050406030204" pitchFamily="18" charset="0"/>
                               </a:rPr>
                             </m:ctrlPr>
                           </m:accPr>
@@ -9278,7 +15923,7 @@
                           <m:dPr>
                             <m:ctrlPr>
                               <a:rPr lang="en-US" i="1">
-                                <a:latin typeface="Cambria Math"/>
+                                <a:latin typeface="Cambria Math" panose="02040503050406030204" pitchFamily="18" charset="0"/>
                               </a:rPr>
                             </m:ctrlPr>
                           </m:dPr>
@@ -9385,7 +16030,7 @@
             </p:txBody>
           </p:sp>
         </mc:Choice>
-        <mc:Fallback>
+        <mc:Fallback xmlns="">
           <p:sp>
             <p:nvSpPr>
               <p:cNvPr id="3" name="Content Placeholder 2"/>
@@ -9567,19 +16212,9 @@
           <a:bodyPr/>
           <a:lstStyle/>
           <a:p>
-            <a:r>
-              <a:rPr lang="de-DE" sz="1400" dirty="0" smtClean="0"/>
-              <a:t>Cross-Sectional </a:t>
-            </a:r>
-            <a:r>
-              <a:rPr lang="de-DE" sz="1400" dirty="0" smtClean="0"/>
-              <a:t>Asset Pricing:</a:t>
-            </a:r>
-          </a:p>
-          <a:p>
             <a:pPr lvl="1"/>
             <a:r>
-              <a:rPr lang="en-US" sz="1200" dirty="0" err="1"/>
+              <a:rPr lang="en-US" sz="1200" dirty="0" err="1" smtClean="0"/>
               <a:t>Chinco</a:t>
             </a:r>
             <a:r>
@@ -10469,8 +17104,8 @@
           </a:p>
         </p:txBody>
       </p:sp>
-      <mc:AlternateContent xmlns:mc="http://schemas.openxmlformats.org/markup-compatibility/2006">
-        <mc:Choice xmlns:a14="http://schemas.microsoft.com/office/drawing/2010/main" Requires="a14">
+      <mc:AlternateContent xmlns:mc="http://schemas.openxmlformats.org/markup-compatibility/2006" xmlns:a14="http://schemas.microsoft.com/office/drawing/2010/main">
+        <mc:Choice Requires="a14">
           <p:sp>
             <p:nvSpPr>
               <p:cNvPr id="3" name="Content Placeholder 2"/>
@@ -10666,7 +17301,7 @@
             </p:txBody>
           </p:sp>
         </mc:Choice>
-        <mc:Fallback>
+        <mc:Fallback xmlns="">
           <p:sp>
             <p:nvSpPr>
               <p:cNvPr id="3" name="Content Placeholder 2"/>
@@ -10783,6 +17418,13 @@
   <p:clrMapOvr>
     <a:masterClrMapping/>
   </p:clrMapOvr>
+  <p:timing>
+    <p:tnLst>
+      <p:par>
+        <p:cTn id="1" dur="indefinite" restart="never" nodeType="tmRoot"/>
+      </p:par>
+    </p:tnLst>
+  </p:timing>
 </p:sld>
 </file>
 

--- a/_presentation/MachineLearning_StockMarketReturns.pptx
+++ b/_presentation/MachineLearning_StockMarketReturns.pptx
@@ -5,32 +5,33 @@
     <p:sldMasterId id="2147483648" r:id="rId1"/>
   </p:sldMasterIdLst>
   <p:notesMasterIdLst>
-    <p:notesMasterId r:id="rId25"/>
+    <p:notesMasterId r:id="rId26"/>
   </p:notesMasterIdLst>
   <p:sldIdLst>
     <p:sldId id="258" r:id="rId2"/>
-    <p:sldId id="263" r:id="rId3"/>
-    <p:sldId id="264" r:id="rId4"/>
-    <p:sldId id="275" r:id="rId5"/>
+    <p:sldId id="264" r:id="rId3"/>
+    <p:sldId id="275" r:id="rId4"/>
+    <p:sldId id="263" r:id="rId5"/>
     <p:sldId id="267" r:id="rId6"/>
     <p:sldId id="274" r:id="rId7"/>
     <p:sldId id="266" r:id="rId8"/>
     <p:sldId id="265" r:id="rId9"/>
-    <p:sldId id="277" r:id="rId10"/>
-    <p:sldId id="276" r:id="rId11"/>
-    <p:sldId id="269" r:id="rId12"/>
-    <p:sldId id="270" r:id="rId13"/>
-    <p:sldId id="271" r:id="rId14"/>
-    <p:sldId id="268" r:id="rId15"/>
-    <p:sldId id="285" r:id="rId16"/>
-    <p:sldId id="279" r:id="rId17"/>
-    <p:sldId id="280" r:id="rId18"/>
-    <p:sldId id="278" r:id="rId19"/>
-    <p:sldId id="286" r:id="rId20"/>
-    <p:sldId id="281" r:id="rId21"/>
-    <p:sldId id="283" r:id="rId22"/>
-    <p:sldId id="282" r:id="rId23"/>
-    <p:sldId id="284" r:id="rId24"/>
+    <p:sldId id="287" r:id="rId10"/>
+    <p:sldId id="277" r:id="rId11"/>
+    <p:sldId id="276" r:id="rId12"/>
+    <p:sldId id="269" r:id="rId13"/>
+    <p:sldId id="270" r:id="rId14"/>
+    <p:sldId id="271" r:id="rId15"/>
+    <p:sldId id="268" r:id="rId16"/>
+    <p:sldId id="285" r:id="rId17"/>
+    <p:sldId id="279" r:id="rId18"/>
+    <p:sldId id="280" r:id="rId19"/>
+    <p:sldId id="278" r:id="rId20"/>
+    <p:sldId id="286" r:id="rId21"/>
+    <p:sldId id="281" r:id="rId22"/>
+    <p:sldId id="283" r:id="rId23"/>
+    <p:sldId id="282" r:id="rId24"/>
+    <p:sldId id="284" r:id="rId25"/>
   </p:sldIdLst>
   <p:sldSz cx="9144000" cy="6858000" type="screen4x3"/>
   <p:notesSz cx="6858000" cy="9144000"/>
@@ -230,7 +231,7 @@
           <a:p>
             <a:fld id="{74AC502C-C804-4198-99A2-1BC651C18491}" type="datetimeFigureOut">
               <a:rPr lang="de-DE" smtClean="0"/>
-              <a:t>04.12.2018</a:t>
+              <a:t>05.12.2018</a:t>
             </a:fld>
             <a:endParaRPr lang="de-DE"/>
           </a:p>
@@ -3144,7 +3145,7 @@
         </p:nvSpPr>
         <p:spPr>
           <a:xfrm>
-            <a:off x="1371600" y="3569060"/>
+            <a:off x="1371600" y="3402203"/>
             <a:ext cx="6400800" cy="396000"/>
           </a:xfrm>
         </p:spPr>
@@ -3236,6 +3237,36 @@
           </a:p>
         </p:txBody>
       </p:sp>
+      <p:pic>
+        <p:nvPicPr>
+          <p:cNvPr id="5" name="Picture 4"/>
+          <p:cNvPicPr>
+            <a:picLocks noChangeAspect="1"/>
+          </p:cNvPicPr>
+          <p:nvPr/>
+        </p:nvPicPr>
+        <p:blipFill>
+          <a:blip r:embed="rId2">
+            <a:extLst>
+              <a:ext uri="{28A0092B-C50C-407E-A947-70E740481C1C}">
+                <a14:useLocalDpi xmlns:a14="http://schemas.microsoft.com/office/drawing/2010/main" val="0"/>
+              </a:ext>
+            </a:extLst>
+          </a:blip>
+          <a:stretch>
+            <a:fillRect/>
+          </a:stretch>
+        </p:blipFill>
+        <p:spPr>
+          <a:xfrm>
+            <a:off x="2556374" y="4037060"/>
+            <a:ext cx="4031252" cy="2015626"/>
+          </a:xfrm>
+          <a:prstGeom prst="rect">
+            <a:avLst/>
+          </a:prstGeom>
+        </p:spPr>
+      </p:pic>
     </p:spTree>
     <p:extLst>
       <p:ext uri="{BB962C8B-B14F-4D97-AF65-F5344CB8AC3E}">
@@ -3283,6 +3314,370 @@
             <p:ph type="title"/>
           </p:nvPr>
         </p:nvSpPr>
+        <p:spPr/>
+        <p:txBody>
+          <a:bodyPr/>
+          <a:lstStyle/>
+          <a:p>
+            <a:r>
+              <a:rPr lang="en-US" dirty="0" smtClean="0"/>
+              <a:t>High Dimensional Setting</a:t>
+            </a:r>
+            <a:endParaRPr lang="en-US" dirty="0"/>
+          </a:p>
+        </p:txBody>
+      </p:sp>
+      <mc:AlternateContent xmlns:mc="http://schemas.openxmlformats.org/markup-compatibility/2006" xmlns:a14="http://schemas.microsoft.com/office/drawing/2010/main">
+        <mc:Choice Requires="a14">
+          <p:sp>
+            <p:nvSpPr>
+              <p:cNvPr id="3" name="Content Placeholder 2"/>
+              <p:cNvSpPr>
+                <a:spLocks noGrp="1"/>
+              </p:cNvSpPr>
+              <p:nvPr>
+                <p:ph idx="1"/>
+              </p:nvPr>
+            </p:nvSpPr>
+            <p:spPr>
+              <a:xfrm>
+                <a:off x="684000" y="1232756"/>
+                <a:ext cx="7776000" cy="4583734"/>
+              </a:xfrm>
+            </p:spPr>
+            <p:txBody>
+              <a:bodyPr/>
+              <a:lstStyle/>
+              <a:p>
+                <a:r>
+                  <a:rPr lang="en-US" dirty="0" smtClean="0"/>
+                  <a:t>14 Macro Variables + 14 Technical Indicators + Aggregate Short Interest + </a:t>
+                </a:r>
+                <a:r>
+                  <a:rPr lang="en-US" dirty="0"/>
+                  <a:t>Recession Dummy </a:t>
+                </a:r>
+                <a:r>
+                  <a:rPr lang="en-US" dirty="0" smtClean="0"/>
+                  <a:t>+ Sentiment </a:t>
+                </a:r>
+                <a:r>
+                  <a:rPr lang="en-US" dirty="0" smtClean="0">
+                    <a:sym typeface="Wingdings" panose="05000000000000000000" pitchFamily="2" charset="2"/>
+                  </a:rPr>
+                  <a:t> </a:t>
+                </a:r>
+                <a14:m>
+                  <m:oMath xmlns:m="http://schemas.openxmlformats.org/officeDocument/2006/math">
+                    <m:r>
+                      <a:rPr lang="en-US" i="1" dirty="0" smtClean="0">
+                        <a:latin typeface="Cambria Math"/>
+                        <a:sym typeface="Wingdings" panose="05000000000000000000" pitchFamily="2" charset="2"/>
+                      </a:rPr>
+                      <m:t>𝑝</m:t>
+                    </m:r>
+                    <m:r>
+                      <a:rPr lang="en-US" i="1" dirty="0" smtClean="0">
+                        <a:latin typeface="Cambria Math"/>
+                        <a:sym typeface="Wingdings" panose="05000000000000000000" pitchFamily="2" charset="2"/>
+                      </a:rPr>
+                      <m:t> = 31</m:t>
+                    </m:r>
+                  </m:oMath>
+                </a14:m>
+                <a:endParaRPr lang="en-US" dirty="0" smtClean="0"/>
+              </a:p>
+              <a:p>
+                <a:pPr lvl="1"/>
+                <a:r>
+                  <a:rPr lang="en-US" dirty="0" smtClean="0"/>
+                  <a:t>With squared terms </a:t>
+                </a:r>
+                <a14:m>
+                  <m:oMath xmlns:m="http://schemas.openxmlformats.org/officeDocument/2006/math">
+                    <m:r>
+                      <a:rPr lang="en-US" i="1" dirty="0" smtClean="0">
+                        <a:latin typeface="Cambria Math"/>
+                      </a:rPr>
+                      <m:t>𝑝</m:t>
+                    </m:r>
+                    <m:r>
+                      <a:rPr lang="en-US" i="1" dirty="0" smtClean="0">
+                        <a:latin typeface="Cambria Math"/>
+                      </a:rPr>
+                      <m:t> = 62 </m:t>
+                    </m:r>
+                  </m:oMath>
+                </a14:m>
+                <a:r>
+                  <a:rPr lang="en-US" dirty="0" smtClean="0"/>
+                  <a:t>and with interaction terms </a:t>
+                </a:r>
+                <a14:m>
+                  <m:oMath xmlns:m="http://schemas.openxmlformats.org/officeDocument/2006/math">
+                    <m:r>
+                      <a:rPr lang="en-US" i="1" dirty="0" smtClean="0">
+                        <a:latin typeface="Cambria Math"/>
+                      </a:rPr>
+                      <m:t>𝑝</m:t>
+                    </m:r>
+                    <m:r>
+                      <a:rPr lang="en-US" i="1" dirty="0" smtClean="0">
+                        <a:latin typeface="Cambria Math"/>
+                      </a:rPr>
+                      <m:t> =527</m:t>
+                    </m:r>
+                  </m:oMath>
+                </a14:m>
+                <a:endParaRPr lang="en-US" dirty="0" smtClean="0"/>
+              </a:p>
+              <a:p>
+                <a:r>
+                  <a:rPr lang="en-US" dirty="0" smtClean="0"/>
+                  <a:t> 1974 – 2010 </a:t>
+                </a:r>
+                <a:r>
+                  <a:rPr lang="en-US" dirty="0" smtClean="0">
+                    <a:sym typeface="Wingdings" panose="05000000000000000000" pitchFamily="2" charset="2"/>
+                  </a:rPr>
+                  <a:t></a:t>
+                </a:r>
+                <a:r>
+                  <a:rPr lang="en-US" dirty="0" smtClean="0"/>
+                  <a:t> </a:t>
+                </a:r>
+                <a14:m>
+                  <m:oMath xmlns:m="http://schemas.openxmlformats.org/officeDocument/2006/math">
+                    <m:r>
+                      <a:rPr lang="en-US" i="1" dirty="0" smtClean="0">
+                        <a:latin typeface="Cambria Math"/>
+                      </a:rPr>
+                      <m:t>𝑛</m:t>
+                    </m:r>
+                    <m:r>
+                      <a:rPr lang="en-US" i="1" dirty="0" smtClean="0">
+                        <a:latin typeface="Cambria Math"/>
+                      </a:rPr>
+                      <m:t> = 444 </m:t>
+                    </m:r>
+                  </m:oMath>
+                </a14:m>
+                <a:r>
+                  <a:rPr lang="en-US" dirty="0" smtClean="0"/>
+                  <a:t>months</a:t>
+                </a:r>
+              </a:p>
+              <a:p>
+                <a:r>
+                  <a:rPr lang="en-US" dirty="0" smtClean="0"/>
+                  <a:t>Thus, small sample size relative to the number of predictors (</a:t>
+                </a:r>
+                <a14:m>
+                  <m:oMath xmlns:m="http://schemas.openxmlformats.org/officeDocument/2006/math">
+                    <m:r>
+                      <a:rPr lang="en-US" b="0" i="1" smtClean="0">
+                        <a:latin typeface="Cambria Math"/>
+                      </a:rPr>
+                      <m:t>𝑝</m:t>
+                    </m:r>
+                    <m:r>
+                      <a:rPr lang="en-US" b="0" i="1" smtClean="0">
+                        <a:latin typeface="Cambria Math"/>
+                        <a:ea typeface="Cambria Math"/>
+                      </a:rPr>
+                      <m:t>≈</m:t>
+                    </m:r>
+                    <m:r>
+                      <a:rPr lang="en-US" b="0" i="1" smtClean="0">
+                        <a:latin typeface="Cambria Math"/>
+                        <a:ea typeface="Cambria Math"/>
+                      </a:rPr>
+                      <m:t>𝑛</m:t>
+                    </m:r>
+                  </m:oMath>
+                </a14:m>
+                <a:r>
+                  <a:rPr lang="en-US" dirty="0" smtClean="0"/>
+                  <a:t>) </a:t>
+                </a:r>
+              </a:p>
+              <a:p>
+                <a:r>
+                  <a:rPr lang="en-US" dirty="0" smtClean="0"/>
+                  <a:t> In this setting, OLS is expected to </a:t>
+                </a:r>
+                <a:r>
+                  <a:rPr lang="en-US" dirty="0"/>
+                  <a:t>provide a </a:t>
+                </a:r>
+                <a:r>
+                  <a:rPr lang="en-US" dirty="0" smtClean="0"/>
+                  <a:t>poor/noisy estimate  </a:t>
+                </a:r>
+              </a:p>
+              <a:p>
+                <a:endParaRPr lang="en-US" dirty="0" smtClean="0"/>
+              </a:p>
+              <a:p>
+                <a:endParaRPr lang="en-US" dirty="0"/>
+              </a:p>
+            </p:txBody>
+          </p:sp>
+        </mc:Choice>
+        <mc:Fallback xmlns="">
+          <p:sp>
+            <p:nvSpPr>
+              <p:cNvPr id="3" name="Content Placeholder 2"/>
+              <p:cNvSpPr>
+                <a:spLocks noGrp="1" noRot="1" noChangeAspect="1" noMove="1" noResize="1" noEditPoints="1" noAdjustHandles="1" noChangeArrowheads="1" noChangeShapeType="1" noTextEdit="1"/>
+              </p:cNvSpPr>
+              <p:nvPr>
+                <p:ph idx="1"/>
+              </p:nvPr>
+            </p:nvSpPr>
+            <p:spPr>
+              <a:xfrm>
+                <a:off x="684000" y="1232756"/>
+                <a:ext cx="7776000" cy="4583734"/>
+              </a:xfrm>
+              <a:blipFill rotWithShape="1">
+                <a:blip r:embed="rId2"/>
+                <a:stretch>
+                  <a:fillRect l="-2194" t="-1995" r="-2351"/>
+                </a:stretch>
+              </a:blipFill>
+            </p:spPr>
+            <p:txBody>
+              <a:bodyPr/>
+              <a:lstStyle/>
+              <a:p>
+                <a:r>
+                  <a:rPr lang="en-US">
+                    <a:noFill/>
+                  </a:rPr>
+                  <a:t> </a:t>
+                </a:r>
+              </a:p>
+            </p:txBody>
+          </p:sp>
+        </mc:Fallback>
+      </mc:AlternateContent>
+      <p:sp>
+        <p:nvSpPr>
+          <p:cNvPr id="4" name="Date Placeholder 3"/>
+          <p:cNvSpPr>
+            <a:spLocks noGrp="1"/>
+          </p:cNvSpPr>
+          <p:nvPr>
+            <p:ph type="dt" sz="half" idx="10"/>
+          </p:nvPr>
+        </p:nvSpPr>
+        <p:spPr/>
+        <p:txBody>
+          <a:bodyPr/>
+          <a:lstStyle/>
+          <a:p>
+            <a:r>
+              <a:rPr lang="de-DE" smtClean="0"/>
+              <a:t>06.12.2018</a:t>
+            </a:r>
+            <a:endParaRPr lang="de-DE" dirty="0"/>
+          </a:p>
+        </p:txBody>
+      </p:sp>
+      <p:sp>
+        <p:nvSpPr>
+          <p:cNvPr id="5" name="Footer Placeholder 4"/>
+          <p:cNvSpPr>
+            <a:spLocks noGrp="1"/>
+          </p:cNvSpPr>
+          <p:nvPr>
+            <p:ph type="ftr" sz="quarter" idx="11"/>
+          </p:nvPr>
+        </p:nvSpPr>
+        <p:spPr/>
+        <p:txBody>
+          <a:bodyPr/>
+          <a:lstStyle/>
+          <a:p>
+            <a:r>
+              <a:rPr lang="de-DE" smtClean="0"/>
+              <a:t>Pavel Lesnevski</a:t>
+            </a:r>
+            <a:endParaRPr lang="de-DE" dirty="0"/>
+          </a:p>
+        </p:txBody>
+      </p:sp>
+      <p:sp>
+        <p:nvSpPr>
+          <p:cNvPr id="6" name="Slide Number Placeholder 5"/>
+          <p:cNvSpPr>
+            <a:spLocks noGrp="1"/>
+          </p:cNvSpPr>
+          <p:nvPr>
+            <p:ph type="sldNum" sz="quarter" idx="12"/>
+          </p:nvPr>
+        </p:nvSpPr>
+        <p:spPr/>
+        <p:txBody>
+          <a:bodyPr/>
+          <a:lstStyle/>
+          <a:p>
+            <a:fld id="{FC0CC166-4E39-43B8-AB91-BDD1C4C9E224}" type="slidenum">
+              <a:rPr lang="de-DE" smtClean="0"/>
+              <a:t>10</a:t>
+            </a:fld>
+            <a:endParaRPr lang="de-DE"/>
+          </a:p>
+        </p:txBody>
+      </p:sp>
+    </p:spTree>
+    <p:extLst>
+      <p:ext uri="{BB962C8B-B14F-4D97-AF65-F5344CB8AC3E}">
+        <p14:creationId xmlns:p14="http://schemas.microsoft.com/office/powerpoint/2010/main" val="1637410066"/>
+      </p:ext>
+    </p:extLst>
+  </p:cSld>
+  <p:clrMapOvr>
+    <a:masterClrMapping/>
+  </p:clrMapOvr>
+  <p:timing>
+    <p:tnLst>
+      <p:par>
+        <p:cTn id="1" dur="indefinite" restart="never" nodeType="tmRoot"/>
+      </p:par>
+    </p:tnLst>
+  </p:timing>
+</p:sld>
+</file>
+
+<file path=ppt/slides/slide11.xml><?xml version="1.0" encoding="utf-8"?>
+<p:sld xmlns:a="http://schemas.openxmlformats.org/drawingml/2006/main" xmlns:r="http://schemas.openxmlformats.org/officeDocument/2006/relationships" xmlns:p="http://schemas.openxmlformats.org/presentationml/2006/main">
+  <p:cSld>
+    <p:spTree>
+      <p:nvGrpSpPr>
+        <p:cNvPr id="1" name=""/>
+        <p:cNvGrpSpPr/>
+        <p:nvPr/>
+      </p:nvGrpSpPr>
+      <p:grpSpPr>
+        <a:xfrm>
+          <a:off x="0" y="0"/>
+          <a:ext cx="0" cy="0"/>
+          <a:chOff x="0" y="0"/>
+          <a:chExt cx="0" cy="0"/>
+        </a:xfrm>
+      </p:grpSpPr>
+      <p:sp>
+        <p:nvSpPr>
+          <p:cNvPr id="2" name="Title 1"/>
+          <p:cNvSpPr>
+            <a:spLocks noGrp="1"/>
+          </p:cNvSpPr>
+          <p:nvPr>
+            <p:ph type="title"/>
+          </p:nvPr>
+        </p:nvSpPr>
         <p:spPr>
           <a:xfrm>
             <a:off x="684000" y="584684"/>
@@ -3368,7 +3763,7 @@
           <a:p>
             <a:fld id="{FC0CC166-4E39-43B8-AB91-BDD1C4C9E224}" type="slidenum">
               <a:rPr lang="de-DE" smtClean="0"/>
-              <a:t>10</a:t>
+              <a:t>11</a:t>
             </a:fld>
             <a:endParaRPr lang="de-DE"/>
           </a:p>
@@ -3540,7 +3935,7 @@
 </p:sld>
 </file>
 
-<file path=ppt/slides/slide11.xml><?xml version="1.0" encoding="utf-8"?>
+<file path=ppt/slides/slide12.xml><?xml version="1.0" encoding="utf-8"?>
 <p:sld xmlns:a="http://schemas.openxmlformats.org/drawingml/2006/main" xmlns:r="http://schemas.openxmlformats.org/officeDocument/2006/relationships" xmlns:p="http://schemas.openxmlformats.org/presentationml/2006/main">
   <p:cSld>
     <p:spTree>
@@ -4093,7 +4488,7 @@
           <a:p>
             <a:fld id="{FC0CC166-4E39-43B8-AB91-BDD1C4C9E224}" type="slidenum">
               <a:rPr lang="de-DE" smtClean="0"/>
-              <a:t>11</a:t>
+              <a:t>12</a:t>
             </a:fld>
             <a:endParaRPr lang="de-DE"/>
           </a:p>
@@ -4369,7 +4764,7 @@
 </p:sld>
 </file>
 
-<file path=ppt/slides/slide12.xml><?xml version="1.0" encoding="utf-8"?>
+<file path=ppt/slides/slide13.xml><?xml version="1.0" encoding="utf-8"?>
 <p:sld xmlns:a="http://schemas.openxmlformats.org/drawingml/2006/main" xmlns:r="http://schemas.openxmlformats.org/officeDocument/2006/relationships" xmlns:p="http://schemas.openxmlformats.org/presentationml/2006/main">
   <p:cSld>
     <p:spTree>
@@ -4535,16 +4930,6 @@
                             </a:rPr>
                             <m:t>=</m:t>
                           </m:r>
-                          <m:r>
-                            <m:rPr>
-                              <m:sty m:val="p"/>
-                            </m:rPr>
-                            <a:rPr lang="en-US">
-                              <a:latin typeface="Cambria Math"/>
-                              <a:ea typeface="Cambria Math"/>
-                            </a:rPr>
-                            <m:t>arg</m:t>
-                          </m:r>
                           <m:limLow>
                             <m:limLowPr>
                               <m:ctrlPr>
@@ -4554,6 +4939,16 @@
                               </m:ctrlPr>
                             </m:limLowPr>
                             <m:e>
+                              <m:r>
+                                <m:rPr>
+                                  <m:sty m:val="p"/>
+                                </m:rPr>
+                                <a:rPr lang="en-US">
+                                  <a:latin typeface="Cambria Math"/>
+                                  <a:ea typeface="Cambria Math"/>
+                                </a:rPr>
+                                <m:t>arg</m:t>
+                              </m:r>
                               <m:r>
                                 <m:rPr>
                                   <m:sty m:val="p"/>
@@ -4889,11 +5284,7 @@
                 </a:r>
                 <a:r>
                   <a:rPr lang="en-US" dirty="0" smtClean="0"/>
-                  <a:t>set </a:t>
-                </a:r>
-                <a:r>
-                  <a:rPr lang="en-US" dirty="0" smtClean="0"/>
-                  <a:t>coeﬃcients </a:t>
+                  <a:t>set coeﬃcients </a:t>
                 </a:r>
                 <a:r>
                   <a:rPr lang="en-US" dirty="0"/>
@@ -4959,7 +5350,7 @@
           <a:p>
             <a:fld id="{FC0CC166-4E39-43B8-AB91-BDD1C4C9E224}" type="slidenum">
               <a:rPr lang="de-DE" smtClean="0"/>
-              <a:t>12</a:t>
+              <a:t>13</a:t>
             </a:fld>
             <a:endParaRPr lang="de-DE"/>
           </a:p>
@@ -5041,7 +5432,7 @@
 </p:sld>
 </file>
 
-<file path=ppt/slides/slide13.xml><?xml version="1.0" encoding="utf-8"?>
+<file path=ppt/slides/slide14.xml><?xml version="1.0" encoding="utf-8"?>
 <p:sld xmlns:a="http://schemas.openxmlformats.org/drawingml/2006/main" xmlns:r="http://schemas.openxmlformats.org/officeDocument/2006/relationships" xmlns:p="http://schemas.openxmlformats.org/presentationml/2006/main">
   <p:cSld>
     <p:spTree>
@@ -5089,8 +5480,8 @@
           </a:p>
         </p:txBody>
       </p:sp>
-      <mc:AlternateContent xmlns:mc="http://schemas.openxmlformats.org/markup-compatibility/2006" xmlns:a14="http://schemas.microsoft.com/office/drawing/2010/main">
-        <mc:Choice Requires="a14">
+      <mc:AlternateContent xmlns:mc="http://schemas.openxmlformats.org/markup-compatibility/2006">
+        <mc:Choice xmlns:a14="http://schemas.microsoft.com/office/drawing/2010/main" Requires="a14">
           <p:sp>
             <p:nvSpPr>
               <p:cNvPr id="3" name="Content Placeholder 2"/>
@@ -5182,16 +5573,6 @@
                           </m:ctrlPr>
                         </m:funcPr>
                         <m:fName>
-                          <m:r>
-                            <m:rPr>
-                              <m:sty m:val="p"/>
-                            </m:rPr>
-                            <a:rPr lang="en-US">
-                              <a:latin typeface="Cambria Math"/>
-                              <a:ea typeface="Cambria Math"/>
-                            </a:rPr>
-                            <m:t>arg</m:t>
-                          </m:r>
                           <m:limLow>
                             <m:limLowPr>
                               <m:ctrlPr>
@@ -5201,6 +5582,16 @@
                               </m:ctrlPr>
                             </m:limLowPr>
                             <m:e>
+                              <m:r>
+                                <m:rPr>
+                                  <m:sty m:val="p"/>
+                                </m:rPr>
+                                <a:rPr lang="en-US">
+                                  <a:latin typeface="Cambria Math"/>
+                                  <a:ea typeface="Cambria Math"/>
+                                </a:rPr>
+                                <m:t>arg</m:t>
+                              </m:r>
                               <m:r>
                                 <m:rPr>
                                   <m:sty m:val="p"/>
@@ -5652,7 +6043,19 @@
                 </a:r>
                 <a:r>
                   <a:rPr lang="en-US" dirty="0" smtClean="0"/>
-                  <a:t>zero as Ridge</a:t>
+                  <a:t>zero as </a:t>
+                </a:r>
+                <a:r>
+                  <a:rPr lang="en-US" dirty="0" smtClean="0"/>
+                  <a:t>Ridge</a:t>
+                </a:r>
+                <a:endParaRPr lang="en-DE" dirty="0" smtClean="0"/>
+              </a:p>
+              <a:p>
+                <a:pPr lvl="1"/>
+                <a:r>
+                  <a:rPr lang="en-DE" dirty="0" smtClean="0"/>
+                  <a:t>Takes the best of two methods</a:t>
                 </a:r>
                 <a:endParaRPr lang="en-US" dirty="0"/>
               </a:p>
@@ -5665,7 +6068,7 @@
             </p:txBody>
           </p:sp>
         </mc:Choice>
-        <mc:Fallback xmlns="">
+        <mc:Fallback>
           <p:sp>
             <p:nvSpPr>
               <p:cNvPr id="3" name="Content Placeholder 2"/>
@@ -5677,7 +6080,7 @@
               </p:nvPr>
             </p:nvSpPr>
             <p:spPr>
-              <a:blipFill rotWithShape="1">
+              <a:blipFill>
                 <a:blip r:embed="rId2"/>
                 <a:stretch>
                   <a:fillRect l="-2194" t="-2385"/>
@@ -5716,7 +6119,7 @@
           <a:p>
             <a:fld id="{FC0CC166-4E39-43B8-AB91-BDD1C4C9E224}" type="slidenum">
               <a:rPr lang="de-DE" smtClean="0"/>
-              <a:t>13</a:t>
+              <a:t>14</a:t>
             </a:fld>
             <a:endParaRPr lang="de-DE"/>
           </a:p>
@@ -5992,7 +6395,7 @@
 </p:sld>
 </file>
 
-<file path=ppt/slides/slide14.xml><?xml version="1.0" encoding="utf-8"?>
+<file path=ppt/slides/slide15.xml><?xml version="1.0" encoding="utf-8"?>
 <p:sld xmlns:a="http://schemas.openxmlformats.org/drawingml/2006/main" xmlns:r="http://schemas.openxmlformats.org/officeDocument/2006/relationships" xmlns:p="http://schemas.openxmlformats.org/presentationml/2006/main">
   <p:cSld>
     <p:spTree>
@@ -6080,29 +6483,6 @@
               <a:t>Pavel Lesnevski</a:t>
             </a:r>
             <a:endParaRPr lang="de-DE" dirty="0"/>
-          </a:p>
-        </p:txBody>
-      </p:sp>
-      <p:sp>
-        <p:nvSpPr>
-          <p:cNvPr id="6" name="Slide Number Placeholder 5"/>
-          <p:cNvSpPr>
-            <a:spLocks noGrp="1"/>
-          </p:cNvSpPr>
-          <p:nvPr>
-            <p:ph type="sldNum" sz="quarter" idx="12"/>
-          </p:nvPr>
-        </p:nvSpPr>
-        <p:spPr/>
-        <p:txBody>
-          <a:bodyPr/>
-          <a:lstStyle/>
-          <a:p>
-            <a:fld id="{FC0CC166-4E39-43B8-AB91-BDD1C4C9E224}" type="slidenum">
-              <a:rPr lang="de-DE" smtClean="0"/>
-              <a:t>14</a:t>
-            </a:fld>
-            <a:endParaRPr lang="de-DE"/>
           </a:p>
         </p:txBody>
       </p:sp>
@@ -6292,11 +6672,7 @@
                 </a:r>
                 <a:r>
                   <a:rPr lang="en-US" dirty="0" smtClean="0"/>
-                  <a:t>  </a:t>
-                </a:r>
-                <a:r>
-                  <a:rPr lang="en-US" dirty="0" smtClean="0"/>
-                  <a:t>are chosen that minimize :</a:t>
+                  <a:t>  are chosen that minimize :</a:t>
                 </a:r>
               </a:p>
               <a:p>
@@ -6406,6 +6782,12 @@
                             </m:ctrlPr>
                           </m:sSubPr>
                           <m:e>
+                            <m:r>
+                              <a:rPr lang="en-DE" b="0" i="1" dirty="0" smtClean="0">
+                                <a:latin typeface="Cambria Math" panose="02040503050406030204" pitchFamily="18" charset="0"/>
+                              </a:rPr>
+                              <m:t>𝑉</m:t>
+                            </m:r>
                             <m:r>
                               <a:rPr lang="en-US" i="1" dirty="0">
                                 <a:latin typeface="Cambria Math"/>
@@ -6618,6 +7000,406 @@
           </a:p>
         </p:txBody>
       </p:sp>
+      <mc:AlternateContent xmlns:mc="http://schemas.openxmlformats.org/markup-compatibility/2006">
+        <mc:Choice xmlns:a14="http://schemas.microsoft.com/office/drawing/2010/main" Requires="a14">
+          <p:sp>
+            <p:nvSpPr>
+              <p:cNvPr id="3" name="TextBox 2"/>
+              <p:cNvSpPr txBox="1"/>
+              <p:nvPr/>
+            </p:nvSpPr>
+            <p:spPr>
+              <a:xfrm>
+                <a:off x="5512928" y="5827825"/>
+                <a:ext cx="3559572" cy="648575"/>
+              </a:xfrm>
+              <a:prstGeom prst="rect">
+                <a:avLst/>
+              </a:prstGeom>
+              <a:noFill/>
+            </p:spPr>
+            <p:txBody>
+              <a:bodyPr wrap="square" rtlCol="0">
+                <a:spAutoFit/>
+              </a:bodyPr>
+              <a:lstStyle/>
+              <a:p>
+                <a14:m>
+                  <m:oMathPara xmlns:m="http://schemas.openxmlformats.org/officeDocument/2006/math">
+                    <m:oMathParaPr>
+                      <m:jc m:val="centerGroup"/>
+                    </m:oMathParaPr>
+                    <m:oMath xmlns:m="http://schemas.openxmlformats.org/officeDocument/2006/math">
+                      <m:sSub>
+                        <m:sSubPr>
+                          <m:ctrlPr>
+                            <a:rPr lang="en-US" i="1" dirty="0" smtClean="0">
+                              <a:latin typeface="Cambria Math" panose="02040503050406030204" pitchFamily="18" charset="0"/>
+                            </a:rPr>
+                          </m:ctrlPr>
+                        </m:sSubPr>
+                        <m:e>
+                          <m:r>
+                            <a:rPr lang="en-DE" b="0" i="1" dirty="0" smtClean="0">
+                              <a:latin typeface="Cambria Math" panose="02040503050406030204" pitchFamily="18" charset="0"/>
+                            </a:rPr>
+                            <m:t>𝑉</m:t>
+                          </m:r>
+                          <m:r>
+                            <a:rPr lang="en-DE" i="1">
+                              <a:latin typeface="Cambria Math" panose="02040503050406030204" pitchFamily="18" charset="0"/>
+                            </a:rPr>
+                            <m:t>𝑀𝑆𝐸</m:t>
+                          </m:r>
+                        </m:e>
+                        <m:sub>
+                          <m:r>
+                            <a:rPr lang="en-DE" b="0" i="1" dirty="0" smtClean="0">
+                              <a:latin typeface="Cambria Math" panose="02040503050406030204" pitchFamily="18" charset="0"/>
+                            </a:rPr>
+                            <m:t>𝑖</m:t>
+                          </m:r>
+                        </m:sub>
+                      </m:sSub>
+                      <m:r>
+                        <a:rPr lang="en-US" i="1" dirty="0">
+                          <a:latin typeface="Cambria Math"/>
+                        </a:rPr>
+                        <m:t>(</m:t>
+                      </m:r>
+                      <m:r>
+                        <m:rPr>
+                          <m:sty m:val="p"/>
+                        </m:rPr>
+                        <a:rPr lang="el-GR" i="1">
+                          <a:latin typeface="Cambria Math" panose="02040503050406030204" pitchFamily="18" charset="0"/>
+                        </a:rPr>
+                        <m:t>λ</m:t>
+                      </m:r>
+                      <m:r>
+                        <a:rPr lang="en-US" i="1" dirty="0">
+                          <a:latin typeface="Cambria Math"/>
+                        </a:rPr>
+                        <m:t>)</m:t>
+                      </m:r>
+                      <m:r>
+                        <a:rPr lang="en-DE" b="0" i="1" dirty="0" smtClean="0">
+                          <a:latin typeface="Cambria Math" panose="02040503050406030204" pitchFamily="18" charset="0"/>
+                        </a:rPr>
+                        <m:t>=</m:t>
+                      </m:r>
+                      <m:f>
+                        <m:fPr>
+                          <m:ctrlPr>
+                            <a:rPr lang="en-DE" b="0" i="1" dirty="0" smtClean="0">
+                              <a:latin typeface="Cambria Math" panose="02040503050406030204" pitchFamily="18" charset="0"/>
+                            </a:rPr>
+                          </m:ctrlPr>
+                        </m:fPr>
+                        <m:num>
+                          <m:r>
+                            <a:rPr lang="en-DE" b="0" i="1" dirty="0" smtClean="0">
+                              <a:latin typeface="Cambria Math" panose="02040503050406030204" pitchFamily="18" charset="0"/>
+                            </a:rPr>
+                            <m:t>1</m:t>
+                          </m:r>
+                        </m:num>
+                        <m:den>
+                          <m:r>
+                            <a:rPr lang="en-DE" b="0" i="1" dirty="0" smtClean="0">
+                              <a:latin typeface="Cambria Math" panose="02040503050406030204" pitchFamily="18" charset="0"/>
+                            </a:rPr>
+                            <m:t>𝑛</m:t>
+                          </m:r>
+                        </m:den>
+                      </m:f>
+                      <m:nary>
+                        <m:naryPr>
+                          <m:chr m:val="∑"/>
+                          <m:limLoc m:val="subSup"/>
+                          <m:supHide m:val="on"/>
+                          <m:ctrlPr>
+                            <a:rPr lang="en-DE" i="1" dirty="0">
+                              <a:latin typeface="Cambria Math" panose="02040503050406030204" pitchFamily="18" charset="0"/>
+                            </a:rPr>
+                          </m:ctrlPr>
+                        </m:naryPr>
+                        <m:sub>
+                          <m:r>
+                            <m:rPr>
+                              <m:brk m:alnAt="9"/>
+                            </m:rPr>
+                            <a:rPr lang="en-DE" b="0" i="1" dirty="0" smtClean="0">
+                              <a:latin typeface="Cambria Math" panose="02040503050406030204" pitchFamily="18" charset="0"/>
+                            </a:rPr>
+                            <m:t>𝑘</m:t>
+                          </m:r>
+                        </m:sub>
+                        <m:sup/>
+                        <m:e>
+                          <m:sSup>
+                            <m:sSupPr>
+                              <m:ctrlPr>
+                                <a:rPr lang="en-DE" i="1" dirty="0">
+                                  <a:latin typeface="Cambria Math" panose="02040503050406030204" pitchFamily="18" charset="0"/>
+                                </a:rPr>
+                              </m:ctrlPr>
+                            </m:sSupPr>
+                            <m:e>
+                              <m:r>
+                                <a:rPr lang="en-DE" i="1" dirty="0">
+                                  <a:latin typeface="Cambria Math" panose="02040503050406030204" pitchFamily="18" charset="0"/>
+                                </a:rPr>
+                                <m:t> (</m:t>
+                              </m:r>
+                              <m:sSub>
+                                <m:sSubPr>
+                                  <m:ctrlPr>
+                                    <a:rPr lang="en-DE" i="1" dirty="0">
+                                      <a:latin typeface="Cambria Math" panose="02040503050406030204" pitchFamily="18" charset="0"/>
+                                    </a:rPr>
+                                  </m:ctrlPr>
+                                </m:sSubPr>
+                                <m:e>
+                                  <m:r>
+                                    <a:rPr lang="en-DE" i="1" dirty="0">
+                                      <a:latin typeface="Cambria Math" panose="02040503050406030204" pitchFamily="18" charset="0"/>
+                                    </a:rPr>
+                                    <m:t>𝑦</m:t>
+                                  </m:r>
+                                </m:e>
+                                <m:sub>
+                                  <m:r>
+                                    <a:rPr lang="en-DE" i="1" dirty="0">
+                                      <a:latin typeface="Cambria Math" panose="02040503050406030204" pitchFamily="18" charset="0"/>
+                                    </a:rPr>
+                                    <m:t>𝑘</m:t>
+                                  </m:r>
+                                </m:sub>
+                              </m:sSub>
+                              <m:r>
+                                <a:rPr lang="en-DE" i="1" dirty="0">
+                                  <a:latin typeface="Cambria Math" panose="02040503050406030204" pitchFamily="18" charset="0"/>
+                                </a:rPr>
+                                <m:t>−</m:t>
+                              </m:r>
+                              <m:sSub>
+                                <m:sSubPr>
+                                  <m:ctrlPr>
+                                    <a:rPr lang="en-DE" i="1" dirty="0" smtClean="0">
+                                      <a:latin typeface="Cambria Math" panose="02040503050406030204" pitchFamily="18" charset="0"/>
+                                    </a:rPr>
+                                  </m:ctrlPr>
+                                </m:sSubPr>
+                                <m:e>
+                                  <m:acc>
+                                    <m:accPr>
+                                      <m:chr m:val="̂"/>
+                                      <m:ctrlPr>
+                                        <a:rPr lang="en-DE" i="1" dirty="0">
+                                          <a:latin typeface="Cambria Math" panose="02040503050406030204" pitchFamily="18" charset="0"/>
+                                        </a:rPr>
+                                      </m:ctrlPr>
+                                    </m:accPr>
+                                    <m:e>
+                                      <m:r>
+                                        <a:rPr lang="en-DE" i="1" dirty="0">
+                                          <a:latin typeface="Cambria Math" panose="02040503050406030204" pitchFamily="18" charset="0"/>
+                                        </a:rPr>
+                                        <m:t>𝑦</m:t>
+                                      </m:r>
+                                    </m:e>
+                                  </m:acc>
+                                </m:e>
+                                <m:sub>
+                                  <m:r>
+                                    <a:rPr lang="en-DE" b="0" i="1" dirty="0" smtClean="0">
+                                      <a:latin typeface="Cambria Math" panose="02040503050406030204" pitchFamily="18" charset="0"/>
+                                    </a:rPr>
+                                    <m:t>𝑘</m:t>
+                                  </m:r>
+                                </m:sub>
+                              </m:sSub>
+                              <m:r>
+                                <a:rPr lang="en-US" i="1" dirty="0">
+                                  <a:latin typeface="Cambria Math"/>
+                                </a:rPr>
+                                <m:t>(</m:t>
+                              </m:r>
+                              <m:r>
+                                <m:rPr>
+                                  <m:sty m:val="p"/>
+                                </m:rPr>
+                                <a:rPr lang="el-GR" i="1">
+                                  <a:latin typeface="Cambria Math" panose="02040503050406030204" pitchFamily="18" charset="0"/>
+                                </a:rPr>
+                                <m:t>λ</m:t>
+                              </m:r>
+                              <m:r>
+                                <a:rPr lang="en-US" i="1" dirty="0">
+                                  <a:latin typeface="Cambria Math"/>
+                                </a:rPr>
+                                <m:t>)</m:t>
+                              </m:r>
+                              <m:r>
+                                <a:rPr lang="en-DE" i="1" dirty="0">
+                                  <a:latin typeface="Cambria Math" panose="02040503050406030204" pitchFamily="18" charset="0"/>
+                                </a:rPr>
+                                <m:t>)</m:t>
+                              </m:r>
+                            </m:e>
+                            <m:sup>
+                              <m:r>
+                                <a:rPr lang="en-DE" i="1" dirty="0">
+                                  <a:latin typeface="Cambria Math" panose="02040503050406030204" pitchFamily="18" charset="0"/>
+                                </a:rPr>
+                                <m:t>2</m:t>
+                              </m:r>
+                            </m:sup>
+                          </m:sSup>
+                        </m:e>
+                      </m:nary>
+                    </m:oMath>
+                  </m:oMathPara>
+                </a14:m>
+                <a:endParaRPr lang="en-US" dirty="0"/>
+              </a:p>
+            </p:txBody>
+          </p:sp>
+        </mc:Choice>
+        <mc:Fallback>
+          <p:sp>
+            <p:nvSpPr>
+              <p:cNvPr id="3" name="TextBox 2"/>
+              <p:cNvSpPr txBox="1">
+                <a:spLocks noRot="1" noChangeAspect="1" noMove="1" noResize="1" noEditPoints="1" noAdjustHandles="1" noChangeArrowheads="1" noChangeShapeType="1" noTextEdit="1"/>
+              </p:cNvSpPr>
+              <p:nvPr/>
+            </p:nvSpPr>
+            <p:spPr>
+              <a:xfrm>
+                <a:off x="5512928" y="5827825"/>
+                <a:ext cx="3559572" cy="648575"/>
+              </a:xfrm>
+              <a:prstGeom prst="rect">
+                <a:avLst/>
+              </a:prstGeom>
+              <a:blipFill>
+                <a:blip r:embed="rId5"/>
+                <a:stretch>
+                  <a:fillRect/>
+                </a:stretch>
+              </a:blipFill>
+            </p:spPr>
+            <p:txBody>
+              <a:bodyPr/>
+              <a:lstStyle/>
+              <a:p>
+                <a:r>
+                  <a:rPr lang="en-US">
+                    <a:noFill/>
+                  </a:rPr>
+                  <a:t> </a:t>
+                </a:r>
+              </a:p>
+            </p:txBody>
+          </p:sp>
+        </mc:Fallback>
+      </mc:AlternateContent>
+      <mc:AlternateContent xmlns:mc="http://schemas.openxmlformats.org/markup-compatibility/2006">
+        <mc:Choice xmlns:a14="http://schemas.microsoft.com/office/drawing/2010/main" Requires="a14">
+          <p:sp>
+            <p:nvSpPr>
+              <p:cNvPr id="12" name="TextBox 11"/>
+              <p:cNvSpPr txBox="1"/>
+              <p:nvPr/>
+            </p:nvSpPr>
+            <p:spPr>
+              <a:xfrm>
+                <a:off x="215516" y="4077072"/>
+                <a:ext cx="1260140" cy="369332"/>
+              </a:xfrm>
+              <a:prstGeom prst="rect">
+                <a:avLst/>
+              </a:prstGeom>
+              <a:noFill/>
+            </p:spPr>
+            <p:txBody>
+              <a:bodyPr wrap="square" rtlCol="0">
+                <a:spAutoFit/>
+              </a:bodyPr>
+              <a:lstStyle/>
+              <a:p>
+                <a:r>
+                  <a:rPr lang="en-DE" dirty="0" smtClean="0"/>
+                  <a:t>For each </a:t>
+                </a:r>
+                <a14:m>
+                  <m:oMath xmlns:m="http://schemas.openxmlformats.org/officeDocument/2006/math">
+                    <m:r>
+                      <m:rPr>
+                        <m:sty m:val="p"/>
+                      </m:rPr>
+                      <a:rPr lang="el-GR" i="1">
+                        <a:latin typeface="Cambria Math" panose="02040503050406030204" pitchFamily="18" charset="0"/>
+                      </a:rPr>
+                      <m:t>λ</m:t>
+                    </m:r>
+                    <m:r>
+                      <a:rPr lang="en-DE" b="0" i="1" smtClean="0">
+                        <a:latin typeface="Cambria Math" panose="02040503050406030204" pitchFamily="18" charset="0"/>
+                      </a:rPr>
+                      <m:t>:</m:t>
+                    </m:r>
+                  </m:oMath>
+                </a14:m>
+                <a:r>
+                  <a:rPr lang="en-DE" dirty="0" smtClean="0"/>
+                  <a:t> </a:t>
+                </a:r>
+              </a:p>
+            </p:txBody>
+          </p:sp>
+        </mc:Choice>
+        <mc:Fallback>
+          <p:sp>
+            <p:nvSpPr>
+              <p:cNvPr id="12" name="TextBox 11"/>
+              <p:cNvSpPr txBox="1">
+                <a:spLocks noRot="1" noChangeAspect="1" noMove="1" noResize="1" noEditPoints="1" noAdjustHandles="1" noChangeArrowheads="1" noChangeShapeType="1" noTextEdit="1"/>
+              </p:cNvSpPr>
+              <p:nvPr/>
+            </p:nvSpPr>
+            <p:spPr>
+              <a:xfrm>
+                <a:off x="215516" y="4077072"/>
+                <a:ext cx="1260140" cy="369332"/>
+              </a:xfrm>
+              <a:prstGeom prst="rect">
+                <a:avLst/>
+              </a:prstGeom>
+              <a:blipFill>
+                <a:blip r:embed="rId6"/>
+                <a:stretch>
+                  <a:fillRect l="-3865" t="-10000" b="-26667"/>
+                </a:stretch>
+              </a:blipFill>
+            </p:spPr>
+            <p:txBody>
+              <a:bodyPr/>
+              <a:lstStyle/>
+              <a:p>
+                <a:r>
+                  <a:rPr lang="en-US">
+                    <a:noFill/>
+                  </a:rPr>
+                  <a:t> </a:t>
+                </a:r>
+              </a:p>
+            </p:txBody>
+          </p:sp>
+        </mc:Fallback>
+      </mc:AlternateContent>
     </p:spTree>
     <p:extLst>
       <p:ext uri="{BB962C8B-B14F-4D97-AF65-F5344CB8AC3E}">
@@ -6638,7 +7420,7 @@
 </p:sld>
 </file>
 
-<file path=ppt/slides/slide15.xml><?xml version="1.0" encoding="utf-8"?>
+<file path=ppt/slides/slide16.xml><?xml version="1.0" encoding="utf-8"?>
 <p:sld xmlns:a="http://schemas.openxmlformats.org/drawingml/2006/main" xmlns:r="http://schemas.openxmlformats.org/officeDocument/2006/relationships" xmlns:p="http://schemas.openxmlformats.org/presentationml/2006/main">
   <p:cSld>
     <p:spTree>
@@ -6741,7 +7523,7 @@
           <a:p>
             <a:fld id="{FC0CC166-4E39-43B8-AB91-BDD1C4C9E224}" type="slidenum">
               <a:rPr lang="de-DE" smtClean="0"/>
-              <a:t>15</a:t>
+              <a:t>16</a:t>
             </a:fld>
             <a:endParaRPr lang="de-DE"/>
           </a:p>
@@ -6795,7 +7577,7 @@
 </p:sld>
 </file>
 
-<file path=ppt/slides/slide16.xml><?xml version="1.0" encoding="utf-8"?>
+<file path=ppt/slides/slide17.xml><?xml version="1.0" encoding="utf-8"?>
 <p:sld xmlns:a="http://schemas.openxmlformats.org/drawingml/2006/main" xmlns:r="http://schemas.openxmlformats.org/officeDocument/2006/relationships" xmlns:p="http://schemas.openxmlformats.org/presentationml/2006/main">
   <p:cSld>
     <p:spTree>
@@ -6829,11 +7611,7 @@
           <a:p>
             <a:r>
               <a:rPr lang="en-US" dirty="0" smtClean="0"/>
-              <a:t>Path for </a:t>
-            </a:r>
-            <a:r>
-              <a:rPr lang="en-US" dirty="0" smtClean="0"/>
-              <a:t>Lass</a:t>
+              <a:t>Path for Lass</a:t>
             </a:r>
             <a:r>
               <a:rPr lang="en-DE" dirty="0" smtClean="0"/>
@@ -6888,7 +7666,7 @@
           <a:p>
             <a:fld id="{FC0CC166-4E39-43B8-AB91-BDD1C4C9E224}" type="slidenum">
               <a:rPr lang="de-DE" smtClean="0"/>
-              <a:t>16</a:t>
+              <a:t>17</a:t>
             </a:fld>
             <a:endParaRPr lang="de-DE"/>
           </a:p>
@@ -6914,7 +7692,7 @@
 </p:sld>
 </file>
 
-<file path=ppt/slides/slide17.xml><?xml version="1.0" encoding="utf-8"?>
+<file path=ppt/slides/slide18.xml><?xml version="1.0" encoding="utf-8"?>
 <p:sld xmlns:a="http://schemas.openxmlformats.org/drawingml/2006/main" xmlns:r="http://schemas.openxmlformats.org/officeDocument/2006/relationships" xmlns:p="http://schemas.openxmlformats.org/presentationml/2006/main">
   <p:cSld>
     <p:spTree>
@@ -6931,8 +7709,8 @@
           <a:chExt cx="0" cy="0"/>
         </a:xfrm>
       </p:grpSpPr>
-      <mc:AlternateContent xmlns:mc="http://schemas.openxmlformats.org/markup-compatibility/2006">
-        <mc:Choice xmlns:a14="http://schemas.microsoft.com/office/drawing/2010/main" Requires="a14">
+      <mc:AlternateContent xmlns:mc="http://schemas.openxmlformats.org/markup-compatibility/2006" xmlns:a14="http://schemas.microsoft.com/office/drawing/2010/main">
+        <mc:Choice Requires="a14">
           <p:sp>
             <p:nvSpPr>
               <p:cNvPr id="2" name="Title 1"/>
@@ -6955,11 +7733,7 @@
               <a:p>
                 <a:r>
                   <a:rPr lang="en-US" dirty="0" smtClean="0"/>
-                  <a:t>Estimated </a:t>
-                </a:r>
-                <a:r>
-                  <a:rPr lang="en-US" dirty="0" smtClean="0"/>
-                  <a:t>Coefficients</a:t>
+                  <a:t>Estimated Coefficients</a:t>
                 </a:r>
                 <a:r>
                   <a:rPr lang="en-DE" dirty="0" smtClean="0"/>
@@ -6983,7 +7757,7 @@
             </p:txBody>
           </p:sp>
         </mc:Choice>
-        <mc:Fallback>
+        <mc:Fallback xmlns="">
           <p:sp>
             <p:nvSpPr>
               <p:cNvPr id="2" name="Title 1"/>
@@ -7038,7 +7812,7 @@
           <a:p>
             <a:fld id="{FC0CC166-4E39-43B8-AB91-BDD1C4C9E224}" type="slidenum">
               <a:rPr lang="de-DE" smtClean="0"/>
-              <a:t>17</a:t>
+              <a:t>18</a:t>
             </a:fld>
             <a:endParaRPr lang="de-DE"/>
           </a:p>
@@ -7092,7 +7866,7 @@
 </p:sld>
 </file>
 
-<file path=ppt/slides/slide18.xml><?xml version="1.0" encoding="utf-8"?>
+<file path=ppt/slides/slide19.xml><?xml version="1.0" encoding="utf-8"?>
 <p:sld xmlns:a="http://schemas.openxmlformats.org/drawingml/2006/main" xmlns:r="http://schemas.openxmlformats.org/officeDocument/2006/relationships" xmlns:p="http://schemas.openxmlformats.org/presentationml/2006/main">
   <p:cSld>
     <p:spTree>
@@ -7195,7 +7969,7 @@
           <a:p>
             <a:fld id="{FC0CC166-4E39-43B8-AB91-BDD1C4C9E224}" type="slidenum">
               <a:rPr lang="de-DE" smtClean="0"/>
-              <a:t>18</a:t>
+              <a:t>19</a:t>
             </a:fld>
             <a:endParaRPr lang="de-DE"/>
           </a:p>
@@ -8797,7 +9571,31 @@
           <a:p>
             <a:r>
               <a:rPr lang="en-DE" sz="2000" dirty="0" smtClean="0"/>
-              <a:t>Constant model (simple historical average ) and a model with Principal Components  as regressors show similar performance  in the train and validation samples</a:t>
+              <a:t>Constant model (simple historical </a:t>
+            </a:r>
+            <a:r>
+              <a:rPr lang="en-DE" sz="2000" dirty="0" smtClean="0"/>
+              <a:t>average) </a:t>
+            </a:r>
+            <a:r>
+              <a:rPr lang="en-DE" sz="2000" dirty="0" smtClean="0"/>
+              <a:t>and a model with </a:t>
+            </a:r>
+            <a:r>
+              <a:rPr lang="en-DE" sz="2000" dirty="0" smtClean="0"/>
+              <a:t>principal </a:t>
+            </a:r>
+            <a:r>
+              <a:rPr lang="en-DE" sz="2000" dirty="0"/>
+              <a:t>c</a:t>
+            </a:r>
+            <a:r>
+              <a:rPr lang="en-DE" sz="2000" dirty="0" smtClean="0"/>
+              <a:t>omponents  </a:t>
+            </a:r>
+            <a:r>
+              <a:rPr lang="en-DE" sz="2000" dirty="0" smtClean="0"/>
+              <a:t>as regressors show similar performance  in the train and validation samples</a:t>
             </a:r>
           </a:p>
           <a:p>
@@ -8849,7 +9647,296 @@
 </p:sld>
 </file>
 
-<file path=ppt/slides/slide19.xml><?xml version="1.0" encoding="utf-8"?>
+<file path=ppt/slides/slide2.xml><?xml version="1.0" encoding="utf-8"?>
+<p:sld xmlns:a="http://schemas.openxmlformats.org/drawingml/2006/main" xmlns:r="http://schemas.openxmlformats.org/officeDocument/2006/relationships" xmlns:p="http://schemas.openxmlformats.org/presentationml/2006/main">
+  <p:cSld>
+    <p:spTree>
+      <p:nvGrpSpPr>
+        <p:cNvPr id="1" name=""/>
+        <p:cNvGrpSpPr/>
+        <p:nvPr/>
+      </p:nvGrpSpPr>
+      <p:grpSpPr>
+        <a:xfrm>
+          <a:off x="0" y="0"/>
+          <a:ext cx="0" cy="0"/>
+          <a:chOff x="0" y="0"/>
+          <a:chExt cx="0" cy="0"/>
+        </a:xfrm>
+      </p:grpSpPr>
+      <p:sp>
+        <p:nvSpPr>
+          <p:cNvPr id="2" name="Title 1"/>
+          <p:cNvSpPr>
+            <a:spLocks noGrp="1"/>
+          </p:cNvSpPr>
+          <p:nvPr>
+            <p:ph type="title"/>
+          </p:nvPr>
+        </p:nvSpPr>
+        <p:spPr>
+          <a:xfrm>
+            <a:off x="684000" y="584684"/>
+            <a:ext cx="6012236" cy="1141200"/>
+          </a:xfrm>
+        </p:spPr>
+        <p:txBody>
+          <a:bodyPr/>
+          <a:lstStyle/>
+          <a:p>
+            <a:r>
+              <a:rPr lang="en-US" dirty="0" smtClean="0"/>
+              <a:t>Explanatory vs Predictive Modeling </a:t>
+            </a:r>
+            <a:endParaRPr lang="en-US" dirty="0"/>
+          </a:p>
+        </p:txBody>
+      </p:sp>
+      <p:sp>
+        <p:nvSpPr>
+          <p:cNvPr id="3" name="Content Placeholder 2"/>
+          <p:cNvSpPr>
+            <a:spLocks noGrp="1"/>
+          </p:cNvSpPr>
+          <p:nvPr>
+            <p:ph idx="1"/>
+          </p:nvPr>
+        </p:nvSpPr>
+        <p:spPr/>
+        <p:txBody>
+          <a:bodyPr/>
+          <a:lstStyle/>
+          <a:p>
+            <a:r>
+              <a:rPr lang="en-US" dirty="0" err="1"/>
+              <a:t>Breiman</a:t>
+            </a:r>
+            <a:r>
+              <a:rPr lang="en-US" dirty="0"/>
+              <a:t>, Leo, 2001, Statistical Modeling: The Two </a:t>
+            </a:r>
+            <a:r>
+              <a:rPr lang="en-US" dirty="0" smtClean="0"/>
+              <a:t>Cultures, </a:t>
+            </a:r>
+            <a:r>
+              <a:rPr lang="en-US" i="1" dirty="0"/>
+              <a:t>Statistical Science</a:t>
+            </a:r>
+            <a:r>
+              <a:rPr lang="en-US" dirty="0"/>
+              <a:t> 16, </a:t>
+            </a:r>
+            <a:r>
+              <a:rPr lang="en-US" dirty="0" smtClean="0"/>
+              <a:t>199–231.</a:t>
+            </a:r>
+          </a:p>
+          <a:p>
+            <a:r>
+              <a:rPr lang="en-US" dirty="0" err="1"/>
+              <a:t>Shmueli</a:t>
+            </a:r>
+            <a:r>
+              <a:rPr lang="en-US" dirty="0"/>
+              <a:t>, </a:t>
+            </a:r>
+            <a:r>
+              <a:rPr lang="en-US" dirty="0" err="1"/>
+              <a:t>Galit</a:t>
+            </a:r>
+            <a:r>
+              <a:rPr lang="en-US" dirty="0"/>
+              <a:t>, 2010, To Explain or to Predict?, </a:t>
+            </a:r>
+            <a:r>
+              <a:rPr lang="en-US" i="1" dirty="0"/>
+              <a:t>Statistical Science</a:t>
+            </a:r>
+            <a:r>
+              <a:rPr lang="en-US" dirty="0"/>
+              <a:t> 25, </a:t>
+            </a:r>
+            <a:r>
+              <a:rPr lang="en-US" dirty="0" smtClean="0"/>
+              <a:t>289–310.</a:t>
+            </a:r>
+          </a:p>
+          <a:p>
+            <a:r>
+              <a:rPr lang="en-US" dirty="0"/>
+              <a:t>Kleinberg, Jon, Jens Ludwig, </a:t>
+            </a:r>
+            <a:r>
+              <a:rPr lang="en-US" dirty="0" err="1"/>
+              <a:t>Sendhil</a:t>
+            </a:r>
+            <a:r>
+              <a:rPr lang="en-US" dirty="0"/>
+              <a:t> Mullainathan, and </a:t>
+            </a:r>
+            <a:r>
+              <a:rPr lang="en-US" dirty="0" err="1"/>
+              <a:t>Ziad</a:t>
+            </a:r>
+            <a:r>
+              <a:rPr lang="en-US" dirty="0"/>
+              <a:t> Obermeyer, 2015, Prediction Policy Problems, </a:t>
+            </a:r>
+            <a:r>
+              <a:rPr lang="en-US" i="1" dirty="0"/>
+              <a:t>American Economic Review</a:t>
+            </a:r>
+            <a:r>
+              <a:rPr lang="en-US" dirty="0"/>
+              <a:t> 105, 491–495</a:t>
+            </a:r>
+            <a:r>
+              <a:rPr lang="en-US" dirty="0" smtClean="0"/>
+              <a:t>.</a:t>
+            </a:r>
+          </a:p>
+          <a:p>
+            <a:r>
+              <a:rPr lang="en-US" dirty="0"/>
+              <a:t>Mullainathan, </a:t>
+            </a:r>
+            <a:r>
+              <a:rPr lang="en-US" dirty="0" err="1"/>
+              <a:t>Sendhil</a:t>
+            </a:r>
+            <a:r>
+              <a:rPr lang="en-US" dirty="0"/>
+              <a:t>, and Jann </a:t>
+            </a:r>
+            <a:r>
+              <a:rPr lang="en-US" dirty="0" err="1"/>
+              <a:t>Spiess</a:t>
+            </a:r>
+            <a:r>
+              <a:rPr lang="en-US" dirty="0"/>
+              <a:t>, 2017, Machine Learning: An Applied Econometric Approach</a:t>
+            </a:r>
+            <a:r>
+              <a:rPr lang="en-US" dirty="0"/>
+              <a:t>, </a:t>
+            </a:r>
+            <a:r>
+              <a:rPr lang="en-US" i="1" dirty="0"/>
+              <a:t>Journal of Economic </a:t>
+            </a:r>
+            <a:r>
+              <a:rPr lang="en-US" i="1" dirty="0" smtClean="0"/>
+              <a:t>Perspectives</a:t>
+            </a:r>
+            <a:r>
+              <a:rPr lang="en-DE" dirty="0" smtClean="0"/>
+              <a:t>, </a:t>
+            </a:r>
+            <a:r>
+              <a:rPr lang="en-US" dirty="0" smtClean="0"/>
+              <a:t>31</a:t>
+            </a:r>
+            <a:r>
+              <a:rPr lang="en-US" dirty="0"/>
+              <a:t>, 87–106.</a:t>
+            </a:r>
+          </a:p>
+          <a:p>
+            <a:endParaRPr lang="en-US" dirty="0" smtClean="0"/>
+          </a:p>
+        </p:txBody>
+      </p:sp>
+      <p:sp>
+        <p:nvSpPr>
+          <p:cNvPr id="4" name="Date Placeholder 3"/>
+          <p:cNvSpPr>
+            <a:spLocks noGrp="1"/>
+          </p:cNvSpPr>
+          <p:nvPr>
+            <p:ph type="dt" sz="half" idx="10"/>
+          </p:nvPr>
+        </p:nvSpPr>
+        <p:spPr/>
+        <p:txBody>
+          <a:bodyPr/>
+          <a:lstStyle/>
+          <a:p>
+            <a:r>
+              <a:rPr lang="de-DE" smtClean="0"/>
+              <a:t>06.12.2018</a:t>
+            </a:r>
+            <a:endParaRPr lang="de-DE" dirty="0"/>
+          </a:p>
+        </p:txBody>
+      </p:sp>
+      <p:sp>
+        <p:nvSpPr>
+          <p:cNvPr id="5" name="Footer Placeholder 4"/>
+          <p:cNvSpPr>
+            <a:spLocks noGrp="1"/>
+          </p:cNvSpPr>
+          <p:nvPr>
+            <p:ph type="ftr" sz="quarter" idx="11"/>
+          </p:nvPr>
+        </p:nvSpPr>
+        <p:spPr/>
+        <p:txBody>
+          <a:bodyPr/>
+          <a:lstStyle/>
+          <a:p>
+            <a:r>
+              <a:rPr lang="de-DE" smtClean="0"/>
+              <a:t>Pavel Lesnevski</a:t>
+            </a:r>
+            <a:endParaRPr lang="de-DE" dirty="0"/>
+          </a:p>
+        </p:txBody>
+      </p:sp>
+      <p:sp>
+        <p:nvSpPr>
+          <p:cNvPr id="6" name="Slide Number Placeholder 5"/>
+          <p:cNvSpPr>
+            <a:spLocks noGrp="1"/>
+          </p:cNvSpPr>
+          <p:nvPr>
+            <p:ph type="sldNum" sz="quarter" idx="12"/>
+          </p:nvPr>
+        </p:nvSpPr>
+        <p:spPr/>
+        <p:txBody>
+          <a:bodyPr/>
+          <a:lstStyle/>
+          <a:p>
+            <a:fld id="{FC0CC166-4E39-43B8-AB91-BDD1C4C9E224}" type="slidenum">
+              <a:rPr lang="de-DE" smtClean="0"/>
+              <a:t>2</a:t>
+            </a:fld>
+            <a:endParaRPr lang="de-DE"/>
+          </a:p>
+        </p:txBody>
+      </p:sp>
+    </p:spTree>
+    <p:extLst>
+      <p:ext uri="{BB962C8B-B14F-4D97-AF65-F5344CB8AC3E}">
+        <p14:creationId xmlns:p14="http://schemas.microsoft.com/office/powerpoint/2010/main" val="3827084771"/>
+      </p:ext>
+    </p:extLst>
+  </p:cSld>
+  <p:clrMapOvr>
+    <a:masterClrMapping/>
+  </p:clrMapOvr>
+  <p:timing>
+    <p:tnLst>
+      <p:par>
+        <p:cTn id="1" dur="indefinite" restart="never" nodeType="tmRoot"/>
+      </p:par>
+    </p:tnLst>
+  </p:timing>
+</p:sld>
+</file>
+
+<file path=ppt/slides/slide20.xml><?xml version="1.0" encoding="utf-8"?>
 <p:sld xmlns:a="http://schemas.openxmlformats.org/drawingml/2006/main" xmlns:r="http://schemas.openxmlformats.org/officeDocument/2006/relationships" xmlns:p="http://schemas.openxmlformats.org/presentationml/2006/main">
   <p:cSld>
     <p:spTree>
@@ -9978,7 +11065,7 @@
           <a:p>
             <a:fld id="{FC0CC166-4E39-43B8-AB91-BDD1C4C9E224}" type="slidenum">
               <a:rPr lang="de-DE" smtClean="0"/>
-              <a:t>19</a:t>
+              <a:t>20</a:t>
             </a:fld>
             <a:endParaRPr lang="de-DE"/>
           </a:p>
@@ -10033,161 +11120,7 @@
 </p:sld>
 </file>
 
-<file path=ppt/slides/slide2.xml><?xml version="1.0" encoding="utf-8"?>
-<p:sld xmlns:a="http://schemas.openxmlformats.org/drawingml/2006/main" xmlns:r="http://schemas.openxmlformats.org/officeDocument/2006/relationships" xmlns:p="http://schemas.openxmlformats.org/presentationml/2006/main">
-  <p:cSld>
-    <p:spTree>
-      <p:nvGrpSpPr>
-        <p:cNvPr id="1" name=""/>
-        <p:cNvGrpSpPr/>
-        <p:nvPr/>
-      </p:nvGrpSpPr>
-      <p:grpSpPr>
-        <a:xfrm>
-          <a:off x="0" y="0"/>
-          <a:ext cx="0" cy="0"/>
-          <a:chOff x="0" y="0"/>
-          <a:chExt cx="0" cy="0"/>
-        </a:xfrm>
-      </p:grpSpPr>
-      <p:sp>
-        <p:nvSpPr>
-          <p:cNvPr id="2" name="Title 1"/>
-          <p:cNvSpPr>
-            <a:spLocks noGrp="1"/>
-          </p:cNvSpPr>
-          <p:nvPr>
-            <p:ph type="title"/>
-          </p:nvPr>
-        </p:nvSpPr>
-        <p:spPr/>
-        <p:txBody>
-          <a:bodyPr/>
-          <a:lstStyle/>
-          <a:p>
-            <a:endParaRPr lang="en-US" dirty="0"/>
-          </a:p>
-        </p:txBody>
-      </p:sp>
-      <p:sp>
-        <p:nvSpPr>
-          <p:cNvPr id="4" name="Date Placeholder 3"/>
-          <p:cNvSpPr>
-            <a:spLocks noGrp="1"/>
-          </p:cNvSpPr>
-          <p:nvPr>
-            <p:ph type="dt" sz="half" idx="10"/>
-          </p:nvPr>
-        </p:nvSpPr>
-        <p:spPr/>
-        <p:txBody>
-          <a:bodyPr/>
-          <a:lstStyle/>
-          <a:p>
-            <a:r>
-              <a:rPr lang="de-DE" smtClean="0"/>
-              <a:t>06.12.2018</a:t>
-            </a:r>
-            <a:endParaRPr lang="de-DE" dirty="0"/>
-          </a:p>
-        </p:txBody>
-      </p:sp>
-      <p:sp>
-        <p:nvSpPr>
-          <p:cNvPr id="5" name="Footer Placeholder 4"/>
-          <p:cNvSpPr>
-            <a:spLocks noGrp="1"/>
-          </p:cNvSpPr>
-          <p:nvPr>
-            <p:ph type="ftr" sz="quarter" idx="11"/>
-          </p:nvPr>
-        </p:nvSpPr>
-        <p:spPr/>
-        <p:txBody>
-          <a:bodyPr/>
-          <a:lstStyle/>
-          <a:p>
-            <a:r>
-              <a:rPr lang="de-DE" dirty="0" smtClean="0"/>
-              <a:t>Pavel Lesnevski</a:t>
-            </a:r>
-            <a:endParaRPr lang="de-DE" dirty="0"/>
-          </a:p>
-        </p:txBody>
-      </p:sp>
-      <p:sp>
-        <p:nvSpPr>
-          <p:cNvPr id="6" name="Slide Number Placeholder 5"/>
-          <p:cNvSpPr>
-            <a:spLocks noGrp="1"/>
-          </p:cNvSpPr>
-          <p:nvPr>
-            <p:ph type="sldNum" sz="quarter" idx="12"/>
-          </p:nvPr>
-        </p:nvSpPr>
-        <p:spPr/>
-        <p:txBody>
-          <a:bodyPr/>
-          <a:lstStyle/>
-          <a:p>
-            <a:fld id="{FC0CC166-4E39-43B8-AB91-BDD1C4C9E224}" type="slidenum">
-              <a:rPr lang="de-DE" smtClean="0"/>
-              <a:t>2</a:t>
-            </a:fld>
-            <a:endParaRPr lang="de-DE"/>
-          </a:p>
-        </p:txBody>
-      </p:sp>
-      <p:pic>
-        <p:nvPicPr>
-          <p:cNvPr id="7" name="Content Placeholder 6"/>
-          <p:cNvPicPr>
-            <a:picLocks noGrp="1" noChangeAspect="1"/>
-          </p:cNvPicPr>
-          <p:nvPr>
-            <p:ph idx="1"/>
-          </p:nvPr>
-        </p:nvPicPr>
-        <p:blipFill>
-          <a:blip r:embed="rId2">
-            <a:extLst>
-              <a:ext uri="{28A0092B-C50C-407E-A947-70E740481C1C}">
-                <a14:useLocalDpi xmlns:a14="http://schemas.microsoft.com/office/drawing/2010/main" val="0"/>
-              </a:ext>
-            </a:extLst>
-          </a:blip>
-          <a:stretch>
-            <a:fillRect/>
-          </a:stretch>
-        </p:blipFill>
-        <p:spPr>
-          <a:xfrm>
-            <a:off x="899592" y="1971680"/>
-            <a:ext cx="7164796" cy="3761518"/>
-          </a:xfrm>
-        </p:spPr>
-      </p:pic>
-    </p:spTree>
-    <p:extLst>
-      <p:ext uri="{BB962C8B-B14F-4D97-AF65-F5344CB8AC3E}">
-        <p14:creationId xmlns:p14="http://schemas.microsoft.com/office/powerpoint/2010/main" val="3571216120"/>
-      </p:ext>
-    </p:extLst>
-  </p:cSld>
-  <p:clrMapOvr>
-    <a:masterClrMapping/>
-  </p:clrMapOvr>
-  <p:timing>
-    <p:tnLst>
-      <p:par>
-        <p:cTn id="1" dur="indefinite" restart="never" nodeType="tmRoot"/>
-      </p:par>
-    </p:tnLst>
-  </p:timing>
-</p:sld>
-</file>
-
-<file path=ppt/slides/slide20.xml><?xml version="1.0" encoding="utf-8"?>
+<file path=ppt/slides/slide21.xml><?xml version="1.0" encoding="utf-8"?>
 <p:sld xmlns:a="http://schemas.openxmlformats.org/drawingml/2006/main" xmlns:r="http://schemas.openxmlformats.org/officeDocument/2006/relationships" xmlns:p="http://schemas.openxmlformats.org/presentationml/2006/main">
   <p:cSld>
     <p:spTree>
@@ -10295,1037 +11228,12 @@
           <a:p>
             <a:fld id="{FC0CC166-4E39-43B8-AB91-BDD1C4C9E224}" type="slidenum">
               <a:rPr lang="de-DE" smtClean="0"/>
-              <a:t>20</a:t>
+              <a:t>21</a:t>
             </a:fld>
             <a:endParaRPr lang="de-DE"/>
           </a:p>
         </p:txBody>
       </p:sp>
-      <p:graphicFrame>
-        <p:nvGraphicFramePr>
-          <p:cNvPr id="9" name="Content Placeholder 6"/>
-          <p:cNvGraphicFramePr>
-            <a:graphicFrameLocks/>
-          </p:cNvGraphicFramePr>
-          <p:nvPr>
-            <p:extLst>
-              <p:ext uri="{D42A27DB-BD31-4B8C-83A1-F6EECF244321}">
-                <p14:modId xmlns:p14="http://schemas.microsoft.com/office/powerpoint/2010/main" val="1332578333"/>
-              </p:ext>
-            </p:extLst>
-          </p:nvPr>
-        </p:nvGraphicFramePr>
-        <p:xfrm>
-          <a:off x="699360" y="1088740"/>
-          <a:ext cx="7776434" cy="876300"/>
-        </p:xfrm>
-        <a:graphic>
-          <a:graphicData uri="http://schemas.openxmlformats.org/drawingml/2006/table">
-            <a:tbl>
-              <a:tblPr/>
-              <a:tblGrid>
-                <a:gridCol w="2001854">
-                  <a:extLst>
-                    <a:ext uri="{9D8B030D-6E8A-4147-A177-3AD203B41FA5}">
-                      <a16:colId xmlns:a16="http://schemas.microsoft.com/office/drawing/2014/main" val="3514439321"/>
-                    </a:ext>
-                  </a:extLst>
-                </a:gridCol>
-                <a:gridCol w="962430">
-                  <a:extLst>
-                    <a:ext uri="{9D8B030D-6E8A-4147-A177-3AD203B41FA5}">
-                      <a16:colId xmlns:a16="http://schemas.microsoft.com/office/drawing/2014/main" val="146923457"/>
-                    </a:ext>
-                  </a:extLst>
-                </a:gridCol>
-                <a:gridCol w="962430">
-                  <a:extLst>
-                    <a:ext uri="{9D8B030D-6E8A-4147-A177-3AD203B41FA5}">
-                      <a16:colId xmlns:a16="http://schemas.microsoft.com/office/drawing/2014/main" val="474674774"/>
-                    </a:ext>
-                  </a:extLst>
-                </a:gridCol>
-                <a:gridCol w="962430">
-                  <a:extLst>
-                    <a:ext uri="{9D8B030D-6E8A-4147-A177-3AD203B41FA5}">
-                      <a16:colId xmlns:a16="http://schemas.microsoft.com/office/drawing/2014/main" val="1630497799"/>
-                    </a:ext>
-                  </a:extLst>
-                </a:gridCol>
-                <a:gridCol w="962430">
-                  <a:extLst>
-                    <a:ext uri="{9D8B030D-6E8A-4147-A177-3AD203B41FA5}">
-                      <a16:colId xmlns:a16="http://schemas.microsoft.com/office/drawing/2014/main" val="11798766"/>
-                    </a:ext>
-                  </a:extLst>
-                </a:gridCol>
-                <a:gridCol w="962430">
-                  <a:extLst>
-                    <a:ext uri="{9D8B030D-6E8A-4147-A177-3AD203B41FA5}">
-                      <a16:colId xmlns:a16="http://schemas.microsoft.com/office/drawing/2014/main" val="2026449190"/>
-                    </a:ext>
-                  </a:extLst>
-                </a:gridCol>
-                <a:gridCol w="962430">
-                  <a:extLst>
-                    <a:ext uri="{9D8B030D-6E8A-4147-A177-3AD203B41FA5}">
-                      <a16:colId xmlns:a16="http://schemas.microsoft.com/office/drawing/2014/main" val="3167480087"/>
-                    </a:ext>
-                  </a:extLst>
-                </a:gridCol>
-              </a:tblGrid>
-              <a:tr h="200025">
-                <a:tc>
-                  <a:txBody>
-                    <a:bodyPr/>
-                    <a:lstStyle/>
-                    <a:p>
-                      <a:pPr algn="l" fontAlgn="b"/>
-                      <a:r>
-                        <a:rPr lang="en-DE" sz="1100" b="0" i="0" u="none" strike="noStrike" dirty="0">
-                          <a:solidFill>
-                            <a:srgbClr val="000000"/>
-                          </a:solidFill>
-                          <a:effectLst/>
-                          <a:latin typeface="Calibri" panose="020F0502020204030204" pitchFamily="34" charset="0"/>
-                        </a:rPr>
-                        <a:t> </a:t>
-                      </a:r>
-                    </a:p>
-                  </a:txBody>
-                  <a:tcPr marL="9525" marR="9525" marT="9525" marB="0" anchor="b">
-                    <a:lnL>
-                      <a:noFill/>
-                    </a:lnL>
-                    <a:lnR>
-                      <a:noFill/>
-                    </a:lnR>
-                    <a:lnT>
-                      <a:noFill/>
-                    </a:lnT>
-                    <a:lnB w="12700" cap="flat" cmpd="sng" algn="ctr">
-                      <a:solidFill>
-                        <a:srgbClr val="000000"/>
-                      </a:solidFill>
-                      <a:prstDash val="solid"/>
-                      <a:round/>
-                      <a:headEnd type="none" w="med" len="med"/>
-                      <a:tailEnd type="none" w="med" len="med"/>
-                    </a:lnB>
-                  </a:tcPr>
-                </a:tc>
-                <a:tc>
-                  <a:txBody>
-                    <a:bodyPr/>
-                    <a:lstStyle/>
-                    <a:p>
-                      <a:pPr algn="l" fontAlgn="b"/>
-                      <a:r>
-                        <a:rPr lang="en-DE" sz="1100" b="0" i="0" u="none" strike="noStrike">
-                          <a:solidFill>
-                            <a:srgbClr val="000000"/>
-                          </a:solidFill>
-                          <a:effectLst/>
-                          <a:latin typeface="Calibri" panose="020F0502020204030204" pitchFamily="34" charset="0"/>
-                        </a:rPr>
-                        <a:t> </a:t>
-                      </a:r>
-                    </a:p>
-                  </a:txBody>
-                  <a:tcPr marL="9525" marR="9525" marT="9525" marB="0" anchor="b">
-                    <a:lnL>
-                      <a:noFill/>
-                    </a:lnL>
-                    <a:lnR>
-                      <a:noFill/>
-                    </a:lnR>
-                    <a:lnT>
-                      <a:noFill/>
-                    </a:lnT>
-                    <a:lnB w="12700" cap="flat" cmpd="sng" algn="ctr">
-                      <a:solidFill>
-                        <a:srgbClr val="000000"/>
-                      </a:solidFill>
-                      <a:prstDash val="solid"/>
-                      <a:round/>
-                      <a:headEnd type="none" w="med" len="med"/>
-                      <a:tailEnd type="none" w="med" len="med"/>
-                    </a:lnB>
-                  </a:tcPr>
-                </a:tc>
-                <a:tc>
-                  <a:txBody>
-                    <a:bodyPr/>
-                    <a:lstStyle/>
-                    <a:p>
-                      <a:pPr algn="l" fontAlgn="b"/>
-                      <a:r>
-                        <a:rPr lang="en-DE" sz="1100" b="0" i="0" u="none" strike="noStrike" dirty="0">
-                          <a:solidFill>
-                            <a:srgbClr val="000000"/>
-                          </a:solidFill>
-                          <a:effectLst/>
-                          <a:latin typeface="Calibri" panose="020F0502020204030204" pitchFamily="34" charset="0"/>
-                        </a:rPr>
-                        <a:t> </a:t>
-                      </a:r>
-                    </a:p>
-                  </a:txBody>
-                  <a:tcPr marL="9525" marR="9525" marT="9525" marB="0" anchor="b">
-                    <a:lnL>
-                      <a:noFill/>
-                    </a:lnL>
-                    <a:lnR>
-                      <a:noFill/>
-                    </a:lnR>
-                    <a:lnT>
-                      <a:noFill/>
-                    </a:lnT>
-                    <a:lnB w="12700" cap="flat" cmpd="sng" algn="ctr">
-                      <a:solidFill>
-                        <a:srgbClr val="000000"/>
-                      </a:solidFill>
-                      <a:prstDash val="solid"/>
-                      <a:round/>
-                      <a:headEnd type="none" w="med" len="med"/>
-                      <a:tailEnd type="none" w="med" len="med"/>
-                    </a:lnB>
-                  </a:tcPr>
-                </a:tc>
-                <a:tc>
-                  <a:txBody>
-                    <a:bodyPr/>
-                    <a:lstStyle/>
-                    <a:p>
-                      <a:pPr algn="l" fontAlgn="b"/>
-                      <a:r>
-                        <a:rPr lang="en-DE" sz="1100" b="0" i="0" u="none" strike="noStrike">
-                          <a:solidFill>
-                            <a:srgbClr val="000000"/>
-                          </a:solidFill>
-                          <a:effectLst/>
-                          <a:latin typeface="Calibri" panose="020F0502020204030204" pitchFamily="34" charset="0"/>
-                        </a:rPr>
-                        <a:t> </a:t>
-                      </a:r>
-                    </a:p>
-                  </a:txBody>
-                  <a:tcPr marL="9525" marR="9525" marT="9525" marB="0" anchor="b">
-                    <a:lnL>
-                      <a:noFill/>
-                    </a:lnL>
-                    <a:lnR>
-                      <a:noFill/>
-                    </a:lnR>
-                    <a:lnT>
-                      <a:noFill/>
-                    </a:lnT>
-                    <a:lnB w="12700" cap="flat" cmpd="sng" algn="ctr">
-                      <a:solidFill>
-                        <a:srgbClr val="000000"/>
-                      </a:solidFill>
-                      <a:prstDash val="solid"/>
-                      <a:round/>
-                      <a:headEnd type="none" w="med" len="med"/>
-                      <a:tailEnd type="none" w="med" len="med"/>
-                    </a:lnB>
-                  </a:tcPr>
-                </a:tc>
-                <a:tc>
-                  <a:txBody>
-                    <a:bodyPr/>
-                    <a:lstStyle/>
-                    <a:p>
-                      <a:pPr algn="l" fontAlgn="b"/>
-                      <a:r>
-                        <a:rPr lang="en-DE" sz="1100" b="0" i="0" u="none" strike="noStrike">
-                          <a:solidFill>
-                            <a:srgbClr val="000000"/>
-                          </a:solidFill>
-                          <a:effectLst/>
-                          <a:latin typeface="Calibri" panose="020F0502020204030204" pitchFamily="34" charset="0"/>
-                        </a:rPr>
-                        <a:t> </a:t>
-                      </a:r>
-                    </a:p>
-                  </a:txBody>
-                  <a:tcPr marL="9525" marR="9525" marT="9525" marB="0" anchor="b">
-                    <a:lnL>
-                      <a:noFill/>
-                    </a:lnL>
-                    <a:lnR>
-                      <a:noFill/>
-                    </a:lnR>
-                    <a:lnT>
-                      <a:noFill/>
-                    </a:lnT>
-                    <a:lnB w="12700" cap="flat" cmpd="sng" algn="ctr">
-                      <a:solidFill>
-                        <a:srgbClr val="000000"/>
-                      </a:solidFill>
-                      <a:prstDash val="solid"/>
-                      <a:round/>
-                      <a:headEnd type="none" w="med" len="med"/>
-                      <a:tailEnd type="none" w="med" len="med"/>
-                    </a:lnB>
-                  </a:tcPr>
-                </a:tc>
-                <a:tc>
-                  <a:txBody>
-                    <a:bodyPr/>
-                    <a:lstStyle/>
-                    <a:p>
-                      <a:pPr algn="l" fontAlgn="b"/>
-                      <a:r>
-                        <a:rPr lang="en-DE" sz="1100" b="0" i="0" u="none" strike="noStrike">
-                          <a:solidFill>
-                            <a:srgbClr val="000000"/>
-                          </a:solidFill>
-                          <a:effectLst/>
-                          <a:latin typeface="Calibri" panose="020F0502020204030204" pitchFamily="34" charset="0"/>
-                        </a:rPr>
-                        <a:t> </a:t>
-                      </a:r>
-                    </a:p>
-                  </a:txBody>
-                  <a:tcPr marL="9525" marR="9525" marT="9525" marB="0" anchor="b">
-                    <a:lnL>
-                      <a:noFill/>
-                    </a:lnL>
-                    <a:lnR>
-                      <a:noFill/>
-                    </a:lnR>
-                    <a:lnT>
-                      <a:noFill/>
-                    </a:lnT>
-                    <a:lnB w="12700" cap="flat" cmpd="sng" algn="ctr">
-                      <a:solidFill>
-                        <a:srgbClr val="000000"/>
-                      </a:solidFill>
-                      <a:prstDash val="solid"/>
-                      <a:round/>
-                      <a:headEnd type="none" w="med" len="med"/>
-                      <a:tailEnd type="none" w="med" len="med"/>
-                    </a:lnB>
-                  </a:tcPr>
-                </a:tc>
-                <a:tc>
-                  <a:txBody>
-                    <a:bodyPr/>
-                    <a:lstStyle/>
-                    <a:p>
-                      <a:pPr algn="l" fontAlgn="b"/>
-                      <a:r>
-                        <a:rPr lang="en-DE" sz="1100" b="0" i="0" u="none" strike="noStrike">
-                          <a:solidFill>
-                            <a:srgbClr val="000000"/>
-                          </a:solidFill>
-                          <a:effectLst/>
-                          <a:latin typeface="Calibri" panose="020F0502020204030204" pitchFamily="34" charset="0"/>
-                        </a:rPr>
-                        <a:t> </a:t>
-                      </a:r>
-                    </a:p>
-                  </a:txBody>
-                  <a:tcPr marL="9525" marR="9525" marT="9525" marB="0" anchor="b">
-                    <a:lnL>
-                      <a:noFill/>
-                    </a:lnL>
-                    <a:lnR>
-                      <a:noFill/>
-                    </a:lnR>
-                    <a:lnT>
-                      <a:noFill/>
-                    </a:lnT>
-                    <a:lnB w="12700" cap="flat" cmpd="sng" algn="ctr">
-                      <a:solidFill>
-                        <a:srgbClr val="000000"/>
-                      </a:solidFill>
-                      <a:prstDash val="solid"/>
-                      <a:round/>
-                      <a:headEnd type="none" w="med" len="med"/>
-                      <a:tailEnd type="none" w="med" len="med"/>
-                    </a:lnB>
-                  </a:tcPr>
-                </a:tc>
-                <a:extLst>
-                  <a:ext uri="{0D108BD9-81ED-4DB2-BD59-A6C34878D82A}">
-                    <a16:rowId xmlns:a16="http://schemas.microsoft.com/office/drawing/2014/main" val="3637229970"/>
-                  </a:ext>
-                </a:extLst>
-              </a:tr>
-              <a:tr h="333375">
-                <a:tc>
-                  <a:txBody>
-                    <a:bodyPr/>
-                    <a:lstStyle/>
-                    <a:p>
-                      <a:pPr algn="l" fontAlgn="b"/>
-                      <a:r>
-                        <a:rPr lang="en-US" sz="2000" b="0" i="0" u="none" strike="noStrike">
-                          <a:solidFill>
-                            <a:srgbClr val="000000"/>
-                          </a:solidFill>
-                          <a:effectLst/>
-                          <a:latin typeface="Calibri" panose="020F0502020204030204" pitchFamily="34" charset="0"/>
-                        </a:rPr>
-                        <a:t>Model</a:t>
-                      </a:r>
-                    </a:p>
-                  </a:txBody>
-                  <a:tcPr marL="9525" marR="9525" marT="9525" marB="0" anchor="b">
-                    <a:lnL>
-                      <a:noFill/>
-                    </a:lnL>
-                    <a:lnR w="6350" cap="flat" cmpd="sng" algn="ctr">
-                      <a:solidFill>
-                        <a:srgbClr val="000000"/>
-                      </a:solidFill>
-                      <a:prstDash val="solid"/>
-                      <a:round/>
-                      <a:headEnd type="none" w="med" len="med"/>
-                      <a:tailEnd type="none" w="med" len="med"/>
-                    </a:lnR>
-                    <a:lnT w="12700" cap="flat" cmpd="sng" algn="ctr">
-                      <a:solidFill>
-                        <a:srgbClr val="000000"/>
-                      </a:solidFill>
-                      <a:prstDash val="solid"/>
-                      <a:round/>
-                      <a:headEnd type="none" w="med" len="med"/>
-                      <a:tailEnd type="none" w="med" len="med"/>
-                    </a:lnT>
-                    <a:lnB w="6350" cap="flat" cmpd="sng" algn="ctr">
-                      <a:solidFill>
-                        <a:srgbClr val="000000"/>
-                      </a:solidFill>
-                      <a:prstDash val="solid"/>
-                      <a:round/>
-                      <a:headEnd type="none" w="med" len="med"/>
-                      <a:tailEnd type="none" w="med" len="med"/>
-                    </a:lnB>
-                  </a:tcPr>
-                </a:tc>
-                <a:tc>
-                  <a:txBody>
-                    <a:bodyPr/>
-                    <a:lstStyle/>
-                    <a:p>
-                      <a:pPr algn="ctr" fontAlgn="ctr"/>
-                      <a:r>
-                        <a:rPr lang="en-US" sz="2000" b="0" i="0" u="none" strike="noStrike">
-                          <a:solidFill>
-                            <a:srgbClr val="000000"/>
-                          </a:solidFill>
-                          <a:effectLst/>
-                          <a:latin typeface="Calibri" panose="020F0502020204030204" pitchFamily="34" charset="0"/>
-                        </a:rPr>
-                        <a:t>Const</a:t>
-                      </a:r>
-                    </a:p>
-                  </a:txBody>
-                  <a:tcPr marL="9525" marR="9525" marT="9525" marB="0" anchor="ctr">
-                    <a:lnL w="6350" cap="flat" cmpd="sng" algn="ctr">
-                      <a:solidFill>
-                        <a:srgbClr val="000000"/>
-                      </a:solidFill>
-                      <a:prstDash val="solid"/>
-                      <a:round/>
-                      <a:headEnd type="none" w="med" len="med"/>
-                      <a:tailEnd type="none" w="med" len="med"/>
-                    </a:lnL>
-                    <a:lnR>
-                      <a:noFill/>
-                    </a:lnR>
-                    <a:lnT w="12700" cap="flat" cmpd="sng" algn="ctr">
-                      <a:solidFill>
-                        <a:srgbClr val="000000"/>
-                      </a:solidFill>
-                      <a:prstDash val="solid"/>
-                      <a:round/>
-                      <a:headEnd type="none" w="med" len="med"/>
-                      <a:tailEnd type="none" w="med" len="med"/>
-                    </a:lnT>
-                    <a:lnB w="6350" cap="flat" cmpd="sng" algn="ctr">
-                      <a:solidFill>
-                        <a:srgbClr val="000000"/>
-                      </a:solidFill>
-                      <a:prstDash val="solid"/>
-                      <a:round/>
-                      <a:headEnd type="none" w="med" len="med"/>
-                      <a:tailEnd type="none" w="med" len="med"/>
-                    </a:lnB>
-                  </a:tcPr>
-                </a:tc>
-                <a:tc>
-                  <a:txBody>
-                    <a:bodyPr/>
-                    <a:lstStyle/>
-                    <a:p>
-                      <a:pPr algn="ctr" fontAlgn="ctr"/>
-                      <a:r>
-                        <a:rPr lang="en-US" sz="2000" b="0" i="0" u="none" strike="noStrike" dirty="0">
-                          <a:solidFill>
-                            <a:srgbClr val="000000"/>
-                          </a:solidFill>
-                          <a:effectLst/>
-                          <a:latin typeface="Calibri" panose="020F0502020204030204" pitchFamily="34" charset="0"/>
-                        </a:rPr>
-                        <a:t>PCA</a:t>
-                      </a:r>
-                    </a:p>
-                  </a:txBody>
-                  <a:tcPr marL="9525" marR="9525" marT="9525" marB="0" anchor="ctr">
-                    <a:lnL>
-                      <a:noFill/>
-                    </a:lnL>
-                    <a:lnR>
-                      <a:noFill/>
-                    </a:lnR>
-                    <a:lnT w="12700" cap="flat" cmpd="sng" algn="ctr">
-                      <a:solidFill>
-                        <a:srgbClr val="000000"/>
-                      </a:solidFill>
-                      <a:prstDash val="solid"/>
-                      <a:round/>
-                      <a:headEnd type="none" w="med" len="med"/>
-                      <a:tailEnd type="none" w="med" len="med"/>
-                    </a:lnT>
-                    <a:lnB w="6350" cap="flat" cmpd="sng" algn="ctr">
-                      <a:solidFill>
-                        <a:srgbClr val="000000"/>
-                      </a:solidFill>
-                      <a:prstDash val="solid"/>
-                      <a:round/>
-                      <a:headEnd type="none" w="med" len="med"/>
-                      <a:tailEnd type="none" w="med" len="med"/>
-                    </a:lnB>
-                  </a:tcPr>
-                </a:tc>
-                <a:tc>
-                  <a:txBody>
-                    <a:bodyPr/>
-                    <a:lstStyle/>
-                    <a:p>
-                      <a:pPr algn="ctr" fontAlgn="ctr"/>
-                      <a:r>
-                        <a:rPr lang="en-US" sz="2000" b="0" i="0" u="none" strike="noStrike">
-                          <a:solidFill>
-                            <a:srgbClr val="000000"/>
-                          </a:solidFill>
-                          <a:effectLst/>
-                          <a:latin typeface="Calibri" panose="020F0502020204030204" pitchFamily="34" charset="0"/>
-                        </a:rPr>
-                        <a:t>OLS</a:t>
-                      </a:r>
-                    </a:p>
-                  </a:txBody>
-                  <a:tcPr marL="9525" marR="9525" marT="9525" marB="0" anchor="ctr">
-                    <a:lnL>
-                      <a:noFill/>
-                    </a:lnL>
-                    <a:lnR>
-                      <a:noFill/>
-                    </a:lnR>
-                    <a:lnT w="12700" cap="flat" cmpd="sng" algn="ctr">
-                      <a:solidFill>
-                        <a:srgbClr val="000000"/>
-                      </a:solidFill>
-                      <a:prstDash val="solid"/>
-                      <a:round/>
-                      <a:headEnd type="none" w="med" len="med"/>
-                      <a:tailEnd type="none" w="med" len="med"/>
-                    </a:lnT>
-                    <a:lnB w="6350" cap="flat" cmpd="sng" algn="ctr">
-                      <a:solidFill>
-                        <a:srgbClr val="000000"/>
-                      </a:solidFill>
-                      <a:prstDash val="solid"/>
-                      <a:round/>
-                      <a:headEnd type="none" w="med" len="med"/>
-                      <a:tailEnd type="none" w="med" len="med"/>
-                    </a:lnB>
-                  </a:tcPr>
-                </a:tc>
-                <a:tc>
-                  <a:txBody>
-                    <a:bodyPr/>
-                    <a:lstStyle/>
-                    <a:p>
-                      <a:pPr algn="ctr" fontAlgn="ctr"/>
-                      <a:r>
-                        <a:rPr lang="en-US" sz="2000" b="0" i="0" u="none" strike="noStrike">
-                          <a:solidFill>
-                            <a:srgbClr val="000000"/>
-                          </a:solidFill>
-                          <a:effectLst/>
-                          <a:latin typeface="Calibri" panose="020F0502020204030204" pitchFamily="34" charset="0"/>
-                        </a:rPr>
-                        <a:t>Ridge</a:t>
-                      </a:r>
-                    </a:p>
-                  </a:txBody>
-                  <a:tcPr marL="9525" marR="9525" marT="9525" marB="0" anchor="ctr">
-                    <a:lnL>
-                      <a:noFill/>
-                    </a:lnL>
-                    <a:lnR>
-                      <a:noFill/>
-                    </a:lnR>
-                    <a:lnT w="12700" cap="flat" cmpd="sng" algn="ctr">
-                      <a:solidFill>
-                        <a:srgbClr val="000000"/>
-                      </a:solidFill>
-                      <a:prstDash val="solid"/>
-                      <a:round/>
-                      <a:headEnd type="none" w="med" len="med"/>
-                      <a:tailEnd type="none" w="med" len="med"/>
-                    </a:lnT>
-                    <a:lnB w="6350" cap="flat" cmpd="sng" algn="ctr">
-                      <a:solidFill>
-                        <a:srgbClr val="000000"/>
-                      </a:solidFill>
-                      <a:prstDash val="solid"/>
-                      <a:round/>
-                      <a:headEnd type="none" w="med" len="med"/>
-                      <a:tailEnd type="none" w="med" len="med"/>
-                    </a:lnB>
-                  </a:tcPr>
-                </a:tc>
-                <a:tc>
-                  <a:txBody>
-                    <a:bodyPr/>
-                    <a:lstStyle/>
-                    <a:p>
-                      <a:pPr algn="ctr" fontAlgn="ctr"/>
-                      <a:r>
-                        <a:rPr lang="en-US" sz="2000" b="0" i="0" u="none" strike="noStrike">
-                          <a:solidFill>
-                            <a:srgbClr val="000000"/>
-                          </a:solidFill>
-                          <a:effectLst/>
-                          <a:latin typeface="Calibri" panose="020F0502020204030204" pitchFamily="34" charset="0"/>
-                        </a:rPr>
-                        <a:t>Lasso</a:t>
-                      </a:r>
-                    </a:p>
-                  </a:txBody>
-                  <a:tcPr marL="9525" marR="9525" marT="9525" marB="0" anchor="ctr">
-                    <a:lnL>
-                      <a:noFill/>
-                    </a:lnL>
-                    <a:lnR>
-                      <a:noFill/>
-                    </a:lnR>
-                    <a:lnT w="12700" cap="flat" cmpd="sng" algn="ctr">
-                      <a:solidFill>
-                        <a:srgbClr val="000000"/>
-                      </a:solidFill>
-                      <a:prstDash val="solid"/>
-                      <a:round/>
-                      <a:headEnd type="none" w="med" len="med"/>
-                      <a:tailEnd type="none" w="med" len="med"/>
-                    </a:lnT>
-                    <a:lnB w="6350" cap="flat" cmpd="sng" algn="ctr">
-                      <a:solidFill>
-                        <a:srgbClr val="000000"/>
-                      </a:solidFill>
-                      <a:prstDash val="solid"/>
-                      <a:round/>
-                      <a:headEnd type="none" w="med" len="med"/>
-                      <a:tailEnd type="none" w="med" len="med"/>
-                    </a:lnB>
-                  </a:tcPr>
-                </a:tc>
-                <a:tc>
-                  <a:txBody>
-                    <a:bodyPr/>
-                    <a:lstStyle/>
-                    <a:p>
-                      <a:pPr algn="ctr" fontAlgn="ctr"/>
-                      <a:r>
-                        <a:rPr lang="en-US" sz="2000" b="0" i="0" u="none" strike="noStrike">
-                          <a:solidFill>
-                            <a:srgbClr val="000000"/>
-                          </a:solidFill>
-                          <a:effectLst/>
-                          <a:latin typeface="Calibri" panose="020F0502020204030204" pitchFamily="34" charset="0"/>
-                        </a:rPr>
-                        <a:t>Enet</a:t>
-                      </a:r>
-                    </a:p>
-                  </a:txBody>
-                  <a:tcPr marL="9525" marR="9525" marT="9525" marB="0" anchor="ctr">
-                    <a:lnL>
-                      <a:noFill/>
-                    </a:lnL>
-                    <a:lnR>
-                      <a:noFill/>
-                    </a:lnR>
-                    <a:lnT w="12700" cap="flat" cmpd="sng" algn="ctr">
-                      <a:solidFill>
-                        <a:srgbClr val="000000"/>
-                      </a:solidFill>
-                      <a:prstDash val="solid"/>
-                      <a:round/>
-                      <a:headEnd type="none" w="med" len="med"/>
-                      <a:tailEnd type="none" w="med" len="med"/>
-                    </a:lnT>
-                    <a:lnB w="6350" cap="flat" cmpd="sng" algn="ctr">
-                      <a:solidFill>
-                        <a:srgbClr val="000000"/>
-                      </a:solidFill>
-                      <a:prstDash val="solid"/>
-                      <a:round/>
-                      <a:headEnd type="none" w="med" len="med"/>
-                      <a:tailEnd type="none" w="med" len="med"/>
-                    </a:lnB>
-                  </a:tcPr>
-                </a:tc>
-                <a:extLst>
-                  <a:ext uri="{0D108BD9-81ED-4DB2-BD59-A6C34878D82A}">
-                    <a16:rowId xmlns:a16="http://schemas.microsoft.com/office/drawing/2014/main" val="2716465177"/>
-                  </a:ext>
-                </a:extLst>
-              </a:tr>
-              <a:tr h="342900">
-                <a:tc>
-                  <a:txBody>
-                    <a:bodyPr/>
-                    <a:lstStyle/>
-                    <a:p>
-                      <a:pPr algn="l" fontAlgn="b"/>
-                      <a:r>
-                        <a:rPr lang="en-US" sz="2000" b="0" i="0" u="none" strike="noStrike">
-                          <a:solidFill>
-                            <a:srgbClr val="000000"/>
-                          </a:solidFill>
-                          <a:effectLst/>
-                          <a:latin typeface="Calibri" panose="020F0502020204030204" pitchFamily="34" charset="0"/>
-                        </a:rPr>
-                        <a:t>PMSE</a:t>
-                      </a:r>
-                    </a:p>
-                  </a:txBody>
-                  <a:tcPr marL="9525" marR="9525" marT="9525" marB="0" anchor="b">
-                    <a:lnL>
-                      <a:noFill/>
-                    </a:lnL>
-                    <a:lnR w="6350" cap="flat" cmpd="sng" algn="ctr">
-                      <a:solidFill>
-                        <a:srgbClr val="000000"/>
-                      </a:solidFill>
-                      <a:prstDash val="solid"/>
-                      <a:round/>
-                      <a:headEnd type="none" w="med" len="med"/>
-                      <a:tailEnd type="none" w="med" len="med"/>
-                    </a:lnR>
-                    <a:lnT w="6350" cap="flat" cmpd="sng" algn="ctr">
-                      <a:solidFill>
-                        <a:srgbClr val="000000"/>
-                      </a:solidFill>
-                      <a:prstDash val="solid"/>
-                      <a:round/>
-                      <a:headEnd type="none" w="med" len="med"/>
-                      <a:tailEnd type="none" w="med" len="med"/>
-                    </a:lnT>
-                    <a:lnB w="12700" cap="flat" cmpd="sng" algn="ctr">
-                      <a:solidFill>
-                        <a:srgbClr val="000000"/>
-                      </a:solidFill>
-                      <a:prstDash val="solid"/>
-                      <a:round/>
-                      <a:headEnd type="none" w="med" len="med"/>
-                      <a:tailEnd type="none" w="med" len="med"/>
-                    </a:lnB>
-                  </a:tcPr>
-                </a:tc>
-                <a:tc>
-                  <a:txBody>
-                    <a:bodyPr/>
-                    <a:lstStyle/>
-                    <a:p>
-                      <a:pPr algn="ctr" fontAlgn="ctr"/>
-                      <a:r>
-                        <a:rPr lang="en-DE" sz="2000" b="0" i="0" u="none" strike="noStrike">
-                          <a:solidFill>
-                            <a:srgbClr val="000000"/>
-                          </a:solidFill>
-                          <a:effectLst/>
-                          <a:latin typeface="Calibri" panose="020F0502020204030204" pitchFamily="34" charset="0"/>
-                        </a:rPr>
-                        <a:t>44.540</a:t>
-                      </a:r>
-                    </a:p>
-                  </a:txBody>
-                  <a:tcPr marL="9525" marR="9525" marT="9525" marB="0" anchor="ctr">
-                    <a:lnL w="6350" cap="flat" cmpd="sng" algn="ctr">
-                      <a:solidFill>
-                        <a:srgbClr val="000000"/>
-                      </a:solidFill>
-                      <a:prstDash val="solid"/>
-                      <a:round/>
-                      <a:headEnd type="none" w="med" len="med"/>
-                      <a:tailEnd type="none" w="med" len="med"/>
-                    </a:lnL>
-                    <a:lnR>
-                      <a:noFill/>
-                    </a:lnR>
-                    <a:lnT w="6350" cap="flat" cmpd="sng" algn="ctr">
-                      <a:solidFill>
-                        <a:srgbClr val="000000"/>
-                      </a:solidFill>
-                      <a:prstDash val="solid"/>
-                      <a:round/>
-                      <a:headEnd type="none" w="med" len="med"/>
-                      <a:tailEnd type="none" w="med" len="med"/>
-                    </a:lnT>
-                    <a:lnB w="12700" cap="flat" cmpd="sng" algn="ctr">
-                      <a:solidFill>
-                        <a:srgbClr val="000000"/>
-                      </a:solidFill>
-                      <a:prstDash val="solid"/>
-                      <a:round/>
-                      <a:headEnd type="none" w="med" len="med"/>
-                      <a:tailEnd type="none" w="med" len="med"/>
-                    </a:lnB>
-                  </a:tcPr>
-                </a:tc>
-                <a:tc>
-                  <a:txBody>
-                    <a:bodyPr/>
-                    <a:lstStyle/>
-                    <a:p>
-                      <a:pPr algn="ctr" fontAlgn="ctr"/>
-                      <a:r>
-                        <a:rPr lang="en-DE" sz="2000" b="0" i="0" u="none" strike="noStrike">
-                          <a:solidFill>
-                            <a:srgbClr val="000000"/>
-                          </a:solidFill>
-                          <a:effectLst/>
-                          <a:latin typeface="Calibri" panose="020F0502020204030204" pitchFamily="34" charset="0"/>
-                        </a:rPr>
-                        <a:t>42.191</a:t>
-                      </a:r>
-                    </a:p>
-                  </a:txBody>
-                  <a:tcPr marL="9525" marR="9525" marT="9525" marB="0" anchor="ctr">
-                    <a:lnL>
-                      <a:noFill/>
-                    </a:lnL>
-                    <a:lnR>
-                      <a:noFill/>
-                    </a:lnR>
-                    <a:lnT w="6350" cap="flat" cmpd="sng" algn="ctr">
-                      <a:solidFill>
-                        <a:srgbClr val="000000"/>
-                      </a:solidFill>
-                      <a:prstDash val="solid"/>
-                      <a:round/>
-                      <a:headEnd type="none" w="med" len="med"/>
-                      <a:tailEnd type="none" w="med" len="med"/>
-                    </a:lnT>
-                    <a:lnB w="12700" cap="flat" cmpd="sng" algn="ctr">
-                      <a:solidFill>
-                        <a:srgbClr val="000000"/>
-                      </a:solidFill>
-                      <a:prstDash val="solid"/>
-                      <a:round/>
-                      <a:headEnd type="none" w="med" len="med"/>
-                      <a:tailEnd type="none" w="med" len="med"/>
-                    </a:lnB>
-                  </a:tcPr>
-                </a:tc>
-                <a:tc>
-                  <a:txBody>
-                    <a:bodyPr/>
-                    <a:lstStyle/>
-                    <a:p>
-                      <a:pPr algn="ctr" fontAlgn="ctr"/>
-                      <a:r>
-                        <a:rPr lang="en-DE" sz="2000" b="0" i="0" u="none" strike="noStrike">
-                          <a:solidFill>
-                            <a:srgbClr val="000000"/>
-                          </a:solidFill>
-                          <a:effectLst/>
-                          <a:latin typeface="Calibri" panose="020F0502020204030204" pitchFamily="34" charset="0"/>
-                        </a:rPr>
-                        <a:t>57.024</a:t>
-                      </a:r>
-                    </a:p>
-                  </a:txBody>
-                  <a:tcPr marL="9525" marR="9525" marT="9525" marB="0" anchor="ctr">
-                    <a:lnL>
-                      <a:noFill/>
-                    </a:lnL>
-                    <a:lnR>
-                      <a:noFill/>
-                    </a:lnR>
-                    <a:lnT w="6350" cap="flat" cmpd="sng" algn="ctr">
-                      <a:solidFill>
-                        <a:srgbClr val="000000"/>
-                      </a:solidFill>
-                      <a:prstDash val="solid"/>
-                      <a:round/>
-                      <a:headEnd type="none" w="med" len="med"/>
-                      <a:tailEnd type="none" w="med" len="med"/>
-                    </a:lnT>
-                    <a:lnB w="12700" cap="flat" cmpd="sng" algn="ctr">
-                      <a:solidFill>
-                        <a:srgbClr val="000000"/>
-                      </a:solidFill>
-                      <a:prstDash val="solid"/>
-                      <a:round/>
-                      <a:headEnd type="none" w="med" len="med"/>
-                      <a:tailEnd type="none" w="med" len="med"/>
-                    </a:lnB>
-                  </a:tcPr>
-                </a:tc>
-                <a:tc>
-                  <a:txBody>
-                    <a:bodyPr/>
-                    <a:lstStyle/>
-                    <a:p>
-                      <a:pPr algn="ctr" fontAlgn="ctr"/>
-                      <a:r>
-                        <a:rPr lang="en-DE" sz="2000" b="0" i="0" u="none" strike="noStrike">
-                          <a:solidFill>
-                            <a:srgbClr val="000000"/>
-                          </a:solidFill>
-                          <a:effectLst/>
-                          <a:latin typeface="Calibri" panose="020F0502020204030204" pitchFamily="34" charset="0"/>
-                        </a:rPr>
-                        <a:t>43.017</a:t>
-                      </a:r>
-                    </a:p>
-                  </a:txBody>
-                  <a:tcPr marL="9525" marR="9525" marT="9525" marB="0" anchor="ctr">
-                    <a:lnL>
-                      <a:noFill/>
-                    </a:lnL>
-                    <a:lnR>
-                      <a:noFill/>
-                    </a:lnR>
-                    <a:lnT w="6350" cap="flat" cmpd="sng" algn="ctr">
-                      <a:solidFill>
-                        <a:srgbClr val="000000"/>
-                      </a:solidFill>
-                      <a:prstDash val="solid"/>
-                      <a:round/>
-                      <a:headEnd type="none" w="med" len="med"/>
-                      <a:tailEnd type="none" w="med" len="med"/>
-                    </a:lnT>
-                    <a:lnB w="12700" cap="flat" cmpd="sng" algn="ctr">
-                      <a:solidFill>
-                        <a:srgbClr val="000000"/>
-                      </a:solidFill>
-                      <a:prstDash val="solid"/>
-                      <a:round/>
-                      <a:headEnd type="none" w="med" len="med"/>
-                      <a:tailEnd type="none" w="med" len="med"/>
-                    </a:lnB>
-                  </a:tcPr>
-                </a:tc>
-                <a:tc>
-                  <a:txBody>
-                    <a:bodyPr/>
-                    <a:lstStyle/>
-                    <a:p>
-                      <a:pPr algn="ctr" fontAlgn="ctr"/>
-                      <a:r>
-                        <a:rPr lang="en-DE" sz="2000" b="0" i="0" u="none" strike="noStrike">
-                          <a:solidFill>
-                            <a:srgbClr val="000000"/>
-                          </a:solidFill>
-                          <a:effectLst/>
-                          <a:latin typeface="Calibri" panose="020F0502020204030204" pitchFamily="34" charset="0"/>
-                        </a:rPr>
-                        <a:t>41.794</a:t>
-                      </a:r>
-                    </a:p>
-                  </a:txBody>
-                  <a:tcPr marL="9525" marR="9525" marT="9525" marB="0" anchor="ctr">
-                    <a:lnL>
-                      <a:noFill/>
-                    </a:lnL>
-                    <a:lnR>
-                      <a:noFill/>
-                    </a:lnR>
-                    <a:lnT w="6350" cap="flat" cmpd="sng" algn="ctr">
-                      <a:solidFill>
-                        <a:srgbClr val="000000"/>
-                      </a:solidFill>
-                      <a:prstDash val="solid"/>
-                      <a:round/>
-                      <a:headEnd type="none" w="med" len="med"/>
-                      <a:tailEnd type="none" w="med" len="med"/>
-                    </a:lnT>
-                    <a:lnB w="12700" cap="flat" cmpd="sng" algn="ctr">
-                      <a:solidFill>
-                        <a:srgbClr val="000000"/>
-                      </a:solidFill>
-                      <a:prstDash val="solid"/>
-                      <a:round/>
-                      <a:headEnd type="none" w="med" len="med"/>
-                      <a:tailEnd type="none" w="med" len="med"/>
-                    </a:lnB>
-                  </a:tcPr>
-                </a:tc>
-                <a:tc>
-                  <a:txBody>
-                    <a:bodyPr/>
-                    <a:lstStyle/>
-                    <a:p>
-                      <a:pPr algn="ctr" fontAlgn="ctr"/>
-                      <a:r>
-                        <a:rPr lang="en-DE" sz="2000" b="0" i="0" u="none" strike="noStrike" dirty="0">
-                          <a:solidFill>
-                            <a:srgbClr val="000000"/>
-                          </a:solidFill>
-                          <a:effectLst/>
-                          <a:latin typeface="Calibri" panose="020F0502020204030204" pitchFamily="34" charset="0"/>
-                        </a:rPr>
-                        <a:t>41.918</a:t>
-                      </a:r>
-                    </a:p>
-                  </a:txBody>
-                  <a:tcPr marL="9525" marR="9525" marT="9525" marB="0" anchor="ctr">
-                    <a:lnL>
-                      <a:noFill/>
-                    </a:lnL>
-                    <a:lnR>
-                      <a:noFill/>
-                    </a:lnR>
-                    <a:lnT w="6350" cap="flat" cmpd="sng" algn="ctr">
-                      <a:solidFill>
-                        <a:srgbClr val="000000"/>
-                      </a:solidFill>
-                      <a:prstDash val="solid"/>
-                      <a:round/>
-                      <a:headEnd type="none" w="med" len="med"/>
-                      <a:tailEnd type="none" w="med" len="med"/>
-                    </a:lnT>
-                    <a:lnB w="12700" cap="flat" cmpd="sng" algn="ctr">
-                      <a:solidFill>
-                        <a:srgbClr val="000000"/>
-                      </a:solidFill>
-                      <a:prstDash val="solid"/>
-                      <a:round/>
-                      <a:headEnd type="none" w="med" len="med"/>
-                      <a:tailEnd type="none" w="med" len="med"/>
-                    </a:lnB>
-                  </a:tcPr>
-                </a:tc>
-                <a:extLst>
-                  <a:ext uri="{0D108BD9-81ED-4DB2-BD59-A6C34878D82A}">
-                    <a16:rowId xmlns:a16="http://schemas.microsoft.com/office/drawing/2014/main" val="1543885453"/>
-                  </a:ext>
-                </a:extLst>
-              </a:tr>
-            </a:tbl>
-          </a:graphicData>
-        </a:graphic>
-      </p:graphicFrame>
       <p:graphicFrame>
         <p:nvGraphicFramePr>
           <p:cNvPr id="15" name="Table 14"/>
@@ -11335,7 +11243,7 @@
           <p:nvPr>
             <p:extLst>
               <p:ext uri="{D42A27DB-BD31-4B8C-83A1-F6EECF244321}">
-                <p14:modId xmlns:p14="http://schemas.microsoft.com/office/powerpoint/2010/main" val="2105525311"/>
+                <p14:modId xmlns:p14="http://schemas.microsoft.com/office/powerpoint/2010/main" val="3321867075"/>
               </p:ext>
             </p:extLst>
           </p:nvPr>
@@ -11694,7 +11602,17 @@
                           <a:effectLst/>
                           <a:latin typeface="Calibri" panose="020F0502020204030204" pitchFamily="34" charset="0"/>
                         </a:rPr>
-                        <a:t>With Interaction </a:t>
+                        <a:t>With </a:t>
+                      </a:r>
+                      <a:r>
+                        <a:rPr lang="en-US" sz="2000" b="0" i="0" u="none" strike="noStrike" dirty="0" smtClean="0">
+                          <a:solidFill>
+                            <a:srgbClr val="000000"/>
+                          </a:solidFill>
+                          <a:effectLst/>
+                          <a:latin typeface="Calibri" panose="020F0502020204030204" pitchFamily="34" charset="0"/>
+                        </a:rPr>
+                        <a:t>Interaction </a:t>
                       </a:r>
                       <a:r>
                         <a:rPr lang="en-US" sz="2000" b="0" i="0" u="none" strike="noStrike" dirty="0" smtClean="0">
@@ -11973,7 +11891,7 @@
                     <a:p>
                       <a:pPr algn="ctr" fontAlgn="ctr"/>
                       <a:r>
-                        <a:rPr lang="en-US" sz="2000" b="0" i="0" u="none" strike="noStrike">
+                        <a:rPr lang="en-US" sz="2000" b="0" i="0" u="none" strike="noStrike" dirty="0">
                           <a:solidFill>
                             <a:srgbClr val="000000"/>
                           </a:solidFill>
@@ -12018,7 +11936,7 @@
                     <a:p>
                       <a:pPr algn="ctr" fontAlgn="ctr"/>
                       <a:r>
-                        <a:rPr lang="en-US" sz="2000" b="0" i="0" u="none" strike="noStrike">
+                        <a:rPr lang="en-US" sz="2000" b="0" i="0" u="none" strike="noStrike" dirty="0">
                           <a:solidFill>
                             <a:srgbClr val="000000"/>
                           </a:solidFill>
@@ -12499,7 +12417,7 @@
           <p:nvPr>
             <p:extLst>
               <p:ext uri="{D42A27DB-BD31-4B8C-83A1-F6EECF244321}">
-                <p14:modId xmlns:p14="http://schemas.microsoft.com/office/powerpoint/2010/main" val="2855443134"/>
+                <p14:modId xmlns:p14="http://schemas.microsoft.com/office/powerpoint/2010/main" val="981475186"/>
               </p:ext>
             </p:extLst>
           </p:nvPr>
@@ -12851,14 +12769,74 @@
                     <a:p>
                       <a:pPr algn="ctr" fontAlgn="ctr"/>
                       <a:r>
-                        <a:rPr lang="en-US" sz="2000" b="0" i="0" u="none" strike="noStrike">
+                        <a:rPr lang="en-US" sz="2000" b="0" i="0" u="none" strike="noStrike" dirty="0">
                           <a:solidFill>
                             <a:srgbClr val="000000"/>
                           </a:solidFill>
                           <a:effectLst/>
                           <a:latin typeface="Calibri" panose="020F0502020204030204" pitchFamily="34" charset="0"/>
                         </a:rPr>
-                        <a:t>With Interaction and Square Terms (p = 527)</a:t>
+                        <a:t>With </a:t>
+                      </a:r>
+                      <a:r>
+                        <a:rPr lang="en-US" sz="2000" b="0" i="0" u="none" strike="noStrike" dirty="0" smtClean="0">
+                          <a:solidFill>
+                            <a:srgbClr val="000000"/>
+                          </a:solidFill>
+                          <a:effectLst/>
+                          <a:latin typeface="Calibri" panose="020F0502020204030204" pitchFamily="34" charset="0"/>
+                        </a:rPr>
+                        <a:t>Interaction </a:t>
+                      </a:r>
+                      <a:r>
+                        <a:rPr lang="en-US" sz="2000" b="0" i="0" u="none" strike="noStrike" dirty="0">
+                          <a:solidFill>
+                            <a:srgbClr val="000000"/>
+                          </a:solidFill>
+                          <a:effectLst/>
+                          <a:latin typeface="Calibri" panose="020F0502020204030204" pitchFamily="34" charset="0"/>
+                        </a:rPr>
+                        <a:t>and </a:t>
+                      </a:r>
+                      <a:r>
+                        <a:rPr lang="en-US" sz="2000" b="0" i="0" u="none" strike="noStrike" dirty="0" smtClean="0">
+                          <a:solidFill>
+                            <a:srgbClr val="000000"/>
+                          </a:solidFill>
+                          <a:effectLst/>
+                          <a:latin typeface="Calibri" panose="020F0502020204030204" pitchFamily="34" charset="0"/>
+                        </a:rPr>
+                        <a:t>Square</a:t>
+                      </a:r>
+                      <a:r>
+                        <a:rPr lang="en-DE" sz="2000" b="0" i="0" u="none" strike="noStrike" dirty="0" smtClean="0">
+                          <a:solidFill>
+                            <a:srgbClr val="000000"/>
+                          </a:solidFill>
+                          <a:effectLst/>
+                          <a:latin typeface="Calibri" panose="020F0502020204030204" pitchFamily="34" charset="0"/>
+                        </a:rPr>
+                        <a:t>d</a:t>
+                      </a:r>
+                      <a:r>
+                        <a:rPr lang="en-US" sz="2000" b="0" i="0" u="none" strike="noStrike" dirty="0" smtClean="0">
+                          <a:solidFill>
+                            <a:srgbClr val="000000"/>
+                          </a:solidFill>
+                          <a:effectLst/>
+                          <a:latin typeface="Calibri" panose="020F0502020204030204" pitchFamily="34" charset="0"/>
+                        </a:rPr>
+                        <a:t> </a:t>
+                      </a:r>
+                      <a:r>
+                        <a:rPr lang="en-US" sz="2000" b="0" i="0" u="none" strike="noStrike" dirty="0">
+                          <a:solidFill>
+                            <a:srgbClr val="000000"/>
+                          </a:solidFill>
+                          <a:effectLst/>
+                          <a:latin typeface="Calibri" panose="020F0502020204030204" pitchFamily="34" charset="0"/>
+                        </a:rPr>
+                        <a:t>Terms (p = 527)</a:t>
                       </a:r>
                     </a:p>
                   </a:txBody>
@@ -13655,284 +13633,1147 @@
           </a:p>
         </p:txBody>
       </p:sp>
+      <p:graphicFrame>
+        <p:nvGraphicFramePr>
+          <p:cNvPr id="7" name="Table 6"/>
+          <p:cNvGraphicFramePr>
+            <a:graphicFrameLocks noGrp="1"/>
+          </p:cNvGraphicFramePr>
+          <p:nvPr>
+            <p:extLst>
+              <p:ext uri="{D42A27DB-BD31-4B8C-83A1-F6EECF244321}">
+                <p14:modId xmlns:p14="http://schemas.microsoft.com/office/powerpoint/2010/main" val="2287595573"/>
+              </p:ext>
+            </p:extLst>
+          </p:nvPr>
+        </p:nvGraphicFramePr>
+        <p:xfrm>
+          <a:off x="668098" y="887100"/>
+          <a:ext cx="7696200" cy="1209675"/>
+        </p:xfrm>
+        <a:graphic>
+          <a:graphicData uri="http://schemas.openxmlformats.org/drawingml/2006/table">
+            <a:tbl>
+              <a:tblPr/>
+              <a:tblGrid>
+                <a:gridCol w="1981200">
+                  <a:extLst>
+                    <a:ext uri="{9D8B030D-6E8A-4147-A177-3AD203B41FA5}">
+                      <a16:colId xmlns:a16="http://schemas.microsoft.com/office/drawing/2014/main" val="413736978"/>
+                    </a:ext>
+                  </a:extLst>
+                </a:gridCol>
+                <a:gridCol w="952500">
+                  <a:extLst>
+                    <a:ext uri="{9D8B030D-6E8A-4147-A177-3AD203B41FA5}">
+                      <a16:colId xmlns:a16="http://schemas.microsoft.com/office/drawing/2014/main" val="619639812"/>
+                    </a:ext>
+                  </a:extLst>
+                </a:gridCol>
+                <a:gridCol w="952500">
+                  <a:extLst>
+                    <a:ext uri="{9D8B030D-6E8A-4147-A177-3AD203B41FA5}">
+                      <a16:colId xmlns:a16="http://schemas.microsoft.com/office/drawing/2014/main" val="3165051444"/>
+                    </a:ext>
+                  </a:extLst>
+                </a:gridCol>
+                <a:gridCol w="952500">
+                  <a:extLst>
+                    <a:ext uri="{9D8B030D-6E8A-4147-A177-3AD203B41FA5}">
+                      <a16:colId xmlns:a16="http://schemas.microsoft.com/office/drawing/2014/main" val="1164396218"/>
+                    </a:ext>
+                  </a:extLst>
+                </a:gridCol>
+                <a:gridCol w="952500">
+                  <a:extLst>
+                    <a:ext uri="{9D8B030D-6E8A-4147-A177-3AD203B41FA5}">
+                      <a16:colId xmlns:a16="http://schemas.microsoft.com/office/drawing/2014/main" val="608970699"/>
+                    </a:ext>
+                  </a:extLst>
+                </a:gridCol>
+                <a:gridCol w="952500">
+                  <a:extLst>
+                    <a:ext uri="{9D8B030D-6E8A-4147-A177-3AD203B41FA5}">
+                      <a16:colId xmlns:a16="http://schemas.microsoft.com/office/drawing/2014/main" val="323798001"/>
+                    </a:ext>
+                  </a:extLst>
+                </a:gridCol>
+                <a:gridCol w="952500">
+                  <a:extLst>
+                    <a:ext uri="{9D8B030D-6E8A-4147-A177-3AD203B41FA5}">
+                      <a16:colId xmlns:a16="http://schemas.microsoft.com/office/drawing/2014/main" val="3119335357"/>
+                    </a:ext>
+                  </a:extLst>
+                </a:gridCol>
+              </a:tblGrid>
+              <a:tr h="200025">
+                <a:tc>
+                  <a:txBody>
+                    <a:bodyPr/>
+                    <a:lstStyle/>
+                    <a:p>
+                      <a:pPr algn="l" fontAlgn="b"/>
+                      <a:r>
+                        <a:rPr lang="en-DE" sz="1100" b="0" i="0" u="none" strike="noStrike">
+                          <a:solidFill>
+                            <a:srgbClr val="000000"/>
+                          </a:solidFill>
+                          <a:effectLst/>
+                          <a:latin typeface="Calibri" panose="020F0502020204030204" pitchFamily="34" charset="0"/>
+                        </a:rPr>
+                        <a:t> </a:t>
+                      </a:r>
+                    </a:p>
+                  </a:txBody>
+                  <a:tcPr marL="9525" marR="9525" marT="9525" marB="0" anchor="b">
+                    <a:lnL>
+                      <a:noFill/>
+                    </a:lnL>
+                    <a:lnR>
+                      <a:noFill/>
+                    </a:lnR>
+                    <a:lnT>
+                      <a:noFill/>
+                    </a:lnT>
+                    <a:lnB w="12700" cap="flat" cmpd="sng" algn="ctr">
+                      <a:solidFill>
+                        <a:srgbClr val="000000"/>
+                      </a:solidFill>
+                      <a:prstDash val="solid"/>
+                      <a:round/>
+                      <a:headEnd type="none" w="med" len="med"/>
+                      <a:tailEnd type="none" w="med" len="med"/>
+                    </a:lnB>
+                  </a:tcPr>
+                </a:tc>
+                <a:tc>
+                  <a:txBody>
+                    <a:bodyPr/>
+                    <a:lstStyle/>
+                    <a:p>
+                      <a:pPr algn="l" fontAlgn="b"/>
+                      <a:r>
+                        <a:rPr lang="en-DE" sz="1100" b="0" i="0" u="none" strike="noStrike">
+                          <a:solidFill>
+                            <a:srgbClr val="000000"/>
+                          </a:solidFill>
+                          <a:effectLst/>
+                          <a:latin typeface="Calibri" panose="020F0502020204030204" pitchFamily="34" charset="0"/>
+                        </a:rPr>
+                        <a:t> </a:t>
+                      </a:r>
+                    </a:p>
+                  </a:txBody>
+                  <a:tcPr marL="9525" marR="9525" marT="9525" marB="0" anchor="b">
+                    <a:lnL>
+                      <a:noFill/>
+                    </a:lnL>
+                    <a:lnR>
+                      <a:noFill/>
+                    </a:lnR>
+                    <a:lnT>
+                      <a:noFill/>
+                    </a:lnT>
+                    <a:lnB w="12700" cap="flat" cmpd="sng" algn="ctr">
+                      <a:solidFill>
+                        <a:srgbClr val="000000"/>
+                      </a:solidFill>
+                      <a:prstDash val="solid"/>
+                      <a:round/>
+                      <a:headEnd type="none" w="med" len="med"/>
+                      <a:tailEnd type="none" w="med" len="med"/>
+                    </a:lnB>
+                  </a:tcPr>
+                </a:tc>
+                <a:tc>
+                  <a:txBody>
+                    <a:bodyPr/>
+                    <a:lstStyle/>
+                    <a:p>
+                      <a:pPr algn="l" fontAlgn="b"/>
+                      <a:r>
+                        <a:rPr lang="en-DE" sz="1100" b="0" i="0" u="none" strike="noStrike">
+                          <a:solidFill>
+                            <a:srgbClr val="000000"/>
+                          </a:solidFill>
+                          <a:effectLst/>
+                          <a:latin typeface="Calibri" panose="020F0502020204030204" pitchFamily="34" charset="0"/>
+                        </a:rPr>
+                        <a:t> </a:t>
+                      </a:r>
+                    </a:p>
+                  </a:txBody>
+                  <a:tcPr marL="9525" marR="9525" marT="9525" marB="0" anchor="b">
+                    <a:lnL>
+                      <a:noFill/>
+                    </a:lnL>
+                    <a:lnR>
+                      <a:noFill/>
+                    </a:lnR>
+                    <a:lnT>
+                      <a:noFill/>
+                    </a:lnT>
+                    <a:lnB w="12700" cap="flat" cmpd="sng" algn="ctr">
+                      <a:solidFill>
+                        <a:srgbClr val="000000"/>
+                      </a:solidFill>
+                      <a:prstDash val="solid"/>
+                      <a:round/>
+                      <a:headEnd type="none" w="med" len="med"/>
+                      <a:tailEnd type="none" w="med" len="med"/>
+                    </a:lnB>
+                  </a:tcPr>
+                </a:tc>
+                <a:tc>
+                  <a:txBody>
+                    <a:bodyPr/>
+                    <a:lstStyle/>
+                    <a:p>
+                      <a:pPr algn="l" fontAlgn="b"/>
+                      <a:r>
+                        <a:rPr lang="en-DE" sz="1100" b="0" i="0" u="none" strike="noStrike">
+                          <a:solidFill>
+                            <a:srgbClr val="000000"/>
+                          </a:solidFill>
+                          <a:effectLst/>
+                          <a:latin typeface="Calibri" panose="020F0502020204030204" pitchFamily="34" charset="0"/>
+                        </a:rPr>
+                        <a:t> </a:t>
+                      </a:r>
+                    </a:p>
+                  </a:txBody>
+                  <a:tcPr marL="9525" marR="9525" marT="9525" marB="0" anchor="b">
+                    <a:lnL>
+                      <a:noFill/>
+                    </a:lnL>
+                    <a:lnR>
+                      <a:noFill/>
+                    </a:lnR>
+                    <a:lnT>
+                      <a:noFill/>
+                    </a:lnT>
+                    <a:lnB w="12700" cap="flat" cmpd="sng" algn="ctr">
+                      <a:solidFill>
+                        <a:srgbClr val="000000"/>
+                      </a:solidFill>
+                      <a:prstDash val="solid"/>
+                      <a:round/>
+                      <a:headEnd type="none" w="med" len="med"/>
+                      <a:tailEnd type="none" w="med" len="med"/>
+                    </a:lnB>
+                  </a:tcPr>
+                </a:tc>
+                <a:tc>
+                  <a:txBody>
+                    <a:bodyPr/>
+                    <a:lstStyle/>
+                    <a:p>
+                      <a:pPr algn="l" fontAlgn="b"/>
+                      <a:r>
+                        <a:rPr lang="en-DE" sz="1100" b="0" i="0" u="none" strike="noStrike">
+                          <a:solidFill>
+                            <a:srgbClr val="000000"/>
+                          </a:solidFill>
+                          <a:effectLst/>
+                          <a:latin typeface="Calibri" panose="020F0502020204030204" pitchFamily="34" charset="0"/>
+                        </a:rPr>
+                        <a:t> </a:t>
+                      </a:r>
+                    </a:p>
+                  </a:txBody>
+                  <a:tcPr marL="9525" marR="9525" marT="9525" marB="0" anchor="b">
+                    <a:lnL>
+                      <a:noFill/>
+                    </a:lnL>
+                    <a:lnR>
+                      <a:noFill/>
+                    </a:lnR>
+                    <a:lnT>
+                      <a:noFill/>
+                    </a:lnT>
+                    <a:lnB w="12700" cap="flat" cmpd="sng" algn="ctr">
+                      <a:solidFill>
+                        <a:srgbClr val="000000"/>
+                      </a:solidFill>
+                      <a:prstDash val="solid"/>
+                      <a:round/>
+                      <a:headEnd type="none" w="med" len="med"/>
+                      <a:tailEnd type="none" w="med" len="med"/>
+                    </a:lnB>
+                  </a:tcPr>
+                </a:tc>
+                <a:tc>
+                  <a:txBody>
+                    <a:bodyPr/>
+                    <a:lstStyle/>
+                    <a:p>
+                      <a:pPr algn="l" fontAlgn="b"/>
+                      <a:r>
+                        <a:rPr lang="en-DE" sz="1100" b="0" i="0" u="none" strike="noStrike">
+                          <a:solidFill>
+                            <a:srgbClr val="000000"/>
+                          </a:solidFill>
+                          <a:effectLst/>
+                          <a:latin typeface="Calibri" panose="020F0502020204030204" pitchFamily="34" charset="0"/>
+                        </a:rPr>
+                        <a:t> </a:t>
+                      </a:r>
+                    </a:p>
+                  </a:txBody>
+                  <a:tcPr marL="9525" marR="9525" marT="9525" marB="0" anchor="b">
+                    <a:lnL>
+                      <a:noFill/>
+                    </a:lnL>
+                    <a:lnR>
+                      <a:noFill/>
+                    </a:lnR>
+                    <a:lnT>
+                      <a:noFill/>
+                    </a:lnT>
+                    <a:lnB w="12700" cap="flat" cmpd="sng" algn="ctr">
+                      <a:solidFill>
+                        <a:srgbClr val="000000"/>
+                      </a:solidFill>
+                      <a:prstDash val="solid"/>
+                      <a:round/>
+                      <a:headEnd type="none" w="med" len="med"/>
+                      <a:tailEnd type="none" w="med" len="med"/>
+                    </a:lnB>
+                  </a:tcPr>
+                </a:tc>
+                <a:tc>
+                  <a:txBody>
+                    <a:bodyPr/>
+                    <a:lstStyle/>
+                    <a:p>
+                      <a:pPr algn="l" fontAlgn="b"/>
+                      <a:r>
+                        <a:rPr lang="en-DE" sz="1100" b="0" i="0" u="none" strike="noStrike">
+                          <a:solidFill>
+                            <a:srgbClr val="000000"/>
+                          </a:solidFill>
+                          <a:effectLst/>
+                          <a:latin typeface="Calibri" panose="020F0502020204030204" pitchFamily="34" charset="0"/>
+                        </a:rPr>
+                        <a:t> </a:t>
+                      </a:r>
+                    </a:p>
+                  </a:txBody>
+                  <a:tcPr marL="9525" marR="9525" marT="9525" marB="0" anchor="b">
+                    <a:lnL>
+                      <a:noFill/>
+                    </a:lnL>
+                    <a:lnR>
+                      <a:noFill/>
+                    </a:lnR>
+                    <a:lnT>
+                      <a:noFill/>
+                    </a:lnT>
+                    <a:lnB w="12700" cap="flat" cmpd="sng" algn="ctr">
+                      <a:solidFill>
+                        <a:srgbClr val="000000"/>
+                      </a:solidFill>
+                      <a:prstDash val="solid"/>
+                      <a:round/>
+                      <a:headEnd type="none" w="med" len="med"/>
+                      <a:tailEnd type="none" w="med" len="med"/>
+                    </a:lnB>
+                  </a:tcPr>
+                </a:tc>
+                <a:extLst>
+                  <a:ext uri="{0D108BD9-81ED-4DB2-BD59-A6C34878D82A}">
+                    <a16:rowId xmlns:a16="http://schemas.microsoft.com/office/drawing/2014/main" val="3013303061"/>
+                  </a:ext>
+                </a:extLst>
+              </a:tr>
+              <a:tr h="333375">
+                <a:tc gridSpan="7">
+                  <a:txBody>
+                    <a:bodyPr/>
+                    <a:lstStyle/>
+                    <a:p>
+                      <a:pPr algn="ctr" rtl="0" fontAlgn="ctr"/>
+                      <a:r>
+                        <a:rPr lang="en-US" sz="2000" b="0" i="0" u="none" strike="noStrike">
+                          <a:solidFill>
+                            <a:srgbClr val="000000"/>
+                          </a:solidFill>
+                          <a:effectLst/>
+                          <a:latin typeface="Calibri" panose="020F0502020204030204" pitchFamily="34" charset="0"/>
+                        </a:rPr>
+                        <a:t>Baseline Predictors (p = 31)</a:t>
+                      </a:r>
+                    </a:p>
+                  </a:txBody>
+                  <a:tcPr marL="9525" marR="9525" marT="9525" marB="0" anchor="ctr">
+                    <a:lnL>
+                      <a:noFill/>
+                    </a:lnL>
+                    <a:lnR>
+                      <a:noFill/>
+                    </a:lnR>
+                    <a:lnT w="12700" cap="flat" cmpd="sng" algn="ctr">
+                      <a:solidFill>
+                        <a:srgbClr val="000000"/>
+                      </a:solidFill>
+                      <a:prstDash val="solid"/>
+                      <a:round/>
+                      <a:headEnd type="none" w="med" len="med"/>
+                      <a:tailEnd type="none" w="med" len="med"/>
+                    </a:lnT>
+                    <a:lnB w="6350" cap="flat" cmpd="sng" algn="ctr">
+                      <a:solidFill>
+                        <a:srgbClr val="000000"/>
+                      </a:solidFill>
+                      <a:prstDash val="solid"/>
+                      <a:round/>
+                      <a:headEnd type="none" w="med" len="med"/>
+                      <a:tailEnd type="none" w="med" len="med"/>
+                    </a:lnB>
+                  </a:tcPr>
+                </a:tc>
+                <a:tc hMerge="1">
+                  <a:txBody>
+                    <a:bodyPr/>
+                    <a:lstStyle/>
+                    <a:p>
+                      <a:endParaRPr lang="en-US"/>
+                    </a:p>
+                  </a:txBody>
+                  <a:tcPr/>
+                </a:tc>
+                <a:tc hMerge="1">
+                  <a:txBody>
+                    <a:bodyPr/>
+                    <a:lstStyle/>
+                    <a:p>
+                      <a:endParaRPr lang="en-US"/>
+                    </a:p>
+                  </a:txBody>
+                  <a:tcPr/>
+                </a:tc>
+                <a:tc hMerge="1">
+                  <a:txBody>
+                    <a:bodyPr/>
+                    <a:lstStyle/>
+                    <a:p>
+                      <a:endParaRPr lang="en-US"/>
+                    </a:p>
+                  </a:txBody>
+                  <a:tcPr/>
+                </a:tc>
+                <a:tc hMerge="1">
+                  <a:txBody>
+                    <a:bodyPr/>
+                    <a:lstStyle/>
+                    <a:p>
+                      <a:endParaRPr lang="en-US"/>
+                    </a:p>
+                  </a:txBody>
+                  <a:tcPr/>
+                </a:tc>
+                <a:tc hMerge="1">
+                  <a:txBody>
+                    <a:bodyPr/>
+                    <a:lstStyle/>
+                    <a:p>
+                      <a:endParaRPr lang="en-US"/>
+                    </a:p>
+                  </a:txBody>
+                  <a:tcPr/>
+                </a:tc>
+                <a:tc hMerge="1">
+                  <a:txBody>
+                    <a:bodyPr/>
+                    <a:lstStyle/>
+                    <a:p>
+                      <a:endParaRPr lang="en-US"/>
+                    </a:p>
+                  </a:txBody>
+                  <a:tcPr/>
+                </a:tc>
+                <a:extLst>
+                  <a:ext uri="{0D108BD9-81ED-4DB2-BD59-A6C34878D82A}">
+                    <a16:rowId xmlns:a16="http://schemas.microsoft.com/office/drawing/2014/main" val="3022821344"/>
+                  </a:ext>
+                </a:extLst>
+              </a:tr>
+              <a:tr h="333375">
+                <a:tc>
+                  <a:txBody>
+                    <a:bodyPr/>
+                    <a:lstStyle/>
+                    <a:p>
+                      <a:pPr algn="l" fontAlgn="b"/>
+                      <a:r>
+                        <a:rPr lang="en-US" sz="2000" b="0" i="0" u="none" strike="noStrike">
+                          <a:solidFill>
+                            <a:srgbClr val="000000"/>
+                          </a:solidFill>
+                          <a:effectLst/>
+                          <a:latin typeface="Calibri" panose="020F0502020204030204" pitchFamily="34" charset="0"/>
+                        </a:rPr>
+                        <a:t>Model</a:t>
+                      </a:r>
+                    </a:p>
+                  </a:txBody>
+                  <a:tcPr marL="9525" marR="9525" marT="9525" marB="0" anchor="b">
+                    <a:lnL>
+                      <a:noFill/>
+                    </a:lnL>
+                    <a:lnR w="6350" cap="flat" cmpd="sng" algn="ctr">
+                      <a:solidFill>
+                        <a:srgbClr val="000000"/>
+                      </a:solidFill>
+                      <a:prstDash val="solid"/>
+                      <a:round/>
+                      <a:headEnd type="none" w="med" len="med"/>
+                      <a:tailEnd type="none" w="med" len="med"/>
+                    </a:lnR>
+                    <a:lnT w="6350" cap="flat" cmpd="sng" algn="ctr">
+                      <a:solidFill>
+                        <a:srgbClr val="000000"/>
+                      </a:solidFill>
+                      <a:prstDash val="solid"/>
+                      <a:round/>
+                      <a:headEnd type="none" w="med" len="med"/>
+                      <a:tailEnd type="none" w="med" len="med"/>
+                    </a:lnT>
+                    <a:lnB w="6350" cap="flat" cmpd="sng" algn="ctr">
+                      <a:solidFill>
+                        <a:srgbClr val="000000"/>
+                      </a:solidFill>
+                      <a:prstDash val="solid"/>
+                      <a:round/>
+                      <a:headEnd type="none" w="med" len="med"/>
+                      <a:tailEnd type="none" w="med" len="med"/>
+                    </a:lnB>
+                  </a:tcPr>
+                </a:tc>
+                <a:tc>
+                  <a:txBody>
+                    <a:bodyPr/>
+                    <a:lstStyle/>
+                    <a:p>
+                      <a:pPr algn="ctr" fontAlgn="ctr"/>
+                      <a:r>
+                        <a:rPr lang="en-US" sz="2000" b="0" i="0" u="none" strike="noStrike">
+                          <a:solidFill>
+                            <a:srgbClr val="000000"/>
+                          </a:solidFill>
+                          <a:effectLst/>
+                          <a:latin typeface="Calibri" panose="020F0502020204030204" pitchFamily="34" charset="0"/>
+                        </a:rPr>
+                        <a:t>Const</a:t>
+                      </a:r>
+                    </a:p>
+                  </a:txBody>
+                  <a:tcPr marL="9525" marR="9525" marT="9525" marB="0" anchor="ctr">
+                    <a:lnL w="6350" cap="flat" cmpd="sng" algn="ctr">
+                      <a:solidFill>
+                        <a:srgbClr val="000000"/>
+                      </a:solidFill>
+                      <a:prstDash val="solid"/>
+                      <a:round/>
+                      <a:headEnd type="none" w="med" len="med"/>
+                      <a:tailEnd type="none" w="med" len="med"/>
+                    </a:lnL>
+                    <a:lnR>
+                      <a:noFill/>
+                    </a:lnR>
+                    <a:lnT w="6350" cap="flat" cmpd="sng" algn="ctr">
+                      <a:solidFill>
+                        <a:srgbClr val="000000"/>
+                      </a:solidFill>
+                      <a:prstDash val="solid"/>
+                      <a:round/>
+                      <a:headEnd type="none" w="med" len="med"/>
+                      <a:tailEnd type="none" w="med" len="med"/>
+                    </a:lnT>
+                    <a:lnB w="6350" cap="flat" cmpd="sng" algn="ctr">
+                      <a:solidFill>
+                        <a:srgbClr val="000000"/>
+                      </a:solidFill>
+                      <a:prstDash val="solid"/>
+                      <a:round/>
+                      <a:headEnd type="none" w="med" len="med"/>
+                      <a:tailEnd type="none" w="med" len="med"/>
+                    </a:lnB>
+                  </a:tcPr>
+                </a:tc>
+                <a:tc>
+                  <a:txBody>
+                    <a:bodyPr/>
+                    <a:lstStyle/>
+                    <a:p>
+                      <a:pPr algn="ctr" fontAlgn="ctr"/>
+                      <a:r>
+                        <a:rPr lang="en-US" sz="2000" b="0" i="0" u="none" strike="noStrike">
+                          <a:solidFill>
+                            <a:srgbClr val="000000"/>
+                          </a:solidFill>
+                          <a:effectLst/>
+                          <a:latin typeface="Calibri" panose="020F0502020204030204" pitchFamily="34" charset="0"/>
+                        </a:rPr>
+                        <a:t>PCA</a:t>
+                      </a:r>
+                    </a:p>
+                  </a:txBody>
+                  <a:tcPr marL="9525" marR="9525" marT="9525" marB="0" anchor="ctr">
+                    <a:lnL>
+                      <a:noFill/>
+                    </a:lnL>
+                    <a:lnR>
+                      <a:noFill/>
+                    </a:lnR>
+                    <a:lnT w="6350" cap="flat" cmpd="sng" algn="ctr">
+                      <a:solidFill>
+                        <a:srgbClr val="000000"/>
+                      </a:solidFill>
+                      <a:prstDash val="solid"/>
+                      <a:round/>
+                      <a:headEnd type="none" w="med" len="med"/>
+                      <a:tailEnd type="none" w="med" len="med"/>
+                    </a:lnT>
+                    <a:lnB w="6350" cap="flat" cmpd="sng" algn="ctr">
+                      <a:solidFill>
+                        <a:srgbClr val="000000"/>
+                      </a:solidFill>
+                      <a:prstDash val="solid"/>
+                      <a:round/>
+                      <a:headEnd type="none" w="med" len="med"/>
+                      <a:tailEnd type="none" w="med" len="med"/>
+                    </a:lnB>
+                  </a:tcPr>
+                </a:tc>
+                <a:tc>
+                  <a:txBody>
+                    <a:bodyPr/>
+                    <a:lstStyle/>
+                    <a:p>
+                      <a:pPr algn="ctr" fontAlgn="ctr"/>
+                      <a:r>
+                        <a:rPr lang="en-US" sz="2000" b="0" i="0" u="none" strike="noStrike">
+                          <a:solidFill>
+                            <a:srgbClr val="000000"/>
+                          </a:solidFill>
+                          <a:effectLst/>
+                          <a:latin typeface="Calibri" panose="020F0502020204030204" pitchFamily="34" charset="0"/>
+                        </a:rPr>
+                        <a:t>OLS</a:t>
+                      </a:r>
+                    </a:p>
+                  </a:txBody>
+                  <a:tcPr marL="9525" marR="9525" marT="9525" marB="0" anchor="ctr">
+                    <a:lnL>
+                      <a:noFill/>
+                    </a:lnL>
+                    <a:lnR>
+                      <a:noFill/>
+                    </a:lnR>
+                    <a:lnT w="6350" cap="flat" cmpd="sng" algn="ctr">
+                      <a:solidFill>
+                        <a:srgbClr val="000000"/>
+                      </a:solidFill>
+                      <a:prstDash val="solid"/>
+                      <a:round/>
+                      <a:headEnd type="none" w="med" len="med"/>
+                      <a:tailEnd type="none" w="med" len="med"/>
+                    </a:lnT>
+                    <a:lnB w="6350" cap="flat" cmpd="sng" algn="ctr">
+                      <a:solidFill>
+                        <a:srgbClr val="000000"/>
+                      </a:solidFill>
+                      <a:prstDash val="solid"/>
+                      <a:round/>
+                      <a:headEnd type="none" w="med" len="med"/>
+                      <a:tailEnd type="none" w="med" len="med"/>
+                    </a:lnB>
+                  </a:tcPr>
+                </a:tc>
+                <a:tc>
+                  <a:txBody>
+                    <a:bodyPr/>
+                    <a:lstStyle/>
+                    <a:p>
+                      <a:pPr algn="ctr" fontAlgn="ctr"/>
+                      <a:r>
+                        <a:rPr lang="en-US" sz="2000" b="0" i="0" u="none" strike="noStrike">
+                          <a:solidFill>
+                            <a:srgbClr val="000000"/>
+                          </a:solidFill>
+                          <a:effectLst/>
+                          <a:latin typeface="Calibri" panose="020F0502020204030204" pitchFamily="34" charset="0"/>
+                        </a:rPr>
+                        <a:t>Ridge</a:t>
+                      </a:r>
+                    </a:p>
+                  </a:txBody>
+                  <a:tcPr marL="9525" marR="9525" marT="9525" marB="0" anchor="ctr">
+                    <a:lnL>
+                      <a:noFill/>
+                    </a:lnL>
+                    <a:lnR>
+                      <a:noFill/>
+                    </a:lnR>
+                    <a:lnT w="6350" cap="flat" cmpd="sng" algn="ctr">
+                      <a:solidFill>
+                        <a:srgbClr val="000000"/>
+                      </a:solidFill>
+                      <a:prstDash val="solid"/>
+                      <a:round/>
+                      <a:headEnd type="none" w="med" len="med"/>
+                      <a:tailEnd type="none" w="med" len="med"/>
+                    </a:lnT>
+                    <a:lnB w="6350" cap="flat" cmpd="sng" algn="ctr">
+                      <a:solidFill>
+                        <a:srgbClr val="000000"/>
+                      </a:solidFill>
+                      <a:prstDash val="solid"/>
+                      <a:round/>
+                      <a:headEnd type="none" w="med" len="med"/>
+                      <a:tailEnd type="none" w="med" len="med"/>
+                    </a:lnB>
+                  </a:tcPr>
+                </a:tc>
+                <a:tc>
+                  <a:txBody>
+                    <a:bodyPr/>
+                    <a:lstStyle/>
+                    <a:p>
+                      <a:pPr algn="ctr" fontAlgn="ctr"/>
+                      <a:r>
+                        <a:rPr lang="en-US" sz="2000" b="0" i="0" u="none" strike="noStrike">
+                          <a:solidFill>
+                            <a:srgbClr val="000000"/>
+                          </a:solidFill>
+                          <a:effectLst/>
+                          <a:latin typeface="Calibri" panose="020F0502020204030204" pitchFamily="34" charset="0"/>
+                        </a:rPr>
+                        <a:t>Lasso</a:t>
+                      </a:r>
+                    </a:p>
+                  </a:txBody>
+                  <a:tcPr marL="9525" marR="9525" marT="9525" marB="0" anchor="ctr">
+                    <a:lnL>
+                      <a:noFill/>
+                    </a:lnL>
+                    <a:lnR>
+                      <a:noFill/>
+                    </a:lnR>
+                    <a:lnT w="6350" cap="flat" cmpd="sng" algn="ctr">
+                      <a:solidFill>
+                        <a:srgbClr val="000000"/>
+                      </a:solidFill>
+                      <a:prstDash val="solid"/>
+                      <a:round/>
+                      <a:headEnd type="none" w="med" len="med"/>
+                      <a:tailEnd type="none" w="med" len="med"/>
+                    </a:lnT>
+                    <a:lnB w="6350" cap="flat" cmpd="sng" algn="ctr">
+                      <a:solidFill>
+                        <a:srgbClr val="000000"/>
+                      </a:solidFill>
+                      <a:prstDash val="solid"/>
+                      <a:round/>
+                      <a:headEnd type="none" w="med" len="med"/>
+                      <a:tailEnd type="none" w="med" len="med"/>
+                    </a:lnB>
+                  </a:tcPr>
+                </a:tc>
+                <a:tc>
+                  <a:txBody>
+                    <a:bodyPr/>
+                    <a:lstStyle/>
+                    <a:p>
+                      <a:pPr algn="ctr" fontAlgn="ctr"/>
+                      <a:r>
+                        <a:rPr lang="en-US" sz="2000" b="0" i="0" u="none" strike="noStrike">
+                          <a:solidFill>
+                            <a:srgbClr val="000000"/>
+                          </a:solidFill>
+                          <a:effectLst/>
+                          <a:latin typeface="Calibri" panose="020F0502020204030204" pitchFamily="34" charset="0"/>
+                        </a:rPr>
+                        <a:t>Enet</a:t>
+                      </a:r>
+                    </a:p>
+                  </a:txBody>
+                  <a:tcPr marL="9525" marR="9525" marT="9525" marB="0" anchor="ctr">
+                    <a:lnL>
+                      <a:noFill/>
+                    </a:lnL>
+                    <a:lnR>
+                      <a:noFill/>
+                    </a:lnR>
+                    <a:lnT w="6350" cap="flat" cmpd="sng" algn="ctr">
+                      <a:solidFill>
+                        <a:srgbClr val="000000"/>
+                      </a:solidFill>
+                      <a:prstDash val="solid"/>
+                      <a:round/>
+                      <a:headEnd type="none" w="med" len="med"/>
+                      <a:tailEnd type="none" w="med" len="med"/>
+                    </a:lnT>
+                    <a:lnB w="6350" cap="flat" cmpd="sng" algn="ctr">
+                      <a:solidFill>
+                        <a:srgbClr val="000000"/>
+                      </a:solidFill>
+                      <a:prstDash val="solid"/>
+                      <a:round/>
+                      <a:headEnd type="none" w="med" len="med"/>
+                      <a:tailEnd type="none" w="med" len="med"/>
+                    </a:lnB>
+                  </a:tcPr>
+                </a:tc>
+                <a:extLst>
+                  <a:ext uri="{0D108BD9-81ED-4DB2-BD59-A6C34878D82A}">
+                    <a16:rowId xmlns:a16="http://schemas.microsoft.com/office/drawing/2014/main" val="431160117"/>
+                  </a:ext>
+                </a:extLst>
+              </a:tr>
+              <a:tr h="342900">
+                <a:tc>
+                  <a:txBody>
+                    <a:bodyPr/>
+                    <a:lstStyle/>
+                    <a:p>
+                      <a:pPr algn="l" fontAlgn="b"/>
+                      <a:r>
+                        <a:rPr lang="en-US" sz="2000" b="0" i="0" u="none" strike="noStrike">
+                          <a:solidFill>
+                            <a:srgbClr val="000000"/>
+                          </a:solidFill>
+                          <a:effectLst/>
+                          <a:latin typeface="Calibri" panose="020F0502020204030204" pitchFamily="34" charset="0"/>
+                        </a:rPr>
+                        <a:t>PMSE</a:t>
+                      </a:r>
+                    </a:p>
+                  </a:txBody>
+                  <a:tcPr marL="9525" marR="9525" marT="9525" marB="0" anchor="b">
+                    <a:lnL>
+                      <a:noFill/>
+                    </a:lnL>
+                    <a:lnR w="6350" cap="flat" cmpd="sng" algn="ctr">
+                      <a:solidFill>
+                        <a:srgbClr val="000000"/>
+                      </a:solidFill>
+                      <a:prstDash val="solid"/>
+                      <a:round/>
+                      <a:headEnd type="none" w="med" len="med"/>
+                      <a:tailEnd type="none" w="med" len="med"/>
+                    </a:lnR>
+                    <a:lnT w="6350" cap="flat" cmpd="sng" algn="ctr">
+                      <a:solidFill>
+                        <a:srgbClr val="000000"/>
+                      </a:solidFill>
+                      <a:prstDash val="solid"/>
+                      <a:round/>
+                      <a:headEnd type="none" w="med" len="med"/>
+                      <a:tailEnd type="none" w="med" len="med"/>
+                    </a:lnT>
+                    <a:lnB w="12700" cap="flat" cmpd="sng" algn="ctr">
+                      <a:solidFill>
+                        <a:srgbClr val="000000"/>
+                      </a:solidFill>
+                      <a:prstDash val="solid"/>
+                      <a:round/>
+                      <a:headEnd type="none" w="med" len="med"/>
+                      <a:tailEnd type="none" w="med" len="med"/>
+                    </a:lnB>
+                  </a:tcPr>
+                </a:tc>
+                <a:tc>
+                  <a:txBody>
+                    <a:bodyPr/>
+                    <a:lstStyle/>
+                    <a:p>
+                      <a:pPr algn="ctr" fontAlgn="ctr"/>
+                      <a:r>
+                        <a:rPr lang="en-DE" sz="2000" b="0" i="0" u="none" strike="noStrike">
+                          <a:solidFill>
+                            <a:srgbClr val="000000"/>
+                          </a:solidFill>
+                          <a:effectLst/>
+                          <a:latin typeface="Calibri" panose="020F0502020204030204" pitchFamily="34" charset="0"/>
+                        </a:rPr>
+                        <a:t>44.540</a:t>
+                      </a:r>
+                    </a:p>
+                  </a:txBody>
+                  <a:tcPr marL="9525" marR="9525" marT="9525" marB="0" anchor="ctr">
+                    <a:lnL w="6350" cap="flat" cmpd="sng" algn="ctr">
+                      <a:solidFill>
+                        <a:srgbClr val="000000"/>
+                      </a:solidFill>
+                      <a:prstDash val="solid"/>
+                      <a:round/>
+                      <a:headEnd type="none" w="med" len="med"/>
+                      <a:tailEnd type="none" w="med" len="med"/>
+                    </a:lnL>
+                    <a:lnR>
+                      <a:noFill/>
+                    </a:lnR>
+                    <a:lnT w="6350" cap="flat" cmpd="sng" algn="ctr">
+                      <a:solidFill>
+                        <a:srgbClr val="000000"/>
+                      </a:solidFill>
+                      <a:prstDash val="solid"/>
+                      <a:round/>
+                      <a:headEnd type="none" w="med" len="med"/>
+                      <a:tailEnd type="none" w="med" len="med"/>
+                    </a:lnT>
+                    <a:lnB w="12700" cap="flat" cmpd="sng" algn="ctr">
+                      <a:solidFill>
+                        <a:srgbClr val="000000"/>
+                      </a:solidFill>
+                      <a:prstDash val="solid"/>
+                      <a:round/>
+                      <a:headEnd type="none" w="med" len="med"/>
+                      <a:tailEnd type="none" w="med" len="med"/>
+                    </a:lnB>
+                  </a:tcPr>
+                </a:tc>
+                <a:tc>
+                  <a:txBody>
+                    <a:bodyPr/>
+                    <a:lstStyle/>
+                    <a:p>
+                      <a:pPr algn="ctr" fontAlgn="ctr"/>
+                      <a:r>
+                        <a:rPr lang="en-DE" sz="2000" b="0" i="0" u="none" strike="noStrike">
+                          <a:solidFill>
+                            <a:srgbClr val="000000"/>
+                          </a:solidFill>
+                          <a:effectLst/>
+                          <a:latin typeface="Calibri" panose="020F0502020204030204" pitchFamily="34" charset="0"/>
+                        </a:rPr>
+                        <a:t>42.191</a:t>
+                      </a:r>
+                    </a:p>
+                  </a:txBody>
+                  <a:tcPr marL="9525" marR="9525" marT="9525" marB="0" anchor="ctr">
+                    <a:lnL>
+                      <a:noFill/>
+                    </a:lnL>
+                    <a:lnR>
+                      <a:noFill/>
+                    </a:lnR>
+                    <a:lnT w="6350" cap="flat" cmpd="sng" algn="ctr">
+                      <a:solidFill>
+                        <a:srgbClr val="000000"/>
+                      </a:solidFill>
+                      <a:prstDash val="solid"/>
+                      <a:round/>
+                      <a:headEnd type="none" w="med" len="med"/>
+                      <a:tailEnd type="none" w="med" len="med"/>
+                    </a:lnT>
+                    <a:lnB w="12700" cap="flat" cmpd="sng" algn="ctr">
+                      <a:solidFill>
+                        <a:srgbClr val="000000"/>
+                      </a:solidFill>
+                      <a:prstDash val="solid"/>
+                      <a:round/>
+                      <a:headEnd type="none" w="med" len="med"/>
+                      <a:tailEnd type="none" w="med" len="med"/>
+                    </a:lnB>
+                  </a:tcPr>
+                </a:tc>
+                <a:tc>
+                  <a:txBody>
+                    <a:bodyPr/>
+                    <a:lstStyle/>
+                    <a:p>
+                      <a:pPr algn="ctr" fontAlgn="ctr"/>
+                      <a:r>
+                        <a:rPr lang="en-DE" sz="2000" b="0" i="0" u="none" strike="noStrike">
+                          <a:solidFill>
+                            <a:srgbClr val="000000"/>
+                          </a:solidFill>
+                          <a:effectLst/>
+                          <a:latin typeface="Calibri" panose="020F0502020204030204" pitchFamily="34" charset="0"/>
+                        </a:rPr>
+                        <a:t>57.024</a:t>
+                      </a:r>
+                    </a:p>
+                  </a:txBody>
+                  <a:tcPr marL="9525" marR="9525" marT="9525" marB="0" anchor="ctr">
+                    <a:lnL>
+                      <a:noFill/>
+                    </a:lnL>
+                    <a:lnR>
+                      <a:noFill/>
+                    </a:lnR>
+                    <a:lnT w="6350" cap="flat" cmpd="sng" algn="ctr">
+                      <a:solidFill>
+                        <a:srgbClr val="000000"/>
+                      </a:solidFill>
+                      <a:prstDash val="solid"/>
+                      <a:round/>
+                      <a:headEnd type="none" w="med" len="med"/>
+                      <a:tailEnd type="none" w="med" len="med"/>
+                    </a:lnT>
+                    <a:lnB w="12700" cap="flat" cmpd="sng" algn="ctr">
+                      <a:solidFill>
+                        <a:srgbClr val="000000"/>
+                      </a:solidFill>
+                      <a:prstDash val="solid"/>
+                      <a:round/>
+                      <a:headEnd type="none" w="med" len="med"/>
+                      <a:tailEnd type="none" w="med" len="med"/>
+                    </a:lnB>
+                  </a:tcPr>
+                </a:tc>
+                <a:tc>
+                  <a:txBody>
+                    <a:bodyPr/>
+                    <a:lstStyle/>
+                    <a:p>
+                      <a:pPr algn="ctr" fontAlgn="ctr"/>
+                      <a:r>
+                        <a:rPr lang="en-DE" sz="2000" b="0" i="0" u="none" strike="noStrike">
+                          <a:solidFill>
+                            <a:srgbClr val="000000"/>
+                          </a:solidFill>
+                          <a:effectLst/>
+                          <a:latin typeface="Calibri" panose="020F0502020204030204" pitchFamily="34" charset="0"/>
+                        </a:rPr>
+                        <a:t>43.017</a:t>
+                      </a:r>
+                    </a:p>
+                  </a:txBody>
+                  <a:tcPr marL="9525" marR="9525" marT="9525" marB="0" anchor="ctr">
+                    <a:lnL>
+                      <a:noFill/>
+                    </a:lnL>
+                    <a:lnR>
+                      <a:noFill/>
+                    </a:lnR>
+                    <a:lnT w="6350" cap="flat" cmpd="sng" algn="ctr">
+                      <a:solidFill>
+                        <a:srgbClr val="000000"/>
+                      </a:solidFill>
+                      <a:prstDash val="solid"/>
+                      <a:round/>
+                      <a:headEnd type="none" w="med" len="med"/>
+                      <a:tailEnd type="none" w="med" len="med"/>
+                    </a:lnT>
+                    <a:lnB w="12700" cap="flat" cmpd="sng" algn="ctr">
+                      <a:solidFill>
+                        <a:srgbClr val="000000"/>
+                      </a:solidFill>
+                      <a:prstDash val="solid"/>
+                      <a:round/>
+                      <a:headEnd type="none" w="med" len="med"/>
+                      <a:tailEnd type="none" w="med" len="med"/>
+                    </a:lnB>
+                  </a:tcPr>
+                </a:tc>
+                <a:tc>
+                  <a:txBody>
+                    <a:bodyPr/>
+                    <a:lstStyle/>
+                    <a:p>
+                      <a:pPr algn="ctr" fontAlgn="ctr"/>
+                      <a:r>
+                        <a:rPr lang="en-DE" sz="2000" b="0" i="0" u="none" strike="noStrike">
+                          <a:solidFill>
+                            <a:srgbClr val="000000"/>
+                          </a:solidFill>
+                          <a:effectLst/>
+                          <a:latin typeface="Calibri" panose="020F0502020204030204" pitchFamily="34" charset="0"/>
+                        </a:rPr>
+                        <a:t>41.794</a:t>
+                      </a:r>
+                    </a:p>
+                  </a:txBody>
+                  <a:tcPr marL="9525" marR="9525" marT="9525" marB="0" anchor="ctr">
+                    <a:lnL>
+                      <a:noFill/>
+                    </a:lnL>
+                    <a:lnR>
+                      <a:noFill/>
+                    </a:lnR>
+                    <a:lnT w="6350" cap="flat" cmpd="sng" algn="ctr">
+                      <a:solidFill>
+                        <a:srgbClr val="000000"/>
+                      </a:solidFill>
+                      <a:prstDash val="solid"/>
+                      <a:round/>
+                      <a:headEnd type="none" w="med" len="med"/>
+                      <a:tailEnd type="none" w="med" len="med"/>
+                    </a:lnT>
+                    <a:lnB w="12700" cap="flat" cmpd="sng" algn="ctr">
+                      <a:solidFill>
+                        <a:srgbClr val="000000"/>
+                      </a:solidFill>
+                      <a:prstDash val="solid"/>
+                      <a:round/>
+                      <a:headEnd type="none" w="med" len="med"/>
+                      <a:tailEnd type="none" w="med" len="med"/>
+                    </a:lnB>
+                  </a:tcPr>
+                </a:tc>
+                <a:tc>
+                  <a:txBody>
+                    <a:bodyPr/>
+                    <a:lstStyle/>
+                    <a:p>
+                      <a:pPr algn="ctr" fontAlgn="ctr"/>
+                      <a:r>
+                        <a:rPr lang="en-DE" sz="2000" b="0" i="0" u="none" strike="noStrike" dirty="0">
+                          <a:solidFill>
+                            <a:srgbClr val="000000"/>
+                          </a:solidFill>
+                          <a:effectLst/>
+                          <a:latin typeface="Calibri" panose="020F0502020204030204" pitchFamily="34" charset="0"/>
+                        </a:rPr>
+                        <a:t>41.918</a:t>
+                      </a:r>
+                    </a:p>
+                  </a:txBody>
+                  <a:tcPr marL="9525" marR="9525" marT="9525" marB="0" anchor="ctr">
+                    <a:lnL>
+                      <a:noFill/>
+                    </a:lnL>
+                    <a:lnR>
+                      <a:noFill/>
+                    </a:lnR>
+                    <a:lnT w="6350" cap="flat" cmpd="sng" algn="ctr">
+                      <a:solidFill>
+                        <a:srgbClr val="000000"/>
+                      </a:solidFill>
+                      <a:prstDash val="solid"/>
+                      <a:round/>
+                      <a:headEnd type="none" w="med" len="med"/>
+                      <a:tailEnd type="none" w="med" len="med"/>
+                    </a:lnT>
+                    <a:lnB w="12700" cap="flat" cmpd="sng" algn="ctr">
+                      <a:solidFill>
+                        <a:srgbClr val="000000"/>
+                      </a:solidFill>
+                      <a:prstDash val="solid"/>
+                      <a:round/>
+                      <a:headEnd type="none" w="med" len="med"/>
+                      <a:tailEnd type="none" w="med" len="med"/>
+                    </a:lnB>
+                  </a:tcPr>
+                </a:tc>
+                <a:extLst>
+                  <a:ext uri="{0D108BD9-81ED-4DB2-BD59-A6C34878D82A}">
+                    <a16:rowId xmlns:a16="http://schemas.microsoft.com/office/drawing/2014/main" val="576520975"/>
+                  </a:ext>
+                </a:extLst>
+              </a:tr>
+            </a:tbl>
+          </a:graphicData>
+        </a:graphic>
+      </p:graphicFrame>
     </p:spTree>
     <p:extLst>
       <p:ext uri="{BB962C8B-B14F-4D97-AF65-F5344CB8AC3E}">
         <p14:creationId xmlns:p14="http://schemas.microsoft.com/office/powerpoint/2010/main" val="4107849548"/>
-      </p:ext>
-    </p:extLst>
-  </p:cSld>
-  <p:clrMapOvr>
-    <a:masterClrMapping/>
-  </p:clrMapOvr>
-  <p:timing>
-    <p:tnLst>
-      <p:par>
-        <p:cTn id="1" dur="indefinite" restart="never" nodeType="tmRoot"/>
-      </p:par>
-    </p:tnLst>
-  </p:timing>
-</p:sld>
-</file>
-
-<file path=ppt/slides/slide21.xml><?xml version="1.0" encoding="utf-8"?>
-<p:sld xmlns:a="http://schemas.openxmlformats.org/drawingml/2006/main" xmlns:r="http://schemas.openxmlformats.org/officeDocument/2006/relationships" xmlns:p="http://schemas.openxmlformats.org/presentationml/2006/main">
-  <p:cSld>
-    <p:spTree>
-      <p:nvGrpSpPr>
-        <p:cNvPr id="1" name=""/>
-        <p:cNvGrpSpPr/>
-        <p:nvPr/>
-      </p:nvGrpSpPr>
-      <p:grpSpPr>
-        <a:xfrm>
-          <a:off x="0" y="0"/>
-          <a:ext cx="0" cy="0"/>
-          <a:chOff x="0" y="0"/>
-          <a:chExt cx="0" cy="0"/>
-        </a:xfrm>
-      </p:grpSpPr>
-      <p:sp>
-        <p:nvSpPr>
-          <p:cNvPr id="2" name="Title 1"/>
-          <p:cNvSpPr>
-            <a:spLocks noGrp="1"/>
-          </p:cNvSpPr>
-          <p:nvPr>
-            <p:ph type="title"/>
-          </p:nvPr>
-        </p:nvSpPr>
-        <p:spPr/>
-        <p:txBody>
-          <a:bodyPr/>
-          <a:lstStyle/>
-          <a:p>
-            <a:r>
-              <a:rPr lang="en-US" dirty="0" smtClean="0"/>
-              <a:t>Caveats</a:t>
-            </a:r>
-            <a:endParaRPr lang="en-US" dirty="0"/>
-          </a:p>
-        </p:txBody>
-      </p:sp>
-      <p:sp>
-        <p:nvSpPr>
-          <p:cNvPr id="3" name="Content Placeholder 2"/>
-          <p:cNvSpPr>
-            <a:spLocks noGrp="1"/>
-          </p:cNvSpPr>
-          <p:nvPr>
-            <p:ph idx="1"/>
-          </p:nvPr>
-        </p:nvSpPr>
-        <p:spPr>
-          <a:xfrm>
-            <a:off x="684000" y="1196752"/>
-            <a:ext cx="7776000" cy="4619738"/>
-          </a:xfrm>
-        </p:spPr>
-        <p:txBody>
-          <a:bodyPr/>
-          <a:lstStyle/>
-          <a:p>
-            <a:r>
-              <a:rPr lang="en-DE" dirty="0" smtClean="0"/>
-              <a:t>Test period contains financial crisis. Results could be sensitive to the sample period. Ideally:</a:t>
-            </a:r>
-          </a:p>
-          <a:p>
-            <a:endParaRPr lang="en-DE" dirty="0"/>
-          </a:p>
-          <a:p>
-            <a:endParaRPr lang="en-DE" dirty="0" smtClean="0"/>
-          </a:p>
-          <a:p>
-            <a:endParaRPr lang="en-DE" dirty="0"/>
-          </a:p>
-          <a:p>
-            <a:endParaRPr lang="en-DE" dirty="0" smtClean="0"/>
-          </a:p>
-          <a:p>
-            <a:endParaRPr lang="en-DE" dirty="0" smtClean="0"/>
-          </a:p>
-          <a:p>
-            <a:endParaRPr lang="en-DE" dirty="0"/>
-          </a:p>
-          <a:p>
-            <a:r>
-              <a:rPr lang="en-DE" dirty="0" smtClean="0"/>
-              <a:t>Number of PCA components could be optimized</a:t>
-            </a:r>
-          </a:p>
-          <a:p>
-            <a:r>
-              <a:rPr lang="en-DE" dirty="0" smtClean="0"/>
-              <a:t>More literature review</a:t>
-            </a:r>
-          </a:p>
-          <a:p>
-            <a:endParaRPr lang="en-DE" dirty="0"/>
-          </a:p>
-          <a:p>
-            <a:endParaRPr lang="en-DE" dirty="0" smtClean="0"/>
-          </a:p>
-          <a:p>
-            <a:endParaRPr lang="en-DE" dirty="0"/>
-          </a:p>
-          <a:p>
-            <a:pPr marL="0" indent="0">
-              <a:buNone/>
-            </a:pPr>
-            <a:endParaRPr lang="en-DE" dirty="0" smtClean="0"/>
-          </a:p>
-        </p:txBody>
-      </p:sp>
-      <p:sp>
-        <p:nvSpPr>
-          <p:cNvPr id="4" name="Date Placeholder 3"/>
-          <p:cNvSpPr>
-            <a:spLocks noGrp="1"/>
-          </p:cNvSpPr>
-          <p:nvPr>
-            <p:ph type="dt" sz="half" idx="10"/>
-          </p:nvPr>
-        </p:nvSpPr>
-        <p:spPr/>
-        <p:txBody>
-          <a:bodyPr/>
-          <a:lstStyle/>
-          <a:p>
-            <a:r>
-              <a:rPr lang="de-DE" smtClean="0"/>
-              <a:t>06.12.2018</a:t>
-            </a:r>
-            <a:endParaRPr lang="de-DE" dirty="0"/>
-          </a:p>
-        </p:txBody>
-      </p:sp>
-      <p:sp>
-        <p:nvSpPr>
-          <p:cNvPr id="5" name="Footer Placeholder 4"/>
-          <p:cNvSpPr>
-            <a:spLocks noGrp="1"/>
-          </p:cNvSpPr>
-          <p:nvPr>
-            <p:ph type="ftr" sz="quarter" idx="11"/>
-          </p:nvPr>
-        </p:nvSpPr>
-        <p:spPr/>
-        <p:txBody>
-          <a:bodyPr/>
-          <a:lstStyle/>
-          <a:p>
-            <a:r>
-              <a:rPr lang="de-DE" smtClean="0"/>
-              <a:t>Pavel Lesnevski</a:t>
-            </a:r>
-            <a:endParaRPr lang="de-DE" dirty="0"/>
-          </a:p>
-        </p:txBody>
-      </p:sp>
-      <p:sp>
-        <p:nvSpPr>
-          <p:cNvPr id="6" name="Slide Number Placeholder 5"/>
-          <p:cNvSpPr>
-            <a:spLocks noGrp="1"/>
-          </p:cNvSpPr>
-          <p:nvPr>
-            <p:ph type="sldNum" sz="quarter" idx="12"/>
-          </p:nvPr>
-        </p:nvSpPr>
-        <p:spPr/>
-        <p:txBody>
-          <a:bodyPr/>
-          <a:lstStyle/>
-          <a:p>
-            <a:fld id="{FC0CC166-4E39-43B8-AB91-BDD1C4C9E224}" type="slidenum">
-              <a:rPr lang="de-DE" smtClean="0"/>
-              <a:t>21</a:t>
-            </a:fld>
-            <a:endParaRPr lang="de-DE"/>
-          </a:p>
-        </p:txBody>
-      </p:sp>
-      <p:pic>
-        <p:nvPicPr>
-          <p:cNvPr id="7" name="Picture 6"/>
-          <p:cNvPicPr>
-            <a:picLocks noChangeAspect="1"/>
-          </p:cNvPicPr>
-          <p:nvPr/>
-        </p:nvPicPr>
-        <p:blipFill rotWithShape="1">
-          <a:blip r:embed="rId2">
-            <a:extLst>
-              <a:ext uri="{28A0092B-C50C-407E-A947-70E740481C1C}">
-                <a14:useLocalDpi xmlns:a14="http://schemas.microsoft.com/office/drawing/2010/main" val="0"/>
-              </a:ext>
-            </a:extLst>
-          </a:blip>
-          <a:srcRect t="7725"/>
-          <a:stretch/>
-        </p:blipFill>
-        <p:spPr>
-          <a:xfrm>
-            <a:off x="1043608" y="2043794"/>
-            <a:ext cx="3390833" cy="2363754"/>
-          </a:xfrm>
-          <a:prstGeom prst="rect">
-            <a:avLst/>
-          </a:prstGeom>
-        </p:spPr>
-      </p:pic>
-      <p:sp>
-        <p:nvSpPr>
-          <p:cNvPr id="8" name="Rectangle 7"/>
-          <p:cNvSpPr/>
-          <p:nvPr/>
-        </p:nvSpPr>
-        <p:spPr>
-          <a:xfrm>
-            <a:off x="5209172" y="4038216"/>
-            <a:ext cx="2555508" cy="369332"/>
-          </a:xfrm>
-          <a:prstGeom prst="rect">
-            <a:avLst/>
-          </a:prstGeom>
-        </p:spPr>
-        <p:txBody>
-          <a:bodyPr wrap="none">
-            <a:spAutoFit/>
-          </a:bodyPr>
-          <a:lstStyle/>
-          <a:p>
-            <a:r>
-              <a:rPr lang="en-US" dirty="0"/>
-              <a:t>(Varma and </a:t>
-            </a:r>
-            <a:r>
-              <a:rPr lang="en-US" dirty="0" smtClean="0"/>
-              <a:t>Simon</a:t>
-            </a:r>
-            <a:r>
-              <a:rPr lang="en-DE" dirty="0" smtClean="0"/>
-              <a:t>,</a:t>
-            </a:r>
-            <a:r>
-              <a:rPr lang="en-US" dirty="0" smtClean="0"/>
-              <a:t> </a:t>
-            </a:r>
-            <a:r>
-              <a:rPr lang="en-US" dirty="0"/>
-              <a:t>2006)</a:t>
-            </a:r>
-          </a:p>
-        </p:txBody>
-      </p:sp>
-    </p:spTree>
-    <p:extLst>
-      <p:ext uri="{BB962C8B-B14F-4D97-AF65-F5344CB8AC3E}">
-        <p14:creationId xmlns:p14="http://schemas.microsoft.com/office/powerpoint/2010/main" val="2136253266"/>
       </p:ext>
     </p:extLst>
   </p:cSld>
@@ -13983,7 +14824,7 @@
           <a:p>
             <a:r>
               <a:rPr lang="en-US" dirty="0" smtClean="0"/>
-              <a:t>Future Research</a:t>
+              <a:t>Caveats</a:t>
             </a:r>
             <a:endParaRPr lang="en-US" dirty="0"/>
           </a:p>
@@ -14001,8 +14842,8 @@
         </p:nvSpPr>
         <p:spPr>
           <a:xfrm>
-            <a:off x="684000" y="1340768"/>
-            <a:ext cx="7776000" cy="4475722"/>
+            <a:off x="684000" y="1196752"/>
+            <a:ext cx="7776000" cy="4619738"/>
           </a:xfrm>
         </p:spPr>
         <p:txBody>
@@ -14010,79 +14851,58 @@
           <a:lstStyle/>
           <a:p>
             <a:r>
-              <a:rPr lang="en-US" dirty="0" smtClean="0"/>
-              <a:t>T</a:t>
-            </a:r>
-            <a:r>
               <a:rPr lang="en-DE" dirty="0" smtClean="0"/>
-              <a:t>ests following the financial literature </a:t>
-            </a:r>
-            <a:r>
-              <a:rPr lang="en-US" dirty="0"/>
-              <a:t>(Welch and </a:t>
-            </a:r>
-            <a:r>
-              <a:rPr lang="en-US" dirty="0" err="1"/>
-              <a:t>Goyal</a:t>
-            </a:r>
-            <a:r>
-              <a:rPr lang="en-US" dirty="0"/>
-              <a:t>, 2008)</a:t>
-            </a:r>
-          </a:p>
-          <a:p>
+              <a:t>Results </a:t>
+            </a:r>
             <a:r>
               <a:rPr lang="en-DE" dirty="0" smtClean="0"/>
-              <a:t>Compare to other methods, such as simple weighted average of predictions</a:t>
-            </a:r>
+              <a:t>could be sensitive to the sample period. Ideally:</a:t>
+            </a:r>
+          </a:p>
+          <a:p>
+            <a:endParaRPr lang="en-DE" dirty="0"/>
+          </a:p>
+          <a:p>
+            <a:endParaRPr lang="en-DE" dirty="0" smtClean="0"/>
+          </a:p>
+          <a:p>
+            <a:endParaRPr lang="en-DE" dirty="0"/>
+          </a:p>
+          <a:p>
+            <a:endParaRPr lang="en-DE" dirty="0" smtClean="0"/>
+          </a:p>
+          <a:p>
+            <a:endParaRPr lang="en-DE" dirty="0" smtClean="0"/>
+          </a:p>
+          <a:p>
+            <a:endParaRPr lang="en-DE" dirty="0"/>
           </a:p>
           <a:p>
             <a:r>
               <a:rPr lang="en-DE" dirty="0" smtClean="0"/>
-              <a:t>More variables and other data frequency</a:t>
+              <a:t>Number of PCA components could be optimized</a:t>
             </a:r>
           </a:p>
           <a:p>
             <a:r>
               <a:rPr lang="en-DE" dirty="0" smtClean="0"/>
-              <a:t>Advanced ML methods, such as Random Forests and Recurrent Neural Networks</a:t>
-            </a:r>
-          </a:p>
-          <a:p>
-            <a:r>
-              <a:rPr lang="en-DE" dirty="0" smtClean="0"/>
-              <a:t>International evidence </a:t>
-            </a:r>
-            <a:endParaRPr lang="en-US" dirty="0"/>
-          </a:p>
-          <a:p>
-            <a:r>
-              <a:rPr lang="en-DE" dirty="0" smtClean="0"/>
-              <a:t>Inference could be done via double machine learning </a:t>
-            </a:r>
-            <a:r>
-              <a:rPr lang="en-US" dirty="0" smtClean="0"/>
-              <a:t>(</a:t>
-            </a:r>
-            <a:r>
-              <a:rPr lang="en-US" dirty="0" err="1"/>
-              <a:t>Chernozhukov</a:t>
-            </a:r>
-            <a:r>
-              <a:rPr lang="en-US" dirty="0"/>
-              <a:t> </a:t>
-            </a:r>
-            <a:r>
-              <a:rPr lang="en-US" i="1" dirty="0"/>
-              <a:t>et al.</a:t>
-            </a:r>
-            <a:r>
-              <a:rPr lang="en-US" dirty="0"/>
-              <a:t>, 2018)</a:t>
-            </a:r>
-          </a:p>
-          <a:p>
-            <a:endParaRPr lang="en-US" dirty="0"/>
+              <a:t>More literature review</a:t>
+            </a:r>
+          </a:p>
+          <a:p>
+            <a:endParaRPr lang="en-DE" dirty="0"/>
+          </a:p>
+          <a:p>
+            <a:endParaRPr lang="en-DE" dirty="0" smtClean="0"/>
+          </a:p>
+          <a:p>
+            <a:endParaRPr lang="en-DE" dirty="0"/>
+          </a:p>
+          <a:p>
+            <a:pPr marL="0" indent="0">
+              <a:buNone/>
+            </a:pPr>
+            <a:endParaRPr lang="en-DE" dirty="0" smtClean="0"/>
           </a:p>
         </p:txBody>
       </p:sp>
@@ -14155,10 +14975,83 @@
           </a:p>
         </p:txBody>
       </p:sp>
+      <p:pic>
+        <p:nvPicPr>
+          <p:cNvPr id="7" name="Picture 6"/>
+          <p:cNvPicPr>
+            <a:picLocks noChangeAspect="1"/>
+          </p:cNvPicPr>
+          <p:nvPr/>
+        </p:nvPicPr>
+        <p:blipFill rotWithShape="1">
+          <a:blip r:embed="rId2">
+            <a:extLst>
+              <a:ext uri="{28A0092B-C50C-407E-A947-70E740481C1C}">
+                <a14:useLocalDpi xmlns:a14="http://schemas.microsoft.com/office/drawing/2010/main" val="0"/>
+              </a:ext>
+            </a:extLst>
+          </a:blip>
+          <a:srcRect t="7725"/>
+          <a:stretch/>
+        </p:blipFill>
+        <p:spPr>
+          <a:xfrm>
+            <a:off x="971600" y="1672402"/>
+            <a:ext cx="3390833" cy="2363754"/>
+          </a:xfrm>
+          <a:prstGeom prst="rect">
+            <a:avLst/>
+          </a:prstGeom>
+        </p:spPr>
+      </p:pic>
+      <p:sp>
+        <p:nvSpPr>
+          <p:cNvPr id="8" name="Rectangle 7"/>
+          <p:cNvSpPr/>
+          <p:nvPr/>
+        </p:nvSpPr>
+        <p:spPr>
+          <a:xfrm>
+            <a:off x="5133462" y="3587008"/>
+            <a:ext cx="2555508" cy="369332"/>
+          </a:xfrm>
+          <a:prstGeom prst="rect">
+            <a:avLst/>
+          </a:prstGeom>
+        </p:spPr>
+        <p:txBody>
+          <a:bodyPr wrap="none">
+            <a:spAutoFit/>
+          </a:bodyPr>
+          <a:lstStyle/>
+          <a:p>
+            <a:r>
+              <a:rPr lang="en-US" dirty="0"/>
+              <a:t>(Varma and </a:t>
+            </a:r>
+            <a:r>
+              <a:rPr lang="en-US" dirty="0" smtClean="0"/>
+              <a:t>Simon</a:t>
+            </a:r>
+            <a:r>
+              <a:rPr lang="en-DE" dirty="0" smtClean="0"/>
+              <a:t>,</a:t>
+            </a:r>
+            <a:r>
+              <a:rPr lang="en-US" dirty="0" smtClean="0"/>
+              <a:t> </a:t>
+            </a:r>
+            <a:r>
+              <a:rPr lang="en-US" dirty="0"/>
+              <a:t>2006)</a:t>
+            </a:r>
+          </a:p>
+        </p:txBody>
+      </p:sp>
     </p:spTree>
     <p:extLst>
       <p:ext uri="{BB962C8B-B14F-4D97-AF65-F5344CB8AC3E}">
-        <p14:creationId xmlns:p14="http://schemas.microsoft.com/office/powerpoint/2010/main" val="65644964"/>
+        <p14:creationId xmlns:p14="http://schemas.microsoft.com/office/powerpoint/2010/main" val="2136253266"/>
       </p:ext>
     </p:extLst>
   </p:cSld>
@@ -14209,6 +15102,244 @@
           <a:p>
             <a:r>
               <a:rPr lang="en-US" dirty="0" smtClean="0"/>
+              <a:t>Future Research</a:t>
+            </a:r>
+            <a:endParaRPr lang="en-US" dirty="0"/>
+          </a:p>
+        </p:txBody>
+      </p:sp>
+      <p:sp>
+        <p:nvSpPr>
+          <p:cNvPr id="3" name="Content Placeholder 2"/>
+          <p:cNvSpPr>
+            <a:spLocks noGrp="1"/>
+          </p:cNvSpPr>
+          <p:nvPr>
+            <p:ph idx="1"/>
+          </p:nvPr>
+        </p:nvSpPr>
+        <p:spPr>
+          <a:xfrm>
+            <a:off x="684000" y="1340768"/>
+            <a:ext cx="7776000" cy="4475722"/>
+          </a:xfrm>
+        </p:spPr>
+        <p:txBody>
+          <a:bodyPr/>
+          <a:lstStyle/>
+          <a:p>
+            <a:r>
+              <a:rPr lang="en-US" dirty="0" smtClean="0"/>
+              <a:t>T</a:t>
+            </a:r>
+            <a:r>
+              <a:rPr lang="en-DE" dirty="0" smtClean="0"/>
+              <a:t>ests </a:t>
+            </a:r>
+            <a:r>
+              <a:rPr lang="en-DE" dirty="0" smtClean="0"/>
+              <a:t>following the literature </a:t>
+            </a:r>
+            <a:r>
+              <a:rPr lang="en-US" dirty="0"/>
+              <a:t>(Welch and </a:t>
+            </a:r>
+            <a:r>
+              <a:rPr lang="en-US" dirty="0" err="1"/>
+              <a:t>Goyal</a:t>
+            </a:r>
+            <a:r>
+              <a:rPr lang="en-US" dirty="0"/>
+              <a:t>, 2008)</a:t>
+            </a:r>
+          </a:p>
+          <a:p>
+            <a:r>
+              <a:rPr lang="en-DE" dirty="0" smtClean="0"/>
+              <a:t>Compare to other methods, such as </a:t>
+            </a:r>
+            <a:r>
+              <a:rPr lang="en-DE" dirty="0" smtClean="0"/>
+              <a:t>a simple </a:t>
+            </a:r>
+            <a:r>
+              <a:rPr lang="en-DE" dirty="0" smtClean="0"/>
+              <a:t>weighted average of predictions</a:t>
+            </a:r>
+          </a:p>
+          <a:p>
+            <a:r>
+              <a:rPr lang="en-DE" dirty="0" smtClean="0"/>
+              <a:t>More variables and other data frequency</a:t>
+            </a:r>
+          </a:p>
+          <a:p>
+            <a:r>
+              <a:rPr lang="en-DE" dirty="0" smtClean="0"/>
+              <a:t>Advanced ML methods, such as Random Forests and Recurrent Neural Networks</a:t>
+            </a:r>
+          </a:p>
+          <a:p>
+            <a:r>
+              <a:rPr lang="en-DE" dirty="0" smtClean="0"/>
+              <a:t>International evidence </a:t>
+            </a:r>
+            <a:endParaRPr lang="en-US" dirty="0"/>
+          </a:p>
+          <a:p>
+            <a:r>
+              <a:rPr lang="en-DE" dirty="0" smtClean="0"/>
+              <a:t>Inference could be done via double machine learning </a:t>
+            </a:r>
+            <a:r>
+              <a:rPr lang="en-US" dirty="0" smtClean="0"/>
+              <a:t>(</a:t>
+            </a:r>
+            <a:r>
+              <a:rPr lang="en-US" dirty="0" err="1"/>
+              <a:t>Chernozhukov</a:t>
+            </a:r>
+            <a:r>
+              <a:rPr lang="en-US" dirty="0"/>
+              <a:t> </a:t>
+            </a:r>
+            <a:r>
+              <a:rPr lang="en-US" i="1" dirty="0"/>
+              <a:t>et al.</a:t>
+            </a:r>
+            <a:r>
+              <a:rPr lang="en-US" dirty="0"/>
+              <a:t>, 2018)</a:t>
+            </a:r>
+          </a:p>
+          <a:p>
+            <a:endParaRPr lang="en-US" dirty="0"/>
+          </a:p>
+        </p:txBody>
+      </p:sp>
+      <p:sp>
+        <p:nvSpPr>
+          <p:cNvPr id="4" name="Date Placeholder 3"/>
+          <p:cNvSpPr>
+            <a:spLocks noGrp="1"/>
+          </p:cNvSpPr>
+          <p:nvPr>
+            <p:ph type="dt" sz="half" idx="10"/>
+          </p:nvPr>
+        </p:nvSpPr>
+        <p:spPr/>
+        <p:txBody>
+          <a:bodyPr/>
+          <a:lstStyle/>
+          <a:p>
+            <a:r>
+              <a:rPr lang="de-DE" smtClean="0"/>
+              <a:t>06.12.2018</a:t>
+            </a:r>
+            <a:endParaRPr lang="de-DE" dirty="0"/>
+          </a:p>
+        </p:txBody>
+      </p:sp>
+      <p:sp>
+        <p:nvSpPr>
+          <p:cNvPr id="5" name="Footer Placeholder 4"/>
+          <p:cNvSpPr>
+            <a:spLocks noGrp="1"/>
+          </p:cNvSpPr>
+          <p:nvPr>
+            <p:ph type="ftr" sz="quarter" idx="11"/>
+          </p:nvPr>
+        </p:nvSpPr>
+        <p:spPr/>
+        <p:txBody>
+          <a:bodyPr/>
+          <a:lstStyle/>
+          <a:p>
+            <a:r>
+              <a:rPr lang="de-DE" smtClean="0"/>
+              <a:t>Pavel Lesnevski</a:t>
+            </a:r>
+            <a:endParaRPr lang="de-DE" dirty="0"/>
+          </a:p>
+        </p:txBody>
+      </p:sp>
+      <p:sp>
+        <p:nvSpPr>
+          <p:cNvPr id="6" name="Slide Number Placeholder 5"/>
+          <p:cNvSpPr>
+            <a:spLocks noGrp="1"/>
+          </p:cNvSpPr>
+          <p:nvPr>
+            <p:ph type="sldNum" sz="quarter" idx="12"/>
+          </p:nvPr>
+        </p:nvSpPr>
+        <p:spPr/>
+        <p:txBody>
+          <a:bodyPr/>
+          <a:lstStyle/>
+          <a:p>
+            <a:fld id="{FC0CC166-4E39-43B8-AB91-BDD1C4C9E224}" type="slidenum">
+              <a:rPr lang="de-DE" smtClean="0"/>
+              <a:t>23</a:t>
+            </a:fld>
+            <a:endParaRPr lang="de-DE"/>
+          </a:p>
+        </p:txBody>
+      </p:sp>
+    </p:spTree>
+    <p:extLst>
+      <p:ext uri="{BB962C8B-B14F-4D97-AF65-F5344CB8AC3E}">
+        <p14:creationId xmlns:p14="http://schemas.microsoft.com/office/powerpoint/2010/main" val="65644964"/>
+      </p:ext>
+    </p:extLst>
+  </p:cSld>
+  <p:clrMapOvr>
+    <a:masterClrMapping/>
+  </p:clrMapOvr>
+  <p:timing>
+    <p:tnLst>
+      <p:par>
+        <p:cTn id="1" dur="indefinite" restart="never" nodeType="tmRoot"/>
+      </p:par>
+    </p:tnLst>
+  </p:timing>
+</p:sld>
+</file>
+
+<file path=ppt/slides/slide24.xml><?xml version="1.0" encoding="utf-8"?>
+<p:sld xmlns:a="http://schemas.openxmlformats.org/drawingml/2006/main" xmlns:r="http://schemas.openxmlformats.org/officeDocument/2006/relationships" xmlns:p="http://schemas.openxmlformats.org/presentationml/2006/main">
+  <p:cSld>
+    <p:spTree>
+      <p:nvGrpSpPr>
+        <p:cNvPr id="1" name=""/>
+        <p:cNvGrpSpPr/>
+        <p:nvPr/>
+      </p:nvGrpSpPr>
+      <p:grpSpPr>
+        <a:xfrm>
+          <a:off x="0" y="0"/>
+          <a:ext cx="0" cy="0"/>
+          <a:chOff x="0" y="0"/>
+          <a:chExt cx="0" cy="0"/>
+        </a:xfrm>
+      </p:grpSpPr>
+      <p:sp>
+        <p:nvSpPr>
+          <p:cNvPr id="2" name="Title 1"/>
+          <p:cNvSpPr>
+            <a:spLocks noGrp="1"/>
+          </p:cNvSpPr>
+          <p:nvPr>
+            <p:ph type="title"/>
+          </p:nvPr>
+        </p:nvSpPr>
+        <p:spPr/>
+        <p:txBody>
+          <a:bodyPr/>
+          <a:lstStyle/>
+          <a:p>
+            <a:r>
+              <a:rPr lang="en-US" dirty="0" smtClean="0"/>
               <a:t>Conclusion</a:t>
             </a:r>
             <a:endParaRPr lang="en-US" dirty="0"/>
@@ -14244,7 +15375,27 @@
             </a:r>
             <a:r>
               <a:rPr lang="en-DE" dirty="0" smtClean="0"/>
-              <a:t>earning technics have potential to improve the prediction of equity returns</a:t>
+              <a:t>earning technics have </a:t>
+            </a:r>
+            <a:r>
+              <a:rPr lang="en-DE" dirty="0" smtClean="0"/>
+              <a:t>a </a:t>
+            </a:r>
+            <a:r>
+              <a:rPr lang="en-DE" dirty="0" smtClean="0"/>
+              <a:t>potential </a:t>
+            </a:r>
+            <a:r>
+              <a:rPr lang="en-DE" dirty="0" smtClean="0"/>
+              <a:t>to improve the </a:t>
+            </a:r>
+            <a:r>
+              <a:rPr lang="en-DE" dirty="0" smtClean="0"/>
+              <a:t>prediction accuracy </a:t>
+            </a:r>
+            <a:r>
+              <a:rPr lang="en-DE" dirty="0" smtClean="0"/>
+              <a:t>of equity returns</a:t>
             </a:r>
           </a:p>
           <a:p>
@@ -14258,8 +15409,21 @@
             </a:r>
             <a:r>
               <a:rPr lang="en-DE" dirty="0" smtClean="0"/>
-              <a:t> methods Elastic Net showed the best performance</a:t>
-            </a:r>
+              <a:t> </a:t>
+            </a:r>
+            <a:r>
+              <a:rPr lang="en-DE" dirty="0" smtClean="0"/>
+              <a:t>methods, </a:t>
+            </a:r>
+            <a:r>
+              <a:rPr lang="en-DE" dirty="0" smtClean="0"/>
+              <a:t>Elastic Net showed the best </a:t>
+            </a:r>
+            <a:r>
+              <a:rPr lang="en-DE" dirty="0" smtClean="0"/>
+              <a:t>predictive performance</a:t>
+            </a:r>
+            <a:endParaRPr lang="en-DE" dirty="0" smtClean="0"/>
           </a:p>
           <a:p>
             <a:endParaRPr lang="en-US" dirty="0"/>
@@ -14329,12 +15493,81 @@
           <a:p>
             <a:fld id="{FC0CC166-4E39-43B8-AB91-BDD1C4C9E224}" type="slidenum">
               <a:rPr lang="de-DE" smtClean="0"/>
-              <a:t>23</a:t>
+              <a:t>24</a:t>
             </a:fld>
             <a:endParaRPr lang="de-DE"/>
           </a:p>
         </p:txBody>
       </p:sp>
+      <p:sp>
+        <p:nvSpPr>
+          <p:cNvPr id="7" name="AutoShape 2" descr="Image result for machine learning"/>
+          <p:cNvSpPr>
+            <a:spLocks noChangeAspect="1" noChangeArrowheads="1"/>
+          </p:cNvSpPr>
+          <p:nvPr/>
+        </p:nvSpPr>
+        <p:spPr bwMode="auto">
+          <a:xfrm>
+            <a:off x="155575" y="-2659063"/>
+            <a:ext cx="5629275" cy="5553076"/>
+          </a:xfrm>
+          <a:prstGeom prst="rect">
+            <a:avLst/>
+          </a:prstGeom>
+          <a:noFill/>
+          <a:extLst>
+            <a:ext uri="{909E8E84-426E-40DD-AFC4-6F175D3DCCD1}">
+              <a14:hiddenFill xmlns:a14="http://schemas.microsoft.com/office/drawing/2010/main">
+                <a:solidFill>
+                  <a:srgbClr val="FFFFFF"/>
+                </a:solidFill>
+              </a14:hiddenFill>
+            </a:ext>
+          </a:extLst>
+        </p:spPr>
+        <p:txBody>
+          <a:bodyPr vert="horz" wrap="square" lIns="91440" tIns="45720" rIns="91440" bIns="45720" numCol="1" anchor="t" anchorCtr="0" compatLnSpc="1">
+            <a:prstTxWarp prst="textNoShape">
+              <a:avLst/>
+            </a:prstTxWarp>
+          </a:bodyPr>
+          <a:lstStyle/>
+          <a:p>
+            <a:endParaRPr lang="en-US"/>
+          </a:p>
+        </p:txBody>
+      </p:sp>
+      <p:pic>
+        <p:nvPicPr>
+          <p:cNvPr id="8" name="Picture 7"/>
+          <p:cNvPicPr>
+            <a:picLocks noChangeAspect="1"/>
+          </p:cNvPicPr>
+          <p:nvPr/>
+        </p:nvPicPr>
+        <p:blipFill>
+          <a:blip r:embed="rId2">
+            <a:extLst>
+              <a:ext uri="{28A0092B-C50C-407E-A947-70E740481C1C}">
+                <a14:useLocalDpi xmlns:a14="http://schemas.microsoft.com/office/drawing/2010/main" val="0"/>
+              </a:ext>
+            </a:extLst>
+          </a:blip>
+          <a:stretch>
+            <a:fillRect/>
+          </a:stretch>
+        </p:blipFill>
+        <p:spPr>
+          <a:xfrm>
+            <a:off x="3239852" y="4224140"/>
+            <a:ext cx="2152650" cy="2124075"/>
+          </a:xfrm>
+          <a:prstGeom prst="rect">
+            <a:avLst/>
+          </a:prstGeom>
+        </p:spPr>
+      </p:pic>
     </p:spTree>
     <p:extLst>
       <p:ext uri="{BB962C8B-B14F-4D97-AF65-F5344CB8AC3E}">
@@ -14375,23 +15608,14 @@
             <p:ph type="title"/>
           </p:nvPr>
         </p:nvSpPr>
-        <p:spPr>
-          <a:xfrm>
-            <a:off x="684000" y="584684"/>
-            <a:ext cx="6012236" cy="1141200"/>
-          </a:xfrm>
-        </p:spPr>
+        <p:spPr/>
         <p:txBody>
           <a:bodyPr/>
           <a:lstStyle/>
           <a:p>
             <a:r>
               <a:rPr lang="en-US" dirty="0" smtClean="0"/>
-              <a:t>Explanatory vs Predictive </a:t>
-            </a:r>
-            <a:r>
-              <a:rPr lang="en-US" dirty="0" smtClean="0"/>
-              <a:t>Modeling </a:t>
+              <a:t>Different Modeling Cultures</a:t>
             </a:r>
             <a:endParaRPr lang="en-US" dirty="0"/>
           </a:p>
@@ -14413,118 +15637,36 @@
           <a:lstStyle/>
           <a:p>
             <a:r>
-              <a:rPr lang="en-US" dirty="0" err="1"/>
-              <a:t>Breiman</a:t>
-            </a:r>
-            <a:r>
-              <a:rPr lang="en-US" dirty="0"/>
-              <a:t>, Leo, 2001, Statistical Modeling: The Two </a:t>
-            </a:r>
-            <a:r>
               <a:rPr lang="en-US" dirty="0" smtClean="0"/>
-              <a:t>Cultures, </a:t>
-            </a:r>
-            <a:r>
-              <a:rPr lang="en-US" i="1" dirty="0"/>
-              <a:t>Statistical Science</a:t>
-            </a:r>
-            <a:r>
-              <a:rPr lang="en-US" dirty="0"/>
-              <a:t> 16, </a:t>
-            </a:r>
+              <a:t>Process:</a:t>
+            </a:r>
+          </a:p>
+          <a:p>
+            <a:endParaRPr lang="en-US" dirty="0"/>
+          </a:p>
+          <a:p>
             <a:r>
               <a:rPr lang="en-US" dirty="0" smtClean="0"/>
-              <a:t>199–231.</a:t>
-            </a:r>
-          </a:p>
-          <a:p>
-            <a:r>
-              <a:rPr lang="en-US" dirty="0" err="1"/>
-              <a:t>Shmueli</a:t>
-            </a:r>
-            <a:r>
-              <a:rPr lang="en-US" dirty="0"/>
-              <a:t>, </a:t>
-            </a:r>
-            <a:r>
-              <a:rPr lang="en-US" dirty="0" err="1"/>
-              <a:t>Galit</a:t>
-            </a:r>
-            <a:r>
-              <a:rPr lang="en-US" dirty="0"/>
-              <a:t>, 2010, To Explain or to Predict?, </a:t>
-            </a:r>
-            <a:r>
-              <a:rPr lang="en-US" i="1" dirty="0"/>
-              <a:t>Statistical Science</a:t>
-            </a:r>
-            <a:r>
-              <a:rPr lang="en-US" dirty="0"/>
-              <a:t> 25, </a:t>
-            </a:r>
+              <a:t>Explanatory Modeling:</a:t>
+            </a:r>
+          </a:p>
+          <a:p>
+            <a:endParaRPr lang="en-US" dirty="0"/>
+          </a:p>
+          <a:p>
+            <a:endParaRPr lang="en-US" dirty="0" smtClean="0"/>
+          </a:p>
+          <a:p>
             <a:r>
               <a:rPr lang="en-US" dirty="0" smtClean="0"/>
-              <a:t>289–310.</a:t>
-            </a:r>
-          </a:p>
-          <a:p>
-            <a:r>
-              <a:rPr lang="en-US" dirty="0"/>
-              <a:t>Kleinberg, Jon, Jens Ludwig, </a:t>
-            </a:r>
-            <a:r>
-              <a:rPr lang="en-US" dirty="0" err="1"/>
-              <a:t>Sendhil</a:t>
-            </a:r>
-            <a:r>
-              <a:rPr lang="en-US" dirty="0"/>
-              <a:t> Mullainathan, and </a:t>
-            </a:r>
-            <a:r>
-              <a:rPr lang="en-US" dirty="0" err="1"/>
-              <a:t>Ziad</a:t>
-            </a:r>
-            <a:r>
-              <a:rPr lang="en-US" dirty="0"/>
-              <a:t> Obermeyer, 2015, Prediction Policy Problems, </a:t>
-            </a:r>
-            <a:r>
-              <a:rPr lang="en-US" i="1" dirty="0"/>
-              <a:t>American Economic Review</a:t>
-            </a:r>
-            <a:r>
-              <a:rPr lang="en-US" dirty="0"/>
-              <a:t> 105, 491–495</a:t>
-            </a:r>
-            <a:r>
-              <a:rPr lang="en-US" dirty="0" smtClean="0"/>
-              <a:t>.</a:t>
-            </a:r>
-          </a:p>
-          <a:p>
-            <a:r>
-              <a:rPr lang="en-US" dirty="0"/>
-              <a:t>Mullainathan, </a:t>
-            </a:r>
-            <a:r>
-              <a:rPr lang="en-US" dirty="0" err="1"/>
-              <a:t>Sendhil</a:t>
-            </a:r>
-            <a:r>
-              <a:rPr lang="en-US" dirty="0"/>
-              <a:t>, and Jann </a:t>
-            </a:r>
-            <a:r>
-              <a:rPr lang="en-US" dirty="0" err="1"/>
-              <a:t>Spiess</a:t>
-            </a:r>
-            <a:r>
-              <a:rPr lang="en-US" dirty="0"/>
-              <a:t>, 2017, Machine Learning: An Applied Econometric Approach, 31, 87–106.</a:t>
-            </a:r>
-          </a:p>
-          <a:p>
-            <a:endParaRPr lang="en-US" dirty="0" smtClean="0"/>
+              <a:t>Predictive Modeling:</a:t>
+            </a:r>
+          </a:p>
+          <a:p>
+            <a:endParaRPr lang="en-US" dirty="0"/>
+          </a:p>
+          <a:p>
+            <a:endParaRPr lang="en-US" dirty="0"/>
           </a:p>
         </p:txBody>
       </p:sp>
@@ -14592,208 +15734,6 @@
             <a:fld id="{FC0CC166-4E39-43B8-AB91-BDD1C4C9E224}" type="slidenum">
               <a:rPr lang="de-DE" smtClean="0"/>
               <a:t>3</a:t>
-            </a:fld>
-            <a:endParaRPr lang="de-DE"/>
-          </a:p>
-        </p:txBody>
-      </p:sp>
-    </p:spTree>
-    <p:extLst>
-      <p:ext uri="{BB962C8B-B14F-4D97-AF65-F5344CB8AC3E}">
-        <p14:creationId xmlns:p14="http://schemas.microsoft.com/office/powerpoint/2010/main" val="3827084771"/>
-      </p:ext>
-    </p:extLst>
-  </p:cSld>
-  <p:clrMapOvr>
-    <a:masterClrMapping/>
-  </p:clrMapOvr>
-  <p:timing>
-    <p:tnLst>
-      <p:par>
-        <p:cTn id="1" dur="indefinite" restart="never" nodeType="tmRoot"/>
-      </p:par>
-    </p:tnLst>
-  </p:timing>
-</p:sld>
-</file>
-
-<file path=ppt/slides/slide4.xml><?xml version="1.0" encoding="utf-8"?>
-<p:sld xmlns:a="http://schemas.openxmlformats.org/drawingml/2006/main" xmlns:r="http://schemas.openxmlformats.org/officeDocument/2006/relationships" xmlns:p="http://schemas.openxmlformats.org/presentationml/2006/main">
-  <p:cSld>
-    <p:spTree>
-      <p:nvGrpSpPr>
-        <p:cNvPr id="1" name=""/>
-        <p:cNvGrpSpPr/>
-        <p:nvPr/>
-      </p:nvGrpSpPr>
-      <p:grpSpPr>
-        <a:xfrm>
-          <a:off x="0" y="0"/>
-          <a:ext cx="0" cy="0"/>
-          <a:chOff x="0" y="0"/>
-          <a:chExt cx="0" cy="0"/>
-        </a:xfrm>
-      </p:grpSpPr>
-      <p:sp>
-        <p:nvSpPr>
-          <p:cNvPr id="2" name="Title 1"/>
-          <p:cNvSpPr>
-            <a:spLocks noGrp="1"/>
-          </p:cNvSpPr>
-          <p:nvPr>
-            <p:ph type="title"/>
-          </p:nvPr>
-        </p:nvSpPr>
-        <p:spPr/>
-        <p:txBody>
-          <a:bodyPr/>
-          <a:lstStyle/>
-          <a:p>
-            <a:r>
-              <a:rPr lang="en-US" dirty="0" smtClean="0"/>
-              <a:t>Different </a:t>
-            </a:r>
-            <a:r>
-              <a:rPr lang="en-US" dirty="0" smtClean="0"/>
-              <a:t>Modeling </a:t>
-            </a:r>
-            <a:r>
-              <a:rPr lang="en-US" dirty="0" smtClean="0"/>
-              <a:t>Cultures</a:t>
-            </a:r>
-            <a:endParaRPr lang="en-US" dirty="0"/>
-          </a:p>
-        </p:txBody>
-      </p:sp>
-      <p:sp>
-        <p:nvSpPr>
-          <p:cNvPr id="3" name="Content Placeholder 2"/>
-          <p:cNvSpPr>
-            <a:spLocks noGrp="1"/>
-          </p:cNvSpPr>
-          <p:nvPr>
-            <p:ph idx="1"/>
-          </p:nvPr>
-        </p:nvSpPr>
-        <p:spPr/>
-        <p:txBody>
-          <a:bodyPr/>
-          <a:lstStyle/>
-          <a:p>
-            <a:r>
-              <a:rPr lang="en-US" dirty="0" smtClean="0"/>
-              <a:t>Process:</a:t>
-            </a:r>
-          </a:p>
-          <a:p>
-            <a:endParaRPr lang="en-US" dirty="0"/>
-          </a:p>
-          <a:p>
-            <a:r>
-              <a:rPr lang="en-US" dirty="0" smtClean="0"/>
-              <a:t>Explanatory </a:t>
-            </a:r>
-            <a:r>
-              <a:rPr lang="en-US" dirty="0" smtClean="0"/>
-              <a:t>Modeling</a:t>
-            </a:r>
-            <a:r>
-              <a:rPr lang="en-US" dirty="0" smtClean="0"/>
-              <a:t>:</a:t>
-            </a:r>
-          </a:p>
-          <a:p>
-            <a:endParaRPr lang="en-US" dirty="0"/>
-          </a:p>
-          <a:p>
-            <a:endParaRPr lang="en-US" dirty="0" smtClean="0"/>
-          </a:p>
-          <a:p>
-            <a:r>
-              <a:rPr lang="en-US" dirty="0" smtClean="0"/>
-              <a:t>Predictive </a:t>
-            </a:r>
-            <a:r>
-              <a:rPr lang="en-US" dirty="0" smtClean="0"/>
-              <a:t>Modeling</a:t>
-            </a:r>
-            <a:r>
-              <a:rPr lang="en-US" dirty="0" smtClean="0"/>
-              <a:t>:</a:t>
-            </a:r>
-          </a:p>
-          <a:p>
-            <a:endParaRPr lang="en-US" dirty="0"/>
-          </a:p>
-          <a:p>
-            <a:endParaRPr lang="en-US" dirty="0"/>
-          </a:p>
-        </p:txBody>
-      </p:sp>
-      <p:sp>
-        <p:nvSpPr>
-          <p:cNvPr id="4" name="Date Placeholder 3"/>
-          <p:cNvSpPr>
-            <a:spLocks noGrp="1"/>
-          </p:cNvSpPr>
-          <p:nvPr>
-            <p:ph type="dt" sz="half" idx="10"/>
-          </p:nvPr>
-        </p:nvSpPr>
-        <p:spPr/>
-        <p:txBody>
-          <a:bodyPr/>
-          <a:lstStyle/>
-          <a:p>
-            <a:r>
-              <a:rPr lang="de-DE" smtClean="0"/>
-              <a:t>06.12.2018</a:t>
-            </a:r>
-            <a:endParaRPr lang="de-DE" dirty="0"/>
-          </a:p>
-        </p:txBody>
-      </p:sp>
-      <p:sp>
-        <p:nvSpPr>
-          <p:cNvPr id="5" name="Footer Placeholder 4"/>
-          <p:cNvSpPr>
-            <a:spLocks noGrp="1"/>
-          </p:cNvSpPr>
-          <p:nvPr>
-            <p:ph type="ftr" sz="quarter" idx="11"/>
-          </p:nvPr>
-        </p:nvSpPr>
-        <p:spPr/>
-        <p:txBody>
-          <a:bodyPr/>
-          <a:lstStyle/>
-          <a:p>
-            <a:r>
-              <a:rPr lang="de-DE" smtClean="0"/>
-              <a:t>Pavel Lesnevski</a:t>
-            </a:r>
-            <a:endParaRPr lang="de-DE" dirty="0"/>
-          </a:p>
-        </p:txBody>
-      </p:sp>
-      <p:sp>
-        <p:nvSpPr>
-          <p:cNvPr id="6" name="Slide Number Placeholder 5"/>
-          <p:cNvSpPr>
-            <a:spLocks noGrp="1"/>
-          </p:cNvSpPr>
-          <p:nvPr>
-            <p:ph type="sldNum" sz="quarter" idx="12"/>
-          </p:nvPr>
-        </p:nvSpPr>
-        <p:spPr/>
-        <p:txBody>
-          <a:bodyPr/>
-          <a:lstStyle/>
-          <a:p>
-            <a:fld id="{FC0CC166-4E39-43B8-AB91-BDD1C4C9E224}" type="slidenum">
-              <a:rPr lang="de-DE" smtClean="0"/>
-              <a:t>4</a:t>
             </a:fld>
             <a:endParaRPr lang="de-DE"/>
           </a:p>
@@ -14981,6 +15921,164 @@
 </p:sld>
 </file>
 
+<file path=ppt/slides/slide4.xml><?xml version="1.0" encoding="utf-8"?>
+<p:sld xmlns:a="http://schemas.openxmlformats.org/drawingml/2006/main" xmlns:r="http://schemas.openxmlformats.org/officeDocument/2006/relationships" xmlns:p="http://schemas.openxmlformats.org/presentationml/2006/main">
+  <p:cSld>
+    <p:spTree>
+      <p:nvGrpSpPr>
+        <p:cNvPr id="1" name=""/>
+        <p:cNvGrpSpPr/>
+        <p:nvPr/>
+      </p:nvGrpSpPr>
+      <p:grpSpPr>
+        <a:xfrm>
+          <a:off x="0" y="0"/>
+          <a:ext cx="0" cy="0"/>
+          <a:chOff x="0" y="0"/>
+          <a:chExt cx="0" cy="0"/>
+        </a:xfrm>
+      </p:grpSpPr>
+      <p:sp>
+        <p:nvSpPr>
+          <p:cNvPr id="2" name="Title 1"/>
+          <p:cNvSpPr>
+            <a:spLocks noGrp="1"/>
+          </p:cNvSpPr>
+          <p:nvPr>
+            <p:ph type="title"/>
+          </p:nvPr>
+        </p:nvSpPr>
+        <p:spPr/>
+        <p:txBody>
+          <a:bodyPr/>
+          <a:lstStyle/>
+          <a:p>
+            <a:r>
+              <a:rPr lang="en-DE" dirty="0" smtClean="0"/>
+              <a:t>Recent Trend</a:t>
+            </a:r>
+            <a:endParaRPr lang="en-US" dirty="0"/>
+          </a:p>
+        </p:txBody>
+      </p:sp>
+      <p:sp>
+        <p:nvSpPr>
+          <p:cNvPr id="4" name="Date Placeholder 3"/>
+          <p:cNvSpPr>
+            <a:spLocks noGrp="1"/>
+          </p:cNvSpPr>
+          <p:nvPr>
+            <p:ph type="dt" sz="half" idx="10"/>
+          </p:nvPr>
+        </p:nvSpPr>
+        <p:spPr/>
+        <p:txBody>
+          <a:bodyPr/>
+          <a:lstStyle/>
+          <a:p>
+            <a:r>
+              <a:rPr lang="de-DE" smtClean="0"/>
+              <a:t>06.12.2018</a:t>
+            </a:r>
+            <a:endParaRPr lang="de-DE" dirty="0"/>
+          </a:p>
+        </p:txBody>
+      </p:sp>
+      <p:sp>
+        <p:nvSpPr>
+          <p:cNvPr id="5" name="Footer Placeholder 4"/>
+          <p:cNvSpPr>
+            <a:spLocks noGrp="1"/>
+          </p:cNvSpPr>
+          <p:nvPr>
+            <p:ph type="ftr" sz="quarter" idx="11"/>
+          </p:nvPr>
+        </p:nvSpPr>
+        <p:spPr/>
+        <p:txBody>
+          <a:bodyPr/>
+          <a:lstStyle/>
+          <a:p>
+            <a:r>
+              <a:rPr lang="de-DE" dirty="0" smtClean="0"/>
+              <a:t>Pavel Lesnevski</a:t>
+            </a:r>
+            <a:endParaRPr lang="de-DE" dirty="0"/>
+          </a:p>
+        </p:txBody>
+      </p:sp>
+      <p:sp>
+        <p:nvSpPr>
+          <p:cNvPr id="6" name="Slide Number Placeholder 5"/>
+          <p:cNvSpPr>
+            <a:spLocks noGrp="1"/>
+          </p:cNvSpPr>
+          <p:nvPr>
+            <p:ph type="sldNum" sz="quarter" idx="12"/>
+          </p:nvPr>
+        </p:nvSpPr>
+        <p:spPr/>
+        <p:txBody>
+          <a:bodyPr/>
+          <a:lstStyle/>
+          <a:p>
+            <a:fld id="{FC0CC166-4E39-43B8-AB91-BDD1C4C9E224}" type="slidenum">
+              <a:rPr lang="de-DE" smtClean="0"/>
+              <a:t>4</a:t>
+            </a:fld>
+            <a:endParaRPr lang="de-DE"/>
+          </a:p>
+        </p:txBody>
+      </p:sp>
+      <p:pic>
+        <p:nvPicPr>
+          <p:cNvPr id="7" name="Content Placeholder 6"/>
+          <p:cNvPicPr>
+            <a:picLocks noGrp="1" noChangeAspect="1"/>
+          </p:cNvPicPr>
+          <p:nvPr>
+            <p:ph idx="1"/>
+          </p:nvPr>
+        </p:nvPicPr>
+        <p:blipFill>
+          <a:blip r:embed="rId2">
+            <a:extLst>
+              <a:ext uri="{28A0092B-C50C-407E-A947-70E740481C1C}">
+                <a14:useLocalDpi xmlns:a14="http://schemas.microsoft.com/office/drawing/2010/main" val="0"/>
+              </a:ext>
+            </a:extLst>
+          </a:blip>
+          <a:stretch>
+            <a:fillRect/>
+          </a:stretch>
+        </p:blipFill>
+        <p:spPr>
+          <a:xfrm>
+            <a:off x="899592" y="1971680"/>
+            <a:ext cx="7164796" cy="3761518"/>
+          </a:xfrm>
+        </p:spPr>
+      </p:pic>
+    </p:spTree>
+    <p:extLst>
+      <p:ext uri="{BB962C8B-B14F-4D97-AF65-F5344CB8AC3E}">
+        <p14:creationId xmlns:p14="http://schemas.microsoft.com/office/powerpoint/2010/main" val="3571216120"/>
+      </p:ext>
+    </p:extLst>
+  </p:cSld>
+  <p:clrMapOvr>
+    <a:masterClrMapping/>
+  </p:clrMapOvr>
+  <p:timing>
+    <p:tnLst>
+      <p:par>
+        <p:cTn id="1" dur="indefinite" restart="never" nodeType="tmRoot"/>
+      </p:par>
+    </p:tnLst>
+  </p:timing>
+</p:sld>
+</file>
+
 <file path=ppt/slides/slide5.xml><?xml version="1.0" encoding="utf-8"?>
 <p:sld xmlns:a="http://schemas.openxmlformats.org/drawingml/2006/main" xmlns:r="http://schemas.openxmlformats.org/officeDocument/2006/relationships" xmlns:p="http://schemas.openxmlformats.org/presentationml/2006/main">
   <p:cSld>
@@ -15015,15 +16113,7 @@
           <a:p>
             <a:r>
               <a:rPr lang="en-US" dirty="0" smtClean="0"/>
-              <a:t>ML Methods for Explanatory </a:t>
-            </a:r>
-            <a:r>
-              <a:rPr lang="en-US" dirty="0" smtClean="0"/>
-              <a:t>Modeling </a:t>
-            </a:r>
-            <a:r>
-              <a:rPr lang="en-US" dirty="0" smtClean="0"/>
-              <a:t>(Inference)</a:t>
+              <a:t>ML Methods for Explanatory Modeling (Inference)</a:t>
             </a:r>
             <a:endParaRPr lang="en-US" dirty="0"/>
           </a:p>
@@ -15102,6 +16192,130 @@
               <a:rPr lang="de-DE" sz="1400" dirty="0" smtClean="0"/>
               <a:t>1-68</a:t>
             </a:r>
+            <a:endParaRPr lang="en-DE" sz="1400" dirty="0" smtClean="0"/>
+          </a:p>
+          <a:p>
+            <a:r>
+              <a:rPr lang="de-DE" sz="1400" dirty="0" err="1"/>
+              <a:t>Wager</a:t>
+            </a:r>
+            <a:r>
+              <a:rPr lang="de-DE" sz="1400" dirty="0"/>
+              <a:t>, S., </a:t>
+            </a:r>
+            <a:r>
+              <a:rPr lang="de-DE" sz="1400" dirty="0" err="1"/>
+              <a:t>and</a:t>
+            </a:r>
+            <a:r>
+              <a:rPr lang="de-DE" sz="1400" dirty="0"/>
+              <a:t> S. </a:t>
+            </a:r>
+            <a:r>
+              <a:rPr lang="de-DE" sz="1400" dirty="0" err="1"/>
+              <a:t>Athey</a:t>
+            </a:r>
+            <a:r>
+              <a:rPr lang="de-DE" sz="1400" dirty="0"/>
+              <a:t> (2018). „</a:t>
+            </a:r>
+            <a:r>
+              <a:rPr lang="de-DE" sz="1400" dirty="0" err="1"/>
+              <a:t>Estimation</a:t>
+            </a:r>
+            <a:r>
+              <a:rPr lang="de-DE" sz="1400" dirty="0"/>
+              <a:t> </a:t>
+            </a:r>
+            <a:r>
+              <a:rPr lang="de-DE" sz="1400" dirty="0" err="1"/>
+              <a:t>and</a:t>
+            </a:r>
+            <a:r>
+              <a:rPr lang="de-DE" sz="1400" dirty="0"/>
+              <a:t> </a:t>
+            </a:r>
+            <a:r>
+              <a:rPr lang="de-DE" sz="1400" dirty="0" err="1"/>
+              <a:t>Inference</a:t>
+            </a:r>
+            <a:r>
+              <a:rPr lang="de-DE" sz="1400" dirty="0"/>
+              <a:t> </a:t>
+            </a:r>
+            <a:r>
+              <a:rPr lang="de-DE" sz="1400" dirty="0" err="1"/>
+              <a:t>of</a:t>
+            </a:r>
+            <a:r>
+              <a:rPr lang="de-DE" sz="1400" dirty="0"/>
+              <a:t> </a:t>
+            </a:r>
+            <a:r>
+              <a:rPr lang="de-DE" sz="1400" dirty="0" err="1"/>
+              <a:t>Heterogeneous</a:t>
+            </a:r>
+            <a:r>
+              <a:rPr lang="de-DE" sz="1400" dirty="0"/>
+              <a:t> Treatment </a:t>
+            </a:r>
+            <a:r>
+              <a:rPr lang="de-DE" sz="1400" dirty="0" err="1"/>
+              <a:t>Effects</a:t>
+            </a:r>
+            <a:r>
+              <a:rPr lang="de-DE" sz="1400" dirty="0"/>
+              <a:t> </a:t>
+            </a:r>
+            <a:r>
+              <a:rPr lang="de-DE" sz="1400" dirty="0" err="1"/>
+              <a:t>using</a:t>
+            </a:r>
+            <a:r>
+              <a:rPr lang="de-DE" sz="1400" dirty="0"/>
+              <a:t> Random </a:t>
+            </a:r>
+            <a:r>
+              <a:rPr lang="de-DE" sz="1400" dirty="0" err="1"/>
+              <a:t>Forests</a:t>
+            </a:r>
+            <a:r>
+              <a:rPr lang="de-DE" sz="1400" dirty="0"/>
+              <a:t>“. </a:t>
+            </a:r>
+            <a:r>
+              <a:rPr lang="de-DE" sz="1400" i="1" dirty="0"/>
+              <a:t>Journal </a:t>
+            </a:r>
+            <a:r>
+              <a:rPr lang="de-DE" sz="1400" i="1" dirty="0" err="1"/>
+              <a:t>of</a:t>
+            </a:r>
+            <a:r>
+              <a:rPr lang="de-DE" sz="1400" i="1" dirty="0"/>
+              <a:t> </a:t>
+            </a:r>
+            <a:r>
+              <a:rPr lang="de-DE" sz="1400" i="1" dirty="0" err="1"/>
+              <a:t>the</a:t>
+            </a:r>
+            <a:r>
+              <a:rPr lang="de-DE" sz="1400" i="1" dirty="0"/>
+              <a:t> American Statistical </a:t>
+            </a:r>
+            <a:r>
+              <a:rPr lang="de-DE" sz="1400" i="1" dirty="0" err="1"/>
+              <a:t>Association</a:t>
+            </a:r>
+            <a:r>
+              <a:rPr lang="de-DE" sz="1400" dirty="0"/>
+              <a:t>, 1-15</a:t>
+            </a:r>
+          </a:p>
+          <a:p>
+            <a:pPr marL="0" indent="0">
+              <a:buNone/>
+            </a:pPr>
             <a:endParaRPr lang="de-DE" sz="1400" dirty="0"/>
           </a:p>
         </p:txBody>
@@ -15228,15 +16442,26 @@
           <a:lstStyle/>
           <a:p>
             <a:r>
-              <a:rPr lang="en-US" dirty="0" smtClean="0"/>
-              <a:t>Bias-Variance Tradeoff</a:t>
-            </a:r>
-            <a:endParaRPr lang="en-US" dirty="0"/>
+              <a:rPr lang="en-DE" dirty="0" smtClean="0"/>
+              <a:t>Predictive Modeling</a:t>
+            </a:r>
+            <a:br>
+              <a:rPr lang="en-DE" dirty="0" smtClean="0"/>
+            </a:br>
+            <a:r>
+              <a:rPr lang="en-US" sz="2400" dirty="0" smtClean="0"/>
+              <a:t>Bias-Variance </a:t>
+            </a:r>
+            <a:r>
+              <a:rPr lang="en-US" sz="2400" dirty="0" smtClean="0"/>
+              <a:t>Tradeoff</a:t>
+            </a:r>
+            <a:endParaRPr lang="en-US" sz="2400" dirty="0"/>
           </a:p>
         </p:txBody>
       </p:sp>
-      <mc:AlternateContent xmlns:mc="http://schemas.openxmlformats.org/markup-compatibility/2006" xmlns:a14="http://schemas.microsoft.com/office/drawing/2010/main">
-        <mc:Choice Requires="a14">
+      <mc:AlternateContent xmlns:mc="http://schemas.openxmlformats.org/markup-compatibility/2006">
+        <mc:Choice xmlns:a14="http://schemas.microsoft.com/office/drawing/2010/main" Requires="a14">
           <p:sp>
             <p:nvSpPr>
               <p:cNvPr id="3" name="Content Placeholder 2"/>
@@ -15249,7 +16474,7 @@
             </p:nvSpPr>
             <p:spPr>
               <a:xfrm>
-                <a:off x="684000" y="1304764"/>
+                <a:off x="683568" y="1797884"/>
                 <a:ext cx="8028460" cy="4511726"/>
               </a:xfrm>
             </p:spPr>
@@ -15524,23 +16749,28 @@
                           </a:rPr>
                           <m:t>𝑉𝑎𝑟</m:t>
                         </m:r>
-                        <m:d>
-                          <m:dPr>
-                            <m:ctrlPr>
-                              <a:rPr lang="en-US" i="1">
-                                <a:latin typeface="Cambria Math" panose="02040503050406030204" pitchFamily="18" charset="0"/>
-                              </a:rPr>
-                            </m:ctrlPr>
-                          </m:dPr>
-                          <m:e>
-                            <m:r>
-                              <a:rPr lang="en-US" i="1">
-                                <a:latin typeface="Cambria Math"/>
-                              </a:rPr>
-                              <m:t>𝑦</m:t>
-                            </m:r>
-                          </m:e>
-                        </m:d>
+                        <m:r>
+                          <a:rPr lang="en-US" i="0" smtClean="0">
+                            <a:latin typeface="+mj-lt"/>
+                          </a:rPr>
+                          <m:t>(</m:t>
+                        </m:r>
+                        <m:r>
+                          <m:rPr>
+                            <m:sty m:val="p"/>
+                          </m:rPr>
+                          <a:rPr lang="el-GR" i="1" smtClean="0">
+                            <a:latin typeface="Cambria Math" panose="02040503050406030204" pitchFamily="18" charset="0"/>
+                            <a:ea typeface="Cambria Math" panose="02040503050406030204" pitchFamily="18" charset="0"/>
+                          </a:rPr>
+                          <m:t>ε</m:t>
+                        </m:r>
+                        <m:r>
+                          <a:rPr lang="en-US" i="0" smtClean="0">
+                            <a:latin typeface="+mj-lt"/>
+                          </a:rPr>
+                          <m:t>)</m:t>
+                        </m:r>
                       </m:lim>
                     </m:limLow>
                     <m:r>
@@ -15578,10 +16808,10 @@
                               </m:sSupPr>
                               <m:e>
                                 <m:r>
-                                  <a:rPr lang="en-US" i="1">
-                                    <a:latin typeface="Cambria Math"/>
+                                  <a:rPr lang="en-DE" b="0" i="1" smtClean="0">
+                                    <a:latin typeface="Cambria Math" panose="02040503050406030204" pitchFamily="18" charset="0"/>
                                   </a:rPr>
-                                  <m:t>{</m:t>
+                                  <m:t>[</m:t>
                                 </m:r>
                                 <m:r>
                                   <a:rPr lang="en-US" i="1">
@@ -15667,10 +16897,10 @@
                                   </m:e>
                                 </m:d>
                                 <m:r>
-                                  <a:rPr lang="en-US" i="1">
-                                    <a:latin typeface="Cambria Math"/>
+                                  <a:rPr lang="en-DE" b="0" i="1" smtClean="0">
+                                    <a:latin typeface="Cambria Math" panose="02040503050406030204" pitchFamily="18" charset="0"/>
                                   </a:rPr>
-                                  <m:t>}</m:t>
+                                  <m:t>]</m:t>
                                 </m:r>
                               </m:e>
                               <m:sup>
@@ -15956,17 +17186,44 @@
                 <a:endParaRPr lang="en-US" dirty="0" smtClean="0"/>
               </a:p>
               <a:p>
+                <a:endParaRPr lang="en-DE" dirty="0" smtClean="0"/>
+              </a:p>
+              <a:p>
+                <a:r>
+                  <a:rPr lang="en-US" dirty="0" smtClean="0"/>
+                  <a:t>The </a:t>
+                </a:r>
                 <a:r>
                   <a:rPr lang="en-US" dirty="0"/>
-                  <a:t>The ﬁrst </a:t>
+                  <a:t>ﬁrst </a:t>
                 </a:r>
                 <a:r>
                   <a:rPr lang="en-US" dirty="0" smtClean="0"/>
                   <a:t>term is </a:t>
                 </a:r>
                 <a:r>
+                  <a:rPr lang="en-DE" dirty="0" smtClean="0"/>
+                  <a:t>an irreducible</a:t>
+                </a:r>
+                <a:r>
+                  <a:rPr lang="en-US" dirty="0" smtClean="0"/>
+                  <a:t> </a:t>
+                </a:r>
+                <a:r>
                   <a:rPr lang="en-US" dirty="0"/>
-                  <a:t>the error that results even if the model is </a:t>
+                  <a:t>error that </a:t>
+                </a:r>
+                <a:r>
+                  <a:rPr lang="en-DE" dirty="0" smtClean="0"/>
+                  <a:t>exist</a:t>
+                </a:r>
+                <a:r>
+                  <a:rPr lang="en-US" dirty="0" smtClean="0"/>
+                  <a:t> </a:t>
+                </a:r>
+                <a:r>
+                  <a:rPr lang="en-US" dirty="0"/>
+                  <a:t>even if the model is </a:t>
                 </a:r>
                 <a:r>
                   <a:rPr lang="en-US" dirty="0" smtClean="0"/>
@@ -16013,8 +17270,19 @@
                   <a:rPr lang="en-US" dirty="0" smtClean="0">
                     <a:sym typeface="Wingdings" panose="05000000000000000000" pitchFamily="2" charset="2"/>
                   </a:rPr>
-                  <a:t> less forecast error</a:t>
+                  <a:t> less forecast </a:t>
                 </a:r>
+                <a:r>
+                  <a:rPr lang="en-US" dirty="0" smtClean="0">
+                    <a:sym typeface="Wingdings" panose="05000000000000000000" pitchFamily="2" charset="2"/>
+                  </a:rPr>
+                  <a:t>error</a:t>
+                </a:r>
+                <a:endParaRPr lang="en-DE" dirty="0" smtClean="0">
+                  <a:sym typeface="Wingdings" panose="05000000000000000000" pitchFamily="2" charset="2"/>
+                </a:endParaRPr>
+              </a:p>
+              <a:p>
                 <a:endParaRPr lang="en-US" dirty="0" smtClean="0"/>
               </a:p>
               <a:p>
@@ -16030,7 +17298,7 @@
             </p:txBody>
           </p:sp>
         </mc:Choice>
-        <mc:Fallback xmlns="">
+        <mc:Fallback>
           <p:sp>
             <p:nvSpPr>
               <p:cNvPr id="3" name="Content Placeholder 2"/>
@@ -16043,10 +17311,10 @@
             </p:nvSpPr>
             <p:spPr>
               <a:xfrm>
-                <a:off x="684000" y="1304764"/>
+                <a:off x="683568" y="1797884"/>
                 <a:ext cx="8028460" cy="4511726"/>
               </a:xfrm>
-              <a:blipFill rotWithShape="1">
+              <a:blipFill>
                 <a:blip r:embed="rId2"/>
                 <a:stretch>
                   <a:fillRect l="-2126" r="-1291"/>
@@ -16655,7 +17923,7 @@
         </p:nvSpPr>
         <p:spPr>
           <a:xfrm>
-            <a:off x="575556" y="1088740"/>
+            <a:off x="575556" y="1155284"/>
             <a:ext cx="7776000" cy="4824536"/>
           </a:xfrm>
         </p:spPr>
@@ -16692,11 +17960,15 @@
             </a:r>
             <a:r>
               <a:rPr lang="en-US" sz="1400" dirty="0" err="1" smtClean="0"/>
-              <a:t>exhisiting</a:t>
+              <a:t>exisiting</a:t>
             </a:r>
             <a:r>
               <a:rPr lang="en-US" sz="1400" dirty="0" smtClean="0"/>
-              <a:t> predictors </a:t>
+              <a:t> </a:t>
+            </a:r>
+            <a:r>
+              <a:rPr lang="en-US" sz="1400" dirty="0" smtClean="0"/>
+              <a:t>predictors </a:t>
             </a:r>
             <a:r>
               <a:rPr lang="en-US" sz="1400" dirty="0"/>
@@ -16898,13 +18170,9 @@
             </a:r>
             <a:r>
               <a:rPr lang="en-US" sz="1600" dirty="0" smtClean="0"/>
-              <a:t>),</a:t>
-            </a:r>
-            <a:r>
-              <a:rPr lang="en-US" sz="1600" i="1" dirty="0" smtClean="0"/>
-              <a:t>]</a:t>
-            </a:r>
-            <a:endParaRPr lang="en-US" sz="1600" i="1" dirty="0"/>
+              <a:t>)]</a:t>
+            </a:r>
+            <a:endParaRPr lang="en-US" sz="1600" dirty="0"/>
           </a:p>
           <a:p>
             <a:pPr>
@@ -16915,8 +18183,17 @@
               <a:rPr lang="en-US" sz="1600" dirty="0" smtClean="0">
                 <a:sym typeface="Wingdings" panose="05000000000000000000" pitchFamily="2" charset="2"/>
               </a:rPr>
-              <a:t>Use ML methods for predicting equity premium</a:t>
-            </a:r>
+              <a:t>Use ML methods for predicting equity </a:t>
+            </a:r>
+            <a:r>
+              <a:rPr lang="en-US" sz="1600" dirty="0" smtClean="0">
+                <a:sym typeface="Wingdings" panose="05000000000000000000" pitchFamily="2" charset="2"/>
+              </a:rPr>
+              <a:t>premium</a:t>
+            </a:r>
+            <a:endParaRPr lang="en-US" sz="1600" dirty="0" smtClean="0">
+              <a:sym typeface="Wingdings" panose="05000000000000000000" pitchFamily="2" charset="2"/>
+            </a:endParaRPr>
           </a:p>
           <a:p>
             <a:r>
@@ -17091,254 +18368,50 @@
             <p:ph type="title"/>
           </p:nvPr>
         </p:nvSpPr>
-        <p:spPr/>
+        <p:spPr>
+          <a:xfrm>
+            <a:off x="712980" y="476672"/>
+            <a:ext cx="5479200" cy="1141200"/>
+          </a:xfrm>
+        </p:spPr>
         <p:txBody>
           <a:bodyPr/>
           <a:lstStyle/>
           <a:p>
             <a:r>
-              <a:rPr lang="en-US" dirty="0" smtClean="0"/>
-              <a:t>High Dimensional Setting</a:t>
+              <a:rPr lang="en-US" sz="3200" dirty="0"/>
+              <a:t>Neely et al. (2014)</a:t>
             </a:r>
             <a:endParaRPr lang="en-US" dirty="0"/>
           </a:p>
         </p:txBody>
       </p:sp>
-      <mc:AlternateContent xmlns:mc="http://schemas.openxmlformats.org/markup-compatibility/2006" xmlns:a14="http://schemas.microsoft.com/office/drawing/2010/main">
-        <mc:Choice Requires="a14">
-          <p:sp>
-            <p:nvSpPr>
-              <p:cNvPr id="3" name="Content Placeholder 2"/>
-              <p:cNvSpPr>
-                <a:spLocks noGrp="1"/>
-              </p:cNvSpPr>
-              <p:nvPr>
-                <p:ph idx="1"/>
-              </p:nvPr>
-            </p:nvSpPr>
-            <p:spPr>
-              <a:xfrm>
-                <a:off x="684000" y="1232756"/>
-                <a:ext cx="7776000" cy="4583734"/>
-              </a:xfrm>
-            </p:spPr>
-            <p:txBody>
-              <a:bodyPr/>
-              <a:lstStyle/>
-              <a:p>
-                <a:r>
-                  <a:rPr lang="en-US" dirty="0" smtClean="0"/>
-                  <a:t>14 Macro Variables + 14 Technical Indicators + Aggregate Short Interest + </a:t>
-                </a:r>
-                <a:r>
-                  <a:rPr lang="en-US" dirty="0"/>
-                  <a:t>Recession Dummy </a:t>
-                </a:r>
-                <a:r>
-                  <a:rPr lang="en-US" dirty="0" smtClean="0"/>
-                  <a:t>+ Sentiment </a:t>
-                </a:r>
-                <a:r>
-                  <a:rPr lang="en-US" dirty="0" smtClean="0">
-                    <a:sym typeface="Wingdings" panose="05000000000000000000" pitchFamily="2" charset="2"/>
-                  </a:rPr>
-                  <a:t> </a:t>
-                </a:r>
-                <a14:m>
-                  <m:oMath xmlns:m="http://schemas.openxmlformats.org/officeDocument/2006/math">
-                    <m:r>
-                      <a:rPr lang="en-US" i="1" dirty="0" smtClean="0">
-                        <a:latin typeface="Cambria Math"/>
-                        <a:sym typeface="Wingdings" panose="05000000000000000000" pitchFamily="2" charset="2"/>
-                      </a:rPr>
-                      <m:t>𝑝</m:t>
-                    </m:r>
-                    <m:r>
-                      <a:rPr lang="en-US" i="1" dirty="0" smtClean="0">
-                        <a:latin typeface="Cambria Math"/>
-                        <a:sym typeface="Wingdings" panose="05000000000000000000" pitchFamily="2" charset="2"/>
-                      </a:rPr>
-                      <m:t> = 31</m:t>
-                    </m:r>
-                  </m:oMath>
-                </a14:m>
-                <a:endParaRPr lang="en-US" dirty="0" smtClean="0"/>
-              </a:p>
-              <a:p>
-                <a:pPr lvl="1"/>
-                <a:r>
-                  <a:rPr lang="en-US" dirty="0" smtClean="0"/>
-                  <a:t>With squared terms </a:t>
-                </a:r>
-                <a14:m>
-                  <m:oMath xmlns:m="http://schemas.openxmlformats.org/officeDocument/2006/math">
-                    <m:r>
-                      <a:rPr lang="en-US" i="1" dirty="0" smtClean="0">
-                        <a:latin typeface="Cambria Math"/>
-                      </a:rPr>
-                      <m:t>𝑝</m:t>
-                    </m:r>
-                    <m:r>
-                      <a:rPr lang="en-US" i="1" dirty="0" smtClean="0">
-                        <a:latin typeface="Cambria Math"/>
-                      </a:rPr>
-                      <m:t> = 62 </m:t>
-                    </m:r>
-                  </m:oMath>
-                </a14:m>
-                <a:r>
-                  <a:rPr lang="en-US" dirty="0" smtClean="0"/>
-                  <a:t>and with interaction terms </a:t>
-                </a:r>
-                <a14:m>
-                  <m:oMath xmlns:m="http://schemas.openxmlformats.org/officeDocument/2006/math">
-                    <m:r>
-                      <a:rPr lang="en-US" i="1" dirty="0" smtClean="0">
-                        <a:latin typeface="Cambria Math"/>
-                      </a:rPr>
-                      <m:t>𝑝</m:t>
-                    </m:r>
-                    <m:r>
-                      <a:rPr lang="en-US" i="1" dirty="0" smtClean="0">
-                        <a:latin typeface="Cambria Math"/>
-                      </a:rPr>
-                      <m:t> =527</m:t>
-                    </m:r>
-                  </m:oMath>
-                </a14:m>
-                <a:endParaRPr lang="en-US" dirty="0" smtClean="0"/>
-              </a:p>
-              <a:p>
-                <a:r>
-                  <a:rPr lang="en-US" dirty="0" smtClean="0"/>
-                  <a:t> 1974 – 2010 </a:t>
-                </a:r>
-                <a:r>
-                  <a:rPr lang="en-US" dirty="0" smtClean="0">
-                    <a:sym typeface="Wingdings" panose="05000000000000000000" pitchFamily="2" charset="2"/>
-                  </a:rPr>
-                  <a:t></a:t>
-                </a:r>
-                <a:r>
-                  <a:rPr lang="en-US" dirty="0" smtClean="0"/>
-                  <a:t> </a:t>
-                </a:r>
-                <a14:m>
-                  <m:oMath xmlns:m="http://schemas.openxmlformats.org/officeDocument/2006/math">
-                    <m:r>
-                      <a:rPr lang="en-US" i="1" dirty="0" smtClean="0">
-                        <a:latin typeface="Cambria Math"/>
-                      </a:rPr>
-                      <m:t>𝑛</m:t>
-                    </m:r>
-                    <m:r>
-                      <a:rPr lang="en-US" i="1" dirty="0" smtClean="0">
-                        <a:latin typeface="Cambria Math"/>
-                      </a:rPr>
-                      <m:t> = 444 </m:t>
-                    </m:r>
-                  </m:oMath>
-                </a14:m>
-                <a:r>
-                  <a:rPr lang="en-US" dirty="0" smtClean="0"/>
-                  <a:t>months</a:t>
-                </a:r>
-              </a:p>
-              <a:p>
-                <a:r>
-                  <a:rPr lang="en-US" dirty="0" smtClean="0"/>
-                  <a:t>Thus, small sample size relative to the number of predictors (</a:t>
-                </a:r>
-                <a14:m>
-                  <m:oMath xmlns:m="http://schemas.openxmlformats.org/officeDocument/2006/math">
-                    <m:r>
-                      <a:rPr lang="en-US" b="0" i="1" smtClean="0">
-                        <a:latin typeface="Cambria Math"/>
-                      </a:rPr>
-                      <m:t>𝑝</m:t>
-                    </m:r>
-                    <m:r>
-                      <a:rPr lang="en-US" b="0" i="1" smtClean="0">
-                        <a:latin typeface="Cambria Math"/>
-                        <a:ea typeface="Cambria Math"/>
-                      </a:rPr>
-                      <m:t>≈</m:t>
-                    </m:r>
-                    <m:r>
-                      <a:rPr lang="en-US" b="0" i="1" smtClean="0">
-                        <a:latin typeface="Cambria Math"/>
-                        <a:ea typeface="Cambria Math"/>
-                      </a:rPr>
-                      <m:t>𝑛</m:t>
-                    </m:r>
-                  </m:oMath>
-                </a14:m>
-                <a:r>
-                  <a:rPr lang="en-US" dirty="0" smtClean="0"/>
-                  <a:t>) </a:t>
-                </a:r>
-              </a:p>
-              <a:p>
-                <a:r>
-                  <a:rPr lang="en-US" dirty="0" smtClean="0"/>
-                  <a:t> In this setting, OLS is expected to </a:t>
-                </a:r>
-                <a:r>
-                  <a:rPr lang="en-US" dirty="0"/>
-                  <a:t>provide a </a:t>
-                </a:r>
-                <a:r>
-                  <a:rPr lang="en-US" dirty="0" smtClean="0"/>
-                  <a:t>poor/noisy estimate  </a:t>
-                </a:r>
-              </a:p>
-              <a:p>
-                <a:endParaRPr lang="en-US" dirty="0" smtClean="0"/>
-              </a:p>
-              <a:p>
-                <a:endParaRPr lang="en-US" dirty="0"/>
-              </a:p>
-            </p:txBody>
-          </p:sp>
-        </mc:Choice>
-        <mc:Fallback xmlns="">
-          <p:sp>
-            <p:nvSpPr>
-              <p:cNvPr id="3" name="Content Placeholder 2"/>
-              <p:cNvSpPr>
-                <a:spLocks noGrp="1" noRot="1" noChangeAspect="1" noMove="1" noResize="1" noEditPoints="1" noAdjustHandles="1" noChangeArrowheads="1" noChangeShapeType="1" noTextEdit="1"/>
-              </p:cNvSpPr>
-              <p:nvPr>
-                <p:ph idx="1"/>
-              </p:nvPr>
-            </p:nvSpPr>
-            <p:spPr>
-              <a:xfrm>
-                <a:off x="684000" y="1232756"/>
-                <a:ext cx="7776000" cy="4583734"/>
-              </a:xfrm>
-              <a:blipFill rotWithShape="1">
-                <a:blip r:embed="rId2"/>
-                <a:stretch>
-                  <a:fillRect l="-2194" t="-1995" r="-2351"/>
-                </a:stretch>
-              </a:blipFill>
-            </p:spPr>
-            <p:txBody>
-              <a:bodyPr/>
-              <a:lstStyle/>
-              <a:p>
-                <a:r>
-                  <a:rPr lang="en-US">
-                    <a:noFill/>
-                  </a:rPr>
-                  <a:t> </a:t>
-                </a:r>
-              </a:p>
-            </p:txBody>
-          </p:sp>
-        </mc:Fallback>
-      </mc:AlternateContent>
+      <p:pic>
+        <p:nvPicPr>
+          <p:cNvPr id="7" name="Content Placeholder 6"/>
+          <p:cNvPicPr>
+            <a:picLocks noGrp="1" noChangeAspect="1"/>
+          </p:cNvPicPr>
+          <p:nvPr>
+            <p:ph idx="1"/>
+          </p:nvPr>
+        </p:nvPicPr>
+        <p:blipFill>
+          <a:blip r:embed="rId2"/>
+          <a:stretch>
+            <a:fillRect/>
+          </a:stretch>
+        </p:blipFill>
+        <p:spPr>
+          <a:xfrm>
+            <a:off x="700372" y="1155284"/>
+            <a:ext cx="7713682" cy="4026113"/>
+          </a:xfrm>
+          <a:prstGeom prst="rect">
+            <a:avLst/>
+          </a:prstGeom>
+        </p:spPr>
+      </p:pic>
       <p:sp>
         <p:nvSpPr>
           <p:cNvPr id="4" name="Date Placeholder 3"/>
@@ -17408,23 +18481,88 @@
           </a:p>
         </p:txBody>
       </p:sp>
+      <p:pic>
+        <p:nvPicPr>
+          <p:cNvPr id="9" name="Picture 8"/>
+          <p:cNvPicPr>
+            <a:picLocks noChangeAspect="1"/>
+          </p:cNvPicPr>
+          <p:nvPr/>
+        </p:nvPicPr>
+        <p:blipFill>
+          <a:blip r:embed="rId3"/>
+          <a:stretch>
+            <a:fillRect/>
+          </a:stretch>
+        </p:blipFill>
+        <p:spPr>
+          <a:xfrm>
+            <a:off x="3383434" y="5167433"/>
+            <a:ext cx="2196677" cy="670018"/>
+          </a:xfrm>
+          <a:prstGeom prst="rect">
+            <a:avLst/>
+          </a:prstGeom>
+        </p:spPr>
+      </p:pic>
+      <p:pic>
+        <p:nvPicPr>
+          <p:cNvPr id="8" name="Picture 7"/>
+          <p:cNvPicPr>
+            <a:picLocks noChangeAspect="1"/>
+          </p:cNvPicPr>
+          <p:nvPr/>
+        </p:nvPicPr>
+        <p:blipFill>
+          <a:blip r:embed="rId4"/>
+          <a:stretch>
+            <a:fillRect/>
+          </a:stretch>
+        </p:blipFill>
+        <p:spPr>
+          <a:xfrm>
+            <a:off x="3419872" y="5805264"/>
+            <a:ext cx="2535641" cy="520251"/>
+          </a:xfrm>
+          <a:prstGeom prst="rect">
+            <a:avLst/>
+          </a:prstGeom>
+        </p:spPr>
+      </p:pic>
+      <p:pic>
+        <p:nvPicPr>
+          <p:cNvPr id="11" name="Picture 10"/>
+          <p:cNvPicPr>
+            <a:picLocks noChangeAspect="1"/>
+          </p:cNvPicPr>
+          <p:nvPr/>
+        </p:nvPicPr>
+        <p:blipFill>
+          <a:blip r:embed="rId5"/>
+          <a:stretch>
+            <a:fillRect/>
+          </a:stretch>
+        </p:blipFill>
+        <p:spPr>
+          <a:xfrm>
+            <a:off x="3579600" y="6148818"/>
+            <a:ext cx="5290949" cy="602531"/>
+          </a:xfrm>
+          <a:prstGeom prst="rect">
+            <a:avLst/>
+          </a:prstGeom>
+        </p:spPr>
+      </p:pic>
     </p:spTree>
     <p:extLst>
       <p:ext uri="{BB962C8B-B14F-4D97-AF65-F5344CB8AC3E}">
-        <p14:creationId xmlns:p14="http://schemas.microsoft.com/office/powerpoint/2010/main" val="1637410066"/>
+        <p14:creationId xmlns:p14="http://schemas.microsoft.com/office/powerpoint/2010/main" val="588663800"/>
       </p:ext>
     </p:extLst>
   </p:cSld>
   <p:clrMapOvr>
     <a:masterClrMapping/>
   </p:clrMapOvr>
-  <p:timing>
-    <p:tnLst>
-      <p:par>
-        <p:cTn id="1" dur="indefinite" restart="never" nodeType="tmRoot"/>
-      </p:par>
-    </p:tnLst>
-  </p:timing>
 </p:sld>
 </file>
 

--- a/_presentation/MachineLearning_StockMarketReturns.pptx
+++ b/_presentation/MachineLearning_StockMarketReturns.pptx
@@ -9,9 +9,9 @@
   </p:notesMasterIdLst>
   <p:sldIdLst>
     <p:sldId id="258" r:id="rId2"/>
-    <p:sldId id="264" r:id="rId3"/>
-    <p:sldId id="275" r:id="rId4"/>
-    <p:sldId id="263" r:id="rId5"/>
+    <p:sldId id="263" r:id="rId3"/>
+    <p:sldId id="264" r:id="rId4"/>
+    <p:sldId id="275" r:id="rId5"/>
     <p:sldId id="267" r:id="rId6"/>
     <p:sldId id="274" r:id="rId7"/>
     <p:sldId id="266" r:id="rId8"/>
@@ -132,7 +132,7 @@
   </p:defaultTextStyle>
   <p:extLst>
     <p:ext uri="{EFAFB233-063F-42B5-8137-9DF3F51BA10A}">
-      <p15:sldGuideLst xmlns:p15="http://schemas.microsoft.com/office/powerpoint/2012/main">
+      <p15:sldGuideLst xmlns="" xmlns:p15="http://schemas.microsoft.com/office/powerpoint/2012/main">
         <p15:guide id="1" orient="horz" pos="2160">
           <p15:clr>
             <a:srgbClr val="A4A3A4"/>
@@ -231,7 +231,7 @@
           <a:p>
             <a:fld id="{74AC502C-C804-4198-99A2-1BC651C18491}" type="datetimeFigureOut">
               <a:rPr lang="de-DE" smtClean="0"/>
-              <a:t>05.12.2018</a:t>
+              <a:t>06.12.2018</a:t>
             </a:fld>
             <a:endParaRPr lang="de-DE"/>
           </a:p>
@@ -4002,7 +4002,7 @@
                       <m:sSubPr>
                         <m:ctrlPr>
                           <a:rPr lang="en-US" i="1">
-                            <a:latin typeface="Cambria Math" panose="02040503050406030204" pitchFamily="18" charset="0"/>
+                            <a:latin typeface="Cambria Math"/>
                           </a:rPr>
                         </m:ctrlPr>
                       </m:sSubPr>
@@ -4045,7 +4045,7 @@
                         <m:funcPr>
                           <m:ctrlPr>
                             <a:rPr lang="de-DE" i="1">
-                              <a:latin typeface="Cambria Math" panose="02040503050406030204" pitchFamily="18" charset="0"/>
+                              <a:latin typeface="Cambria Math"/>
                             </a:rPr>
                           </m:ctrlPr>
                         </m:funcPr>
@@ -4055,7 +4055,7 @@
                               <m:chr m:val="̂"/>
                               <m:ctrlPr>
                                 <a:rPr lang="de-DE" i="1">
-                                  <a:latin typeface="Cambria Math" panose="02040503050406030204" pitchFamily="18" charset="0"/>
+                                  <a:latin typeface="Cambria Math"/>
                                   <a:ea typeface="Cambria Math"/>
                                 </a:rPr>
                               </m:ctrlPr>
@@ -4105,7 +4105,7 @@
                             <m:limLowPr>
                               <m:ctrlPr>
                                 <a:rPr lang="de-DE" i="1">
-                                  <a:latin typeface="Cambria Math" panose="02040503050406030204" pitchFamily="18" charset="0"/>
+                                  <a:latin typeface="Cambria Math"/>
                                 </a:rPr>
                               </m:ctrlPr>
                             </m:limLowPr>
@@ -4146,7 +4146,7 @@
                                 <m:sSupPr>
                                   <m:ctrlPr>
                                     <a:rPr lang="de-DE" i="1">
-                                      <a:latin typeface="Cambria Math" panose="02040503050406030204" pitchFamily="18" charset="0"/>
+                                      <a:latin typeface="Cambria Math"/>
                                     </a:rPr>
                                   </m:ctrlPr>
                                 </m:sSupPr>
@@ -4174,7 +4174,7 @@
                               <m:chr m:val="∑"/>
                               <m:ctrlPr>
                                 <a:rPr lang="de-DE" i="1">
-                                  <a:latin typeface="Cambria Math" panose="02040503050406030204" pitchFamily="18" charset="0"/>
+                                  <a:latin typeface="Cambria Math"/>
                                 </a:rPr>
                               </m:ctrlPr>
                             </m:naryPr>
@@ -4208,7 +4208,7 @@
                                 <m:sSupPr>
                                   <m:ctrlPr>
                                     <a:rPr lang="de-DE" i="1">
-                                      <a:latin typeface="Cambria Math" panose="02040503050406030204" pitchFamily="18" charset="0"/>
+                                      <a:latin typeface="Cambria Math"/>
                                     </a:rPr>
                                   </m:ctrlPr>
                                 </m:sSupPr>
@@ -4223,7 +4223,7 @@
                                     <m:sSubPr>
                                       <m:ctrlPr>
                                         <a:rPr lang="de-DE" i="1">
-                                          <a:latin typeface="Cambria Math" panose="02040503050406030204" pitchFamily="18" charset="0"/>
+                                          <a:latin typeface="Cambria Math"/>
                                         </a:rPr>
                                       </m:ctrlPr>
                                     </m:sSubPr>
@@ -4254,7 +4254,7 @@
                                     <m:sSupPr>
                                       <m:ctrlPr>
                                         <a:rPr lang="de-DE" i="1">
-                                          <a:latin typeface="Cambria Math" panose="02040503050406030204" pitchFamily="18" charset="0"/>
+                                          <a:latin typeface="Cambria Math"/>
                                         </a:rPr>
                                       </m:ctrlPr>
                                     </m:sSupPr>
@@ -4279,7 +4279,7 @@
                                     <m:sSubPr>
                                       <m:ctrlPr>
                                         <a:rPr lang="de-DE" i="1">
-                                          <a:latin typeface="Cambria Math" panose="02040503050406030204" pitchFamily="18" charset="0"/>
+                                          <a:latin typeface="Cambria Math"/>
                                         </a:rPr>
                                       </m:ctrlPr>
                                     </m:sSubPr>
@@ -4336,7 +4336,7 @@
                                   <m:chr m:val="∑"/>
                                   <m:ctrlPr>
                                     <a:rPr lang="el-GR" i="1">
-                                      <a:latin typeface="Cambria Math" panose="02040503050406030204" pitchFamily="18" charset="0"/>
+                                      <a:latin typeface="Cambria Math"/>
                                     </a:rPr>
                                   </m:ctrlPr>
                                 </m:naryPr>
@@ -4376,7 +4376,7 @@
                                     <m:sSubPr>
                                       <m:ctrlPr>
                                         <a:rPr lang="de-DE" i="1">
-                                          <a:latin typeface="Cambria Math" panose="02040503050406030204" pitchFamily="18" charset="0"/>
+                                          <a:latin typeface="Cambria Math"/>
                                         </a:rPr>
                                       </m:ctrlPr>
                                     </m:sSubPr>
@@ -4804,8 +4804,8 @@
           </a:p>
         </p:txBody>
       </p:sp>
-      <mc:AlternateContent xmlns:mc="http://schemas.openxmlformats.org/markup-compatibility/2006">
-        <mc:Choice xmlns:a14="http://schemas.microsoft.com/office/drawing/2010/main" Requires="a14">
+      <mc:AlternateContent xmlns:mc="http://schemas.openxmlformats.org/markup-compatibility/2006" xmlns:a14="http://schemas.microsoft.com/office/drawing/2010/main">
+        <mc:Choice Requires="a14">
           <p:sp>
             <p:nvSpPr>
               <p:cNvPr id="3" name="Content Placeholder 2"/>
@@ -4831,7 +4831,7 @@
                       <m:sSubPr>
                         <m:ctrlPr>
                           <a:rPr lang="en-US" i="1" smtClean="0">
-                            <a:latin typeface="Cambria Math" panose="02040503050406030204" pitchFamily="18" charset="0"/>
+                            <a:latin typeface="Cambria Math"/>
                           </a:rPr>
                         </m:ctrlPr>
                       </m:sSubPr>
@@ -4877,7 +4877,7 @@
                         <m:funcPr>
                           <m:ctrlPr>
                             <a:rPr lang="de-DE" i="1">
-                              <a:latin typeface="Cambria Math" panose="02040503050406030204" pitchFamily="18" charset="0"/>
+                              <a:latin typeface="Cambria Math"/>
                             </a:rPr>
                           </m:ctrlPr>
                         </m:funcPr>
@@ -4887,7 +4887,7 @@
                               <m:chr m:val="̂"/>
                               <m:ctrlPr>
                                 <a:rPr lang="de-DE" i="1">
-                                  <a:latin typeface="Cambria Math" panose="02040503050406030204" pitchFamily="18" charset="0"/>
+                                  <a:latin typeface="Cambria Math"/>
                                   <a:ea typeface="Cambria Math"/>
                                 </a:rPr>
                               </m:ctrlPr>
@@ -4906,7 +4906,7 @@
                             <m:dPr>
                               <m:ctrlPr>
                                 <a:rPr lang="en-US" i="1">
-                                  <a:latin typeface="Cambria Math" panose="02040503050406030204" pitchFamily="18" charset="0"/>
+                                  <a:latin typeface="Cambria Math"/>
                                   <a:ea typeface="Cambria Math"/>
                                 </a:rPr>
                               </m:ctrlPr>
@@ -4934,7 +4934,7 @@
                             <m:limLowPr>
                               <m:ctrlPr>
                                 <a:rPr lang="de-DE" i="1">
-                                  <a:latin typeface="Cambria Math" panose="02040503050406030204" pitchFamily="18" charset="0"/>
+                                  <a:latin typeface="Cambria Math"/>
                                 </a:rPr>
                               </m:ctrlPr>
                             </m:limLowPr>
@@ -4976,7 +4976,7 @@
                                 <m:sSupPr>
                                   <m:ctrlPr>
                                     <a:rPr lang="de-DE" i="1">
-                                      <a:latin typeface="Cambria Math" panose="02040503050406030204" pitchFamily="18" charset="0"/>
+                                      <a:latin typeface="Cambria Math"/>
                                     </a:rPr>
                                   </m:ctrlPr>
                                 </m:sSupPr>
@@ -5006,7 +5006,7 @@
                               <m:chr m:val="∑"/>
                               <m:ctrlPr>
                                 <a:rPr lang="de-DE" i="1">
-                                  <a:latin typeface="Cambria Math" panose="02040503050406030204" pitchFamily="18" charset="0"/>
+                                  <a:latin typeface="Cambria Math"/>
                                 </a:rPr>
                               </m:ctrlPr>
                             </m:naryPr>
@@ -5040,7 +5040,7 @@
                                 <m:sSupPr>
                                   <m:ctrlPr>
                                     <a:rPr lang="de-DE" i="1">
-                                      <a:latin typeface="Cambria Math" panose="02040503050406030204" pitchFamily="18" charset="0"/>
+                                      <a:latin typeface="Cambria Math"/>
                                     </a:rPr>
                                   </m:ctrlPr>
                                 </m:sSupPr>
@@ -5055,7 +5055,7 @@
                                     <m:sSubPr>
                                       <m:ctrlPr>
                                         <a:rPr lang="de-DE" i="1">
-                                          <a:latin typeface="Cambria Math" panose="02040503050406030204" pitchFamily="18" charset="0"/>
+                                          <a:latin typeface="Cambria Math"/>
                                         </a:rPr>
                                       </m:ctrlPr>
                                     </m:sSubPr>
@@ -5086,7 +5086,7 @@
                                     <m:sSupPr>
                                       <m:ctrlPr>
                                         <a:rPr lang="de-DE" i="1">
-                                          <a:latin typeface="Cambria Math" panose="02040503050406030204" pitchFamily="18" charset="0"/>
+                                          <a:latin typeface="Cambria Math"/>
                                         </a:rPr>
                                       </m:ctrlPr>
                                     </m:sSupPr>
@@ -5111,7 +5111,7 @@
                                     <m:sSubPr>
                                       <m:ctrlPr>
                                         <a:rPr lang="de-DE" i="1">
-                                          <a:latin typeface="Cambria Math" panose="02040503050406030204" pitchFamily="18" charset="0"/>
+                                          <a:latin typeface="Cambria Math"/>
                                         </a:rPr>
                                       </m:ctrlPr>
                                     </m:sSubPr>
@@ -5168,7 +5168,7 @@
                                   <m:chr m:val="∑"/>
                                   <m:ctrlPr>
                                     <a:rPr lang="el-GR" i="1">
-                                      <a:latin typeface="Cambria Math" panose="02040503050406030204" pitchFamily="18" charset="0"/>
+                                      <a:latin typeface="Cambria Math"/>
                                     </a:rPr>
                                   </m:ctrlPr>
                                 </m:naryPr>
@@ -5202,7 +5202,7 @@
                                     <m:sSubSupPr>
                                       <m:ctrlPr>
                                         <a:rPr lang="el-GR" i="1">
-                                          <a:latin typeface="Cambria Math" panose="02040503050406030204" pitchFamily="18" charset="0"/>
+                                          <a:latin typeface="Cambria Math"/>
                                         </a:rPr>
                                       </m:ctrlPr>
                                     </m:sSubSupPr>
@@ -5299,7 +5299,7 @@
             </p:txBody>
           </p:sp>
         </mc:Choice>
-        <mc:Fallback>
+        <mc:Fallback xmlns="">
           <p:sp>
             <p:nvSpPr>
               <p:cNvPr id="3" name="Content Placeholder 2"/>
@@ -5480,8 +5480,8 @@
           </a:p>
         </p:txBody>
       </p:sp>
-      <mc:AlternateContent xmlns:mc="http://schemas.openxmlformats.org/markup-compatibility/2006">
-        <mc:Choice xmlns:a14="http://schemas.microsoft.com/office/drawing/2010/main" Requires="a14">
+      <mc:AlternateContent xmlns:mc="http://schemas.openxmlformats.org/markup-compatibility/2006" xmlns:a14="http://schemas.microsoft.com/office/drawing/2010/main">
+        <mc:Choice Requires="a14">
           <p:sp>
             <p:nvSpPr>
               <p:cNvPr id="3" name="Content Placeholder 2"/>
@@ -5521,7 +5521,7 @@
                           <m:chr m:val="̂"/>
                           <m:ctrlPr>
                             <a:rPr lang="de-DE" i="1">
-                              <a:latin typeface="Cambria Math" panose="02040503050406030204" pitchFamily="18" charset="0"/>
+                              <a:latin typeface="Cambria Math"/>
                               <a:ea typeface="Cambria Math"/>
                             </a:rPr>
                           </m:ctrlPr>
@@ -5540,7 +5540,7 @@
                         <m:dPr>
                           <m:ctrlPr>
                             <a:rPr lang="en-US" i="1">
-                              <a:latin typeface="Cambria Math" panose="02040503050406030204" pitchFamily="18" charset="0"/>
+                              <a:latin typeface="Cambria Math"/>
                               <a:ea typeface="Cambria Math"/>
                             </a:rPr>
                           </m:ctrlPr>
@@ -5568,7 +5568,7 @@
                         <m:funcPr>
                           <m:ctrlPr>
                             <a:rPr lang="de-DE" i="1">
-                              <a:latin typeface="Cambria Math" panose="02040503050406030204" pitchFamily="18" charset="0"/>
+                              <a:latin typeface="Cambria Math"/>
                             </a:rPr>
                           </m:ctrlPr>
                         </m:funcPr>
@@ -5577,7 +5577,7 @@
                             <m:limLowPr>
                               <m:ctrlPr>
                                 <a:rPr lang="de-DE" i="1">
-                                  <a:latin typeface="Cambria Math" panose="02040503050406030204" pitchFamily="18" charset="0"/>
+                                  <a:latin typeface="Cambria Math"/>
                                 </a:rPr>
                               </m:ctrlPr>
                             </m:limLowPr>
@@ -5619,7 +5619,7 @@
                                 <m:sSupPr>
                                   <m:ctrlPr>
                                     <a:rPr lang="de-DE" i="1">
-                                      <a:latin typeface="Cambria Math" panose="02040503050406030204" pitchFamily="18" charset="0"/>
+                                      <a:latin typeface="Cambria Math"/>
                                     </a:rPr>
                                   </m:ctrlPr>
                                 </m:sSupPr>
@@ -5649,7 +5649,7 @@
                               <m:chr m:val="∑"/>
                               <m:ctrlPr>
                                 <a:rPr lang="de-DE" i="1">
-                                  <a:latin typeface="Cambria Math" panose="02040503050406030204" pitchFamily="18" charset="0"/>
+                                  <a:latin typeface="Cambria Math"/>
                                 </a:rPr>
                               </m:ctrlPr>
                             </m:naryPr>
@@ -5683,7 +5683,7 @@
                                 <m:sSupPr>
                                   <m:ctrlPr>
                                     <a:rPr lang="de-DE" i="1">
-                                      <a:latin typeface="Cambria Math" panose="02040503050406030204" pitchFamily="18" charset="0"/>
+                                      <a:latin typeface="Cambria Math"/>
                                     </a:rPr>
                                   </m:ctrlPr>
                                 </m:sSupPr>
@@ -5698,7 +5698,7 @@
                                     <m:sSubPr>
                                       <m:ctrlPr>
                                         <a:rPr lang="de-DE" i="1">
-                                          <a:latin typeface="Cambria Math" panose="02040503050406030204" pitchFamily="18" charset="0"/>
+                                          <a:latin typeface="Cambria Math"/>
                                         </a:rPr>
                                       </m:ctrlPr>
                                     </m:sSubPr>
@@ -5729,7 +5729,7 @@
                                     <m:sSupPr>
                                       <m:ctrlPr>
                                         <a:rPr lang="de-DE" i="1">
-                                          <a:latin typeface="Cambria Math" panose="02040503050406030204" pitchFamily="18" charset="0"/>
+                                          <a:latin typeface="Cambria Math"/>
                                         </a:rPr>
                                       </m:ctrlPr>
                                     </m:sSupPr>
@@ -5754,7 +5754,7 @@
                                     <m:sSubPr>
                                       <m:ctrlPr>
                                         <a:rPr lang="de-DE" i="1">
-                                          <a:latin typeface="Cambria Math" panose="02040503050406030204" pitchFamily="18" charset="0"/>
+                                          <a:latin typeface="Cambria Math"/>
                                         </a:rPr>
                                       </m:ctrlPr>
                                     </m:sSubPr>
@@ -5801,7 +5801,7 @@
                                 <m:sSubPr>
                                   <m:ctrlPr>
                                     <a:rPr lang="de-DE" i="1">
-                                      <a:latin typeface="Cambria Math" panose="02040503050406030204" pitchFamily="18" charset="0"/>
+                                      <a:latin typeface="Cambria Math"/>
                                     </a:rPr>
                                   </m:ctrlPr>
                                 </m:sSubPr>
@@ -5830,7 +5830,7 @@
                                   <m:chr m:val="∑"/>
                                   <m:ctrlPr>
                                     <a:rPr lang="el-GR" i="1">
-                                      <a:latin typeface="Cambria Math" panose="02040503050406030204" pitchFamily="18" charset="0"/>
+                                      <a:latin typeface="Cambria Math"/>
                                     </a:rPr>
                                   </m:ctrlPr>
                                 </m:naryPr>
@@ -5870,7 +5870,7 @@
                                     <m:sSubPr>
                                       <m:ctrlPr>
                                         <a:rPr lang="de-DE" i="1">
-                                          <a:latin typeface="Cambria Math" panose="02040503050406030204" pitchFamily="18" charset="0"/>
+                                          <a:latin typeface="Cambria Math"/>
                                         </a:rPr>
                                       </m:ctrlPr>
                                     </m:sSubPr>
@@ -5909,7 +5909,7 @@
                                 <m:sSubPr>
                                   <m:ctrlPr>
                                     <a:rPr lang="de-DE" i="1">
-                                      <a:latin typeface="Cambria Math" panose="02040503050406030204" pitchFamily="18" charset="0"/>
+                                      <a:latin typeface="Cambria Math"/>
                                     </a:rPr>
                                   </m:ctrlPr>
                                 </m:sSubPr>
@@ -5938,7 +5938,7 @@
                                   <m:chr m:val="∑"/>
                                   <m:ctrlPr>
                                     <a:rPr lang="el-GR" i="1">
-                                      <a:latin typeface="Cambria Math" panose="02040503050406030204" pitchFamily="18" charset="0"/>
+                                      <a:latin typeface="Cambria Math"/>
                                     </a:rPr>
                                   </m:ctrlPr>
                                 </m:naryPr>
@@ -5972,7 +5972,7 @@
                                     <m:sSubSupPr>
                                       <m:ctrlPr>
                                         <a:rPr lang="el-GR" i="1">
-                                          <a:latin typeface="Cambria Math" panose="02040503050406030204" pitchFamily="18" charset="0"/>
+                                          <a:latin typeface="Cambria Math"/>
                                         </a:rPr>
                                       </m:ctrlPr>
                                     </m:sSubSupPr>
@@ -6043,18 +6043,14 @@
                 </a:r>
                 <a:r>
                   <a:rPr lang="en-US" dirty="0" smtClean="0"/>
-                  <a:t>zero as </a:t>
+                  <a:t>zero as Ridge</a:t>
                 </a:r>
-                <a:r>
-                  <a:rPr lang="en-US" dirty="0" smtClean="0"/>
-                  <a:t>Ridge</a:t>
-                </a:r>
-                <a:endParaRPr lang="en-DE" dirty="0" smtClean="0"/>
+                <a:endParaRPr lang="x-none" dirty="0" smtClean="0"/>
               </a:p>
               <a:p>
                 <a:pPr lvl="1"/>
                 <a:r>
-                  <a:rPr lang="en-DE" dirty="0" smtClean="0"/>
+                  <a:rPr lang="x-none" dirty="0" smtClean="0"/>
                   <a:t>Takes the best of two methods</a:t>
                 </a:r>
                 <a:endParaRPr lang="en-US" dirty="0"/>
@@ -6068,7 +6064,7 @@
             </p:txBody>
           </p:sp>
         </mc:Choice>
-        <mc:Fallback>
+        <mc:Fallback xmlns="">
           <p:sp>
             <p:nvSpPr>
               <p:cNvPr id="3" name="Content Placeholder 2"/>
@@ -6621,8 +6617,8 @@
           </a:p>
         </p:txBody>
       </p:sp>
-      <mc:AlternateContent xmlns:mc="http://schemas.openxmlformats.org/markup-compatibility/2006">
-        <mc:Choice xmlns:a14="http://schemas.microsoft.com/office/drawing/2010/main" Requires="a14">
+      <mc:AlternateContent xmlns:mc="http://schemas.openxmlformats.org/markup-compatibility/2006" xmlns:a14="http://schemas.microsoft.com/office/drawing/2010/main">
+        <mc:Choice Requires="a14">
           <p:sp>
             <p:nvSpPr>
               <p:cNvPr id="8" name="TextBox 7"/>
@@ -6650,7 +6646,7 @@
                   <a:t>Model parameters</a:t>
                 </a:r>
                 <a:r>
-                  <a:rPr lang="en-DE" dirty="0" smtClean="0"/>
+                  <a:rPr lang="x-none" dirty="0" smtClean="0"/>
                   <a:t> (</a:t>
                 </a:r>
                 <a14:m>
@@ -6667,7 +6663,7 @@
                   </m:oMath>
                 </a14:m>
                 <a:r>
-                  <a:rPr lang="en-DE" dirty="0" smtClean="0"/>
+                  <a:rPr lang="x-none" dirty="0" smtClean="0"/>
                   <a:t>)</a:t>
                 </a:r>
                 <a:r>
@@ -6717,7 +6713,7 @@
                       <m:fPr>
                         <m:ctrlPr>
                           <a:rPr lang="en-US" i="1" dirty="0" smtClean="0">
-                            <a:latin typeface="Cambria Math" panose="02040503050406030204" pitchFamily="18" charset="0"/>
+                            <a:latin typeface="Cambria Math"/>
                           </a:rPr>
                         </m:ctrlPr>
                       </m:fPr>
@@ -6743,7 +6739,7 @@
                         <m:chr m:val="∑"/>
                         <m:ctrlPr>
                           <a:rPr lang="en-US" i="1" dirty="0" smtClean="0">
-                            <a:latin typeface="Cambria Math" panose="02040503050406030204" pitchFamily="18" charset="0"/>
+                            <a:latin typeface="Cambria Math"/>
                           </a:rPr>
                         </m:ctrlPr>
                       </m:naryPr>
@@ -6777,13 +6773,13 @@
                           <m:sSubPr>
                             <m:ctrlPr>
                               <a:rPr lang="en-US" b="0" i="1" dirty="0" smtClean="0">
-                                <a:latin typeface="Cambria Math" panose="02040503050406030204" pitchFamily="18" charset="0"/>
+                                <a:latin typeface="Cambria Math"/>
                               </a:rPr>
                             </m:ctrlPr>
                           </m:sSubPr>
                           <m:e>
                             <m:r>
-                              <a:rPr lang="en-DE" b="0" i="1" dirty="0" smtClean="0">
+                              <a:rPr lang="x-none" b="0" i="1" dirty="0" smtClean="0">
                                 <a:latin typeface="Cambria Math" panose="02040503050406030204" pitchFamily="18" charset="0"/>
                               </a:rPr>
                               <m:t>𝑉</m:t>
@@ -6841,7 +6837,7 @@
             </p:txBody>
           </p:sp>
         </mc:Choice>
-        <mc:Fallback>
+        <mc:Fallback xmlns="">
           <p:sp>
             <p:nvSpPr>
               <p:cNvPr id="8" name="TextBox 7"/>
@@ -7000,8 +6996,8 @@
           </a:p>
         </p:txBody>
       </p:sp>
-      <mc:AlternateContent xmlns:mc="http://schemas.openxmlformats.org/markup-compatibility/2006">
-        <mc:Choice xmlns:a14="http://schemas.microsoft.com/office/drawing/2010/main" Requires="a14">
+      <mc:AlternateContent xmlns:mc="http://schemas.openxmlformats.org/markup-compatibility/2006" xmlns:a14="http://schemas.microsoft.com/office/drawing/2010/main">
+        <mc:Choice Requires="a14">
           <p:sp>
             <p:nvSpPr>
               <p:cNvPr id="3" name="TextBox 2"/>
@@ -7024,6 +7020,7 @@
               </a:bodyPr>
               <a:lstStyle/>
               <a:p>
+                <a:pPr/>
                 <a14:m>
                   <m:oMathPara xmlns:m="http://schemas.openxmlformats.org/officeDocument/2006/math">
                     <m:oMathParaPr>
@@ -7034,19 +7031,19 @@
                         <m:sSubPr>
                           <m:ctrlPr>
                             <a:rPr lang="en-US" i="1" dirty="0" smtClean="0">
-                              <a:latin typeface="Cambria Math" panose="02040503050406030204" pitchFamily="18" charset="0"/>
+                              <a:latin typeface="Cambria Math"/>
                             </a:rPr>
                           </m:ctrlPr>
                         </m:sSubPr>
                         <m:e>
                           <m:r>
-                            <a:rPr lang="en-DE" b="0" i="1" dirty="0" smtClean="0">
+                            <a:rPr lang="x-none" b="0" i="1" dirty="0" smtClean="0">
                               <a:latin typeface="Cambria Math" panose="02040503050406030204" pitchFamily="18" charset="0"/>
                             </a:rPr>
                             <m:t>𝑉</m:t>
                           </m:r>
                           <m:r>
-                            <a:rPr lang="en-DE" i="1">
+                            <a:rPr lang="x-none" i="1">
                               <a:latin typeface="Cambria Math" panose="02040503050406030204" pitchFamily="18" charset="0"/>
                             </a:rPr>
                             <m:t>𝑀𝑆𝐸</m:t>
@@ -7054,7 +7051,7 @@
                         </m:e>
                         <m:sub>
                           <m:r>
-                            <a:rPr lang="en-DE" b="0" i="1" dirty="0" smtClean="0">
+                            <a:rPr lang="x-none" b="0" i="1" dirty="0" smtClean="0">
                               <a:latin typeface="Cambria Math" panose="02040503050406030204" pitchFamily="18" charset="0"/>
                             </a:rPr>
                             <m:t>𝑖</m:t>
@@ -7083,7 +7080,7 @@
                         <m:t>)</m:t>
                       </m:r>
                       <m:r>
-                        <a:rPr lang="en-DE" b="0" i="1" dirty="0" smtClean="0">
+                        <a:rPr lang="x-none" b="0" i="1" dirty="0" smtClean="0">
                           <a:latin typeface="Cambria Math" panose="02040503050406030204" pitchFamily="18" charset="0"/>
                         </a:rPr>
                         <m:t>=</m:t>
@@ -7091,14 +7088,14 @@
                       <m:f>
                         <m:fPr>
                           <m:ctrlPr>
-                            <a:rPr lang="en-DE" b="0" i="1" dirty="0" smtClean="0">
-                              <a:latin typeface="Cambria Math" panose="02040503050406030204" pitchFamily="18" charset="0"/>
+                            <a:rPr lang="x-none" b="0" i="1" dirty="0" smtClean="0">
+                              <a:latin typeface="Cambria Math"/>
                             </a:rPr>
                           </m:ctrlPr>
                         </m:fPr>
                         <m:num>
                           <m:r>
-                            <a:rPr lang="en-DE" b="0" i="1" dirty="0" smtClean="0">
+                            <a:rPr lang="x-none" b="0" i="1" dirty="0" smtClean="0">
                               <a:latin typeface="Cambria Math" panose="02040503050406030204" pitchFamily="18" charset="0"/>
                             </a:rPr>
                             <m:t>1</m:t>
@@ -7106,7 +7103,7 @@
                         </m:num>
                         <m:den>
                           <m:r>
-                            <a:rPr lang="en-DE" b="0" i="1" dirty="0" smtClean="0">
+                            <a:rPr lang="x-none" b="0" i="1" dirty="0" smtClean="0">
                               <a:latin typeface="Cambria Math" panose="02040503050406030204" pitchFamily="18" charset="0"/>
                             </a:rPr>
                             <m:t>𝑛</m:t>
@@ -7119,8 +7116,8 @@
                           <m:limLoc m:val="subSup"/>
                           <m:supHide m:val="on"/>
                           <m:ctrlPr>
-                            <a:rPr lang="en-DE" i="1" dirty="0">
-                              <a:latin typeface="Cambria Math" panose="02040503050406030204" pitchFamily="18" charset="0"/>
+                            <a:rPr lang="x-none" i="1" dirty="0">
+                              <a:latin typeface="Cambria Math"/>
                             </a:rPr>
                           </m:ctrlPr>
                         </m:naryPr>
@@ -7129,7 +7126,7 @@
                             <m:rPr>
                               <m:brk m:alnAt="9"/>
                             </m:rPr>
-                            <a:rPr lang="en-DE" b="0" i="1" dirty="0" smtClean="0">
+                            <a:rPr lang="x-none" b="0" i="1" dirty="0" smtClean="0">
                               <a:latin typeface="Cambria Math" panose="02040503050406030204" pitchFamily="18" charset="0"/>
                             </a:rPr>
                             <m:t>𝑘</m:t>
@@ -7140,14 +7137,14 @@
                           <m:sSup>
                             <m:sSupPr>
                               <m:ctrlPr>
-                                <a:rPr lang="en-DE" i="1" dirty="0">
-                                  <a:latin typeface="Cambria Math" panose="02040503050406030204" pitchFamily="18" charset="0"/>
+                                <a:rPr lang="x-none" i="1" dirty="0">
+                                  <a:latin typeface="Cambria Math"/>
                                 </a:rPr>
                               </m:ctrlPr>
                             </m:sSupPr>
                             <m:e>
                               <m:r>
-                                <a:rPr lang="en-DE" i="1" dirty="0">
+                                <a:rPr lang="x-none" i="1" dirty="0">
                                   <a:latin typeface="Cambria Math" panose="02040503050406030204" pitchFamily="18" charset="0"/>
                                 </a:rPr>
                                 <m:t> (</m:t>
@@ -7155,14 +7152,14 @@
                               <m:sSub>
                                 <m:sSubPr>
                                   <m:ctrlPr>
-                                    <a:rPr lang="en-DE" i="1" dirty="0">
-                                      <a:latin typeface="Cambria Math" panose="02040503050406030204" pitchFamily="18" charset="0"/>
+                                    <a:rPr lang="x-none" i="1" dirty="0">
+                                      <a:latin typeface="Cambria Math"/>
                                     </a:rPr>
                                   </m:ctrlPr>
                                 </m:sSubPr>
                                 <m:e>
                                   <m:r>
-                                    <a:rPr lang="en-DE" i="1" dirty="0">
+                                    <a:rPr lang="x-none" i="1" dirty="0">
                                       <a:latin typeface="Cambria Math" panose="02040503050406030204" pitchFamily="18" charset="0"/>
                                     </a:rPr>
                                     <m:t>𝑦</m:t>
@@ -7170,7 +7167,7 @@
                                 </m:e>
                                 <m:sub>
                                   <m:r>
-                                    <a:rPr lang="en-DE" i="1" dirty="0">
+                                    <a:rPr lang="x-none" i="1" dirty="0">
                                       <a:latin typeface="Cambria Math" panose="02040503050406030204" pitchFamily="18" charset="0"/>
                                     </a:rPr>
                                     <m:t>𝑘</m:t>
@@ -7178,7 +7175,7 @@
                                 </m:sub>
                               </m:sSub>
                               <m:r>
-                                <a:rPr lang="en-DE" i="1" dirty="0">
+                                <a:rPr lang="x-none" i="1" dirty="0">
                                   <a:latin typeface="Cambria Math" panose="02040503050406030204" pitchFamily="18" charset="0"/>
                                 </a:rPr>
                                 <m:t>−</m:t>
@@ -7186,8 +7183,8 @@
                               <m:sSub>
                                 <m:sSubPr>
                                   <m:ctrlPr>
-                                    <a:rPr lang="en-DE" i="1" dirty="0" smtClean="0">
-                                      <a:latin typeface="Cambria Math" panose="02040503050406030204" pitchFamily="18" charset="0"/>
+                                    <a:rPr lang="x-none" i="1" dirty="0" smtClean="0">
+                                      <a:latin typeface="Cambria Math"/>
                                     </a:rPr>
                                   </m:ctrlPr>
                                 </m:sSubPr>
@@ -7196,14 +7193,14 @@
                                     <m:accPr>
                                       <m:chr m:val="̂"/>
                                       <m:ctrlPr>
-                                        <a:rPr lang="en-DE" i="1" dirty="0">
-                                          <a:latin typeface="Cambria Math" panose="02040503050406030204" pitchFamily="18" charset="0"/>
+                                        <a:rPr lang="x-none" i="1" dirty="0">
+                                          <a:latin typeface="Cambria Math"/>
                                         </a:rPr>
                                       </m:ctrlPr>
                                     </m:accPr>
                                     <m:e>
                                       <m:r>
-                                        <a:rPr lang="en-DE" i="1" dirty="0">
+                                        <a:rPr lang="x-none" i="1" dirty="0">
                                           <a:latin typeface="Cambria Math" panose="02040503050406030204" pitchFamily="18" charset="0"/>
                                         </a:rPr>
                                         <m:t>𝑦</m:t>
@@ -7213,7 +7210,7 @@
                                 </m:e>
                                 <m:sub>
                                   <m:r>
-                                    <a:rPr lang="en-DE" b="0" i="1" dirty="0" smtClean="0">
+                                    <a:rPr lang="x-none" b="0" i="1" dirty="0" smtClean="0">
                                       <a:latin typeface="Cambria Math" panose="02040503050406030204" pitchFamily="18" charset="0"/>
                                     </a:rPr>
                                     <m:t>𝑘</m:t>
@@ -7242,7 +7239,7 @@
                                 <m:t>)</m:t>
                               </m:r>
                               <m:r>
-                                <a:rPr lang="en-DE" i="1" dirty="0">
+                                <a:rPr lang="x-none" i="1" dirty="0">
                                   <a:latin typeface="Cambria Math" panose="02040503050406030204" pitchFamily="18" charset="0"/>
                                 </a:rPr>
                                 <m:t>)</m:t>
@@ -7250,7 +7247,7 @@
                             </m:e>
                             <m:sup>
                               <m:r>
-                                <a:rPr lang="en-DE" i="1" dirty="0">
+                                <a:rPr lang="x-none" i="1" dirty="0">
                                   <a:latin typeface="Cambria Math" panose="02040503050406030204" pitchFamily="18" charset="0"/>
                                 </a:rPr>
                                 <m:t>2</m:t>
@@ -7267,7 +7264,7 @@
             </p:txBody>
           </p:sp>
         </mc:Choice>
-        <mc:Fallback>
+        <mc:Fallback xmlns="">
           <p:sp>
             <p:nvSpPr>
               <p:cNvPr id="3" name="TextBox 2"/>
@@ -7306,8 +7303,8 @@
           </p:sp>
         </mc:Fallback>
       </mc:AlternateContent>
-      <mc:AlternateContent xmlns:mc="http://schemas.openxmlformats.org/markup-compatibility/2006">
-        <mc:Choice xmlns:a14="http://schemas.microsoft.com/office/drawing/2010/main" Requires="a14">
+      <mc:AlternateContent xmlns:mc="http://schemas.openxmlformats.org/markup-compatibility/2006" xmlns:a14="http://schemas.microsoft.com/office/drawing/2010/main">
+        <mc:Choice Requires="a14">
           <p:sp>
             <p:nvSpPr>
               <p:cNvPr id="12" name="TextBox 11"/>
@@ -7331,7 +7328,7 @@
               <a:lstStyle/>
               <a:p>
                 <a:r>
-                  <a:rPr lang="en-DE" dirty="0" smtClean="0"/>
+                  <a:rPr lang="x-none" dirty="0" smtClean="0"/>
                   <a:t>For each </a:t>
                 </a:r>
                 <a14:m>
@@ -7346,7 +7343,7 @@
                       <m:t>λ</m:t>
                     </m:r>
                     <m:r>
-                      <a:rPr lang="en-DE" b="0" i="1" smtClean="0">
+                      <a:rPr lang="x-none" b="0" i="1" smtClean="0">
                         <a:latin typeface="Cambria Math" panose="02040503050406030204" pitchFamily="18" charset="0"/>
                       </a:rPr>
                       <m:t>:</m:t>
@@ -7354,14 +7351,14 @@
                   </m:oMath>
                 </a14:m>
                 <a:r>
-                  <a:rPr lang="en-DE" dirty="0" smtClean="0"/>
+                  <a:rPr lang="x-none" dirty="0" smtClean="0"/>
                   <a:t> </a:t>
                 </a:r>
               </a:p>
             </p:txBody>
           </p:sp>
         </mc:Choice>
-        <mc:Fallback>
+        <mc:Fallback xmlns="">
           <p:sp>
             <p:nvSpPr>
               <p:cNvPr id="12" name="TextBox 11"/>
@@ -7453,7 +7450,7 @@
           <a:lstStyle/>
           <a:p>
             <a:r>
-              <a:rPr lang="en-DE" dirty="0" smtClean="0"/>
+              <a:rPr lang="x-none" dirty="0" smtClean="0"/>
               <a:t>Cross-Validation Result for Lasso</a:t>
             </a:r>
             <a:endParaRPr lang="en-US" dirty="0"/>
@@ -7614,7 +7611,7 @@
               <a:t>Path for Lass</a:t>
             </a:r>
             <a:r>
-              <a:rPr lang="en-DE" dirty="0" smtClean="0"/>
+              <a:rPr lang="x-none" dirty="0" smtClean="0"/>
               <a:t>o</a:t>
             </a:r>
             <a:endParaRPr lang="en-US" dirty="0"/>
@@ -7736,7 +7733,7 @@
                   <a:t>Estimated Coefficients</a:t>
                 </a:r>
                 <a:r>
-                  <a:rPr lang="en-DE" dirty="0" smtClean="0"/>
+                  <a:rPr lang="x-none" dirty="0" smtClean="0"/>
                   <a:t> for optimal </a:t>
                 </a:r>
                 <a14:m>
@@ -7899,7 +7896,7 @@
           <a:lstStyle/>
           <a:p>
             <a:r>
-              <a:rPr lang="en-DE" dirty="0" smtClean="0"/>
+              <a:rPr lang="x-none" dirty="0" smtClean="0"/>
               <a:t>Cross-Validation MSE</a:t>
             </a:r>
             <a:endParaRPr lang="en-US" dirty="0"/>
@@ -8002,49 +7999,49 @@
                 <a:gridCol w="1913704">
                   <a:extLst>
                     <a:ext uri="{9D8B030D-6E8A-4147-A177-3AD203B41FA5}">
-                      <a16:colId xmlns:a16="http://schemas.microsoft.com/office/drawing/2014/main" val="3775047998"/>
+                      <a16:colId xmlns="" xmlns:a16="http://schemas.microsoft.com/office/drawing/2014/main" val="3775047998"/>
                     </a:ext>
                   </a:extLst>
                 </a:gridCol>
                 <a:gridCol w="1025198">
                   <a:extLst>
                     <a:ext uri="{9D8B030D-6E8A-4147-A177-3AD203B41FA5}">
-                      <a16:colId xmlns:a16="http://schemas.microsoft.com/office/drawing/2014/main" val="3030313444"/>
+                      <a16:colId xmlns="" xmlns:a16="http://schemas.microsoft.com/office/drawing/2014/main" val="3030313444"/>
                     </a:ext>
                   </a:extLst>
                 </a:gridCol>
                 <a:gridCol w="1025198">
                   <a:extLst>
                     <a:ext uri="{9D8B030D-6E8A-4147-A177-3AD203B41FA5}">
-                      <a16:colId xmlns:a16="http://schemas.microsoft.com/office/drawing/2014/main" val="1875216255"/>
+                      <a16:colId xmlns="" xmlns:a16="http://schemas.microsoft.com/office/drawing/2014/main" val="1875216255"/>
                     </a:ext>
                   </a:extLst>
                 </a:gridCol>
                 <a:gridCol w="1025198">
                   <a:extLst>
                     <a:ext uri="{9D8B030D-6E8A-4147-A177-3AD203B41FA5}">
-                      <a16:colId xmlns:a16="http://schemas.microsoft.com/office/drawing/2014/main" val="1337544573"/>
+                      <a16:colId xmlns="" xmlns:a16="http://schemas.microsoft.com/office/drawing/2014/main" val="1337544573"/>
                     </a:ext>
                   </a:extLst>
                 </a:gridCol>
                 <a:gridCol w="1025198">
                   <a:extLst>
                     <a:ext uri="{9D8B030D-6E8A-4147-A177-3AD203B41FA5}">
-                      <a16:colId xmlns:a16="http://schemas.microsoft.com/office/drawing/2014/main" val="1927138739"/>
+                      <a16:colId xmlns="" xmlns:a16="http://schemas.microsoft.com/office/drawing/2014/main" val="1927138739"/>
                     </a:ext>
                   </a:extLst>
                 </a:gridCol>
                 <a:gridCol w="1025198">
                   <a:extLst>
                     <a:ext uri="{9D8B030D-6E8A-4147-A177-3AD203B41FA5}">
-                      <a16:colId xmlns:a16="http://schemas.microsoft.com/office/drawing/2014/main" val="3812975210"/>
+                      <a16:colId xmlns="" xmlns:a16="http://schemas.microsoft.com/office/drawing/2014/main" val="3812975210"/>
                     </a:ext>
                   </a:extLst>
                 </a:gridCol>
                 <a:gridCol w="1025198">
                   <a:extLst>
                     <a:ext uri="{9D8B030D-6E8A-4147-A177-3AD203B41FA5}">
-                      <a16:colId xmlns:a16="http://schemas.microsoft.com/office/drawing/2014/main" val="2488201003"/>
+                      <a16:colId xmlns="" xmlns:a16="http://schemas.microsoft.com/office/drawing/2014/main" val="2488201003"/>
                     </a:ext>
                   </a:extLst>
                 </a:gridCol>
@@ -8057,7 +8054,7 @@
                     <a:p>
                       <a:pPr algn="l" fontAlgn="b"/>
                       <a:r>
-                        <a:rPr lang="en-DE" sz="1100" b="0" i="0" u="none" strike="noStrike">
+                        <a:rPr lang="x-none" sz="1100" b="0" i="0" u="none" strike="noStrike">
                           <a:solidFill>
                             <a:srgbClr val="000000"/>
                           </a:solidFill>
@@ -8096,7 +8093,7 @@
                     <a:p>
                       <a:pPr algn="l" fontAlgn="b"/>
                       <a:r>
-                        <a:rPr lang="en-DE" sz="1100" b="0" i="0" u="none" strike="noStrike">
+                        <a:rPr lang="x-none" sz="1100" b="0" i="0" u="none" strike="noStrike">
                           <a:solidFill>
                             <a:srgbClr val="000000"/>
                           </a:solidFill>
@@ -8135,7 +8132,7 @@
                     <a:p>
                       <a:pPr algn="l" fontAlgn="b"/>
                       <a:r>
-                        <a:rPr lang="en-DE" sz="1100" b="0" i="0" u="none" strike="noStrike" dirty="0">
+                        <a:rPr lang="x-none" sz="1100" b="0" i="0" u="none" strike="noStrike" dirty="0">
                           <a:solidFill>
                             <a:srgbClr val="000000"/>
                           </a:solidFill>
@@ -8174,7 +8171,7 @@
                     <a:p>
                       <a:pPr algn="l" fontAlgn="b"/>
                       <a:r>
-                        <a:rPr lang="en-DE" sz="1100" b="0" i="0" u="none" strike="noStrike">
+                        <a:rPr lang="x-none" sz="1100" b="0" i="0" u="none" strike="noStrike">
                           <a:solidFill>
                             <a:srgbClr val="000000"/>
                           </a:solidFill>
@@ -8213,7 +8210,7 @@
                     <a:p>
                       <a:pPr algn="l" fontAlgn="b"/>
                       <a:r>
-                        <a:rPr lang="en-DE" sz="1100" b="0" i="0" u="none" strike="noStrike">
+                        <a:rPr lang="x-none" sz="1100" b="0" i="0" u="none" strike="noStrike">
                           <a:solidFill>
                             <a:srgbClr val="000000"/>
                           </a:solidFill>
@@ -8252,7 +8249,7 @@
                     <a:p>
                       <a:pPr algn="l" fontAlgn="b"/>
                       <a:r>
-                        <a:rPr lang="en-DE" sz="1100" b="0" i="0" u="none" strike="noStrike">
+                        <a:rPr lang="x-none" sz="1100" b="0" i="0" u="none" strike="noStrike">
                           <a:solidFill>
                             <a:srgbClr val="000000"/>
                           </a:solidFill>
@@ -8291,7 +8288,7 @@
                     <a:p>
                       <a:pPr algn="l" fontAlgn="b"/>
                       <a:r>
-                        <a:rPr lang="en-DE" sz="1100" b="0" i="0" u="none" strike="noStrike">
+                        <a:rPr lang="x-none" sz="1100" b="0" i="0" u="none" strike="noStrike">
                           <a:solidFill>
                             <a:srgbClr val="000000"/>
                           </a:solidFill>
@@ -8325,7 +8322,7 @@
                 </a:tc>
                 <a:extLst>
                   <a:ext uri="{0D108BD9-81ED-4DB2-BD59-A6C34878D82A}">
-                    <a16:rowId xmlns:a16="http://schemas.microsoft.com/office/drawing/2014/main" val="4102326010"/>
+                    <a16:rowId xmlns="" xmlns:a16="http://schemas.microsoft.com/office/drawing/2014/main" val="4102326010"/>
                   </a:ext>
                 </a:extLst>
               </a:tr>
@@ -8437,7 +8434,7 @@
                 </a:tc>
                 <a:extLst>
                   <a:ext uri="{0D108BD9-81ED-4DB2-BD59-A6C34878D82A}">
-                    <a16:rowId xmlns:a16="http://schemas.microsoft.com/office/drawing/2014/main" val="2221686618"/>
+                    <a16:rowId xmlns="" xmlns:a16="http://schemas.microsoft.com/office/drawing/2014/main" val="2221686618"/>
                   </a:ext>
                 </a:extLst>
               </a:tr>
@@ -8778,7 +8775,7 @@
                 </a:tc>
                 <a:extLst>
                   <a:ext uri="{0D108BD9-81ED-4DB2-BD59-A6C34878D82A}">
-                    <a16:rowId xmlns:a16="http://schemas.microsoft.com/office/drawing/2014/main" val="1321397725"/>
+                    <a16:rowId xmlns="" xmlns:a16="http://schemas.microsoft.com/office/drawing/2014/main" val="1321397725"/>
                   </a:ext>
                 </a:extLst>
               </a:tr>
@@ -8790,7 +8787,7 @@
                     <a:p>
                       <a:pPr algn="l" fontAlgn="b"/>
                       <a:r>
-                        <a:rPr lang="en-DE" sz="2000" b="0" i="0" u="none" strike="noStrike" dirty="0" smtClean="0">
+                        <a:rPr lang="x-none" sz="2000" b="0" i="0" u="none" strike="noStrike" dirty="0" smtClean="0">
                           <a:solidFill>
                             <a:srgbClr val="000000"/>
                           </a:solidFill>
@@ -8855,7 +8852,7 @@
                     <a:p>
                       <a:pPr algn="ctr" fontAlgn="ctr"/>
                       <a:r>
-                        <a:rPr lang="en-DE" sz="2000" b="0" i="0" u="none" strike="noStrike">
+                        <a:rPr lang="x-none" sz="2000" b="0" i="0" u="none" strike="noStrike">
                           <a:solidFill>
                             <a:srgbClr val="000000"/>
                           </a:solidFill>
@@ -8900,7 +8897,7 @@
                     <a:p>
                       <a:pPr algn="ctr" fontAlgn="ctr"/>
                       <a:r>
-                        <a:rPr lang="en-DE" sz="2000" b="0" i="0" u="none" strike="noStrike">
+                        <a:rPr lang="x-none" sz="2000" b="0" i="0" u="none" strike="noStrike">
                           <a:solidFill>
                             <a:srgbClr val="000000"/>
                           </a:solidFill>
@@ -8939,7 +8936,7 @@
                     <a:p>
                       <a:pPr algn="ctr" fontAlgn="ctr"/>
                       <a:r>
-                        <a:rPr lang="en-DE" sz="2000" b="0" i="0" u="none" strike="noStrike">
+                        <a:rPr lang="x-none" sz="2000" b="0" i="0" u="none" strike="noStrike">
                           <a:solidFill>
                             <a:srgbClr val="000000"/>
                           </a:solidFill>
@@ -8978,7 +8975,7 @@
                     <a:p>
                       <a:pPr algn="ctr" fontAlgn="ctr"/>
                       <a:r>
-                        <a:rPr lang="en-DE" sz="2000" b="0" i="0" u="none" strike="noStrike">
+                        <a:rPr lang="x-none" sz="2000" b="0" i="0" u="none" strike="noStrike">
                           <a:solidFill>
                             <a:srgbClr val="000000"/>
                           </a:solidFill>
@@ -9017,7 +9014,7 @@
                     <a:p>
                       <a:pPr algn="ctr" fontAlgn="ctr"/>
                       <a:r>
-                        <a:rPr lang="en-DE" sz="2000" b="0" i="0" u="none" strike="noStrike">
+                        <a:rPr lang="x-none" sz="2000" b="0" i="0" u="none" strike="noStrike">
                           <a:solidFill>
                             <a:srgbClr val="000000"/>
                           </a:solidFill>
@@ -9056,7 +9053,7 @@
                     <a:p>
                       <a:pPr algn="ctr" fontAlgn="ctr"/>
                       <a:r>
-                        <a:rPr lang="en-DE" sz="2000" b="0" i="0" u="none" strike="noStrike">
+                        <a:rPr lang="x-none" sz="2000" b="0" i="0" u="none" strike="noStrike">
                           <a:solidFill>
                             <a:srgbClr val="000000"/>
                           </a:solidFill>
@@ -9090,7 +9087,7 @@
                 </a:tc>
                 <a:extLst>
                   <a:ext uri="{0D108BD9-81ED-4DB2-BD59-A6C34878D82A}">
-                    <a16:rowId xmlns:a16="http://schemas.microsoft.com/office/drawing/2014/main" val="3252847149"/>
+                    <a16:rowId xmlns="" xmlns:a16="http://schemas.microsoft.com/office/drawing/2014/main" val="3252847149"/>
                   </a:ext>
                 </a:extLst>
               </a:tr>
@@ -9102,7 +9099,7 @@
                     <a:p>
                       <a:pPr algn="l" fontAlgn="b"/>
                       <a:r>
-                        <a:rPr lang="en-DE" sz="2000" b="0" i="0" u="none" strike="noStrike" dirty="0" smtClean="0">
+                        <a:rPr lang="x-none" sz="2000" b="0" i="0" u="none" strike="noStrike" dirty="0" smtClean="0">
                           <a:solidFill>
                             <a:srgbClr val="000000"/>
                           </a:solidFill>
@@ -9167,7 +9164,7 @@
                     <a:p>
                       <a:pPr algn="ctr" fontAlgn="ctr"/>
                       <a:r>
-                        <a:rPr lang="en-DE" sz="2000" b="0" i="0" u="none" strike="noStrike">
+                        <a:rPr lang="x-none" sz="2000" b="0" i="0" u="none" strike="noStrike">
                           <a:solidFill>
                             <a:srgbClr val="000000"/>
                           </a:solidFill>
@@ -9212,7 +9209,7 @@
                     <a:p>
                       <a:pPr algn="ctr" fontAlgn="ctr"/>
                       <a:r>
-                        <a:rPr lang="en-DE" sz="2000" b="0" i="0" u="none" strike="noStrike">
+                        <a:rPr lang="x-none" sz="2000" b="0" i="0" u="none" strike="noStrike">
                           <a:solidFill>
                             <a:srgbClr val="000000"/>
                           </a:solidFill>
@@ -9251,7 +9248,7 @@
                     <a:p>
                       <a:pPr algn="ctr" fontAlgn="ctr"/>
                       <a:r>
-                        <a:rPr lang="en-DE" sz="2000" b="0" i="0" u="none" strike="noStrike">
+                        <a:rPr lang="x-none" sz="2000" b="0" i="0" u="none" strike="noStrike">
                           <a:solidFill>
                             <a:srgbClr val="000000"/>
                           </a:solidFill>
@@ -9290,7 +9287,7 @@
                     <a:p>
                       <a:pPr algn="ctr" fontAlgn="ctr"/>
                       <a:r>
-                        <a:rPr lang="en-DE" sz="2000" b="0" i="0" u="none" strike="noStrike">
+                        <a:rPr lang="x-none" sz="2000" b="0" i="0" u="none" strike="noStrike">
                           <a:solidFill>
                             <a:srgbClr val="000000"/>
                           </a:solidFill>
@@ -9329,7 +9326,7 @@
                     <a:p>
                       <a:pPr algn="ctr" fontAlgn="ctr"/>
                       <a:r>
-                        <a:rPr lang="en-DE" sz="2000" b="0" i="0" u="none" strike="noStrike">
+                        <a:rPr lang="x-none" sz="2000" b="0" i="0" u="none" strike="noStrike">
                           <a:solidFill>
                             <a:srgbClr val="000000"/>
                           </a:solidFill>
@@ -9368,7 +9365,7 @@
                     <a:p>
                       <a:pPr algn="ctr" fontAlgn="ctr"/>
                       <a:r>
-                        <a:rPr lang="en-DE" sz="2000" b="0" i="0" u="none" strike="noStrike" dirty="0">
+                        <a:rPr lang="x-none" sz="2000" b="0" i="0" u="none" strike="noStrike" dirty="0">
                           <a:solidFill>
                             <a:srgbClr val="000000"/>
                           </a:solidFill>
@@ -9402,7 +9399,7 @@
                 </a:tc>
                 <a:extLst>
                   <a:ext uri="{0D108BD9-81ED-4DB2-BD59-A6C34878D82A}">
-                    <a16:rowId xmlns:a16="http://schemas.microsoft.com/office/drawing/2014/main" val="46636203"/>
+                    <a16:rowId xmlns="" xmlns:a16="http://schemas.microsoft.com/office/drawing/2014/main" val="46636203"/>
                   </a:ext>
                 </a:extLst>
               </a:tr>
@@ -9570,57 +9567,41 @@
           </a:lstStyle>
           <a:p>
             <a:r>
-              <a:rPr lang="en-DE" sz="2000" dirty="0" smtClean="0"/>
-              <a:t>Constant model (simple historical </a:t>
-            </a:r>
-            <a:r>
-              <a:rPr lang="en-DE" sz="2000" dirty="0" smtClean="0"/>
-              <a:t>average) </a:t>
-            </a:r>
-            <a:r>
-              <a:rPr lang="en-DE" sz="2000" dirty="0" smtClean="0"/>
-              <a:t>and a model with </a:t>
-            </a:r>
-            <a:r>
-              <a:rPr lang="en-DE" sz="2000" dirty="0" smtClean="0"/>
-              <a:t>principal </a:t>
-            </a:r>
-            <a:r>
-              <a:rPr lang="en-DE" sz="2000" dirty="0"/>
+              <a:rPr lang="x-none" sz="2000" dirty="0" smtClean="0"/>
+              <a:t>Constant model (simple historical average) and a model with principal </a:t>
+            </a:r>
+            <a:r>
+              <a:rPr lang="x-none" sz="2000" dirty="0"/>
               <a:t>c</a:t>
             </a:r>
             <a:r>
-              <a:rPr lang="en-DE" sz="2000" dirty="0" smtClean="0"/>
-              <a:t>omponents  </a:t>
-            </a:r>
-            <a:r>
-              <a:rPr lang="en-DE" sz="2000" dirty="0" smtClean="0"/>
-              <a:t>as regressors show similar performance  in the train and validation samples</a:t>
-            </a:r>
-          </a:p>
-          <a:p>
-            <a:r>
-              <a:rPr lang="en-DE" sz="2000" dirty="0" smtClean="0"/>
+              <a:rPr lang="x-none" sz="2000" dirty="0" smtClean="0"/>
+              <a:t>omponents  as regressors show similar performance  in the train and validation samples</a:t>
+            </a:r>
+          </a:p>
+          <a:p>
+            <a:r>
+              <a:rPr lang="x-none" sz="2000" dirty="0" smtClean="0"/>
               <a:t>OLS performs well in the train sample but has high MSE in the validation sample (overfitting)</a:t>
             </a:r>
           </a:p>
           <a:p>
             <a:r>
-              <a:rPr lang="en-DE" sz="2000" dirty="0" smtClean="0"/>
+              <a:rPr lang="x-none" sz="2000" dirty="0" smtClean="0"/>
               <a:t>Ridge improves slightly this pattern</a:t>
             </a:r>
           </a:p>
           <a:p>
             <a:r>
-              <a:rPr lang="en-DE" sz="2000" dirty="0" smtClean="0"/>
+              <a:rPr lang="x-none" sz="2000" dirty="0" smtClean="0"/>
               <a:t>Lasso and Enet </a:t>
             </a:r>
             <a:r>
-              <a:rPr lang="en-DE" sz="2000" dirty="0"/>
+              <a:rPr lang="x-none" sz="2000" dirty="0"/>
               <a:t>signifcantly</a:t>
             </a:r>
             <a:r>
-              <a:rPr lang="en-DE" sz="2000" dirty="0" smtClean="0"/>
+              <a:rPr lang="x-none" sz="2000" dirty="0" smtClean="0"/>
               <a:t> improve performance in the validation sample</a:t>
             </a:r>
             <a:endParaRPr lang="en-US" sz="2000" dirty="0"/>
@@ -9674,176 +9655,16 @@
             <p:ph type="title"/>
           </p:nvPr>
         </p:nvSpPr>
-        <p:spPr>
-          <a:xfrm>
-            <a:off x="684000" y="584684"/>
-            <a:ext cx="6012236" cy="1141200"/>
-          </a:xfrm>
-        </p:spPr>
-        <p:txBody>
-          <a:bodyPr/>
-          <a:lstStyle/>
-          <a:p>
-            <a:r>
-              <a:rPr lang="en-US" dirty="0" smtClean="0"/>
-              <a:t>Explanatory vs Predictive Modeling </a:t>
-            </a:r>
-            <a:endParaRPr lang="en-US" dirty="0"/>
-          </a:p>
-        </p:txBody>
-      </p:sp>
-      <p:sp>
-        <p:nvSpPr>
-          <p:cNvPr id="3" name="Content Placeholder 2"/>
-          <p:cNvSpPr>
-            <a:spLocks noGrp="1"/>
-          </p:cNvSpPr>
-          <p:nvPr>
-            <p:ph idx="1"/>
-          </p:nvPr>
-        </p:nvSpPr>
         <p:spPr/>
         <p:txBody>
           <a:bodyPr/>
           <a:lstStyle/>
           <a:p>
             <a:r>
-              <a:rPr lang="en-US" dirty="0" err="1"/>
-              <a:t>Breiman</a:t>
-            </a:r>
-            <a:r>
-              <a:rPr lang="en-US" dirty="0"/>
-              <a:t>, Leo, 2001, Statistical Modeling: The Two </a:t>
-            </a:r>
-            <a:r>
-              <a:rPr lang="en-US" dirty="0" smtClean="0"/>
-              <a:t>Cultures, </a:t>
-            </a:r>
-            <a:r>
-              <a:rPr lang="en-US" i="1" dirty="0"/>
-              <a:t>Statistical Science</a:t>
-            </a:r>
-            <a:r>
-              <a:rPr lang="en-US" dirty="0"/>
-              <a:t> 16, </a:t>
-            </a:r>
-            <a:r>
-              <a:rPr lang="en-US" dirty="0" smtClean="0"/>
-              <a:t>199–231.</a:t>
-            </a:r>
-          </a:p>
-          <a:p>
-            <a:r>
-              <a:rPr lang="en-US" dirty="0" err="1"/>
-              <a:t>Shmueli</a:t>
-            </a:r>
-            <a:r>
-              <a:rPr lang="en-US" dirty="0"/>
-              <a:t>, </a:t>
-            </a:r>
-            <a:r>
-              <a:rPr lang="en-US" dirty="0" err="1"/>
-              <a:t>Galit</a:t>
-            </a:r>
-            <a:r>
-              <a:rPr lang="en-US" dirty="0"/>
-              <a:t>, 2010, To Explain or to Predict?, </a:t>
-            </a:r>
-            <a:r>
-              <a:rPr lang="en-US" i="1" dirty="0"/>
-              <a:t>Statistical Science</a:t>
-            </a:r>
-            <a:r>
-              <a:rPr lang="en-US" dirty="0"/>
-              <a:t> 25, </a:t>
-            </a:r>
-            <a:r>
-              <a:rPr lang="en-US" dirty="0" smtClean="0"/>
-              <a:t>289–310.</a:t>
-            </a:r>
-          </a:p>
-          <a:p>
-            <a:r>
-              <a:rPr lang="en-US" dirty="0"/>
-              <a:t>Kleinberg, Jon, Jens Ludwig, </a:t>
-            </a:r>
-            <a:r>
-              <a:rPr lang="en-US" dirty="0" err="1"/>
-              <a:t>Sendhil</a:t>
-            </a:r>
-            <a:r>
-              <a:rPr lang="en-US" dirty="0"/>
-              <a:t> Mullainathan, and </a:t>
-            </a:r>
-            <a:r>
-              <a:rPr lang="en-US" dirty="0" err="1"/>
-              <a:t>Ziad</a:t>
-            </a:r>
-            <a:r>
-              <a:rPr lang="en-US" dirty="0"/>
-              <a:t> Obermeyer, 2015, Prediction Policy Problems, </a:t>
-            </a:r>
-            <a:r>
-              <a:rPr lang="en-US" i="1" dirty="0"/>
-              <a:t>American Economic Review</a:t>
-            </a:r>
-            <a:r>
-              <a:rPr lang="en-US" dirty="0"/>
-              <a:t> 105, 491–495</a:t>
-            </a:r>
-            <a:r>
-              <a:rPr lang="en-US" dirty="0" smtClean="0"/>
-              <a:t>.</a:t>
-            </a:r>
-          </a:p>
-          <a:p>
-            <a:r>
-              <a:rPr lang="en-US" dirty="0"/>
-              <a:t>Mullainathan, </a:t>
-            </a:r>
-            <a:r>
-              <a:rPr lang="en-US" dirty="0" err="1"/>
-              <a:t>Sendhil</a:t>
-            </a:r>
-            <a:r>
-              <a:rPr lang="en-US" dirty="0"/>
-              <a:t>, and Jann </a:t>
-            </a:r>
-            <a:r>
-              <a:rPr lang="en-US" dirty="0" err="1"/>
-              <a:t>Spiess</a:t>
-            </a:r>
-            <a:r>
-              <a:rPr lang="en-US" dirty="0"/>
-              <a:t>, 2017, Machine Learning: An Applied Econometric Approach</a:t>
-            </a:r>
-            <a:r>
-              <a:rPr lang="en-US" dirty="0"/>
-              <a:t>, </a:t>
-            </a:r>
-            <a:r>
-              <a:rPr lang="en-US" i="1" dirty="0"/>
-              <a:t>Journal of Economic </a:t>
-            </a:r>
-            <a:r>
-              <a:rPr lang="en-US" i="1" dirty="0" smtClean="0"/>
-              <a:t>Perspectives</a:t>
-            </a:r>
-            <a:r>
-              <a:rPr lang="en-DE" dirty="0" smtClean="0"/>
-              <a:t>, </a:t>
-            </a:r>
-            <a:r>
-              <a:rPr lang="en-US" dirty="0" smtClean="0"/>
-              <a:t>31</a:t>
-            </a:r>
-            <a:r>
-              <a:rPr lang="en-US" dirty="0"/>
-              <a:t>, 87–106.</a:t>
-            </a:r>
-          </a:p>
-          <a:p>
-            <a:endParaRPr lang="en-US" dirty="0" smtClean="0"/>
+              <a:rPr lang="x-none" dirty="0" smtClean="0"/>
+              <a:t>Recent Trend</a:t>
+            </a:r>
+            <a:endParaRPr lang="en-US" dirty="0"/>
           </a:p>
         </p:txBody>
       </p:sp>
@@ -9886,7 +9707,7 @@
           <a:lstStyle/>
           <a:p>
             <a:r>
-              <a:rPr lang="de-DE" smtClean="0"/>
+              <a:rPr lang="de-DE" dirty="0" smtClean="0"/>
               <a:t>Pavel Lesnevski</a:t>
             </a:r>
             <a:endParaRPr lang="de-DE" dirty="0"/>
@@ -9916,10 +9737,39 @@
           </a:p>
         </p:txBody>
       </p:sp>
+      <p:pic>
+        <p:nvPicPr>
+          <p:cNvPr id="7" name="Content Placeholder 6"/>
+          <p:cNvPicPr>
+            <a:picLocks noGrp="1" noChangeAspect="1"/>
+          </p:cNvPicPr>
+          <p:nvPr>
+            <p:ph idx="1"/>
+          </p:nvPr>
+        </p:nvPicPr>
+        <p:blipFill>
+          <a:blip r:embed="rId2">
+            <a:extLst>
+              <a:ext uri="{28A0092B-C50C-407E-A947-70E740481C1C}">
+                <a14:useLocalDpi xmlns:a14="http://schemas.microsoft.com/office/drawing/2010/main" val="0"/>
+              </a:ext>
+            </a:extLst>
+          </a:blip>
+          <a:stretch>
+            <a:fillRect/>
+          </a:stretch>
+        </p:blipFill>
+        <p:spPr>
+          <a:xfrm>
+            <a:off x="899592" y="1971680"/>
+            <a:ext cx="7164796" cy="3761518"/>
+          </a:xfrm>
+        </p:spPr>
+      </p:pic>
     </p:spTree>
     <p:extLst>
       <p:ext uri="{BB962C8B-B14F-4D97-AF65-F5344CB8AC3E}">
-        <p14:creationId xmlns:p14="http://schemas.microsoft.com/office/powerpoint/2010/main" val="3827084771"/>
+        <p14:creationId xmlns:p14="http://schemas.microsoft.com/office/powerpoint/2010/main" val="3571216120"/>
       </p:ext>
     </p:extLst>
   </p:cSld>
@@ -9969,7 +9819,7 @@
           <a:lstStyle/>
           <a:p>
             <a:r>
-              <a:rPr lang="en-DE" dirty="0" smtClean="0"/>
+              <a:rPr lang="x-none" dirty="0" smtClean="0"/>
               <a:t>Prediction MSE</a:t>
             </a:r>
             <a:endParaRPr lang="en-US" dirty="0"/>
@@ -10003,49 +9853,49 @@
                 <a:gridCol w="1981200">
                   <a:extLst>
                     <a:ext uri="{9D8B030D-6E8A-4147-A177-3AD203B41FA5}">
-                      <a16:colId xmlns:a16="http://schemas.microsoft.com/office/drawing/2014/main" val="3514439321"/>
+                      <a16:colId xmlns="" xmlns:a16="http://schemas.microsoft.com/office/drawing/2014/main" val="3514439321"/>
                     </a:ext>
                   </a:extLst>
                 </a:gridCol>
                 <a:gridCol w="952500">
                   <a:extLst>
                     <a:ext uri="{9D8B030D-6E8A-4147-A177-3AD203B41FA5}">
-                      <a16:colId xmlns:a16="http://schemas.microsoft.com/office/drawing/2014/main" val="146923457"/>
+                      <a16:colId xmlns="" xmlns:a16="http://schemas.microsoft.com/office/drawing/2014/main" val="146923457"/>
                     </a:ext>
                   </a:extLst>
                 </a:gridCol>
                 <a:gridCol w="952500">
                   <a:extLst>
                     <a:ext uri="{9D8B030D-6E8A-4147-A177-3AD203B41FA5}">
-                      <a16:colId xmlns:a16="http://schemas.microsoft.com/office/drawing/2014/main" val="474674774"/>
+                      <a16:colId xmlns="" xmlns:a16="http://schemas.microsoft.com/office/drawing/2014/main" val="474674774"/>
                     </a:ext>
                   </a:extLst>
                 </a:gridCol>
                 <a:gridCol w="952500">
                   <a:extLst>
                     <a:ext uri="{9D8B030D-6E8A-4147-A177-3AD203B41FA5}">
-                      <a16:colId xmlns:a16="http://schemas.microsoft.com/office/drawing/2014/main" val="1630497799"/>
+                      <a16:colId xmlns="" xmlns:a16="http://schemas.microsoft.com/office/drawing/2014/main" val="1630497799"/>
                     </a:ext>
                   </a:extLst>
                 </a:gridCol>
                 <a:gridCol w="952500">
                   <a:extLst>
                     <a:ext uri="{9D8B030D-6E8A-4147-A177-3AD203B41FA5}">
-                      <a16:colId xmlns:a16="http://schemas.microsoft.com/office/drawing/2014/main" val="11798766"/>
+                      <a16:colId xmlns="" xmlns:a16="http://schemas.microsoft.com/office/drawing/2014/main" val="11798766"/>
                     </a:ext>
                   </a:extLst>
                 </a:gridCol>
                 <a:gridCol w="952500">
                   <a:extLst>
                     <a:ext uri="{9D8B030D-6E8A-4147-A177-3AD203B41FA5}">
-                      <a16:colId xmlns:a16="http://schemas.microsoft.com/office/drawing/2014/main" val="2026449190"/>
+                      <a16:colId xmlns="" xmlns:a16="http://schemas.microsoft.com/office/drawing/2014/main" val="2026449190"/>
                     </a:ext>
                   </a:extLst>
                 </a:gridCol>
                 <a:gridCol w="952500">
                   <a:extLst>
                     <a:ext uri="{9D8B030D-6E8A-4147-A177-3AD203B41FA5}">
-                      <a16:colId xmlns:a16="http://schemas.microsoft.com/office/drawing/2014/main" val="3167480087"/>
+                      <a16:colId xmlns="" xmlns:a16="http://schemas.microsoft.com/office/drawing/2014/main" val="3167480087"/>
                     </a:ext>
                   </a:extLst>
                 </a:gridCol>
@@ -10058,7 +9908,7 @@
                     <a:p>
                       <a:pPr algn="l" fontAlgn="b"/>
                       <a:r>
-                        <a:rPr lang="en-DE" sz="1100" b="0" i="0" u="none" strike="noStrike" dirty="0">
+                        <a:rPr lang="x-none" sz="1100" b="0" i="0" u="none" strike="noStrike" dirty="0">
                           <a:solidFill>
                             <a:srgbClr val="000000"/>
                           </a:solidFill>
@@ -10097,7 +9947,7 @@
                     <a:p>
                       <a:pPr algn="l" fontAlgn="b"/>
                       <a:r>
-                        <a:rPr lang="en-DE" sz="1100" b="0" i="0" u="none" strike="noStrike">
+                        <a:rPr lang="x-none" sz="1100" b="0" i="0" u="none" strike="noStrike">
                           <a:solidFill>
                             <a:srgbClr val="000000"/>
                           </a:solidFill>
@@ -10136,7 +9986,7 @@
                     <a:p>
                       <a:pPr algn="l" fontAlgn="b"/>
                       <a:r>
-                        <a:rPr lang="en-DE" sz="1100" b="0" i="0" u="none" strike="noStrike">
+                        <a:rPr lang="x-none" sz="1100" b="0" i="0" u="none" strike="noStrike">
                           <a:solidFill>
                             <a:srgbClr val="000000"/>
                           </a:solidFill>
@@ -10175,7 +10025,7 @@
                     <a:p>
                       <a:pPr algn="l" fontAlgn="b"/>
                       <a:r>
-                        <a:rPr lang="en-DE" sz="1100" b="0" i="0" u="none" strike="noStrike">
+                        <a:rPr lang="x-none" sz="1100" b="0" i="0" u="none" strike="noStrike">
                           <a:solidFill>
                             <a:srgbClr val="000000"/>
                           </a:solidFill>
@@ -10214,7 +10064,7 @@
                     <a:p>
                       <a:pPr algn="l" fontAlgn="b"/>
                       <a:r>
-                        <a:rPr lang="en-DE" sz="1100" b="0" i="0" u="none" strike="noStrike">
+                        <a:rPr lang="x-none" sz="1100" b="0" i="0" u="none" strike="noStrike">
                           <a:solidFill>
                             <a:srgbClr val="000000"/>
                           </a:solidFill>
@@ -10253,7 +10103,7 @@
                     <a:p>
                       <a:pPr algn="l" fontAlgn="b"/>
                       <a:r>
-                        <a:rPr lang="en-DE" sz="1100" b="0" i="0" u="none" strike="noStrike">
+                        <a:rPr lang="x-none" sz="1100" b="0" i="0" u="none" strike="noStrike">
                           <a:solidFill>
                             <a:srgbClr val="000000"/>
                           </a:solidFill>
@@ -10292,7 +10142,7 @@
                     <a:p>
                       <a:pPr algn="l" fontAlgn="b"/>
                       <a:r>
-                        <a:rPr lang="en-DE" sz="1100" b="0" i="0" u="none" strike="noStrike">
+                        <a:rPr lang="x-none" sz="1100" b="0" i="0" u="none" strike="noStrike">
                           <a:solidFill>
                             <a:srgbClr val="000000"/>
                           </a:solidFill>
@@ -10326,7 +10176,7 @@
                 </a:tc>
                 <a:extLst>
                   <a:ext uri="{0D108BD9-81ED-4DB2-BD59-A6C34878D82A}">
-                    <a16:rowId xmlns:a16="http://schemas.microsoft.com/office/drawing/2014/main" val="3637229970"/>
+                    <a16:rowId xmlns="" xmlns:a16="http://schemas.microsoft.com/office/drawing/2014/main" val="3637229970"/>
                   </a:ext>
                 </a:extLst>
               </a:tr>
@@ -10660,7 +10510,7 @@
                 </a:tc>
                 <a:extLst>
                   <a:ext uri="{0D108BD9-81ED-4DB2-BD59-A6C34878D82A}">
-                    <a16:rowId xmlns:a16="http://schemas.microsoft.com/office/drawing/2014/main" val="2716465177"/>
+                    <a16:rowId xmlns="" xmlns:a16="http://schemas.microsoft.com/office/drawing/2014/main" val="2716465177"/>
                   </a:ext>
                 </a:extLst>
               </a:tr>
@@ -10723,7 +10573,7 @@
                     <a:p>
                       <a:pPr algn="ctr" fontAlgn="ctr"/>
                       <a:r>
-                        <a:rPr lang="en-DE" sz="2000" b="0" i="0" u="none" strike="noStrike">
+                        <a:rPr lang="x-none" sz="2000" b="0" i="0" u="none" strike="noStrike">
                           <a:solidFill>
                             <a:srgbClr val="000000"/>
                           </a:solidFill>
@@ -10774,7 +10624,7 @@
                     <a:p>
                       <a:pPr algn="ctr" fontAlgn="ctr"/>
                       <a:r>
-                        <a:rPr lang="en-DE" sz="2000" b="0" i="0" u="none" strike="noStrike">
+                        <a:rPr lang="x-none" sz="2000" b="0" i="0" u="none" strike="noStrike">
                           <a:solidFill>
                             <a:srgbClr val="000000"/>
                           </a:solidFill>
@@ -10819,7 +10669,7 @@
                     <a:p>
                       <a:pPr algn="ctr" fontAlgn="ctr"/>
                       <a:r>
-                        <a:rPr lang="en-DE" sz="2000" b="0" i="0" u="none" strike="noStrike">
+                        <a:rPr lang="x-none" sz="2000" b="0" i="0" u="none" strike="noStrike">
                           <a:solidFill>
                             <a:srgbClr val="000000"/>
                           </a:solidFill>
@@ -10864,7 +10714,7 @@
                     <a:p>
                       <a:pPr algn="ctr" fontAlgn="ctr"/>
                       <a:r>
-                        <a:rPr lang="en-DE" sz="2000" b="0" i="0" u="none" strike="noStrike">
+                        <a:rPr lang="x-none" sz="2000" b="0" i="0" u="none" strike="noStrike">
                           <a:solidFill>
                             <a:srgbClr val="000000"/>
                           </a:solidFill>
@@ -10909,7 +10759,7 @@
                     <a:p>
                       <a:pPr algn="ctr" fontAlgn="ctr"/>
                       <a:r>
-                        <a:rPr lang="en-DE" sz="2000" b="0" i="0" u="none" strike="noStrike">
+                        <a:rPr lang="x-none" sz="2000" b="0" i="0" u="none" strike="noStrike">
                           <a:solidFill>
                             <a:srgbClr val="000000"/>
                           </a:solidFill>
@@ -10954,7 +10804,7 @@
                     <a:p>
                       <a:pPr algn="ctr" fontAlgn="ctr"/>
                       <a:r>
-                        <a:rPr lang="en-DE" sz="2000" b="0" i="0" u="none" strike="noStrike" dirty="0">
+                        <a:rPr lang="x-none" sz="2000" b="0" i="0" u="none" strike="noStrike" dirty="0">
                           <a:solidFill>
                             <a:srgbClr val="000000"/>
                           </a:solidFill>
@@ -10994,7 +10844,7 @@
                 </a:tc>
                 <a:extLst>
                   <a:ext uri="{0D108BD9-81ED-4DB2-BD59-A6C34878D82A}">
-                    <a16:rowId xmlns:a16="http://schemas.microsoft.com/office/drawing/2014/main" val="1543885453"/>
+                    <a16:rowId xmlns="" xmlns:a16="http://schemas.microsoft.com/office/drawing/2014/main" val="1543885453"/>
                   </a:ext>
                 </a:extLst>
               </a:tr>
@@ -11158,7 +11008,7 @@
           <a:lstStyle/>
           <a:p>
             <a:r>
-              <a:rPr lang="en-DE" dirty="0" smtClean="0"/>
+              <a:rPr lang="x-none" dirty="0" smtClean="0"/>
               <a:t>Adding Square and Interaction Terms</a:t>
             </a:r>
             <a:endParaRPr lang="en-US" dirty="0"/>
@@ -11260,49 +11110,49 @@
                 <a:gridCol w="1981200">
                   <a:extLst>
                     <a:ext uri="{9D8B030D-6E8A-4147-A177-3AD203B41FA5}">
-                      <a16:colId xmlns:a16="http://schemas.microsoft.com/office/drawing/2014/main" val="1055164481"/>
+                      <a16:colId xmlns="" xmlns:a16="http://schemas.microsoft.com/office/drawing/2014/main" val="1055164481"/>
                     </a:ext>
                   </a:extLst>
                 </a:gridCol>
                 <a:gridCol w="952500">
                   <a:extLst>
                     <a:ext uri="{9D8B030D-6E8A-4147-A177-3AD203B41FA5}">
-                      <a16:colId xmlns:a16="http://schemas.microsoft.com/office/drawing/2014/main" val="612376597"/>
+                      <a16:colId xmlns="" xmlns:a16="http://schemas.microsoft.com/office/drawing/2014/main" val="612376597"/>
                     </a:ext>
                   </a:extLst>
                 </a:gridCol>
                 <a:gridCol w="952500">
                   <a:extLst>
                     <a:ext uri="{9D8B030D-6E8A-4147-A177-3AD203B41FA5}">
-                      <a16:colId xmlns:a16="http://schemas.microsoft.com/office/drawing/2014/main" val="3125992544"/>
+                      <a16:colId xmlns="" xmlns:a16="http://schemas.microsoft.com/office/drawing/2014/main" val="3125992544"/>
                     </a:ext>
                   </a:extLst>
                 </a:gridCol>
                 <a:gridCol w="952500">
                   <a:extLst>
                     <a:ext uri="{9D8B030D-6E8A-4147-A177-3AD203B41FA5}">
-                      <a16:colId xmlns:a16="http://schemas.microsoft.com/office/drawing/2014/main" val="2505601747"/>
+                      <a16:colId xmlns="" xmlns:a16="http://schemas.microsoft.com/office/drawing/2014/main" val="2505601747"/>
                     </a:ext>
                   </a:extLst>
                 </a:gridCol>
                 <a:gridCol w="952500">
                   <a:extLst>
                     <a:ext uri="{9D8B030D-6E8A-4147-A177-3AD203B41FA5}">
-                      <a16:colId xmlns:a16="http://schemas.microsoft.com/office/drawing/2014/main" val="3755075900"/>
+                      <a16:colId xmlns="" xmlns:a16="http://schemas.microsoft.com/office/drawing/2014/main" val="3755075900"/>
                     </a:ext>
                   </a:extLst>
                 </a:gridCol>
                 <a:gridCol w="952500">
                   <a:extLst>
                     <a:ext uri="{9D8B030D-6E8A-4147-A177-3AD203B41FA5}">
-                      <a16:colId xmlns:a16="http://schemas.microsoft.com/office/drawing/2014/main" val="1348196479"/>
+                      <a16:colId xmlns="" xmlns:a16="http://schemas.microsoft.com/office/drawing/2014/main" val="1348196479"/>
                     </a:ext>
                   </a:extLst>
                 </a:gridCol>
                 <a:gridCol w="952500">
                   <a:extLst>
                     <a:ext uri="{9D8B030D-6E8A-4147-A177-3AD203B41FA5}">
-                      <a16:colId xmlns:a16="http://schemas.microsoft.com/office/drawing/2014/main" val="1140523136"/>
+                      <a16:colId xmlns="" xmlns:a16="http://schemas.microsoft.com/office/drawing/2014/main" val="1140523136"/>
                     </a:ext>
                   </a:extLst>
                 </a:gridCol>
@@ -11315,7 +11165,7 @@
                     <a:p>
                       <a:pPr algn="l" fontAlgn="ctr"/>
                       <a:r>
-                        <a:rPr lang="en-DE" sz="2000" b="0" i="0" u="none" strike="noStrike">
+                        <a:rPr lang="x-none" sz="2000" b="0" i="0" u="none" strike="noStrike">
                           <a:solidFill>
                             <a:srgbClr val="000000"/>
                           </a:solidFill>
@@ -11354,7 +11204,7 @@
                     <a:p>
                       <a:pPr algn="l" fontAlgn="ctr"/>
                       <a:r>
-                        <a:rPr lang="en-DE" sz="2000" b="0" i="0" u="none" strike="noStrike">
+                        <a:rPr lang="x-none" sz="2000" b="0" i="0" u="none" strike="noStrike">
                           <a:solidFill>
                             <a:srgbClr val="000000"/>
                           </a:solidFill>
@@ -11393,7 +11243,7 @@
                     <a:p>
                       <a:pPr algn="l" fontAlgn="ctr"/>
                       <a:r>
-                        <a:rPr lang="en-DE" sz="2000" b="0" i="0" u="none" strike="noStrike">
+                        <a:rPr lang="x-none" sz="2000" b="0" i="0" u="none" strike="noStrike">
                           <a:solidFill>
                             <a:srgbClr val="000000"/>
                           </a:solidFill>
@@ -11432,7 +11282,7 @@
                     <a:p>
                       <a:pPr algn="l" fontAlgn="ctr"/>
                       <a:r>
-                        <a:rPr lang="en-DE" sz="2000" b="0" i="0" u="none" strike="noStrike" dirty="0">
+                        <a:rPr lang="x-none" sz="2000" b="0" i="0" u="none" strike="noStrike" dirty="0">
                           <a:solidFill>
                             <a:srgbClr val="000000"/>
                           </a:solidFill>
@@ -11471,7 +11321,7 @@
                     <a:p>
                       <a:pPr algn="l" fontAlgn="ctr"/>
                       <a:r>
-                        <a:rPr lang="en-DE" sz="2000" b="0" i="0" u="none" strike="noStrike">
+                        <a:rPr lang="x-none" sz="2000" b="0" i="0" u="none" strike="noStrike">
                           <a:solidFill>
                             <a:srgbClr val="000000"/>
                           </a:solidFill>
@@ -11510,7 +11360,7 @@
                     <a:p>
                       <a:pPr algn="l" fontAlgn="ctr"/>
                       <a:r>
-                        <a:rPr lang="en-DE" sz="2000" b="0" i="0" u="none" strike="noStrike">
+                        <a:rPr lang="x-none" sz="2000" b="0" i="0" u="none" strike="noStrike">
                           <a:solidFill>
                             <a:srgbClr val="000000"/>
                           </a:solidFill>
@@ -11549,7 +11399,7 @@
                     <a:p>
                       <a:pPr algn="l" fontAlgn="ctr"/>
                       <a:r>
-                        <a:rPr lang="en-DE" sz="2000" b="0" i="0" u="none" strike="noStrike">
+                        <a:rPr lang="x-none" sz="2000" b="0" i="0" u="none" strike="noStrike">
                           <a:solidFill>
                             <a:srgbClr val="000000"/>
                           </a:solidFill>
@@ -11583,7 +11433,7 @@
                 </a:tc>
                 <a:extLst>
                   <a:ext uri="{0D108BD9-81ED-4DB2-BD59-A6C34878D82A}">
-                    <a16:rowId xmlns:a16="http://schemas.microsoft.com/office/drawing/2014/main" val="85136503"/>
+                    <a16:rowId xmlns="" xmlns:a16="http://schemas.microsoft.com/office/drawing/2014/main" val="85136503"/>
                   </a:ext>
                 </a:extLst>
               </a:tr>
@@ -11612,20 +11462,10 @@
                           <a:effectLst/>
                           <a:latin typeface="Calibri" panose="020F0502020204030204" pitchFamily="34" charset="0"/>
                         </a:rPr>
-                        <a:t>Interaction </a:t>
+                        <a:t>Interaction Terms</a:t>
                       </a:r>
                       <a:r>
-                        <a:rPr lang="en-US" sz="2000" b="0" i="0" u="none" strike="noStrike" dirty="0" smtClean="0">
-                          <a:solidFill>
-                            <a:srgbClr val="000000"/>
-                          </a:solidFill>
-                          <a:effectLst/>
-                          <a:latin typeface="Calibri" panose="020F0502020204030204" pitchFamily="34" charset="0"/>
-                        </a:rPr>
-                        <a:t>Terms</a:t>
-                      </a:r>
-                      <a:r>
-                        <a:rPr lang="en-DE" sz="2000" b="0" i="0" u="none" strike="noStrike" dirty="0" smtClean="0">
+                        <a:rPr lang="x-none" sz="2000" b="0" i="0" u="none" strike="noStrike" dirty="0" smtClean="0">
                           <a:solidFill>
                             <a:srgbClr val="000000"/>
                           </a:solidFill>
@@ -11732,7 +11572,7 @@
                 </a:tc>
                 <a:extLst>
                   <a:ext uri="{0D108BD9-81ED-4DB2-BD59-A6C34878D82A}">
-                    <a16:rowId xmlns:a16="http://schemas.microsoft.com/office/drawing/2014/main" val="1833427745"/>
+                    <a16:rowId xmlns="" xmlns:a16="http://schemas.microsoft.com/office/drawing/2014/main" val="1833427745"/>
                   </a:ext>
                 </a:extLst>
               </a:tr>
@@ -12066,7 +11906,7 @@
                 </a:tc>
                 <a:extLst>
                   <a:ext uri="{0D108BD9-81ED-4DB2-BD59-A6C34878D82A}">
-                    <a16:rowId xmlns:a16="http://schemas.microsoft.com/office/drawing/2014/main" val="1809421555"/>
+                    <a16:rowId xmlns="" xmlns:a16="http://schemas.microsoft.com/office/drawing/2014/main" val="1809421555"/>
                   </a:ext>
                 </a:extLst>
               </a:tr>
@@ -12129,7 +11969,7 @@
                     <a:p>
                       <a:pPr algn="ctr" fontAlgn="ctr"/>
                       <a:r>
-                        <a:rPr lang="en-DE" sz="2000" b="0" i="0" u="none" strike="noStrike">
+                        <a:rPr lang="x-none" sz="2000" b="0" i="0" u="none" strike="noStrike">
                           <a:solidFill>
                             <a:srgbClr val="000000"/>
                           </a:solidFill>
@@ -12180,7 +12020,7 @@
                     <a:p>
                       <a:pPr algn="ctr" fontAlgn="ctr"/>
                       <a:r>
-                        <a:rPr lang="en-DE" sz="2000" b="0" i="0" u="none" strike="noStrike">
+                        <a:rPr lang="x-none" sz="2000" b="0" i="0" u="none" strike="noStrike">
                           <a:solidFill>
                             <a:srgbClr val="000000"/>
                           </a:solidFill>
@@ -12225,7 +12065,7 @@
                     <a:p>
                       <a:pPr algn="ctr" fontAlgn="ctr"/>
                       <a:r>
-                        <a:rPr lang="en-DE" sz="2000" b="0" i="0" u="none" strike="noStrike">
+                        <a:rPr lang="x-none" sz="2000" b="0" i="0" u="none" strike="noStrike">
                           <a:solidFill>
                             <a:srgbClr val="000000"/>
                           </a:solidFill>
@@ -12270,7 +12110,7 @@
                     <a:p>
                       <a:pPr algn="ctr" fontAlgn="ctr"/>
                       <a:r>
-                        <a:rPr lang="en-DE" sz="2000" b="0" i="0" u="none" strike="noStrike">
+                        <a:rPr lang="x-none" sz="2000" b="0" i="0" u="none" strike="noStrike">
                           <a:solidFill>
                             <a:srgbClr val="000000"/>
                           </a:solidFill>
@@ -12315,7 +12155,7 @@
                     <a:p>
                       <a:pPr algn="ctr" fontAlgn="ctr"/>
                       <a:r>
-                        <a:rPr lang="en-DE" sz="2000" b="0" i="0" u="none" strike="noStrike">
+                        <a:rPr lang="x-none" sz="2000" b="0" i="0" u="none" strike="noStrike">
                           <a:solidFill>
                             <a:srgbClr val="000000"/>
                           </a:solidFill>
@@ -12360,7 +12200,7 @@
                     <a:p>
                       <a:pPr algn="ctr" fontAlgn="ctr"/>
                       <a:r>
-                        <a:rPr lang="en-DE" sz="2000" b="0" i="0" u="none" strike="noStrike" dirty="0">
+                        <a:rPr lang="x-none" sz="2000" b="0" i="0" u="none" strike="noStrike" dirty="0">
                           <a:solidFill>
                             <a:srgbClr val="000000"/>
                           </a:solidFill>
@@ -12400,7 +12240,7 @@
                 </a:tc>
                 <a:extLst>
                   <a:ext uri="{0D108BD9-81ED-4DB2-BD59-A6C34878D82A}">
-                    <a16:rowId xmlns:a16="http://schemas.microsoft.com/office/drawing/2014/main" val="649101359"/>
+                    <a16:rowId xmlns="" xmlns:a16="http://schemas.microsoft.com/office/drawing/2014/main" val="649101359"/>
                   </a:ext>
                 </a:extLst>
               </a:tr>
@@ -12434,49 +12274,49 @@
                 <a:gridCol w="1981200">
                   <a:extLst>
                     <a:ext uri="{9D8B030D-6E8A-4147-A177-3AD203B41FA5}">
-                      <a16:colId xmlns:a16="http://schemas.microsoft.com/office/drawing/2014/main" val="3219154802"/>
+                      <a16:colId xmlns="" xmlns:a16="http://schemas.microsoft.com/office/drawing/2014/main" val="3219154802"/>
                     </a:ext>
                   </a:extLst>
                 </a:gridCol>
                 <a:gridCol w="952500">
                   <a:extLst>
                     <a:ext uri="{9D8B030D-6E8A-4147-A177-3AD203B41FA5}">
-                      <a16:colId xmlns:a16="http://schemas.microsoft.com/office/drawing/2014/main" val="3940307627"/>
+                      <a16:colId xmlns="" xmlns:a16="http://schemas.microsoft.com/office/drawing/2014/main" val="3940307627"/>
                     </a:ext>
                   </a:extLst>
                 </a:gridCol>
                 <a:gridCol w="952500">
                   <a:extLst>
                     <a:ext uri="{9D8B030D-6E8A-4147-A177-3AD203B41FA5}">
-                      <a16:colId xmlns:a16="http://schemas.microsoft.com/office/drawing/2014/main" val="569932491"/>
+                      <a16:colId xmlns="" xmlns:a16="http://schemas.microsoft.com/office/drawing/2014/main" val="569932491"/>
                     </a:ext>
                   </a:extLst>
                 </a:gridCol>
                 <a:gridCol w="952500">
                   <a:extLst>
                     <a:ext uri="{9D8B030D-6E8A-4147-A177-3AD203B41FA5}">
-                      <a16:colId xmlns:a16="http://schemas.microsoft.com/office/drawing/2014/main" val="1891617626"/>
+                      <a16:colId xmlns="" xmlns:a16="http://schemas.microsoft.com/office/drawing/2014/main" val="1891617626"/>
                     </a:ext>
                   </a:extLst>
                 </a:gridCol>
                 <a:gridCol w="952500">
                   <a:extLst>
                     <a:ext uri="{9D8B030D-6E8A-4147-A177-3AD203B41FA5}">
-                      <a16:colId xmlns:a16="http://schemas.microsoft.com/office/drawing/2014/main" val="1063450293"/>
+                      <a16:colId xmlns="" xmlns:a16="http://schemas.microsoft.com/office/drawing/2014/main" val="1063450293"/>
                     </a:ext>
                   </a:extLst>
                 </a:gridCol>
                 <a:gridCol w="952500">
                   <a:extLst>
                     <a:ext uri="{9D8B030D-6E8A-4147-A177-3AD203B41FA5}">
-                      <a16:colId xmlns:a16="http://schemas.microsoft.com/office/drawing/2014/main" val="2427209741"/>
+                      <a16:colId xmlns="" xmlns:a16="http://schemas.microsoft.com/office/drawing/2014/main" val="2427209741"/>
                     </a:ext>
                   </a:extLst>
                 </a:gridCol>
                 <a:gridCol w="952500">
                   <a:extLst>
                     <a:ext uri="{9D8B030D-6E8A-4147-A177-3AD203B41FA5}">
-                      <a16:colId xmlns:a16="http://schemas.microsoft.com/office/drawing/2014/main" val="3378013292"/>
+                      <a16:colId xmlns="" xmlns:a16="http://schemas.microsoft.com/office/drawing/2014/main" val="3378013292"/>
                     </a:ext>
                   </a:extLst>
                 </a:gridCol>
@@ -12489,7 +12329,7 @@
                     <a:p>
                       <a:pPr algn="l" fontAlgn="b"/>
                       <a:r>
-                        <a:rPr lang="en-DE" sz="1100" b="0" i="0" u="none" strike="noStrike">
+                        <a:rPr lang="x-none" sz="1100" b="0" i="0" u="none" strike="noStrike">
                           <a:solidFill>
                             <a:srgbClr val="000000"/>
                           </a:solidFill>
@@ -12528,7 +12368,7 @@
                     <a:p>
                       <a:pPr algn="l" fontAlgn="b"/>
                       <a:r>
-                        <a:rPr lang="en-DE" sz="1100" b="0" i="0" u="none" strike="noStrike">
+                        <a:rPr lang="x-none" sz="1100" b="0" i="0" u="none" strike="noStrike">
                           <a:solidFill>
                             <a:srgbClr val="000000"/>
                           </a:solidFill>
@@ -12567,7 +12407,7 @@
                     <a:p>
                       <a:pPr algn="l" fontAlgn="b"/>
                       <a:r>
-                        <a:rPr lang="en-DE" sz="1100" b="0" i="0" u="none" strike="noStrike">
+                        <a:rPr lang="x-none" sz="1100" b="0" i="0" u="none" strike="noStrike">
                           <a:solidFill>
                             <a:srgbClr val="000000"/>
                           </a:solidFill>
@@ -12606,7 +12446,7 @@
                     <a:p>
                       <a:pPr algn="l" fontAlgn="b"/>
                       <a:r>
-                        <a:rPr lang="en-DE" sz="1100" b="0" i="0" u="none" strike="noStrike">
+                        <a:rPr lang="x-none" sz="1100" b="0" i="0" u="none" strike="noStrike">
                           <a:solidFill>
                             <a:srgbClr val="000000"/>
                           </a:solidFill>
@@ -12645,7 +12485,7 @@
                     <a:p>
                       <a:pPr algn="l" fontAlgn="b"/>
                       <a:r>
-                        <a:rPr lang="en-DE" sz="1100" b="0" i="0" u="none" strike="noStrike" dirty="0">
+                        <a:rPr lang="x-none" sz="1100" b="0" i="0" u="none" strike="noStrike" dirty="0">
                           <a:solidFill>
                             <a:srgbClr val="000000"/>
                           </a:solidFill>
@@ -12684,7 +12524,7 @@
                     <a:p>
                       <a:pPr algn="l" fontAlgn="b"/>
                       <a:r>
-                        <a:rPr lang="en-DE" sz="1100" b="0" i="0" u="none" strike="noStrike">
+                        <a:rPr lang="x-none" sz="1100" b="0" i="0" u="none" strike="noStrike">
                           <a:solidFill>
                             <a:srgbClr val="000000"/>
                           </a:solidFill>
@@ -12723,7 +12563,7 @@
                     <a:p>
                       <a:pPr algn="l" fontAlgn="b"/>
                       <a:r>
-                        <a:rPr lang="en-DE" sz="1100" b="0" i="0" u="none" strike="noStrike">
+                        <a:rPr lang="x-none" sz="1100" b="0" i="0" u="none" strike="noStrike">
                           <a:solidFill>
                             <a:srgbClr val="000000"/>
                           </a:solidFill>
@@ -12757,7 +12597,7 @@
                 </a:tc>
                 <a:extLst>
                   <a:ext uri="{0D108BD9-81ED-4DB2-BD59-A6C34878D82A}">
-                    <a16:rowId xmlns:a16="http://schemas.microsoft.com/office/drawing/2014/main" val="671274937"/>
+                    <a16:rowId xmlns="" xmlns:a16="http://schemas.microsoft.com/office/drawing/2014/main" val="671274937"/>
                   </a:ext>
                 </a:extLst>
               </a:tr>
@@ -12809,7 +12649,7 @@
                         <a:t>Square</a:t>
                       </a:r>
                       <a:r>
-                        <a:rPr lang="en-DE" sz="2000" b="0" i="0" u="none" strike="noStrike" dirty="0" smtClean="0">
+                        <a:rPr lang="x-none" sz="2000" b="0" i="0" u="none" strike="noStrike" dirty="0" smtClean="0">
                           <a:solidFill>
                             <a:srgbClr val="000000"/>
                           </a:solidFill>
@@ -12929,7 +12769,7 @@
                 </a:tc>
                 <a:extLst>
                   <a:ext uri="{0D108BD9-81ED-4DB2-BD59-A6C34878D82A}">
-                    <a16:rowId xmlns:a16="http://schemas.microsoft.com/office/drawing/2014/main" val="767279140"/>
+                    <a16:rowId xmlns="" xmlns:a16="http://schemas.microsoft.com/office/drawing/2014/main" val="767279140"/>
                   </a:ext>
                 </a:extLst>
               </a:tr>
@@ -13263,7 +13103,7 @@
                 </a:tc>
                 <a:extLst>
                   <a:ext uri="{0D108BD9-81ED-4DB2-BD59-A6C34878D82A}">
-                    <a16:rowId xmlns:a16="http://schemas.microsoft.com/office/drawing/2014/main" val="3425570780"/>
+                    <a16:rowId xmlns="" xmlns:a16="http://schemas.microsoft.com/office/drawing/2014/main" val="3425570780"/>
                   </a:ext>
                 </a:extLst>
               </a:tr>
@@ -13326,7 +13166,7 @@
                     <a:p>
                       <a:pPr algn="ctr" fontAlgn="ctr"/>
                       <a:r>
-                        <a:rPr lang="en-DE" sz="2000" b="0" i="0" u="none" strike="noStrike">
+                        <a:rPr lang="x-none" sz="2000" b="0" i="0" u="none" strike="noStrike">
                           <a:solidFill>
                             <a:srgbClr val="000000"/>
                           </a:solidFill>
@@ -13377,7 +13217,7 @@
                     <a:p>
                       <a:pPr algn="ctr" fontAlgn="ctr"/>
                       <a:r>
-                        <a:rPr lang="en-DE" sz="2000" b="0" i="0" u="none" strike="noStrike">
+                        <a:rPr lang="x-none" sz="2000" b="0" i="0" u="none" strike="noStrike">
                           <a:solidFill>
                             <a:srgbClr val="000000"/>
                           </a:solidFill>
@@ -13422,7 +13262,7 @@
                     <a:p>
                       <a:pPr algn="ctr" fontAlgn="ctr"/>
                       <a:r>
-                        <a:rPr lang="en-DE" sz="2000" b="0" i="0" u="none" strike="noStrike">
+                        <a:rPr lang="x-none" sz="2000" b="0" i="0" u="none" strike="noStrike">
                           <a:solidFill>
                             <a:srgbClr val="000000"/>
                           </a:solidFill>
@@ -13467,7 +13307,7 @@
                     <a:p>
                       <a:pPr algn="ctr" fontAlgn="ctr"/>
                       <a:r>
-                        <a:rPr lang="en-DE" sz="2000" b="0" i="0" u="none" strike="noStrike">
+                        <a:rPr lang="x-none" sz="2000" b="0" i="0" u="none" strike="noStrike">
                           <a:solidFill>
                             <a:srgbClr val="000000"/>
                           </a:solidFill>
@@ -13512,7 +13352,7 @@
                     <a:p>
                       <a:pPr algn="ctr" fontAlgn="ctr"/>
                       <a:r>
-                        <a:rPr lang="en-DE" sz="2000" b="0" i="0" u="none" strike="noStrike">
+                        <a:rPr lang="x-none" sz="2000" b="0" i="0" u="none" strike="noStrike">
                           <a:solidFill>
                             <a:srgbClr val="000000"/>
                           </a:solidFill>
@@ -13557,7 +13397,7 @@
                     <a:p>
                       <a:pPr algn="ctr" fontAlgn="ctr"/>
                       <a:r>
-                        <a:rPr lang="en-DE" sz="2000" b="0" i="0" u="none" strike="noStrike" dirty="0">
+                        <a:rPr lang="x-none" sz="2000" b="0" i="0" u="none" strike="noStrike" dirty="0">
                           <a:solidFill>
                             <a:srgbClr val="000000"/>
                           </a:solidFill>
@@ -13597,7 +13437,7 @@
                 </a:tc>
                 <a:extLst>
                   <a:ext uri="{0D108BD9-81ED-4DB2-BD59-A6C34878D82A}">
-                    <a16:rowId xmlns:a16="http://schemas.microsoft.com/office/drawing/2014/main" val="656935554"/>
+                    <a16:rowId xmlns="" xmlns:a16="http://schemas.microsoft.com/office/drawing/2014/main" val="656935554"/>
                   </a:ext>
                 </a:extLst>
               </a:tr>
@@ -13626,7 +13466,7 @@
           <a:lstStyle/>
           <a:p>
             <a:r>
-              <a:rPr lang="en-DE" dirty="0" smtClean="0"/>
+              <a:rPr lang="x-none" dirty="0" smtClean="0"/>
               <a:t>Elastic Net performs well in this high-dimensional case</a:t>
             </a:r>
             <a:endParaRPr lang="en-US" dirty="0"/>
@@ -13659,49 +13499,49 @@
                 <a:gridCol w="1981200">
                   <a:extLst>
                     <a:ext uri="{9D8B030D-6E8A-4147-A177-3AD203B41FA5}">
-                      <a16:colId xmlns:a16="http://schemas.microsoft.com/office/drawing/2014/main" val="413736978"/>
+                      <a16:colId xmlns="" xmlns:a16="http://schemas.microsoft.com/office/drawing/2014/main" val="413736978"/>
                     </a:ext>
                   </a:extLst>
                 </a:gridCol>
                 <a:gridCol w="952500">
                   <a:extLst>
                     <a:ext uri="{9D8B030D-6E8A-4147-A177-3AD203B41FA5}">
-                      <a16:colId xmlns:a16="http://schemas.microsoft.com/office/drawing/2014/main" val="619639812"/>
+                      <a16:colId xmlns="" xmlns:a16="http://schemas.microsoft.com/office/drawing/2014/main" val="619639812"/>
                     </a:ext>
                   </a:extLst>
                 </a:gridCol>
                 <a:gridCol w="952500">
                   <a:extLst>
                     <a:ext uri="{9D8B030D-6E8A-4147-A177-3AD203B41FA5}">
-                      <a16:colId xmlns:a16="http://schemas.microsoft.com/office/drawing/2014/main" val="3165051444"/>
+                      <a16:colId xmlns="" xmlns:a16="http://schemas.microsoft.com/office/drawing/2014/main" val="3165051444"/>
                     </a:ext>
                   </a:extLst>
                 </a:gridCol>
                 <a:gridCol w="952500">
                   <a:extLst>
                     <a:ext uri="{9D8B030D-6E8A-4147-A177-3AD203B41FA5}">
-                      <a16:colId xmlns:a16="http://schemas.microsoft.com/office/drawing/2014/main" val="1164396218"/>
+                      <a16:colId xmlns="" xmlns:a16="http://schemas.microsoft.com/office/drawing/2014/main" val="1164396218"/>
                     </a:ext>
                   </a:extLst>
                 </a:gridCol>
                 <a:gridCol w="952500">
                   <a:extLst>
                     <a:ext uri="{9D8B030D-6E8A-4147-A177-3AD203B41FA5}">
-                      <a16:colId xmlns:a16="http://schemas.microsoft.com/office/drawing/2014/main" val="608970699"/>
+                      <a16:colId xmlns="" xmlns:a16="http://schemas.microsoft.com/office/drawing/2014/main" val="608970699"/>
                     </a:ext>
                   </a:extLst>
                 </a:gridCol>
                 <a:gridCol w="952500">
                   <a:extLst>
                     <a:ext uri="{9D8B030D-6E8A-4147-A177-3AD203B41FA5}">
-                      <a16:colId xmlns:a16="http://schemas.microsoft.com/office/drawing/2014/main" val="323798001"/>
+                      <a16:colId xmlns="" xmlns:a16="http://schemas.microsoft.com/office/drawing/2014/main" val="323798001"/>
                     </a:ext>
                   </a:extLst>
                 </a:gridCol>
                 <a:gridCol w="952500">
                   <a:extLst>
                     <a:ext uri="{9D8B030D-6E8A-4147-A177-3AD203B41FA5}">
-                      <a16:colId xmlns:a16="http://schemas.microsoft.com/office/drawing/2014/main" val="3119335357"/>
+                      <a16:colId xmlns="" xmlns:a16="http://schemas.microsoft.com/office/drawing/2014/main" val="3119335357"/>
                     </a:ext>
                   </a:extLst>
                 </a:gridCol>
@@ -13714,7 +13554,7 @@
                     <a:p>
                       <a:pPr algn="l" fontAlgn="b"/>
                       <a:r>
-                        <a:rPr lang="en-DE" sz="1100" b="0" i="0" u="none" strike="noStrike">
+                        <a:rPr lang="x-none" sz="1100" b="0" i="0" u="none" strike="noStrike">
                           <a:solidFill>
                             <a:srgbClr val="000000"/>
                           </a:solidFill>
@@ -13753,7 +13593,7 @@
                     <a:p>
                       <a:pPr algn="l" fontAlgn="b"/>
                       <a:r>
-                        <a:rPr lang="en-DE" sz="1100" b="0" i="0" u="none" strike="noStrike">
+                        <a:rPr lang="x-none" sz="1100" b="0" i="0" u="none" strike="noStrike">
                           <a:solidFill>
                             <a:srgbClr val="000000"/>
                           </a:solidFill>
@@ -13792,7 +13632,7 @@
                     <a:p>
                       <a:pPr algn="l" fontAlgn="b"/>
                       <a:r>
-                        <a:rPr lang="en-DE" sz="1100" b="0" i="0" u="none" strike="noStrike">
+                        <a:rPr lang="x-none" sz="1100" b="0" i="0" u="none" strike="noStrike">
                           <a:solidFill>
                             <a:srgbClr val="000000"/>
                           </a:solidFill>
@@ -13831,7 +13671,7 @@
                     <a:p>
                       <a:pPr algn="l" fontAlgn="b"/>
                       <a:r>
-                        <a:rPr lang="en-DE" sz="1100" b="0" i="0" u="none" strike="noStrike">
+                        <a:rPr lang="x-none" sz="1100" b="0" i="0" u="none" strike="noStrike">
                           <a:solidFill>
                             <a:srgbClr val="000000"/>
                           </a:solidFill>
@@ -13870,7 +13710,7 @@
                     <a:p>
                       <a:pPr algn="l" fontAlgn="b"/>
                       <a:r>
-                        <a:rPr lang="en-DE" sz="1100" b="0" i="0" u="none" strike="noStrike">
+                        <a:rPr lang="x-none" sz="1100" b="0" i="0" u="none" strike="noStrike">
                           <a:solidFill>
                             <a:srgbClr val="000000"/>
                           </a:solidFill>
@@ -13909,7 +13749,7 @@
                     <a:p>
                       <a:pPr algn="l" fontAlgn="b"/>
                       <a:r>
-                        <a:rPr lang="en-DE" sz="1100" b="0" i="0" u="none" strike="noStrike">
+                        <a:rPr lang="x-none" sz="1100" b="0" i="0" u="none" strike="noStrike">
                           <a:solidFill>
                             <a:srgbClr val="000000"/>
                           </a:solidFill>
@@ -13948,7 +13788,7 @@
                     <a:p>
                       <a:pPr algn="l" fontAlgn="b"/>
                       <a:r>
-                        <a:rPr lang="en-DE" sz="1100" b="0" i="0" u="none" strike="noStrike">
+                        <a:rPr lang="x-none" sz="1100" b="0" i="0" u="none" strike="noStrike">
                           <a:solidFill>
                             <a:srgbClr val="000000"/>
                           </a:solidFill>
@@ -13982,7 +13822,7 @@
                 </a:tc>
                 <a:extLst>
                   <a:ext uri="{0D108BD9-81ED-4DB2-BD59-A6C34878D82A}">
-                    <a16:rowId xmlns:a16="http://schemas.microsoft.com/office/drawing/2014/main" val="3013303061"/>
+                    <a16:rowId xmlns="" xmlns:a16="http://schemas.microsoft.com/office/drawing/2014/main" val="3013303061"/>
                   </a:ext>
                 </a:extLst>
               </a:tr>
@@ -14094,7 +13934,7 @@
                 </a:tc>
                 <a:extLst>
                   <a:ext uri="{0D108BD9-81ED-4DB2-BD59-A6C34878D82A}">
-                    <a16:rowId xmlns:a16="http://schemas.microsoft.com/office/drawing/2014/main" val="3022821344"/>
+                    <a16:rowId xmlns="" xmlns:a16="http://schemas.microsoft.com/office/drawing/2014/main" val="3022821344"/>
                   </a:ext>
                 </a:extLst>
               </a:tr>
@@ -14428,7 +14268,7 @@
                 </a:tc>
                 <a:extLst>
                   <a:ext uri="{0D108BD9-81ED-4DB2-BD59-A6C34878D82A}">
-                    <a16:rowId xmlns:a16="http://schemas.microsoft.com/office/drawing/2014/main" val="431160117"/>
+                    <a16:rowId xmlns="" xmlns:a16="http://schemas.microsoft.com/office/drawing/2014/main" val="431160117"/>
                   </a:ext>
                 </a:extLst>
               </a:tr>
@@ -14491,7 +14331,7 @@
                     <a:p>
                       <a:pPr algn="ctr" fontAlgn="ctr"/>
                       <a:r>
-                        <a:rPr lang="en-DE" sz="2000" b="0" i="0" u="none" strike="noStrike">
+                        <a:rPr lang="x-none" sz="2000" b="0" i="0" u="none" strike="noStrike">
                           <a:solidFill>
                             <a:srgbClr val="000000"/>
                           </a:solidFill>
@@ -14542,7 +14382,7 @@
                     <a:p>
                       <a:pPr algn="ctr" fontAlgn="ctr"/>
                       <a:r>
-                        <a:rPr lang="en-DE" sz="2000" b="0" i="0" u="none" strike="noStrike">
+                        <a:rPr lang="x-none" sz="2000" b="0" i="0" u="none" strike="noStrike">
                           <a:solidFill>
                             <a:srgbClr val="000000"/>
                           </a:solidFill>
@@ -14587,7 +14427,7 @@
                     <a:p>
                       <a:pPr algn="ctr" fontAlgn="ctr"/>
                       <a:r>
-                        <a:rPr lang="en-DE" sz="2000" b="0" i="0" u="none" strike="noStrike">
+                        <a:rPr lang="x-none" sz="2000" b="0" i="0" u="none" strike="noStrike">
                           <a:solidFill>
                             <a:srgbClr val="000000"/>
                           </a:solidFill>
@@ -14632,7 +14472,7 @@
                     <a:p>
                       <a:pPr algn="ctr" fontAlgn="ctr"/>
                       <a:r>
-                        <a:rPr lang="en-DE" sz="2000" b="0" i="0" u="none" strike="noStrike">
+                        <a:rPr lang="x-none" sz="2000" b="0" i="0" u="none" strike="noStrike">
                           <a:solidFill>
                             <a:srgbClr val="000000"/>
                           </a:solidFill>
@@ -14677,7 +14517,7 @@
                     <a:p>
                       <a:pPr algn="ctr" fontAlgn="ctr"/>
                       <a:r>
-                        <a:rPr lang="en-DE" sz="2000" b="0" i="0" u="none" strike="noStrike">
+                        <a:rPr lang="x-none" sz="2000" b="0" i="0" u="none" strike="noStrike">
                           <a:solidFill>
                             <a:srgbClr val="000000"/>
                           </a:solidFill>
@@ -14722,7 +14562,7 @@
                     <a:p>
                       <a:pPr algn="ctr" fontAlgn="ctr"/>
                       <a:r>
-                        <a:rPr lang="en-DE" sz="2000" b="0" i="0" u="none" strike="noStrike" dirty="0">
+                        <a:rPr lang="x-none" sz="2000" b="0" i="0" u="none" strike="noStrike" dirty="0">
                           <a:solidFill>
                             <a:srgbClr val="000000"/>
                           </a:solidFill>
@@ -14762,7 +14602,7 @@
                 </a:tc>
                 <a:extLst>
                   <a:ext uri="{0D108BD9-81ED-4DB2-BD59-A6C34878D82A}">
-                    <a16:rowId xmlns:a16="http://schemas.microsoft.com/office/drawing/2014/main" val="576520975"/>
+                    <a16:rowId xmlns="" xmlns:a16="http://schemas.microsoft.com/office/drawing/2014/main" val="576520975"/>
                   </a:ext>
                 </a:extLst>
               </a:tr>
@@ -14851,58 +14691,59 @@
           <a:lstStyle/>
           <a:p>
             <a:r>
-              <a:rPr lang="en-DE" dirty="0" smtClean="0"/>
-              <a:t>Results </a:t>
-            </a:r>
-            <a:r>
-              <a:rPr lang="en-DE" dirty="0" smtClean="0"/>
-              <a:t>could be sensitive to the sample period. Ideally:</a:t>
-            </a:r>
-          </a:p>
-          <a:p>
-            <a:endParaRPr lang="en-DE" dirty="0"/>
-          </a:p>
-          <a:p>
-            <a:endParaRPr lang="en-DE" dirty="0" smtClean="0"/>
-          </a:p>
-          <a:p>
-            <a:endParaRPr lang="en-DE" dirty="0"/>
-          </a:p>
-          <a:p>
-            <a:endParaRPr lang="en-DE" dirty="0" smtClean="0"/>
-          </a:p>
-          <a:p>
-            <a:endParaRPr lang="en-DE" dirty="0" smtClean="0"/>
-          </a:p>
-          <a:p>
-            <a:endParaRPr lang="en-DE" dirty="0"/>
-          </a:p>
-          <a:p>
-            <a:r>
-              <a:rPr lang="en-DE" dirty="0" smtClean="0"/>
+              <a:rPr lang="x-none" dirty="0" smtClean="0"/>
+              <a:t>Results could be sensitive to the sample period. Ideally:</a:t>
+            </a:r>
+          </a:p>
+          <a:p>
+            <a:endParaRPr lang="x-none" dirty="0"/>
+          </a:p>
+          <a:p>
+            <a:endParaRPr lang="x-none" dirty="0" smtClean="0"/>
+          </a:p>
+          <a:p>
+            <a:endParaRPr lang="x-none" dirty="0"/>
+          </a:p>
+          <a:p>
+            <a:endParaRPr lang="x-none" dirty="0" smtClean="0"/>
+          </a:p>
+          <a:p>
+            <a:endParaRPr lang="x-none" dirty="0" smtClean="0"/>
+          </a:p>
+          <a:p>
+            <a:endParaRPr lang="x-none" dirty="0"/>
+          </a:p>
+          <a:p>
+            <a:r>
+              <a:rPr lang="x-none" dirty="0" smtClean="0"/>
               <a:t>Number of PCA components could be optimized</a:t>
             </a:r>
           </a:p>
           <a:p>
             <a:r>
-              <a:rPr lang="en-DE" dirty="0" smtClean="0"/>
-              <a:t>More literature review</a:t>
-            </a:r>
-          </a:p>
-          <a:p>
-            <a:endParaRPr lang="en-DE" dirty="0"/>
-          </a:p>
-          <a:p>
-            <a:endParaRPr lang="en-DE" dirty="0" smtClean="0"/>
-          </a:p>
-          <a:p>
-            <a:endParaRPr lang="en-DE" dirty="0"/>
+              <a:rPr lang="x-none" smtClean="0"/>
+              <a:t>More </a:t>
+            </a:r>
+            <a:r>
+              <a:rPr lang="x-none" smtClean="0"/>
+              <a:t>literature</a:t>
+            </a:r>
+            <a:endParaRPr lang="x-none" dirty="0" smtClean="0"/>
+          </a:p>
+          <a:p>
+            <a:endParaRPr lang="x-none" dirty="0"/>
+          </a:p>
+          <a:p>
+            <a:endParaRPr lang="x-none" dirty="0" smtClean="0"/>
+          </a:p>
+          <a:p>
+            <a:endParaRPr lang="x-none" dirty="0"/>
           </a:p>
           <a:p>
             <a:pPr marL="0" indent="0">
               <a:buNone/>
             </a:pPr>
-            <a:endParaRPr lang="en-DE" dirty="0" smtClean="0"/>
+            <a:endParaRPr lang="x-none" dirty="0" smtClean="0"/>
           </a:p>
         </p:txBody>
       </p:sp>
@@ -15034,7 +14875,7 @@
               <a:t>Simon</a:t>
             </a:r>
             <a:r>
-              <a:rPr lang="en-DE" dirty="0" smtClean="0"/>
+              <a:rPr lang="x-none" dirty="0" smtClean="0"/>
               <a:t>,</a:t>
             </a:r>
             <a:r>
@@ -15133,12 +14974,8 @@
               <a:t>T</a:t>
             </a:r>
             <a:r>
-              <a:rPr lang="en-DE" dirty="0" smtClean="0"/>
-              <a:t>ests </a:t>
-            </a:r>
-            <a:r>
-              <a:rPr lang="en-DE" dirty="0" smtClean="0"/>
-              <a:t>following the literature </a:t>
+              <a:rPr lang="x-none" dirty="0" smtClean="0"/>
+              <a:t>ests following the literature </a:t>
             </a:r>
             <a:r>
               <a:rPr lang="en-US" dirty="0"/>
@@ -15155,40 +14992,32 @@
           </a:p>
           <a:p>
             <a:r>
-              <a:rPr lang="en-DE" dirty="0" smtClean="0"/>
-              <a:t>Compare to other methods, such as </a:t>
-            </a:r>
-            <a:r>
-              <a:rPr lang="en-DE" dirty="0" smtClean="0"/>
-              <a:t>a simple </a:t>
-            </a:r>
-            <a:r>
-              <a:rPr lang="en-DE" dirty="0" smtClean="0"/>
-              <a:t>weighted average of predictions</a:t>
-            </a:r>
-          </a:p>
-          <a:p>
-            <a:r>
-              <a:rPr lang="en-DE" dirty="0" smtClean="0"/>
+              <a:rPr lang="x-none" dirty="0" smtClean="0"/>
+              <a:t>Compare to other methods, such as a simple weighted average of predictions</a:t>
+            </a:r>
+          </a:p>
+          <a:p>
+            <a:r>
+              <a:rPr lang="x-none" dirty="0" smtClean="0"/>
               <a:t>More variables and other data frequency</a:t>
             </a:r>
           </a:p>
           <a:p>
             <a:r>
-              <a:rPr lang="en-DE" dirty="0" smtClean="0"/>
+              <a:rPr lang="x-none" dirty="0" smtClean="0"/>
               <a:t>Advanced ML methods, such as Random Forests and Recurrent Neural Networks</a:t>
             </a:r>
           </a:p>
           <a:p>
             <a:r>
-              <a:rPr lang="en-DE" dirty="0" smtClean="0"/>
+              <a:rPr lang="x-none" dirty="0" smtClean="0"/>
               <a:t>International evidence </a:t>
             </a:r>
             <a:endParaRPr lang="en-US" dirty="0"/>
           </a:p>
           <a:p>
             <a:r>
-              <a:rPr lang="en-DE" dirty="0" smtClean="0"/>
+              <a:rPr lang="x-none" dirty="0" smtClean="0"/>
               <a:t>Inference could be done via double machine learning </a:t>
             </a:r>
             <a:r>
@@ -15362,68 +15191,67 @@
           <a:lstStyle/>
           <a:p>
             <a:r>
-              <a:rPr lang="en-DE" dirty="0"/>
+              <a:rPr lang="x-none" dirty="0"/>
               <a:t>M</a:t>
             </a:r>
             <a:r>
-              <a:rPr lang="en-DE" dirty="0" smtClean="0"/>
+              <a:rPr lang="x-none" dirty="0" smtClean="0"/>
               <a:t>achine </a:t>
             </a:r>
             <a:r>
-              <a:rPr lang="en-DE" dirty="0"/>
+              <a:rPr lang="x-none" dirty="0"/>
               <a:t>l</a:t>
             </a:r>
             <a:r>
-              <a:rPr lang="en-DE" dirty="0" smtClean="0"/>
-              <a:t>earning technics have </a:t>
-            </a:r>
-            <a:r>
-              <a:rPr lang="en-DE" dirty="0" smtClean="0"/>
-              <a:t>a </a:t>
-            </a:r>
-            <a:r>
-              <a:rPr lang="en-DE" dirty="0" smtClean="0"/>
-              <a:t>potential </a:t>
-            </a:r>
-            <a:r>
-              <a:rPr lang="en-DE" dirty="0" smtClean="0"/>
-              <a:t>to improve the </a:t>
-            </a:r>
-            <a:r>
-              <a:rPr lang="en-DE" dirty="0" smtClean="0"/>
-              <a:t>prediction accuracy </a:t>
-            </a:r>
-            <a:r>
-              <a:rPr lang="en-DE" dirty="0" smtClean="0"/>
-              <a:t>of equity returns</a:t>
-            </a:r>
-          </a:p>
-          <a:p>
-            <a:r>
-              <a:rPr lang="en-DE" dirty="0" smtClean="0"/>
+              <a:rPr lang="x-none" dirty="0" smtClean="0"/>
+              <a:t>earning technics have a potential to improve the prediction accuracy </a:t>
+            </a:r>
+            <a:r>
+              <a:rPr lang="x-none" smtClean="0"/>
+              <a:t>of </a:t>
+            </a:r>
+            <a:r>
+              <a:rPr lang="en-US" dirty="0" smtClean="0"/>
+              <a:t>stock market</a:t>
+            </a:r>
+            <a:r>
+              <a:rPr lang="x-none" smtClean="0"/>
+              <a:t> </a:t>
+            </a:r>
+            <a:r>
+              <a:rPr lang="x-none" dirty="0" smtClean="0"/>
+              <a:t>returns</a:t>
+            </a:r>
+          </a:p>
+          <a:p>
+            <a:r>
+              <a:rPr lang="x-none" dirty="0" smtClean="0"/>
               <a:t>Among parametric </a:t>
             </a:r>
             <a:r>
-              <a:rPr lang="en-DE" dirty="0"/>
+              <a:rPr lang="x-none" dirty="0"/>
               <a:t>linear</a:t>
             </a:r>
             <a:r>
-              <a:rPr lang="en-DE" dirty="0" smtClean="0"/>
+              <a:rPr lang="x-none" dirty="0" smtClean="0"/>
+              <a:t> methods, Elastic </a:t>
+            </a:r>
+            <a:r>
+              <a:rPr lang="x-none" smtClean="0"/>
+              <a:t>Net show</a:t>
+            </a:r>
+            <a:r>
+              <a:rPr lang="en-US" dirty="0" smtClean="0"/>
+              <a:t>s</a:t>
+            </a:r>
+            <a:r>
+              <a:rPr lang="x-none" smtClean="0"/>
               <a:t> </a:t>
             </a:r>
             <a:r>
-              <a:rPr lang="en-DE" dirty="0" smtClean="0"/>
-              <a:t>methods, </a:t>
-            </a:r>
-            <a:r>
-              <a:rPr lang="en-DE" dirty="0" smtClean="0"/>
-              <a:t>Elastic Net showed the best </a:t>
-            </a:r>
-            <a:r>
-              <a:rPr lang="en-DE" dirty="0" smtClean="0"/>
-              <a:t>predictive performance</a:t>
-            </a:r>
-            <a:endParaRPr lang="en-DE" dirty="0" smtClean="0"/>
+              <a:rPr lang="x-none" dirty="0" smtClean="0"/>
+              <a:t>the best predictive performance</a:t>
+            </a:r>
           </a:p>
           <a:p>
             <a:endParaRPr lang="en-US" dirty="0"/>
@@ -15608,14 +15436,19 @@
             <p:ph type="title"/>
           </p:nvPr>
         </p:nvSpPr>
-        <p:spPr/>
+        <p:spPr>
+          <a:xfrm>
+            <a:off x="684000" y="584684"/>
+            <a:ext cx="6012236" cy="1141200"/>
+          </a:xfrm>
+        </p:spPr>
         <p:txBody>
           <a:bodyPr/>
           <a:lstStyle/>
           <a:p>
             <a:r>
               <a:rPr lang="en-US" dirty="0" smtClean="0"/>
-              <a:t>Different Modeling Cultures</a:t>
+              <a:t>Explanatory vs Predictive Modeling </a:t>
             </a:r>
             <a:endParaRPr lang="en-US" dirty="0"/>
           </a:p>
@@ -15637,36 +15470,138 @@
           <a:lstStyle/>
           <a:p>
             <a:r>
+              <a:rPr lang="en-US" dirty="0" err="1"/>
+              <a:t>Breiman</a:t>
+            </a:r>
+            <a:r>
+              <a:rPr lang="en-US" dirty="0"/>
+              <a:t>, Leo, 2001, Statistical Modeling: The Two </a:t>
+            </a:r>
+            <a:r>
               <a:rPr lang="en-US" dirty="0" smtClean="0"/>
-              <a:t>Process:</a:t>
-            </a:r>
-          </a:p>
-          <a:p>
-            <a:endParaRPr lang="en-US" dirty="0"/>
-          </a:p>
-          <a:p>
+              <a:t>Cultures, </a:t>
+            </a:r>
+            <a:r>
+              <a:rPr lang="en-US" i="1" dirty="0"/>
+              <a:t>Statistical Science</a:t>
+            </a:r>
+            <a:r>
+              <a:rPr lang="en-US" dirty="0"/>
+              <a:t> 16, </a:t>
+            </a:r>
             <a:r>
               <a:rPr lang="en-US" dirty="0" smtClean="0"/>
-              <a:t>Explanatory Modeling:</a:t>
-            </a:r>
-          </a:p>
-          <a:p>
-            <a:endParaRPr lang="en-US" dirty="0"/>
+              <a:t>199–231.</a:t>
+            </a:r>
+          </a:p>
+          <a:p>
+            <a:r>
+              <a:rPr lang="en-US" dirty="0" err="1"/>
+              <a:t>Shmueli</a:t>
+            </a:r>
+            <a:r>
+              <a:rPr lang="en-US" dirty="0"/>
+              <a:t>, </a:t>
+            </a:r>
+            <a:r>
+              <a:rPr lang="en-US" dirty="0" err="1"/>
+              <a:t>Galit</a:t>
+            </a:r>
+            <a:r>
+              <a:rPr lang="en-US" dirty="0"/>
+              <a:t>, 2010, To Explain or to Predict?, </a:t>
+            </a:r>
+            <a:r>
+              <a:rPr lang="en-US" i="1" dirty="0"/>
+              <a:t>Statistical Science</a:t>
+            </a:r>
+            <a:r>
+              <a:rPr lang="en-US" dirty="0"/>
+              <a:t> 25, </a:t>
+            </a:r>
+            <a:r>
+              <a:rPr lang="en-US" dirty="0" smtClean="0"/>
+              <a:t>289–310.</a:t>
+            </a:r>
+          </a:p>
+          <a:p>
+            <a:r>
+              <a:rPr lang="en-US" dirty="0"/>
+              <a:t>Kleinberg, Jon, Jens Ludwig, </a:t>
+            </a:r>
+            <a:r>
+              <a:rPr lang="en-US" dirty="0" err="1"/>
+              <a:t>Sendhil</a:t>
+            </a:r>
+            <a:r>
+              <a:rPr lang="en-US" dirty="0"/>
+              <a:t> Mullainathan, and </a:t>
+            </a:r>
+            <a:r>
+              <a:rPr lang="en-US" dirty="0" err="1"/>
+              <a:t>Ziad</a:t>
+            </a:r>
+            <a:r>
+              <a:rPr lang="en-US" dirty="0"/>
+              <a:t> Obermeyer, 2015, Prediction Policy Problems, </a:t>
+            </a:r>
+            <a:r>
+              <a:rPr lang="en-US" i="1" dirty="0"/>
+              <a:t>American Economic Review</a:t>
+            </a:r>
+            <a:r>
+              <a:rPr lang="en-US" dirty="0"/>
+              <a:t> 105, 491–495</a:t>
+            </a:r>
+            <a:r>
+              <a:rPr lang="en-US" dirty="0" smtClean="0"/>
+              <a:t>.</a:t>
+            </a:r>
+          </a:p>
+          <a:p>
+            <a:r>
+              <a:rPr lang="en-US" dirty="0"/>
+              <a:t>Mullainathan, </a:t>
+            </a:r>
+            <a:r>
+              <a:rPr lang="en-US" dirty="0" err="1"/>
+              <a:t>Sendhil</a:t>
+            </a:r>
+            <a:r>
+              <a:rPr lang="en-US" dirty="0"/>
+              <a:t>, and Jann </a:t>
+            </a:r>
+            <a:r>
+              <a:rPr lang="en-US" dirty="0" err="1"/>
+              <a:t>Spiess</a:t>
+            </a:r>
+            <a:r>
+              <a:rPr lang="en-US" dirty="0"/>
+              <a:t>, 2017, Machine Learning: An Applied Econometric Approach, </a:t>
+            </a:r>
+            <a:r>
+              <a:rPr lang="en-US" i="1" dirty="0"/>
+              <a:t>Journal of Economic </a:t>
+            </a:r>
+            <a:r>
+              <a:rPr lang="en-US" i="1" dirty="0" smtClean="0"/>
+              <a:t>Perspectives</a:t>
+            </a:r>
+            <a:r>
+              <a:rPr lang="x-none" dirty="0" smtClean="0"/>
+              <a:t>, </a:t>
+            </a:r>
+            <a:r>
+              <a:rPr lang="en-US" dirty="0" smtClean="0"/>
+              <a:t>31</a:t>
+            </a:r>
+            <a:r>
+              <a:rPr lang="en-US" dirty="0"/>
+              <a:t>, 87–106.</a:t>
+            </a:r>
           </a:p>
           <a:p>
             <a:endParaRPr lang="en-US" dirty="0" smtClean="0"/>
-          </a:p>
-          <a:p>
-            <a:r>
-              <a:rPr lang="en-US" dirty="0" smtClean="0"/>
-              <a:t>Predictive Modeling:</a:t>
-            </a:r>
-          </a:p>
-          <a:p>
-            <a:endParaRPr lang="en-US" dirty="0"/>
-          </a:p>
-          <a:p>
-            <a:endParaRPr lang="en-US" dirty="0"/>
           </a:p>
         </p:txBody>
       </p:sp>
@@ -15734,6 +15669,184 @@
             <a:fld id="{FC0CC166-4E39-43B8-AB91-BDD1C4C9E224}" type="slidenum">
               <a:rPr lang="de-DE" smtClean="0"/>
               <a:t>3</a:t>
+            </a:fld>
+            <a:endParaRPr lang="de-DE"/>
+          </a:p>
+        </p:txBody>
+      </p:sp>
+    </p:spTree>
+    <p:extLst>
+      <p:ext uri="{BB962C8B-B14F-4D97-AF65-F5344CB8AC3E}">
+        <p14:creationId xmlns:p14="http://schemas.microsoft.com/office/powerpoint/2010/main" val="3827084771"/>
+      </p:ext>
+    </p:extLst>
+  </p:cSld>
+  <p:clrMapOvr>
+    <a:masterClrMapping/>
+  </p:clrMapOvr>
+  <p:timing>
+    <p:tnLst>
+      <p:par>
+        <p:cTn id="1" dur="indefinite" restart="never" nodeType="tmRoot"/>
+      </p:par>
+    </p:tnLst>
+  </p:timing>
+</p:sld>
+</file>
+
+<file path=ppt/slides/slide4.xml><?xml version="1.0" encoding="utf-8"?>
+<p:sld xmlns:a="http://schemas.openxmlformats.org/drawingml/2006/main" xmlns:r="http://schemas.openxmlformats.org/officeDocument/2006/relationships" xmlns:p="http://schemas.openxmlformats.org/presentationml/2006/main">
+  <p:cSld>
+    <p:spTree>
+      <p:nvGrpSpPr>
+        <p:cNvPr id="1" name=""/>
+        <p:cNvGrpSpPr/>
+        <p:nvPr/>
+      </p:nvGrpSpPr>
+      <p:grpSpPr>
+        <a:xfrm>
+          <a:off x="0" y="0"/>
+          <a:ext cx="0" cy="0"/>
+          <a:chOff x="0" y="0"/>
+          <a:chExt cx="0" cy="0"/>
+        </a:xfrm>
+      </p:grpSpPr>
+      <p:sp>
+        <p:nvSpPr>
+          <p:cNvPr id="2" name="Title 1"/>
+          <p:cNvSpPr>
+            <a:spLocks noGrp="1"/>
+          </p:cNvSpPr>
+          <p:nvPr>
+            <p:ph type="title"/>
+          </p:nvPr>
+        </p:nvSpPr>
+        <p:spPr/>
+        <p:txBody>
+          <a:bodyPr/>
+          <a:lstStyle/>
+          <a:p>
+            <a:r>
+              <a:rPr lang="en-US" dirty="0" smtClean="0"/>
+              <a:t>Different Modeling Cultures</a:t>
+            </a:r>
+            <a:endParaRPr lang="en-US" dirty="0"/>
+          </a:p>
+        </p:txBody>
+      </p:sp>
+      <p:sp>
+        <p:nvSpPr>
+          <p:cNvPr id="3" name="Content Placeholder 2"/>
+          <p:cNvSpPr>
+            <a:spLocks noGrp="1"/>
+          </p:cNvSpPr>
+          <p:nvPr>
+            <p:ph idx="1"/>
+          </p:nvPr>
+        </p:nvSpPr>
+        <p:spPr/>
+        <p:txBody>
+          <a:bodyPr/>
+          <a:lstStyle/>
+          <a:p>
+            <a:r>
+              <a:rPr lang="en-US" dirty="0" smtClean="0"/>
+              <a:t>Process:</a:t>
+            </a:r>
+          </a:p>
+          <a:p>
+            <a:endParaRPr lang="en-US" dirty="0"/>
+          </a:p>
+          <a:p>
+            <a:r>
+              <a:rPr lang="en-US" dirty="0" smtClean="0"/>
+              <a:t>Explanatory Modeling:</a:t>
+            </a:r>
+          </a:p>
+          <a:p>
+            <a:endParaRPr lang="en-US" dirty="0"/>
+          </a:p>
+          <a:p>
+            <a:endParaRPr lang="en-US" dirty="0" smtClean="0"/>
+          </a:p>
+          <a:p>
+            <a:r>
+              <a:rPr lang="en-US" dirty="0" smtClean="0"/>
+              <a:t>Predictive Modeling:</a:t>
+            </a:r>
+          </a:p>
+          <a:p>
+            <a:endParaRPr lang="en-US" dirty="0"/>
+          </a:p>
+          <a:p>
+            <a:endParaRPr lang="en-US" dirty="0"/>
+          </a:p>
+        </p:txBody>
+      </p:sp>
+      <p:sp>
+        <p:nvSpPr>
+          <p:cNvPr id="4" name="Date Placeholder 3"/>
+          <p:cNvSpPr>
+            <a:spLocks noGrp="1"/>
+          </p:cNvSpPr>
+          <p:nvPr>
+            <p:ph type="dt" sz="half" idx="10"/>
+          </p:nvPr>
+        </p:nvSpPr>
+        <p:spPr/>
+        <p:txBody>
+          <a:bodyPr/>
+          <a:lstStyle/>
+          <a:p>
+            <a:r>
+              <a:rPr lang="de-DE" smtClean="0"/>
+              <a:t>06.12.2018</a:t>
+            </a:r>
+            <a:endParaRPr lang="de-DE" dirty="0"/>
+          </a:p>
+        </p:txBody>
+      </p:sp>
+      <p:sp>
+        <p:nvSpPr>
+          <p:cNvPr id="5" name="Footer Placeholder 4"/>
+          <p:cNvSpPr>
+            <a:spLocks noGrp="1"/>
+          </p:cNvSpPr>
+          <p:nvPr>
+            <p:ph type="ftr" sz="quarter" idx="11"/>
+          </p:nvPr>
+        </p:nvSpPr>
+        <p:spPr/>
+        <p:txBody>
+          <a:bodyPr/>
+          <a:lstStyle/>
+          <a:p>
+            <a:r>
+              <a:rPr lang="de-DE" smtClean="0"/>
+              <a:t>Pavel Lesnevski</a:t>
+            </a:r>
+            <a:endParaRPr lang="de-DE" dirty="0"/>
+          </a:p>
+        </p:txBody>
+      </p:sp>
+      <p:sp>
+        <p:nvSpPr>
+          <p:cNvPr id="6" name="Slide Number Placeholder 5"/>
+          <p:cNvSpPr>
+            <a:spLocks noGrp="1"/>
+          </p:cNvSpPr>
+          <p:nvPr>
+            <p:ph type="sldNum" sz="quarter" idx="12"/>
+          </p:nvPr>
+        </p:nvSpPr>
+        <p:spPr/>
+        <p:txBody>
+          <a:bodyPr/>
+          <a:lstStyle/>
+          <a:p>
+            <a:fld id="{FC0CC166-4E39-43B8-AB91-BDD1C4C9E224}" type="slidenum">
+              <a:rPr lang="de-DE" smtClean="0"/>
+              <a:t>4</a:t>
             </a:fld>
             <a:endParaRPr lang="de-DE"/>
           </a:p>
@@ -15901,168 +16014,136 @@
           </a:extLst>
         </p:spPr>
       </p:pic>
+      <mc:AlternateContent xmlns:mc="http://schemas.openxmlformats.org/markup-compatibility/2006">
+        <mc:Choice xmlns:a14="http://schemas.microsoft.com/office/drawing/2010/main" Requires="a14">
+          <p:sp>
+            <p:nvSpPr>
+              <p:cNvPr id="7" name="TextBox 6"/>
+              <p:cNvSpPr txBox="1"/>
+              <p:nvPr/>
+            </p:nvSpPr>
+            <p:spPr>
+              <a:xfrm>
+                <a:off x="2195736" y="1988840"/>
+                <a:ext cx="1516954" cy="369332"/>
+              </a:xfrm>
+              <a:prstGeom prst="rect">
+                <a:avLst/>
+              </a:prstGeom>
+              <a:noFill/>
+            </p:spPr>
+            <p:txBody>
+              <a:bodyPr wrap="none" rtlCol="0">
+                <a:spAutoFit/>
+              </a:bodyPr>
+              <a:lstStyle/>
+              <a:p>
+                <a:pPr/>
+                <a14:m>
+                  <m:oMathPara xmlns:m="http://schemas.openxmlformats.org/officeDocument/2006/math">
+                    <m:oMathParaPr>
+                      <m:jc m:val="centerGroup"/>
+                    </m:oMathParaPr>
+                    <m:oMath xmlns:m="http://schemas.openxmlformats.org/officeDocument/2006/math">
+                      <m:r>
+                        <a:rPr lang="en-US" b="0" i="1" smtClean="0">
+                          <a:latin typeface="Cambria Math"/>
+                        </a:rPr>
+                        <m:t>𝑦</m:t>
+                      </m:r>
+                      <m:r>
+                        <a:rPr lang="en-US" b="0" i="1" smtClean="0">
+                          <a:latin typeface="Cambria Math"/>
+                        </a:rPr>
+                        <m:t>=</m:t>
+                      </m:r>
+                      <m:r>
+                        <a:rPr lang="en-US" b="0" i="1" smtClean="0">
+                          <a:latin typeface="Cambria Math"/>
+                        </a:rPr>
+                        <m:t>𝑓</m:t>
+                      </m:r>
+                      <m:d>
+                        <m:dPr>
+                          <m:ctrlPr>
+                            <a:rPr lang="en-US" b="0" i="1" smtClean="0">
+                              <a:latin typeface="Cambria Math"/>
+                            </a:rPr>
+                          </m:ctrlPr>
+                        </m:dPr>
+                        <m:e>
+                          <m:r>
+                            <a:rPr lang="en-US" b="0" i="1" smtClean="0">
+                              <a:latin typeface="Cambria Math"/>
+                            </a:rPr>
+                            <m:t>𝑥</m:t>
+                          </m:r>
+                        </m:e>
+                      </m:d>
+                      <m:r>
+                        <a:rPr lang="en-US" b="0" i="1" smtClean="0">
+                          <a:latin typeface="Cambria Math"/>
+                        </a:rPr>
+                        <m:t>+</m:t>
+                      </m:r>
+                      <m:r>
+                        <a:rPr lang="en-US" b="0" i="1" smtClean="0">
+                          <a:latin typeface="Cambria Math"/>
+                          <a:ea typeface="Cambria Math"/>
+                        </a:rPr>
+                        <m:t>𝜀</m:t>
+                      </m:r>
+                    </m:oMath>
+                  </m:oMathPara>
+                </a14:m>
+                <a:endParaRPr lang="en-US" dirty="0"/>
+              </a:p>
+            </p:txBody>
+          </p:sp>
+        </mc:Choice>
+        <mc:Fallback>
+          <p:sp>
+            <p:nvSpPr>
+              <p:cNvPr id="7" name="TextBox 6"/>
+              <p:cNvSpPr txBox="1">
+                <a:spLocks noRot="1" noChangeAspect="1" noMove="1" noResize="1" noEditPoints="1" noAdjustHandles="1" noChangeArrowheads="1" noChangeShapeType="1" noTextEdit="1"/>
+              </p:cNvSpPr>
+              <p:nvPr/>
+            </p:nvSpPr>
+            <p:spPr>
+              <a:xfrm>
+                <a:off x="2195736" y="1988840"/>
+                <a:ext cx="1516954" cy="369332"/>
+              </a:xfrm>
+              <a:prstGeom prst="rect">
+                <a:avLst/>
+              </a:prstGeom>
+              <a:blipFill rotWithShape="1">
+                <a:blip r:embed="rId5"/>
+                <a:stretch>
+                  <a:fillRect b="-11475"/>
+                </a:stretch>
+              </a:blipFill>
+            </p:spPr>
+            <p:txBody>
+              <a:bodyPr/>
+              <a:lstStyle/>
+              <a:p>
+                <a:r>
+                  <a:rPr lang="en-US">
+                    <a:noFill/>
+                  </a:rPr>
+                  <a:t> </a:t>
+                </a:r>
+              </a:p>
+            </p:txBody>
+          </p:sp>
+        </mc:Fallback>
+      </mc:AlternateContent>
     </p:spTree>
     <p:extLst>
       <p:ext uri="{BB962C8B-B14F-4D97-AF65-F5344CB8AC3E}">
         <p14:creationId xmlns:p14="http://schemas.microsoft.com/office/powerpoint/2010/main" val="1196318630"/>
-      </p:ext>
-    </p:extLst>
-  </p:cSld>
-  <p:clrMapOvr>
-    <a:masterClrMapping/>
-  </p:clrMapOvr>
-  <p:timing>
-    <p:tnLst>
-      <p:par>
-        <p:cTn id="1" dur="indefinite" restart="never" nodeType="tmRoot"/>
-      </p:par>
-    </p:tnLst>
-  </p:timing>
-</p:sld>
-</file>
-
-<file path=ppt/slides/slide4.xml><?xml version="1.0" encoding="utf-8"?>
-<p:sld xmlns:a="http://schemas.openxmlformats.org/drawingml/2006/main" xmlns:r="http://schemas.openxmlformats.org/officeDocument/2006/relationships" xmlns:p="http://schemas.openxmlformats.org/presentationml/2006/main">
-  <p:cSld>
-    <p:spTree>
-      <p:nvGrpSpPr>
-        <p:cNvPr id="1" name=""/>
-        <p:cNvGrpSpPr/>
-        <p:nvPr/>
-      </p:nvGrpSpPr>
-      <p:grpSpPr>
-        <a:xfrm>
-          <a:off x="0" y="0"/>
-          <a:ext cx="0" cy="0"/>
-          <a:chOff x="0" y="0"/>
-          <a:chExt cx="0" cy="0"/>
-        </a:xfrm>
-      </p:grpSpPr>
-      <p:sp>
-        <p:nvSpPr>
-          <p:cNvPr id="2" name="Title 1"/>
-          <p:cNvSpPr>
-            <a:spLocks noGrp="1"/>
-          </p:cNvSpPr>
-          <p:nvPr>
-            <p:ph type="title"/>
-          </p:nvPr>
-        </p:nvSpPr>
-        <p:spPr/>
-        <p:txBody>
-          <a:bodyPr/>
-          <a:lstStyle/>
-          <a:p>
-            <a:r>
-              <a:rPr lang="en-DE" dirty="0" smtClean="0"/>
-              <a:t>Recent Trend</a:t>
-            </a:r>
-            <a:endParaRPr lang="en-US" dirty="0"/>
-          </a:p>
-        </p:txBody>
-      </p:sp>
-      <p:sp>
-        <p:nvSpPr>
-          <p:cNvPr id="4" name="Date Placeholder 3"/>
-          <p:cNvSpPr>
-            <a:spLocks noGrp="1"/>
-          </p:cNvSpPr>
-          <p:nvPr>
-            <p:ph type="dt" sz="half" idx="10"/>
-          </p:nvPr>
-        </p:nvSpPr>
-        <p:spPr/>
-        <p:txBody>
-          <a:bodyPr/>
-          <a:lstStyle/>
-          <a:p>
-            <a:r>
-              <a:rPr lang="de-DE" smtClean="0"/>
-              <a:t>06.12.2018</a:t>
-            </a:r>
-            <a:endParaRPr lang="de-DE" dirty="0"/>
-          </a:p>
-        </p:txBody>
-      </p:sp>
-      <p:sp>
-        <p:nvSpPr>
-          <p:cNvPr id="5" name="Footer Placeholder 4"/>
-          <p:cNvSpPr>
-            <a:spLocks noGrp="1"/>
-          </p:cNvSpPr>
-          <p:nvPr>
-            <p:ph type="ftr" sz="quarter" idx="11"/>
-          </p:nvPr>
-        </p:nvSpPr>
-        <p:spPr/>
-        <p:txBody>
-          <a:bodyPr/>
-          <a:lstStyle/>
-          <a:p>
-            <a:r>
-              <a:rPr lang="de-DE" dirty="0" smtClean="0"/>
-              <a:t>Pavel Lesnevski</a:t>
-            </a:r>
-            <a:endParaRPr lang="de-DE" dirty="0"/>
-          </a:p>
-        </p:txBody>
-      </p:sp>
-      <p:sp>
-        <p:nvSpPr>
-          <p:cNvPr id="6" name="Slide Number Placeholder 5"/>
-          <p:cNvSpPr>
-            <a:spLocks noGrp="1"/>
-          </p:cNvSpPr>
-          <p:nvPr>
-            <p:ph type="sldNum" sz="quarter" idx="12"/>
-          </p:nvPr>
-        </p:nvSpPr>
-        <p:spPr/>
-        <p:txBody>
-          <a:bodyPr/>
-          <a:lstStyle/>
-          <a:p>
-            <a:fld id="{FC0CC166-4E39-43B8-AB91-BDD1C4C9E224}" type="slidenum">
-              <a:rPr lang="de-DE" smtClean="0"/>
-              <a:t>4</a:t>
-            </a:fld>
-            <a:endParaRPr lang="de-DE"/>
-          </a:p>
-        </p:txBody>
-      </p:sp>
-      <p:pic>
-        <p:nvPicPr>
-          <p:cNvPr id="7" name="Content Placeholder 6"/>
-          <p:cNvPicPr>
-            <a:picLocks noGrp="1" noChangeAspect="1"/>
-          </p:cNvPicPr>
-          <p:nvPr>
-            <p:ph idx="1"/>
-          </p:nvPr>
-        </p:nvPicPr>
-        <p:blipFill>
-          <a:blip r:embed="rId2">
-            <a:extLst>
-              <a:ext uri="{28A0092B-C50C-407E-A947-70E740481C1C}">
-                <a14:useLocalDpi xmlns:a14="http://schemas.microsoft.com/office/drawing/2010/main" val="0"/>
-              </a:ext>
-            </a:extLst>
-          </a:blip>
-          <a:stretch>
-            <a:fillRect/>
-          </a:stretch>
-        </p:blipFill>
-        <p:spPr>
-          <a:xfrm>
-            <a:off x="899592" y="1971680"/>
-            <a:ext cx="7164796" cy="3761518"/>
-          </a:xfrm>
-        </p:spPr>
-      </p:pic>
-    </p:spTree>
-    <p:extLst>
-      <p:ext uri="{BB962C8B-B14F-4D97-AF65-F5344CB8AC3E}">
-        <p14:creationId xmlns:p14="http://schemas.microsoft.com/office/powerpoint/2010/main" val="3571216120"/>
       </p:ext>
     </p:extLst>
   </p:cSld>
@@ -16192,7 +16273,7 @@
               <a:rPr lang="de-DE" sz="1400" dirty="0" smtClean="0"/>
               <a:t>1-68</a:t>
             </a:r>
-            <a:endParaRPr lang="en-DE" sz="1400" dirty="0" smtClean="0"/>
+            <a:endParaRPr lang="x-none" sz="1400" dirty="0" smtClean="0"/>
           </a:p>
           <a:p>
             <a:r>
@@ -16442,26 +16523,22 @@
           <a:lstStyle/>
           <a:p>
             <a:r>
-              <a:rPr lang="en-DE" dirty="0" smtClean="0"/>
+              <a:rPr lang="x-none" dirty="0" smtClean="0"/>
               <a:t>Predictive Modeling</a:t>
             </a:r>
             <a:br>
-              <a:rPr lang="en-DE" dirty="0" smtClean="0"/>
+              <a:rPr lang="x-none" dirty="0" smtClean="0"/>
             </a:br>
             <a:r>
               <a:rPr lang="en-US" sz="2400" dirty="0" smtClean="0"/>
-              <a:t>Bias-Variance </a:t>
-            </a:r>
-            <a:r>
-              <a:rPr lang="en-US" sz="2400" dirty="0" smtClean="0"/>
-              <a:t>Tradeoff</a:t>
+              <a:t>Bias-Variance Tradeoff</a:t>
             </a:r>
             <a:endParaRPr lang="en-US" sz="2400" dirty="0"/>
           </a:p>
         </p:txBody>
       </p:sp>
-      <mc:AlternateContent xmlns:mc="http://schemas.openxmlformats.org/markup-compatibility/2006">
-        <mc:Choice xmlns:a14="http://schemas.microsoft.com/office/drawing/2010/main" Requires="a14">
+      <mc:AlternateContent xmlns:mc="http://schemas.openxmlformats.org/markup-compatibility/2006" xmlns:a14="http://schemas.microsoft.com/office/drawing/2010/main">
+        <mc:Choice Requires="a14">
           <p:sp>
             <p:nvSpPr>
               <p:cNvPr id="3" name="Content Placeholder 2"/>
@@ -16474,7 +16551,7 @@
             </p:nvSpPr>
             <p:spPr>
               <a:xfrm>
-                <a:off x="683568" y="1797884"/>
+                <a:off x="683568" y="1592796"/>
                 <a:ext cx="8028460" cy="4511726"/>
               </a:xfrm>
             </p:spPr>
@@ -16494,7 +16571,7 @@
                       <m:dPr>
                         <m:ctrlPr>
                           <a:rPr lang="en-US" b="0" i="1" smtClean="0">
-                            <a:latin typeface="Cambria Math" panose="02040503050406030204" pitchFamily="18" charset="0"/>
+                            <a:latin typeface="Cambria Math"/>
                           </a:rPr>
                         </m:ctrlPr>
                       </m:dPr>
@@ -16525,7 +16602,7 @@
                         <m:endChr m:val="]"/>
                         <m:ctrlPr>
                           <a:rPr lang="en-US" b="0" i="1" smtClean="0">
-                            <a:latin typeface="Cambria Math" panose="02040503050406030204" pitchFamily="18" charset="0"/>
+                            <a:latin typeface="Cambria Math"/>
                           </a:rPr>
                         </m:ctrlPr>
                       </m:dPr>
@@ -16534,7 +16611,7 @@
                           <m:sSupPr>
                             <m:ctrlPr>
                               <a:rPr lang="en-US" b="0" i="1" smtClean="0">
-                                <a:latin typeface="Cambria Math" panose="02040503050406030204" pitchFamily="18" charset="0"/>
+                                <a:latin typeface="Cambria Math"/>
                               </a:rPr>
                             </m:ctrlPr>
                           </m:sSupPr>
@@ -16543,7 +16620,7 @@
                               <m:dPr>
                                 <m:ctrlPr>
                                   <a:rPr lang="en-US" i="1">
-                                    <a:latin typeface="Cambria Math" panose="02040503050406030204" pitchFamily="18" charset="0"/>
+                                    <a:latin typeface="Cambria Math"/>
                                   </a:rPr>
                                 </m:ctrlPr>
                               </m:dPr>
@@ -16565,7 +16642,7 @@
                                     <m:chr m:val="̂"/>
                                     <m:ctrlPr>
                                       <a:rPr lang="en-US" i="1">
-                                        <a:latin typeface="Cambria Math" panose="02040503050406030204" pitchFamily="18" charset="0"/>
+                                        <a:latin typeface="Cambria Math"/>
                                       </a:rPr>
                                     </m:ctrlPr>
                                   </m:accPr>
@@ -16582,7 +16659,7 @@
                                   <m:dPr>
                                     <m:ctrlPr>
                                       <a:rPr lang="en-US" i="1">
-                                        <a:latin typeface="Cambria Math" panose="02040503050406030204" pitchFamily="18" charset="0"/>
+                                        <a:latin typeface="Cambria Math"/>
                                       </a:rPr>
                                     </m:ctrlPr>
                                   </m:dPr>
@@ -16640,7 +16717,7 @@
                       <m:limLowPr>
                         <m:ctrlPr>
                           <a:rPr lang="en-US" i="1" smtClean="0">
-                            <a:latin typeface="Cambria Math" panose="02040503050406030204" pitchFamily="18" charset="0"/>
+                            <a:latin typeface="Cambria Math"/>
                           </a:rPr>
                         </m:ctrlPr>
                       </m:limLowPr>
@@ -16650,7 +16727,7 @@
                             <m:chr m:val="⏟"/>
                             <m:ctrlPr>
                               <a:rPr lang="en-US" i="1" smtClean="0">
-                                <a:latin typeface="Cambria Math" panose="02040503050406030204" pitchFamily="18" charset="0"/>
+                                <a:latin typeface="Cambria Math"/>
                               </a:rPr>
                             </m:ctrlPr>
                           </m:groupChrPr>
@@ -16667,7 +16744,7 @@
                                 <m:endChr m:val="]"/>
                                 <m:ctrlPr>
                                   <a:rPr lang="en-US" i="1">
-                                    <a:latin typeface="Cambria Math" panose="02040503050406030204" pitchFamily="18" charset="0"/>
+                                    <a:latin typeface="Cambria Math"/>
                                   </a:rPr>
                                 </m:ctrlPr>
                               </m:dPr>
@@ -16676,7 +16753,7 @@
                                   <m:sSupPr>
                                     <m:ctrlPr>
                                       <a:rPr lang="en-US" i="1">
-                                        <a:latin typeface="Cambria Math" panose="02040503050406030204" pitchFamily="18" charset="0"/>
+                                        <a:latin typeface="Cambria Math"/>
                                       </a:rPr>
                                     </m:ctrlPr>
                                   </m:sSupPr>
@@ -16685,7 +16762,7 @@
                                       <m:dPr>
                                         <m:ctrlPr>
                                           <a:rPr lang="en-US" i="1">
-                                            <a:latin typeface="Cambria Math" panose="02040503050406030204" pitchFamily="18" charset="0"/>
+                                            <a:latin typeface="Cambria Math"/>
                                           </a:rPr>
                                         </m:ctrlPr>
                                       </m:dPr>
@@ -16712,7 +16789,7 @@
                                           <m:dPr>
                                             <m:ctrlPr>
                                               <a:rPr lang="en-US" i="1">
-                                                <a:latin typeface="Cambria Math" panose="02040503050406030204" pitchFamily="18" charset="0"/>
+                                                <a:latin typeface="Cambria Math"/>
                                               </a:rPr>
                                             </m:ctrlPr>
                                           </m:dPr>
@@ -16751,7 +16828,7 @@
                         </m:r>
                         <m:r>
                           <a:rPr lang="en-US" i="0" smtClean="0">
-                            <a:latin typeface="+mj-lt"/>
+                            <a:latin typeface="Cambria Math"/>
                           </a:rPr>
                           <m:t>(</m:t>
                         </m:r>
@@ -16767,7 +16844,7 @@
                         </m:r>
                         <m:r>
                           <a:rPr lang="en-US" i="0" smtClean="0">
-                            <a:latin typeface="+mj-lt"/>
+                            <a:latin typeface="Cambria Math"/>
                           </a:rPr>
                           <m:t>)</m:t>
                         </m:r>
@@ -16783,7 +16860,7 @@
                       <m:limLowPr>
                         <m:ctrlPr>
                           <a:rPr lang="en-US" b="0" i="1" dirty="0" smtClean="0">
-                            <a:latin typeface="Cambria Math" panose="02040503050406030204" pitchFamily="18" charset="0"/>
+                            <a:latin typeface="Cambria Math"/>
                           </a:rPr>
                         </m:ctrlPr>
                       </m:limLowPr>
@@ -16793,7 +16870,7 @@
                             <m:chr m:val="⏟"/>
                             <m:ctrlPr>
                               <a:rPr lang="en-US" i="1" dirty="0" smtClean="0">
-                                <a:latin typeface="Cambria Math" panose="02040503050406030204" pitchFamily="18" charset="0"/>
+                                <a:latin typeface="Cambria Math"/>
                               </a:rPr>
                             </m:ctrlPr>
                           </m:groupChrPr>
@@ -16802,13 +16879,13 @@
                               <m:sSupPr>
                                 <m:ctrlPr>
                                   <a:rPr lang="en-US" i="1">
-                                    <a:latin typeface="Cambria Math" panose="02040503050406030204" pitchFamily="18" charset="0"/>
+                                    <a:latin typeface="Cambria Math"/>
                                   </a:rPr>
                                 </m:ctrlPr>
                               </m:sSupPr>
                               <m:e>
                                 <m:r>
-                                  <a:rPr lang="en-DE" b="0" i="1" smtClean="0">
+                                  <a:rPr lang="x-none" b="0" i="1" smtClean="0">
                                     <a:latin typeface="Cambria Math" panose="02040503050406030204" pitchFamily="18" charset="0"/>
                                   </a:rPr>
                                   <m:t>[</m:t>
@@ -16825,7 +16902,7 @@
                                     <m:endChr m:val="]"/>
                                     <m:ctrlPr>
                                       <a:rPr lang="en-US" i="1">
-                                        <a:latin typeface="Cambria Math" panose="02040503050406030204" pitchFamily="18" charset="0"/>
+                                        <a:latin typeface="Cambria Math"/>
                                       </a:rPr>
                                     </m:ctrlPr>
                                   </m:dPr>
@@ -16835,7 +16912,7 @@
                                         <m:chr m:val="̂"/>
                                         <m:ctrlPr>
                                           <a:rPr lang="en-US" i="1">
-                                            <a:latin typeface="Cambria Math" panose="02040503050406030204" pitchFamily="18" charset="0"/>
+                                            <a:latin typeface="Cambria Math"/>
                                           </a:rPr>
                                         </m:ctrlPr>
                                       </m:accPr>
@@ -16852,7 +16929,7 @@
                                       <m:dPr>
                                         <m:ctrlPr>
                                           <a:rPr lang="en-US" i="1">
-                                            <a:latin typeface="Cambria Math" panose="02040503050406030204" pitchFamily="18" charset="0"/>
+                                            <a:latin typeface="Cambria Math"/>
                                           </a:rPr>
                                         </m:ctrlPr>
                                       </m:dPr>
@@ -16883,7 +16960,7 @@
                                   <m:dPr>
                                     <m:ctrlPr>
                                       <a:rPr lang="en-US" i="1">
-                                        <a:latin typeface="Cambria Math" panose="02040503050406030204" pitchFamily="18" charset="0"/>
+                                        <a:latin typeface="Cambria Math"/>
                                       </a:rPr>
                                     </m:ctrlPr>
                                   </m:dPr>
@@ -16897,7 +16974,7 @@
                                   </m:e>
                                 </m:d>
                                 <m:r>
-                                  <a:rPr lang="en-DE" b="0" i="1" smtClean="0">
+                                  <a:rPr lang="x-none" b="0" i="1" smtClean="0">
                                     <a:latin typeface="Cambria Math" panose="02040503050406030204" pitchFamily="18" charset="0"/>
                                   </a:rPr>
                                   <m:t>]</m:t>
@@ -16920,7 +16997,7 @@
                           <m:sSupPr>
                             <m:ctrlPr>
                               <a:rPr lang="en-US" i="1">
-                                <a:latin typeface="Cambria Math" panose="02040503050406030204" pitchFamily="18" charset="0"/>
+                                <a:latin typeface="Cambria Math"/>
                               </a:rPr>
                             </m:ctrlPr>
                           </m:sSupPr>
@@ -16956,7 +17033,7 @@
                       <m:limLowPr>
                         <m:ctrlPr>
                           <a:rPr lang="en-US" i="1" smtClean="0">
-                            <a:latin typeface="Cambria Math" panose="02040503050406030204" pitchFamily="18" charset="0"/>
+                            <a:latin typeface="Cambria Math"/>
                           </a:rPr>
                         </m:ctrlPr>
                       </m:limLowPr>
@@ -16966,7 +17043,7 @@
                             <m:chr m:val="⏟"/>
                             <m:ctrlPr>
                               <a:rPr lang="en-US" i="1" smtClean="0">
-                                <a:latin typeface="Cambria Math" panose="02040503050406030204" pitchFamily="18" charset="0"/>
+                                <a:latin typeface="Cambria Math"/>
                               </a:rPr>
                             </m:ctrlPr>
                           </m:groupChrPr>
@@ -16975,7 +17052,7 @@
                               <m:sSupPr>
                                 <m:ctrlPr>
                                   <a:rPr lang="en-US" i="1" dirty="0">
-                                    <a:latin typeface="Cambria Math" panose="02040503050406030204" pitchFamily="18" charset="0"/>
+                                    <a:latin typeface="Cambria Math"/>
                                   </a:rPr>
                                 </m:ctrlPr>
                               </m:sSupPr>
@@ -17003,7 +17080,7 @@
                                     <m:chr m:val="̂"/>
                                     <m:ctrlPr>
                                       <a:rPr lang="en-US" i="1">
-                                        <a:latin typeface="Cambria Math" panose="02040503050406030204" pitchFamily="18" charset="0"/>
+                                        <a:latin typeface="Cambria Math"/>
                                       </a:rPr>
                                     </m:ctrlPr>
                                   </m:accPr>
@@ -17020,7 +17097,7 @@
                                   <m:dPr>
                                     <m:ctrlPr>
                                       <a:rPr lang="en-US" i="1">
-                                        <a:latin typeface="Cambria Math" panose="02040503050406030204" pitchFamily="18" charset="0"/>
+                                        <a:latin typeface="Cambria Math"/>
                                       </a:rPr>
                                     </m:ctrlPr>
                                   </m:dPr>
@@ -17054,7 +17131,7 @@
                                     <m:endChr m:val="]"/>
                                     <m:ctrlPr>
                                       <a:rPr lang="en-US" i="1">
-                                        <a:latin typeface="Cambria Math" panose="02040503050406030204" pitchFamily="18" charset="0"/>
+                                        <a:latin typeface="Cambria Math"/>
                                       </a:rPr>
                                     </m:ctrlPr>
                                   </m:dPr>
@@ -17064,7 +17141,7 @@
                                         <m:chr m:val="̂"/>
                                         <m:ctrlPr>
                                           <a:rPr lang="en-US" i="1">
-                                            <a:latin typeface="Cambria Math" panose="02040503050406030204" pitchFamily="18" charset="0"/>
+                                            <a:latin typeface="Cambria Math"/>
                                           </a:rPr>
                                         </m:ctrlPr>
                                       </m:accPr>
@@ -17081,7 +17158,7 @@
                                       <m:dPr>
                                         <m:ctrlPr>
                                           <a:rPr lang="en-US" i="1">
-                                            <a:latin typeface="Cambria Math" panose="02040503050406030204" pitchFamily="18" charset="0"/>
+                                            <a:latin typeface="Cambria Math"/>
                                           </a:rPr>
                                         </m:ctrlPr>
                                       </m:dPr>
@@ -17136,7 +17213,7 @@
                             <m:chr m:val="̂"/>
                             <m:ctrlPr>
                               <a:rPr lang="en-US" i="1">
-                                <a:latin typeface="Cambria Math" panose="02040503050406030204" pitchFamily="18" charset="0"/>
+                                <a:latin typeface="Cambria Math"/>
                               </a:rPr>
                             </m:ctrlPr>
                           </m:accPr>
@@ -17153,7 +17230,7 @@
                           <m:dPr>
                             <m:ctrlPr>
                               <a:rPr lang="en-US" i="1">
-                                <a:latin typeface="Cambria Math" panose="02040503050406030204" pitchFamily="18" charset="0"/>
+                                <a:latin typeface="Cambria Math"/>
                               </a:rPr>
                             </m:ctrlPr>
                           </m:dPr>
@@ -17186,7 +17263,7 @@
                 <a:endParaRPr lang="en-US" dirty="0" smtClean="0"/>
               </a:p>
               <a:p>
-                <a:endParaRPr lang="en-DE" dirty="0" smtClean="0"/>
+                <a:endParaRPr lang="x-none" dirty="0" smtClean="0"/>
               </a:p>
               <a:p>
                 <a:r>
@@ -17202,7 +17279,7 @@
                   <a:t>term is </a:t>
                 </a:r>
                 <a:r>
-                  <a:rPr lang="en-DE" dirty="0" smtClean="0"/>
+                  <a:rPr lang="x-none" dirty="0" smtClean="0"/>
                   <a:t>an irreducible</a:t>
                 </a:r>
                 <a:r>
@@ -17214,7 +17291,7 @@
                   <a:t>error that </a:t>
                 </a:r>
                 <a:r>
-                  <a:rPr lang="en-DE" dirty="0" smtClean="0"/>
+                  <a:rPr lang="x-none" dirty="0" smtClean="0"/>
                   <a:t>exist</a:t>
                 </a:r>
                 <a:r>
@@ -17242,7 +17319,7 @@
               <a:p>
                 <a:r>
                   <a:rPr lang="en-US" dirty="0" smtClean="0"/>
-                  <a:t>OLS minimizes the </a:t>
+                  <a:t>OLS minimizes only the </a:t>
                 </a:r>
                 <a:r>
                   <a:rPr lang="en-US" dirty="0"/>
@@ -17270,15 +17347,9 @@
                   <a:rPr lang="en-US" dirty="0" smtClean="0">
                     <a:sym typeface="Wingdings" panose="05000000000000000000" pitchFamily="2" charset="2"/>
                   </a:rPr>
-                  <a:t> less forecast </a:t>
+                  <a:t> less forecast error</a:t>
                 </a:r>
-                <a:r>
-                  <a:rPr lang="en-US" dirty="0" smtClean="0">
-                    <a:sym typeface="Wingdings" panose="05000000000000000000" pitchFamily="2" charset="2"/>
-                  </a:rPr>
-                  <a:t>error</a:t>
-                </a:r>
-                <a:endParaRPr lang="en-DE" dirty="0" smtClean="0">
+                <a:endParaRPr lang="x-none" dirty="0" smtClean="0">
                   <a:sym typeface="Wingdings" panose="05000000000000000000" pitchFamily="2" charset="2"/>
                 </a:endParaRPr>
               </a:p>
@@ -17298,7 +17369,7 @@
             </p:txBody>
           </p:sp>
         </mc:Choice>
-        <mc:Fallback>
+        <mc:Fallback xmlns="">
           <p:sp>
             <p:nvSpPr>
               <p:cNvPr id="3" name="Content Placeholder 2"/>
@@ -17311,13 +17382,13 @@
             </p:nvSpPr>
             <p:spPr>
               <a:xfrm>
-                <a:off x="683568" y="1797884"/>
+                <a:off x="683568" y="1592796"/>
                 <a:ext cx="8028460" cy="4511726"/>
               </a:xfrm>
-              <a:blipFill>
+              <a:blipFill rotWithShape="1">
                 <a:blip r:embed="rId2"/>
                 <a:stretch>
-                  <a:fillRect l="-2126" r="-1291"/>
+                  <a:fillRect l="-2126" b="-2297"/>
                 </a:stretch>
               </a:blipFill>
             </p:spPr>
@@ -17475,308 +17546,317 @@
             <p:ph idx="1"/>
           </p:nvPr>
         </p:nvSpPr>
-        <p:spPr/>
+        <p:spPr>
+          <a:xfrm>
+            <a:off x="684000" y="1556792"/>
+            <a:ext cx="7776000" cy="3834000"/>
+          </a:xfrm>
+        </p:spPr>
         <p:txBody>
           <a:bodyPr/>
           <a:lstStyle/>
           <a:p>
             <a:pPr lvl="1"/>
             <a:r>
-              <a:rPr lang="en-US" sz="1200" dirty="0" err="1" smtClean="0"/>
+              <a:rPr lang="en-US" sz="1400" dirty="0" err="1" smtClean="0"/>
               <a:t>Chinco</a:t>
             </a:r>
             <a:r>
-              <a:rPr lang="en-US" sz="1200" dirty="0"/>
+              <a:rPr lang="en-US" sz="1400" dirty="0"/>
               <a:t>, A., Clark-Joseph, A. D., and M. </a:t>
             </a:r>
             <a:r>
-              <a:rPr lang="en-US" sz="1200" dirty="0" err="1"/>
+              <a:rPr lang="en-US" sz="1400" dirty="0" err="1" smtClean="0"/>
               <a:t>Ye.„Sparse</a:t>
             </a:r>
             <a:r>
-              <a:rPr lang="en-US" sz="1200" dirty="0"/>
-              <a:t> Signals in the Cross-Section of Returns“. </a:t>
-            </a:r>
-            <a:r>
-              <a:rPr lang="en-US" sz="1200" i="1" dirty="0"/>
+              <a:rPr lang="en-US" sz="1400" dirty="0" smtClean="0"/>
+              <a:t> </a:t>
+            </a:r>
+            <a:r>
+              <a:rPr lang="en-US" sz="1400" dirty="0"/>
+              <a:t>Signals in the Cross-Section of Returns“. </a:t>
+            </a:r>
+            <a:r>
+              <a:rPr lang="en-US" sz="1400" i="1" dirty="0"/>
               <a:t>Journal of Finance</a:t>
             </a:r>
             <a:r>
-              <a:rPr lang="en-US" sz="1200" dirty="0"/>
+              <a:rPr lang="en-US" sz="1400" dirty="0"/>
               <a:t> (forthcoming</a:t>
             </a:r>
             <a:r>
-              <a:rPr lang="en-US" sz="1200" dirty="0" smtClean="0"/>
+              <a:rPr lang="en-US" sz="1400" dirty="0" smtClean="0"/>
               <a:t>)</a:t>
             </a:r>
           </a:p>
           <a:p>
             <a:pPr lvl="1"/>
             <a:r>
-              <a:rPr lang="en-US" sz="1200" dirty="0" err="1"/>
+              <a:rPr lang="en-US" sz="1400" dirty="0" err="1"/>
               <a:t>Freyberger</a:t>
             </a:r>
             <a:r>
-              <a:rPr lang="en-US" sz="1200" dirty="0"/>
+              <a:rPr lang="en-US" sz="1400" dirty="0"/>
               <a:t>, Joachim, Andreas </a:t>
             </a:r>
             <a:r>
-              <a:rPr lang="en-US" sz="1200" dirty="0" err="1"/>
+              <a:rPr lang="en-US" sz="1400" dirty="0" err="1"/>
               <a:t>Neuhierl</a:t>
             </a:r>
             <a:r>
-              <a:rPr lang="en-US" sz="1200" dirty="0"/>
+              <a:rPr lang="en-US" sz="1400" dirty="0"/>
               <a:t>, and Michael Weber, 2017, Dissecting Characteristics </a:t>
             </a:r>
             <a:r>
-              <a:rPr lang="en-US" sz="1200" dirty="0" err="1"/>
+              <a:rPr lang="en-US" sz="1400" dirty="0" err="1"/>
               <a:t>Nonparametrically</a:t>
             </a:r>
             <a:r>
-              <a:rPr lang="en-US" sz="1200" dirty="0"/>
+              <a:rPr lang="en-US" sz="1400" dirty="0"/>
               <a:t>. (R&amp;R Review of Financial Studies)</a:t>
             </a:r>
-            <a:endParaRPr lang="en-US" sz="1200" dirty="0" smtClean="0"/>
+            <a:endParaRPr lang="en-US" sz="1400" dirty="0" smtClean="0"/>
           </a:p>
           <a:p>
             <a:pPr lvl="1"/>
             <a:r>
-              <a:rPr lang="en-US" sz="1200" dirty="0"/>
+              <a:rPr lang="en-US" sz="1400" dirty="0"/>
               <a:t>Moritz, Benjamin, and Tom Zimmermann, 2016, Tree-Based Conditional Portfolio Sorts: The Relation between Past and Future Stock Returns, </a:t>
             </a:r>
             <a:r>
-              <a:rPr lang="en-US" sz="1200" i="1" dirty="0" err="1"/>
+              <a:rPr lang="en-US" sz="1400" i="1" dirty="0" err="1"/>
               <a:t>Ssrn</a:t>
             </a:r>
             <a:r>
-              <a:rPr lang="en-US" sz="1200" dirty="0"/>
+              <a:rPr lang="en-US" sz="1400" dirty="0"/>
               <a:t>.(R&amp;R Review of Financial Studies</a:t>
             </a:r>
             <a:r>
-              <a:rPr lang="en-US" sz="1200" dirty="0" smtClean="0"/>
+              <a:rPr lang="en-US" sz="1400" dirty="0" smtClean="0"/>
               <a:t>)</a:t>
             </a:r>
-            <a:endParaRPr lang="en-US" sz="1200" dirty="0"/>
+            <a:endParaRPr lang="en-US" sz="1400" dirty="0"/>
           </a:p>
           <a:p>
             <a:pPr lvl="1"/>
             <a:r>
-              <a:rPr lang="en-US" sz="1200" dirty="0" smtClean="0"/>
+              <a:rPr lang="en-US" sz="1400" dirty="0" smtClean="0"/>
               <a:t>Feng</a:t>
             </a:r>
             <a:r>
-              <a:rPr lang="en-US" sz="1200" dirty="0"/>
+              <a:rPr lang="en-US" sz="1400" dirty="0"/>
               <a:t>, </a:t>
             </a:r>
             <a:r>
-              <a:rPr lang="en-US" sz="1200" dirty="0" err="1"/>
+              <a:rPr lang="en-US" sz="1400" dirty="0" err="1"/>
               <a:t>Guanhao</a:t>
             </a:r>
             <a:r>
-              <a:rPr lang="en-US" sz="1200" dirty="0"/>
+              <a:rPr lang="en-US" sz="1400" dirty="0"/>
               <a:t>, and Stefano </a:t>
             </a:r>
             <a:r>
-              <a:rPr lang="en-US" sz="1200" dirty="0" err="1"/>
+              <a:rPr lang="en-US" sz="1400" dirty="0" err="1"/>
               <a:t>Giglio</a:t>
             </a:r>
             <a:r>
-              <a:rPr lang="en-US" sz="1200" dirty="0"/>
+              <a:rPr lang="en-US" sz="1400" dirty="0"/>
               <a:t>, 2017, Taming the Factor Zoo, </a:t>
             </a:r>
             <a:r>
-              <a:rPr lang="en-US" sz="1200" i="1" dirty="0"/>
+              <a:rPr lang="en-US" sz="1400" i="1" dirty="0"/>
               <a:t>SSRN Electronic Journal</a:t>
             </a:r>
             <a:r>
-              <a:rPr lang="en-US" sz="1200" dirty="0"/>
+              <a:rPr lang="en-US" sz="1400" dirty="0"/>
               <a:t>, 1–69. (Under Revision)</a:t>
             </a:r>
           </a:p>
           <a:p>
             <a:pPr lvl="1"/>
             <a:r>
-              <a:rPr lang="en-US" sz="1200" dirty="0" err="1" smtClean="0"/>
+              <a:rPr lang="en-US" sz="1400" dirty="0" err="1" smtClean="0"/>
               <a:t>Brogaard</a:t>
             </a:r>
             <a:r>
-              <a:rPr lang="en-US" sz="1200" dirty="0"/>
+              <a:rPr lang="en-US" sz="1400" dirty="0"/>
               <a:t>, Jonathan, and </a:t>
             </a:r>
             <a:r>
-              <a:rPr lang="en-US" sz="1200" dirty="0" err="1"/>
+              <a:rPr lang="en-US" sz="1400" dirty="0" err="1"/>
               <a:t>Abalfazl</a:t>
             </a:r>
             <a:r>
-              <a:rPr lang="en-US" sz="1200" dirty="0"/>
+              <a:rPr lang="en-US" sz="1400" dirty="0"/>
               <a:t> </a:t>
             </a:r>
             <a:r>
-              <a:rPr lang="en-US" sz="1200" dirty="0" err="1"/>
+              <a:rPr lang="en-US" sz="1400" dirty="0" err="1"/>
               <a:t>Zareei</a:t>
             </a:r>
             <a:r>
-              <a:rPr lang="en-US" sz="1200" dirty="0"/>
+              <a:rPr lang="en-US" sz="1400" dirty="0"/>
               <a:t>, 2018, Machine Learning and the Stock Market, </a:t>
             </a:r>
             <a:r>
-              <a:rPr lang="en-US" sz="1200" i="1" dirty="0"/>
+              <a:rPr lang="en-US" sz="1400" i="1" dirty="0"/>
               <a:t>SSRN Electronic Journal</a:t>
             </a:r>
             <a:r>
-              <a:rPr lang="en-US" sz="1200" dirty="0"/>
+              <a:rPr lang="en-US" sz="1400" dirty="0"/>
               <a:t>, 1–57. </a:t>
             </a:r>
           </a:p>
           <a:p>
             <a:pPr lvl="1"/>
             <a:r>
-              <a:rPr lang="en-US" sz="1200" dirty="0" err="1"/>
+              <a:rPr lang="en-US" sz="1400" dirty="0" err="1"/>
               <a:t>Chinco</a:t>
             </a:r>
             <a:r>
-              <a:rPr lang="en-US" sz="1200" dirty="0"/>
+              <a:rPr lang="en-US" sz="1400" dirty="0"/>
               <a:t>, Alex, Andreas </a:t>
             </a:r>
             <a:r>
-              <a:rPr lang="en-US" sz="1200" dirty="0" err="1"/>
+              <a:rPr lang="en-US" sz="1400" dirty="0" err="1"/>
               <a:t>Neuhierl</a:t>
             </a:r>
             <a:r>
-              <a:rPr lang="en-US" sz="1200" dirty="0"/>
+              <a:rPr lang="en-US" sz="1400" dirty="0"/>
               <a:t>, and Michael Weber, 2018, Estimating the Anomaly </a:t>
             </a:r>
             <a:r>
-              <a:rPr lang="en-US" sz="1200" dirty="0" err="1"/>
+              <a:rPr lang="en-US" sz="1400" dirty="0" err="1"/>
               <a:t>Baserate</a:t>
             </a:r>
             <a:r>
-              <a:rPr lang="en-US" sz="1200" dirty="0"/>
+              <a:rPr lang="en-US" sz="1400" dirty="0"/>
               <a:t>, , 1–30.</a:t>
             </a:r>
           </a:p>
           <a:p>
             <a:pPr lvl="1"/>
             <a:r>
-              <a:rPr lang="en-US" sz="1200" dirty="0" err="1"/>
+              <a:rPr lang="en-US" sz="1400" dirty="0" err="1"/>
               <a:t>Gu</a:t>
             </a:r>
             <a:r>
-              <a:rPr lang="en-US" sz="1200" dirty="0"/>
+              <a:rPr lang="en-US" sz="1400" dirty="0"/>
               <a:t>, </a:t>
             </a:r>
             <a:r>
-              <a:rPr lang="en-US" sz="1200" dirty="0" err="1"/>
+              <a:rPr lang="en-US" sz="1400" dirty="0" err="1"/>
               <a:t>Shihao</a:t>
             </a:r>
             <a:r>
-              <a:rPr lang="en-US" sz="1200" dirty="0"/>
+              <a:rPr lang="en-US" sz="1400" dirty="0"/>
               <a:t>, Bryan T. Kelly, and </a:t>
             </a:r>
             <a:r>
-              <a:rPr lang="en-US" sz="1200" dirty="0" err="1"/>
+              <a:rPr lang="en-US" sz="1400" dirty="0" err="1"/>
               <a:t>Dacheng</a:t>
             </a:r>
             <a:r>
-              <a:rPr lang="en-US" sz="1200" dirty="0"/>
+              <a:rPr lang="en-US" sz="1400" dirty="0"/>
               <a:t> </a:t>
             </a:r>
             <a:r>
-              <a:rPr lang="en-US" sz="1200" dirty="0" err="1"/>
+              <a:rPr lang="en-US" sz="1400" dirty="0" err="1"/>
               <a:t>Xiu</a:t>
             </a:r>
             <a:r>
-              <a:rPr lang="en-US" sz="1200" dirty="0"/>
+              <a:rPr lang="en-US" sz="1400" dirty="0"/>
               <a:t>, 2018, Empirical Asset Pricing via Machine Learning, </a:t>
             </a:r>
             <a:r>
-              <a:rPr lang="en-US" sz="1200" i="1" dirty="0" err="1"/>
+              <a:rPr lang="en-US" sz="1400" i="1" dirty="0" err="1"/>
               <a:t>Ssrn</a:t>
             </a:r>
             <a:r>
-              <a:rPr lang="en-US" sz="1200" dirty="0"/>
+              <a:rPr lang="en-US" sz="1400" dirty="0"/>
               <a:t>. </a:t>
             </a:r>
           </a:p>
           <a:p>
             <a:pPr lvl="1"/>
             <a:r>
-              <a:rPr lang="en-US" sz="1200" dirty="0" err="1"/>
+              <a:rPr lang="en-US" sz="1400" dirty="0" err="1"/>
               <a:t>Kozak</a:t>
             </a:r>
             <a:r>
-              <a:rPr lang="en-US" sz="1200" dirty="0"/>
+              <a:rPr lang="en-US" sz="1400" dirty="0"/>
               <a:t>, </a:t>
             </a:r>
             <a:r>
-              <a:rPr lang="en-US" sz="1200" dirty="0" err="1"/>
+              <a:rPr lang="en-US" sz="1400" dirty="0" err="1"/>
               <a:t>Serhiy</a:t>
             </a:r>
             <a:r>
-              <a:rPr lang="en-US" sz="1200" dirty="0"/>
+              <a:rPr lang="en-US" sz="1400" dirty="0"/>
               <a:t>, Stefan Nagel, and </a:t>
             </a:r>
             <a:r>
-              <a:rPr lang="en-US" sz="1200" dirty="0" err="1"/>
+              <a:rPr lang="en-US" sz="1400" dirty="0" err="1"/>
               <a:t>Shrihari</a:t>
             </a:r>
             <a:r>
-              <a:rPr lang="en-US" sz="1200" dirty="0"/>
+              <a:rPr lang="en-US" sz="1400" dirty="0"/>
               <a:t> Santosh, 2017, Shrinking the Cross Section, </a:t>
             </a:r>
             <a:r>
-              <a:rPr lang="en-US" sz="1200" i="1" dirty="0" err="1"/>
+              <a:rPr lang="en-US" sz="1400" i="1" dirty="0" err="1"/>
               <a:t>Ssrn</a:t>
             </a:r>
             <a:r>
-              <a:rPr lang="en-US" sz="1200" dirty="0"/>
+              <a:rPr lang="en-US" sz="1400" dirty="0"/>
               <a:t>, 1–69</a:t>
             </a:r>
             <a:r>
-              <a:rPr lang="en-US" sz="1200" dirty="0" smtClean="0"/>
+              <a:rPr lang="en-US" sz="1400" dirty="0" smtClean="0"/>
               <a:t>.</a:t>
             </a:r>
           </a:p>
           <a:p>
             <a:pPr lvl="1"/>
             <a:r>
-              <a:rPr lang="en-US" sz="1200" dirty="0"/>
+              <a:rPr lang="en-US" sz="1400" dirty="0"/>
               <a:t>Han, </a:t>
             </a:r>
             <a:r>
-              <a:rPr lang="en-US" sz="1200" dirty="0" err="1"/>
+              <a:rPr lang="en-US" sz="1400" dirty="0" err="1"/>
               <a:t>Yufeng</a:t>
             </a:r>
             <a:r>
-              <a:rPr lang="en-US" sz="1200" dirty="0"/>
+              <a:rPr lang="en-US" sz="1400" dirty="0"/>
               <a:t>, Ai He, David E </a:t>
             </a:r>
             <a:r>
-              <a:rPr lang="en-US" sz="1200" dirty="0" err="1"/>
+              <a:rPr lang="en-US" sz="1400" dirty="0" err="1"/>
               <a:t>Rapach</a:t>
             </a:r>
             <a:r>
-              <a:rPr lang="en-US" sz="1200" dirty="0"/>
+              <a:rPr lang="en-US" sz="1400" dirty="0"/>
               <a:t>, and </a:t>
             </a:r>
             <a:r>
-              <a:rPr lang="en-US" sz="1200" dirty="0" err="1"/>
+              <a:rPr lang="en-US" sz="1400" dirty="0" err="1"/>
               <a:t>Guofu</a:t>
             </a:r>
             <a:r>
-              <a:rPr lang="en-US" sz="1200" dirty="0"/>
+              <a:rPr lang="en-US" sz="1400" dirty="0"/>
               <a:t> Zhou, 2018, What Firm Characteristics Drive US Stock Returns?, </a:t>
             </a:r>
             <a:r>
-              <a:rPr lang="en-US" sz="1200" i="1" dirty="0"/>
+              <a:rPr lang="en-US" sz="1400" i="1" dirty="0"/>
               <a:t>Baruch </a:t>
             </a:r>
             <a:r>
-              <a:rPr lang="en-US" sz="1200" i="1" dirty="0" smtClean="0"/>
+              <a:rPr lang="en-US" sz="1400" i="1" dirty="0" smtClean="0"/>
               <a:t>CUNY</a:t>
             </a:r>
             <a:r>
-              <a:rPr lang="en-US" sz="1200" dirty="0" smtClean="0"/>
+              <a:rPr lang="en-US" sz="1400" dirty="0" smtClean="0"/>
               <a:t>.</a:t>
             </a:r>
           </a:p>
@@ -17964,11 +18044,7 @@
             </a:r>
             <a:r>
               <a:rPr lang="en-US" sz="1400" dirty="0" smtClean="0"/>
-              <a:t> </a:t>
-            </a:r>
-            <a:r>
-              <a:rPr lang="en-US" sz="1400" dirty="0" smtClean="0"/>
-              <a:t>predictors </a:t>
+              <a:t> predictors </a:t>
             </a:r>
             <a:r>
               <a:rPr lang="en-US" sz="1400" dirty="0"/>
@@ -18183,68 +18259,30 @@
               <a:rPr lang="en-US" sz="1600" dirty="0" smtClean="0">
                 <a:sym typeface="Wingdings" panose="05000000000000000000" pitchFamily="2" charset="2"/>
               </a:rPr>
-              <a:t>Use ML methods for predicting equity </a:t>
-            </a:r>
-            <a:r>
-              <a:rPr lang="en-US" sz="1600" dirty="0" smtClean="0">
-                <a:sym typeface="Wingdings" panose="05000000000000000000" pitchFamily="2" charset="2"/>
-              </a:rPr>
-              <a:t>premium</a:t>
-            </a:r>
-            <a:endParaRPr lang="en-US" sz="1600" dirty="0" smtClean="0">
-              <a:sym typeface="Wingdings" panose="05000000000000000000" pitchFamily="2" charset="2"/>
-            </a:endParaRPr>
-          </a:p>
-          <a:p>
-            <a:r>
-              <a:rPr lang="en-US" sz="1600" dirty="0" smtClean="0">
-                <a:sym typeface="Wingdings" panose="05000000000000000000" pitchFamily="2" charset="2"/>
-              </a:rPr>
-              <a:t>Start with simple analysis:</a:t>
+              <a:t>Use ML methods for predicting equity premium</a:t>
             </a:r>
           </a:p>
           <a:p>
             <a:pPr lvl="1"/>
             <a:r>
-              <a:rPr lang="en-US" sz="1200" dirty="0" smtClean="0">
+              <a:rPr lang="en-US" dirty="0" smtClean="0">
                 <a:sym typeface="Wingdings" panose="05000000000000000000" pitchFamily="2" charset="2"/>
               </a:rPr>
               <a:t>Start with </a:t>
             </a:r>
             <a:r>
-              <a:rPr lang="en-US" sz="1200" dirty="0"/>
+              <a:rPr lang="en-US" dirty="0"/>
               <a:t>Neely et al. (2014</a:t>
             </a:r>
             <a:r>
-              <a:rPr lang="en-US" sz="1200" dirty="0" smtClean="0"/>
-              <a:t>) + add variables</a:t>
+              <a:rPr lang="en-US" dirty="0" smtClean="0"/>
+              <a:t>) + add predictors</a:t>
             </a:r>
           </a:p>
           <a:p>
             <a:pPr lvl="1"/>
             <a:r>
-              <a:rPr lang="en-US" sz="1200" dirty="0" smtClean="0">
-                <a:sym typeface="Wingdings" panose="05000000000000000000" pitchFamily="2" charset="2"/>
-              </a:rPr>
-              <a:t>Compare </a:t>
-            </a:r>
-            <a:r>
-              <a:rPr lang="en-US" sz="1200" dirty="0">
-                <a:sym typeface="Wingdings" panose="05000000000000000000" pitchFamily="2" charset="2"/>
-              </a:rPr>
-              <a:t>ML methods </a:t>
-            </a:r>
-            <a:r>
-              <a:rPr lang="en-US" sz="1200" dirty="0" smtClean="0">
-                <a:sym typeface="Wingdings" panose="05000000000000000000" pitchFamily="2" charset="2"/>
-              </a:rPr>
-              <a:t> to the PCA method employed in the paper</a:t>
-            </a:r>
-          </a:p>
-          <a:p>
-            <a:pPr lvl="1"/>
-            <a:r>
-              <a:rPr lang="en-US" sz="1200" dirty="0" smtClean="0">
+              <a:rPr lang="en-US" dirty="0" smtClean="0">
                 <a:sym typeface="Wingdings" panose="05000000000000000000" pitchFamily="2" charset="2"/>
               </a:rPr>
               <a:t>Can ML methods  improve prediction accuracy of market returns?</a:t>
